--- a/mongodb/mongodb-slides.pptx
+++ b/mongodb/mongodb-slides.pptx
@@ -5,33 +5,35 @@
     <p:sldMasterId id="2147483648" r:id="rId1"/>
   </p:sldMasterIdLst>
   <p:notesMasterIdLst>
-    <p:notesMasterId r:id="rId23"/>
+    <p:notesMasterId r:id="rId25"/>
   </p:notesMasterIdLst>
   <p:handoutMasterIdLst>
-    <p:handoutMasterId r:id="rId24"/>
+    <p:handoutMasterId r:id="rId26"/>
   </p:handoutMasterIdLst>
   <p:sldIdLst>
     <p:sldId id="256" r:id="rId2"/>
-    <p:sldId id="266" r:id="rId3"/>
-    <p:sldId id="259" r:id="rId4"/>
-    <p:sldId id="260" r:id="rId5"/>
-    <p:sldId id="262" r:id="rId6"/>
-    <p:sldId id="263" r:id="rId7"/>
-    <p:sldId id="264" r:id="rId8"/>
-    <p:sldId id="265" r:id="rId9"/>
-    <p:sldId id="273" r:id="rId10"/>
-    <p:sldId id="267" r:id="rId11"/>
-    <p:sldId id="268" r:id="rId12"/>
-    <p:sldId id="269" r:id="rId13"/>
-    <p:sldId id="270" r:id="rId14"/>
-    <p:sldId id="271" r:id="rId15"/>
-    <p:sldId id="272" r:id="rId16"/>
-    <p:sldId id="274" r:id="rId17"/>
-    <p:sldId id="275" r:id="rId18"/>
-    <p:sldId id="276" r:id="rId19"/>
-    <p:sldId id="277" r:id="rId20"/>
-    <p:sldId id="278" r:id="rId21"/>
-    <p:sldId id="279" r:id="rId22"/>
+    <p:sldId id="280" r:id="rId3"/>
+    <p:sldId id="281" r:id="rId4"/>
+    <p:sldId id="266" r:id="rId5"/>
+    <p:sldId id="259" r:id="rId6"/>
+    <p:sldId id="260" r:id="rId7"/>
+    <p:sldId id="262" r:id="rId8"/>
+    <p:sldId id="263" r:id="rId9"/>
+    <p:sldId id="264" r:id="rId10"/>
+    <p:sldId id="265" r:id="rId11"/>
+    <p:sldId id="273" r:id="rId12"/>
+    <p:sldId id="267" r:id="rId13"/>
+    <p:sldId id="268" r:id="rId14"/>
+    <p:sldId id="269" r:id="rId15"/>
+    <p:sldId id="270" r:id="rId16"/>
+    <p:sldId id="271" r:id="rId17"/>
+    <p:sldId id="272" r:id="rId18"/>
+    <p:sldId id="274" r:id="rId19"/>
+    <p:sldId id="275" r:id="rId20"/>
+    <p:sldId id="276" r:id="rId21"/>
+    <p:sldId id="277" r:id="rId22"/>
+    <p:sldId id="278" r:id="rId23"/>
+    <p:sldId id="279" r:id="rId24"/>
   </p:sldIdLst>
   <p:sldSz cx="9144000" cy="6858000" type="screen4x3"/>
   <p:notesSz cx="6858000" cy="9144000"/>
@@ -9723,19 +9725,7 @@
       </p:grpSpPr>
       <p:sp>
         <p:nvSpPr>
-          <p:cNvPr id="2" name="Picture Placeholder 1"/>
-          <p:cNvSpPr>
-            <a:spLocks noGrp="1"/>
-          </p:cNvSpPr>
-          <p:nvPr>
-            <p:ph type="pic" sz="quarter" idx="10"/>
-          </p:nvPr>
-        </p:nvSpPr>
-        <p:spPr/>
-      </p:sp>
-      <p:sp>
-        <p:nvSpPr>
-          <p:cNvPr id="3" name="Title 2"/>
+          <p:cNvPr id="2" name="Title 1"/>
           <p:cNvSpPr>
             <a:spLocks noGrp="1"/>
           </p:cNvSpPr>
@@ -9746,7 +9736,7 @@
         <p:spPr>
           <a:xfrm>
             <a:off x="321623" y="418905"/>
-            <a:ext cx="3553213" cy="307777"/>
+            <a:ext cx="1877790" cy="307777"/>
           </a:xfrm>
         </p:spPr>
         <p:txBody>
@@ -9755,7 +9745,7 @@
           <a:p>
             <a:r>
               <a:rPr lang="en-US" dirty="0" smtClean="0"/>
-              <a:t>Queries and the shell</a:t>
+              <a:t>Trade-offs</a:t>
             </a:r>
             <a:endParaRPr lang="en-US" dirty="0"/>
           </a:p>
@@ -9763,7 +9753,106 @@
       </p:sp>
       <p:sp>
         <p:nvSpPr>
-          <p:cNvPr id="4" name="Slide Number Placeholder 3"/>
+          <p:cNvPr id="3" name="Text Placeholder 2"/>
+          <p:cNvSpPr>
+            <a:spLocks noGrp="1"/>
+          </p:cNvSpPr>
+          <p:nvPr>
+            <p:ph type="body" sz="quarter" idx="11"/>
+          </p:nvPr>
+        </p:nvSpPr>
+        <p:spPr/>
+        <p:txBody>
+          <a:bodyPr/>
+          <a:lstStyle/>
+          <a:p>
+            <a:r>
+              <a:rPr lang="en-US" dirty="0" smtClean="0"/>
+              <a:t>No support for joining data between documents in database.</a:t>
+            </a:r>
+          </a:p>
+          <a:p>
+            <a:endParaRPr lang="en-US" dirty="0" smtClean="0"/>
+          </a:p>
+          <a:p>
+            <a:r>
+              <a:rPr lang="en-US" dirty="0" smtClean="0"/>
+              <a:t>Joins can in many cases be avoided by embedding or </a:t>
+            </a:r>
+            <a:r>
+              <a:rPr lang="en-US" dirty="0" err="1" smtClean="0"/>
+              <a:t>denormalizing</a:t>
+            </a:r>
+            <a:r>
+              <a:rPr lang="en-US" dirty="0" smtClean="0"/>
+              <a:t> data.</a:t>
+            </a:r>
+          </a:p>
+          <a:p>
+            <a:endParaRPr lang="en-US" dirty="0"/>
+          </a:p>
+          <a:p>
+            <a:r>
+              <a:rPr lang="en-US" dirty="0" smtClean="0"/>
+              <a:t>Last resort is to join data in application code.</a:t>
+            </a:r>
+          </a:p>
+        </p:txBody>
+      </p:sp>
+      <p:sp>
+        <p:nvSpPr>
+          <p:cNvPr id="4" name="Text Placeholder 3"/>
+          <p:cNvSpPr>
+            <a:spLocks noGrp="1"/>
+          </p:cNvSpPr>
+          <p:nvPr>
+            <p:ph type="body" sz="quarter" idx="12"/>
+          </p:nvPr>
+        </p:nvSpPr>
+        <p:spPr/>
+        <p:txBody>
+          <a:bodyPr/>
+          <a:lstStyle/>
+          <a:p>
+            <a:r>
+              <a:rPr lang="en-US" dirty="0" smtClean="0"/>
+              <a:t>No support for transactions. </a:t>
+            </a:r>
+          </a:p>
+          <a:p>
+            <a:endParaRPr lang="en-US" dirty="0"/>
+          </a:p>
+          <a:p>
+            <a:r>
+              <a:rPr lang="en-US" dirty="0" err="1" smtClean="0"/>
+              <a:t>Atomical</a:t>
+            </a:r>
+            <a:r>
+              <a:rPr lang="en-US" dirty="0" smtClean="0"/>
+              <a:t> write operations on a per-document level.</a:t>
+            </a:r>
+          </a:p>
+          <a:p>
+            <a:endParaRPr lang="en-US" dirty="0" smtClean="0"/>
+          </a:p>
+          <a:p>
+            <a:r>
+              <a:rPr lang="en-US" dirty="0" smtClean="0"/>
+              <a:t>Work around by embedding or application code.</a:t>
+            </a:r>
+            <a:endParaRPr lang="en-US" dirty="0"/>
+          </a:p>
+          <a:p>
+            <a:endParaRPr lang="en-US" dirty="0" smtClean="0"/>
+          </a:p>
+          <a:p>
+            <a:endParaRPr lang="en-US" dirty="0"/>
+          </a:p>
+        </p:txBody>
+      </p:sp>
+      <p:sp>
+        <p:nvSpPr>
+          <p:cNvPr id="5" name="Slide Number Placeholder 4"/>
           <p:cNvSpPr>
             <a:spLocks noGrp="1"/>
           </p:cNvSpPr>
@@ -9785,40 +9874,66 @@
           </a:p>
         </p:txBody>
       </p:sp>
-      <p:pic>
-        <p:nvPicPr>
-          <p:cNvPr id="5" name="Picture 4" descr="shell_prompt.gif"/>
-          <p:cNvPicPr>
-            <a:picLocks noChangeAspect="1"/>
-          </p:cNvPicPr>
-          <p:nvPr/>
-        </p:nvPicPr>
-        <p:blipFill>
-          <a:blip r:embed="rId2">
-            <a:extLst>
-              <a:ext uri="{28A0092B-C50C-407E-A947-70E740481C1C}">
-                <a14:useLocalDpi xmlns:a14="http://schemas.microsoft.com/office/drawing/2010/main" val="0"/>
-              </a:ext>
-            </a:extLst>
-          </a:blip>
-          <a:stretch>
-            <a:fillRect/>
-          </a:stretch>
-        </p:blipFill>
-        <p:spPr>
-          <a:xfrm>
-            <a:off x="0" y="1280160"/>
-            <a:ext cx="9144000" cy="4572000"/>
-          </a:xfrm>
-          <a:prstGeom prst="rect">
-            <a:avLst/>
-          </a:prstGeom>
-        </p:spPr>
-      </p:pic>
+      <p:sp>
+        <p:nvSpPr>
+          <p:cNvPr id="6" name="Text Placeholder 5"/>
+          <p:cNvSpPr>
+            <a:spLocks noGrp="1"/>
+          </p:cNvSpPr>
+          <p:nvPr>
+            <p:ph type="body" sz="quarter" idx="13"/>
+          </p:nvPr>
+        </p:nvSpPr>
+        <p:spPr>
+          <a:xfrm>
+            <a:off x="331394" y="1272002"/>
+            <a:ext cx="953171" cy="276999"/>
+          </a:xfrm>
+        </p:spPr>
+        <p:txBody>
+          <a:bodyPr/>
+          <a:lstStyle/>
+          <a:p>
+            <a:r>
+              <a:rPr lang="en-US" dirty="0" smtClean="0"/>
+              <a:t>÷ Joins</a:t>
+            </a:r>
+            <a:endParaRPr lang="en-US" dirty="0"/>
+          </a:p>
+        </p:txBody>
+      </p:sp>
+      <p:sp>
+        <p:nvSpPr>
+          <p:cNvPr id="7" name="Text Placeholder 6"/>
+          <p:cNvSpPr>
+            <a:spLocks noGrp="1"/>
+          </p:cNvSpPr>
+          <p:nvPr>
+            <p:ph type="body" sz="quarter" idx="14"/>
+          </p:nvPr>
+        </p:nvSpPr>
+        <p:spPr>
+          <a:xfrm>
+            <a:off x="4632714" y="1272002"/>
+            <a:ext cx="1724341" cy="276999"/>
+          </a:xfrm>
+        </p:spPr>
+        <p:txBody>
+          <a:bodyPr/>
+          <a:lstStyle/>
+          <a:p>
+            <a:r>
+              <a:rPr lang="en-US" dirty="0" smtClean="0"/>
+              <a:t>÷ Transactions</a:t>
+            </a:r>
+            <a:endParaRPr lang="en-US" dirty="0"/>
+          </a:p>
+        </p:txBody>
+      </p:sp>
     </p:spTree>
     <p:extLst>
       <p:ext uri="{BB962C8B-B14F-4D97-AF65-F5344CB8AC3E}">
-        <p14:creationId xmlns:p14="http://schemas.microsoft.com/office/powerpoint/2010/main" val="3601541952"/>
+        <p14:creationId xmlns:p14="http://schemas.microsoft.com/office/powerpoint/2010/main" val="4253114601"/>
       </p:ext>
     </p:extLst>
   </p:cSld>
@@ -9868,7 +9983,7 @@
         <p:spPr>
           <a:xfrm>
             <a:off x="321623" y="418905"/>
-            <a:ext cx="2660872" cy="307777"/>
+            <a:ext cx="2252797" cy="307777"/>
           </a:xfrm>
         </p:spPr>
         <p:txBody>
@@ -9877,7 +9992,7 @@
           <a:p>
             <a:r>
               <a:rPr lang="en-US" dirty="0" smtClean="0"/>
-              <a:t>Query language</a:t>
+              <a:t>Trade-Wins(?)</a:t>
             </a:r>
             <a:endParaRPr lang="en-US" dirty="0"/>
           </a:p>
@@ -9885,12 +10000,97 @@
       </p:sp>
       <p:sp>
         <p:nvSpPr>
-          <p:cNvPr id="3" name="Slide Number Placeholder 2"/>
-          <p:cNvSpPr>
-            <a:spLocks noGrp="1"/>
-          </p:cNvSpPr>
-          <p:nvPr>
-            <p:ph type="sldNum" sz="quarter" idx="10"/>
+          <p:cNvPr id="3" name="Text Placeholder 2"/>
+          <p:cNvSpPr>
+            <a:spLocks noGrp="1"/>
+          </p:cNvSpPr>
+          <p:nvPr>
+            <p:ph type="body" sz="quarter" idx="11"/>
+          </p:nvPr>
+        </p:nvSpPr>
+        <p:spPr/>
+        <p:txBody>
+          <a:bodyPr/>
+          <a:lstStyle/>
+          <a:p>
+            <a:r>
+              <a:rPr lang="en-US" dirty="0" err="1" smtClean="0"/>
+              <a:t>MongoDB</a:t>
+            </a:r>
+            <a:r>
+              <a:rPr lang="en-US" dirty="0" smtClean="0"/>
+              <a:t> does not enforce any schema.</a:t>
+            </a:r>
+          </a:p>
+          <a:p>
+            <a:endParaRPr lang="en-US" dirty="0"/>
+          </a:p>
+          <a:p>
+            <a:r>
+              <a:rPr lang="en-US" dirty="0" smtClean="0"/>
+              <a:t>Easier to get started.</a:t>
+            </a:r>
+          </a:p>
+          <a:p>
+            <a:endParaRPr lang="en-US" dirty="0"/>
+          </a:p>
+          <a:p>
+            <a:r>
+              <a:rPr lang="en-US" dirty="0" smtClean="0"/>
+              <a:t>Gives a lot of freedom and responsibility to the developer.</a:t>
+            </a:r>
+            <a:endParaRPr lang="en-US" dirty="0"/>
+          </a:p>
+        </p:txBody>
+      </p:sp>
+      <p:sp>
+        <p:nvSpPr>
+          <p:cNvPr id="4" name="Text Placeholder 3"/>
+          <p:cNvSpPr>
+            <a:spLocks noGrp="1"/>
+          </p:cNvSpPr>
+          <p:nvPr>
+            <p:ph type="body" sz="quarter" idx="12"/>
+          </p:nvPr>
+        </p:nvSpPr>
+        <p:spPr/>
+        <p:txBody>
+          <a:bodyPr/>
+          <a:lstStyle/>
+          <a:p>
+            <a:r>
+              <a:rPr lang="en-US" dirty="0" smtClean="0"/>
+              <a:t>Design schema towards access pattern.</a:t>
+            </a:r>
+          </a:p>
+          <a:p>
+            <a:endParaRPr lang="en-US" dirty="0"/>
+          </a:p>
+          <a:p>
+            <a:r>
+              <a:rPr lang="en-US" dirty="0" smtClean="0"/>
+              <a:t>Embed data that belong together. Fetch all data you need in one simple query. No need for joins.</a:t>
+            </a:r>
+          </a:p>
+          <a:p>
+            <a:endParaRPr lang="en-US" dirty="0"/>
+          </a:p>
+          <a:p>
+            <a:r>
+              <a:rPr lang="en-US" dirty="0" smtClean="0"/>
+              <a:t>No difference between application model and database model means less code.</a:t>
+            </a:r>
+          </a:p>
+        </p:txBody>
+      </p:sp>
+      <p:sp>
+        <p:nvSpPr>
+          <p:cNvPr id="5" name="Slide Number Placeholder 4"/>
+          <p:cNvSpPr>
+            <a:spLocks noGrp="1"/>
+          </p:cNvSpPr>
+          <p:nvPr>
+            <p:ph type="sldNum" sz="quarter" idx="4"/>
           </p:nvPr>
         </p:nvSpPr>
         <p:spPr/>
@@ -9909,40 +10109,55 @@
       </p:sp>
       <p:sp>
         <p:nvSpPr>
-          <p:cNvPr id="4" name="Text Placeholder 3"/>
-          <p:cNvSpPr>
-            <a:spLocks noGrp="1"/>
-          </p:cNvSpPr>
-          <p:nvPr>
-            <p:ph type="body" sz="quarter" idx="11"/>
-          </p:nvPr>
-        </p:nvSpPr>
-        <p:spPr/>
+          <p:cNvPr id="6" name="Text Placeholder 5"/>
+          <p:cNvSpPr>
+            <a:spLocks noGrp="1"/>
+          </p:cNvSpPr>
+          <p:nvPr>
+            <p:ph type="body" sz="quarter" idx="13"/>
+          </p:nvPr>
+        </p:nvSpPr>
+        <p:spPr>
+          <a:xfrm>
+            <a:off x="331394" y="1272002"/>
+            <a:ext cx="1378430" cy="276999"/>
+          </a:xfrm>
+        </p:spPr>
         <p:txBody>
           <a:bodyPr/>
           <a:lstStyle/>
           <a:p>
             <a:r>
-              <a:rPr lang="en-US" dirty="0" smtClean="0"/>
-              <a:t>No specific query language.</a:t>
-            </a:r>
-          </a:p>
-          <a:p>
+              <a:rPr lang="en-US" dirty="0" err="1" smtClean="0"/>
+              <a:t>Schemaless</a:t>
+            </a:r>
             <a:endParaRPr lang="en-US" dirty="0"/>
           </a:p>
-          <a:p>
-            <a:r>
-              <a:rPr lang="en-US" dirty="0" smtClean="0"/>
-              <a:t>Only methods in different programming language drivers.</a:t>
-            </a:r>
-          </a:p>
-          <a:p>
-            <a:endParaRPr lang="en-US" dirty="0"/>
-          </a:p>
-          <a:p>
-            <a:r>
-              <a:rPr lang="en-US" dirty="0" smtClean="0"/>
-              <a:t>Language drivers communicate via a wire-protocol to the database-server.</a:t>
+        </p:txBody>
+      </p:sp>
+      <p:sp>
+        <p:nvSpPr>
+          <p:cNvPr id="7" name="Text Placeholder 6"/>
+          <p:cNvSpPr>
+            <a:spLocks noGrp="1"/>
+          </p:cNvSpPr>
+          <p:nvPr>
+            <p:ph type="body" sz="quarter" idx="14"/>
+          </p:nvPr>
+        </p:nvSpPr>
+        <p:spPr>
+          <a:xfrm>
+            <a:off x="4632714" y="1272002"/>
+            <a:ext cx="2907920" cy="276999"/>
+          </a:xfrm>
+        </p:spPr>
+        <p:txBody>
+          <a:bodyPr/>
+          <a:lstStyle/>
+          <a:p>
+            <a:r>
+              <a:rPr lang="en-US" dirty="0" smtClean="0"/>
+              <a:t>Bias toward access pattern</a:t>
             </a:r>
             <a:endParaRPr lang="en-US" dirty="0"/>
           </a:p>
@@ -9951,7 +10166,7 @@
     </p:spTree>
     <p:extLst>
       <p:ext uri="{BB962C8B-B14F-4D97-AF65-F5344CB8AC3E}">
-        <p14:creationId xmlns:p14="http://schemas.microsoft.com/office/powerpoint/2010/main" val="923512922"/>
+        <p14:creationId xmlns:p14="http://schemas.microsoft.com/office/powerpoint/2010/main" val="3697191711"/>
       </p:ext>
     </p:extLst>
   </p:cSld>
@@ -9983,7 +10198,19 @@
       </p:grpSpPr>
       <p:sp>
         <p:nvSpPr>
-          <p:cNvPr id="2" name="Title 1"/>
+          <p:cNvPr id="2" name="Picture Placeholder 1"/>
+          <p:cNvSpPr>
+            <a:spLocks noGrp="1"/>
+          </p:cNvSpPr>
+          <p:nvPr>
+            <p:ph type="pic" sz="quarter" idx="10"/>
+          </p:nvPr>
+        </p:nvSpPr>
+        <p:spPr/>
+      </p:sp>
+      <p:sp>
+        <p:nvSpPr>
+          <p:cNvPr id="3" name="Title 2"/>
           <p:cNvSpPr>
             <a:spLocks noGrp="1"/>
           </p:cNvSpPr>
@@ -9994,7 +10221,7 @@
         <p:spPr>
           <a:xfrm>
             <a:off x="321623" y="418905"/>
-            <a:ext cx="2528539" cy="307777"/>
+            <a:ext cx="3553213" cy="307777"/>
           </a:xfrm>
         </p:spPr>
         <p:txBody>
@@ -10002,12 +10229,8 @@
           <a:lstStyle/>
           <a:p>
             <a:r>
-              <a:rPr lang="en-US" dirty="0" err="1" smtClean="0"/>
-              <a:t>Mongodb</a:t>
-            </a:r>
-            <a:r>
-              <a:rPr lang="en-US" dirty="0" smtClean="0"/>
-              <a:t> shell</a:t>
+              <a:rPr lang="en-US" dirty="0" smtClean="0"/>
+              <a:t>Queries and the shell</a:t>
             </a:r>
             <a:endParaRPr lang="en-US" dirty="0"/>
           </a:p>
@@ -10015,12 +10238,12 @@
       </p:sp>
       <p:sp>
         <p:nvSpPr>
-          <p:cNvPr id="3" name="Slide Number Placeholder 2"/>
-          <p:cNvSpPr>
-            <a:spLocks noGrp="1"/>
-          </p:cNvSpPr>
-          <p:nvPr>
-            <p:ph type="sldNum" sz="quarter" idx="10"/>
+          <p:cNvPr id="4" name="Slide Number Placeholder 3"/>
+          <p:cNvSpPr>
+            <a:spLocks noGrp="1"/>
+          </p:cNvSpPr>
+          <p:nvPr>
+            <p:ph type="sldNum" sz="quarter" idx="4"/>
           </p:nvPr>
         </p:nvSpPr>
         <p:spPr/>
@@ -10037,311 +10260,40 @@
           </a:p>
         </p:txBody>
       </p:sp>
-      <p:sp>
-        <p:nvSpPr>
-          <p:cNvPr id="4" name="Text Placeholder 3"/>
-          <p:cNvSpPr>
-            <a:spLocks noGrp="1"/>
-          </p:cNvSpPr>
-          <p:nvPr>
-            <p:ph type="body" sz="quarter" idx="11"/>
-          </p:nvPr>
-        </p:nvSpPr>
-        <p:spPr/>
-        <p:txBody>
-          <a:bodyPr/>
-          <a:lstStyle/>
-          <a:p>
-            <a:r>
-              <a:rPr lang="en-US" dirty="0" smtClean="0"/>
-              <a:t>We are going to use the </a:t>
-            </a:r>
-            <a:r>
-              <a:rPr lang="en-US" dirty="0" err="1" smtClean="0"/>
-              <a:t>mongodb</a:t>
-            </a:r>
-            <a:r>
-              <a:rPr lang="en-US" dirty="0" smtClean="0"/>
-              <a:t> shell which is bundled with every install of </a:t>
-            </a:r>
-            <a:r>
-              <a:rPr lang="en-US" dirty="0" err="1" smtClean="0"/>
-              <a:t>MongoDB</a:t>
-            </a:r>
-            <a:r>
-              <a:rPr lang="en-US" dirty="0" smtClean="0"/>
-              <a:t>.</a:t>
-            </a:r>
-          </a:p>
-          <a:p>
-            <a:endParaRPr lang="en-US" dirty="0"/>
-          </a:p>
-          <a:p>
-            <a:r>
-              <a:rPr lang="en-US" dirty="0" smtClean="0"/>
-              <a:t>Uses </a:t>
-            </a:r>
-            <a:r>
-              <a:rPr lang="en-US" dirty="0" err="1" smtClean="0"/>
-              <a:t>javascript</a:t>
-            </a:r>
-            <a:r>
-              <a:rPr lang="en-US" dirty="0" smtClean="0"/>
-              <a:t>.</a:t>
-            </a:r>
-          </a:p>
-          <a:p>
-            <a:endParaRPr lang="en-US" dirty="0"/>
-          </a:p>
-          <a:p>
-            <a:endParaRPr lang="en-US" dirty="0"/>
-          </a:p>
-        </p:txBody>
-      </p:sp>
-      <p:sp>
-        <p:nvSpPr>
-          <p:cNvPr id="5" name="TextBox 4"/>
-          <p:cNvSpPr txBox="1"/>
+      <p:pic>
+        <p:nvPicPr>
+          <p:cNvPr id="5" name="Picture 4" descr="shell_prompt.gif"/>
+          <p:cNvPicPr>
+            <a:picLocks noChangeAspect="1"/>
+          </p:cNvPicPr>
           <p:nvPr/>
-        </p:nvSpPr>
-        <p:spPr>
-          <a:xfrm>
-            <a:off x="4592319" y="2018854"/>
-            <a:ext cx="4138987" cy="4642296"/>
+        </p:nvPicPr>
+        <p:blipFill>
+          <a:blip r:embed="rId2">
+            <a:extLst>
+              <a:ext uri="{28A0092B-C50C-407E-A947-70E740481C1C}">
+                <a14:useLocalDpi xmlns:a14="http://schemas.microsoft.com/office/drawing/2010/main" val="0"/>
+              </a:ext>
+            </a:extLst>
+          </a:blip>
+          <a:stretch>
+            <a:fillRect/>
+          </a:stretch>
+        </p:blipFill>
+        <p:spPr>
+          <a:xfrm>
+            <a:off x="0" y="1280160"/>
+            <a:ext cx="9144000" cy="4572000"/>
           </a:xfrm>
           <a:prstGeom prst="rect">
             <a:avLst/>
           </a:prstGeom>
         </p:spPr>
-        <p:style>
-          <a:lnRef idx="2">
-            <a:schemeClr val="dk1"/>
-          </a:lnRef>
-          <a:fillRef idx="1">
-            <a:schemeClr val="lt1"/>
-          </a:fillRef>
-          <a:effectRef idx="0">
-            <a:schemeClr val="dk1"/>
-          </a:effectRef>
-          <a:fontRef idx="minor">
-            <a:schemeClr val="dk1"/>
-          </a:fontRef>
-        </p:style>
-        <p:txBody>
-          <a:bodyPr wrap="square" rtlCol="0">
-            <a:spAutoFit/>
-          </a:bodyPr>
-          <a:lstStyle/>
-          <a:p>
-            <a:pPr>
-              <a:spcBef>
-                <a:spcPts val="600"/>
-              </a:spcBef>
-              <a:spcAft>
-                <a:spcPts val="400"/>
-              </a:spcAft>
-            </a:pPr>
-            <a:r>
-              <a:rPr lang="en-US" sz="1700" dirty="0" smtClean="0"/>
-              <a:t>$ mongo</a:t>
-            </a:r>
-          </a:p>
-          <a:p>
-            <a:pPr>
-              <a:spcBef>
-                <a:spcPts val="600"/>
-              </a:spcBef>
-              <a:spcAft>
-                <a:spcPts val="400"/>
-              </a:spcAft>
-            </a:pPr>
-            <a:r>
-              <a:rPr lang="en-US" sz="1700" i="1" dirty="0" smtClean="0"/>
-              <a:t>Connect to </a:t>
-            </a:r>
-            <a:r>
-              <a:rPr lang="en-US" sz="1700" i="1" dirty="0" err="1" smtClean="0"/>
-              <a:t>mongod</a:t>
-            </a:r>
-            <a:r>
-              <a:rPr lang="en-US" sz="1700" i="1" dirty="0" smtClean="0"/>
-              <a:t> on localhost:27017</a:t>
-            </a:r>
-          </a:p>
-          <a:p>
-            <a:pPr>
-              <a:spcBef>
-                <a:spcPts val="600"/>
-              </a:spcBef>
-              <a:spcAft>
-                <a:spcPts val="400"/>
-              </a:spcAft>
-            </a:pPr>
-            <a:r>
-              <a:rPr lang="en-US" sz="1700" dirty="0" smtClean="0"/>
-              <a:t>&gt; Show </a:t>
-            </a:r>
-            <a:r>
-              <a:rPr lang="en-US" sz="1700" dirty="0" err="1" smtClean="0"/>
-              <a:t>dbs</a:t>
-            </a:r>
-            <a:endParaRPr lang="en-US" sz="1700" dirty="0" smtClean="0"/>
-          </a:p>
-          <a:p>
-            <a:pPr>
-              <a:spcBef>
-                <a:spcPts val="600"/>
-              </a:spcBef>
-              <a:spcAft>
-                <a:spcPts val="400"/>
-              </a:spcAft>
-            </a:pPr>
-            <a:r>
-              <a:rPr lang="en-US" sz="1700" i="1" dirty="0" smtClean="0"/>
-              <a:t>List of databases</a:t>
-            </a:r>
-          </a:p>
-          <a:p>
-            <a:pPr>
-              <a:spcBef>
-                <a:spcPts val="600"/>
-              </a:spcBef>
-              <a:spcAft>
-                <a:spcPts val="400"/>
-              </a:spcAft>
-            </a:pPr>
-            <a:r>
-              <a:rPr lang="en-US" sz="1700" i="1" dirty="0" smtClean="0"/>
-              <a:t>&gt; </a:t>
-            </a:r>
-            <a:r>
-              <a:rPr lang="en-US" sz="1700" dirty="0" smtClean="0"/>
-              <a:t>Use </a:t>
-            </a:r>
-            <a:r>
-              <a:rPr lang="en-US" sz="1700" dirty="0" err="1" smtClean="0"/>
-              <a:t>kursserie</a:t>
-            </a:r>
-            <a:endParaRPr lang="en-US" sz="1700" dirty="0" smtClean="0"/>
-          </a:p>
-          <a:p>
-            <a:pPr>
-              <a:spcBef>
-                <a:spcPts val="600"/>
-              </a:spcBef>
-              <a:spcAft>
-                <a:spcPts val="400"/>
-              </a:spcAft>
-            </a:pPr>
-            <a:r>
-              <a:rPr lang="en-US" sz="1700" i="1" dirty="0" smtClean="0"/>
-              <a:t>Switch to the </a:t>
-            </a:r>
-            <a:r>
-              <a:rPr lang="en-US" sz="1700" i="1" dirty="0" err="1" smtClean="0"/>
-              <a:t>kursserie</a:t>
-            </a:r>
-            <a:r>
-              <a:rPr lang="en-US" sz="1700" i="1" dirty="0" smtClean="0"/>
-              <a:t> database</a:t>
-            </a:r>
-          </a:p>
-          <a:p>
-            <a:pPr>
-              <a:spcBef>
-                <a:spcPts val="600"/>
-              </a:spcBef>
-              <a:spcAft>
-                <a:spcPts val="400"/>
-              </a:spcAft>
-            </a:pPr>
-            <a:r>
-              <a:rPr lang="en-US" sz="1700" i="1" dirty="0" smtClean="0"/>
-              <a:t>&gt; Show collections</a:t>
-            </a:r>
-          </a:p>
-          <a:p>
-            <a:pPr>
-              <a:spcBef>
-                <a:spcPts val="600"/>
-              </a:spcBef>
-              <a:spcAft>
-                <a:spcPts val="400"/>
-              </a:spcAft>
-            </a:pPr>
-            <a:r>
-              <a:rPr lang="en-US" sz="1700" dirty="0" smtClean="0"/>
-              <a:t>products</a:t>
-            </a:r>
-          </a:p>
-          <a:p>
-            <a:pPr>
-              <a:spcBef>
-                <a:spcPts val="600"/>
-              </a:spcBef>
-              <a:spcAft>
-                <a:spcPts val="400"/>
-              </a:spcAft>
-            </a:pPr>
-            <a:r>
-              <a:rPr lang="en-US" sz="1700" dirty="0" err="1" smtClean="0"/>
-              <a:t>system.indexes</a:t>
-            </a:r>
-            <a:endParaRPr lang="en-US" sz="1700" dirty="0" smtClean="0"/>
-          </a:p>
-          <a:p>
-            <a:pPr>
-              <a:spcBef>
-                <a:spcPts val="600"/>
-              </a:spcBef>
-              <a:spcAft>
-                <a:spcPts val="400"/>
-              </a:spcAft>
-            </a:pPr>
-            <a:r>
-              <a:rPr lang="en-US" sz="1700" dirty="0" smtClean="0"/>
-              <a:t>users</a:t>
-            </a:r>
-          </a:p>
-          <a:p>
-            <a:pPr>
-              <a:spcBef>
-                <a:spcPts val="600"/>
-              </a:spcBef>
-              <a:spcAft>
-                <a:spcPts val="400"/>
-              </a:spcAft>
-            </a:pPr>
-            <a:r>
-              <a:rPr lang="en-US" sz="1700" dirty="0" smtClean="0"/>
-              <a:t>&gt; </a:t>
-            </a:r>
-            <a:r>
-              <a:rPr lang="en-US" sz="1700" dirty="0" err="1" smtClean="0"/>
-              <a:t>db.products.findOne</a:t>
-            </a:r>
-            <a:r>
-              <a:rPr lang="en-US" sz="1700" dirty="0" smtClean="0"/>
-              <a:t>();</a:t>
-            </a:r>
-          </a:p>
-          <a:p>
-            <a:pPr>
-              <a:spcBef>
-                <a:spcPts val="600"/>
-              </a:spcBef>
-              <a:spcAft>
-                <a:spcPts val="400"/>
-              </a:spcAft>
-            </a:pPr>
-            <a:endParaRPr lang="en-US" sz="1700" dirty="0" err="1" smtClean="0"/>
-          </a:p>
-        </p:txBody>
-      </p:sp>
+      </p:pic>
     </p:spTree>
     <p:extLst>
       <p:ext uri="{BB962C8B-B14F-4D97-AF65-F5344CB8AC3E}">
-        <p14:creationId xmlns:p14="http://schemas.microsoft.com/office/powerpoint/2010/main" val="2598251649"/>
+        <p14:creationId xmlns:p14="http://schemas.microsoft.com/office/powerpoint/2010/main" val="3601541952"/>
       </p:ext>
     </p:extLst>
   </p:cSld>
@@ -10351,6 +10303,13 @@
   <p:transition xmlns:p14="http://schemas.microsoft.com/office/powerpoint/2010/main">
     <p:fade thruBlk="1"/>
   </p:transition>
+  <p:timing>
+    <p:tnLst>
+      <p:par>
+        <p:cTn xmlns:p14="http://schemas.microsoft.com/office/powerpoint/2010/main" id="1" dur="indefinite" restart="never" nodeType="tmRoot"/>
+      </p:par>
+    </p:tnLst>
+  </p:timing>
 </p:sld>
 </file>
 
@@ -10384,7 +10343,7 @@
         <p:spPr>
           <a:xfrm>
             <a:off x="321623" y="418905"/>
-            <a:ext cx="1047409" cy="307777"/>
+            <a:ext cx="2660872" cy="307777"/>
           </a:xfrm>
         </p:spPr>
         <p:txBody>
@@ -10393,7 +10352,7 @@
           <a:p>
             <a:r>
               <a:rPr lang="en-US" dirty="0" smtClean="0"/>
-              <a:t>Finds</a:t>
+              <a:t>Query language</a:t>
             </a:r>
             <a:endParaRPr lang="en-US" dirty="0"/>
           </a:p>
@@ -10401,256 +10360,12 @@
       </p:sp>
       <p:sp>
         <p:nvSpPr>
-          <p:cNvPr id="3" name="Text Placeholder 2"/>
-          <p:cNvSpPr>
-            <a:spLocks noGrp="1"/>
-          </p:cNvSpPr>
-          <p:nvPr>
-            <p:ph type="body" sz="quarter" idx="11"/>
-          </p:nvPr>
-        </p:nvSpPr>
-        <p:spPr/>
-        <p:txBody>
-          <a:bodyPr/>
-          <a:lstStyle/>
-          <a:p>
-            <a:r>
-              <a:rPr lang="en-US" dirty="0" smtClean="0"/>
-              <a:t>&gt; </a:t>
-            </a:r>
-            <a:r>
-              <a:rPr lang="en-US" dirty="0" err="1" smtClean="0"/>
-              <a:t>db.collection.find</a:t>
-            </a:r>
-            <a:r>
-              <a:rPr lang="en-US" dirty="0" smtClean="0"/>
-              <a:t>({</a:t>
-            </a:r>
-          </a:p>
-          <a:p>
-            <a:r>
-              <a:rPr lang="en-US" dirty="0" smtClean="0"/>
-              <a:t>	&lt;Criteria&gt;</a:t>
-            </a:r>
-          </a:p>
-          <a:p>
-            <a:r>
-              <a:rPr lang="en-US" dirty="0" smtClean="0"/>
-              <a:t>}, {</a:t>
-            </a:r>
-          </a:p>
-          <a:p>
-            <a:r>
-              <a:rPr lang="en-US" dirty="0"/>
-              <a:t>	</a:t>
-            </a:r>
-            <a:r>
-              <a:rPr lang="en-US" dirty="0" smtClean="0"/>
-              <a:t>&lt;Projection (optional)&gt;</a:t>
-            </a:r>
-          </a:p>
-          <a:p>
-            <a:r>
-              <a:rPr lang="en-US" dirty="0" smtClean="0"/>
-              <a:t>});</a:t>
-            </a:r>
-            <a:endParaRPr lang="en-US" dirty="0"/>
-          </a:p>
-        </p:txBody>
-      </p:sp>
-      <p:sp>
-        <p:nvSpPr>
-          <p:cNvPr id="4" name="Text Placeholder 3"/>
-          <p:cNvSpPr>
-            <a:spLocks noGrp="1"/>
-          </p:cNvSpPr>
-          <p:nvPr>
-            <p:ph type="body" sz="quarter" idx="12"/>
-          </p:nvPr>
-        </p:nvSpPr>
-        <p:spPr/>
-        <p:txBody>
-          <a:bodyPr/>
-          <a:lstStyle/>
-          <a:p>
-            <a:r>
-              <a:rPr lang="en-US" dirty="0" smtClean="0"/>
-              <a:t>&gt; </a:t>
-            </a:r>
-            <a:r>
-              <a:rPr lang="en-US" dirty="0" err="1" smtClean="0"/>
-              <a:t>db.products.find</a:t>
-            </a:r>
-            <a:r>
-              <a:rPr lang="en-US" dirty="0" smtClean="0"/>
-              <a:t>({</a:t>
-            </a:r>
-          </a:p>
-          <a:p>
-            <a:r>
-              <a:rPr lang="en-US" dirty="0" smtClean="0"/>
-              <a:t>	“title”: “</a:t>
-            </a:r>
-            <a:r>
-              <a:rPr lang="en-US" dirty="0" err="1" smtClean="0"/>
-              <a:t>Løiten</a:t>
-            </a:r>
-            <a:r>
-              <a:rPr lang="en-US" dirty="0" smtClean="0"/>
-              <a:t> </a:t>
-            </a:r>
-            <a:r>
-              <a:rPr lang="en-US" dirty="0" err="1"/>
-              <a:t>L</a:t>
-            </a:r>
-            <a:r>
-              <a:rPr lang="en-US" dirty="0" err="1" smtClean="0"/>
-              <a:t>inie</a:t>
-            </a:r>
-            <a:r>
-              <a:rPr lang="en-US" dirty="0" smtClean="0"/>
-              <a:t>”</a:t>
-            </a:r>
-          </a:p>
-          <a:p>
-            <a:r>
-              <a:rPr lang="en-US" dirty="0" smtClean="0"/>
-              <a:t>});</a:t>
-            </a:r>
-          </a:p>
-          <a:p>
-            <a:endParaRPr lang="en-US" dirty="0"/>
-          </a:p>
-          <a:p>
-            <a:r>
-              <a:rPr lang="en-US" dirty="0" smtClean="0"/>
-              <a:t>&gt; </a:t>
-            </a:r>
-            <a:r>
-              <a:rPr lang="en-US" dirty="0" err="1" smtClean="0"/>
-              <a:t>db.products.find</a:t>
-            </a:r>
-            <a:r>
-              <a:rPr lang="en-US" dirty="0" smtClean="0"/>
-              <a:t>({</a:t>
-            </a:r>
-          </a:p>
-          <a:p>
-            <a:r>
-              <a:rPr lang="en-US" dirty="0" smtClean="0"/>
-              <a:t>	“title”: “</a:t>
-            </a:r>
-            <a:r>
-              <a:rPr lang="en-US" dirty="0" err="1" smtClean="0"/>
-              <a:t>Løiten</a:t>
-            </a:r>
-            <a:r>
-              <a:rPr lang="en-US" dirty="0" smtClean="0"/>
-              <a:t> </a:t>
-            </a:r>
-            <a:r>
-              <a:rPr lang="en-US" dirty="0" err="1"/>
-              <a:t>L</a:t>
-            </a:r>
-            <a:r>
-              <a:rPr lang="en-US" dirty="0" err="1" smtClean="0"/>
-              <a:t>inie</a:t>
-            </a:r>
-            <a:r>
-              <a:rPr lang="en-US" dirty="0" smtClean="0"/>
-              <a:t>”,</a:t>
-            </a:r>
-          </a:p>
-          <a:p>
-            <a:r>
-              <a:rPr lang="en-US" dirty="0"/>
-              <a:t>	</a:t>
-            </a:r>
-            <a:r>
-              <a:rPr lang="en-US" dirty="0" smtClean="0"/>
-              <a:t>“</a:t>
-            </a:r>
-            <a:r>
-              <a:rPr lang="en-US" dirty="0" err="1" smtClean="0"/>
-              <a:t>containerSize</a:t>
-            </a:r>
-            <a:r>
-              <a:rPr lang="en-US" dirty="0" smtClean="0"/>
-              <a:t>”: “70 cl”</a:t>
-            </a:r>
-          </a:p>
-          <a:p>
-            <a:r>
-              <a:rPr lang="en-US" dirty="0" smtClean="0"/>
-              <a:t>}, {</a:t>
-            </a:r>
-          </a:p>
-          <a:p>
-            <a:r>
-              <a:rPr lang="en-US" dirty="0"/>
-              <a:t>	</a:t>
-            </a:r>
-            <a:r>
-              <a:rPr lang="en-US" dirty="0" smtClean="0"/>
-              <a:t>“price”: 1,</a:t>
-            </a:r>
-          </a:p>
-          <a:p>
-            <a:r>
-              <a:rPr lang="en-US" dirty="0"/>
-              <a:t>	</a:t>
-            </a:r>
-            <a:r>
-              <a:rPr lang="en-US" dirty="0" smtClean="0"/>
-              <a:t>“_id”: 0</a:t>
-            </a:r>
-          </a:p>
-          <a:p>
-            <a:r>
-              <a:rPr lang="en-US" dirty="0" smtClean="0"/>
-              <a:t>});</a:t>
-            </a:r>
-          </a:p>
-          <a:p>
-            <a:endParaRPr lang="en-US" dirty="0"/>
-          </a:p>
-          <a:p>
-            <a:r>
-              <a:rPr lang="en-US" dirty="0" smtClean="0"/>
-              <a:t>&gt; </a:t>
-            </a:r>
-            <a:r>
-              <a:rPr lang="en-US" dirty="0" err="1" smtClean="0"/>
-              <a:t>db.products.find</a:t>
-            </a:r>
-            <a:r>
-              <a:rPr lang="en-US" dirty="0" smtClean="0"/>
-              <a:t>().sort({</a:t>
-            </a:r>
-          </a:p>
-          <a:p>
-            <a:r>
-              <a:rPr lang="en-US" dirty="0" smtClean="0"/>
-              <a:t>	title: 1</a:t>
-            </a:r>
-          </a:p>
-          <a:p>
-            <a:r>
-              <a:rPr lang="en-US" dirty="0" smtClean="0"/>
-              <a:t>}).limit(3);</a:t>
-            </a:r>
-            <a:endParaRPr lang="en-US" dirty="0"/>
-          </a:p>
-        </p:txBody>
-      </p:sp>
-      <p:sp>
-        <p:nvSpPr>
-          <p:cNvPr id="5" name="Slide Number Placeholder 4"/>
-          <p:cNvSpPr>
-            <a:spLocks noGrp="1"/>
-          </p:cNvSpPr>
-          <p:nvPr>
-            <p:ph type="sldNum" sz="quarter" idx="4"/>
+          <p:cNvPr id="3" name="Slide Number Placeholder 2"/>
+          <p:cNvSpPr>
+            <a:spLocks noGrp="1"/>
+          </p:cNvSpPr>
+          <p:nvPr>
+            <p:ph type="sldNum" sz="quarter" idx="10"/>
           </p:nvPr>
         </p:nvSpPr>
         <p:spPr/>
@@ -10669,55 +10384,40 @@
       </p:sp>
       <p:sp>
         <p:nvSpPr>
-          <p:cNvPr id="6" name="Text Placeholder 5"/>
-          <p:cNvSpPr>
-            <a:spLocks noGrp="1"/>
-          </p:cNvSpPr>
-          <p:nvPr>
-            <p:ph type="body" sz="quarter" idx="13"/>
-          </p:nvPr>
-        </p:nvSpPr>
-        <p:spPr>
-          <a:xfrm>
-            <a:off x="331394" y="1272002"/>
-            <a:ext cx="1187385" cy="276999"/>
-          </a:xfrm>
-        </p:spPr>
+          <p:cNvPr id="4" name="Text Placeholder 3"/>
+          <p:cNvSpPr>
+            <a:spLocks noGrp="1"/>
+          </p:cNvSpPr>
+          <p:nvPr>
+            <p:ph type="body" sz="quarter" idx="11"/>
+          </p:nvPr>
+        </p:nvSpPr>
+        <p:spPr/>
         <p:txBody>
           <a:bodyPr/>
           <a:lstStyle/>
           <a:p>
             <a:r>
               <a:rPr lang="en-US" dirty="0" smtClean="0"/>
-              <a:t>Signature</a:t>
-            </a:r>
+              <a:t>No specific query language.</a:t>
+            </a:r>
+          </a:p>
+          <a:p>
             <a:endParaRPr lang="en-US" dirty="0"/>
           </a:p>
-        </p:txBody>
-      </p:sp>
-      <p:sp>
-        <p:nvSpPr>
-          <p:cNvPr id="7" name="Text Placeholder 6"/>
-          <p:cNvSpPr>
-            <a:spLocks noGrp="1"/>
-          </p:cNvSpPr>
-          <p:nvPr>
-            <p:ph type="body" sz="quarter" idx="14"/>
-          </p:nvPr>
-        </p:nvSpPr>
-        <p:spPr>
-          <a:xfrm>
-            <a:off x="4632714" y="1272002"/>
-            <a:ext cx="1097892" cy="276999"/>
-          </a:xfrm>
-        </p:spPr>
-        <p:txBody>
-          <a:bodyPr/>
-          <a:lstStyle/>
-          <a:p>
-            <a:r>
-              <a:rPr lang="en-US" dirty="0" smtClean="0"/>
-              <a:t>Example</a:t>
+          <a:p>
+            <a:r>
+              <a:rPr lang="en-US" dirty="0" smtClean="0"/>
+              <a:t>Only methods in different programming language drivers.</a:t>
+            </a:r>
+          </a:p>
+          <a:p>
+            <a:endParaRPr lang="en-US" dirty="0"/>
+          </a:p>
+          <a:p>
+            <a:r>
+              <a:rPr lang="en-US" dirty="0" smtClean="0"/>
+              <a:t>Language drivers communicate via a wire-protocol to the database-server.</a:t>
             </a:r>
             <a:endParaRPr lang="en-US" dirty="0"/>
           </a:p>
@@ -10726,7 +10426,7 @@
     </p:spTree>
     <p:extLst>
       <p:ext uri="{BB962C8B-B14F-4D97-AF65-F5344CB8AC3E}">
-        <p14:creationId xmlns:p14="http://schemas.microsoft.com/office/powerpoint/2010/main" val="785385825"/>
+        <p14:creationId xmlns:p14="http://schemas.microsoft.com/office/powerpoint/2010/main" val="923512922"/>
       </p:ext>
     </p:extLst>
   </p:cSld>
@@ -10769,7 +10469,7 @@
         <p:spPr>
           <a:xfrm>
             <a:off x="321623" y="418905"/>
-            <a:ext cx="1356859" cy="307777"/>
+            <a:ext cx="2528539" cy="307777"/>
           </a:xfrm>
         </p:spPr>
         <p:txBody>
@@ -10777,8 +10477,12 @@
           <a:lstStyle/>
           <a:p>
             <a:r>
-              <a:rPr lang="en-US" dirty="0" smtClean="0"/>
-              <a:t>inserts</a:t>
+              <a:rPr lang="en-US" dirty="0" err="1" smtClean="0"/>
+              <a:t>Mongodb</a:t>
+            </a:r>
+            <a:r>
+              <a:rPr lang="en-US" dirty="0" smtClean="0"/>
+              <a:t> shell</a:t>
             </a:r>
             <a:endParaRPr lang="en-US" dirty="0"/>
           </a:p>
@@ -10786,152 +10490,12 @@
       </p:sp>
       <p:sp>
         <p:nvSpPr>
-          <p:cNvPr id="3" name="Text Placeholder 2"/>
-          <p:cNvSpPr>
-            <a:spLocks noGrp="1"/>
-          </p:cNvSpPr>
-          <p:nvPr>
-            <p:ph type="body" sz="quarter" idx="11"/>
-          </p:nvPr>
-        </p:nvSpPr>
-        <p:spPr/>
-        <p:txBody>
-          <a:bodyPr/>
-          <a:lstStyle/>
-          <a:p>
-            <a:r>
-              <a:rPr lang="en-US" dirty="0" smtClean="0"/>
-              <a:t>&gt; </a:t>
-            </a:r>
-            <a:r>
-              <a:rPr lang="en-US" dirty="0" err="1" smtClean="0"/>
-              <a:t>db.users.insert</a:t>
-            </a:r>
-            <a:r>
-              <a:rPr lang="en-US" dirty="0" smtClean="0"/>
-              <a:t>(</a:t>
-            </a:r>
-          </a:p>
-          <a:p>
-            <a:r>
-              <a:rPr lang="en-US" dirty="0" smtClean="0"/>
-              <a:t>	&lt;document or array of documents&gt;</a:t>
-            </a:r>
-          </a:p>
-          <a:p>
-            <a:r>
-              <a:rPr lang="en-US" dirty="0" smtClean="0"/>
-              <a:t>, </a:t>
-            </a:r>
-          </a:p>
-          <a:p>
-            <a:r>
-              <a:rPr lang="en-US" dirty="0"/>
-              <a:t>	</a:t>
-            </a:r>
-            <a:r>
-              <a:rPr lang="en-US" dirty="0" smtClean="0"/>
-              <a:t>&lt;optional options&gt;</a:t>
-            </a:r>
-          </a:p>
-          <a:p>
-            <a:r>
-              <a:rPr lang="en-US" dirty="0" smtClean="0"/>
-              <a:t>);</a:t>
-            </a:r>
-            <a:endParaRPr lang="en-US" dirty="0"/>
-          </a:p>
-        </p:txBody>
-      </p:sp>
-      <p:sp>
-        <p:nvSpPr>
-          <p:cNvPr id="4" name="Text Placeholder 3"/>
-          <p:cNvSpPr>
-            <a:spLocks noGrp="1"/>
-          </p:cNvSpPr>
-          <p:nvPr>
-            <p:ph type="body" sz="quarter" idx="12"/>
-          </p:nvPr>
-        </p:nvSpPr>
-        <p:spPr/>
-        <p:txBody>
-          <a:bodyPr/>
-          <a:lstStyle/>
-          <a:p>
-            <a:r>
-              <a:rPr lang="en-US" dirty="0" smtClean="0"/>
-              <a:t>&gt; </a:t>
-            </a:r>
-            <a:r>
-              <a:rPr lang="en-US" dirty="0" err="1" smtClean="0"/>
-              <a:t>db.users.insert</a:t>
-            </a:r>
-            <a:r>
-              <a:rPr lang="en-US" dirty="0" smtClean="0"/>
-              <a:t>({</a:t>
-            </a:r>
-          </a:p>
-          <a:p>
-            <a:r>
-              <a:rPr lang="en-US" dirty="0" smtClean="0"/>
-              <a:t>	_id: “</a:t>
-            </a:r>
-            <a:r>
-              <a:rPr lang="en-US" dirty="0" err="1" smtClean="0"/>
-              <a:t>richard.nixon</a:t>
-            </a:r>
-            <a:r>
-              <a:rPr lang="en-US" dirty="0" smtClean="0"/>
-              <a:t>”,</a:t>
-            </a:r>
-          </a:p>
-          <a:p>
-            <a:r>
-              <a:rPr lang="en-US" dirty="0"/>
-              <a:t>	</a:t>
-            </a:r>
-            <a:r>
-              <a:rPr lang="en-US" dirty="0" smtClean="0"/>
-              <a:t>name: “Richard Nixon”,</a:t>
-            </a:r>
-          </a:p>
-          <a:p>
-            <a:r>
-              <a:rPr lang="en-US" dirty="0"/>
-              <a:t>	</a:t>
-            </a:r>
-            <a:r>
-              <a:rPr lang="en-US" dirty="0" smtClean="0"/>
-              <a:t>birthdate: new Date(),</a:t>
-            </a:r>
-          </a:p>
-          <a:p>
-            <a:r>
-              <a:rPr lang="en-US" dirty="0"/>
-              <a:t>	</a:t>
-            </a:r>
-            <a:r>
-              <a:rPr lang="en-US" dirty="0" smtClean="0"/>
-              <a:t>sex: “male”</a:t>
-            </a:r>
-          </a:p>
-          <a:p>
-            <a:r>
-              <a:rPr lang="en-US" dirty="0" smtClean="0"/>
-              <a:t>});</a:t>
-            </a:r>
-            <a:endParaRPr lang="en-US" dirty="0"/>
-          </a:p>
-        </p:txBody>
-      </p:sp>
-      <p:sp>
-        <p:nvSpPr>
-          <p:cNvPr id="5" name="Slide Number Placeholder 4"/>
-          <p:cNvSpPr>
-            <a:spLocks noGrp="1"/>
-          </p:cNvSpPr>
-          <p:nvPr>
-            <p:ph type="sldNum" sz="quarter" idx="4"/>
+          <p:cNvPr id="3" name="Slide Number Placeholder 2"/>
+          <p:cNvSpPr>
+            <a:spLocks noGrp="1"/>
+          </p:cNvSpPr>
+          <p:nvPr>
+            <p:ph type="sldNum" sz="quarter" idx="10"/>
           </p:nvPr>
         </p:nvSpPr>
         <p:spPr/>
@@ -10950,64 +10514,309 @@
       </p:sp>
       <p:sp>
         <p:nvSpPr>
-          <p:cNvPr id="6" name="Text Placeholder 5"/>
-          <p:cNvSpPr>
-            <a:spLocks noGrp="1"/>
-          </p:cNvSpPr>
-          <p:nvPr>
-            <p:ph type="body" sz="quarter" idx="13"/>
-          </p:nvPr>
-        </p:nvSpPr>
-        <p:spPr>
-          <a:xfrm>
-            <a:off x="331394" y="1272002"/>
-            <a:ext cx="1187385" cy="276999"/>
-          </a:xfrm>
-        </p:spPr>
+          <p:cNvPr id="4" name="Text Placeholder 3"/>
+          <p:cNvSpPr>
+            <a:spLocks noGrp="1"/>
+          </p:cNvSpPr>
+          <p:nvPr>
+            <p:ph type="body" sz="quarter" idx="11"/>
+          </p:nvPr>
+        </p:nvSpPr>
+        <p:spPr/>
         <p:txBody>
           <a:bodyPr/>
           <a:lstStyle/>
           <a:p>
             <a:r>
               <a:rPr lang="en-US" dirty="0" smtClean="0"/>
-              <a:t>Signature</a:t>
-            </a:r>
+              <a:t>We are going to use the </a:t>
+            </a:r>
+            <a:r>
+              <a:rPr lang="en-US" dirty="0" err="1" smtClean="0"/>
+              <a:t>mongodb</a:t>
+            </a:r>
+            <a:r>
+              <a:rPr lang="en-US" dirty="0" smtClean="0"/>
+              <a:t> shell which is bundled with every install of </a:t>
+            </a:r>
+            <a:r>
+              <a:rPr lang="en-US" dirty="0" err="1" smtClean="0"/>
+              <a:t>MongoDB</a:t>
+            </a:r>
+            <a:r>
+              <a:rPr lang="en-US" dirty="0" smtClean="0"/>
+              <a:t>.</a:t>
+            </a:r>
+          </a:p>
+          <a:p>
             <a:endParaRPr lang="en-US" dirty="0"/>
           </a:p>
-        </p:txBody>
-      </p:sp>
-      <p:sp>
-        <p:nvSpPr>
-          <p:cNvPr id="7" name="Text Placeholder 6"/>
-          <p:cNvSpPr>
-            <a:spLocks noGrp="1"/>
-          </p:cNvSpPr>
-          <p:nvPr>
-            <p:ph type="body" sz="quarter" idx="14"/>
-          </p:nvPr>
-        </p:nvSpPr>
-        <p:spPr>
-          <a:xfrm>
-            <a:off x="4632714" y="1272002"/>
-            <a:ext cx="1097892" cy="276999"/>
-          </a:xfrm>
-        </p:spPr>
-        <p:txBody>
-          <a:bodyPr/>
+          <a:p>
+            <a:r>
+              <a:rPr lang="en-US" dirty="0" smtClean="0"/>
+              <a:t>Uses </a:t>
+            </a:r>
+            <a:r>
+              <a:rPr lang="en-US" dirty="0" err="1" smtClean="0"/>
+              <a:t>javascript</a:t>
+            </a:r>
+            <a:r>
+              <a:rPr lang="en-US" dirty="0" smtClean="0"/>
+              <a:t>.</a:t>
+            </a:r>
+          </a:p>
+          <a:p>
+            <a:endParaRPr lang="en-US" dirty="0"/>
+          </a:p>
+          <a:p>
+            <a:endParaRPr lang="en-US" dirty="0"/>
+          </a:p>
+        </p:txBody>
+      </p:sp>
+      <p:sp>
+        <p:nvSpPr>
+          <p:cNvPr id="5" name="TextBox 4"/>
+          <p:cNvSpPr txBox="1"/>
+          <p:nvPr/>
+        </p:nvSpPr>
+        <p:spPr>
+          <a:xfrm>
+            <a:off x="4592319" y="2018854"/>
+            <a:ext cx="4138987" cy="4642296"/>
+          </a:xfrm>
+          <a:prstGeom prst="rect">
+            <a:avLst/>
+          </a:prstGeom>
+        </p:spPr>
+        <p:style>
+          <a:lnRef idx="2">
+            <a:schemeClr val="dk1"/>
+          </a:lnRef>
+          <a:fillRef idx="1">
+            <a:schemeClr val="lt1"/>
+          </a:fillRef>
+          <a:effectRef idx="0">
+            <a:schemeClr val="dk1"/>
+          </a:effectRef>
+          <a:fontRef idx="minor">
+            <a:schemeClr val="dk1"/>
+          </a:fontRef>
+        </p:style>
+        <p:txBody>
+          <a:bodyPr wrap="square" rtlCol="0">
+            <a:spAutoFit/>
+          </a:bodyPr>
           <a:lstStyle/>
           <a:p>
-            <a:r>
-              <a:rPr lang="en-US" dirty="0" smtClean="0"/>
-              <a:t>Example</a:t>
-            </a:r>
-            <a:endParaRPr lang="en-US" dirty="0"/>
+            <a:pPr>
+              <a:spcBef>
+                <a:spcPts val="600"/>
+              </a:spcBef>
+              <a:spcAft>
+                <a:spcPts val="400"/>
+              </a:spcAft>
+            </a:pPr>
+            <a:r>
+              <a:rPr lang="en-US" sz="1700" dirty="0" smtClean="0"/>
+              <a:t>$ mongo</a:t>
+            </a:r>
+          </a:p>
+          <a:p>
+            <a:pPr>
+              <a:spcBef>
+                <a:spcPts val="600"/>
+              </a:spcBef>
+              <a:spcAft>
+                <a:spcPts val="400"/>
+              </a:spcAft>
+            </a:pPr>
+            <a:r>
+              <a:rPr lang="en-US" sz="1700" i="1" dirty="0" smtClean="0"/>
+              <a:t>Connect to </a:t>
+            </a:r>
+            <a:r>
+              <a:rPr lang="en-US" sz="1700" i="1" dirty="0" err="1" smtClean="0"/>
+              <a:t>mongod</a:t>
+            </a:r>
+            <a:r>
+              <a:rPr lang="en-US" sz="1700" i="1" dirty="0" smtClean="0"/>
+              <a:t> on localhost:27017</a:t>
+            </a:r>
+          </a:p>
+          <a:p>
+            <a:pPr>
+              <a:spcBef>
+                <a:spcPts val="600"/>
+              </a:spcBef>
+              <a:spcAft>
+                <a:spcPts val="400"/>
+              </a:spcAft>
+            </a:pPr>
+            <a:r>
+              <a:rPr lang="en-US" sz="1700" dirty="0" smtClean="0"/>
+              <a:t>&gt; Show </a:t>
+            </a:r>
+            <a:r>
+              <a:rPr lang="en-US" sz="1700" dirty="0" err="1" smtClean="0"/>
+              <a:t>dbs</a:t>
+            </a:r>
+            <a:endParaRPr lang="en-US" sz="1700" dirty="0" smtClean="0"/>
+          </a:p>
+          <a:p>
+            <a:pPr>
+              <a:spcBef>
+                <a:spcPts val="600"/>
+              </a:spcBef>
+              <a:spcAft>
+                <a:spcPts val="400"/>
+              </a:spcAft>
+            </a:pPr>
+            <a:r>
+              <a:rPr lang="en-US" sz="1700" i="1" dirty="0" smtClean="0"/>
+              <a:t>List of databases</a:t>
+            </a:r>
+          </a:p>
+          <a:p>
+            <a:pPr>
+              <a:spcBef>
+                <a:spcPts val="600"/>
+              </a:spcBef>
+              <a:spcAft>
+                <a:spcPts val="400"/>
+              </a:spcAft>
+            </a:pPr>
+            <a:r>
+              <a:rPr lang="en-US" sz="1700" i="1" dirty="0" smtClean="0"/>
+              <a:t>&gt; </a:t>
+            </a:r>
+            <a:r>
+              <a:rPr lang="en-US" sz="1700" dirty="0" smtClean="0"/>
+              <a:t>Use </a:t>
+            </a:r>
+            <a:r>
+              <a:rPr lang="en-US" sz="1700" dirty="0" err="1" smtClean="0"/>
+              <a:t>kursserie</a:t>
+            </a:r>
+            <a:endParaRPr lang="en-US" sz="1700" dirty="0" smtClean="0"/>
+          </a:p>
+          <a:p>
+            <a:pPr>
+              <a:spcBef>
+                <a:spcPts val="600"/>
+              </a:spcBef>
+              <a:spcAft>
+                <a:spcPts val="400"/>
+              </a:spcAft>
+            </a:pPr>
+            <a:r>
+              <a:rPr lang="en-US" sz="1700" i="1" dirty="0" smtClean="0"/>
+              <a:t>Switch to the </a:t>
+            </a:r>
+            <a:r>
+              <a:rPr lang="en-US" sz="1700" i="1" dirty="0" err="1" smtClean="0"/>
+              <a:t>kursserie</a:t>
+            </a:r>
+            <a:r>
+              <a:rPr lang="en-US" sz="1700" i="1" dirty="0" smtClean="0"/>
+              <a:t> database</a:t>
+            </a:r>
+          </a:p>
+          <a:p>
+            <a:pPr>
+              <a:spcBef>
+                <a:spcPts val="600"/>
+              </a:spcBef>
+              <a:spcAft>
+                <a:spcPts val="400"/>
+              </a:spcAft>
+            </a:pPr>
+            <a:r>
+              <a:rPr lang="en-US" sz="1700" i="1" dirty="0" smtClean="0"/>
+              <a:t>&gt; Show collections</a:t>
+            </a:r>
+          </a:p>
+          <a:p>
+            <a:pPr>
+              <a:spcBef>
+                <a:spcPts val="600"/>
+              </a:spcBef>
+              <a:spcAft>
+                <a:spcPts val="400"/>
+              </a:spcAft>
+            </a:pPr>
+            <a:r>
+              <a:rPr lang="en-US" sz="1700" dirty="0" smtClean="0"/>
+              <a:t>products</a:t>
+            </a:r>
+          </a:p>
+          <a:p>
+            <a:pPr>
+              <a:spcBef>
+                <a:spcPts val="600"/>
+              </a:spcBef>
+              <a:spcAft>
+                <a:spcPts val="400"/>
+              </a:spcAft>
+            </a:pPr>
+            <a:r>
+              <a:rPr lang="en-US" sz="1700" dirty="0" err="1" smtClean="0"/>
+              <a:t>system.indexes</a:t>
+            </a:r>
+            <a:endParaRPr lang="en-US" sz="1700" dirty="0" smtClean="0"/>
+          </a:p>
+          <a:p>
+            <a:pPr>
+              <a:spcBef>
+                <a:spcPts val="600"/>
+              </a:spcBef>
+              <a:spcAft>
+                <a:spcPts val="400"/>
+              </a:spcAft>
+            </a:pPr>
+            <a:r>
+              <a:rPr lang="en-US" sz="1700" dirty="0" smtClean="0"/>
+              <a:t>users</a:t>
+            </a:r>
+          </a:p>
+          <a:p>
+            <a:pPr>
+              <a:spcBef>
+                <a:spcPts val="600"/>
+              </a:spcBef>
+              <a:spcAft>
+                <a:spcPts val="400"/>
+              </a:spcAft>
+            </a:pPr>
+            <a:r>
+              <a:rPr lang="en-US" sz="1700" dirty="0" smtClean="0"/>
+              <a:t>&gt; </a:t>
+            </a:r>
+            <a:r>
+              <a:rPr lang="en-US" sz="1700" dirty="0" err="1" smtClean="0"/>
+              <a:t>db.products.findOne</a:t>
+            </a:r>
+            <a:r>
+              <a:rPr lang="en-US" sz="1700" dirty="0" smtClean="0"/>
+              <a:t>();</a:t>
+            </a:r>
+          </a:p>
+          <a:p>
+            <a:pPr>
+              <a:spcBef>
+                <a:spcPts val="600"/>
+              </a:spcBef>
+              <a:spcAft>
+                <a:spcPts val="400"/>
+              </a:spcAft>
+            </a:pPr>
+            <a:endParaRPr lang="en-US" sz="1700" dirty="0" err="1" smtClean="0"/>
           </a:p>
         </p:txBody>
       </p:sp>
     </p:spTree>
     <p:extLst>
       <p:ext uri="{BB962C8B-B14F-4D97-AF65-F5344CB8AC3E}">
-        <p14:creationId xmlns:p14="http://schemas.microsoft.com/office/powerpoint/2010/main" val="644679337"/>
+        <p14:creationId xmlns:p14="http://schemas.microsoft.com/office/powerpoint/2010/main" val="2598251649"/>
       </p:ext>
     </p:extLst>
   </p:cSld>
@@ -11050,7 +10859,7 @@
         <p:spPr>
           <a:xfrm>
             <a:off x="321623" y="418905"/>
-            <a:ext cx="1449933" cy="307777"/>
+            <a:ext cx="1047409" cy="307777"/>
           </a:xfrm>
         </p:spPr>
         <p:txBody>
@@ -11059,7 +10868,7 @@
           <a:p>
             <a:r>
               <a:rPr lang="en-US" dirty="0" smtClean="0"/>
-              <a:t>Updates</a:t>
+              <a:t>Finds</a:t>
             </a:r>
             <a:endParaRPr lang="en-US" dirty="0"/>
           </a:p>
@@ -11086,7 +10895,7 @@
             </a:r>
             <a:r>
               <a:rPr lang="en-US" dirty="0" err="1" smtClean="0"/>
-              <a:t>db.products.update</a:t>
+              <a:t>db.collection.find</a:t>
             </a:r>
             <a:r>
               <a:rPr lang="en-US" dirty="0" smtClean="0"/>
@@ -11096,7 +10905,7 @@
           <a:p>
             <a:r>
               <a:rPr lang="en-US" dirty="0" smtClean="0"/>
-              <a:t>	&lt;query&gt;</a:t>
+              <a:t>	&lt;Criteria&gt;</a:t>
             </a:r>
           </a:p>
           <a:p>
@@ -11112,13 +10921,119 @@
             </a:r>
             <a:r>
               <a:rPr lang="en-US" dirty="0" smtClean="0"/>
-              <a:t>&lt;update&gt;</a:t>
-            </a:r>
-          </a:p>
-          <a:p>
-            <a:r>
-              <a:rPr lang="en-US" dirty="0" smtClean="0"/>
-              <a:t>}, {</a:t>
+              <a:t>&lt;Projection (optional)&gt;</a:t>
+            </a:r>
+          </a:p>
+          <a:p>
+            <a:r>
+              <a:rPr lang="en-US" dirty="0" smtClean="0"/>
+              <a:t>});</a:t>
+            </a:r>
+            <a:endParaRPr lang="en-US" dirty="0"/>
+          </a:p>
+        </p:txBody>
+      </p:sp>
+      <p:sp>
+        <p:nvSpPr>
+          <p:cNvPr id="4" name="Text Placeholder 3"/>
+          <p:cNvSpPr>
+            <a:spLocks noGrp="1"/>
+          </p:cNvSpPr>
+          <p:nvPr>
+            <p:ph type="body" sz="quarter" idx="12"/>
+          </p:nvPr>
+        </p:nvSpPr>
+        <p:spPr/>
+        <p:txBody>
+          <a:bodyPr/>
+          <a:lstStyle/>
+          <a:p>
+            <a:r>
+              <a:rPr lang="en-US" dirty="0" smtClean="0"/>
+              <a:t>&gt; </a:t>
+            </a:r>
+            <a:r>
+              <a:rPr lang="en-US" dirty="0" err="1" smtClean="0"/>
+              <a:t>db.products.find</a:t>
+            </a:r>
+            <a:r>
+              <a:rPr lang="en-US" dirty="0" smtClean="0"/>
+              <a:t>({</a:t>
+            </a:r>
+          </a:p>
+          <a:p>
+            <a:r>
+              <a:rPr lang="en-US" dirty="0" smtClean="0"/>
+              <a:t>	“title”: “</a:t>
+            </a:r>
+            <a:r>
+              <a:rPr lang="en-US" dirty="0" err="1" smtClean="0"/>
+              <a:t>Løiten</a:t>
+            </a:r>
+            <a:r>
+              <a:rPr lang="en-US" dirty="0" smtClean="0"/>
+              <a:t> </a:t>
+            </a:r>
+            <a:r>
+              <a:rPr lang="en-US" dirty="0" err="1"/>
+              <a:t>L</a:t>
+            </a:r>
+            <a:r>
+              <a:rPr lang="en-US" dirty="0" err="1" smtClean="0"/>
+              <a:t>inie</a:t>
+            </a:r>
+            <a:r>
+              <a:rPr lang="en-US" dirty="0" smtClean="0"/>
+              <a:t>”</a:t>
+            </a:r>
+          </a:p>
+          <a:p>
+            <a:r>
+              <a:rPr lang="en-US" dirty="0" smtClean="0"/>
+              <a:t>});</a:t>
+            </a:r>
+          </a:p>
+          <a:p>
+            <a:endParaRPr lang="en-US" dirty="0"/>
+          </a:p>
+          <a:p>
+            <a:r>
+              <a:rPr lang="en-US" dirty="0" smtClean="0"/>
+              <a:t>&gt; </a:t>
+            </a:r>
+            <a:r>
+              <a:rPr lang="en-US" dirty="0" err="1" smtClean="0"/>
+              <a:t>db.products.find</a:t>
+            </a:r>
+            <a:r>
+              <a:rPr lang="en-US" dirty="0" smtClean="0"/>
+              <a:t>({</a:t>
+            </a:r>
+          </a:p>
+          <a:p>
+            <a:r>
+              <a:rPr lang="en-US" dirty="0" smtClean="0"/>
+              <a:t>	“title”: “</a:t>
+            </a:r>
+            <a:r>
+              <a:rPr lang="en-US" dirty="0" err="1" smtClean="0"/>
+              <a:t>Løiten</a:t>
+            </a:r>
+            <a:r>
+              <a:rPr lang="en-US" dirty="0" smtClean="0"/>
+              <a:t> </a:t>
+            </a:r>
+            <a:r>
+              <a:rPr lang="en-US" dirty="0" err="1"/>
+              <a:t>L</a:t>
+            </a:r>
+            <a:r>
+              <a:rPr lang="en-US" dirty="0" err="1" smtClean="0"/>
+              <a:t>inie</a:t>
+            </a:r>
+            <a:r>
+              <a:rPr lang="en-US" dirty="0" smtClean="0"/>
+              <a:t>”,</a:t>
             </a:r>
           </a:p>
           <a:p>
@@ -11128,58 +11043,15 @@
             </a:r>
             <a:r>
               <a:rPr lang="en-US" dirty="0" smtClean="0"/>
-              <a:t>&lt;optional options&gt;</a:t>
-            </a:r>
-          </a:p>
-          <a:p>
-            <a:r>
-              <a:rPr lang="en-US" dirty="0" smtClean="0"/>
-              <a:t>});</a:t>
-            </a:r>
-            <a:endParaRPr lang="en-US" dirty="0"/>
-          </a:p>
-        </p:txBody>
-      </p:sp>
-      <p:sp>
-        <p:nvSpPr>
-          <p:cNvPr id="4" name="Text Placeholder 3"/>
-          <p:cNvSpPr>
-            <a:spLocks noGrp="1"/>
-          </p:cNvSpPr>
-          <p:nvPr>
-            <p:ph type="body" sz="quarter" idx="12"/>
-          </p:nvPr>
-        </p:nvSpPr>
-        <p:spPr/>
-        <p:txBody>
-          <a:bodyPr/>
-          <a:lstStyle/>
-          <a:p>
-            <a:r>
-              <a:rPr lang="en-US" dirty="0" smtClean="0"/>
-              <a:t>&gt; </a:t>
-            </a:r>
-            <a:r>
-              <a:rPr lang="en-US" dirty="0" err="1" smtClean="0"/>
-              <a:t>db.users.update</a:t>
-            </a:r>
-            <a:r>
-              <a:rPr lang="en-US" dirty="0" smtClean="0"/>
-              <a:t>({</a:t>
-            </a:r>
-          </a:p>
-          <a:p>
-            <a:r>
-              <a:rPr lang="en-US" dirty="0" smtClean="0"/>
-              <a:t>	_id: “</a:t>
-            </a:r>
-            <a:r>
-              <a:rPr lang="en-US" dirty="0" err="1" smtClean="0"/>
-              <a:t>richard.nixon</a:t>
-            </a:r>
-            <a:r>
-              <a:rPr lang="en-US" dirty="0" smtClean="0"/>
-              <a:t>”</a:t>
+              <a:t>“</a:t>
+            </a:r>
+            <a:r>
+              <a:rPr lang="en-US" dirty="0" err="1" smtClean="0"/>
+              <a:t>containerSize</a:t>
+            </a:r>
+            <a:r>
+              <a:rPr lang="en-US" dirty="0" smtClean="0"/>
+              <a:t>”: “70 cl”</a:t>
             </a:r>
           </a:p>
           <a:p>
@@ -11195,13 +11067,52 @@
             </a:r>
             <a:r>
               <a:rPr lang="en-US" dirty="0" smtClean="0"/>
-              <a:t>“$set”: {sex: “female”}</a:t>
+              <a:t>“price”: 1,</a:t>
+            </a:r>
+          </a:p>
+          <a:p>
+            <a:r>
+              <a:rPr lang="en-US" dirty="0"/>
+              <a:t>	</a:t>
+            </a:r>
+            <a:r>
+              <a:rPr lang="en-US" dirty="0" smtClean="0"/>
+              <a:t>“_id”: 0</a:t>
             </a:r>
           </a:p>
           <a:p>
             <a:r>
               <a:rPr lang="en-US" dirty="0" smtClean="0"/>
               <a:t>});</a:t>
+            </a:r>
+          </a:p>
+          <a:p>
+            <a:endParaRPr lang="en-US" dirty="0"/>
+          </a:p>
+          <a:p>
+            <a:r>
+              <a:rPr lang="en-US" dirty="0" smtClean="0"/>
+              <a:t>&gt; </a:t>
+            </a:r>
+            <a:r>
+              <a:rPr lang="en-US" dirty="0" err="1" smtClean="0"/>
+              <a:t>db.products.find</a:t>
+            </a:r>
+            <a:r>
+              <a:rPr lang="en-US" dirty="0" smtClean="0"/>
+              <a:t>().sort({</a:t>
+            </a:r>
+          </a:p>
+          <a:p>
+            <a:r>
+              <a:rPr lang="en-US" dirty="0" smtClean="0"/>
+              <a:t>	title: 1</a:t>
+            </a:r>
+          </a:p>
+          <a:p>
+            <a:r>
+              <a:rPr lang="en-US" dirty="0" smtClean="0"/>
+              <a:t>}).limit(3);</a:t>
             </a:r>
             <a:endParaRPr lang="en-US" dirty="0"/>
           </a:p>
@@ -11290,7 +11201,7 @@
     </p:spTree>
     <p:extLst>
       <p:ext uri="{BB962C8B-B14F-4D97-AF65-F5344CB8AC3E}">
-        <p14:creationId xmlns:p14="http://schemas.microsoft.com/office/powerpoint/2010/main" val="919113909"/>
+        <p14:creationId xmlns:p14="http://schemas.microsoft.com/office/powerpoint/2010/main" val="785385825"/>
       </p:ext>
     </p:extLst>
   </p:cSld>
@@ -11320,37 +11231,9 @@
           <a:chExt cx="0" cy="0"/>
         </a:xfrm>
       </p:grpSpPr>
-      <p:pic>
-        <p:nvPicPr>
-          <p:cNvPr id="6" name="Picture Placeholder 5" descr="Escher-Big.jpg"/>
-          <p:cNvPicPr>
-            <a:picLocks noGrp="1" noChangeAspect="1"/>
-          </p:cNvPicPr>
-          <p:nvPr>
-            <p:ph type="pic" sz="quarter" idx="10"/>
-          </p:nvPr>
-        </p:nvPicPr>
-        <p:blipFill rotWithShape="1">
-          <a:blip r:embed="rId2">
-            <a:extLst>
-              <a:ext uri="{28A0092B-C50C-407E-A947-70E740481C1C}">
-                <a14:useLocalDpi xmlns:a14="http://schemas.microsoft.com/office/drawing/2010/main" val="0"/>
-              </a:ext>
-            </a:extLst>
-          </a:blip>
-          <a:srcRect l="2776" t="19033" r="4180" b="-7552"/>
-          <a:stretch/>
-        </p:blipFill>
-        <p:spPr>
-          <a:xfrm>
-            <a:off x="1158240" y="1412240"/>
-            <a:ext cx="6725920" cy="5953760"/>
-          </a:xfrm>
-        </p:spPr>
-      </p:pic>
-      <p:sp>
-        <p:nvSpPr>
-          <p:cNvPr id="3" name="Title 2"/>
+      <p:sp>
+        <p:nvSpPr>
+          <p:cNvPr id="2" name="Title 1"/>
           <p:cNvSpPr>
             <a:spLocks noGrp="1"/>
           </p:cNvSpPr>
@@ -11361,7 +11244,7 @@
         <p:spPr>
           <a:xfrm>
             <a:off x="321623" y="418905"/>
-            <a:ext cx="3695354" cy="307777"/>
+            <a:ext cx="1356859" cy="307777"/>
           </a:xfrm>
         </p:spPr>
         <p:txBody>
@@ -11370,7 +11253,7 @@
           <a:p>
             <a:r>
               <a:rPr lang="en-US" dirty="0" smtClean="0"/>
-              <a:t>Structuring your data</a:t>
+              <a:t>inserts</a:t>
             </a:r>
             <a:endParaRPr lang="en-US" dirty="0"/>
           </a:p>
@@ -11378,7 +11261,147 @@
       </p:sp>
       <p:sp>
         <p:nvSpPr>
-          <p:cNvPr id="4" name="Slide Number Placeholder 3"/>
+          <p:cNvPr id="3" name="Text Placeholder 2"/>
+          <p:cNvSpPr>
+            <a:spLocks noGrp="1"/>
+          </p:cNvSpPr>
+          <p:nvPr>
+            <p:ph type="body" sz="quarter" idx="11"/>
+          </p:nvPr>
+        </p:nvSpPr>
+        <p:spPr/>
+        <p:txBody>
+          <a:bodyPr/>
+          <a:lstStyle/>
+          <a:p>
+            <a:r>
+              <a:rPr lang="en-US" dirty="0" smtClean="0"/>
+              <a:t>&gt; </a:t>
+            </a:r>
+            <a:r>
+              <a:rPr lang="en-US" dirty="0" err="1" smtClean="0"/>
+              <a:t>db.users.insert</a:t>
+            </a:r>
+            <a:r>
+              <a:rPr lang="en-US" dirty="0" smtClean="0"/>
+              <a:t>(</a:t>
+            </a:r>
+          </a:p>
+          <a:p>
+            <a:r>
+              <a:rPr lang="en-US" dirty="0" smtClean="0"/>
+              <a:t>	&lt;document or array of documents&gt;</a:t>
+            </a:r>
+          </a:p>
+          <a:p>
+            <a:r>
+              <a:rPr lang="en-US" dirty="0" smtClean="0"/>
+              <a:t>, </a:t>
+            </a:r>
+          </a:p>
+          <a:p>
+            <a:r>
+              <a:rPr lang="en-US" dirty="0"/>
+              <a:t>	</a:t>
+            </a:r>
+            <a:r>
+              <a:rPr lang="en-US" dirty="0" smtClean="0"/>
+              <a:t>&lt;optional options&gt;</a:t>
+            </a:r>
+          </a:p>
+          <a:p>
+            <a:r>
+              <a:rPr lang="en-US" dirty="0" smtClean="0"/>
+              <a:t>);</a:t>
+            </a:r>
+            <a:endParaRPr lang="en-US" dirty="0"/>
+          </a:p>
+        </p:txBody>
+      </p:sp>
+      <p:sp>
+        <p:nvSpPr>
+          <p:cNvPr id="4" name="Text Placeholder 3"/>
+          <p:cNvSpPr>
+            <a:spLocks noGrp="1"/>
+          </p:cNvSpPr>
+          <p:nvPr>
+            <p:ph type="body" sz="quarter" idx="12"/>
+          </p:nvPr>
+        </p:nvSpPr>
+        <p:spPr/>
+        <p:txBody>
+          <a:bodyPr/>
+          <a:lstStyle/>
+          <a:p>
+            <a:r>
+              <a:rPr lang="en-US" dirty="0" smtClean="0"/>
+              <a:t>&gt; </a:t>
+            </a:r>
+            <a:r>
+              <a:rPr lang="en-US" dirty="0" err="1" smtClean="0"/>
+              <a:t>db.users.insert</a:t>
+            </a:r>
+            <a:r>
+              <a:rPr lang="en-US" dirty="0" smtClean="0"/>
+              <a:t>({</a:t>
+            </a:r>
+          </a:p>
+          <a:p>
+            <a:r>
+              <a:rPr lang="en-US" dirty="0" smtClean="0"/>
+              <a:t>	_id: “</a:t>
+            </a:r>
+            <a:r>
+              <a:rPr lang="en-US" dirty="0" err="1" smtClean="0"/>
+              <a:t>richard.nixon</a:t>
+            </a:r>
+            <a:r>
+              <a:rPr lang="en-US" dirty="0" smtClean="0"/>
+              <a:t>”,</a:t>
+            </a:r>
+          </a:p>
+          <a:p>
+            <a:r>
+              <a:rPr lang="en-US" dirty="0"/>
+              <a:t>	</a:t>
+            </a:r>
+            <a:r>
+              <a:rPr lang="en-US" dirty="0" smtClean="0"/>
+              <a:t>name: “Richard Nixon”,</a:t>
+            </a:r>
+          </a:p>
+          <a:p>
+            <a:r>
+              <a:rPr lang="en-US" dirty="0"/>
+              <a:t>	</a:t>
+            </a:r>
+            <a:r>
+              <a:rPr lang="en-US" dirty="0" smtClean="0"/>
+              <a:t>birthdate: new Date(),</a:t>
+            </a:r>
+          </a:p>
+          <a:p>
+            <a:r>
+              <a:rPr lang="en-US" dirty="0"/>
+              <a:t>	</a:t>
+            </a:r>
+            <a:r>
+              <a:rPr lang="en-US" dirty="0" smtClean="0"/>
+              <a:t>sex: “male”</a:t>
+            </a:r>
+          </a:p>
+          <a:p>
+            <a:r>
+              <a:rPr lang="en-US" dirty="0" smtClean="0"/>
+              <a:t>});</a:t>
+            </a:r>
+            <a:endParaRPr lang="en-US" dirty="0"/>
+          </a:p>
+        </p:txBody>
+      </p:sp>
+      <p:sp>
+        <p:nvSpPr>
+          <p:cNvPr id="5" name="Slide Number Placeholder 4"/>
           <p:cNvSpPr>
             <a:spLocks noGrp="1"/>
           </p:cNvSpPr>
@@ -11402,54 +11425,64 @@
       </p:sp>
       <p:sp>
         <p:nvSpPr>
-          <p:cNvPr id="7" name="TextBox 6"/>
-          <p:cNvSpPr txBox="1"/>
-          <p:nvPr/>
-        </p:nvSpPr>
-        <p:spPr>
-          <a:xfrm>
-            <a:off x="5612358" y="6596390"/>
-            <a:ext cx="1911326" cy="261610"/>
-          </a:xfrm>
-          <a:prstGeom prst="rect">
-            <a:avLst/>
-          </a:prstGeom>
-          <a:noFill/>
-        </p:spPr>
-        <p:txBody>
-          <a:bodyPr wrap="none" rtlCol="0">
-            <a:spAutoFit/>
-          </a:bodyPr>
+          <p:cNvPr id="6" name="Text Placeholder 5"/>
+          <p:cNvSpPr>
+            <a:spLocks noGrp="1"/>
+          </p:cNvSpPr>
+          <p:nvPr>
+            <p:ph type="body" sz="quarter" idx="13"/>
+          </p:nvPr>
+        </p:nvSpPr>
+        <p:spPr>
+          <a:xfrm>
+            <a:off x="331394" y="1272002"/>
+            <a:ext cx="1187385" cy="276999"/>
+          </a:xfrm>
+        </p:spPr>
+        <p:txBody>
+          <a:bodyPr/>
           <a:lstStyle/>
           <a:p>
-            <a:pPr>
-              <a:spcBef>
-                <a:spcPts val="600"/>
-              </a:spcBef>
-              <a:spcAft>
-                <a:spcPts val="400"/>
-              </a:spcAft>
-            </a:pPr>
-            <a:r>
-              <a:rPr lang="en-US" sz="1100" dirty="0"/>
-              <a:t>Source: </a:t>
-            </a:r>
-            <a:r>
-              <a:rPr lang="en-US" sz="1100" dirty="0" err="1" smtClean="0"/>
-              <a:t>www.scottmcd.net</a:t>
-            </a:r>
-            <a:r>
-              <a:rPr lang="en-US" sz="1100" dirty="0"/>
-              <a:t>/</a:t>
-            </a:r>
-            <a:endParaRPr lang="en-US" sz="1100" dirty="0" smtClean="0"/>
+            <a:r>
+              <a:rPr lang="en-US" dirty="0" smtClean="0"/>
+              <a:t>Signature</a:t>
+            </a:r>
+            <a:endParaRPr lang="en-US" dirty="0"/>
+          </a:p>
+        </p:txBody>
+      </p:sp>
+      <p:sp>
+        <p:nvSpPr>
+          <p:cNvPr id="7" name="Text Placeholder 6"/>
+          <p:cNvSpPr>
+            <a:spLocks noGrp="1"/>
+          </p:cNvSpPr>
+          <p:nvPr>
+            <p:ph type="body" sz="quarter" idx="14"/>
+          </p:nvPr>
+        </p:nvSpPr>
+        <p:spPr>
+          <a:xfrm>
+            <a:off x="4632714" y="1272002"/>
+            <a:ext cx="1097892" cy="276999"/>
+          </a:xfrm>
+        </p:spPr>
+        <p:txBody>
+          <a:bodyPr/>
+          <a:lstStyle/>
+          <a:p>
+            <a:r>
+              <a:rPr lang="en-US" dirty="0" smtClean="0"/>
+              <a:t>Example</a:t>
+            </a:r>
+            <a:endParaRPr lang="en-US" dirty="0"/>
           </a:p>
         </p:txBody>
       </p:sp>
     </p:spTree>
     <p:extLst>
       <p:ext uri="{BB962C8B-B14F-4D97-AF65-F5344CB8AC3E}">
-        <p14:creationId xmlns:p14="http://schemas.microsoft.com/office/powerpoint/2010/main" val="761368604"/>
+        <p14:creationId xmlns:p14="http://schemas.microsoft.com/office/powerpoint/2010/main" val="644679337"/>
       </p:ext>
     </p:extLst>
   </p:cSld>
@@ -11492,7 +11525,7 @@
         <p:spPr>
           <a:xfrm>
             <a:off x="321623" y="418905"/>
-            <a:ext cx="2479321" cy="307777"/>
+            <a:ext cx="1449933" cy="307777"/>
           </a:xfrm>
         </p:spPr>
         <p:txBody>
@@ -11501,7 +11534,7 @@
           <a:p>
             <a:r>
               <a:rPr lang="en-US" dirty="0" smtClean="0"/>
-              <a:t>Normalization</a:t>
+              <a:t>Updates</a:t>
             </a:r>
             <a:endParaRPr lang="en-US" dirty="0"/>
           </a:p>
@@ -11509,12 +11542,154 @@
       </p:sp>
       <p:sp>
         <p:nvSpPr>
-          <p:cNvPr id="3" name="Slide Number Placeholder 2"/>
-          <p:cNvSpPr>
-            <a:spLocks noGrp="1"/>
-          </p:cNvSpPr>
-          <p:nvPr>
-            <p:ph type="sldNum" sz="quarter" idx="10"/>
+          <p:cNvPr id="3" name="Text Placeholder 2"/>
+          <p:cNvSpPr>
+            <a:spLocks noGrp="1"/>
+          </p:cNvSpPr>
+          <p:nvPr>
+            <p:ph type="body" sz="quarter" idx="11"/>
+          </p:nvPr>
+        </p:nvSpPr>
+        <p:spPr/>
+        <p:txBody>
+          <a:bodyPr/>
+          <a:lstStyle/>
+          <a:p>
+            <a:r>
+              <a:rPr lang="en-US" dirty="0" smtClean="0"/>
+              <a:t>&gt; </a:t>
+            </a:r>
+            <a:r>
+              <a:rPr lang="en-US" dirty="0" err="1" smtClean="0"/>
+              <a:t>db.products.update</a:t>
+            </a:r>
+            <a:r>
+              <a:rPr lang="en-US" dirty="0" smtClean="0"/>
+              <a:t>({</a:t>
+            </a:r>
+          </a:p>
+          <a:p>
+            <a:r>
+              <a:rPr lang="en-US" dirty="0" smtClean="0"/>
+              <a:t>	&lt;query&gt;</a:t>
+            </a:r>
+          </a:p>
+          <a:p>
+            <a:r>
+              <a:rPr lang="en-US" dirty="0" smtClean="0"/>
+              <a:t>}, {</a:t>
+            </a:r>
+          </a:p>
+          <a:p>
+            <a:r>
+              <a:rPr lang="en-US" dirty="0"/>
+              <a:t>	</a:t>
+            </a:r>
+            <a:r>
+              <a:rPr lang="en-US" dirty="0" smtClean="0"/>
+              <a:t>&lt;update&gt;</a:t>
+            </a:r>
+          </a:p>
+          <a:p>
+            <a:r>
+              <a:rPr lang="en-US" dirty="0" smtClean="0"/>
+              <a:t>}, {</a:t>
+            </a:r>
+          </a:p>
+          <a:p>
+            <a:r>
+              <a:rPr lang="en-US" dirty="0"/>
+              <a:t>	</a:t>
+            </a:r>
+            <a:r>
+              <a:rPr lang="en-US" dirty="0" smtClean="0"/>
+              <a:t>&lt;optional options&gt;</a:t>
+            </a:r>
+          </a:p>
+          <a:p>
+            <a:r>
+              <a:rPr lang="en-US" dirty="0" smtClean="0"/>
+              <a:t>});</a:t>
+            </a:r>
+            <a:endParaRPr lang="en-US" dirty="0"/>
+          </a:p>
+        </p:txBody>
+      </p:sp>
+      <p:sp>
+        <p:nvSpPr>
+          <p:cNvPr id="4" name="Text Placeholder 3"/>
+          <p:cNvSpPr>
+            <a:spLocks noGrp="1"/>
+          </p:cNvSpPr>
+          <p:nvPr>
+            <p:ph type="body" sz="quarter" idx="12"/>
+          </p:nvPr>
+        </p:nvSpPr>
+        <p:spPr/>
+        <p:txBody>
+          <a:bodyPr/>
+          <a:lstStyle/>
+          <a:p>
+            <a:r>
+              <a:rPr lang="en-US" dirty="0" smtClean="0"/>
+              <a:t>&gt; </a:t>
+            </a:r>
+            <a:r>
+              <a:rPr lang="en-US" dirty="0" err="1" smtClean="0"/>
+              <a:t>db.users.update</a:t>
+            </a:r>
+            <a:r>
+              <a:rPr lang="en-US" dirty="0" smtClean="0"/>
+              <a:t>({</a:t>
+            </a:r>
+          </a:p>
+          <a:p>
+            <a:r>
+              <a:rPr lang="en-US" dirty="0" smtClean="0"/>
+              <a:t>	_id: “</a:t>
+            </a:r>
+            <a:r>
+              <a:rPr lang="en-US" dirty="0" err="1" smtClean="0"/>
+              <a:t>richard.nixon</a:t>
+            </a:r>
+            <a:r>
+              <a:rPr lang="en-US" dirty="0" smtClean="0"/>
+              <a:t>”</a:t>
+            </a:r>
+          </a:p>
+          <a:p>
+            <a:r>
+              <a:rPr lang="en-US" dirty="0" smtClean="0"/>
+              <a:t>}, {</a:t>
+            </a:r>
+          </a:p>
+          <a:p>
+            <a:r>
+              <a:rPr lang="en-US" dirty="0"/>
+              <a:t>	</a:t>
+            </a:r>
+            <a:r>
+              <a:rPr lang="en-US" dirty="0" smtClean="0"/>
+              <a:t>“$set”: {sex: “female”}</a:t>
+            </a:r>
+          </a:p>
+          <a:p>
+            <a:r>
+              <a:rPr lang="en-US" dirty="0" smtClean="0"/>
+              <a:t>});</a:t>
+            </a:r>
+            <a:endParaRPr lang="en-US" dirty="0"/>
+          </a:p>
+        </p:txBody>
+      </p:sp>
+      <p:sp>
+        <p:nvSpPr>
+          <p:cNvPr id="5" name="Slide Number Placeholder 4"/>
+          <p:cNvSpPr>
+            <a:spLocks noGrp="1"/>
+          </p:cNvSpPr>
+          <p:nvPr>
+            <p:ph type="sldNum" sz="quarter" idx="4"/>
           </p:nvPr>
         </p:nvSpPr>
         <p:spPr/>
@@ -11526,6 +11701,306 @@
               <a:rPr lang="en-US" smtClean="0"/>
               <a:pPr/>
               <a:t>17</a:t>
+            </a:fld>
+            <a:endParaRPr lang="en-US" dirty="0"/>
+          </a:p>
+        </p:txBody>
+      </p:sp>
+      <p:sp>
+        <p:nvSpPr>
+          <p:cNvPr id="6" name="Text Placeholder 5"/>
+          <p:cNvSpPr>
+            <a:spLocks noGrp="1"/>
+          </p:cNvSpPr>
+          <p:nvPr>
+            <p:ph type="body" sz="quarter" idx="13"/>
+          </p:nvPr>
+        </p:nvSpPr>
+        <p:spPr>
+          <a:xfrm>
+            <a:off x="331394" y="1272002"/>
+            <a:ext cx="1187385" cy="276999"/>
+          </a:xfrm>
+        </p:spPr>
+        <p:txBody>
+          <a:bodyPr/>
+          <a:lstStyle/>
+          <a:p>
+            <a:r>
+              <a:rPr lang="en-US" dirty="0" smtClean="0"/>
+              <a:t>Signature</a:t>
+            </a:r>
+            <a:endParaRPr lang="en-US" dirty="0"/>
+          </a:p>
+        </p:txBody>
+      </p:sp>
+      <p:sp>
+        <p:nvSpPr>
+          <p:cNvPr id="7" name="Text Placeholder 6"/>
+          <p:cNvSpPr>
+            <a:spLocks noGrp="1"/>
+          </p:cNvSpPr>
+          <p:nvPr>
+            <p:ph type="body" sz="quarter" idx="14"/>
+          </p:nvPr>
+        </p:nvSpPr>
+        <p:spPr>
+          <a:xfrm>
+            <a:off x="4632714" y="1272002"/>
+            <a:ext cx="1097892" cy="276999"/>
+          </a:xfrm>
+        </p:spPr>
+        <p:txBody>
+          <a:bodyPr/>
+          <a:lstStyle/>
+          <a:p>
+            <a:r>
+              <a:rPr lang="en-US" dirty="0" smtClean="0"/>
+              <a:t>Example</a:t>
+            </a:r>
+            <a:endParaRPr lang="en-US" dirty="0"/>
+          </a:p>
+        </p:txBody>
+      </p:sp>
+    </p:spTree>
+    <p:extLst>
+      <p:ext uri="{BB962C8B-B14F-4D97-AF65-F5344CB8AC3E}">
+        <p14:creationId xmlns:p14="http://schemas.microsoft.com/office/powerpoint/2010/main" val="919113909"/>
+      </p:ext>
+    </p:extLst>
+  </p:cSld>
+  <p:clrMapOvr>
+    <a:masterClrMapping/>
+  </p:clrMapOvr>
+  <p:transition xmlns:p14="http://schemas.microsoft.com/office/powerpoint/2010/main">
+    <p:fade thruBlk="1"/>
+  </p:transition>
+</p:sld>
+</file>
+
+<file path=ppt/slides/slide18.xml><?xml version="1.0" encoding="utf-8"?>
+<p:sld xmlns:a="http://schemas.openxmlformats.org/drawingml/2006/main" xmlns:r="http://schemas.openxmlformats.org/officeDocument/2006/relationships" xmlns:p="http://schemas.openxmlformats.org/presentationml/2006/main">
+  <p:cSld>
+    <p:spTree>
+      <p:nvGrpSpPr>
+        <p:cNvPr id="1" name=""/>
+        <p:cNvGrpSpPr/>
+        <p:nvPr/>
+      </p:nvGrpSpPr>
+      <p:grpSpPr>
+        <a:xfrm>
+          <a:off x="0" y="0"/>
+          <a:ext cx="0" cy="0"/>
+          <a:chOff x="0" y="0"/>
+          <a:chExt cx="0" cy="0"/>
+        </a:xfrm>
+      </p:grpSpPr>
+      <p:pic>
+        <p:nvPicPr>
+          <p:cNvPr id="6" name="Picture Placeholder 5" descr="Escher-Big.jpg"/>
+          <p:cNvPicPr>
+            <a:picLocks noGrp="1" noChangeAspect="1"/>
+          </p:cNvPicPr>
+          <p:nvPr>
+            <p:ph type="pic" sz="quarter" idx="10"/>
+          </p:nvPr>
+        </p:nvPicPr>
+        <p:blipFill rotWithShape="1">
+          <a:blip r:embed="rId2">
+            <a:extLst>
+              <a:ext uri="{28A0092B-C50C-407E-A947-70E740481C1C}">
+                <a14:useLocalDpi xmlns:a14="http://schemas.microsoft.com/office/drawing/2010/main" val="0"/>
+              </a:ext>
+            </a:extLst>
+          </a:blip>
+          <a:srcRect l="2776" t="19033" r="4180" b="-7552"/>
+          <a:stretch/>
+        </p:blipFill>
+        <p:spPr>
+          <a:xfrm>
+            <a:off x="1158240" y="1412240"/>
+            <a:ext cx="6725920" cy="5953760"/>
+          </a:xfrm>
+        </p:spPr>
+      </p:pic>
+      <p:sp>
+        <p:nvSpPr>
+          <p:cNvPr id="3" name="Title 2"/>
+          <p:cNvSpPr>
+            <a:spLocks noGrp="1"/>
+          </p:cNvSpPr>
+          <p:nvPr>
+            <p:ph type="title"/>
+          </p:nvPr>
+        </p:nvSpPr>
+        <p:spPr>
+          <a:xfrm>
+            <a:off x="321623" y="418905"/>
+            <a:ext cx="3695354" cy="307777"/>
+          </a:xfrm>
+        </p:spPr>
+        <p:txBody>
+          <a:bodyPr/>
+          <a:lstStyle/>
+          <a:p>
+            <a:r>
+              <a:rPr lang="en-US" dirty="0" smtClean="0"/>
+              <a:t>Structuring your data</a:t>
+            </a:r>
+            <a:endParaRPr lang="en-US" dirty="0"/>
+          </a:p>
+        </p:txBody>
+      </p:sp>
+      <p:sp>
+        <p:nvSpPr>
+          <p:cNvPr id="4" name="Slide Number Placeholder 3"/>
+          <p:cNvSpPr>
+            <a:spLocks noGrp="1"/>
+          </p:cNvSpPr>
+          <p:nvPr>
+            <p:ph type="sldNum" sz="quarter" idx="4"/>
+          </p:nvPr>
+        </p:nvSpPr>
+        <p:spPr/>
+        <p:txBody>
+          <a:bodyPr/>
+          <a:lstStyle/>
+          <a:p>
+            <a:fld id="{FF67BF5B-7344-D747-A0C2-CBD7B2ACBC85}" type="slidenum">
+              <a:rPr lang="en-US" smtClean="0"/>
+              <a:pPr/>
+              <a:t>18</a:t>
+            </a:fld>
+            <a:endParaRPr lang="en-US" dirty="0"/>
+          </a:p>
+        </p:txBody>
+      </p:sp>
+      <p:sp>
+        <p:nvSpPr>
+          <p:cNvPr id="7" name="TextBox 6"/>
+          <p:cNvSpPr txBox="1"/>
+          <p:nvPr/>
+        </p:nvSpPr>
+        <p:spPr>
+          <a:xfrm>
+            <a:off x="5612358" y="6596390"/>
+            <a:ext cx="1911326" cy="261610"/>
+          </a:xfrm>
+          <a:prstGeom prst="rect">
+            <a:avLst/>
+          </a:prstGeom>
+          <a:noFill/>
+        </p:spPr>
+        <p:txBody>
+          <a:bodyPr wrap="none" rtlCol="0">
+            <a:spAutoFit/>
+          </a:bodyPr>
+          <a:lstStyle/>
+          <a:p>
+            <a:pPr>
+              <a:spcBef>
+                <a:spcPts val="600"/>
+              </a:spcBef>
+              <a:spcAft>
+                <a:spcPts val="400"/>
+              </a:spcAft>
+            </a:pPr>
+            <a:r>
+              <a:rPr lang="en-US" sz="1100" dirty="0"/>
+              <a:t>Source: </a:t>
+            </a:r>
+            <a:r>
+              <a:rPr lang="en-US" sz="1100" dirty="0" err="1" smtClean="0"/>
+              <a:t>www.scottmcd.net</a:t>
+            </a:r>
+            <a:r>
+              <a:rPr lang="en-US" sz="1100" dirty="0"/>
+              <a:t>/</a:t>
+            </a:r>
+            <a:endParaRPr lang="en-US" sz="1100" dirty="0" smtClean="0"/>
+          </a:p>
+        </p:txBody>
+      </p:sp>
+    </p:spTree>
+    <p:extLst>
+      <p:ext uri="{BB962C8B-B14F-4D97-AF65-F5344CB8AC3E}">
+        <p14:creationId xmlns:p14="http://schemas.microsoft.com/office/powerpoint/2010/main" val="761368604"/>
+      </p:ext>
+    </p:extLst>
+  </p:cSld>
+  <p:clrMapOvr>
+    <a:masterClrMapping/>
+  </p:clrMapOvr>
+  <p:transition xmlns:p14="http://schemas.microsoft.com/office/powerpoint/2010/main">
+    <p:fade thruBlk="1"/>
+  </p:transition>
+</p:sld>
+</file>
+
+<file path=ppt/slides/slide19.xml><?xml version="1.0" encoding="utf-8"?>
+<p:sld xmlns:a="http://schemas.openxmlformats.org/drawingml/2006/main" xmlns:r="http://schemas.openxmlformats.org/officeDocument/2006/relationships" xmlns:p="http://schemas.openxmlformats.org/presentationml/2006/main">
+  <p:cSld>
+    <p:spTree>
+      <p:nvGrpSpPr>
+        <p:cNvPr id="1" name=""/>
+        <p:cNvGrpSpPr/>
+        <p:nvPr/>
+      </p:nvGrpSpPr>
+      <p:grpSpPr>
+        <a:xfrm>
+          <a:off x="0" y="0"/>
+          <a:ext cx="0" cy="0"/>
+          <a:chOff x="0" y="0"/>
+          <a:chExt cx="0" cy="0"/>
+        </a:xfrm>
+      </p:grpSpPr>
+      <p:sp>
+        <p:nvSpPr>
+          <p:cNvPr id="2" name="Title 1"/>
+          <p:cNvSpPr>
+            <a:spLocks noGrp="1"/>
+          </p:cNvSpPr>
+          <p:nvPr>
+            <p:ph type="title"/>
+          </p:nvPr>
+        </p:nvSpPr>
+        <p:spPr>
+          <a:xfrm>
+            <a:off x="321623" y="418905"/>
+            <a:ext cx="2479321" cy="307777"/>
+          </a:xfrm>
+        </p:spPr>
+        <p:txBody>
+          <a:bodyPr/>
+          <a:lstStyle/>
+          <a:p>
+            <a:r>
+              <a:rPr lang="en-US" dirty="0" smtClean="0"/>
+              <a:t>Normalization</a:t>
+            </a:r>
+            <a:endParaRPr lang="en-US" dirty="0"/>
+          </a:p>
+        </p:txBody>
+      </p:sp>
+      <p:sp>
+        <p:nvSpPr>
+          <p:cNvPr id="3" name="Slide Number Placeholder 2"/>
+          <p:cNvSpPr>
+            <a:spLocks noGrp="1"/>
+          </p:cNvSpPr>
+          <p:nvPr>
+            <p:ph type="sldNum" sz="quarter" idx="10"/>
+          </p:nvPr>
+        </p:nvSpPr>
+        <p:spPr/>
+        <p:txBody>
+          <a:bodyPr/>
+          <a:lstStyle/>
+          <a:p>
+            <a:fld id="{FF67BF5B-7344-D747-A0C2-CBD7B2ACBC85}" type="slidenum">
+              <a:rPr lang="en-US" smtClean="0"/>
+              <a:pPr/>
+              <a:t>19</a:t>
             </a:fld>
             <a:endParaRPr lang="en-US" dirty="0"/>
           </a:p>
@@ -12141,7 +12616,6 @@
               <a:rPr lang="en-US" sz="1700" dirty="0" smtClean="0"/>
               <a:t>Normalized</a:t>
             </a:r>
-            <a:endParaRPr lang="en-US" sz="1700" dirty="0" smtClean="0"/>
           </a:p>
         </p:txBody>
       </p:sp>
@@ -12149,547 +12623,6 @@
     <p:extLst>
       <p:ext uri="{BB962C8B-B14F-4D97-AF65-F5344CB8AC3E}">
         <p14:creationId xmlns:p14="http://schemas.microsoft.com/office/powerpoint/2010/main" val="4156009953"/>
-      </p:ext>
-    </p:extLst>
-  </p:cSld>
-  <p:clrMapOvr>
-    <a:masterClrMapping/>
-  </p:clrMapOvr>
-  <p:transition xmlns:p14="http://schemas.microsoft.com/office/powerpoint/2010/main">
-    <p:fade thruBlk="1"/>
-  </p:transition>
-</p:sld>
-</file>
-
-<file path=ppt/slides/slide18.xml><?xml version="1.0" encoding="utf-8"?>
-<p:sld xmlns:a="http://schemas.openxmlformats.org/drawingml/2006/main" xmlns:r="http://schemas.openxmlformats.org/officeDocument/2006/relationships" xmlns:p="http://schemas.openxmlformats.org/presentationml/2006/main">
-  <p:cSld>
-    <p:spTree>
-      <p:nvGrpSpPr>
-        <p:cNvPr id="1" name=""/>
-        <p:cNvGrpSpPr/>
-        <p:nvPr/>
-      </p:nvGrpSpPr>
-      <p:grpSpPr>
-        <a:xfrm>
-          <a:off x="0" y="0"/>
-          <a:ext cx="0" cy="0"/>
-          <a:chOff x="0" y="0"/>
-          <a:chExt cx="0" cy="0"/>
-        </a:xfrm>
-      </p:grpSpPr>
-      <p:sp>
-        <p:nvSpPr>
-          <p:cNvPr id="2" name="Title 1"/>
-          <p:cNvSpPr>
-            <a:spLocks noGrp="1"/>
-          </p:cNvSpPr>
-          <p:nvPr>
-            <p:ph type="title"/>
-          </p:nvPr>
-        </p:nvSpPr>
-        <p:spPr>
-          <a:xfrm>
-            <a:off x="321623" y="418905"/>
-            <a:ext cx="3810255" cy="307777"/>
-          </a:xfrm>
-        </p:spPr>
-        <p:txBody>
-          <a:bodyPr/>
-          <a:lstStyle/>
-          <a:p>
-            <a:r>
-              <a:rPr lang="en-US" dirty="0" smtClean="0"/>
-              <a:t>Goals of normalization</a:t>
-            </a:r>
-            <a:endParaRPr lang="en-US" dirty="0"/>
-          </a:p>
-        </p:txBody>
-      </p:sp>
-      <p:sp>
-        <p:nvSpPr>
-          <p:cNvPr id="3" name="Slide Number Placeholder 2"/>
-          <p:cNvSpPr>
-            <a:spLocks noGrp="1"/>
-          </p:cNvSpPr>
-          <p:nvPr>
-            <p:ph type="sldNum" sz="quarter" idx="10"/>
-          </p:nvPr>
-        </p:nvSpPr>
-        <p:spPr/>
-        <p:txBody>
-          <a:bodyPr/>
-          <a:lstStyle/>
-          <a:p>
-            <a:fld id="{FF67BF5B-7344-D747-A0C2-CBD7B2ACBC85}" type="slidenum">
-              <a:rPr lang="en-US" smtClean="0"/>
-              <a:pPr/>
-              <a:t>18</a:t>
-            </a:fld>
-            <a:endParaRPr lang="en-US" dirty="0"/>
-          </a:p>
-        </p:txBody>
-      </p:sp>
-      <p:sp>
-        <p:nvSpPr>
-          <p:cNvPr id="4" name="Text Placeholder 3"/>
-          <p:cNvSpPr>
-            <a:spLocks noGrp="1"/>
-          </p:cNvSpPr>
-          <p:nvPr>
-            <p:ph type="body" sz="quarter" idx="11"/>
-          </p:nvPr>
-        </p:nvSpPr>
-        <p:spPr/>
-        <p:txBody>
-          <a:bodyPr/>
-          <a:lstStyle/>
-          <a:p>
-            <a:r>
-              <a:rPr lang="en-US" dirty="0" smtClean="0"/>
-              <a:t>Free database of update anomalies</a:t>
-            </a:r>
-          </a:p>
-          <a:p>
-            <a:endParaRPr lang="en-US" dirty="0"/>
-          </a:p>
-          <a:p>
-            <a:r>
-              <a:rPr lang="en-US" dirty="0" smtClean="0"/>
-              <a:t>Minimize redesign costs</a:t>
-            </a:r>
-          </a:p>
-          <a:p>
-            <a:endParaRPr lang="en-US" dirty="0"/>
-          </a:p>
-          <a:p>
-            <a:r>
-              <a:rPr lang="en-US" dirty="0" smtClean="0"/>
-              <a:t>Avoid bias towards one access pattern</a:t>
-            </a:r>
-          </a:p>
-        </p:txBody>
-      </p:sp>
-    </p:spTree>
-    <p:extLst>
-      <p:ext uri="{BB962C8B-B14F-4D97-AF65-F5344CB8AC3E}">
-        <p14:creationId xmlns:p14="http://schemas.microsoft.com/office/powerpoint/2010/main" val="3972913206"/>
-      </p:ext>
-    </p:extLst>
-  </p:cSld>
-  <p:clrMapOvr>
-    <a:masterClrMapping/>
-  </p:clrMapOvr>
-  <p:transition xmlns:p14="http://schemas.microsoft.com/office/powerpoint/2010/main">
-    <p:fade thruBlk="1"/>
-  </p:transition>
-</p:sld>
-</file>
-
-<file path=ppt/slides/slide19.xml><?xml version="1.0" encoding="utf-8"?>
-<p:sld xmlns:a="http://schemas.openxmlformats.org/drawingml/2006/main" xmlns:r="http://schemas.openxmlformats.org/officeDocument/2006/relationships" xmlns:p="http://schemas.openxmlformats.org/presentationml/2006/main">
-  <p:cSld>
-    <p:spTree>
-      <p:nvGrpSpPr>
-        <p:cNvPr id="1" name=""/>
-        <p:cNvGrpSpPr/>
-        <p:nvPr/>
-      </p:nvGrpSpPr>
-      <p:grpSpPr>
-        <a:xfrm>
-          <a:off x="0" y="0"/>
-          <a:ext cx="0" cy="0"/>
-          <a:chOff x="0" y="0"/>
-          <a:chExt cx="0" cy="0"/>
-        </a:xfrm>
-      </p:grpSpPr>
-      <p:sp>
-        <p:nvSpPr>
-          <p:cNvPr id="2" name="Title 1"/>
-          <p:cNvSpPr>
-            <a:spLocks noGrp="1"/>
-          </p:cNvSpPr>
-          <p:nvPr>
-            <p:ph type="title"/>
-          </p:nvPr>
-        </p:nvSpPr>
-        <p:spPr>
-          <a:xfrm>
-            <a:off x="321623" y="418905"/>
-            <a:ext cx="1914108" cy="307777"/>
-          </a:xfrm>
-        </p:spPr>
-        <p:txBody>
-          <a:bodyPr/>
-          <a:lstStyle/>
-          <a:p>
-            <a:r>
-              <a:rPr lang="en-US" dirty="0" smtClean="0"/>
-              <a:t>One-to-one</a:t>
-            </a:r>
-            <a:endParaRPr lang="en-US" dirty="0"/>
-          </a:p>
-        </p:txBody>
-      </p:sp>
-      <p:sp>
-        <p:nvSpPr>
-          <p:cNvPr id="3" name="Text Placeholder 2"/>
-          <p:cNvSpPr>
-            <a:spLocks noGrp="1"/>
-          </p:cNvSpPr>
-          <p:nvPr>
-            <p:ph type="body" sz="quarter" idx="11"/>
-          </p:nvPr>
-        </p:nvSpPr>
-        <p:spPr/>
-        <p:txBody>
-          <a:bodyPr/>
-          <a:lstStyle/>
-          <a:p>
-            <a:r>
-              <a:rPr lang="en-US" dirty="0"/>
-              <a:t>A person has a spouse. </a:t>
-            </a:r>
-            <a:endParaRPr lang="en-US" dirty="0" smtClean="0"/>
-          </a:p>
-          <a:p>
-            <a:r>
-              <a:rPr lang="en-US" dirty="0" smtClean="0"/>
-              <a:t>(Let’s at least model it as a one to one relation).</a:t>
-            </a:r>
-            <a:endParaRPr lang="en-US" dirty="0"/>
-          </a:p>
-        </p:txBody>
-      </p:sp>
-      <p:sp>
-        <p:nvSpPr>
-          <p:cNvPr id="4" name="Text Placeholder 3"/>
-          <p:cNvSpPr>
-            <a:spLocks noGrp="1"/>
-          </p:cNvSpPr>
-          <p:nvPr>
-            <p:ph type="body" sz="quarter" idx="12"/>
-          </p:nvPr>
-        </p:nvSpPr>
-        <p:spPr/>
-        <p:txBody>
-          <a:bodyPr/>
-          <a:lstStyle/>
-          <a:p>
-            <a:r>
-              <a:rPr lang="en-US" dirty="0" smtClean="0"/>
-              <a:t>Reference in either document</a:t>
-            </a:r>
-          </a:p>
-          <a:p>
-            <a:endParaRPr lang="en-US" dirty="0"/>
-          </a:p>
-          <a:p>
-            <a:r>
-              <a:rPr lang="en-US" dirty="0" smtClean="0"/>
-              <a:t>OR</a:t>
-            </a:r>
-          </a:p>
-          <a:p>
-            <a:endParaRPr lang="en-US" dirty="0"/>
-          </a:p>
-          <a:p>
-            <a:r>
-              <a:rPr lang="en-US" dirty="0" smtClean="0"/>
-              <a:t>Embed</a:t>
-            </a:r>
-          </a:p>
-          <a:p>
-            <a:endParaRPr lang="en-US" dirty="0"/>
-          </a:p>
-          <a:p>
-            <a:r>
-              <a:rPr lang="en-US" dirty="0" smtClean="0"/>
-              <a:t>CONSIDER</a:t>
-            </a:r>
-          </a:p>
-          <a:p>
-            <a:endParaRPr lang="en-US" dirty="0"/>
-          </a:p>
-          <a:p>
-            <a:r>
-              <a:rPr lang="en-US" dirty="0" smtClean="0"/>
-              <a:t>Size of each.</a:t>
-            </a:r>
-          </a:p>
-          <a:p>
-            <a:r>
-              <a:rPr lang="en-US" dirty="0" smtClean="0"/>
-              <a:t>Do you need both at the same time.</a:t>
-            </a:r>
-          </a:p>
-          <a:p>
-            <a:r>
-              <a:rPr lang="en-US" dirty="0" smtClean="0"/>
-              <a:t>Atomicity of data.</a:t>
-            </a:r>
-          </a:p>
-        </p:txBody>
-      </p:sp>
-      <p:sp>
-        <p:nvSpPr>
-          <p:cNvPr id="5" name="Slide Number Placeholder 4"/>
-          <p:cNvSpPr>
-            <a:spLocks noGrp="1"/>
-          </p:cNvSpPr>
-          <p:nvPr>
-            <p:ph type="sldNum" sz="quarter" idx="4"/>
-          </p:nvPr>
-        </p:nvSpPr>
-        <p:spPr/>
-        <p:txBody>
-          <a:bodyPr/>
-          <a:lstStyle/>
-          <a:p>
-            <a:fld id="{FF67BF5B-7344-D747-A0C2-CBD7B2ACBC85}" type="slidenum">
-              <a:rPr lang="en-US" smtClean="0"/>
-              <a:pPr/>
-              <a:t>19</a:t>
-            </a:fld>
-            <a:endParaRPr lang="en-US" dirty="0"/>
-          </a:p>
-        </p:txBody>
-      </p:sp>
-      <p:sp>
-        <p:nvSpPr>
-          <p:cNvPr id="6" name="Text Placeholder 5"/>
-          <p:cNvSpPr>
-            <a:spLocks noGrp="1"/>
-          </p:cNvSpPr>
-          <p:nvPr>
-            <p:ph type="body" sz="quarter" idx="13"/>
-          </p:nvPr>
-        </p:nvSpPr>
-        <p:spPr>
-          <a:xfrm>
-            <a:off x="331394" y="1272002"/>
-            <a:ext cx="677254" cy="276999"/>
-          </a:xfrm>
-        </p:spPr>
-        <p:txBody>
-          <a:bodyPr/>
-          <a:lstStyle/>
-          <a:p>
-            <a:r>
-              <a:rPr lang="en-US" dirty="0" smtClean="0"/>
-              <a:t>Case</a:t>
-            </a:r>
-            <a:endParaRPr lang="en-US" dirty="0"/>
-          </a:p>
-        </p:txBody>
-      </p:sp>
-      <p:sp>
-        <p:nvSpPr>
-          <p:cNvPr id="7" name="Text Placeholder 6"/>
-          <p:cNvSpPr>
-            <a:spLocks noGrp="1"/>
-          </p:cNvSpPr>
-          <p:nvPr>
-            <p:ph type="body" sz="quarter" idx="14"/>
-          </p:nvPr>
-        </p:nvSpPr>
-        <p:spPr>
-          <a:xfrm>
-            <a:off x="3260883" y="1272002"/>
-            <a:ext cx="1194486" cy="276999"/>
-          </a:xfrm>
-        </p:spPr>
-        <p:txBody>
-          <a:bodyPr/>
-          <a:lstStyle/>
-          <a:p>
-            <a:r>
-              <a:rPr lang="en-US" dirty="0" smtClean="0"/>
-              <a:t>Approach</a:t>
-            </a:r>
-            <a:endParaRPr lang="en-US" dirty="0"/>
-          </a:p>
-        </p:txBody>
-      </p:sp>
-      <p:sp>
-        <p:nvSpPr>
-          <p:cNvPr id="8" name="Text Placeholder 7"/>
-          <p:cNvSpPr>
-            <a:spLocks noGrp="1"/>
-          </p:cNvSpPr>
-          <p:nvPr>
-            <p:ph type="body" sz="quarter" idx="15"/>
-          </p:nvPr>
-        </p:nvSpPr>
-        <p:spPr/>
-        <p:txBody>
-          <a:bodyPr/>
-          <a:lstStyle/>
-          <a:p>
-            <a:r>
-              <a:rPr lang="en-US" dirty="0" smtClean="0"/>
-              <a:t>Reference:</a:t>
-            </a:r>
-          </a:p>
-          <a:p>
-            <a:r>
-              <a:rPr lang="en-US" dirty="0" smtClean="0"/>
-              <a:t>{</a:t>
-            </a:r>
-          </a:p>
-          <a:p>
-            <a:r>
-              <a:rPr lang="en-US" dirty="0"/>
-              <a:t>	</a:t>
-            </a:r>
-            <a:r>
-              <a:rPr lang="en-US" dirty="0" smtClean="0"/>
-              <a:t>_id: 1,</a:t>
-            </a:r>
-          </a:p>
-          <a:p>
-            <a:r>
-              <a:rPr lang="en-US" dirty="0"/>
-              <a:t>	</a:t>
-            </a:r>
-            <a:r>
-              <a:rPr lang="en-US" dirty="0" smtClean="0"/>
-              <a:t>name: “John”,</a:t>
-            </a:r>
-          </a:p>
-          <a:p>
-            <a:r>
-              <a:rPr lang="en-US" dirty="0"/>
-              <a:t>	</a:t>
-            </a:r>
-            <a:r>
-              <a:rPr lang="en-US" dirty="0" smtClean="0"/>
-              <a:t>spouse: 2</a:t>
-            </a:r>
-          </a:p>
-          <a:p>
-            <a:r>
-              <a:rPr lang="en-US" dirty="0" smtClean="0"/>
-              <a:t>}</a:t>
-            </a:r>
-            <a:endParaRPr lang="en-US" dirty="0"/>
-          </a:p>
-          <a:p>
-            <a:r>
-              <a:rPr lang="en-US" dirty="0" smtClean="0"/>
-              <a:t>Embed:</a:t>
-            </a:r>
-          </a:p>
-          <a:p>
-            <a:r>
-              <a:rPr lang="en-US" dirty="0" smtClean="0"/>
-              <a:t>{</a:t>
-            </a:r>
-          </a:p>
-          <a:p>
-            <a:r>
-              <a:rPr lang="en-US" dirty="0"/>
-              <a:t>	</a:t>
-            </a:r>
-            <a:r>
-              <a:rPr lang="en-US" dirty="0" smtClean="0"/>
-              <a:t>_id: 2,</a:t>
-            </a:r>
-          </a:p>
-          <a:p>
-            <a:r>
-              <a:rPr lang="en-US" dirty="0"/>
-              <a:t>	</a:t>
-            </a:r>
-            <a:r>
-              <a:rPr lang="en-US" dirty="0" smtClean="0"/>
-              <a:t>name: “Kari”,</a:t>
-            </a:r>
-          </a:p>
-          <a:p>
-            <a:r>
-              <a:rPr lang="en-US" dirty="0"/>
-              <a:t>	</a:t>
-            </a:r>
-            <a:r>
-              <a:rPr lang="en-US" dirty="0" smtClean="0"/>
-              <a:t>spouse: {</a:t>
-            </a:r>
-          </a:p>
-          <a:p>
-            <a:r>
-              <a:rPr lang="en-US" dirty="0"/>
-              <a:t>	</a:t>
-            </a:r>
-            <a:r>
-              <a:rPr lang="en-US" dirty="0" smtClean="0"/>
-              <a:t>	id: 1,</a:t>
-            </a:r>
-          </a:p>
-          <a:p>
-            <a:r>
-              <a:rPr lang="en-US" dirty="0"/>
-              <a:t>	</a:t>
-            </a:r>
-            <a:r>
-              <a:rPr lang="en-US" dirty="0" smtClean="0"/>
-              <a:t>	name: “John”</a:t>
-            </a:r>
-          </a:p>
-          <a:p>
-            <a:r>
-              <a:rPr lang="en-US" dirty="0"/>
-              <a:t>	</a:t>
-            </a:r>
-            <a:r>
-              <a:rPr lang="en-US" dirty="0" smtClean="0"/>
-              <a:t>}</a:t>
-            </a:r>
-          </a:p>
-          <a:p>
-            <a:r>
-              <a:rPr lang="en-US" dirty="0"/>
-              <a:t>}</a:t>
-            </a:r>
-            <a:endParaRPr lang="en-US" dirty="0" smtClean="0"/>
-          </a:p>
-          <a:p>
-            <a:endParaRPr lang="en-US" dirty="0"/>
-          </a:p>
-        </p:txBody>
-      </p:sp>
-      <p:sp>
-        <p:nvSpPr>
-          <p:cNvPr id="9" name="Text Placeholder 8"/>
-          <p:cNvSpPr>
-            <a:spLocks noGrp="1"/>
-          </p:cNvSpPr>
-          <p:nvPr>
-            <p:ph type="body" sz="quarter" idx="16"/>
-          </p:nvPr>
-        </p:nvSpPr>
-        <p:spPr>
-          <a:xfrm>
-            <a:off x="6191636" y="1272002"/>
-            <a:ext cx="1097892" cy="276999"/>
-          </a:xfrm>
-        </p:spPr>
-        <p:txBody>
-          <a:bodyPr/>
-          <a:lstStyle/>
-          <a:p>
-            <a:r>
-              <a:rPr lang="en-US" dirty="0" smtClean="0"/>
-              <a:t>Example</a:t>
-            </a:r>
-            <a:endParaRPr lang="en-US" dirty="0"/>
-          </a:p>
-        </p:txBody>
-      </p:sp>
-    </p:spTree>
-    <p:extLst>
-      <p:ext uri="{BB962C8B-B14F-4D97-AF65-F5344CB8AC3E}">
-        <p14:creationId xmlns:p14="http://schemas.microsoft.com/office/powerpoint/2010/main" val="3155125728"/>
       </p:ext>
     </p:extLst>
   </p:cSld>
@@ -12721,7 +12654,7 @@
       </p:grpSpPr>
       <p:sp>
         <p:nvSpPr>
-          <p:cNvPr id="3" name="Title 2"/>
+          <p:cNvPr id="2" name="Title 1"/>
           <p:cNvSpPr>
             <a:spLocks noGrp="1"/>
           </p:cNvSpPr>
@@ -12732,7 +12665,7 @@
         <p:spPr>
           <a:xfrm>
             <a:off x="321623" y="418905"/>
-            <a:ext cx="3895514" cy="307777"/>
+            <a:ext cx="2419234" cy="307777"/>
           </a:xfrm>
         </p:spPr>
         <p:txBody>
@@ -12741,11 +12674,11 @@
           <a:p>
             <a:r>
               <a:rPr lang="en-US" dirty="0" smtClean="0"/>
-              <a:t>Introduction - </a:t>
-            </a:r>
-            <a:r>
-              <a:rPr lang="en-US" dirty="0" err="1" smtClean="0"/>
-              <a:t>Mongodb</a:t>
+              <a:t>Om </a:t>
+            </a:r>
+            <a:r>
+              <a:rPr lang="en-US" dirty="0" err="1" smtClean="0"/>
+              <a:t>kursserien</a:t>
             </a:r>
             <a:endParaRPr lang="en-US" dirty="0"/>
           </a:p>
@@ -12753,7 +12686,363 @@
       </p:sp>
       <p:sp>
         <p:nvSpPr>
-          <p:cNvPr id="4" name="Slide Number Placeholder 3"/>
+          <p:cNvPr id="3" name="Text Placeholder 2"/>
+          <p:cNvSpPr>
+            <a:spLocks noGrp="1"/>
+          </p:cNvSpPr>
+          <p:nvPr>
+            <p:ph type="body" sz="quarter" idx="11"/>
+          </p:nvPr>
+        </p:nvSpPr>
+        <p:spPr/>
+        <p:txBody>
+          <a:bodyPr/>
+          <a:lstStyle/>
+          <a:p>
+            <a:r>
+              <a:rPr lang="en-US" dirty="0" err="1" smtClean="0"/>
+              <a:t>Introduksjon</a:t>
+            </a:r>
+            <a:r>
+              <a:rPr lang="en-US" dirty="0" smtClean="0"/>
+              <a:t> </a:t>
+            </a:r>
+            <a:r>
+              <a:rPr lang="en-US" dirty="0" err="1" smtClean="0"/>
+              <a:t>til</a:t>
+            </a:r>
+            <a:r>
+              <a:rPr lang="en-US" dirty="0" smtClean="0"/>
+              <a:t> </a:t>
+            </a:r>
+            <a:r>
+              <a:rPr lang="en-US" dirty="0" err="1" smtClean="0"/>
+              <a:t>MongoDB</a:t>
+            </a:r>
+            <a:endParaRPr lang="en-US" dirty="0"/>
+          </a:p>
+          <a:p>
+            <a:endParaRPr lang="en-US" dirty="0"/>
+          </a:p>
+          <a:p>
+            <a:r>
+              <a:rPr lang="en-US" dirty="0" smtClean="0"/>
+              <a:t>Vi </a:t>
+            </a:r>
+            <a:r>
+              <a:rPr lang="en-US" dirty="0" err="1" smtClean="0"/>
+              <a:t>fokuserer</a:t>
+            </a:r>
+            <a:r>
+              <a:rPr lang="en-US" dirty="0" smtClean="0"/>
+              <a:t> </a:t>
+            </a:r>
+            <a:r>
+              <a:rPr lang="en-US" dirty="0" err="1" smtClean="0"/>
+              <a:t>på</a:t>
+            </a:r>
+            <a:r>
+              <a:rPr lang="en-US" dirty="0" smtClean="0"/>
+              <a:t> </a:t>
+            </a:r>
+            <a:r>
+              <a:rPr lang="en-US" dirty="0" err="1" smtClean="0"/>
+              <a:t>basisoperasjoner</a:t>
+            </a:r>
+            <a:r>
+              <a:rPr lang="en-US" dirty="0" smtClean="0"/>
+              <a:t> </a:t>
+            </a:r>
+            <a:r>
+              <a:rPr lang="en-US" dirty="0" err="1" smtClean="0"/>
+              <a:t>og</a:t>
+            </a:r>
+            <a:r>
+              <a:rPr lang="en-US" dirty="0" smtClean="0"/>
+              <a:t> </a:t>
+            </a:r>
+            <a:r>
+              <a:rPr lang="en-US" dirty="0" err="1" smtClean="0"/>
+              <a:t>funksjonalitet</a:t>
+            </a:r>
+            <a:r>
+              <a:rPr lang="en-US" dirty="0" smtClean="0"/>
+              <a:t> </a:t>
+            </a:r>
+            <a:r>
+              <a:rPr lang="en-US" dirty="0" err="1" smtClean="0"/>
+              <a:t>som</a:t>
+            </a:r>
+            <a:r>
+              <a:rPr lang="en-US" dirty="0" smtClean="0"/>
+              <a:t> </a:t>
+            </a:r>
+            <a:r>
+              <a:rPr lang="en-US" dirty="0" err="1" smtClean="0"/>
+              <a:t>gjør</a:t>
+            </a:r>
+            <a:r>
+              <a:rPr lang="en-US" dirty="0" smtClean="0"/>
+              <a:t> </a:t>
+            </a:r>
+            <a:r>
+              <a:rPr lang="en-US" dirty="0" err="1" smtClean="0"/>
+              <a:t>dette</a:t>
+            </a:r>
+            <a:r>
+              <a:rPr lang="en-US" dirty="0" smtClean="0"/>
+              <a:t> </a:t>
+            </a:r>
+            <a:r>
+              <a:rPr lang="en-US" dirty="0" err="1" smtClean="0"/>
+              <a:t>til</a:t>
+            </a:r>
+            <a:r>
+              <a:rPr lang="en-US" dirty="0" smtClean="0"/>
+              <a:t> et </a:t>
+            </a:r>
+            <a:r>
+              <a:rPr lang="en-US" dirty="0" err="1" smtClean="0"/>
+              <a:t>godt</a:t>
+            </a:r>
+            <a:r>
+              <a:rPr lang="en-US" dirty="0" smtClean="0"/>
+              <a:t> </a:t>
+            </a:r>
+            <a:r>
+              <a:rPr lang="en-US" dirty="0" err="1" smtClean="0"/>
+              <a:t>verktøy</a:t>
+            </a:r>
+            <a:r>
+              <a:rPr lang="en-US" dirty="0" smtClean="0"/>
+              <a:t> for </a:t>
+            </a:r>
+            <a:r>
+              <a:rPr lang="en-US" dirty="0" err="1" smtClean="0"/>
+              <a:t>rask</a:t>
+            </a:r>
+            <a:r>
+              <a:rPr lang="en-US" dirty="0" smtClean="0"/>
+              <a:t> </a:t>
+            </a:r>
+            <a:r>
+              <a:rPr lang="en-US" dirty="0" err="1" smtClean="0"/>
+              <a:t>utvikling</a:t>
+            </a:r>
+            <a:r>
+              <a:rPr lang="en-US" dirty="0" smtClean="0"/>
+              <a:t>!</a:t>
+            </a:r>
+            <a:endParaRPr lang="en-US" dirty="0"/>
+          </a:p>
+        </p:txBody>
+      </p:sp>
+      <p:sp>
+        <p:nvSpPr>
+          <p:cNvPr id="4" name="Text Placeholder 3"/>
+          <p:cNvSpPr>
+            <a:spLocks noGrp="1"/>
+          </p:cNvSpPr>
+          <p:nvPr>
+            <p:ph type="body" sz="quarter" idx="12"/>
+          </p:nvPr>
+        </p:nvSpPr>
+        <p:spPr/>
+        <p:txBody>
+          <a:bodyPr/>
+          <a:lstStyle/>
+          <a:p>
+            <a:r>
+              <a:rPr lang="en-US" dirty="0" err="1" smtClean="0"/>
+              <a:t>Introduksjon</a:t>
+            </a:r>
+            <a:r>
+              <a:rPr lang="en-US" dirty="0" smtClean="0"/>
+              <a:t> </a:t>
+            </a:r>
+            <a:r>
+              <a:rPr lang="en-US" dirty="0" err="1" smtClean="0"/>
+              <a:t>til</a:t>
+            </a:r>
+            <a:r>
+              <a:rPr lang="en-US" dirty="0" smtClean="0"/>
+              <a:t> Neo4J</a:t>
+            </a:r>
+          </a:p>
+          <a:p>
+            <a:endParaRPr lang="en-US" dirty="0"/>
+          </a:p>
+          <a:p>
+            <a:r>
+              <a:rPr lang="en-US" dirty="0" smtClean="0"/>
+              <a:t>Neo4J </a:t>
+            </a:r>
+            <a:r>
+              <a:rPr lang="en-US" dirty="0" err="1" smtClean="0"/>
+              <a:t>går</a:t>
+            </a:r>
+            <a:r>
+              <a:rPr lang="en-US" dirty="0" smtClean="0"/>
+              <a:t> med </a:t>
+            </a:r>
+            <a:r>
+              <a:rPr lang="en-US" dirty="0" err="1" smtClean="0"/>
+              <a:t>tanke</a:t>
+            </a:r>
+            <a:r>
+              <a:rPr lang="en-US" dirty="0" smtClean="0"/>
+              <a:t> </a:t>
+            </a:r>
+            <a:r>
+              <a:rPr lang="en-US" dirty="0" err="1" smtClean="0"/>
+              <a:t>på</a:t>
+            </a:r>
+            <a:r>
+              <a:rPr lang="en-US" dirty="0" smtClean="0"/>
+              <a:t> </a:t>
+            </a:r>
+            <a:r>
+              <a:rPr lang="en-US" dirty="0" err="1" smtClean="0"/>
+              <a:t>funksjonalitet</a:t>
+            </a:r>
+            <a:r>
+              <a:rPr lang="en-US" dirty="0" smtClean="0"/>
+              <a:t> </a:t>
+            </a:r>
+            <a:r>
+              <a:rPr lang="en-US" dirty="0" err="1" smtClean="0"/>
+              <a:t>i</a:t>
+            </a:r>
+            <a:r>
+              <a:rPr lang="en-US" dirty="0" smtClean="0"/>
+              <a:t> </a:t>
+            </a:r>
+            <a:r>
+              <a:rPr lang="en-US" dirty="0" err="1" smtClean="0"/>
+              <a:t>motsatt</a:t>
+            </a:r>
+            <a:r>
+              <a:rPr lang="en-US" dirty="0" smtClean="0"/>
+              <a:t> </a:t>
+            </a:r>
+            <a:r>
+              <a:rPr lang="en-US" dirty="0" err="1" smtClean="0"/>
+              <a:t>retning</a:t>
+            </a:r>
+            <a:r>
+              <a:rPr lang="en-US" dirty="0" smtClean="0"/>
+              <a:t> </a:t>
+            </a:r>
+            <a:r>
+              <a:rPr lang="en-US" dirty="0" err="1" smtClean="0"/>
+              <a:t>av</a:t>
+            </a:r>
+            <a:r>
+              <a:rPr lang="en-US" dirty="0" smtClean="0"/>
+              <a:t> </a:t>
+            </a:r>
+            <a:r>
+              <a:rPr lang="en-US" dirty="0" err="1" smtClean="0"/>
+              <a:t>MongoDB</a:t>
+            </a:r>
+            <a:r>
+              <a:rPr lang="en-US" dirty="0" smtClean="0"/>
+              <a:t>. </a:t>
+            </a:r>
+            <a:r>
+              <a:rPr lang="en-US" dirty="0" err="1" smtClean="0"/>
+              <a:t>Det</a:t>
+            </a:r>
+            <a:r>
+              <a:rPr lang="en-US" dirty="0" smtClean="0"/>
+              <a:t> man </a:t>
+            </a:r>
+            <a:r>
+              <a:rPr lang="en-US" dirty="0" err="1" smtClean="0"/>
+              <a:t>får</a:t>
+            </a:r>
+            <a:r>
+              <a:rPr lang="en-US" dirty="0" smtClean="0"/>
+              <a:t> </a:t>
+            </a:r>
+            <a:r>
+              <a:rPr lang="en-US" dirty="0" err="1" smtClean="0"/>
+              <a:t>i</a:t>
+            </a:r>
+            <a:r>
+              <a:rPr lang="en-US" dirty="0" smtClean="0"/>
+              <a:t> </a:t>
+            </a:r>
+            <a:r>
+              <a:rPr lang="en-US" dirty="0" err="1" smtClean="0"/>
+              <a:t>retur</a:t>
+            </a:r>
+            <a:r>
+              <a:rPr lang="en-US" dirty="0" smtClean="0"/>
+              <a:t> </a:t>
+            </a:r>
+            <a:r>
+              <a:rPr lang="en-US" dirty="0" err="1" smtClean="0"/>
+              <a:t>er</a:t>
+            </a:r>
+            <a:r>
+              <a:rPr lang="en-US" dirty="0" smtClean="0"/>
+              <a:t> en database </a:t>
+            </a:r>
+            <a:r>
+              <a:rPr lang="en-US" dirty="0" err="1" smtClean="0"/>
+              <a:t>som</a:t>
+            </a:r>
+            <a:r>
+              <a:rPr lang="en-US" dirty="0" smtClean="0"/>
+              <a:t> </a:t>
+            </a:r>
+            <a:r>
+              <a:rPr lang="en-US" dirty="0" err="1" smtClean="0"/>
+              <a:t>kan</a:t>
+            </a:r>
+            <a:r>
+              <a:rPr lang="en-US" dirty="0" smtClean="0"/>
+              <a:t> </a:t>
+            </a:r>
+            <a:r>
+              <a:rPr lang="en-US" dirty="0" err="1" smtClean="0"/>
+              <a:t>gjøre</a:t>
+            </a:r>
+            <a:r>
+              <a:rPr lang="en-US" dirty="0" smtClean="0"/>
+              <a:t> </a:t>
+            </a:r>
+            <a:r>
+              <a:rPr lang="en-US" dirty="0" err="1" smtClean="0"/>
+              <a:t>ekstremt</a:t>
+            </a:r>
+            <a:r>
+              <a:rPr lang="en-US" dirty="0" smtClean="0"/>
+              <a:t> </a:t>
+            </a:r>
+            <a:r>
+              <a:rPr lang="en-US" dirty="0" err="1" smtClean="0"/>
+              <a:t>kraftige</a:t>
+            </a:r>
+            <a:r>
+              <a:rPr lang="en-US" dirty="0" smtClean="0"/>
+              <a:t> </a:t>
+            </a:r>
+            <a:r>
+              <a:rPr lang="en-US" dirty="0" err="1" smtClean="0"/>
+              <a:t>spørringer</a:t>
+            </a:r>
+            <a:r>
+              <a:rPr lang="en-US" dirty="0"/>
+              <a:t>.</a:t>
+            </a:r>
+          </a:p>
+        </p:txBody>
+      </p:sp>
+      <p:sp>
+        <p:nvSpPr>
+          <p:cNvPr id="5" name="Slide Number Placeholder 4"/>
           <p:cNvSpPr>
             <a:spLocks noGrp="1"/>
           </p:cNvSpPr>
@@ -12775,40 +13064,450 @@
           </a:p>
         </p:txBody>
       </p:sp>
-      <p:pic>
-        <p:nvPicPr>
-          <p:cNvPr id="5" name="Picture 4" descr="Icon_MongoDB_by_xkneo.png"/>
-          <p:cNvPicPr>
-            <a:picLocks noChangeAspect="1"/>
-          </p:cNvPicPr>
-          <p:nvPr/>
-        </p:nvPicPr>
-        <p:blipFill>
-          <a:blip r:embed="rId2">
-            <a:extLst>
-              <a:ext uri="{28A0092B-C50C-407E-A947-70E740481C1C}">
-                <a14:useLocalDpi xmlns:a14="http://schemas.microsoft.com/office/drawing/2010/main" val="0"/>
-              </a:ext>
-            </a:extLst>
-          </a:blip>
-          <a:stretch>
-            <a:fillRect/>
-          </a:stretch>
-        </p:blipFill>
-        <p:spPr>
-          <a:xfrm>
-            <a:off x="4009547" y="2963672"/>
-            <a:ext cx="920496" cy="920496"/>
-          </a:xfrm>
-          <a:prstGeom prst="rect">
-            <a:avLst/>
-          </a:prstGeom>
-        </p:spPr>
-      </p:pic>
+      <p:sp>
+        <p:nvSpPr>
+          <p:cNvPr id="6" name="Text Placeholder 5"/>
+          <p:cNvSpPr>
+            <a:spLocks noGrp="1"/>
+          </p:cNvSpPr>
+          <p:nvPr>
+            <p:ph type="body" sz="quarter" idx="13"/>
+          </p:nvPr>
+        </p:nvSpPr>
+        <p:spPr>
+          <a:xfrm>
+            <a:off x="331394" y="1272002"/>
+            <a:ext cx="706784" cy="276999"/>
+          </a:xfrm>
+        </p:spPr>
+        <p:txBody>
+          <a:bodyPr/>
+          <a:lstStyle/>
+          <a:p>
+            <a:r>
+              <a:rPr lang="en-US" dirty="0" smtClean="0"/>
+              <a:t>Del 1</a:t>
+            </a:r>
+            <a:endParaRPr lang="en-US" dirty="0"/>
+          </a:p>
+        </p:txBody>
+      </p:sp>
+      <p:sp>
+        <p:nvSpPr>
+          <p:cNvPr id="7" name="Text Placeholder 6"/>
+          <p:cNvSpPr>
+            <a:spLocks noGrp="1"/>
+          </p:cNvSpPr>
+          <p:nvPr>
+            <p:ph type="body" sz="quarter" idx="14"/>
+          </p:nvPr>
+        </p:nvSpPr>
+        <p:spPr>
+          <a:xfrm>
+            <a:off x="3260883" y="1272002"/>
+            <a:ext cx="736540" cy="276999"/>
+          </a:xfrm>
+        </p:spPr>
+        <p:txBody>
+          <a:bodyPr/>
+          <a:lstStyle/>
+          <a:p>
+            <a:r>
+              <a:rPr lang="en-US" dirty="0" smtClean="0"/>
+              <a:t>Del 2</a:t>
+            </a:r>
+            <a:endParaRPr lang="en-US" dirty="0"/>
+          </a:p>
+        </p:txBody>
+      </p:sp>
+      <p:sp>
+        <p:nvSpPr>
+          <p:cNvPr id="8" name="Text Placeholder 7"/>
+          <p:cNvSpPr>
+            <a:spLocks noGrp="1"/>
+          </p:cNvSpPr>
+          <p:nvPr>
+            <p:ph type="body" sz="quarter" idx="15"/>
+          </p:nvPr>
+        </p:nvSpPr>
+        <p:spPr/>
+        <p:txBody>
+          <a:bodyPr/>
+          <a:lstStyle/>
+          <a:p>
+            <a:r>
+              <a:rPr lang="en-US" dirty="0" smtClean="0"/>
+              <a:t>Vi </a:t>
+            </a:r>
+            <a:r>
+              <a:rPr lang="en-US" dirty="0" err="1" smtClean="0"/>
+              <a:t>har</a:t>
+            </a:r>
+            <a:r>
+              <a:rPr lang="en-US" dirty="0" smtClean="0"/>
+              <a:t> </a:t>
+            </a:r>
+            <a:r>
+              <a:rPr lang="en-US" dirty="0" err="1" smtClean="0"/>
+              <a:t>til</a:t>
+            </a:r>
+            <a:r>
+              <a:rPr lang="en-US" dirty="0" smtClean="0"/>
+              <a:t> </a:t>
+            </a:r>
+            <a:r>
+              <a:rPr lang="en-US" dirty="0" err="1" smtClean="0"/>
+              <a:t>nå</a:t>
+            </a:r>
+            <a:r>
+              <a:rPr lang="en-US" dirty="0" smtClean="0"/>
+              <a:t> sett </a:t>
+            </a:r>
+            <a:r>
+              <a:rPr lang="en-US" dirty="0" err="1" smtClean="0"/>
+              <a:t>på</a:t>
+            </a:r>
+            <a:r>
+              <a:rPr lang="en-US" dirty="0" smtClean="0"/>
+              <a:t> to </a:t>
+            </a:r>
+            <a:r>
+              <a:rPr lang="en-US" dirty="0" err="1" smtClean="0"/>
+              <a:t>ytterst</a:t>
+            </a:r>
+            <a:r>
+              <a:rPr lang="en-US" dirty="0" smtClean="0"/>
+              <a:t> </a:t>
+            </a:r>
+            <a:r>
+              <a:rPr lang="en-US" dirty="0" err="1" smtClean="0"/>
+              <a:t>forskjellige</a:t>
+            </a:r>
+            <a:r>
+              <a:rPr lang="en-US" dirty="0" smtClean="0"/>
+              <a:t> </a:t>
+            </a:r>
+            <a:r>
+              <a:rPr lang="en-US" dirty="0" err="1" smtClean="0"/>
+              <a:t>databaser</a:t>
+            </a:r>
+            <a:r>
+              <a:rPr lang="en-US" dirty="0" smtClean="0"/>
+              <a:t>. I </a:t>
+            </a:r>
+            <a:r>
+              <a:rPr lang="en-US" dirty="0" err="1" smtClean="0"/>
+              <a:t>tillegg</a:t>
+            </a:r>
+            <a:r>
+              <a:rPr lang="en-US" dirty="0" smtClean="0"/>
+              <a:t> </a:t>
+            </a:r>
+            <a:r>
+              <a:rPr lang="en-US" dirty="0" err="1" smtClean="0"/>
+              <a:t>har</a:t>
+            </a:r>
+            <a:r>
+              <a:rPr lang="en-US" dirty="0" smtClean="0"/>
+              <a:t> man de </a:t>
+            </a:r>
+            <a:r>
+              <a:rPr lang="en-US" dirty="0" err="1" smtClean="0"/>
+              <a:t>mer</a:t>
+            </a:r>
+            <a:r>
+              <a:rPr lang="en-US" dirty="0" smtClean="0"/>
+              <a:t> </a:t>
+            </a:r>
+            <a:r>
+              <a:rPr lang="en-US" dirty="0" err="1" smtClean="0"/>
+              <a:t>tradisjonelle</a:t>
+            </a:r>
+            <a:r>
+              <a:rPr lang="en-US" dirty="0" smtClean="0"/>
+              <a:t> </a:t>
+            </a:r>
+            <a:r>
+              <a:rPr lang="en-US" dirty="0" err="1" smtClean="0"/>
+              <a:t>relasjonelle</a:t>
+            </a:r>
+            <a:r>
+              <a:rPr lang="en-US" dirty="0" smtClean="0"/>
+              <a:t> SQL </a:t>
+            </a:r>
+            <a:r>
+              <a:rPr lang="en-US" dirty="0" err="1" smtClean="0"/>
+              <a:t>databasene</a:t>
+            </a:r>
+            <a:r>
+              <a:rPr lang="en-US" dirty="0"/>
+              <a:t> </a:t>
+            </a:r>
+            <a:r>
+              <a:rPr lang="en-US" dirty="0" err="1" smtClean="0"/>
+              <a:t>og</a:t>
+            </a:r>
+            <a:r>
+              <a:rPr lang="en-US" dirty="0" smtClean="0"/>
+              <a:t> mange </a:t>
+            </a:r>
+            <a:r>
+              <a:rPr lang="en-US" dirty="0" err="1" smtClean="0"/>
+              <a:t>andre</a:t>
+            </a:r>
+            <a:r>
+              <a:rPr lang="en-US" dirty="0" smtClean="0"/>
+              <a:t> </a:t>
+            </a:r>
+            <a:r>
+              <a:rPr lang="en-US" dirty="0" err="1" smtClean="0"/>
+              <a:t>varisjoner</a:t>
+            </a:r>
+            <a:r>
+              <a:rPr lang="en-US" dirty="0" smtClean="0"/>
+              <a:t> </a:t>
+            </a:r>
+            <a:r>
+              <a:rPr lang="en-US" dirty="0" err="1" smtClean="0"/>
+              <a:t>av</a:t>
+            </a:r>
+            <a:r>
+              <a:rPr lang="en-US" dirty="0" smtClean="0"/>
+              <a:t> </a:t>
+            </a:r>
+            <a:r>
+              <a:rPr lang="en-US" dirty="0" err="1" smtClean="0"/>
+              <a:t>databaser</a:t>
+            </a:r>
+            <a:r>
+              <a:rPr lang="en-US" dirty="0" smtClean="0"/>
+              <a:t>. </a:t>
+            </a:r>
+            <a:r>
+              <a:rPr lang="en-US" dirty="0" err="1" smtClean="0"/>
+              <a:t>Så</a:t>
+            </a:r>
+            <a:r>
+              <a:rPr lang="en-US" dirty="0" smtClean="0"/>
+              <a:t> </a:t>
+            </a:r>
+            <a:r>
+              <a:rPr lang="en-US" dirty="0" err="1" smtClean="0"/>
+              <a:t>hvordan</a:t>
+            </a:r>
+            <a:r>
+              <a:rPr lang="en-US" dirty="0" smtClean="0"/>
+              <a:t> vet man </a:t>
+            </a:r>
+            <a:r>
+              <a:rPr lang="en-US" dirty="0" err="1" smtClean="0"/>
+              <a:t>hvilken</a:t>
+            </a:r>
+            <a:r>
+              <a:rPr lang="en-US" dirty="0" smtClean="0"/>
+              <a:t> man </a:t>
+            </a:r>
+            <a:r>
+              <a:rPr lang="en-US" dirty="0" err="1" smtClean="0"/>
+              <a:t>skal</a:t>
+            </a:r>
+            <a:r>
+              <a:rPr lang="en-US" dirty="0" smtClean="0"/>
+              <a:t> </a:t>
+            </a:r>
+            <a:r>
+              <a:rPr lang="en-US" dirty="0" err="1" smtClean="0"/>
+              <a:t>bruke</a:t>
+            </a:r>
+            <a:r>
+              <a:rPr lang="en-US" dirty="0" smtClean="0"/>
+              <a:t> </a:t>
+            </a:r>
+            <a:r>
+              <a:rPr lang="en-US" dirty="0" err="1" smtClean="0"/>
+              <a:t>når</a:t>
+            </a:r>
+            <a:r>
+              <a:rPr lang="en-US" dirty="0" smtClean="0"/>
+              <a:t>?</a:t>
+            </a:r>
+          </a:p>
+          <a:p>
+            <a:endParaRPr lang="en-US" dirty="0"/>
+          </a:p>
+          <a:p>
+            <a:r>
+              <a:rPr lang="en-US" dirty="0" err="1" smtClean="0"/>
+              <a:t>Denne</a:t>
+            </a:r>
+            <a:r>
+              <a:rPr lang="en-US" dirty="0" smtClean="0"/>
+              <a:t> </a:t>
+            </a:r>
+            <a:r>
+              <a:rPr lang="en-US" dirty="0" err="1" smtClean="0"/>
+              <a:t>kvelden</a:t>
+            </a:r>
+            <a:r>
+              <a:rPr lang="en-US" dirty="0" smtClean="0"/>
+              <a:t> </a:t>
+            </a:r>
+            <a:r>
+              <a:rPr lang="en-US" dirty="0" err="1" smtClean="0"/>
+              <a:t>vil</a:t>
+            </a:r>
+            <a:r>
+              <a:rPr lang="en-US" dirty="0" smtClean="0"/>
+              <a:t> </a:t>
+            </a:r>
+            <a:r>
+              <a:rPr lang="en-US" dirty="0" err="1" smtClean="0"/>
+              <a:t>være</a:t>
+            </a:r>
+            <a:r>
+              <a:rPr lang="en-US" dirty="0" smtClean="0"/>
+              <a:t> </a:t>
+            </a:r>
+            <a:r>
+              <a:rPr lang="en-US" dirty="0" err="1" smtClean="0"/>
+              <a:t>rettet</a:t>
+            </a:r>
+            <a:r>
+              <a:rPr lang="en-US" dirty="0" smtClean="0"/>
+              <a:t> mot </a:t>
+            </a:r>
+            <a:r>
+              <a:rPr lang="en-US" dirty="0" err="1" smtClean="0"/>
+              <a:t>å</a:t>
+            </a:r>
+            <a:r>
+              <a:rPr lang="en-US" dirty="0" smtClean="0"/>
+              <a:t> </a:t>
+            </a:r>
+            <a:r>
+              <a:rPr lang="en-US" dirty="0" err="1" smtClean="0"/>
+              <a:t>gi</a:t>
+            </a:r>
+            <a:r>
+              <a:rPr lang="en-US" dirty="0" smtClean="0"/>
+              <a:t> </a:t>
+            </a:r>
+            <a:r>
+              <a:rPr lang="en-US" dirty="0" err="1" smtClean="0"/>
+              <a:t>dere</a:t>
+            </a:r>
+            <a:r>
+              <a:rPr lang="en-US" dirty="0" smtClean="0"/>
+              <a:t> </a:t>
+            </a:r>
+            <a:r>
+              <a:rPr lang="en-US" dirty="0" err="1" smtClean="0"/>
+              <a:t>innsikt</a:t>
+            </a:r>
+            <a:r>
+              <a:rPr lang="en-US" dirty="0" smtClean="0"/>
+              <a:t> </a:t>
+            </a:r>
+            <a:r>
+              <a:rPr lang="en-US" dirty="0" err="1" smtClean="0"/>
+              <a:t>i</a:t>
+            </a:r>
+            <a:r>
+              <a:rPr lang="en-US" dirty="0" smtClean="0"/>
+              <a:t> </a:t>
+            </a:r>
+            <a:r>
+              <a:rPr lang="en-US" dirty="0" err="1" smtClean="0"/>
+              <a:t>det</a:t>
+            </a:r>
+            <a:r>
+              <a:rPr lang="en-US" dirty="0" smtClean="0"/>
+              <a:t> </a:t>
+            </a:r>
+            <a:r>
+              <a:rPr lang="en-US" dirty="0" err="1" smtClean="0"/>
+              <a:t>å</a:t>
+            </a:r>
+            <a:r>
+              <a:rPr lang="en-US" dirty="0" smtClean="0"/>
+              <a:t> </a:t>
+            </a:r>
+            <a:r>
+              <a:rPr lang="en-US" dirty="0" err="1" smtClean="0"/>
+              <a:t>velge</a:t>
+            </a:r>
+            <a:r>
+              <a:rPr lang="en-US" dirty="0" smtClean="0"/>
+              <a:t> </a:t>
+            </a:r>
+            <a:r>
+              <a:rPr lang="en-US" dirty="0" err="1" smtClean="0"/>
+              <a:t>riktig</a:t>
+            </a:r>
+            <a:r>
+              <a:rPr lang="en-US" dirty="0" smtClean="0"/>
+              <a:t> database </a:t>
+            </a:r>
+            <a:r>
+              <a:rPr lang="en-US" dirty="0" err="1" smtClean="0"/>
+              <a:t>til</a:t>
+            </a:r>
+            <a:r>
+              <a:rPr lang="en-US" dirty="0" smtClean="0"/>
+              <a:t> </a:t>
+            </a:r>
+            <a:r>
+              <a:rPr lang="en-US" dirty="0" err="1" smtClean="0"/>
+              <a:t>riktig</a:t>
+            </a:r>
+            <a:r>
+              <a:rPr lang="en-US" dirty="0" smtClean="0"/>
+              <a:t> </a:t>
+            </a:r>
+            <a:r>
+              <a:rPr lang="en-US" dirty="0" err="1" smtClean="0"/>
+              <a:t>oppgave</a:t>
+            </a:r>
+            <a:r>
+              <a:rPr lang="en-US" dirty="0" smtClean="0"/>
+              <a:t>.</a:t>
+            </a:r>
+            <a:endParaRPr lang="en-US" dirty="0"/>
+          </a:p>
+        </p:txBody>
+      </p:sp>
+      <p:sp>
+        <p:nvSpPr>
+          <p:cNvPr id="9" name="Text Placeholder 8"/>
+          <p:cNvSpPr>
+            <a:spLocks noGrp="1"/>
+          </p:cNvSpPr>
+          <p:nvPr>
+            <p:ph type="body" sz="quarter" idx="16"/>
+          </p:nvPr>
+        </p:nvSpPr>
+        <p:spPr>
+          <a:xfrm>
+            <a:off x="6191636" y="1272002"/>
+            <a:ext cx="736540" cy="276999"/>
+          </a:xfrm>
+        </p:spPr>
+        <p:txBody>
+          <a:bodyPr/>
+          <a:lstStyle/>
+          <a:p>
+            <a:r>
+              <a:rPr lang="en-US" dirty="0" smtClean="0"/>
+              <a:t>Del 2</a:t>
+            </a:r>
+            <a:endParaRPr lang="en-US" dirty="0"/>
+          </a:p>
+        </p:txBody>
+      </p:sp>
     </p:spTree>
     <p:extLst>
       <p:ext uri="{BB962C8B-B14F-4D97-AF65-F5344CB8AC3E}">
-        <p14:creationId xmlns:p14="http://schemas.microsoft.com/office/powerpoint/2010/main" val="1772005009"/>
+        <p14:creationId xmlns:p14="http://schemas.microsoft.com/office/powerpoint/2010/main" val="1788436753"/>
       </p:ext>
     </p:extLst>
   </p:cSld>
@@ -12818,13 +13517,6 @@
   <p:transition xmlns:p14="http://schemas.microsoft.com/office/powerpoint/2010/main">
     <p:fade thruBlk="1"/>
   </p:transition>
-  <p:timing>
-    <p:tnLst>
-      <p:par>
-        <p:cTn xmlns:p14="http://schemas.microsoft.com/office/powerpoint/2010/main" id="1" dur="indefinite" restart="never" nodeType="tmRoot"/>
-      </p:par>
-    </p:tnLst>
-  </p:timing>
 </p:sld>
 </file>
 
@@ -12858,7 +13550,7 @@
         <p:spPr>
           <a:xfrm>
             <a:off x="321623" y="418905"/>
-            <a:ext cx="2129446" cy="307777"/>
+            <a:ext cx="3810255" cy="307777"/>
           </a:xfrm>
         </p:spPr>
         <p:txBody>
@@ -12867,7 +13559,7 @@
           <a:p>
             <a:r>
               <a:rPr lang="en-US" dirty="0" smtClean="0"/>
-              <a:t>One-to-Many</a:t>
+              <a:t>Goals of normalization</a:t>
             </a:r>
             <a:endParaRPr lang="en-US" dirty="0"/>
           </a:p>
@@ -12875,118 +13567,12 @@
       </p:sp>
       <p:sp>
         <p:nvSpPr>
-          <p:cNvPr id="3" name="Text Placeholder 2"/>
-          <p:cNvSpPr>
-            <a:spLocks noGrp="1"/>
-          </p:cNvSpPr>
-          <p:nvPr>
-            <p:ph type="body" sz="quarter" idx="11"/>
-          </p:nvPr>
-        </p:nvSpPr>
-        <p:spPr/>
-        <p:txBody>
-          <a:bodyPr/>
-          <a:lstStyle/>
-          <a:p>
-            <a:r>
-              <a:rPr lang="en-US" dirty="0" smtClean="0"/>
-              <a:t>Comments on a blog post.</a:t>
-            </a:r>
-            <a:endParaRPr lang="en-US" dirty="0"/>
-          </a:p>
-        </p:txBody>
-      </p:sp>
-      <p:sp>
-        <p:nvSpPr>
-          <p:cNvPr id="4" name="Text Placeholder 3"/>
-          <p:cNvSpPr>
-            <a:spLocks noGrp="1"/>
-          </p:cNvSpPr>
-          <p:nvPr>
-            <p:ph type="body" sz="quarter" idx="12"/>
-          </p:nvPr>
-        </p:nvSpPr>
-        <p:spPr/>
-        <p:txBody>
-          <a:bodyPr/>
-          <a:lstStyle/>
-          <a:p>
-            <a:r>
-              <a:rPr lang="en-US" dirty="0" smtClean="0"/>
-              <a:t>Embed comments</a:t>
-            </a:r>
-          </a:p>
-          <a:p>
-            <a:r>
-              <a:rPr lang="en-US" i="1" dirty="0" smtClean="0"/>
-              <a:t>What if too many comments?</a:t>
-            </a:r>
-          </a:p>
-          <a:p>
-            <a:endParaRPr lang="en-US" dirty="0" smtClean="0"/>
-          </a:p>
-          <a:p>
-            <a:r>
-              <a:rPr lang="en-US" dirty="0" smtClean="0"/>
-              <a:t>OR</a:t>
-            </a:r>
-            <a:endParaRPr lang="en-US" dirty="0"/>
-          </a:p>
-          <a:p>
-            <a:endParaRPr lang="en-US" dirty="0" smtClean="0"/>
-          </a:p>
-          <a:p>
-            <a:r>
-              <a:rPr lang="en-US" dirty="0" smtClean="0"/>
-              <a:t>A document per comment</a:t>
-            </a:r>
-          </a:p>
-          <a:p>
-            <a:r>
-              <a:rPr lang="en-US" i="1" dirty="0" smtClean="0"/>
-              <a:t>When many comments expected.</a:t>
-            </a:r>
-          </a:p>
-          <a:p>
-            <a:endParaRPr lang="en-US" i="1" dirty="0"/>
-          </a:p>
-          <a:p>
-            <a:r>
-              <a:rPr lang="en-US" dirty="0" smtClean="0"/>
-              <a:t>CONSIDER</a:t>
-            </a:r>
-          </a:p>
-          <a:p>
-            <a:r>
-              <a:rPr lang="en-US" dirty="0" smtClean="0"/>
-              <a:t>Know if you are going to have one-to-few or truly one-to-many.</a:t>
-            </a:r>
-          </a:p>
-          <a:p>
-            <a:r>
-              <a:rPr lang="en-US" i="1" dirty="0" err="1" smtClean="0"/>
-              <a:t>MongoDB</a:t>
-            </a:r>
-            <a:r>
-              <a:rPr lang="en-US" i="1" dirty="0" smtClean="0"/>
-              <a:t> documents have a max size of </a:t>
-            </a:r>
-            <a:r>
-              <a:rPr lang="en-US" i="1" dirty="0" smtClean="0"/>
-              <a:t>~16MB.</a:t>
-            </a:r>
-            <a:endParaRPr lang="en-US" i="1" dirty="0" smtClean="0"/>
-          </a:p>
-        </p:txBody>
-      </p:sp>
-      <p:sp>
-        <p:nvSpPr>
-          <p:cNvPr id="5" name="Slide Number Placeholder 4"/>
-          <p:cNvSpPr>
-            <a:spLocks noGrp="1"/>
-          </p:cNvSpPr>
-          <p:nvPr>
-            <p:ph type="sldNum" sz="quarter" idx="4"/>
+          <p:cNvPr id="3" name="Slide Number Placeholder 2"/>
+          <p:cNvSpPr>
+            <a:spLocks noGrp="1"/>
+          </p:cNvSpPr>
+          <p:nvPr>
+            <p:ph type="sldNum" sz="quarter" idx="10"/>
           </p:nvPr>
         </p:nvSpPr>
         <p:spPr/>
@@ -13005,427 +13591,48 @@
       </p:sp>
       <p:sp>
         <p:nvSpPr>
-          <p:cNvPr id="6" name="Text Placeholder 5"/>
-          <p:cNvSpPr>
-            <a:spLocks noGrp="1"/>
-          </p:cNvSpPr>
-          <p:nvPr>
-            <p:ph type="body" sz="quarter" idx="13"/>
-          </p:nvPr>
-        </p:nvSpPr>
-        <p:spPr>
-          <a:xfrm>
-            <a:off x="331394" y="1272002"/>
-            <a:ext cx="677254" cy="276999"/>
-          </a:xfrm>
-        </p:spPr>
+          <p:cNvPr id="4" name="Text Placeholder 3"/>
+          <p:cNvSpPr>
+            <a:spLocks noGrp="1"/>
+          </p:cNvSpPr>
+          <p:nvPr>
+            <p:ph type="body" sz="quarter" idx="11"/>
+          </p:nvPr>
+        </p:nvSpPr>
+        <p:spPr/>
         <p:txBody>
           <a:bodyPr/>
           <a:lstStyle/>
           <a:p>
             <a:r>
               <a:rPr lang="en-US" dirty="0" smtClean="0"/>
-              <a:t>Case</a:t>
-            </a:r>
+              <a:t>Free database of update anomalies</a:t>
+            </a:r>
+          </a:p>
+          <a:p>
             <a:endParaRPr lang="en-US" dirty="0"/>
           </a:p>
-        </p:txBody>
-      </p:sp>
-      <p:sp>
-        <p:nvSpPr>
-          <p:cNvPr id="7" name="Text Placeholder 6"/>
-          <p:cNvSpPr>
-            <a:spLocks noGrp="1"/>
-          </p:cNvSpPr>
-          <p:nvPr>
-            <p:ph type="body" sz="quarter" idx="14"/>
-          </p:nvPr>
-        </p:nvSpPr>
-        <p:spPr>
-          <a:xfrm>
-            <a:off x="3260883" y="1272002"/>
-            <a:ext cx="1194486" cy="276999"/>
-          </a:xfrm>
-        </p:spPr>
-        <p:txBody>
-          <a:bodyPr/>
-          <a:lstStyle/>
-          <a:p>
-            <a:r>
-              <a:rPr lang="en-US" dirty="0" smtClean="0"/>
-              <a:t>Approach</a:t>
-            </a:r>
+          <a:p>
+            <a:r>
+              <a:rPr lang="en-US" dirty="0" smtClean="0"/>
+              <a:t>Minimize redesign costs</a:t>
+            </a:r>
+          </a:p>
+          <a:p>
             <a:endParaRPr lang="en-US" dirty="0"/>
           </a:p>
-        </p:txBody>
-      </p:sp>
-      <p:sp>
-        <p:nvSpPr>
-          <p:cNvPr id="8" name="Text Placeholder 7"/>
-          <p:cNvSpPr>
-            <a:spLocks noGrp="1"/>
-          </p:cNvSpPr>
-          <p:nvPr>
-            <p:ph type="body" sz="quarter" idx="15"/>
-          </p:nvPr>
-        </p:nvSpPr>
-        <p:spPr/>
-        <p:txBody>
-          <a:bodyPr/>
-          <a:lstStyle/>
-          <a:p>
-            <a:pPr>
-              <a:lnSpc>
-                <a:spcPct val="80000"/>
-              </a:lnSpc>
-            </a:pPr>
-            <a:r>
-              <a:rPr lang="en-US" sz="1400" dirty="0" smtClean="0">
-                <a:latin typeface="+mn-lt"/>
-                <a:cs typeface="Helvetica"/>
-              </a:rPr>
-              <a:t>Embed comments:</a:t>
-            </a:r>
-          </a:p>
-          <a:p>
-            <a:pPr>
-              <a:lnSpc>
-                <a:spcPct val="80000"/>
-              </a:lnSpc>
-            </a:pPr>
-            <a:r>
-              <a:rPr lang="en-US" sz="1400" dirty="0" smtClean="0">
-                <a:latin typeface="Helvetica"/>
-                <a:cs typeface="Helvetica"/>
-              </a:rPr>
-              <a:t>{</a:t>
-            </a:r>
-          </a:p>
-          <a:p>
-            <a:pPr>
-              <a:lnSpc>
-                <a:spcPct val="80000"/>
-              </a:lnSpc>
-            </a:pPr>
-            <a:r>
-              <a:rPr lang="en-US" sz="1400" dirty="0">
-                <a:latin typeface="Helvetica"/>
-                <a:cs typeface="Helvetica"/>
-              </a:rPr>
-              <a:t>	</a:t>
-            </a:r>
-            <a:r>
-              <a:rPr lang="en-US" sz="1400" dirty="0" smtClean="0">
-                <a:latin typeface="Helvetica"/>
-                <a:cs typeface="Helvetica"/>
-              </a:rPr>
-              <a:t>_id: 1</a:t>
-            </a:r>
-          </a:p>
-          <a:p>
-            <a:pPr>
-              <a:lnSpc>
-                <a:spcPct val="80000"/>
-              </a:lnSpc>
-            </a:pPr>
-            <a:r>
-              <a:rPr lang="en-US" sz="1400" dirty="0">
-                <a:latin typeface="Helvetica"/>
-                <a:cs typeface="Helvetica"/>
-              </a:rPr>
-              <a:t>	</a:t>
-            </a:r>
-            <a:r>
-              <a:rPr lang="en-US" sz="1400" dirty="0" smtClean="0">
-                <a:latin typeface="Helvetica"/>
-                <a:cs typeface="Helvetica"/>
-              </a:rPr>
-              <a:t>title: “A blog post”,</a:t>
-            </a:r>
-          </a:p>
-          <a:p>
-            <a:pPr>
-              <a:lnSpc>
-                <a:spcPct val="80000"/>
-              </a:lnSpc>
-            </a:pPr>
-            <a:r>
-              <a:rPr lang="en-US" sz="1400" dirty="0">
-                <a:latin typeface="Helvetica"/>
-                <a:cs typeface="Helvetica"/>
-              </a:rPr>
-              <a:t>	</a:t>
-            </a:r>
-            <a:r>
-              <a:rPr lang="en-US" sz="1400" dirty="0" smtClean="0">
-                <a:latin typeface="Helvetica"/>
-                <a:cs typeface="Helvetica"/>
-              </a:rPr>
-              <a:t>comments: [</a:t>
-            </a:r>
-          </a:p>
-          <a:p>
-            <a:pPr>
-              <a:lnSpc>
-                <a:spcPct val="80000"/>
-              </a:lnSpc>
-            </a:pPr>
-            <a:r>
-              <a:rPr lang="en-US" sz="1400" dirty="0" smtClean="0">
-                <a:latin typeface="Helvetica"/>
-                <a:cs typeface="Helvetica"/>
-              </a:rPr>
-              <a:t>		{</a:t>
-            </a:r>
-          </a:p>
-          <a:p>
-            <a:pPr>
-              <a:lnSpc>
-                <a:spcPct val="80000"/>
-              </a:lnSpc>
-            </a:pPr>
-            <a:r>
-              <a:rPr lang="en-US" sz="1400" dirty="0">
-                <a:latin typeface="Helvetica"/>
-                <a:cs typeface="Helvetica"/>
-              </a:rPr>
-              <a:t>	</a:t>
-            </a:r>
-            <a:r>
-              <a:rPr lang="en-US" sz="1400" dirty="0" smtClean="0">
-                <a:latin typeface="Helvetica"/>
-                <a:cs typeface="Helvetica"/>
-              </a:rPr>
-              <a:t>		by: “troll”,</a:t>
-            </a:r>
-          </a:p>
-          <a:p>
-            <a:pPr>
-              <a:lnSpc>
-                <a:spcPct val="80000"/>
-              </a:lnSpc>
-            </a:pPr>
-            <a:r>
-              <a:rPr lang="en-US" sz="1400" dirty="0">
-                <a:latin typeface="Helvetica"/>
-                <a:cs typeface="Helvetica"/>
-              </a:rPr>
-              <a:t>	</a:t>
-            </a:r>
-            <a:r>
-              <a:rPr lang="en-US" sz="1400" dirty="0" smtClean="0">
-                <a:latin typeface="Helvetica"/>
-                <a:cs typeface="Helvetica"/>
-              </a:rPr>
-              <a:t>		content: “..”</a:t>
-            </a:r>
-          </a:p>
-          <a:p>
-            <a:pPr>
-              <a:lnSpc>
-                <a:spcPct val="80000"/>
-              </a:lnSpc>
-            </a:pPr>
-            <a:r>
-              <a:rPr lang="en-US" sz="1400" dirty="0">
-                <a:latin typeface="Helvetica"/>
-                <a:cs typeface="Helvetica"/>
-              </a:rPr>
-              <a:t>	</a:t>
-            </a:r>
-            <a:r>
-              <a:rPr lang="en-US" sz="1400" dirty="0" smtClean="0">
-                <a:latin typeface="Helvetica"/>
-                <a:cs typeface="Helvetica"/>
-              </a:rPr>
-              <a:t>	}</a:t>
-            </a:r>
-          </a:p>
-          <a:p>
-            <a:pPr>
-              <a:lnSpc>
-                <a:spcPct val="80000"/>
-              </a:lnSpc>
-            </a:pPr>
-            <a:r>
-              <a:rPr lang="en-US" sz="1400" dirty="0">
-                <a:latin typeface="Helvetica"/>
-                <a:cs typeface="Helvetica"/>
-              </a:rPr>
-              <a:t>	</a:t>
-            </a:r>
-            <a:r>
-              <a:rPr lang="en-US" sz="1400" dirty="0" smtClean="0">
-                <a:latin typeface="Helvetica"/>
-                <a:cs typeface="Helvetica"/>
-              </a:rPr>
-              <a:t>]</a:t>
-            </a:r>
-          </a:p>
-          <a:p>
-            <a:pPr>
-              <a:lnSpc>
-                <a:spcPct val="80000"/>
-              </a:lnSpc>
-            </a:pPr>
-            <a:r>
-              <a:rPr lang="en-US" sz="1400" dirty="0" smtClean="0">
-                <a:latin typeface="Helvetica"/>
-                <a:cs typeface="Helvetica"/>
-              </a:rPr>
-              <a:t>}</a:t>
-            </a:r>
-          </a:p>
-          <a:p>
-            <a:pPr>
-              <a:lnSpc>
-                <a:spcPct val="80000"/>
-              </a:lnSpc>
-            </a:pPr>
-            <a:r>
-              <a:rPr lang="en-US" sz="1400" dirty="0" smtClean="0">
-                <a:latin typeface="+mn-lt"/>
-                <a:cs typeface="Helvetica"/>
-              </a:rPr>
-              <a:t>A document per comment:</a:t>
-            </a:r>
-            <a:endParaRPr lang="en-US" sz="1400" dirty="0">
-              <a:latin typeface="+mn-lt"/>
-              <a:cs typeface="Helvetica"/>
-            </a:endParaRPr>
-          </a:p>
-          <a:p>
-            <a:pPr>
-              <a:lnSpc>
-                <a:spcPct val="80000"/>
-              </a:lnSpc>
-            </a:pPr>
-            <a:r>
-              <a:rPr lang="en-US" sz="1400" dirty="0" smtClean="0">
-                <a:latin typeface="Helvetica"/>
-                <a:cs typeface="Helvetica"/>
-              </a:rPr>
-              <a:t>{</a:t>
-            </a:r>
-          </a:p>
-          <a:p>
-            <a:pPr>
-              <a:lnSpc>
-                <a:spcPct val="80000"/>
-              </a:lnSpc>
-            </a:pPr>
-            <a:r>
-              <a:rPr lang="en-US" sz="1400" dirty="0">
-                <a:latin typeface="Helvetica"/>
-                <a:cs typeface="Helvetica"/>
-              </a:rPr>
-              <a:t>	</a:t>
-            </a:r>
-            <a:r>
-              <a:rPr lang="en-US" sz="1400" dirty="0" err="1" smtClean="0">
-                <a:latin typeface="Helvetica"/>
-                <a:cs typeface="Helvetica"/>
-              </a:rPr>
-              <a:t>blogpost</a:t>
-            </a:r>
-            <a:r>
-              <a:rPr lang="en-US" sz="1400" dirty="0" smtClean="0">
-                <a:latin typeface="Helvetica"/>
-                <a:cs typeface="Helvetica"/>
-              </a:rPr>
-              <a:t>: 1,</a:t>
-            </a:r>
-          </a:p>
-          <a:p>
-            <a:pPr>
-              <a:lnSpc>
-                <a:spcPct val="80000"/>
-              </a:lnSpc>
-            </a:pPr>
-            <a:r>
-              <a:rPr lang="en-US" sz="1400" dirty="0">
-                <a:latin typeface="Helvetica"/>
-                <a:cs typeface="Helvetica"/>
-              </a:rPr>
-              <a:t>	</a:t>
-            </a:r>
-            <a:r>
-              <a:rPr lang="en-US" sz="1400" dirty="0" smtClean="0">
-                <a:latin typeface="Helvetica"/>
-                <a:cs typeface="Helvetica"/>
-              </a:rPr>
-              <a:t>content: “..”,</a:t>
-            </a:r>
-          </a:p>
-          <a:p>
-            <a:pPr>
-              <a:lnSpc>
-                <a:spcPct val="80000"/>
-              </a:lnSpc>
-            </a:pPr>
-            <a:r>
-              <a:rPr lang="en-US" sz="1400" dirty="0">
-                <a:latin typeface="Helvetica"/>
-                <a:cs typeface="Helvetica"/>
-              </a:rPr>
-              <a:t>	</a:t>
-            </a:r>
-            <a:r>
-              <a:rPr lang="en-US" sz="1400" dirty="0" smtClean="0">
-                <a:latin typeface="Helvetica"/>
-                <a:cs typeface="Helvetica"/>
-              </a:rPr>
-              <a:t>by: “troll”</a:t>
-            </a:r>
-          </a:p>
-          <a:p>
-            <a:pPr>
-              <a:lnSpc>
-                <a:spcPct val="80000"/>
-              </a:lnSpc>
-            </a:pPr>
-            <a:r>
-              <a:rPr lang="en-US" sz="1400" dirty="0" smtClean="0">
-                <a:latin typeface="Helvetica"/>
-                <a:cs typeface="Helvetica"/>
-              </a:rPr>
-              <a:t>}</a:t>
-            </a:r>
-          </a:p>
-        </p:txBody>
-      </p:sp>
-      <p:sp>
-        <p:nvSpPr>
-          <p:cNvPr id="9" name="Text Placeholder 8"/>
-          <p:cNvSpPr>
-            <a:spLocks noGrp="1"/>
-          </p:cNvSpPr>
-          <p:nvPr>
-            <p:ph type="body" sz="quarter" idx="16"/>
-          </p:nvPr>
-        </p:nvSpPr>
-        <p:spPr>
-          <a:xfrm>
-            <a:off x="6191636" y="1272002"/>
-            <a:ext cx="1097892" cy="276999"/>
-          </a:xfrm>
-        </p:spPr>
-        <p:txBody>
-          <a:bodyPr/>
-          <a:lstStyle/>
-          <a:p>
-            <a:r>
-              <a:rPr lang="en-US" dirty="0" smtClean="0"/>
-              <a:t>Example</a:t>
-            </a:r>
-            <a:endParaRPr lang="en-US" dirty="0"/>
+          <a:p>
+            <a:r>
+              <a:rPr lang="en-US" dirty="0" smtClean="0"/>
+              <a:t>Avoid bias towards one access pattern</a:t>
+            </a:r>
           </a:p>
         </p:txBody>
       </p:sp>
     </p:spTree>
     <p:extLst>
       <p:ext uri="{BB962C8B-B14F-4D97-AF65-F5344CB8AC3E}">
-        <p14:creationId xmlns:p14="http://schemas.microsoft.com/office/powerpoint/2010/main" val="1748447393"/>
+        <p14:creationId xmlns:p14="http://schemas.microsoft.com/office/powerpoint/2010/main" val="3972913206"/>
       </p:ext>
     </p:extLst>
   </p:cSld>
@@ -13468,7 +13675,7 @@
         <p:spPr>
           <a:xfrm>
             <a:off x="321623" y="418905"/>
-            <a:ext cx="3862142" cy="307777"/>
+            <a:ext cx="1914108" cy="307777"/>
           </a:xfrm>
         </p:spPr>
         <p:txBody>
@@ -13477,7 +13684,7 @@
           <a:p>
             <a:r>
               <a:rPr lang="en-US" dirty="0" smtClean="0"/>
-              <a:t>MONGODB SCHEMA DESIGN</a:t>
+              <a:t>One-to-one</a:t>
             </a:r>
             <a:endParaRPr lang="en-US" dirty="0"/>
           </a:p>
@@ -13485,12 +13692,112 @@
       </p:sp>
       <p:sp>
         <p:nvSpPr>
-          <p:cNvPr id="3" name="Slide Number Placeholder 2"/>
-          <p:cNvSpPr>
-            <a:spLocks noGrp="1"/>
-          </p:cNvSpPr>
-          <p:nvPr>
-            <p:ph type="sldNum" sz="quarter" idx="10"/>
+          <p:cNvPr id="3" name="Text Placeholder 2"/>
+          <p:cNvSpPr>
+            <a:spLocks noGrp="1"/>
+          </p:cNvSpPr>
+          <p:nvPr>
+            <p:ph type="body" sz="quarter" idx="11"/>
+          </p:nvPr>
+        </p:nvSpPr>
+        <p:spPr/>
+        <p:txBody>
+          <a:bodyPr/>
+          <a:lstStyle/>
+          <a:p>
+            <a:r>
+              <a:rPr lang="en-US" dirty="0"/>
+              <a:t>A person has a spouse. </a:t>
+            </a:r>
+            <a:endParaRPr lang="en-US" dirty="0" smtClean="0"/>
+          </a:p>
+          <a:p>
+            <a:r>
+              <a:rPr lang="en-US" dirty="0" smtClean="0"/>
+              <a:t>(Let’s at least model it as a one to one relation).</a:t>
+            </a:r>
+            <a:endParaRPr lang="en-US" dirty="0"/>
+          </a:p>
+        </p:txBody>
+      </p:sp>
+      <p:sp>
+        <p:nvSpPr>
+          <p:cNvPr id="4" name="Text Placeholder 3"/>
+          <p:cNvSpPr>
+            <a:spLocks noGrp="1"/>
+          </p:cNvSpPr>
+          <p:nvPr>
+            <p:ph type="body" sz="quarter" idx="12"/>
+          </p:nvPr>
+        </p:nvSpPr>
+        <p:spPr/>
+        <p:txBody>
+          <a:bodyPr/>
+          <a:lstStyle/>
+          <a:p>
+            <a:r>
+              <a:rPr lang="en-US" dirty="0" smtClean="0"/>
+              <a:t>Reference in either document</a:t>
+            </a:r>
+          </a:p>
+          <a:p>
+            <a:endParaRPr lang="en-US" dirty="0"/>
+          </a:p>
+          <a:p>
+            <a:r>
+              <a:rPr lang="en-US" dirty="0" smtClean="0"/>
+              <a:t>OR</a:t>
+            </a:r>
+          </a:p>
+          <a:p>
+            <a:endParaRPr lang="en-US" dirty="0"/>
+          </a:p>
+          <a:p>
+            <a:r>
+              <a:rPr lang="en-US" dirty="0" smtClean="0"/>
+              <a:t>Embed</a:t>
+            </a:r>
+          </a:p>
+          <a:p>
+            <a:endParaRPr lang="en-US" dirty="0"/>
+          </a:p>
+          <a:p>
+            <a:r>
+              <a:rPr lang="en-US" dirty="0" smtClean="0"/>
+              <a:t>CONSIDER</a:t>
+            </a:r>
+          </a:p>
+          <a:p>
+            <a:endParaRPr lang="en-US" dirty="0"/>
+          </a:p>
+          <a:p>
+            <a:r>
+              <a:rPr lang="en-US" dirty="0" smtClean="0"/>
+              <a:t>Size of each.</a:t>
+            </a:r>
+          </a:p>
+          <a:p>
+            <a:r>
+              <a:rPr lang="en-US" dirty="0" smtClean="0"/>
+              <a:t>Do you need both at the same time.</a:t>
+            </a:r>
+          </a:p>
+          <a:p>
+            <a:r>
+              <a:rPr lang="en-US" dirty="0" smtClean="0"/>
+              <a:t>Atomicity of data.</a:t>
+            </a:r>
+          </a:p>
+        </p:txBody>
+      </p:sp>
+      <p:sp>
+        <p:nvSpPr>
+          <p:cNvPr id="5" name="Slide Number Placeholder 4"/>
+          <p:cNvSpPr>
+            <a:spLocks noGrp="1"/>
+          </p:cNvSpPr>
+          <p:nvPr>
+            <p:ph type="sldNum" sz="quarter" idx="4"/>
           </p:nvPr>
         </p:nvSpPr>
         <p:spPr/>
@@ -13502,6 +13809,927 @@
               <a:rPr lang="en-US" smtClean="0"/>
               <a:pPr/>
               <a:t>21</a:t>
+            </a:fld>
+            <a:endParaRPr lang="en-US" dirty="0"/>
+          </a:p>
+        </p:txBody>
+      </p:sp>
+      <p:sp>
+        <p:nvSpPr>
+          <p:cNvPr id="6" name="Text Placeholder 5"/>
+          <p:cNvSpPr>
+            <a:spLocks noGrp="1"/>
+          </p:cNvSpPr>
+          <p:nvPr>
+            <p:ph type="body" sz="quarter" idx="13"/>
+          </p:nvPr>
+        </p:nvSpPr>
+        <p:spPr>
+          <a:xfrm>
+            <a:off x="331394" y="1272002"/>
+            <a:ext cx="677254" cy="276999"/>
+          </a:xfrm>
+        </p:spPr>
+        <p:txBody>
+          <a:bodyPr/>
+          <a:lstStyle/>
+          <a:p>
+            <a:r>
+              <a:rPr lang="en-US" dirty="0" smtClean="0"/>
+              <a:t>Case</a:t>
+            </a:r>
+            <a:endParaRPr lang="en-US" dirty="0"/>
+          </a:p>
+        </p:txBody>
+      </p:sp>
+      <p:sp>
+        <p:nvSpPr>
+          <p:cNvPr id="7" name="Text Placeholder 6"/>
+          <p:cNvSpPr>
+            <a:spLocks noGrp="1"/>
+          </p:cNvSpPr>
+          <p:nvPr>
+            <p:ph type="body" sz="quarter" idx="14"/>
+          </p:nvPr>
+        </p:nvSpPr>
+        <p:spPr>
+          <a:xfrm>
+            <a:off x="3260883" y="1272002"/>
+            <a:ext cx="1194486" cy="276999"/>
+          </a:xfrm>
+        </p:spPr>
+        <p:txBody>
+          <a:bodyPr/>
+          <a:lstStyle/>
+          <a:p>
+            <a:r>
+              <a:rPr lang="en-US" dirty="0" smtClean="0"/>
+              <a:t>Approach</a:t>
+            </a:r>
+            <a:endParaRPr lang="en-US" dirty="0"/>
+          </a:p>
+        </p:txBody>
+      </p:sp>
+      <p:sp>
+        <p:nvSpPr>
+          <p:cNvPr id="8" name="Text Placeholder 7"/>
+          <p:cNvSpPr>
+            <a:spLocks noGrp="1"/>
+          </p:cNvSpPr>
+          <p:nvPr>
+            <p:ph type="body" sz="quarter" idx="15"/>
+          </p:nvPr>
+        </p:nvSpPr>
+        <p:spPr/>
+        <p:txBody>
+          <a:bodyPr/>
+          <a:lstStyle/>
+          <a:p>
+            <a:r>
+              <a:rPr lang="en-US" dirty="0" smtClean="0"/>
+              <a:t>Reference:</a:t>
+            </a:r>
+          </a:p>
+          <a:p>
+            <a:r>
+              <a:rPr lang="en-US" dirty="0" smtClean="0"/>
+              <a:t>{</a:t>
+            </a:r>
+          </a:p>
+          <a:p>
+            <a:r>
+              <a:rPr lang="en-US" dirty="0"/>
+              <a:t>	</a:t>
+            </a:r>
+            <a:r>
+              <a:rPr lang="en-US" dirty="0" smtClean="0"/>
+              <a:t>_id: 1,</a:t>
+            </a:r>
+          </a:p>
+          <a:p>
+            <a:r>
+              <a:rPr lang="en-US" dirty="0"/>
+              <a:t>	</a:t>
+            </a:r>
+            <a:r>
+              <a:rPr lang="en-US" dirty="0" smtClean="0"/>
+              <a:t>name: “John”,</a:t>
+            </a:r>
+          </a:p>
+          <a:p>
+            <a:r>
+              <a:rPr lang="en-US" dirty="0"/>
+              <a:t>	</a:t>
+            </a:r>
+            <a:r>
+              <a:rPr lang="en-US" dirty="0" smtClean="0"/>
+              <a:t>spouse: 2</a:t>
+            </a:r>
+          </a:p>
+          <a:p>
+            <a:r>
+              <a:rPr lang="en-US" dirty="0" smtClean="0"/>
+              <a:t>}</a:t>
+            </a:r>
+            <a:endParaRPr lang="en-US" dirty="0"/>
+          </a:p>
+          <a:p>
+            <a:r>
+              <a:rPr lang="en-US" dirty="0" smtClean="0"/>
+              <a:t>Embed:</a:t>
+            </a:r>
+          </a:p>
+          <a:p>
+            <a:r>
+              <a:rPr lang="en-US" dirty="0" smtClean="0"/>
+              <a:t>{</a:t>
+            </a:r>
+          </a:p>
+          <a:p>
+            <a:r>
+              <a:rPr lang="en-US" dirty="0"/>
+              <a:t>	</a:t>
+            </a:r>
+            <a:r>
+              <a:rPr lang="en-US" dirty="0" smtClean="0"/>
+              <a:t>_id: 2,</a:t>
+            </a:r>
+          </a:p>
+          <a:p>
+            <a:r>
+              <a:rPr lang="en-US" dirty="0"/>
+              <a:t>	</a:t>
+            </a:r>
+            <a:r>
+              <a:rPr lang="en-US" dirty="0" smtClean="0"/>
+              <a:t>name: “Kari”,</a:t>
+            </a:r>
+          </a:p>
+          <a:p>
+            <a:r>
+              <a:rPr lang="en-US" dirty="0"/>
+              <a:t>	</a:t>
+            </a:r>
+            <a:r>
+              <a:rPr lang="en-US" dirty="0" smtClean="0"/>
+              <a:t>spouse: {</a:t>
+            </a:r>
+          </a:p>
+          <a:p>
+            <a:r>
+              <a:rPr lang="en-US" dirty="0"/>
+              <a:t>	</a:t>
+            </a:r>
+            <a:r>
+              <a:rPr lang="en-US" dirty="0" smtClean="0"/>
+              <a:t>	id: 1,</a:t>
+            </a:r>
+          </a:p>
+          <a:p>
+            <a:r>
+              <a:rPr lang="en-US" dirty="0"/>
+              <a:t>	</a:t>
+            </a:r>
+            <a:r>
+              <a:rPr lang="en-US" dirty="0" smtClean="0"/>
+              <a:t>	name: “John”</a:t>
+            </a:r>
+          </a:p>
+          <a:p>
+            <a:r>
+              <a:rPr lang="en-US" dirty="0"/>
+              <a:t>	</a:t>
+            </a:r>
+            <a:r>
+              <a:rPr lang="en-US" dirty="0" smtClean="0"/>
+              <a:t>}</a:t>
+            </a:r>
+          </a:p>
+          <a:p>
+            <a:r>
+              <a:rPr lang="en-US" dirty="0"/>
+              <a:t>}</a:t>
+            </a:r>
+            <a:endParaRPr lang="en-US" dirty="0" smtClean="0"/>
+          </a:p>
+          <a:p>
+            <a:endParaRPr lang="en-US" dirty="0"/>
+          </a:p>
+        </p:txBody>
+      </p:sp>
+      <p:sp>
+        <p:nvSpPr>
+          <p:cNvPr id="9" name="Text Placeholder 8"/>
+          <p:cNvSpPr>
+            <a:spLocks noGrp="1"/>
+          </p:cNvSpPr>
+          <p:nvPr>
+            <p:ph type="body" sz="quarter" idx="16"/>
+          </p:nvPr>
+        </p:nvSpPr>
+        <p:spPr>
+          <a:xfrm>
+            <a:off x="6191636" y="1272002"/>
+            <a:ext cx="1097892" cy="276999"/>
+          </a:xfrm>
+        </p:spPr>
+        <p:txBody>
+          <a:bodyPr/>
+          <a:lstStyle/>
+          <a:p>
+            <a:r>
+              <a:rPr lang="en-US" dirty="0" smtClean="0"/>
+              <a:t>Example</a:t>
+            </a:r>
+            <a:endParaRPr lang="en-US" dirty="0"/>
+          </a:p>
+        </p:txBody>
+      </p:sp>
+    </p:spTree>
+    <p:extLst>
+      <p:ext uri="{BB962C8B-B14F-4D97-AF65-F5344CB8AC3E}">
+        <p14:creationId xmlns:p14="http://schemas.microsoft.com/office/powerpoint/2010/main" val="3155125728"/>
+      </p:ext>
+    </p:extLst>
+  </p:cSld>
+  <p:clrMapOvr>
+    <a:masterClrMapping/>
+  </p:clrMapOvr>
+  <p:transition xmlns:p14="http://schemas.microsoft.com/office/powerpoint/2010/main">
+    <p:fade thruBlk="1"/>
+  </p:transition>
+</p:sld>
+</file>
+
+<file path=ppt/slides/slide22.xml><?xml version="1.0" encoding="utf-8"?>
+<p:sld xmlns:a="http://schemas.openxmlformats.org/drawingml/2006/main" xmlns:r="http://schemas.openxmlformats.org/officeDocument/2006/relationships" xmlns:p="http://schemas.openxmlformats.org/presentationml/2006/main">
+  <p:cSld>
+    <p:spTree>
+      <p:nvGrpSpPr>
+        <p:cNvPr id="1" name=""/>
+        <p:cNvGrpSpPr/>
+        <p:nvPr/>
+      </p:nvGrpSpPr>
+      <p:grpSpPr>
+        <a:xfrm>
+          <a:off x="0" y="0"/>
+          <a:ext cx="0" cy="0"/>
+          <a:chOff x="0" y="0"/>
+          <a:chExt cx="0" cy="0"/>
+        </a:xfrm>
+      </p:grpSpPr>
+      <p:sp>
+        <p:nvSpPr>
+          <p:cNvPr id="2" name="Title 1"/>
+          <p:cNvSpPr>
+            <a:spLocks noGrp="1"/>
+          </p:cNvSpPr>
+          <p:nvPr>
+            <p:ph type="title"/>
+          </p:nvPr>
+        </p:nvSpPr>
+        <p:spPr>
+          <a:xfrm>
+            <a:off x="321623" y="418905"/>
+            <a:ext cx="2129446" cy="307777"/>
+          </a:xfrm>
+        </p:spPr>
+        <p:txBody>
+          <a:bodyPr/>
+          <a:lstStyle/>
+          <a:p>
+            <a:r>
+              <a:rPr lang="en-US" dirty="0" smtClean="0"/>
+              <a:t>One-to-Many</a:t>
+            </a:r>
+            <a:endParaRPr lang="en-US" dirty="0"/>
+          </a:p>
+        </p:txBody>
+      </p:sp>
+      <p:sp>
+        <p:nvSpPr>
+          <p:cNvPr id="3" name="Text Placeholder 2"/>
+          <p:cNvSpPr>
+            <a:spLocks noGrp="1"/>
+          </p:cNvSpPr>
+          <p:nvPr>
+            <p:ph type="body" sz="quarter" idx="11"/>
+          </p:nvPr>
+        </p:nvSpPr>
+        <p:spPr/>
+        <p:txBody>
+          <a:bodyPr/>
+          <a:lstStyle/>
+          <a:p>
+            <a:r>
+              <a:rPr lang="en-US" dirty="0" smtClean="0"/>
+              <a:t>Comments on a blog post.</a:t>
+            </a:r>
+            <a:endParaRPr lang="en-US" dirty="0"/>
+          </a:p>
+        </p:txBody>
+      </p:sp>
+      <p:sp>
+        <p:nvSpPr>
+          <p:cNvPr id="4" name="Text Placeholder 3"/>
+          <p:cNvSpPr>
+            <a:spLocks noGrp="1"/>
+          </p:cNvSpPr>
+          <p:nvPr>
+            <p:ph type="body" sz="quarter" idx="12"/>
+          </p:nvPr>
+        </p:nvSpPr>
+        <p:spPr/>
+        <p:txBody>
+          <a:bodyPr/>
+          <a:lstStyle/>
+          <a:p>
+            <a:r>
+              <a:rPr lang="en-US" dirty="0" smtClean="0"/>
+              <a:t>Embed comments</a:t>
+            </a:r>
+          </a:p>
+          <a:p>
+            <a:r>
+              <a:rPr lang="en-US" i="1" dirty="0" smtClean="0"/>
+              <a:t>What if too many comments?</a:t>
+            </a:r>
+          </a:p>
+          <a:p>
+            <a:endParaRPr lang="en-US" dirty="0" smtClean="0"/>
+          </a:p>
+          <a:p>
+            <a:r>
+              <a:rPr lang="en-US" dirty="0" smtClean="0"/>
+              <a:t>OR</a:t>
+            </a:r>
+            <a:endParaRPr lang="en-US" dirty="0"/>
+          </a:p>
+          <a:p>
+            <a:endParaRPr lang="en-US" dirty="0" smtClean="0"/>
+          </a:p>
+          <a:p>
+            <a:r>
+              <a:rPr lang="en-US" dirty="0" smtClean="0"/>
+              <a:t>A document per comment</a:t>
+            </a:r>
+          </a:p>
+          <a:p>
+            <a:r>
+              <a:rPr lang="en-US" i="1" dirty="0" smtClean="0"/>
+              <a:t>When many comments expected.</a:t>
+            </a:r>
+          </a:p>
+          <a:p>
+            <a:endParaRPr lang="en-US" i="1" dirty="0"/>
+          </a:p>
+          <a:p>
+            <a:r>
+              <a:rPr lang="en-US" dirty="0" smtClean="0"/>
+              <a:t>CONSIDER</a:t>
+            </a:r>
+          </a:p>
+          <a:p>
+            <a:r>
+              <a:rPr lang="en-US" dirty="0" smtClean="0"/>
+              <a:t>Know if you are going to have one-to-few or truly one-to-many.</a:t>
+            </a:r>
+          </a:p>
+          <a:p>
+            <a:r>
+              <a:rPr lang="en-US" i="1" dirty="0" err="1" smtClean="0"/>
+              <a:t>MongoDB</a:t>
+            </a:r>
+            <a:r>
+              <a:rPr lang="en-US" i="1" dirty="0" smtClean="0"/>
+              <a:t> documents have a max size of ~16MB.</a:t>
+            </a:r>
+          </a:p>
+        </p:txBody>
+      </p:sp>
+      <p:sp>
+        <p:nvSpPr>
+          <p:cNvPr id="5" name="Slide Number Placeholder 4"/>
+          <p:cNvSpPr>
+            <a:spLocks noGrp="1"/>
+          </p:cNvSpPr>
+          <p:nvPr>
+            <p:ph type="sldNum" sz="quarter" idx="4"/>
+          </p:nvPr>
+        </p:nvSpPr>
+        <p:spPr/>
+        <p:txBody>
+          <a:bodyPr/>
+          <a:lstStyle/>
+          <a:p>
+            <a:fld id="{FF67BF5B-7344-D747-A0C2-CBD7B2ACBC85}" type="slidenum">
+              <a:rPr lang="en-US" smtClean="0"/>
+              <a:pPr/>
+              <a:t>22</a:t>
+            </a:fld>
+            <a:endParaRPr lang="en-US" dirty="0"/>
+          </a:p>
+        </p:txBody>
+      </p:sp>
+      <p:sp>
+        <p:nvSpPr>
+          <p:cNvPr id="6" name="Text Placeholder 5"/>
+          <p:cNvSpPr>
+            <a:spLocks noGrp="1"/>
+          </p:cNvSpPr>
+          <p:nvPr>
+            <p:ph type="body" sz="quarter" idx="13"/>
+          </p:nvPr>
+        </p:nvSpPr>
+        <p:spPr>
+          <a:xfrm>
+            <a:off x="331394" y="1272002"/>
+            <a:ext cx="677254" cy="276999"/>
+          </a:xfrm>
+        </p:spPr>
+        <p:txBody>
+          <a:bodyPr/>
+          <a:lstStyle/>
+          <a:p>
+            <a:r>
+              <a:rPr lang="en-US" dirty="0" smtClean="0"/>
+              <a:t>Case</a:t>
+            </a:r>
+            <a:endParaRPr lang="en-US" dirty="0"/>
+          </a:p>
+        </p:txBody>
+      </p:sp>
+      <p:sp>
+        <p:nvSpPr>
+          <p:cNvPr id="7" name="Text Placeholder 6"/>
+          <p:cNvSpPr>
+            <a:spLocks noGrp="1"/>
+          </p:cNvSpPr>
+          <p:nvPr>
+            <p:ph type="body" sz="quarter" idx="14"/>
+          </p:nvPr>
+        </p:nvSpPr>
+        <p:spPr>
+          <a:xfrm>
+            <a:off x="3260883" y="1272002"/>
+            <a:ext cx="1194486" cy="276999"/>
+          </a:xfrm>
+        </p:spPr>
+        <p:txBody>
+          <a:bodyPr/>
+          <a:lstStyle/>
+          <a:p>
+            <a:r>
+              <a:rPr lang="en-US" dirty="0" smtClean="0"/>
+              <a:t>Approach</a:t>
+            </a:r>
+            <a:endParaRPr lang="en-US" dirty="0"/>
+          </a:p>
+        </p:txBody>
+      </p:sp>
+      <p:sp>
+        <p:nvSpPr>
+          <p:cNvPr id="8" name="Text Placeholder 7"/>
+          <p:cNvSpPr>
+            <a:spLocks noGrp="1"/>
+          </p:cNvSpPr>
+          <p:nvPr>
+            <p:ph type="body" sz="quarter" idx="15"/>
+          </p:nvPr>
+        </p:nvSpPr>
+        <p:spPr/>
+        <p:txBody>
+          <a:bodyPr/>
+          <a:lstStyle/>
+          <a:p>
+            <a:pPr>
+              <a:lnSpc>
+                <a:spcPct val="80000"/>
+              </a:lnSpc>
+            </a:pPr>
+            <a:r>
+              <a:rPr lang="en-US" sz="1400" dirty="0" smtClean="0">
+                <a:latin typeface="+mn-lt"/>
+                <a:cs typeface="Helvetica"/>
+              </a:rPr>
+              <a:t>Embed comments:</a:t>
+            </a:r>
+          </a:p>
+          <a:p>
+            <a:pPr>
+              <a:lnSpc>
+                <a:spcPct val="80000"/>
+              </a:lnSpc>
+            </a:pPr>
+            <a:r>
+              <a:rPr lang="en-US" sz="1400" dirty="0" smtClean="0">
+                <a:latin typeface="Helvetica"/>
+                <a:cs typeface="Helvetica"/>
+              </a:rPr>
+              <a:t>{</a:t>
+            </a:r>
+          </a:p>
+          <a:p>
+            <a:pPr>
+              <a:lnSpc>
+                <a:spcPct val="80000"/>
+              </a:lnSpc>
+            </a:pPr>
+            <a:r>
+              <a:rPr lang="en-US" sz="1400" dirty="0">
+                <a:latin typeface="Helvetica"/>
+                <a:cs typeface="Helvetica"/>
+              </a:rPr>
+              <a:t>	</a:t>
+            </a:r>
+            <a:r>
+              <a:rPr lang="en-US" sz="1400" dirty="0" smtClean="0">
+                <a:latin typeface="Helvetica"/>
+                <a:cs typeface="Helvetica"/>
+              </a:rPr>
+              <a:t>_id: 1</a:t>
+            </a:r>
+          </a:p>
+          <a:p>
+            <a:pPr>
+              <a:lnSpc>
+                <a:spcPct val="80000"/>
+              </a:lnSpc>
+            </a:pPr>
+            <a:r>
+              <a:rPr lang="en-US" sz="1400" dirty="0">
+                <a:latin typeface="Helvetica"/>
+                <a:cs typeface="Helvetica"/>
+              </a:rPr>
+              <a:t>	</a:t>
+            </a:r>
+            <a:r>
+              <a:rPr lang="en-US" sz="1400" dirty="0" smtClean="0">
+                <a:latin typeface="Helvetica"/>
+                <a:cs typeface="Helvetica"/>
+              </a:rPr>
+              <a:t>title: “A blog post”,</a:t>
+            </a:r>
+          </a:p>
+          <a:p>
+            <a:pPr>
+              <a:lnSpc>
+                <a:spcPct val="80000"/>
+              </a:lnSpc>
+            </a:pPr>
+            <a:r>
+              <a:rPr lang="en-US" sz="1400" dirty="0">
+                <a:latin typeface="Helvetica"/>
+                <a:cs typeface="Helvetica"/>
+              </a:rPr>
+              <a:t>	</a:t>
+            </a:r>
+            <a:r>
+              <a:rPr lang="en-US" sz="1400" dirty="0" smtClean="0">
+                <a:latin typeface="Helvetica"/>
+                <a:cs typeface="Helvetica"/>
+              </a:rPr>
+              <a:t>comments: [</a:t>
+            </a:r>
+          </a:p>
+          <a:p>
+            <a:pPr>
+              <a:lnSpc>
+                <a:spcPct val="80000"/>
+              </a:lnSpc>
+            </a:pPr>
+            <a:r>
+              <a:rPr lang="en-US" sz="1400" dirty="0" smtClean="0">
+                <a:latin typeface="Helvetica"/>
+                <a:cs typeface="Helvetica"/>
+              </a:rPr>
+              <a:t>		{</a:t>
+            </a:r>
+          </a:p>
+          <a:p>
+            <a:pPr>
+              <a:lnSpc>
+                <a:spcPct val="80000"/>
+              </a:lnSpc>
+            </a:pPr>
+            <a:r>
+              <a:rPr lang="en-US" sz="1400" dirty="0">
+                <a:latin typeface="Helvetica"/>
+                <a:cs typeface="Helvetica"/>
+              </a:rPr>
+              <a:t>	</a:t>
+            </a:r>
+            <a:r>
+              <a:rPr lang="en-US" sz="1400" dirty="0" smtClean="0">
+                <a:latin typeface="Helvetica"/>
+                <a:cs typeface="Helvetica"/>
+              </a:rPr>
+              <a:t>		by: “troll”,</a:t>
+            </a:r>
+          </a:p>
+          <a:p>
+            <a:pPr>
+              <a:lnSpc>
+                <a:spcPct val="80000"/>
+              </a:lnSpc>
+            </a:pPr>
+            <a:r>
+              <a:rPr lang="en-US" sz="1400" dirty="0">
+                <a:latin typeface="Helvetica"/>
+                <a:cs typeface="Helvetica"/>
+              </a:rPr>
+              <a:t>	</a:t>
+            </a:r>
+            <a:r>
+              <a:rPr lang="en-US" sz="1400" dirty="0" smtClean="0">
+                <a:latin typeface="Helvetica"/>
+                <a:cs typeface="Helvetica"/>
+              </a:rPr>
+              <a:t>		content: “..”</a:t>
+            </a:r>
+          </a:p>
+          <a:p>
+            <a:pPr>
+              <a:lnSpc>
+                <a:spcPct val="80000"/>
+              </a:lnSpc>
+            </a:pPr>
+            <a:r>
+              <a:rPr lang="en-US" sz="1400" dirty="0">
+                <a:latin typeface="Helvetica"/>
+                <a:cs typeface="Helvetica"/>
+              </a:rPr>
+              <a:t>	</a:t>
+            </a:r>
+            <a:r>
+              <a:rPr lang="en-US" sz="1400" dirty="0" smtClean="0">
+                <a:latin typeface="Helvetica"/>
+                <a:cs typeface="Helvetica"/>
+              </a:rPr>
+              <a:t>	}</a:t>
+            </a:r>
+          </a:p>
+          <a:p>
+            <a:pPr>
+              <a:lnSpc>
+                <a:spcPct val="80000"/>
+              </a:lnSpc>
+            </a:pPr>
+            <a:r>
+              <a:rPr lang="en-US" sz="1400" dirty="0">
+                <a:latin typeface="Helvetica"/>
+                <a:cs typeface="Helvetica"/>
+              </a:rPr>
+              <a:t>	</a:t>
+            </a:r>
+            <a:r>
+              <a:rPr lang="en-US" sz="1400" dirty="0" smtClean="0">
+                <a:latin typeface="Helvetica"/>
+                <a:cs typeface="Helvetica"/>
+              </a:rPr>
+              <a:t>]</a:t>
+            </a:r>
+          </a:p>
+          <a:p>
+            <a:pPr>
+              <a:lnSpc>
+                <a:spcPct val="80000"/>
+              </a:lnSpc>
+            </a:pPr>
+            <a:r>
+              <a:rPr lang="en-US" sz="1400" dirty="0" smtClean="0">
+                <a:latin typeface="Helvetica"/>
+                <a:cs typeface="Helvetica"/>
+              </a:rPr>
+              <a:t>}</a:t>
+            </a:r>
+          </a:p>
+          <a:p>
+            <a:pPr>
+              <a:lnSpc>
+                <a:spcPct val="80000"/>
+              </a:lnSpc>
+            </a:pPr>
+            <a:r>
+              <a:rPr lang="en-US" sz="1400" dirty="0" smtClean="0">
+                <a:latin typeface="+mn-lt"/>
+                <a:cs typeface="Helvetica"/>
+              </a:rPr>
+              <a:t>A document per comment:</a:t>
+            </a:r>
+            <a:endParaRPr lang="en-US" sz="1400" dirty="0">
+              <a:latin typeface="+mn-lt"/>
+              <a:cs typeface="Helvetica"/>
+            </a:endParaRPr>
+          </a:p>
+          <a:p>
+            <a:pPr>
+              <a:lnSpc>
+                <a:spcPct val="80000"/>
+              </a:lnSpc>
+            </a:pPr>
+            <a:r>
+              <a:rPr lang="en-US" sz="1400" dirty="0" smtClean="0">
+                <a:latin typeface="Helvetica"/>
+                <a:cs typeface="Helvetica"/>
+              </a:rPr>
+              <a:t>{</a:t>
+            </a:r>
+          </a:p>
+          <a:p>
+            <a:pPr>
+              <a:lnSpc>
+                <a:spcPct val="80000"/>
+              </a:lnSpc>
+            </a:pPr>
+            <a:r>
+              <a:rPr lang="en-US" sz="1400" dirty="0">
+                <a:latin typeface="Helvetica"/>
+                <a:cs typeface="Helvetica"/>
+              </a:rPr>
+              <a:t>	</a:t>
+            </a:r>
+            <a:r>
+              <a:rPr lang="en-US" sz="1400" dirty="0" err="1" smtClean="0">
+                <a:latin typeface="Helvetica"/>
+                <a:cs typeface="Helvetica"/>
+              </a:rPr>
+              <a:t>blogpost</a:t>
+            </a:r>
+            <a:r>
+              <a:rPr lang="en-US" sz="1400" dirty="0" smtClean="0">
+                <a:latin typeface="Helvetica"/>
+                <a:cs typeface="Helvetica"/>
+              </a:rPr>
+              <a:t>: 1,</a:t>
+            </a:r>
+          </a:p>
+          <a:p>
+            <a:pPr>
+              <a:lnSpc>
+                <a:spcPct val="80000"/>
+              </a:lnSpc>
+            </a:pPr>
+            <a:r>
+              <a:rPr lang="en-US" sz="1400" dirty="0">
+                <a:latin typeface="Helvetica"/>
+                <a:cs typeface="Helvetica"/>
+              </a:rPr>
+              <a:t>	</a:t>
+            </a:r>
+            <a:r>
+              <a:rPr lang="en-US" sz="1400" dirty="0" smtClean="0">
+                <a:latin typeface="Helvetica"/>
+                <a:cs typeface="Helvetica"/>
+              </a:rPr>
+              <a:t>content: “..”,</a:t>
+            </a:r>
+          </a:p>
+          <a:p>
+            <a:pPr>
+              <a:lnSpc>
+                <a:spcPct val="80000"/>
+              </a:lnSpc>
+            </a:pPr>
+            <a:r>
+              <a:rPr lang="en-US" sz="1400" dirty="0">
+                <a:latin typeface="Helvetica"/>
+                <a:cs typeface="Helvetica"/>
+              </a:rPr>
+              <a:t>	</a:t>
+            </a:r>
+            <a:r>
+              <a:rPr lang="en-US" sz="1400" dirty="0" smtClean="0">
+                <a:latin typeface="Helvetica"/>
+                <a:cs typeface="Helvetica"/>
+              </a:rPr>
+              <a:t>by: “troll”</a:t>
+            </a:r>
+          </a:p>
+          <a:p>
+            <a:pPr>
+              <a:lnSpc>
+                <a:spcPct val="80000"/>
+              </a:lnSpc>
+            </a:pPr>
+            <a:r>
+              <a:rPr lang="en-US" sz="1400" dirty="0" smtClean="0">
+                <a:latin typeface="Helvetica"/>
+                <a:cs typeface="Helvetica"/>
+              </a:rPr>
+              <a:t>}</a:t>
+            </a:r>
+          </a:p>
+        </p:txBody>
+      </p:sp>
+      <p:sp>
+        <p:nvSpPr>
+          <p:cNvPr id="9" name="Text Placeholder 8"/>
+          <p:cNvSpPr>
+            <a:spLocks noGrp="1"/>
+          </p:cNvSpPr>
+          <p:nvPr>
+            <p:ph type="body" sz="quarter" idx="16"/>
+          </p:nvPr>
+        </p:nvSpPr>
+        <p:spPr>
+          <a:xfrm>
+            <a:off x="6191636" y="1272002"/>
+            <a:ext cx="1097892" cy="276999"/>
+          </a:xfrm>
+        </p:spPr>
+        <p:txBody>
+          <a:bodyPr/>
+          <a:lstStyle/>
+          <a:p>
+            <a:r>
+              <a:rPr lang="en-US" dirty="0" smtClean="0"/>
+              <a:t>Example</a:t>
+            </a:r>
+            <a:endParaRPr lang="en-US" dirty="0"/>
+          </a:p>
+        </p:txBody>
+      </p:sp>
+    </p:spTree>
+    <p:extLst>
+      <p:ext uri="{BB962C8B-B14F-4D97-AF65-F5344CB8AC3E}">
+        <p14:creationId xmlns:p14="http://schemas.microsoft.com/office/powerpoint/2010/main" val="1748447393"/>
+      </p:ext>
+    </p:extLst>
+  </p:cSld>
+  <p:clrMapOvr>
+    <a:masterClrMapping/>
+  </p:clrMapOvr>
+  <p:transition xmlns:p14="http://schemas.microsoft.com/office/powerpoint/2010/main">
+    <p:fade thruBlk="1"/>
+  </p:transition>
+</p:sld>
+</file>
+
+<file path=ppt/slides/slide23.xml><?xml version="1.0" encoding="utf-8"?>
+<p:sld xmlns:a="http://schemas.openxmlformats.org/drawingml/2006/main" xmlns:r="http://schemas.openxmlformats.org/officeDocument/2006/relationships" xmlns:p="http://schemas.openxmlformats.org/presentationml/2006/main">
+  <p:cSld>
+    <p:spTree>
+      <p:nvGrpSpPr>
+        <p:cNvPr id="1" name=""/>
+        <p:cNvGrpSpPr/>
+        <p:nvPr/>
+      </p:nvGrpSpPr>
+      <p:grpSpPr>
+        <a:xfrm>
+          <a:off x="0" y="0"/>
+          <a:ext cx="0" cy="0"/>
+          <a:chOff x="0" y="0"/>
+          <a:chExt cx="0" cy="0"/>
+        </a:xfrm>
+      </p:grpSpPr>
+      <p:sp>
+        <p:nvSpPr>
+          <p:cNvPr id="2" name="Title 1"/>
+          <p:cNvSpPr>
+            <a:spLocks noGrp="1"/>
+          </p:cNvSpPr>
+          <p:nvPr>
+            <p:ph type="title"/>
+          </p:nvPr>
+        </p:nvSpPr>
+        <p:spPr>
+          <a:xfrm>
+            <a:off x="321623" y="418905"/>
+            <a:ext cx="3862142" cy="307777"/>
+          </a:xfrm>
+        </p:spPr>
+        <p:txBody>
+          <a:bodyPr/>
+          <a:lstStyle/>
+          <a:p>
+            <a:r>
+              <a:rPr lang="en-US" dirty="0" smtClean="0"/>
+              <a:t>MONGODB SCHEMA DESIGN</a:t>
+            </a:r>
+            <a:endParaRPr lang="en-US" dirty="0"/>
+          </a:p>
+        </p:txBody>
+      </p:sp>
+      <p:sp>
+        <p:nvSpPr>
+          <p:cNvPr id="3" name="Slide Number Placeholder 2"/>
+          <p:cNvSpPr>
+            <a:spLocks noGrp="1"/>
+          </p:cNvSpPr>
+          <p:nvPr>
+            <p:ph type="sldNum" sz="quarter" idx="10"/>
+          </p:nvPr>
+        </p:nvSpPr>
+        <p:spPr/>
+        <p:txBody>
+          <a:bodyPr/>
+          <a:lstStyle/>
+          <a:p>
+            <a:fld id="{FF67BF5B-7344-D747-A0C2-CBD7B2ACBC85}" type="slidenum">
+              <a:rPr lang="en-US" smtClean="0"/>
+              <a:pPr/>
+              <a:t>23</a:t>
             </a:fld>
             <a:endParaRPr lang="en-US" dirty="0"/>
           </a:p>
@@ -13573,35 +14801,22 @@
       </p:grpSpPr>
       <p:sp>
         <p:nvSpPr>
-          <p:cNvPr id="2" name="Title 1"/>
-          <p:cNvSpPr>
-            <a:spLocks noGrp="1"/>
-          </p:cNvSpPr>
-          <p:nvPr>
-            <p:ph type="title"/>
-          </p:nvPr>
-        </p:nvSpPr>
-        <p:spPr>
-          <a:xfrm>
-            <a:off x="321623" y="418905"/>
-            <a:ext cx="2923609" cy="307777"/>
-          </a:xfrm>
-        </p:spPr>
+          <p:cNvPr id="2" name="Text Placeholder 1"/>
+          <p:cNvSpPr>
+            <a:spLocks noGrp="1"/>
+          </p:cNvSpPr>
+          <p:nvPr>
+            <p:ph type="body" sz="quarter" idx="24"/>
+          </p:nvPr>
+        </p:nvSpPr>
+        <p:spPr/>
         <p:txBody>
           <a:bodyPr/>
           <a:lstStyle/>
           <a:p>
             <a:r>
-              <a:rPr lang="en-US" dirty="0" smtClean="0"/>
-              <a:t>What is </a:t>
-            </a:r>
-            <a:r>
-              <a:rPr lang="en-US" dirty="0" err="1" smtClean="0"/>
-              <a:t>mongodb</a:t>
-            </a:r>
-            <a:r>
-              <a:rPr lang="en-US" dirty="0" smtClean="0"/>
-              <a:t>?</a:t>
+              <a:rPr lang="en-US" dirty="0" err="1" smtClean="0"/>
+              <a:t>Konsulent</a:t>
             </a:r>
             <a:endParaRPr lang="en-US" dirty="0"/>
           </a:p>
@@ -13609,12 +14824,12 @@
       </p:sp>
       <p:sp>
         <p:nvSpPr>
-          <p:cNvPr id="3" name="Slide Number Placeholder 2"/>
-          <p:cNvSpPr>
-            <a:spLocks noGrp="1"/>
-          </p:cNvSpPr>
-          <p:nvPr>
-            <p:ph type="sldNum" sz="quarter" idx="10"/>
+          <p:cNvPr id="3" name="Text Placeholder 2"/>
+          <p:cNvSpPr>
+            <a:spLocks noGrp="1"/>
+          </p:cNvSpPr>
+          <p:nvPr>
+            <p:ph type="body" sz="quarter" idx="25"/>
           </p:nvPr>
         </p:nvSpPr>
         <p:spPr/>
@@ -13622,23 +14837,193 @@
           <a:bodyPr/>
           <a:lstStyle/>
           <a:p>
+            <a:r>
+              <a:rPr lang="en-US" dirty="0" err="1" smtClean="0"/>
+              <a:t>Frode</a:t>
+            </a:r>
+            <a:r>
+              <a:rPr lang="en-US" dirty="0" smtClean="0"/>
+              <a:t> </a:t>
+            </a:r>
+            <a:r>
+              <a:rPr lang="en-US" dirty="0" err="1" smtClean="0"/>
+              <a:t>Bjerke</a:t>
+            </a:r>
+            <a:endParaRPr lang="en-US" dirty="0"/>
+          </a:p>
+        </p:txBody>
+      </p:sp>
+      <p:pic>
+        <p:nvPicPr>
+          <p:cNvPr id="24" name="Picture Placeholder 23" descr="ViewEmployeeImage.jpg"/>
+          <p:cNvPicPr>
+            <a:picLocks noGrp="1" noChangeAspect="1"/>
+          </p:cNvPicPr>
+          <p:nvPr>
+            <p:ph type="pic" sz="quarter" idx="26"/>
+          </p:nvPr>
+        </p:nvPicPr>
+        <p:blipFill>
+          <a:blip r:embed="rId2">
+            <a:extLst>
+              <a:ext uri="{28A0092B-C50C-407E-A947-70E740481C1C}">
+                <a14:useLocalDpi xmlns:a14="http://schemas.microsoft.com/office/drawing/2010/main" val="0"/>
+              </a:ext>
+            </a:extLst>
+          </a:blip>
+          <a:srcRect t="7184" b="7184"/>
+          <a:stretch>
+            <a:fillRect/>
+          </a:stretch>
+        </p:blipFill>
+        <p:spPr/>
+      </p:pic>
+      <p:sp>
+        <p:nvSpPr>
+          <p:cNvPr id="5" name="Text Placeholder 4"/>
+          <p:cNvSpPr>
+            <a:spLocks noGrp="1"/>
+          </p:cNvSpPr>
+          <p:nvPr>
+            <p:ph type="body" sz="quarter" idx="27"/>
+          </p:nvPr>
+        </p:nvSpPr>
+        <p:spPr/>
+        <p:txBody>
+          <a:bodyPr/>
+          <a:lstStyle/>
+          <a:p>
+            <a:r>
+              <a:rPr lang="en-US" dirty="0" smtClean="0"/>
+              <a:t>Senior </a:t>
+            </a:r>
+            <a:r>
+              <a:rPr lang="en-US" dirty="0" err="1" smtClean="0"/>
+              <a:t>Konsulent</a:t>
+            </a:r>
+            <a:endParaRPr lang="en-US" dirty="0"/>
+          </a:p>
+        </p:txBody>
+      </p:sp>
+      <p:sp>
+        <p:nvSpPr>
+          <p:cNvPr id="6" name="Text Placeholder 5"/>
+          <p:cNvSpPr>
+            <a:spLocks noGrp="1"/>
+          </p:cNvSpPr>
+          <p:nvPr>
+            <p:ph type="body" sz="quarter" idx="28"/>
+          </p:nvPr>
+        </p:nvSpPr>
+        <p:spPr/>
+        <p:txBody>
+          <a:bodyPr/>
+          <a:lstStyle/>
+          <a:p>
+            <a:r>
+              <a:rPr lang="en-US" dirty="0" err="1" smtClean="0"/>
+              <a:t>Eivind</a:t>
+            </a:r>
+            <a:r>
+              <a:rPr lang="en-US" dirty="0" smtClean="0"/>
+              <a:t> </a:t>
+            </a:r>
+            <a:r>
+              <a:rPr lang="en-US" dirty="0" err="1" smtClean="0"/>
+              <a:t>Bergstøl</a:t>
+            </a:r>
+            <a:endParaRPr lang="en-US" dirty="0"/>
+          </a:p>
+        </p:txBody>
+      </p:sp>
+      <p:pic>
+        <p:nvPicPr>
+          <p:cNvPr id="26" name="Picture Placeholder 25" descr="ViewEmployeeImage.jpg"/>
+          <p:cNvPicPr>
+            <a:picLocks noGrp="1" noChangeAspect="1"/>
+          </p:cNvPicPr>
+          <p:nvPr>
+            <p:ph type="pic" sz="quarter" idx="29"/>
+          </p:nvPr>
+        </p:nvPicPr>
+        <p:blipFill>
+          <a:blip r:embed="rId3">
+            <a:extLst>
+              <a:ext uri="{28A0092B-C50C-407E-A947-70E740481C1C}">
+                <a14:useLocalDpi xmlns:a14="http://schemas.microsoft.com/office/drawing/2010/main" val="0"/>
+              </a:ext>
+            </a:extLst>
+          </a:blip>
+          <a:srcRect t="7184" b="7184"/>
+          <a:stretch>
+            <a:fillRect/>
+          </a:stretch>
+        </p:blipFill>
+        <p:spPr/>
+      </p:pic>
+      <p:sp>
+        <p:nvSpPr>
+          <p:cNvPr id="11" name="Title 10"/>
+          <p:cNvSpPr>
+            <a:spLocks noGrp="1"/>
+          </p:cNvSpPr>
+          <p:nvPr>
+            <p:ph type="title"/>
+          </p:nvPr>
+        </p:nvSpPr>
+        <p:spPr>
+          <a:xfrm>
+            <a:off x="376445" y="418688"/>
+            <a:ext cx="2967479" cy="307777"/>
+          </a:xfrm>
+        </p:spPr>
+        <p:txBody>
+          <a:bodyPr/>
+          <a:lstStyle/>
+          <a:p>
+            <a:r>
+              <a:rPr lang="en-US" i="0" dirty="0" err="1" smtClean="0"/>
+              <a:t>Kursholdere</a:t>
+            </a:r>
+            <a:r>
+              <a:rPr lang="en-US" i="0" dirty="0" smtClean="0"/>
+              <a:t> I dag</a:t>
+            </a:r>
+            <a:endParaRPr lang="en-US" i="0" dirty="0"/>
+          </a:p>
+        </p:txBody>
+      </p:sp>
+      <p:sp>
+        <p:nvSpPr>
+          <p:cNvPr id="12" name="Slide Number Placeholder 11"/>
+          <p:cNvSpPr>
+            <a:spLocks noGrp="1"/>
+          </p:cNvSpPr>
+          <p:nvPr>
+            <p:ph type="sldNum" sz="quarter" idx="4"/>
+          </p:nvPr>
+        </p:nvSpPr>
+        <p:spPr/>
+        <p:txBody>
+          <a:bodyPr/>
+          <a:lstStyle/>
+          <a:p>
             <a:fld id="{FF67BF5B-7344-D747-A0C2-CBD7B2ACBC85}" type="slidenum">
               <a:rPr lang="en-US" smtClean="0"/>
-              <a:pPr/>
               <a:t>3</a:t>
             </a:fld>
-            <a:endParaRPr lang="en-US" dirty="0"/>
-          </a:p>
-        </p:txBody>
-      </p:sp>
-      <p:sp>
-        <p:nvSpPr>
-          <p:cNvPr id="4" name="Text Placeholder 3"/>
-          <p:cNvSpPr>
-            <a:spLocks noGrp="1"/>
-          </p:cNvSpPr>
-          <p:nvPr>
-            <p:ph type="body" sz="quarter" idx="11"/>
+            <a:endParaRPr lang="en-US"/>
+          </a:p>
+        </p:txBody>
+      </p:sp>
+      <p:sp>
+        <p:nvSpPr>
+          <p:cNvPr id="13" name="Text Placeholder 12"/>
+          <p:cNvSpPr>
+            <a:spLocks noGrp="1"/>
+          </p:cNvSpPr>
+          <p:nvPr>
+            <p:ph type="body" sz="quarter" idx="33"/>
           </p:nvPr>
         </p:nvSpPr>
         <p:spPr/>
@@ -13648,20 +15033,147 @@
           <a:p>
             <a:r>
               <a:rPr lang="en-US" dirty="0" err="1" smtClean="0"/>
-              <a:t>MongoDB</a:t>
-            </a:r>
-            <a:r>
-              <a:rPr lang="en-US" dirty="0" smtClean="0"/>
-              <a:t> is a document-oriented non-relational database.</a:t>
+              <a:t>Konsulent</a:t>
             </a:r>
             <a:endParaRPr lang="en-US" dirty="0"/>
           </a:p>
         </p:txBody>
       </p:sp>
+      <p:sp>
+        <p:nvSpPr>
+          <p:cNvPr id="14" name="Text Placeholder 13"/>
+          <p:cNvSpPr>
+            <a:spLocks noGrp="1"/>
+          </p:cNvSpPr>
+          <p:nvPr>
+            <p:ph type="body" sz="quarter" idx="34"/>
+          </p:nvPr>
+        </p:nvSpPr>
+        <p:spPr/>
+        <p:txBody>
+          <a:bodyPr/>
+          <a:lstStyle/>
+          <a:p>
+            <a:r>
+              <a:rPr lang="en-US" dirty="0" smtClean="0"/>
+              <a:t>Ken </a:t>
+            </a:r>
+            <a:r>
+              <a:rPr lang="en-US" dirty="0" err="1" smtClean="0"/>
+              <a:t>Grønnbeck</a:t>
+            </a:r>
+            <a:endParaRPr lang="en-US" dirty="0"/>
+          </a:p>
+        </p:txBody>
+      </p:sp>
+      <p:pic>
+        <p:nvPicPr>
+          <p:cNvPr id="31" name="Picture Placeholder 30" descr="ViewEmployeeImage.jpg"/>
+          <p:cNvPicPr>
+            <a:picLocks noGrp="1" noChangeAspect="1"/>
+          </p:cNvPicPr>
+          <p:nvPr>
+            <p:ph type="pic" sz="quarter" idx="35"/>
+          </p:nvPr>
+        </p:nvPicPr>
+        <p:blipFill>
+          <a:blip r:embed="rId4">
+            <a:extLst>
+              <a:ext uri="{28A0092B-C50C-407E-A947-70E740481C1C}">
+                <a14:useLocalDpi xmlns:a14="http://schemas.microsoft.com/office/drawing/2010/main" val="0"/>
+              </a:ext>
+            </a:extLst>
+          </a:blip>
+          <a:srcRect t="7234" b="7234"/>
+          <a:stretch>
+            <a:fillRect/>
+          </a:stretch>
+        </p:blipFill>
+        <p:spPr/>
+      </p:pic>
+      <p:sp>
+        <p:nvSpPr>
+          <p:cNvPr id="16" name="Text Placeholder 15"/>
+          <p:cNvSpPr>
+            <a:spLocks noGrp="1"/>
+          </p:cNvSpPr>
+          <p:nvPr>
+            <p:ph type="body" sz="quarter" idx="36"/>
+          </p:nvPr>
+        </p:nvSpPr>
+        <p:spPr/>
+        <p:txBody>
+          <a:bodyPr/>
+          <a:lstStyle/>
+          <a:p>
+            <a:r>
+              <a:rPr lang="en-US" dirty="0" err="1" smtClean="0"/>
+              <a:t>Fagleder</a:t>
+            </a:r>
+            <a:r>
+              <a:rPr lang="en-US" dirty="0" smtClean="0"/>
+              <a:t> </a:t>
+            </a:r>
+            <a:r>
+              <a:rPr lang="en-US" dirty="0" err="1" smtClean="0"/>
+              <a:t>NoSQL</a:t>
+            </a:r>
+            <a:endParaRPr lang="en-US" dirty="0"/>
+          </a:p>
+        </p:txBody>
+      </p:sp>
+      <p:sp>
+        <p:nvSpPr>
+          <p:cNvPr id="17" name="Text Placeholder 16"/>
+          <p:cNvSpPr>
+            <a:spLocks noGrp="1"/>
+          </p:cNvSpPr>
+          <p:nvPr>
+            <p:ph type="body" sz="quarter" idx="37"/>
+          </p:nvPr>
+        </p:nvSpPr>
+        <p:spPr/>
+        <p:txBody>
+          <a:bodyPr/>
+          <a:lstStyle/>
+          <a:p>
+            <a:r>
+              <a:rPr lang="en-US" dirty="0" smtClean="0"/>
+              <a:t>Andreas Heim</a:t>
+            </a:r>
+            <a:endParaRPr lang="en-US" dirty="0"/>
+          </a:p>
+        </p:txBody>
+      </p:sp>
+      <p:pic>
+        <p:nvPicPr>
+          <p:cNvPr id="25" name="Picture Placeholder 24" descr="ViewEmployeeImage.jpg"/>
+          <p:cNvPicPr>
+            <a:picLocks noGrp="1" noChangeAspect="1"/>
+          </p:cNvPicPr>
+          <p:nvPr>
+            <p:ph type="pic" sz="quarter" idx="38"/>
+          </p:nvPr>
+        </p:nvPicPr>
+        <p:blipFill>
+          <a:blip r:embed="rId5">
+            <a:extLst>
+              <a:ext uri="{28A0092B-C50C-407E-A947-70E740481C1C}">
+                <a14:useLocalDpi xmlns:a14="http://schemas.microsoft.com/office/drawing/2010/main" val="0"/>
+              </a:ext>
+            </a:extLst>
+          </a:blip>
+          <a:srcRect t="7234" b="7234"/>
+          <a:stretch>
+            <a:fillRect/>
+          </a:stretch>
+        </p:blipFill>
+        <p:spPr/>
+      </p:pic>
     </p:spTree>
     <p:extLst>
       <p:ext uri="{BB962C8B-B14F-4D97-AF65-F5344CB8AC3E}">
-        <p14:creationId xmlns:p14="http://schemas.microsoft.com/office/powerpoint/2010/main" val="3888062173"/>
+        <p14:creationId xmlns:p14="http://schemas.microsoft.com/office/powerpoint/2010/main" val="981257969"/>
       </p:ext>
     </p:extLst>
   </p:cSld>
@@ -13671,13 +15183,6 @@
   <p:transition xmlns:p14="http://schemas.microsoft.com/office/powerpoint/2010/main">
     <p:fade thruBlk="1"/>
   </p:transition>
-  <p:timing>
-    <p:tnLst>
-      <p:par>
-        <p:cTn xmlns:p14="http://schemas.microsoft.com/office/powerpoint/2010/main" id="1" dur="indefinite" restart="never" nodeType="tmRoot"/>
-      </p:par>
-    </p:tnLst>
-  </p:timing>
 </p:sld>
 </file>
 
@@ -13700,7 +15205,7 @@
       </p:grpSpPr>
       <p:sp>
         <p:nvSpPr>
-          <p:cNvPr id="2" name="Title 1"/>
+          <p:cNvPr id="3" name="Title 2"/>
           <p:cNvSpPr>
             <a:spLocks noGrp="1"/>
           </p:cNvSpPr>
@@ -13711,7 +15216,7 @@
         <p:spPr>
           <a:xfrm>
             <a:off x="321623" y="418905"/>
-            <a:ext cx="3236605" cy="307777"/>
+            <a:ext cx="3895514" cy="307777"/>
           </a:xfrm>
         </p:spPr>
         <p:txBody>
@@ -13720,7 +15225,11 @@
           <a:p>
             <a:r>
               <a:rPr lang="en-US" dirty="0" smtClean="0"/>
-              <a:t>Document-oriented</a:t>
+              <a:t>Introduction - </a:t>
+            </a:r>
+            <a:r>
+              <a:rPr lang="en-US" dirty="0" err="1" smtClean="0"/>
+              <a:t>Mongodb</a:t>
             </a:r>
             <a:endParaRPr lang="en-US" dirty="0"/>
           </a:p>
@@ -13728,12 +15237,12 @@
       </p:sp>
       <p:sp>
         <p:nvSpPr>
-          <p:cNvPr id="3" name="Slide Number Placeholder 2"/>
-          <p:cNvSpPr>
-            <a:spLocks noGrp="1"/>
-          </p:cNvSpPr>
-          <p:nvPr>
-            <p:ph type="sldNum" sz="quarter" idx="10"/>
+          <p:cNvPr id="4" name="Slide Number Placeholder 3"/>
+          <p:cNvSpPr>
+            <a:spLocks noGrp="1"/>
+          </p:cNvSpPr>
+          <p:nvPr>
+            <p:ph type="sldNum" sz="quarter" idx="4"/>
           </p:nvPr>
         </p:nvSpPr>
         <p:spPr/>
@@ -13750,215 +15259,40 @@
           </a:p>
         </p:txBody>
       </p:sp>
-      <p:sp>
-        <p:nvSpPr>
-          <p:cNvPr id="4" name="Text Placeholder 3"/>
-          <p:cNvSpPr>
-            <a:spLocks noGrp="1"/>
-          </p:cNvSpPr>
-          <p:nvPr>
-            <p:ph type="body" sz="quarter" idx="11"/>
-          </p:nvPr>
-        </p:nvSpPr>
-        <p:spPr/>
-        <p:txBody>
-          <a:bodyPr anchor="ctr"/>
-          <a:lstStyle/>
-          <a:p>
-            <a:r>
-              <a:rPr lang="en-US" dirty="0" smtClean="0"/>
-              <a:t>JSON document</a:t>
-            </a:r>
-            <a:endParaRPr lang="en-US" dirty="0"/>
-          </a:p>
-        </p:txBody>
-      </p:sp>
-      <p:sp>
-        <p:nvSpPr>
-          <p:cNvPr id="7" name="Right Arrow 6"/>
-          <p:cNvSpPr/>
+      <p:pic>
+        <p:nvPicPr>
+          <p:cNvPr id="5" name="Picture 4" descr="Icon_MongoDB_by_xkneo.png"/>
+          <p:cNvPicPr>
+            <a:picLocks noChangeAspect="1"/>
+          </p:cNvPicPr>
           <p:nvPr/>
-        </p:nvSpPr>
-        <p:spPr>
-          <a:xfrm>
-            <a:off x="2092960" y="3688080"/>
-            <a:ext cx="1465268" cy="558800"/>
-          </a:xfrm>
-          <a:prstGeom prst="rightArrow">
+        </p:nvPicPr>
+        <p:blipFill>
+          <a:blip r:embed="rId2">
+            <a:extLst>
+              <a:ext uri="{28A0092B-C50C-407E-A947-70E740481C1C}">
+                <a14:useLocalDpi xmlns:a14="http://schemas.microsoft.com/office/drawing/2010/main" val="0"/>
+              </a:ext>
+            </a:extLst>
+          </a:blip>
+          <a:stretch>
+            <a:fillRect/>
+          </a:stretch>
+        </p:blipFill>
+        <p:spPr>
+          <a:xfrm>
+            <a:off x="4009547" y="2963672"/>
+            <a:ext cx="920496" cy="920496"/>
+          </a:xfrm>
+          <a:prstGeom prst="rect">
             <a:avLst/>
           </a:prstGeom>
-          <a:solidFill>
-            <a:schemeClr val="accent1"/>
-          </a:solidFill>
-          <a:ln>
-            <a:noFill/>
-          </a:ln>
-          <a:effectLst/>
-        </p:spPr>
-        <p:style>
-          <a:lnRef idx="1">
-            <a:schemeClr val="accent1"/>
-          </a:lnRef>
-          <a:fillRef idx="3">
-            <a:schemeClr val="accent1"/>
-          </a:fillRef>
-          <a:effectRef idx="2">
-            <a:schemeClr val="accent1"/>
-          </a:effectRef>
-          <a:fontRef idx="minor">
-            <a:schemeClr val="lt1"/>
-          </a:fontRef>
-        </p:style>
-        <p:txBody>
-          <a:bodyPr rot="0" spcFirstLastPara="0" vertOverflow="overflow" horzOverflow="overflow" vert="horz" wrap="square" lIns="91440" tIns="45720" rIns="91440" bIns="45720" numCol="1" spcCol="0" rtlCol="0" fromWordArt="0" anchor="ctr" anchorCtr="0" forceAA="0" compatLnSpc="1">
-            <a:prstTxWarp prst="textNoShape">
-              <a:avLst/>
-            </a:prstTxWarp>
-            <a:noAutofit/>
-          </a:bodyPr>
-          <a:lstStyle/>
-          <a:p>
-            <a:pPr algn="ctr">
-              <a:spcBef>
-                <a:spcPts val="600"/>
-              </a:spcBef>
-              <a:spcAft>
-                <a:spcPts val="400"/>
-              </a:spcAft>
-            </a:pPr>
-            <a:endParaRPr lang="en-US" sz="1400" dirty="0" err="1" smtClean="0">
-              <a:solidFill>
-                <a:schemeClr val="tx1"/>
-              </a:solidFill>
-            </a:endParaRPr>
-          </a:p>
-        </p:txBody>
-      </p:sp>
-      <p:sp>
-        <p:nvSpPr>
-          <p:cNvPr id="8" name="Rounded Rectangle 7"/>
-          <p:cNvSpPr/>
-          <p:nvPr/>
-        </p:nvSpPr>
-        <p:spPr>
-          <a:xfrm>
-            <a:off x="4271963" y="3409791"/>
-            <a:ext cx="4470400" cy="1674177"/>
-          </a:xfrm>
-          <a:prstGeom prst="roundRect">
-            <a:avLst/>
-          </a:prstGeom>
-          <a:ln/>
-        </p:spPr>
-        <p:style>
-          <a:lnRef idx="2">
-            <a:schemeClr val="accent6"/>
-          </a:lnRef>
-          <a:fillRef idx="1">
-            <a:schemeClr val="lt1"/>
-          </a:fillRef>
-          <a:effectRef idx="0">
-            <a:schemeClr val="accent6"/>
-          </a:effectRef>
-          <a:fontRef idx="minor">
-            <a:schemeClr val="dk1"/>
-          </a:fontRef>
-        </p:style>
-        <p:txBody>
-          <a:bodyPr rot="0" spcFirstLastPara="0" vertOverflow="overflow" horzOverflow="overflow" vert="horz" wrap="square" lIns="91440" tIns="45720" rIns="91440" bIns="45720" numCol="1" spcCol="0" rtlCol="0" fromWordArt="0" anchor="ctr" anchorCtr="0" forceAA="0" compatLnSpc="1">
-            <a:prstTxWarp prst="textNoShape">
-              <a:avLst/>
-            </a:prstTxWarp>
-            <a:noAutofit/>
-          </a:bodyPr>
-          <a:lstStyle/>
-          <a:p>
-            <a:r>
-              <a:rPr lang="en-US" sz="1400" dirty="0"/>
-              <a:t>{</a:t>
-            </a:r>
-          </a:p>
-          <a:p>
-            <a:r>
-              <a:rPr lang="en-US" sz="1400" dirty="0"/>
-              <a:t>	"_id" : 1358101,</a:t>
-            </a:r>
-          </a:p>
-          <a:p>
-            <a:r>
-              <a:rPr lang="en-US" sz="1400" dirty="0"/>
-              <a:t>	"title" : "</a:t>
-            </a:r>
-            <a:r>
-              <a:rPr lang="en-US" sz="1400" dirty="0" err="1"/>
-              <a:t>Viña</a:t>
-            </a:r>
-            <a:r>
-              <a:rPr lang="en-US" sz="1400" dirty="0"/>
-              <a:t> </a:t>
-            </a:r>
-            <a:r>
-              <a:rPr lang="en-US" sz="1400" dirty="0" err="1"/>
-              <a:t>Salceda</a:t>
-            </a:r>
-            <a:r>
-              <a:rPr lang="en-US" sz="1400" dirty="0"/>
-              <a:t> </a:t>
-            </a:r>
-            <a:r>
-              <a:rPr lang="en-US" sz="1400" dirty="0" err="1"/>
-              <a:t>Crianza</a:t>
-            </a:r>
-            <a:r>
-              <a:rPr lang="en-US" sz="1400" dirty="0"/>
-              <a:t> 2007",</a:t>
-            </a:r>
-          </a:p>
-          <a:p>
-            <a:r>
-              <a:rPr lang="en-US" sz="1400" dirty="0"/>
-              <a:t>	"</a:t>
-            </a:r>
-            <a:r>
-              <a:rPr lang="en-US" sz="1400" dirty="0" err="1"/>
-              <a:t>containerSize</a:t>
-            </a:r>
-            <a:r>
-              <a:rPr lang="en-US" sz="1400" dirty="0"/>
-              <a:t>" : "75 cl",</a:t>
-            </a:r>
-          </a:p>
-          <a:p>
-            <a:r>
-              <a:rPr lang="en-US" sz="1400" dirty="0"/>
-              <a:t>	"price" : </a:t>
-            </a:r>
-            <a:r>
-              <a:rPr lang="en-US" sz="1400" dirty="0" smtClean="0"/>
-              <a:t>169.9</a:t>
-            </a:r>
-          </a:p>
-          <a:p>
-            <a:r>
-              <a:rPr lang="en-US" sz="1400" dirty="0">
-                <a:solidFill>
-                  <a:schemeClr val="tx1"/>
-                </a:solidFill>
-              </a:rPr>
-              <a:t>}</a:t>
-            </a:r>
-            <a:endParaRPr lang="en-US" sz="1400" dirty="0" smtClean="0">
-              <a:solidFill>
-                <a:schemeClr val="tx1"/>
-              </a:solidFill>
-            </a:endParaRPr>
-          </a:p>
-        </p:txBody>
-      </p:sp>
+        </p:spPr>
+      </p:pic>
     </p:spTree>
     <p:extLst>
       <p:ext uri="{BB962C8B-B14F-4D97-AF65-F5344CB8AC3E}">
-        <p14:creationId xmlns:p14="http://schemas.microsoft.com/office/powerpoint/2010/main" val="1648973218"/>
+        <p14:creationId xmlns:p14="http://schemas.microsoft.com/office/powerpoint/2010/main" val="1772005009"/>
       </p:ext>
     </p:extLst>
   </p:cSld>
@@ -14008,7 +15342,7 @@
         <p:spPr>
           <a:xfrm>
             <a:off x="321623" y="418905"/>
-            <a:ext cx="4359774" cy="307777"/>
+            <a:ext cx="2923609" cy="307777"/>
           </a:xfrm>
         </p:spPr>
         <p:txBody>
@@ -14017,7 +15351,15 @@
           <a:p>
             <a:r>
               <a:rPr lang="en-US" dirty="0" smtClean="0"/>
-              <a:t>Collections of documents</a:t>
+              <a:t>What is </a:t>
+            </a:r>
+            <a:r>
+              <a:rPr lang="en-US" dirty="0" err="1" smtClean="0"/>
+              <a:t>mongodb</a:t>
+            </a:r>
+            <a:r>
+              <a:rPr lang="en-US" dirty="0" smtClean="0"/>
+              <a:t>?</a:t>
             </a:r>
             <a:endParaRPr lang="en-US" dirty="0"/>
           </a:p>
@@ -14025,35 +15367,12 @@
       </p:sp>
       <p:sp>
         <p:nvSpPr>
-          <p:cNvPr id="4" name="Text Placeholder 3"/>
-          <p:cNvSpPr>
-            <a:spLocks noGrp="1"/>
-          </p:cNvSpPr>
-          <p:nvPr>
-            <p:ph type="body" sz="quarter" idx="12"/>
-          </p:nvPr>
-        </p:nvSpPr>
-        <p:spPr/>
-        <p:txBody>
-          <a:bodyPr/>
-          <a:lstStyle/>
-          <a:p>
-            <a:r>
-              <a:rPr lang="en-US" dirty="0" smtClean="0"/>
-              <a:t> </a:t>
-            </a:r>
-            <a:endParaRPr lang="en-US" dirty="0"/>
-          </a:p>
-        </p:txBody>
-      </p:sp>
-      <p:sp>
-        <p:nvSpPr>
-          <p:cNvPr id="5" name="Slide Number Placeholder 4"/>
-          <p:cNvSpPr>
-            <a:spLocks noGrp="1"/>
-          </p:cNvSpPr>
-          <p:nvPr>
-            <p:ph type="sldNum" sz="quarter" idx="4"/>
+          <p:cNvPr id="3" name="Slide Number Placeholder 2"/>
+          <p:cNvSpPr>
+            <a:spLocks noGrp="1"/>
+          </p:cNvSpPr>
+          <p:nvPr>
+            <p:ph type="sldNum" sz="quarter" idx="10"/>
           </p:nvPr>
         </p:nvSpPr>
         <p:spPr/>
@@ -14065,6 +15384,445 @@
               <a:rPr lang="en-US" smtClean="0"/>
               <a:pPr/>
               <a:t>5</a:t>
+            </a:fld>
+            <a:endParaRPr lang="en-US" dirty="0"/>
+          </a:p>
+        </p:txBody>
+      </p:sp>
+      <p:sp>
+        <p:nvSpPr>
+          <p:cNvPr id="4" name="Text Placeholder 3"/>
+          <p:cNvSpPr>
+            <a:spLocks noGrp="1"/>
+          </p:cNvSpPr>
+          <p:nvPr>
+            <p:ph type="body" sz="quarter" idx="11"/>
+          </p:nvPr>
+        </p:nvSpPr>
+        <p:spPr/>
+        <p:txBody>
+          <a:bodyPr/>
+          <a:lstStyle/>
+          <a:p>
+            <a:r>
+              <a:rPr lang="en-US" dirty="0" err="1" smtClean="0"/>
+              <a:t>MongoDB</a:t>
+            </a:r>
+            <a:r>
+              <a:rPr lang="en-US" dirty="0" smtClean="0"/>
+              <a:t> is a document-oriented non-relational database.</a:t>
+            </a:r>
+            <a:endParaRPr lang="en-US" dirty="0"/>
+          </a:p>
+        </p:txBody>
+      </p:sp>
+    </p:spTree>
+    <p:extLst>
+      <p:ext uri="{BB962C8B-B14F-4D97-AF65-F5344CB8AC3E}">
+        <p14:creationId xmlns:p14="http://schemas.microsoft.com/office/powerpoint/2010/main" val="3888062173"/>
+      </p:ext>
+    </p:extLst>
+  </p:cSld>
+  <p:clrMapOvr>
+    <a:masterClrMapping/>
+  </p:clrMapOvr>
+  <p:transition xmlns:p14="http://schemas.microsoft.com/office/powerpoint/2010/main">
+    <p:fade thruBlk="1"/>
+  </p:transition>
+  <p:timing>
+    <p:tnLst>
+      <p:par>
+        <p:cTn xmlns:p14="http://schemas.microsoft.com/office/powerpoint/2010/main" id="1" dur="indefinite" restart="never" nodeType="tmRoot"/>
+      </p:par>
+    </p:tnLst>
+  </p:timing>
+</p:sld>
+</file>
+
+<file path=ppt/slides/slide6.xml><?xml version="1.0" encoding="utf-8"?>
+<p:sld xmlns:a="http://schemas.openxmlformats.org/drawingml/2006/main" xmlns:r="http://schemas.openxmlformats.org/officeDocument/2006/relationships" xmlns:p="http://schemas.openxmlformats.org/presentationml/2006/main">
+  <p:cSld>
+    <p:spTree>
+      <p:nvGrpSpPr>
+        <p:cNvPr id="1" name=""/>
+        <p:cNvGrpSpPr/>
+        <p:nvPr/>
+      </p:nvGrpSpPr>
+      <p:grpSpPr>
+        <a:xfrm>
+          <a:off x="0" y="0"/>
+          <a:ext cx="0" cy="0"/>
+          <a:chOff x="0" y="0"/>
+          <a:chExt cx="0" cy="0"/>
+        </a:xfrm>
+      </p:grpSpPr>
+      <p:sp>
+        <p:nvSpPr>
+          <p:cNvPr id="2" name="Title 1"/>
+          <p:cNvSpPr>
+            <a:spLocks noGrp="1"/>
+          </p:cNvSpPr>
+          <p:nvPr>
+            <p:ph type="title"/>
+          </p:nvPr>
+        </p:nvSpPr>
+        <p:spPr>
+          <a:xfrm>
+            <a:off x="321623" y="418905"/>
+            <a:ext cx="3236605" cy="307777"/>
+          </a:xfrm>
+        </p:spPr>
+        <p:txBody>
+          <a:bodyPr/>
+          <a:lstStyle/>
+          <a:p>
+            <a:r>
+              <a:rPr lang="en-US" dirty="0" smtClean="0"/>
+              <a:t>Document-oriented</a:t>
+            </a:r>
+            <a:endParaRPr lang="en-US" dirty="0"/>
+          </a:p>
+        </p:txBody>
+      </p:sp>
+      <p:sp>
+        <p:nvSpPr>
+          <p:cNvPr id="3" name="Slide Number Placeholder 2"/>
+          <p:cNvSpPr>
+            <a:spLocks noGrp="1"/>
+          </p:cNvSpPr>
+          <p:nvPr>
+            <p:ph type="sldNum" sz="quarter" idx="10"/>
+          </p:nvPr>
+        </p:nvSpPr>
+        <p:spPr/>
+        <p:txBody>
+          <a:bodyPr/>
+          <a:lstStyle/>
+          <a:p>
+            <a:fld id="{FF67BF5B-7344-D747-A0C2-CBD7B2ACBC85}" type="slidenum">
+              <a:rPr lang="en-US" smtClean="0"/>
+              <a:pPr/>
+              <a:t>6</a:t>
+            </a:fld>
+            <a:endParaRPr lang="en-US" dirty="0"/>
+          </a:p>
+        </p:txBody>
+      </p:sp>
+      <p:sp>
+        <p:nvSpPr>
+          <p:cNvPr id="4" name="Text Placeholder 3"/>
+          <p:cNvSpPr>
+            <a:spLocks noGrp="1"/>
+          </p:cNvSpPr>
+          <p:nvPr>
+            <p:ph type="body" sz="quarter" idx="11"/>
+          </p:nvPr>
+        </p:nvSpPr>
+        <p:spPr/>
+        <p:txBody>
+          <a:bodyPr anchor="ctr"/>
+          <a:lstStyle/>
+          <a:p>
+            <a:r>
+              <a:rPr lang="en-US" dirty="0" smtClean="0"/>
+              <a:t>JSON document</a:t>
+            </a:r>
+            <a:endParaRPr lang="en-US" dirty="0"/>
+          </a:p>
+        </p:txBody>
+      </p:sp>
+      <p:sp>
+        <p:nvSpPr>
+          <p:cNvPr id="7" name="Right Arrow 6"/>
+          <p:cNvSpPr/>
+          <p:nvPr/>
+        </p:nvSpPr>
+        <p:spPr>
+          <a:xfrm>
+            <a:off x="2092960" y="3688080"/>
+            <a:ext cx="1465268" cy="558800"/>
+          </a:xfrm>
+          <a:prstGeom prst="rightArrow">
+            <a:avLst/>
+          </a:prstGeom>
+          <a:solidFill>
+            <a:schemeClr val="accent1"/>
+          </a:solidFill>
+          <a:ln>
+            <a:noFill/>
+          </a:ln>
+          <a:effectLst/>
+        </p:spPr>
+        <p:style>
+          <a:lnRef idx="1">
+            <a:schemeClr val="accent1"/>
+          </a:lnRef>
+          <a:fillRef idx="3">
+            <a:schemeClr val="accent1"/>
+          </a:fillRef>
+          <a:effectRef idx="2">
+            <a:schemeClr val="accent1"/>
+          </a:effectRef>
+          <a:fontRef idx="minor">
+            <a:schemeClr val="lt1"/>
+          </a:fontRef>
+        </p:style>
+        <p:txBody>
+          <a:bodyPr rot="0" spcFirstLastPara="0" vertOverflow="overflow" horzOverflow="overflow" vert="horz" wrap="square" lIns="91440" tIns="45720" rIns="91440" bIns="45720" numCol="1" spcCol="0" rtlCol="0" fromWordArt="0" anchor="ctr" anchorCtr="0" forceAA="0" compatLnSpc="1">
+            <a:prstTxWarp prst="textNoShape">
+              <a:avLst/>
+            </a:prstTxWarp>
+            <a:noAutofit/>
+          </a:bodyPr>
+          <a:lstStyle/>
+          <a:p>
+            <a:pPr algn="ctr">
+              <a:spcBef>
+                <a:spcPts val="600"/>
+              </a:spcBef>
+              <a:spcAft>
+                <a:spcPts val="400"/>
+              </a:spcAft>
+            </a:pPr>
+            <a:endParaRPr lang="en-US" sz="1400" dirty="0" err="1" smtClean="0">
+              <a:solidFill>
+                <a:schemeClr val="tx1"/>
+              </a:solidFill>
+            </a:endParaRPr>
+          </a:p>
+        </p:txBody>
+      </p:sp>
+      <p:sp>
+        <p:nvSpPr>
+          <p:cNvPr id="8" name="Rounded Rectangle 7"/>
+          <p:cNvSpPr/>
+          <p:nvPr/>
+        </p:nvSpPr>
+        <p:spPr>
+          <a:xfrm>
+            <a:off x="4271963" y="3409791"/>
+            <a:ext cx="4470400" cy="1674177"/>
+          </a:xfrm>
+          <a:prstGeom prst="roundRect">
+            <a:avLst/>
+          </a:prstGeom>
+          <a:ln/>
+        </p:spPr>
+        <p:style>
+          <a:lnRef idx="2">
+            <a:schemeClr val="accent6"/>
+          </a:lnRef>
+          <a:fillRef idx="1">
+            <a:schemeClr val="lt1"/>
+          </a:fillRef>
+          <a:effectRef idx="0">
+            <a:schemeClr val="accent6"/>
+          </a:effectRef>
+          <a:fontRef idx="minor">
+            <a:schemeClr val="dk1"/>
+          </a:fontRef>
+        </p:style>
+        <p:txBody>
+          <a:bodyPr rot="0" spcFirstLastPara="0" vertOverflow="overflow" horzOverflow="overflow" vert="horz" wrap="square" lIns="91440" tIns="45720" rIns="91440" bIns="45720" numCol="1" spcCol="0" rtlCol="0" fromWordArt="0" anchor="ctr" anchorCtr="0" forceAA="0" compatLnSpc="1">
+            <a:prstTxWarp prst="textNoShape">
+              <a:avLst/>
+            </a:prstTxWarp>
+            <a:noAutofit/>
+          </a:bodyPr>
+          <a:lstStyle/>
+          <a:p>
+            <a:r>
+              <a:rPr lang="en-US" sz="1400" dirty="0"/>
+              <a:t>{</a:t>
+            </a:r>
+          </a:p>
+          <a:p>
+            <a:r>
+              <a:rPr lang="en-US" sz="1400" dirty="0"/>
+              <a:t>	"_id" : 1358101,</a:t>
+            </a:r>
+          </a:p>
+          <a:p>
+            <a:r>
+              <a:rPr lang="en-US" sz="1400" dirty="0"/>
+              <a:t>	"title" : "</a:t>
+            </a:r>
+            <a:r>
+              <a:rPr lang="en-US" sz="1400" dirty="0" err="1"/>
+              <a:t>Viña</a:t>
+            </a:r>
+            <a:r>
+              <a:rPr lang="en-US" sz="1400" dirty="0"/>
+              <a:t> </a:t>
+            </a:r>
+            <a:r>
+              <a:rPr lang="en-US" sz="1400" dirty="0" err="1"/>
+              <a:t>Salceda</a:t>
+            </a:r>
+            <a:r>
+              <a:rPr lang="en-US" sz="1400" dirty="0"/>
+              <a:t> </a:t>
+            </a:r>
+            <a:r>
+              <a:rPr lang="en-US" sz="1400" dirty="0" err="1"/>
+              <a:t>Crianza</a:t>
+            </a:r>
+            <a:r>
+              <a:rPr lang="en-US" sz="1400" dirty="0"/>
+              <a:t> 2007",</a:t>
+            </a:r>
+          </a:p>
+          <a:p>
+            <a:r>
+              <a:rPr lang="en-US" sz="1400" dirty="0"/>
+              <a:t>	"</a:t>
+            </a:r>
+            <a:r>
+              <a:rPr lang="en-US" sz="1400" dirty="0" err="1"/>
+              <a:t>containerSize</a:t>
+            </a:r>
+            <a:r>
+              <a:rPr lang="en-US" sz="1400" dirty="0"/>
+              <a:t>" : "75 cl",</a:t>
+            </a:r>
+          </a:p>
+          <a:p>
+            <a:r>
+              <a:rPr lang="en-US" sz="1400" dirty="0"/>
+              <a:t>	"price" : </a:t>
+            </a:r>
+            <a:r>
+              <a:rPr lang="en-US" sz="1400" dirty="0" smtClean="0"/>
+              <a:t>169.9</a:t>
+            </a:r>
+          </a:p>
+          <a:p>
+            <a:r>
+              <a:rPr lang="en-US" sz="1400" dirty="0">
+                <a:solidFill>
+                  <a:schemeClr val="tx1"/>
+                </a:solidFill>
+              </a:rPr>
+              <a:t>}</a:t>
+            </a:r>
+            <a:endParaRPr lang="en-US" sz="1400" dirty="0" smtClean="0">
+              <a:solidFill>
+                <a:schemeClr val="tx1"/>
+              </a:solidFill>
+            </a:endParaRPr>
+          </a:p>
+        </p:txBody>
+      </p:sp>
+    </p:spTree>
+    <p:extLst>
+      <p:ext uri="{BB962C8B-B14F-4D97-AF65-F5344CB8AC3E}">
+        <p14:creationId xmlns:p14="http://schemas.microsoft.com/office/powerpoint/2010/main" val="1648973218"/>
+      </p:ext>
+    </p:extLst>
+  </p:cSld>
+  <p:clrMapOvr>
+    <a:masterClrMapping/>
+  </p:clrMapOvr>
+  <p:transition xmlns:p14="http://schemas.microsoft.com/office/powerpoint/2010/main">
+    <p:fade thruBlk="1"/>
+  </p:transition>
+  <p:timing>
+    <p:tnLst>
+      <p:par>
+        <p:cTn xmlns:p14="http://schemas.microsoft.com/office/powerpoint/2010/main" id="1" dur="indefinite" restart="never" nodeType="tmRoot"/>
+      </p:par>
+    </p:tnLst>
+  </p:timing>
+</p:sld>
+</file>
+
+<file path=ppt/slides/slide7.xml><?xml version="1.0" encoding="utf-8"?>
+<p:sld xmlns:a="http://schemas.openxmlformats.org/drawingml/2006/main" xmlns:r="http://schemas.openxmlformats.org/officeDocument/2006/relationships" xmlns:p="http://schemas.openxmlformats.org/presentationml/2006/main">
+  <p:cSld>
+    <p:spTree>
+      <p:nvGrpSpPr>
+        <p:cNvPr id="1" name=""/>
+        <p:cNvGrpSpPr/>
+        <p:nvPr/>
+      </p:nvGrpSpPr>
+      <p:grpSpPr>
+        <a:xfrm>
+          <a:off x="0" y="0"/>
+          <a:ext cx="0" cy="0"/>
+          <a:chOff x="0" y="0"/>
+          <a:chExt cx="0" cy="0"/>
+        </a:xfrm>
+      </p:grpSpPr>
+      <p:sp>
+        <p:nvSpPr>
+          <p:cNvPr id="2" name="Title 1"/>
+          <p:cNvSpPr>
+            <a:spLocks noGrp="1"/>
+          </p:cNvSpPr>
+          <p:nvPr>
+            <p:ph type="title"/>
+          </p:nvPr>
+        </p:nvSpPr>
+        <p:spPr>
+          <a:xfrm>
+            <a:off x="321623" y="418905"/>
+            <a:ext cx="4359774" cy="307777"/>
+          </a:xfrm>
+        </p:spPr>
+        <p:txBody>
+          <a:bodyPr/>
+          <a:lstStyle/>
+          <a:p>
+            <a:r>
+              <a:rPr lang="en-US" dirty="0" smtClean="0"/>
+              <a:t>Collections of documents</a:t>
+            </a:r>
+            <a:endParaRPr lang="en-US" dirty="0"/>
+          </a:p>
+        </p:txBody>
+      </p:sp>
+      <p:sp>
+        <p:nvSpPr>
+          <p:cNvPr id="4" name="Text Placeholder 3"/>
+          <p:cNvSpPr>
+            <a:spLocks noGrp="1"/>
+          </p:cNvSpPr>
+          <p:nvPr>
+            <p:ph type="body" sz="quarter" idx="12"/>
+          </p:nvPr>
+        </p:nvSpPr>
+        <p:spPr/>
+        <p:txBody>
+          <a:bodyPr/>
+          <a:lstStyle/>
+          <a:p>
+            <a:r>
+              <a:rPr lang="en-US" dirty="0" smtClean="0"/>
+              <a:t> </a:t>
+            </a:r>
+            <a:endParaRPr lang="en-US" dirty="0"/>
+          </a:p>
+        </p:txBody>
+      </p:sp>
+      <p:sp>
+        <p:nvSpPr>
+          <p:cNvPr id="5" name="Slide Number Placeholder 4"/>
+          <p:cNvSpPr>
+            <a:spLocks noGrp="1"/>
+          </p:cNvSpPr>
+          <p:nvPr>
+            <p:ph type="sldNum" sz="quarter" idx="4"/>
+          </p:nvPr>
+        </p:nvSpPr>
+        <p:spPr/>
+        <p:txBody>
+          <a:bodyPr/>
+          <a:lstStyle/>
+          <a:p>
+            <a:fld id="{FF67BF5B-7344-D747-A0C2-CBD7B2ACBC85}" type="slidenum">
+              <a:rPr lang="en-US" smtClean="0"/>
+              <a:pPr/>
+              <a:t>7</a:t>
             </a:fld>
             <a:endParaRPr lang="en-US" dirty="0"/>
           </a:p>
@@ -14668,15 +16426,7 @@
                   <a:schemeClr val="tx1"/>
                 </a:solidFill>
               </a:rPr>
-              <a:t>“carts”: </a:t>
-            </a:r>
-            <a:r>
-              <a:rPr lang="en-US" sz="1400" dirty="0" smtClean="0">
-                <a:solidFill>
-                  <a:schemeClr val="tx1"/>
-                </a:solidFill>
-              </a:rPr>
-              <a:t>[{</a:t>
+              <a:t>“carts”: [{</a:t>
             </a:r>
           </a:p>
           <a:p>
@@ -14831,15 +16581,7 @@
                   <a:schemeClr val="tx1"/>
                 </a:solidFill>
               </a:rPr>
-              <a:t>“carts”: </a:t>
-            </a:r>
-            <a:r>
-              <a:rPr lang="en-US" sz="1400" dirty="0" smtClean="0">
-                <a:solidFill>
-                  <a:schemeClr val="tx1"/>
-                </a:solidFill>
-              </a:rPr>
-              <a:t>[{</a:t>
+              <a:t>“carts”: [{</a:t>
             </a:r>
           </a:p>
           <a:p>
@@ -14858,15 +16600,7 @@
                   <a:schemeClr val="tx1"/>
                 </a:solidFill>
               </a:rPr>
-              <a:t>products: </a:t>
-            </a:r>
-            <a:r>
-              <a:rPr lang="en-US" sz="1400" dirty="0" smtClean="0">
-                <a:solidFill>
-                  <a:schemeClr val="tx1"/>
-                </a:solidFill>
-              </a:rPr>
-              <a:t>[</a:t>
+              <a:t>products: [</a:t>
             </a:r>
             <a:r>
               <a:rPr lang="en-US" sz="1400" dirty="0"/>
@@ -14891,11 +16625,6 @@
               </a:rPr>
               <a:t>}]</a:t>
             </a:r>
-            <a:endParaRPr lang="en-US" sz="1400" dirty="0" smtClean="0">
-              <a:solidFill>
-                <a:schemeClr val="tx1"/>
-              </a:solidFill>
-            </a:endParaRPr>
           </a:p>
           <a:p>
             <a:r>
@@ -14913,1064 +16642,6 @@
     <p:extLst>
       <p:ext uri="{BB962C8B-B14F-4D97-AF65-F5344CB8AC3E}">
         <p14:creationId xmlns:p14="http://schemas.microsoft.com/office/powerpoint/2010/main" val="2992715286"/>
-      </p:ext>
-    </p:extLst>
-  </p:cSld>
-  <p:clrMapOvr>
-    <a:masterClrMapping/>
-  </p:clrMapOvr>
-  <p:transition xmlns:p14="http://schemas.microsoft.com/office/powerpoint/2010/main">
-    <p:fade thruBlk="1"/>
-  </p:transition>
-  <p:timing>
-    <p:tnLst>
-      <p:par>
-        <p:cTn xmlns:p14="http://schemas.microsoft.com/office/powerpoint/2010/main" id="1" dur="indefinite" restart="never" nodeType="tmRoot"/>
-      </p:par>
-    </p:tnLst>
-  </p:timing>
-</p:sld>
-</file>
-
-<file path=ppt/slides/slide6.xml><?xml version="1.0" encoding="utf-8"?>
-<p:sld xmlns:a="http://schemas.openxmlformats.org/drawingml/2006/main" xmlns:r="http://schemas.openxmlformats.org/officeDocument/2006/relationships" xmlns:p="http://schemas.openxmlformats.org/presentationml/2006/main">
-  <p:cSld>
-    <p:spTree>
-      <p:nvGrpSpPr>
-        <p:cNvPr id="1" name=""/>
-        <p:cNvGrpSpPr/>
-        <p:nvPr/>
-      </p:nvGrpSpPr>
-      <p:grpSpPr>
-        <a:xfrm>
-          <a:off x="0" y="0"/>
-          <a:ext cx="0" cy="0"/>
-          <a:chOff x="0" y="0"/>
-          <a:chExt cx="0" cy="0"/>
-        </a:xfrm>
-      </p:grpSpPr>
-      <p:sp>
-        <p:nvSpPr>
-          <p:cNvPr id="3" name="Content Placeholder 2"/>
-          <p:cNvSpPr>
-            <a:spLocks noGrp="1"/>
-          </p:cNvSpPr>
-          <p:nvPr>
-            <p:ph idx="1"/>
-          </p:nvPr>
-        </p:nvSpPr>
-        <p:spPr/>
-        <p:txBody>
-          <a:bodyPr/>
-          <a:lstStyle/>
-          <a:p>
-            <a:r>
-              <a:rPr lang="en-US" dirty="0" smtClean="0"/>
-              <a:t>No constraints across documents</a:t>
-            </a:r>
-            <a:endParaRPr lang="en-US" dirty="0"/>
-          </a:p>
-        </p:txBody>
-      </p:sp>
-      <p:sp>
-        <p:nvSpPr>
-          <p:cNvPr id="4" name="Title 3"/>
-          <p:cNvSpPr>
-            <a:spLocks noGrp="1"/>
-          </p:cNvSpPr>
-          <p:nvPr>
-            <p:ph type="title"/>
-          </p:nvPr>
-        </p:nvSpPr>
-        <p:spPr>
-          <a:xfrm>
-            <a:off x="376446" y="5333434"/>
-            <a:ext cx="2604867" cy="307777"/>
-          </a:xfrm>
-        </p:spPr>
-        <p:txBody>
-          <a:bodyPr/>
-          <a:lstStyle/>
-          <a:p>
-            <a:r>
-              <a:rPr lang="en-US" dirty="0" smtClean="0"/>
-              <a:t>NON-relational</a:t>
-            </a:r>
-            <a:endParaRPr lang="en-US" dirty="0"/>
-          </a:p>
-        </p:txBody>
-      </p:sp>
-      <p:sp>
-        <p:nvSpPr>
-          <p:cNvPr id="9" name="Rounded Rectangle 8"/>
-          <p:cNvSpPr/>
-          <p:nvPr/>
-        </p:nvSpPr>
-        <p:spPr>
-          <a:xfrm>
-            <a:off x="4271963" y="3454118"/>
-            <a:ext cx="4470400" cy="1674177"/>
-          </a:xfrm>
-          <a:prstGeom prst="roundRect">
-            <a:avLst/>
-          </a:prstGeom>
-          <a:ln/>
-        </p:spPr>
-        <p:style>
-          <a:lnRef idx="2">
-            <a:schemeClr val="accent6"/>
-          </a:lnRef>
-          <a:fillRef idx="1">
-            <a:schemeClr val="lt1"/>
-          </a:fillRef>
-          <a:effectRef idx="0">
-            <a:schemeClr val="accent6"/>
-          </a:effectRef>
-          <a:fontRef idx="minor">
-            <a:schemeClr val="dk1"/>
-          </a:fontRef>
-        </p:style>
-        <p:txBody>
-          <a:bodyPr rot="0" spcFirstLastPara="0" vertOverflow="overflow" horzOverflow="overflow" vert="horz" wrap="square" lIns="91440" tIns="45720" rIns="91440" bIns="45720" numCol="1" spcCol="0" rtlCol="0" fromWordArt="0" anchor="ctr" anchorCtr="0" forceAA="0" compatLnSpc="1">
-            <a:prstTxWarp prst="textNoShape">
-              <a:avLst/>
-            </a:prstTxWarp>
-            <a:noAutofit/>
-          </a:bodyPr>
-          <a:lstStyle/>
-          <a:p>
-            <a:r>
-              <a:rPr lang="en-US" sz="1400" dirty="0"/>
-              <a:t>{</a:t>
-            </a:r>
-          </a:p>
-          <a:p>
-            <a:r>
-              <a:rPr lang="en-US" sz="1400" dirty="0"/>
-              <a:t>	"_id" : 1358101,</a:t>
-            </a:r>
-          </a:p>
-          <a:p>
-            <a:r>
-              <a:rPr lang="en-US" sz="1400" dirty="0"/>
-              <a:t>	"title" : "</a:t>
-            </a:r>
-            <a:r>
-              <a:rPr lang="en-US" sz="1400" dirty="0" err="1"/>
-              <a:t>Viña</a:t>
-            </a:r>
-            <a:r>
-              <a:rPr lang="en-US" sz="1400" dirty="0"/>
-              <a:t> </a:t>
-            </a:r>
-            <a:r>
-              <a:rPr lang="en-US" sz="1400" dirty="0" err="1"/>
-              <a:t>Salceda</a:t>
-            </a:r>
-            <a:r>
-              <a:rPr lang="en-US" sz="1400" dirty="0"/>
-              <a:t> </a:t>
-            </a:r>
-            <a:r>
-              <a:rPr lang="en-US" sz="1400" dirty="0" err="1"/>
-              <a:t>Crianza</a:t>
-            </a:r>
-            <a:r>
-              <a:rPr lang="en-US" sz="1400" dirty="0"/>
-              <a:t> 2007",</a:t>
-            </a:r>
-          </a:p>
-          <a:p>
-            <a:r>
-              <a:rPr lang="en-US" sz="1400" dirty="0"/>
-              <a:t>	"</a:t>
-            </a:r>
-            <a:r>
-              <a:rPr lang="en-US" sz="1400" dirty="0" err="1"/>
-              <a:t>containerSize</a:t>
-            </a:r>
-            <a:r>
-              <a:rPr lang="en-US" sz="1400" dirty="0"/>
-              <a:t>" : "75 cl",</a:t>
-            </a:r>
-          </a:p>
-          <a:p>
-            <a:r>
-              <a:rPr lang="en-US" sz="1400" dirty="0"/>
-              <a:t>	"price" : </a:t>
-            </a:r>
-            <a:r>
-              <a:rPr lang="en-US" sz="1400" dirty="0" smtClean="0"/>
-              <a:t>169.9</a:t>
-            </a:r>
-          </a:p>
-          <a:p>
-            <a:r>
-              <a:rPr lang="en-US" sz="1400" dirty="0">
-                <a:solidFill>
-                  <a:schemeClr val="tx1"/>
-                </a:solidFill>
-              </a:rPr>
-              <a:t>}</a:t>
-            </a:r>
-            <a:endParaRPr lang="en-US" sz="1400" dirty="0" smtClean="0">
-              <a:solidFill>
-                <a:schemeClr val="tx1"/>
-              </a:solidFill>
-            </a:endParaRPr>
-          </a:p>
-        </p:txBody>
-      </p:sp>
-      <p:sp>
-        <p:nvSpPr>
-          <p:cNvPr id="11" name="TextBox 10"/>
-          <p:cNvSpPr txBox="1"/>
-          <p:nvPr/>
-        </p:nvSpPr>
-        <p:spPr>
-          <a:xfrm>
-            <a:off x="2143113" y="4113952"/>
-            <a:ext cx="1981200" cy="353943"/>
-          </a:xfrm>
-          <a:prstGeom prst="rect">
-            <a:avLst/>
-          </a:prstGeom>
-          <a:noFill/>
-        </p:spPr>
-        <p:txBody>
-          <a:bodyPr wrap="square" rtlCol="0">
-            <a:spAutoFit/>
-          </a:bodyPr>
-          <a:lstStyle/>
-          <a:p>
-            <a:pPr>
-              <a:spcBef>
-                <a:spcPts val="600"/>
-              </a:spcBef>
-              <a:spcAft>
-                <a:spcPts val="400"/>
-              </a:spcAft>
-            </a:pPr>
-            <a:r>
-              <a:rPr lang="en-US" sz="1700" dirty="0" smtClean="0"/>
-              <a:t>PRODUCT -&gt;	</a:t>
-            </a:r>
-          </a:p>
-        </p:txBody>
-      </p:sp>
-      <p:sp>
-        <p:nvSpPr>
-          <p:cNvPr id="12" name="TextBox 11"/>
-          <p:cNvSpPr txBox="1"/>
-          <p:nvPr/>
-        </p:nvSpPr>
-        <p:spPr>
-          <a:xfrm>
-            <a:off x="3855403" y="1052723"/>
-            <a:ext cx="2194560" cy="353943"/>
-          </a:xfrm>
-          <a:prstGeom prst="rect">
-            <a:avLst/>
-          </a:prstGeom>
-          <a:noFill/>
-        </p:spPr>
-        <p:txBody>
-          <a:bodyPr wrap="square" rtlCol="0">
-            <a:spAutoFit/>
-          </a:bodyPr>
-          <a:lstStyle/>
-          <a:p>
-            <a:pPr>
-              <a:spcBef>
-                <a:spcPts val="600"/>
-              </a:spcBef>
-              <a:spcAft>
-                <a:spcPts val="400"/>
-              </a:spcAft>
-            </a:pPr>
-            <a:r>
-              <a:rPr lang="en-US" sz="1700" dirty="0" smtClean="0"/>
-              <a:t>&lt;- </a:t>
-            </a:r>
-            <a:r>
-              <a:rPr lang="en-US" sz="1700" dirty="0" smtClean="0"/>
-              <a:t>USER</a:t>
-            </a:r>
-            <a:endParaRPr lang="en-US" sz="1700" dirty="0" smtClean="0"/>
-          </a:p>
-        </p:txBody>
-      </p:sp>
-      <p:sp>
-        <p:nvSpPr>
-          <p:cNvPr id="10" name="Rounded Rectangle 9"/>
-          <p:cNvSpPr/>
-          <p:nvPr/>
-        </p:nvSpPr>
-        <p:spPr>
-          <a:xfrm>
-            <a:off x="413385" y="392323"/>
-            <a:ext cx="3021174" cy="1674177"/>
-          </a:xfrm>
-          <a:prstGeom prst="roundRect">
-            <a:avLst/>
-          </a:prstGeom>
-          <a:ln/>
-        </p:spPr>
-        <p:style>
-          <a:lnRef idx="2">
-            <a:schemeClr val="accent4"/>
-          </a:lnRef>
-          <a:fillRef idx="1">
-            <a:schemeClr val="lt1"/>
-          </a:fillRef>
-          <a:effectRef idx="0">
-            <a:schemeClr val="accent4"/>
-          </a:effectRef>
-          <a:fontRef idx="minor">
-            <a:schemeClr val="dk1"/>
-          </a:fontRef>
-        </p:style>
-        <p:txBody>
-          <a:bodyPr rot="0" spcFirstLastPara="0" vertOverflow="overflow" horzOverflow="overflow" vert="horz" wrap="square" lIns="91440" tIns="45720" rIns="91440" bIns="45720" numCol="1" spcCol="0" rtlCol="0" fromWordArt="0" anchor="ctr" anchorCtr="0" forceAA="0" compatLnSpc="1">
-            <a:prstTxWarp prst="textNoShape">
-              <a:avLst/>
-            </a:prstTxWarp>
-            <a:noAutofit/>
-          </a:bodyPr>
-          <a:lstStyle/>
-          <a:p>
-            <a:pPr>
-              <a:spcBef>
-                <a:spcPts val="600"/>
-              </a:spcBef>
-              <a:spcAft>
-                <a:spcPts val="400"/>
-              </a:spcAft>
-            </a:pPr>
-            <a:r>
-              <a:rPr lang="en-US" sz="1400" dirty="0" smtClean="0">
-                <a:solidFill>
-                  <a:schemeClr val="tx1"/>
-                </a:solidFill>
-              </a:rPr>
-              <a:t>{ </a:t>
-            </a:r>
-          </a:p>
-          <a:p>
-            <a:pPr lvl="1"/>
-            <a:r>
-              <a:rPr lang="en-US" sz="1400" dirty="0" smtClean="0"/>
-              <a:t>"</a:t>
-            </a:r>
-            <a:r>
-              <a:rPr lang="en-US" sz="1400" dirty="0"/>
-              <a:t>_id" : </a:t>
-            </a:r>
-            <a:r>
-              <a:rPr lang="en-US" sz="1400" dirty="0" smtClean="0"/>
-              <a:t>”</a:t>
-            </a:r>
-            <a:r>
-              <a:rPr lang="en-US" sz="1400" dirty="0" err="1" smtClean="0"/>
-              <a:t>athena.beer</a:t>
-            </a:r>
-            <a:r>
-              <a:rPr lang="en-US" sz="1400" dirty="0" smtClean="0"/>
-              <a:t>”,</a:t>
-            </a:r>
-          </a:p>
-          <a:p>
-            <a:pPr lvl="1"/>
-            <a:r>
-              <a:rPr lang="en-US" sz="1400" dirty="0" smtClean="0"/>
-              <a:t>"</a:t>
-            </a:r>
-            <a:r>
-              <a:rPr lang="en-US" sz="1400" dirty="0"/>
-              <a:t>name" : </a:t>
-            </a:r>
-            <a:r>
-              <a:rPr lang="en-US" sz="1400" dirty="0" smtClean="0"/>
-              <a:t>”Athena Beer",</a:t>
-            </a:r>
-          </a:p>
-          <a:p>
-            <a:pPr lvl="1"/>
-            <a:r>
-              <a:rPr lang="en-US" sz="1400" dirty="0" smtClean="0">
-                <a:solidFill>
-                  <a:schemeClr val="tx1"/>
-                </a:solidFill>
-              </a:rPr>
-              <a:t>“carts”: </a:t>
-            </a:r>
-            <a:r>
-              <a:rPr lang="en-US" sz="1400" dirty="0" smtClean="0">
-                <a:solidFill>
-                  <a:schemeClr val="tx1"/>
-                </a:solidFill>
-              </a:rPr>
-              <a:t>[{</a:t>
-            </a:r>
-          </a:p>
-          <a:p>
-            <a:pPr lvl="1"/>
-            <a:r>
-              <a:rPr lang="en-US" sz="1400" dirty="0">
-                <a:solidFill>
-                  <a:schemeClr val="tx1"/>
-                </a:solidFill>
-              </a:rPr>
-              <a:t>	</a:t>
-            </a:r>
-            <a:r>
-              <a:rPr lang="en-US" sz="1400" dirty="0" smtClean="0">
-                <a:solidFill>
-                  <a:schemeClr val="tx1"/>
-                </a:solidFill>
-              </a:rPr>
-              <a:t>products: </a:t>
-            </a:r>
-            <a:r>
-              <a:rPr lang="en-US" sz="1400" dirty="0" smtClean="0">
-                <a:solidFill>
-                  <a:schemeClr val="tx1"/>
-                </a:solidFill>
-              </a:rPr>
-              <a:t>[</a:t>
-            </a:r>
-            <a:r>
-              <a:rPr lang="en-US" sz="1400" dirty="0"/>
-              <a:t>1358101</a:t>
-            </a:r>
-            <a:r>
-              <a:rPr lang="en-US" sz="1400" dirty="0" smtClean="0">
-                <a:solidFill>
-                  <a:schemeClr val="tx1"/>
-                </a:solidFill>
-              </a:rPr>
-              <a:t>]</a:t>
-            </a:r>
-          </a:p>
-          <a:p>
-            <a:pPr lvl="1"/>
-            <a:r>
-              <a:rPr lang="en-US" sz="1400" dirty="0" smtClean="0">
-                <a:solidFill>
-                  <a:schemeClr val="tx1"/>
-                </a:solidFill>
-              </a:rPr>
-              <a:t>}]</a:t>
-            </a:r>
-            <a:endParaRPr lang="en-US" sz="1400" dirty="0" smtClean="0">
-              <a:solidFill>
-                <a:schemeClr val="tx1"/>
-              </a:solidFill>
-            </a:endParaRPr>
-          </a:p>
-          <a:p>
-            <a:r>
-              <a:rPr lang="en-US" sz="1400" dirty="0" smtClean="0">
-                <a:solidFill>
-                  <a:schemeClr val="tx1"/>
-                </a:solidFill>
-              </a:rPr>
-              <a:t>}</a:t>
-            </a:r>
-          </a:p>
-        </p:txBody>
-      </p:sp>
-      <p:sp>
-        <p:nvSpPr>
-          <p:cNvPr id="5" name="TextBox 4"/>
-          <p:cNvSpPr txBox="1"/>
-          <p:nvPr/>
-        </p:nvSpPr>
-        <p:spPr>
-          <a:xfrm>
-            <a:off x="1223994" y="2427516"/>
-            <a:ext cx="6095938" cy="600164"/>
-          </a:xfrm>
-          <a:prstGeom prst="rect">
-            <a:avLst/>
-          </a:prstGeom>
-          <a:noFill/>
-        </p:spPr>
-        <p:txBody>
-          <a:bodyPr wrap="square" rtlCol="0">
-            <a:spAutoFit/>
-          </a:bodyPr>
-          <a:lstStyle/>
-          <a:p>
-            <a:pPr>
-              <a:spcBef>
-                <a:spcPts val="600"/>
-              </a:spcBef>
-              <a:spcAft>
-                <a:spcPts val="400"/>
-              </a:spcAft>
-            </a:pPr>
-            <a:r>
-              <a:rPr lang="en-US" sz="1700" i="1" dirty="0" smtClean="0"/>
-              <a:t>The user Athena Beer refers to the product </a:t>
-            </a:r>
-            <a:r>
-              <a:rPr lang="en-US" sz="1600" i="1" dirty="0" err="1"/>
-              <a:t>Viña</a:t>
-            </a:r>
-            <a:r>
-              <a:rPr lang="en-US" sz="1600" i="1" dirty="0"/>
-              <a:t> </a:t>
-            </a:r>
-            <a:r>
-              <a:rPr lang="en-US" sz="1600" i="1" dirty="0" err="1"/>
-              <a:t>Salceda</a:t>
-            </a:r>
-            <a:r>
-              <a:rPr lang="en-US" sz="1600" i="1" dirty="0"/>
-              <a:t> </a:t>
-            </a:r>
-            <a:r>
-              <a:rPr lang="en-US" sz="1600" i="1" dirty="0" smtClean="0"/>
-              <a:t>in one of her carts. The database is however oblivious of that fact.</a:t>
-            </a:r>
-            <a:endParaRPr lang="en-US" sz="1700" i="1" dirty="0" smtClean="0"/>
-          </a:p>
-        </p:txBody>
-      </p:sp>
-    </p:spTree>
-    <p:extLst>
-      <p:ext uri="{BB962C8B-B14F-4D97-AF65-F5344CB8AC3E}">
-        <p14:creationId xmlns:p14="http://schemas.microsoft.com/office/powerpoint/2010/main" val="2757889602"/>
-      </p:ext>
-    </p:extLst>
-  </p:cSld>
-  <p:clrMapOvr>
-    <a:masterClrMapping/>
-  </p:clrMapOvr>
-  <p:transition xmlns:p14="http://schemas.microsoft.com/office/powerpoint/2010/main">
-    <p:fade thruBlk="1"/>
-  </p:transition>
-  <p:timing>
-    <p:tnLst>
-      <p:par>
-        <p:cTn xmlns:p14="http://schemas.microsoft.com/office/powerpoint/2010/main" id="1" dur="indefinite" restart="never" nodeType="tmRoot"/>
-      </p:par>
-    </p:tnLst>
-  </p:timing>
-</p:sld>
-</file>
-
-<file path=ppt/slides/slide7.xml><?xml version="1.0" encoding="utf-8"?>
-<p:sld xmlns:a="http://schemas.openxmlformats.org/drawingml/2006/main" xmlns:r="http://schemas.openxmlformats.org/officeDocument/2006/relationships" xmlns:p="http://schemas.openxmlformats.org/presentationml/2006/main">
-  <p:cSld>
-    <p:spTree>
-      <p:nvGrpSpPr>
-        <p:cNvPr id="1" name=""/>
-        <p:cNvGrpSpPr/>
-        <p:nvPr/>
-      </p:nvGrpSpPr>
-      <p:grpSpPr>
-        <a:xfrm>
-          <a:off x="0" y="0"/>
-          <a:ext cx="0" cy="0"/>
-          <a:chOff x="0" y="0"/>
-          <a:chExt cx="0" cy="0"/>
-        </a:xfrm>
-      </p:grpSpPr>
-      <p:sp>
-        <p:nvSpPr>
-          <p:cNvPr id="2" name="Title 1"/>
-          <p:cNvSpPr>
-            <a:spLocks noGrp="1"/>
-          </p:cNvSpPr>
-          <p:nvPr>
-            <p:ph type="title"/>
-          </p:nvPr>
-        </p:nvSpPr>
-        <p:spPr>
-          <a:xfrm>
-            <a:off x="321623" y="418905"/>
-            <a:ext cx="3345579" cy="307777"/>
-          </a:xfrm>
-        </p:spPr>
-        <p:txBody>
-          <a:bodyPr/>
-          <a:lstStyle/>
-          <a:p>
-            <a:r>
-              <a:rPr lang="en-US" dirty="0" smtClean="0"/>
-              <a:t>Origins - humongous</a:t>
-            </a:r>
-            <a:endParaRPr lang="en-US" dirty="0"/>
-          </a:p>
-        </p:txBody>
-      </p:sp>
-      <p:sp>
-        <p:nvSpPr>
-          <p:cNvPr id="3" name="Slide Number Placeholder 2"/>
-          <p:cNvSpPr>
-            <a:spLocks noGrp="1"/>
-          </p:cNvSpPr>
-          <p:nvPr>
-            <p:ph type="sldNum" sz="quarter" idx="10"/>
-          </p:nvPr>
-        </p:nvSpPr>
-        <p:spPr/>
-        <p:txBody>
-          <a:bodyPr/>
-          <a:lstStyle/>
-          <a:p>
-            <a:fld id="{FF67BF5B-7344-D747-A0C2-CBD7B2ACBC85}" type="slidenum">
-              <a:rPr lang="en-US" smtClean="0"/>
-              <a:pPr/>
-              <a:t>7</a:t>
-            </a:fld>
-            <a:endParaRPr lang="en-US" dirty="0"/>
-          </a:p>
-        </p:txBody>
-      </p:sp>
-      <p:sp>
-        <p:nvSpPr>
-          <p:cNvPr id="4" name="Text Placeholder 3"/>
-          <p:cNvSpPr>
-            <a:spLocks noGrp="1"/>
-          </p:cNvSpPr>
-          <p:nvPr>
-            <p:ph type="body" sz="quarter" idx="11"/>
-          </p:nvPr>
-        </p:nvSpPr>
-        <p:spPr/>
-        <p:txBody>
-          <a:bodyPr/>
-          <a:lstStyle/>
-          <a:p>
-            <a:endParaRPr lang="en-US" dirty="0"/>
-          </a:p>
-        </p:txBody>
-      </p:sp>
-      <p:cxnSp>
-        <p:nvCxnSpPr>
-          <p:cNvPr id="11" name="Straight Arrow Connector 10"/>
-          <p:cNvCxnSpPr/>
-          <p:nvPr/>
-        </p:nvCxnSpPr>
-        <p:spPr>
-          <a:xfrm flipV="1">
-            <a:off x="477520" y="1737360"/>
-            <a:ext cx="0" cy="4744720"/>
-          </a:xfrm>
-          <a:prstGeom prst="straightConnector1">
-            <a:avLst/>
-          </a:prstGeom>
-          <a:ln w="6350" cmpd="sng">
-            <a:solidFill>
-              <a:schemeClr val="tx1"/>
-            </a:solidFill>
-            <a:tailEnd type="arrow"/>
-          </a:ln>
-          <a:effectLst/>
-        </p:spPr>
-        <p:style>
-          <a:lnRef idx="2">
-            <a:schemeClr val="accent1"/>
-          </a:lnRef>
-          <a:fillRef idx="0">
-            <a:schemeClr val="accent1"/>
-          </a:fillRef>
-          <a:effectRef idx="1">
-            <a:schemeClr val="accent1"/>
-          </a:effectRef>
-          <a:fontRef idx="minor">
-            <a:schemeClr val="tx1"/>
-          </a:fontRef>
-        </p:style>
-      </p:cxnSp>
-      <p:cxnSp>
-        <p:nvCxnSpPr>
-          <p:cNvPr id="13" name="Straight Arrow Connector 12"/>
-          <p:cNvCxnSpPr/>
-          <p:nvPr/>
-        </p:nvCxnSpPr>
-        <p:spPr>
-          <a:xfrm>
-            <a:off x="477520" y="6482080"/>
-            <a:ext cx="7406640" cy="0"/>
-          </a:xfrm>
-          <a:prstGeom prst="straightConnector1">
-            <a:avLst/>
-          </a:prstGeom>
-          <a:ln w="6350" cmpd="sng">
-            <a:solidFill>
-              <a:srgbClr val="000000"/>
-            </a:solidFill>
-            <a:tailEnd type="arrow"/>
-          </a:ln>
-          <a:effectLst/>
-        </p:spPr>
-        <p:style>
-          <a:lnRef idx="2">
-            <a:schemeClr val="accent1"/>
-          </a:lnRef>
-          <a:fillRef idx="0">
-            <a:schemeClr val="accent1"/>
-          </a:fillRef>
-          <a:effectRef idx="1">
-            <a:schemeClr val="accent1"/>
-          </a:effectRef>
-          <a:fontRef idx="minor">
-            <a:schemeClr val="tx1"/>
-          </a:fontRef>
-        </p:style>
-      </p:cxnSp>
-      <p:sp>
-        <p:nvSpPr>
-          <p:cNvPr id="14" name="TextBox 13"/>
-          <p:cNvSpPr txBox="1"/>
-          <p:nvPr/>
-        </p:nvSpPr>
-        <p:spPr>
-          <a:xfrm>
-            <a:off x="330129" y="1383417"/>
-            <a:ext cx="1270000" cy="353943"/>
-          </a:xfrm>
-          <a:prstGeom prst="rect">
-            <a:avLst/>
-          </a:prstGeom>
-          <a:noFill/>
-        </p:spPr>
-        <p:txBody>
-          <a:bodyPr wrap="square" rtlCol="0">
-            <a:spAutoFit/>
-          </a:bodyPr>
-          <a:lstStyle/>
-          <a:p>
-            <a:pPr>
-              <a:spcBef>
-                <a:spcPts val="600"/>
-              </a:spcBef>
-              <a:spcAft>
-                <a:spcPts val="400"/>
-              </a:spcAft>
-            </a:pPr>
-            <a:r>
-              <a:rPr lang="en-US" sz="1700" dirty="0" smtClean="0">
-                <a:solidFill>
-                  <a:schemeClr val="accent4"/>
-                </a:solidFill>
-              </a:rPr>
-              <a:t>Scalability</a:t>
-            </a:r>
-            <a:endParaRPr lang="en-US" sz="1700" dirty="0" smtClean="0">
-              <a:solidFill>
-                <a:schemeClr val="accent4"/>
-              </a:solidFill>
-            </a:endParaRPr>
-          </a:p>
-        </p:txBody>
-      </p:sp>
-      <p:sp>
-        <p:nvSpPr>
-          <p:cNvPr id="15" name="TextBox 14"/>
-          <p:cNvSpPr txBox="1"/>
-          <p:nvPr/>
-        </p:nvSpPr>
-        <p:spPr>
-          <a:xfrm>
-            <a:off x="7013546" y="5963920"/>
-            <a:ext cx="1741227" cy="353943"/>
-          </a:xfrm>
-          <a:prstGeom prst="rect">
-            <a:avLst/>
-          </a:prstGeom>
-          <a:noFill/>
-        </p:spPr>
-        <p:txBody>
-          <a:bodyPr wrap="square" rtlCol="0">
-            <a:spAutoFit/>
-          </a:bodyPr>
-          <a:lstStyle/>
-          <a:p>
-            <a:pPr>
-              <a:spcBef>
-                <a:spcPts val="600"/>
-              </a:spcBef>
-              <a:spcAft>
-                <a:spcPts val="400"/>
-              </a:spcAft>
-            </a:pPr>
-            <a:r>
-              <a:rPr lang="en-US" sz="1700" dirty="0" smtClean="0">
-                <a:solidFill>
-                  <a:srgbClr val="FD5158"/>
-                </a:solidFill>
-              </a:rPr>
-              <a:t>Functionality</a:t>
-            </a:r>
-            <a:endParaRPr lang="en-US" sz="1700" dirty="0" smtClean="0">
-              <a:solidFill>
-                <a:srgbClr val="FD5158"/>
-              </a:solidFill>
-            </a:endParaRPr>
-          </a:p>
-        </p:txBody>
-      </p:sp>
-      <p:sp>
-        <p:nvSpPr>
-          <p:cNvPr id="16" name="Oval 15"/>
-          <p:cNvSpPr/>
-          <p:nvPr/>
-        </p:nvSpPr>
-        <p:spPr>
-          <a:xfrm>
-            <a:off x="5384800" y="4348480"/>
-            <a:ext cx="1788160" cy="1818640"/>
-          </a:xfrm>
-          <a:prstGeom prst="ellipse">
-            <a:avLst/>
-          </a:prstGeom>
-          <a:solidFill>
-            <a:schemeClr val="accent1"/>
-          </a:solidFill>
-          <a:ln>
-            <a:noFill/>
-          </a:ln>
-          <a:effectLst/>
-        </p:spPr>
-        <p:style>
-          <a:lnRef idx="1">
-            <a:schemeClr val="accent1"/>
-          </a:lnRef>
-          <a:fillRef idx="3">
-            <a:schemeClr val="accent1"/>
-          </a:fillRef>
-          <a:effectRef idx="2">
-            <a:schemeClr val="accent1"/>
-          </a:effectRef>
-          <a:fontRef idx="minor">
-            <a:schemeClr val="lt1"/>
-          </a:fontRef>
-        </p:style>
-        <p:txBody>
-          <a:bodyPr rot="0" spcFirstLastPara="0" vertOverflow="overflow" horzOverflow="overflow" vert="horz" wrap="square" lIns="91440" tIns="45720" rIns="91440" bIns="45720" numCol="1" spcCol="0" rtlCol="0" fromWordArt="0" anchor="ctr" anchorCtr="0" forceAA="0" compatLnSpc="1">
-            <a:prstTxWarp prst="textNoShape">
-              <a:avLst/>
-            </a:prstTxWarp>
-            <a:noAutofit/>
-          </a:bodyPr>
-          <a:lstStyle/>
-          <a:p>
-            <a:pPr algn="ctr">
-              <a:spcBef>
-                <a:spcPts val="600"/>
-              </a:spcBef>
-              <a:spcAft>
-                <a:spcPts val="400"/>
-              </a:spcAft>
-            </a:pPr>
-            <a:r>
-              <a:rPr lang="en-US" sz="1400" dirty="0" smtClean="0">
-                <a:solidFill>
-                  <a:schemeClr val="tx1"/>
-                </a:solidFill>
-              </a:rPr>
-              <a:t>Relational databases</a:t>
-            </a:r>
-          </a:p>
-          <a:p>
-            <a:pPr algn="ctr">
-              <a:spcBef>
-                <a:spcPts val="600"/>
-              </a:spcBef>
-              <a:spcAft>
-                <a:spcPts val="400"/>
-              </a:spcAft>
-            </a:pPr>
-            <a:r>
-              <a:rPr lang="en-US" sz="1400" dirty="0" smtClean="0">
-                <a:solidFill>
-                  <a:schemeClr val="tx1"/>
-                </a:solidFill>
-              </a:rPr>
-              <a:t>(</a:t>
-            </a:r>
-            <a:r>
-              <a:rPr lang="en-US" sz="1400" dirty="0" err="1" smtClean="0">
-                <a:solidFill>
-                  <a:schemeClr val="tx1"/>
-                </a:solidFill>
-              </a:rPr>
-              <a:t>Postgres</a:t>
-            </a:r>
-            <a:r>
-              <a:rPr lang="en-US" sz="1400" dirty="0" smtClean="0">
-                <a:solidFill>
-                  <a:schemeClr val="tx1"/>
-                </a:solidFill>
-              </a:rPr>
-              <a:t>, MySQL, …)</a:t>
-            </a:r>
-            <a:endParaRPr lang="en-US" sz="1400" dirty="0" smtClean="0">
-              <a:solidFill>
-                <a:schemeClr val="tx1"/>
-              </a:solidFill>
-            </a:endParaRPr>
-          </a:p>
-        </p:txBody>
-      </p:sp>
-      <p:sp>
-        <p:nvSpPr>
-          <p:cNvPr id="17" name="Oval 16"/>
-          <p:cNvSpPr/>
-          <p:nvPr/>
-        </p:nvSpPr>
-        <p:spPr>
-          <a:xfrm>
-            <a:off x="706049" y="1737360"/>
-            <a:ext cx="1788160" cy="1818640"/>
-          </a:xfrm>
-          <a:prstGeom prst="ellipse">
-            <a:avLst/>
-          </a:prstGeom>
-          <a:solidFill>
-            <a:schemeClr val="accent1"/>
-          </a:solidFill>
-          <a:ln>
-            <a:noFill/>
-          </a:ln>
-          <a:effectLst/>
-        </p:spPr>
-        <p:style>
-          <a:lnRef idx="1">
-            <a:schemeClr val="accent1"/>
-          </a:lnRef>
-          <a:fillRef idx="3">
-            <a:schemeClr val="accent1"/>
-          </a:fillRef>
-          <a:effectRef idx="2">
-            <a:schemeClr val="accent1"/>
-          </a:effectRef>
-          <a:fontRef idx="minor">
-            <a:schemeClr val="lt1"/>
-          </a:fontRef>
-        </p:style>
-        <p:txBody>
-          <a:bodyPr rot="0" spcFirstLastPara="0" vertOverflow="overflow" horzOverflow="overflow" vert="horz" wrap="square" lIns="91440" tIns="45720" rIns="91440" bIns="45720" numCol="1" spcCol="0" rtlCol="0" fromWordArt="0" anchor="ctr" anchorCtr="0" forceAA="0" compatLnSpc="1">
-            <a:prstTxWarp prst="textNoShape">
-              <a:avLst/>
-            </a:prstTxWarp>
-            <a:noAutofit/>
-          </a:bodyPr>
-          <a:lstStyle/>
-          <a:p>
-            <a:pPr algn="ctr">
-              <a:spcBef>
-                <a:spcPts val="600"/>
-              </a:spcBef>
-              <a:spcAft>
-                <a:spcPts val="400"/>
-              </a:spcAft>
-            </a:pPr>
-            <a:r>
-              <a:rPr lang="en-US" sz="1400" dirty="0" smtClean="0">
-                <a:solidFill>
-                  <a:schemeClr val="tx1"/>
-                </a:solidFill>
-              </a:rPr>
-              <a:t>Key-Value</a:t>
-            </a:r>
-          </a:p>
-          <a:p>
-            <a:pPr algn="ctr">
-              <a:spcBef>
-                <a:spcPts val="600"/>
-              </a:spcBef>
-              <a:spcAft>
-                <a:spcPts val="400"/>
-              </a:spcAft>
-            </a:pPr>
-            <a:r>
-              <a:rPr lang="en-US" sz="1400" dirty="0" smtClean="0">
-                <a:solidFill>
-                  <a:schemeClr val="tx1"/>
-                </a:solidFill>
-              </a:rPr>
-              <a:t>(</a:t>
-            </a:r>
-            <a:r>
-              <a:rPr lang="en-US" sz="1400" dirty="0" err="1" smtClean="0">
-                <a:solidFill>
-                  <a:schemeClr val="tx1"/>
-                </a:solidFill>
-              </a:rPr>
-              <a:t>Memcached</a:t>
-            </a:r>
-            <a:r>
-              <a:rPr lang="en-US" sz="1400" dirty="0" smtClean="0">
-                <a:solidFill>
-                  <a:schemeClr val="tx1"/>
-                </a:solidFill>
-              </a:rPr>
-              <a:t>,</a:t>
-            </a:r>
-            <a:r>
-              <a:rPr lang="en-US" sz="1400" dirty="0" smtClean="0">
-                <a:solidFill>
-                  <a:schemeClr val="tx1"/>
-                </a:solidFill>
-              </a:rPr>
-              <a:t> …)</a:t>
-            </a:r>
-            <a:endParaRPr lang="en-US" sz="1400" dirty="0" smtClean="0">
-              <a:solidFill>
-                <a:schemeClr val="tx1"/>
-              </a:solidFill>
-            </a:endParaRPr>
-          </a:p>
-        </p:txBody>
-      </p:sp>
-      <p:sp>
-        <p:nvSpPr>
-          <p:cNvPr id="18" name="TextBox 17"/>
-          <p:cNvSpPr txBox="1"/>
-          <p:nvPr/>
-        </p:nvSpPr>
-        <p:spPr>
-          <a:xfrm>
-            <a:off x="4663440" y="2626602"/>
-            <a:ext cx="1442720" cy="353943"/>
-          </a:xfrm>
-          <a:prstGeom prst="rect">
-            <a:avLst/>
-          </a:prstGeom>
-          <a:noFill/>
-        </p:spPr>
-        <p:txBody>
-          <a:bodyPr wrap="square" rtlCol="0">
-            <a:spAutoFit/>
-          </a:bodyPr>
-          <a:lstStyle/>
-          <a:p>
-            <a:pPr>
-              <a:spcBef>
-                <a:spcPts val="600"/>
-              </a:spcBef>
-              <a:spcAft>
-                <a:spcPts val="400"/>
-              </a:spcAft>
-            </a:pPr>
-            <a:r>
-              <a:rPr lang="en-US" sz="1700" dirty="0" err="1" smtClean="0"/>
-              <a:t>MongoDB</a:t>
-            </a:r>
-            <a:endParaRPr lang="en-US" sz="1700" dirty="0" smtClean="0"/>
-          </a:p>
-        </p:txBody>
-      </p:sp>
-    </p:spTree>
-    <p:extLst>
-      <p:ext uri="{BB962C8B-B14F-4D97-AF65-F5344CB8AC3E}">
-        <p14:creationId xmlns:p14="http://schemas.microsoft.com/office/powerpoint/2010/main" val="3379566222"/>
       </p:ext>
     </p:extLst>
   </p:cSld>
@@ -16009,27 +16680,22 @@
       </p:grpSpPr>
       <p:sp>
         <p:nvSpPr>
-          <p:cNvPr id="2" name="Title 1"/>
-          <p:cNvSpPr>
-            <a:spLocks noGrp="1"/>
-          </p:cNvSpPr>
-          <p:nvPr>
-            <p:ph type="title"/>
-          </p:nvPr>
-        </p:nvSpPr>
-        <p:spPr>
-          <a:xfrm>
-            <a:off x="321623" y="418905"/>
-            <a:ext cx="1877790" cy="307777"/>
-          </a:xfrm>
-        </p:spPr>
+          <p:cNvPr id="3" name="Content Placeholder 2"/>
+          <p:cNvSpPr>
+            <a:spLocks noGrp="1"/>
+          </p:cNvSpPr>
+          <p:nvPr>
+            <p:ph idx="1"/>
+          </p:nvPr>
+        </p:nvSpPr>
+        <p:spPr/>
         <p:txBody>
           <a:bodyPr/>
           <a:lstStyle/>
           <a:p>
             <a:r>
               <a:rPr lang="en-US" dirty="0" smtClean="0"/>
-              <a:t>Trade-offs</a:t>
+              <a:t>No constraints across documents</a:t>
             </a:r>
             <a:endParaRPr lang="en-US" dirty="0"/>
           </a:p>
@@ -16037,187 +16703,448 @@
       </p:sp>
       <p:sp>
         <p:nvSpPr>
-          <p:cNvPr id="3" name="Text Placeholder 2"/>
-          <p:cNvSpPr>
-            <a:spLocks noGrp="1"/>
-          </p:cNvSpPr>
-          <p:nvPr>
-            <p:ph type="body" sz="quarter" idx="11"/>
-          </p:nvPr>
-        </p:nvSpPr>
-        <p:spPr/>
+          <p:cNvPr id="4" name="Title 3"/>
+          <p:cNvSpPr>
+            <a:spLocks noGrp="1"/>
+          </p:cNvSpPr>
+          <p:nvPr>
+            <p:ph type="title"/>
+          </p:nvPr>
+        </p:nvSpPr>
+        <p:spPr>
+          <a:xfrm>
+            <a:off x="376446" y="5333434"/>
+            <a:ext cx="2604867" cy="307777"/>
+          </a:xfrm>
+        </p:spPr>
         <p:txBody>
           <a:bodyPr/>
           <a:lstStyle/>
           <a:p>
             <a:r>
               <a:rPr lang="en-US" dirty="0" smtClean="0"/>
-              <a:t>No support for joining data between documents in database.</a:t>
-            </a:r>
-          </a:p>
-          <a:p>
-            <a:endParaRPr lang="en-US" dirty="0" smtClean="0"/>
-          </a:p>
-          <a:p>
-            <a:r>
-              <a:rPr lang="en-US" dirty="0" smtClean="0"/>
-              <a:t>Joins can in many cases be avoided by embedding or </a:t>
-            </a:r>
-            <a:r>
-              <a:rPr lang="en-US" dirty="0" err="1" smtClean="0"/>
-              <a:t>denormalizing</a:t>
-            </a:r>
-            <a:r>
-              <a:rPr lang="en-US" dirty="0" smtClean="0"/>
-              <a:t> data.</a:t>
-            </a:r>
-          </a:p>
-          <a:p>
+              <a:t>NON-relational</a:t>
+            </a:r>
             <a:endParaRPr lang="en-US" dirty="0"/>
           </a:p>
-          <a:p>
-            <a:r>
-              <a:rPr lang="en-US" dirty="0" smtClean="0"/>
-              <a:t>Last resort is to join data in application code.</a:t>
-            </a:r>
-          </a:p>
-        </p:txBody>
-      </p:sp>
-      <p:sp>
-        <p:nvSpPr>
-          <p:cNvPr id="4" name="Text Placeholder 3"/>
-          <p:cNvSpPr>
-            <a:spLocks noGrp="1"/>
-          </p:cNvSpPr>
-          <p:nvPr>
-            <p:ph type="body" sz="quarter" idx="12"/>
-          </p:nvPr>
-        </p:nvSpPr>
-        <p:spPr/>
-        <p:txBody>
-          <a:bodyPr/>
+        </p:txBody>
+      </p:sp>
+      <p:sp>
+        <p:nvSpPr>
+          <p:cNvPr id="9" name="Rounded Rectangle 8"/>
+          <p:cNvSpPr/>
+          <p:nvPr/>
+        </p:nvSpPr>
+        <p:spPr>
+          <a:xfrm>
+            <a:off x="4271963" y="3454118"/>
+            <a:ext cx="4470400" cy="1674177"/>
+          </a:xfrm>
+          <a:prstGeom prst="roundRect">
+            <a:avLst/>
+          </a:prstGeom>
+          <a:ln/>
+        </p:spPr>
+        <p:style>
+          <a:lnRef idx="2">
+            <a:schemeClr val="accent6"/>
+          </a:lnRef>
+          <a:fillRef idx="1">
+            <a:schemeClr val="lt1"/>
+          </a:fillRef>
+          <a:effectRef idx="0">
+            <a:schemeClr val="accent6"/>
+          </a:effectRef>
+          <a:fontRef idx="minor">
+            <a:schemeClr val="dk1"/>
+          </a:fontRef>
+        </p:style>
+        <p:txBody>
+          <a:bodyPr rot="0" spcFirstLastPara="0" vertOverflow="overflow" horzOverflow="overflow" vert="horz" wrap="square" lIns="91440" tIns="45720" rIns="91440" bIns="45720" numCol="1" spcCol="0" rtlCol="0" fromWordArt="0" anchor="ctr" anchorCtr="0" forceAA="0" compatLnSpc="1">
+            <a:prstTxWarp prst="textNoShape">
+              <a:avLst/>
+            </a:prstTxWarp>
+            <a:noAutofit/>
+          </a:bodyPr>
           <a:lstStyle/>
           <a:p>
             <a:r>
-              <a:rPr lang="en-US" dirty="0" smtClean="0"/>
-              <a:t>No support for transactions. </a:t>
-            </a:r>
-          </a:p>
-          <a:p>
-            <a:endParaRPr lang="en-US" dirty="0"/>
-          </a:p>
-          <a:p>
-            <a:r>
-              <a:rPr lang="en-US" dirty="0" err="1" smtClean="0"/>
-              <a:t>Atomical</a:t>
-            </a:r>
-            <a:r>
-              <a:rPr lang="en-US" dirty="0" smtClean="0"/>
-              <a:t> write operations on a per-document level.</a:t>
-            </a:r>
-          </a:p>
-          <a:p>
-            <a:endParaRPr lang="en-US" dirty="0" smtClean="0"/>
-          </a:p>
-          <a:p>
-            <a:r>
-              <a:rPr lang="en-US" dirty="0" smtClean="0"/>
-              <a:t>Work around by embedding or application code.</a:t>
-            </a:r>
-            <a:endParaRPr lang="en-US" dirty="0"/>
-          </a:p>
-          <a:p>
-            <a:endParaRPr lang="en-US" dirty="0" smtClean="0"/>
-          </a:p>
-          <a:p>
-            <a:endParaRPr lang="en-US" dirty="0"/>
-          </a:p>
-        </p:txBody>
-      </p:sp>
-      <p:sp>
-        <p:nvSpPr>
-          <p:cNvPr id="5" name="Slide Number Placeholder 4"/>
-          <p:cNvSpPr>
-            <a:spLocks noGrp="1"/>
-          </p:cNvSpPr>
-          <p:nvPr>
-            <p:ph type="sldNum" sz="quarter" idx="4"/>
-          </p:nvPr>
-        </p:nvSpPr>
-        <p:spPr/>
-        <p:txBody>
-          <a:bodyPr/>
+              <a:rPr lang="en-US" sz="1400" dirty="0"/>
+              <a:t>{</a:t>
+            </a:r>
+          </a:p>
+          <a:p>
+            <a:r>
+              <a:rPr lang="en-US" sz="1400" dirty="0"/>
+              <a:t>	"_id" : 1358101,</a:t>
+            </a:r>
+          </a:p>
+          <a:p>
+            <a:r>
+              <a:rPr lang="en-US" sz="1400" dirty="0"/>
+              <a:t>	"title" : "</a:t>
+            </a:r>
+            <a:r>
+              <a:rPr lang="en-US" sz="1400" dirty="0" err="1"/>
+              <a:t>Viña</a:t>
+            </a:r>
+            <a:r>
+              <a:rPr lang="en-US" sz="1400" dirty="0"/>
+              <a:t> </a:t>
+            </a:r>
+            <a:r>
+              <a:rPr lang="en-US" sz="1400" dirty="0" err="1"/>
+              <a:t>Salceda</a:t>
+            </a:r>
+            <a:r>
+              <a:rPr lang="en-US" sz="1400" dirty="0"/>
+              <a:t> </a:t>
+            </a:r>
+            <a:r>
+              <a:rPr lang="en-US" sz="1400" dirty="0" err="1"/>
+              <a:t>Crianza</a:t>
+            </a:r>
+            <a:r>
+              <a:rPr lang="en-US" sz="1400" dirty="0"/>
+              <a:t> 2007",</a:t>
+            </a:r>
+          </a:p>
+          <a:p>
+            <a:r>
+              <a:rPr lang="en-US" sz="1400" dirty="0"/>
+              <a:t>	"</a:t>
+            </a:r>
+            <a:r>
+              <a:rPr lang="en-US" sz="1400" dirty="0" err="1"/>
+              <a:t>containerSize</a:t>
+            </a:r>
+            <a:r>
+              <a:rPr lang="en-US" sz="1400" dirty="0"/>
+              <a:t>" : "75 cl",</a:t>
+            </a:r>
+          </a:p>
+          <a:p>
+            <a:r>
+              <a:rPr lang="en-US" sz="1400" dirty="0"/>
+              <a:t>	"price" : </a:t>
+            </a:r>
+            <a:r>
+              <a:rPr lang="en-US" sz="1400" dirty="0" smtClean="0"/>
+              <a:t>169.9</a:t>
+            </a:r>
+          </a:p>
+          <a:p>
+            <a:r>
+              <a:rPr lang="en-US" sz="1400" dirty="0">
+                <a:solidFill>
+                  <a:schemeClr val="tx1"/>
+                </a:solidFill>
+              </a:rPr>
+              <a:t>}</a:t>
+            </a:r>
+            <a:endParaRPr lang="en-US" sz="1400" dirty="0" smtClean="0">
+              <a:solidFill>
+                <a:schemeClr val="tx1"/>
+              </a:solidFill>
+            </a:endParaRPr>
+          </a:p>
+        </p:txBody>
+      </p:sp>
+      <p:sp>
+        <p:nvSpPr>
+          <p:cNvPr id="11" name="TextBox 10"/>
+          <p:cNvSpPr txBox="1"/>
+          <p:nvPr/>
+        </p:nvSpPr>
+        <p:spPr>
+          <a:xfrm>
+            <a:off x="2143113" y="4113952"/>
+            <a:ext cx="1981200" cy="353943"/>
+          </a:xfrm>
+          <a:prstGeom prst="rect">
+            <a:avLst/>
+          </a:prstGeom>
+          <a:noFill/>
+        </p:spPr>
+        <p:txBody>
+          <a:bodyPr wrap="square" rtlCol="0">
+            <a:spAutoFit/>
+          </a:bodyPr>
           <a:lstStyle/>
           <a:p>
-            <a:fld id="{FF67BF5B-7344-D747-A0C2-CBD7B2ACBC85}" type="slidenum">
-              <a:rPr lang="en-US" smtClean="0"/>
-              <a:pPr/>
-              <a:t>8</a:t>
-            </a:fld>
-            <a:endParaRPr lang="en-US" dirty="0"/>
-          </a:p>
-        </p:txBody>
-      </p:sp>
-      <p:sp>
-        <p:nvSpPr>
-          <p:cNvPr id="6" name="Text Placeholder 5"/>
-          <p:cNvSpPr>
-            <a:spLocks noGrp="1"/>
-          </p:cNvSpPr>
-          <p:nvPr>
-            <p:ph type="body" sz="quarter" idx="13"/>
-          </p:nvPr>
-        </p:nvSpPr>
-        <p:spPr>
-          <a:xfrm>
-            <a:off x="331394" y="1272002"/>
-            <a:ext cx="953171" cy="276999"/>
-          </a:xfrm>
-        </p:spPr>
-        <p:txBody>
-          <a:bodyPr/>
+            <a:pPr>
+              <a:spcBef>
+                <a:spcPts val="600"/>
+              </a:spcBef>
+              <a:spcAft>
+                <a:spcPts val="400"/>
+              </a:spcAft>
+            </a:pPr>
+            <a:r>
+              <a:rPr lang="en-US" sz="1700" dirty="0" smtClean="0"/>
+              <a:t>PRODUCT -&gt;	</a:t>
+            </a:r>
+          </a:p>
+        </p:txBody>
+      </p:sp>
+      <p:sp>
+        <p:nvSpPr>
+          <p:cNvPr id="12" name="TextBox 11"/>
+          <p:cNvSpPr txBox="1"/>
+          <p:nvPr/>
+        </p:nvSpPr>
+        <p:spPr>
+          <a:xfrm>
+            <a:off x="3855403" y="1052723"/>
+            <a:ext cx="2194560" cy="353943"/>
+          </a:xfrm>
+          <a:prstGeom prst="rect">
+            <a:avLst/>
+          </a:prstGeom>
+          <a:noFill/>
+        </p:spPr>
+        <p:txBody>
+          <a:bodyPr wrap="square" rtlCol="0">
+            <a:spAutoFit/>
+          </a:bodyPr>
           <a:lstStyle/>
           <a:p>
-            <a:r>
-              <a:rPr lang="en-US" dirty="0" smtClean="0"/>
-              <a:t>÷ Joins</a:t>
-            </a:r>
-            <a:endParaRPr lang="en-US" dirty="0"/>
-          </a:p>
-        </p:txBody>
-      </p:sp>
-      <p:sp>
-        <p:nvSpPr>
-          <p:cNvPr id="7" name="Text Placeholder 6"/>
-          <p:cNvSpPr>
-            <a:spLocks noGrp="1"/>
-          </p:cNvSpPr>
-          <p:nvPr>
-            <p:ph type="body" sz="quarter" idx="14"/>
-          </p:nvPr>
-        </p:nvSpPr>
-        <p:spPr>
-          <a:xfrm>
-            <a:off x="4632714" y="1272002"/>
-            <a:ext cx="1724341" cy="276999"/>
-          </a:xfrm>
-        </p:spPr>
-        <p:txBody>
-          <a:bodyPr/>
+            <a:pPr>
+              <a:spcBef>
+                <a:spcPts val="600"/>
+              </a:spcBef>
+              <a:spcAft>
+                <a:spcPts val="400"/>
+              </a:spcAft>
+            </a:pPr>
+            <a:r>
+              <a:rPr lang="en-US" sz="1700" dirty="0" smtClean="0"/>
+              <a:t>&lt;- USER</a:t>
+            </a:r>
+          </a:p>
+        </p:txBody>
+      </p:sp>
+      <p:sp>
+        <p:nvSpPr>
+          <p:cNvPr id="10" name="Rounded Rectangle 9"/>
+          <p:cNvSpPr/>
+          <p:nvPr/>
+        </p:nvSpPr>
+        <p:spPr>
+          <a:xfrm>
+            <a:off x="413385" y="392323"/>
+            <a:ext cx="3021174" cy="1674177"/>
+          </a:xfrm>
+          <a:prstGeom prst="roundRect">
+            <a:avLst/>
+          </a:prstGeom>
+          <a:ln/>
+        </p:spPr>
+        <p:style>
+          <a:lnRef idx="2">
+            <a:schemeClr val="accent4"/>
+          </a:lnRef>
+          <a:fillRef idx="1">
+            <a:schemeClr val="lt1"/>
+          </a:fillRef>
+          <a:effectRef idx="0">
+            <a:schemeClr val="accent4"/>
+          </a:effectRef>
+          <a:fontRef idx="minor">
+            <a:schemeClr val="dk1"/>
+          </a:fontRef>
+        </p:style>
+        <p:txBody>
+          <a:bodyPr rot="0" spcFirstLastPara="0" vertOverflow="overflow" horzOverflow="overflow" vert="horz" wrap="square" lIns="91440" tIns="45720" rIns="91440" bIns="45720" numCol="1" spcCol="0" rtlCol="0" fromWordArt="0" anchor="ctr" anchorCtr="0" forceAA="0" compatLnSpc="1">
+            <a:prstTxWarp prst="textNoShape">
+              <a:avLst/>
+            </a:prstTxWarp>
+            <a:noAutofit/>
+          </a:bodyPr>
           <a:lstStyle/>
           <a:p>
-            <a:r>
-              <a:rPr lang="en-US" dirty="0" smtClean="0"/>
-              <a:t>÷ Transactions</a:t>
-            </a:r>
-            <a:endParaRPr lang="en-US" dirty="0"/>
+            <a:pPr>
+              <a:spcBef>
+                <a:spcPts val="600"/>
+              </a:spcBef>
+              <a:spcAft>
+                <a:spcPts val="400"/>
+              </a:spcAft>
+            </a:pPr>
+            <a:r>
+              <a:rPr lang="en-US" sz="1400" dirty="0" smtClean="0">
+                <a:solidFill>
+                  <a:schemeClr val="tx1"/>
+                </a:solidFill>
+              </a:rPr>
+              <a:t>{ </a:t>
+            </a:r>
+          </a:p>
+          <a:p>
+            <a:pPr lvl="1"/>
+            <a:r>
+              <a:rPr lang="en-US" sz="1400" dirty="0" smtClean="0"/>
+              <a:t>"</a:t>
+            </a:r>
+            <a:r>
+              <a:rPr lang="en-US" sz="1400" dirty="0"/>
+              <a:t>_id" : </a:t>
+            </a:r>
+            <a:r>
+              <a:rPr lang="en-US" sz="1400" dirty="0" smtClean="0"/>
+              <a:t>”</a:t>
+            </a:r>
+            <a:r>
+              <a:rPr lang="en-US" sz="1400" dirty="0" err="1" smtClean="0"/>
+              <a:t>athena.beer</a:t>
+            </a:r>
+            <a:r>
+              <a:rPr lang="en-US" sz="1400" dirty="0" smtClean="0"/>
+              <a:t>”,</a:t>
+            </a:r>
+          </a:p>
+          <a:p>
+            <a:pPr lvl="1"/>
+            <a:r>
+              <a:rPr lang="en-US" sz="1400" dirty="0" smtClean="0"/>
+              <a:t>"</a:t>
+            </a:r>
+            <a:r>
+              <a:rPr lang="en-US" sz="1400" dirty="0"/>
+              <a:t>name" : </a:t>
+            </a:r>
+            <a:r>
+              <a:rPr lang="en-US" sz="1400" dirty="0" smtClean="0"/>
+              <a:t>”Athena Beer",</a:t>
+            </a:r>
+          </a:p>
+          <a:p>
+            <a:pPr lvl="1"/>
+            <a:r>
+              <a:rPr lang="en-US" sz="1400" dirty="0" smtClean="0">
+                <a:solidFill>
+                  <a:schemeClr val="tx1"/>
+                </a:solidFill>
+              </a:rPr>
+              <a:t>“carts”: [{</a:t>
+            </a:r>
+          </a:p>
+          <a:p>
+            <a:pPr lvl="1"/>
+            <a:r>
+              <a:rPr lang="en-US" sz="1400" dirty="0">
+                <a:solidFill>
+                  <a:schemeClr val="tx1"/>
+                </a:solidFill>
+              </a:rPr>
+              <a:t>	</a:t>
+            </a:r>
+            <a:r>
+              <a:rPr lang="en-US" sz="1400" dirty="0" smtClean="0">
+                <a:solidFill>
+                  <a:schemeClr val="tx1"/>
+                </a:solidFill>
+              </a:rPr>
+              <a:t>products: [</a:t>
+            </a:r>
+            <a:r>
+              <a:rPr lang="en-US" sz="1400" dirty="0"/>
+              <a:t>1358101</a:t>
+            </a:r>
+            <a:r>
+              <a:rPr lang="en-US" sz="1400" dirty="0" smtClean="0">
+                <a:solidFill>
+                  <a:schemeClr val="tx1"/>
+                </a:solidFill>
+              </a:rPr>
+              <a:t>]</a:t>
+            </a:r>
+          </a:p>
+          <a:p>
+            <a:pPr lvl="1"/>
+            <a:r>
+              <a:rPr lang="en-US" sz="1400" dirty="0" smtClean="0">
+                <a:solidFill>
+                  <a:schemeClr val="tx1"/>
+                </a:solidFill>
+              </a:rPr>
+              <a:t>}]</a:t>
+            </a:r>
+          </a:p>
+          <a:p>
+            <a:r>
+              <a:rPr lang="en-US" sz="1400" dirty="0" smtClean="0">
+                <a:solidFill>
+                  <a:schemeClr val="tx1"/>
+                </a:solidFill>
+              </a:rPr>
+              <a:t>}</a:t>
+            </a:r>
+          </a:p>
+        </p:txBody>
+      </p:sp>
+      <p:sp>
+        <p:nvSpPr>
+          <p:cNvPr id="5" name="TextBox 4"/>
+          <p:cNvSpPr txBox="1"/>
+          <p:nvPr/>
+        </p:nvSpPr>
+        <p:spPr>
+          <a:xfrm>
+            <a:off x="1223994" y="2427516"/>
+            <a:ext cx="6095938" cy="600164"/>
+          </a:xfrm>
+          <a:prstGeom prst="rect">
+            <a:avLst/>
+          </a:prstGeom>
+          <a:noFill/>
+        </p:spPr>
+        <p:txBody>
+          <a:bodyPr wrap="square" rtlCol="0">
+            <a:spAutoFit/>
+          </a:bodyPr>
+          <a:lstStyle/>
+          <a:p>
+            <a:pPr>
+              <a:spcBef>
+                <a:spcPts val="600"/>
+              </a:spcBef>
+              <a:spcAft>
+                <a:spcPts val="400"/>
+              </a:spcAft>
+            </a:pPr>
+            <a:r>
+              <a:rPr lang="en-US" sz="1700" i="1" dirty="0" smtClean="0"/>
+              <a:t>The user Athena Beer refers to the product </a:t>
+            </a:r>
+            <a:r>
+              <a:rPr lang="en-US" sz="1600" i="1" dirty="0" err="1"/>
+              <a:t>Viña</a:t>
+            </a:r>
+            <a:r>
+              <a:rPr lang="en-US" sz="1600" i="1" dirty="0"/>
+              <a:t> </a:t>
+            </a:r>
+            <a:r>
+              <a:rPr lang="en-US" sz="1600" i="1" dirty="0" err="1"/>
+              <a:t>Salceda</a:t>
+            </a:r>
+            <a:r>
+              <a:rPr lang="en-US" sz="1600" i="1" dirty="0"/>
+              <a:t> </a:t>
+            </a:r>
+            <a:r>
+              <a:rPr lang="en-US" sz="1600" i="1" dirty="0" smtClean="0"/>
+              <a:t>in one of her carts. The database is however oblivious of that fact.</a:t>
+            </a:r>
+            <a:endParaRPr lang="en-US" sz="1700" i="1" dirty="0" smtClean="0"/>
           </a:p>
         </p:txBody>
       </p:sp>
     </p:spTree>
     <p:extLst>
       <p:ext uri="{BB962C8B-B14F-4D97-AF65-F5344CB8AC3E}">
-        <p14:creationId xmlns:p14="http://schemas.microsoft.com/office/powerpoint/2010/main" val="4253114601"/>
+        <p14:creationId xmlns:p14="http://schemas.microsoft.com/office/powerpoint/2010/main" val="2757889602"/>
       </p:ext>
     </p:extLst>
   </p:cSld>
@@ -16267,7 +17194,7 @@
         <p:spPr>
           <a:xfrm>
             <a:off x="321623" y="418905"/>
-            <a:ext cx="2252797" cy="307777"/>
+            <a:ext cx="3345579" cy="307777"/>
           </a:xfrm>
         </p:spPr>
         <p:txBody>
@@ -16276,7 +17203,7 @@
           <a:p>
             <a:r>
               <a:rPr lang="en-US" dirty="0" smtClean="0"/>
-              <a:t>Trade-Wins(?)</a:t>
+              <a:t>Origins - humongous</a:t>
             </a:r>
             <a:endParaRPr lang="en-US" dirty="0"/>
           </a:p>
@@ -16284,97 +17211,12 @@
       </p:sp>
       <p:sp>
         <p:nvSpPr>
-          <p:cNvPr id="3" name="Text Placeholder 2"/>
-          <p:cNvSpPr>
-            <a:spLocks noGrp="1"/>
-          </p:cNvSpPr>
-          <p:nvPr>
-            <p:ph type="body" sz="quarter" idx="11"/>
-          </p:nvPr>
-        </p:nvSpPr>
-        <p:spPr/>
-        <p:txBody>
-          <a:bodyPr/>
-          <a:lstStyle/>
-          <a:p>
-            <a:r>
-              <a:rPr lang="en-US" dirty="0" err="1" smtClean="0"/>
-              <a:t>MongoDB</a:t>
-            </a:r>
-            <a:r>
-              <a:rPr lang="en-US" dirty="0" smtClean="0"/>
-              <a:t> does not enforce any schema.</a:t>
-            </a:r>
-          </a:p>
-          <a:p>
-            <a:endParaRPr lang="en-US" dirty="0"/>
-          </a:p>
-          <a:p>
-            <a:r>
-              <a:rPr lang="en-US" dirty="0" smtClean="0"/>
-              <a:t>Easier to get started.</a:t>
-            </a:r>
-          </a:p>
-          <a:p>
-            <a:endParaRPr lang="en-US" dirty="0"/>
-          </a:p>
-          <a:p>
-            <a:r>
-              <a:rPr lang="en-US" dirty="0" smtClean="0"/>
-              <a:t>Gives a lot of freedom and responsibility to the developer.</a:t>
-            </a:r>
-            <a:endParaRPr lang="en-US" dirty="0"/>
-          </a:p>
-        </p:txBody>
-      </p:sp>
-      <p:sp>
-        <p:nvSpPr>
-          <p:cNvPr id="4" name="Text Placeholder 3"/>
-          <p:cNvSpPr>
-            <a:spLocks noGrp="1"/>
-          </p:cNvSpPr>
-          <p:nvPr>
-            <p:ph type="body" sz="quarter" idx="12"/>
-          </p:nvPr>
-        </p:nvSpPr>
-        <p:spPr/>
-        <p:txBody>
-          <a:bodyPr/>
-          <a:lstStyle/>
-          <a:p>
-            <a:r>
-              <a:rPr lang="en-US" dirty="0" smtClean="0"/>
-              <a:t>Design schema towards access pattern.</a:t>
-            </a:r>
-          </a:p>
-          <a:p>
-            <a:endParaRPr lang="en-US" dirty="0"/>
-          </a:p>
-          <a:p>
-            <a:r>
-              <a:rPr lang="en-US" dirty="0" smtClean="0"/>
-              <a:t>Embed data that belong together. Fetch all data you need in one simple query. No need for joins.</a:t>
-            </a:r>
-          </a:p>
-          <a:p>
-            <a:endParaRPr lang="en-US" dirty="0"/>
-          </a:p>
-          <a:p>
-            <a:r>
-              <a:rPr lang="en-US" dirty="0" smtClean="0"/>
-              <a:t>No difference between application model and database model means less code.</a:t>
-            </a:r>
-          </a:p>
-        </p:txBody>
-      </p:sp>
-      <p:sp>
-        <p:nvSpPr>
-          <p:cNvPr id="5" name="Slide Number Placeholder 4"/>
-          <p:cNvSpPr>
-            <a:spLocks noGrp="1"/>
-          </p:cNvSpPr>
-          <p:nvPr>
-            <p:ph type="sldNum" sz="quarter" idx="4"/>
+          <p:cNvPr id="3" name="Slide Number Placeholder 2"/>
+          <p:cNvSpPr>
+            <a:spLocks noGrp="1"/>
+          </p:cNvSpPr>
+          <p:nvPr>
+            <p:ph type="sldNum" sz="quarter" idx="10"/>
           </p:nvPr>
         </p:nvSpPr>
         <p:spPr/>
@@ -16393,64 +17235,417 @@
       </p:sp>
       <p:sp>
         <p:nvSpPr>
-          <p:cNvPr id="6" name="Text Placeholder 5"/>
-          <p:cNvSpPr>
-            <a:spLocks noGrp="1"/>
-          </p:cNvSpPr>
-          <p:nvPr>
-            <p:ph type="body" sz="quarter" idx="13"/>
-          </p:nvPr>
-        </p:nvSpPr>
-        <p:spPr>
-          <a:xfrm>
-            <a:off x="331394" y="1272002"/>
-            <a:ext cx="1378430" cy="276999"/>
-          </a:xfrm>
-        </p:spPr>
+          <p:cNvPr id="4" name="Text Placeholder 3"/>
+          <p:cNvSpPr>
+            <a:spLocks noGrp="1"/>
+          </p:cNvSpPr>
+          <p:nvPr>
+            <p:ph type="body" sz="quarter" idx="11"/>
+          </p:nvPr>
+        </p:nvSpPr>
+        <p:spPr/>
         <p:txBody>
           <a:bodyPr/>
           <a:lstStyle/>
           <a:p>
-            <a:r>
-              <a:rPr lang="en-US" dirty="0" err="1" smtClean="0"/>
-              <a:t>Schemaless</a:t>
-            </a:r>
             <a:endParaRPr lang="en-US" dirty="0"/>
           </a:p>
         </p:txBody>
       </p:sp>
-      <p:sp>
-        <p:nvSpPr>
-          <p:cNvPr id="7" name="Text Placeholder 6"/>
-          <p:cNvSpPr>
-            <a:spLocks noGrp="1"/>
-          </p:cNvSpPr>
-          <p:nvPr>
-            <p:ph type="body" sz="quarter" idx="14"/>
-          </p:nvPr>
-        </p:nvSpPr>
-        <p:spPr>
-          <a:xfrm>
-            <a:off x="4632714" y="1272002"/>
-            <a:ext cx="2907920" cy="276999"/>
-          </a:xfrm>
-        </p:spPr>
-        <p:txBody>
-          <a:bodyPr/>
+      <p:cxnSp>
+        <p:nvCxnSpPr>
+          <p:cNvPr id="11" name="Straight Arrow Connector 10"/>
+          <p:cNvCxnSpPr/>
+          <p:nvPr/>
+        </p:nvCxnSpPr>
+        <p:spPr>
+          <a:xfrm flipV="1">
+            <a:off x="477520" y="1737360"/>
+            <a:ext cx="0" cy="4744720"/>
+          </a:xfrm>
+          <a:prstGeom prst="straightConnector1">
+            <a:avLst/>
+          </a:prstGeom>
+          <a:ln w="6350" cmpd="sng">
+            <a:solidFill>
+              <a:schemeClr val="tx1"/>
+            </a:solidFill>
+            <a:tailEnd type="arrow"/>
+          </a:ln>
+          <a:effectLst/>
+        </p:spPr>
+        <p:style>
+          <a:lnRef idx="2">
+            <a:schemeClr val="accent1"/>
+          </a:lnRef>
+          <a:fillRef idx="0">
+            <a:schemeClr val="accent1"/>
+          </a:fillRef>
+          <a:effectRef idx="1">
+            <a:schemeClr val="accent1"/>
+          </a:effectRef>
+          <a:fontRef idx="minor">
+            <a:schemeClr val="tx1"/>
+          </a:fontRef>
+        </p:style>
+      </p:cxnSp>
+      <p:cxnSp>
+        <p:nvCxnSpPr>
+          <p:cNvPr id="13" name="Straight Arrow Connector 12"/>
+          <p:cNvCxnSpPr/>
+          <p:nvPr/>
+        </p:nvCxnSpPr>
+        <p:spPr>
+          <a:xfrm>
+            <a:off x="477520" y="6482080"/>
+            <a:ext cx="7406640" cy="0"/>
+          </a:xfrm>
+          <a:prstGeom prst="straightConnector1">
+            <a:avLst/>
+          </a:prstGeom>
+          <a:ln w="6350" cmpd="sng">
+            <a:solidFill>
+              <a:srgbClr val="000000"/>
+            </a:solidFill>
+            <a:tailEnd type="arrow"/>
+          </a:ln>
+          <a:effectLst/>
+        </p:spPr>
+        <p:style>
+          <a:lnRef idx="2">
+            <a:schemeClr val="accent1"/>
+          </a:lnRef>
+          <a:fillRef idx="0">
+            <a:schemeClr val="accent1"/>
+          </a:fillRef>
+          <a:effectRef idx="1">
+            <a:schemeClr val="accent1"/>
+          </a:effectRef>
+          <a:fontRef idx="minor">
+            <a:schemeClr val="tx1"/>
+          </a:fontRef>
+        </p:style>
+      </p:cxnSp>
+      <p:sp>
+        <p:nvSpPr>
+          <p:cNvPr id="14" name="TextBox 13"/>
+          <p:cNvSpPr txBox="1"/>
+          <p:nvPr/>
+        </p:nvSpPr>
+        <p:spPr>
+          <a:xfrm>
+            <a:off x="330129" y="1383417"/>
+            <a:ext cx="1270000" cy="353943"/>
+          </a:xfrm>
+          <a:prstGeom prst="rect">
+            <a:avLst/>
+          </a:prstGeom>
+          <a:noFill/>
+        </p:spPr>
+        <p:txBody>
+          <a:bodyPr wrap="square" rtlCol="0">
+            <a:spAutoFit/>
+          </a:bodyPr>
           <a:lstStyle/>
           <a:p>
-            <a:r>
-              <a:rPr lang="en-US" dirty="0" smtClean="0"/>
-              <a:t>Bias toward access pattern</a:t>
-            </a:r>
-            <a:endParaRPr lang="en-US" dirty="0"/>
+            <a:pPr>
+              <a:spcBef>
+                <a:spcPts val="600"/>
+              </a:spcBef>
+              <a:spcAft>
+                <a:spcPts val="400"/>
+              </a:spcAft>
+            </a:pPr>
+            <a:r>
+              <a:rPr lang="en-US" sz="1700" dirty="0" smtClean="0">
+                <a:solidFill>
+                  <a:schemeClr val="accent4"/>
+                </a:solidFill>
+              </a:rPr>
+              <a:t>Scalability</a:t>
+            </a:r>
+          </a:p>
+        </p:txBody>
+      </p:sp>
+      <p:sp>
+        <p:nvSpPr>
+          <p:cNvPr id="15" name="TextBox 14"/>
+          <p:cNvSpPr txBox="1"/>
+          <p:nvPr/>
+        </p:nvSpPr>
+        <p:spPr>
+          <a:xfrm>
+            <a:off x="7013546" y="5963920"/>
+            <a:ext cx="1741227" cy="353943"/>
+          </a:xfrm>
+          <a:prstGeom prst="rect">
+            <a:avLst/>
+          </a:prstGeom>
+          <a:noFill/>
+        </p:spPr>
+        <p:txBody>
+          <a:bodyPr wrap="square" rtlCol="0">
+            <a:spAutoFit/>
+          </a:bodyPr>
+          <a:lstStyle/>
+          <a:p>
+            <a:pPr>
+              <a:spcBef>
+                <a:spcPts val="600"/>
+              </a:spcBef>
+              <a:spcAft>
+                <a:spcPts val="400"/>
+              </a:spcAft>
+            </a:pPr>
+            <a:r>
+              <a:rPr lang="en-US" sz="1700" dirty="0" smtClean="0">
+                <a:solidFill>
+                  <a:srgbClr val="FD5158"/>
+                </a:solidFill>
+              </a:rPr>
+              <a:t>Functionality</a:t>
+            </a:r>
+          </a:p>
+        </p:txBody>
+      </p:sp>
+      <p:sp>
+        <p:nvSpPr>
+          <p:cNvPr id="16" name="Oval 15"/>
+          <p:cNvSpPr/>
+          <p:nvPr/>
+        </p:nvSpPr>
+        <p:spPr>
+          <a:xfrm>
+            <a:off x="5384800" y="4348480"/>
+            <a:ext cx="1788160" cy="1818640"/>
+          </a:xfrm>
+          <a:prstGeom prst="ellipse">
+            <a:avLst/>
+          </a:prstGeom>
+          <a:solidFill>
+            <a:schemeClr val="accent1"/>
+          </a:solidFill>
+          <a:ln>
+            <a:noFill/>
+          </a:ln>
+          <a:effectLst/>
+        </p:spPr>
+        <p:style>
+          <a:lnRef idx="1">
+            <a:schemeClr val="accent1"/>
+          </a:lnRef>
+          <a:fillRef idx="3">
+            <a:schemeClr val="accent1"/>
+          </a:fillRef>
+          <a:effectRef idx="2">
+            <a:schemeClr val="accent1"/>
+          </a:effectRef>
+          <a:fontRef idx="minor">
+            <a:schemeClr val="lt1"/>
+          </a:fontRef>
+        </p:style>
+        <p:txBody>
+          <a:bodyPr rot="0" spcFirstLastPara="0" vertOverflow="overflow" horzOverflow="overflow" vert="horz" wrap="square" lIns="91440" tIns="45720" rIns="91440" bIns="45720" numCol="1" spcCol="0" rtlCol="0" fromWordArt="0" anchor="ctr" anchorCtr="0" forceAA="0" compatLnSpc="1">
+            <a:prstTxWarp prst="textNoShape">
+              <a:avLst/>
+            </a:prstTxWarp>
+            <a:noAutofit/>
+          </a:bodyPr>
+          <a:lstStyle/>
+          <a:p>
+            <a:pPr algn="ctr">
+              <a:spcBef>
+                <a:spcPts val="600"/>
+              </a:spcBef>
+              <a:spcAft>
+                <a:spcPts val="400"/>
+              </a:spcAft>
+            </a:pPr>
+            <a:r>
+              <a:rPr lang="en-US" sz="1400" dirty="0" smtClean="0">
+                <a:solidFill>
+                  <a:schemeClr val="tx1"/>
+                </a:solidFill>
+              </a:rPr>
+              <a:t>Relational databases</a:t>
+            </a:r>
+          </a:p>
+          <a:p>
+            <a:pPr algn="ctr">
+              <a:spcBef>
+                <a:spcPts val="600"/>
+              </a:spcBef>
+              <a:spcAft>
+                <a:spcPts val="400"/>
+              </a:spcAft>
+            </a:pPr>
+            <a:r>
+              <a:rPr lang="en-US" sz="1400" dirty="0" smtClean="0">
+                <a:solidFill>
+                  <a:schemeClr val="tx1"/>
+                </a:solidFill>
+              </a:rPr>
+              <a:t>(</a:t>
+            </a:r>
+            <a:r>
+              <a:rPr lang="en-US" sz="1400" dirty="0" err="1" smtClean="0">
+                <a:solidFill>
+                  <a:schemeClr val="tx1"/>
+                </a:solidFill>
+              </a:rPr>
+              <a:t>Postgres</a:t>
+            </a:r>
+            <a:r>
+              <a:rPr lang="en-US" sz="1400" dirty="0" smtClean="0">
+                <a:solidFill>
+                  <a:schemeClr val="tx1"/>
+                </a:solidFill>
+              </a:rPr>
+              <a:t>, MySQL, …)</a:t>
+            </a:r>
+          </a:p>
+        </p:txBody>
+      </p:sp>
+      <p:sp>
+        <p:nvSpPr>
+          <p:cNvPr id="17" name="Oval 16"/>
+          <p:cNvSpPr/>
+          <p:nvPr/>
+        </p:nvSpPr>
+        <p:spPr>
+          <a:xfrm>
+            <a:off x="706049" y="1737360"/>
+            <a:ext cx="1788160" cy="1818640"/>
+          </a:xfrm>
+          <a:prstGeom prst="ellipse">
+            <a:avLst/>
+          </a:prstGeom>
+          <a:solidFill>
+            <a:schemeClr val="accent1"/>
+          </a:solidFill>
+          <a:ln>
+            <a:noFill/>
+          </a:ln>
+          <a:effectLst/>
+        </p:spPr>
+        <p:style>
+          <a:lnRef idx="1">
+            <a:schemeClr val="accent1"/>
+          </a:lnRef>
+          <a:fillRef idx="3">
+            <a:schemeClr val="accent1"/>
+          </a:fillRef>
+          <a:effectRef idx="2">
+            <a:schemeClr val="accent1"/>
+          </a:effectRef>
+          <a:fontRef idx="minor">
+            <a:schemeClr val="lt1"/>
+          </a:fontRef>
+        </p:style>
+        <p:txBody>
+          <a:bodyPr rot="0" spcFirstLastPara="0" vertOverflow="overflow" horzOverflow="overflow" vert="horz" wrap="square" lIns="91440" tIns="45720" rIns="91440" bIns="45720" numCol="1" spcCol="0" rtlCol="0" fromWordArt="0" anchor="ctr" anchorCtr="0" forceAA="0" compatLnSpc="1">
+            <a:prstTxWarp prst="textNoShape">
+              <a:avLst/>
+            </a:prstTxWarp>
+            <a:noAutofit/>
+          </a:bodyPr>
+          <a:lstStyle/>
+          <a:p>
+            <a:pPr algn="ctr">
+              <a:spcBef>
+                <a:spcPts val="600"/>
+              </a:spcBef>
+              <a:spcAft>
+                <a:spcPts val="400"/>
+              </a:spcAft>
+            </a:pPr>
+            <a:r>
+              <a:rPr lang="en-US" sz="1400" dirty="0" smtClean="0">
+                <a:solidFill>
+                  <a:schemeClr val="tx1"/>
+                </a:solidFill>
+              </a:rPr>
+              <a:t>Key-Value</a:t>
+            </a:r>
+          </a:p>
+          <a:p>
+            <a:pPr algn="ctr">
+              <a:spcBef>
+                <a:spcPts val="600"/>
+              </a:spcBef>
+              <a:spcAft>
+                <a:spcPts val="400"/>
+              </a:spcAft>
+            </a:pPr>
+            <a:r>
+              <a:rPr lang="en-US" sz="1400" dirty="0" smtClean="0">
+                <a:solidFill>
+                  <a:schemeClr val="tx1"/>
+                </a:solidFill>
+              </a:rPr>
+              <a:t>(</a:t>
+            </a:r>
+            <a:r>
+              <a:rPr lang="en-US" sz="1400" dirty="0" err="1" smtClean="0">
+                <a:solidFill>
+                  <a:schemeClr val="tx1"/>
+                </a:solidFill>
+              </a:rPr>
+              <a:t>Memcached</a:t>
+            </a:r>
+            <a:r>
+              <a:rPr lang="en-US" sz="1400" dirty="0" smtClean="0">
+                <a:solidFill>
+                  <a:schemeClr val="tx1"/>
+                </a:solidFill>
+              </a:rPr>
+              <a:t>, …)</a:t>
+            </a:r>
+          </a:p>
+        </p:txBody>
+      </p:sp>
+      <p:sp>
+        <p:nvSpPr>
+          <p:cNvPr id="18" name="TextBox 17"/>
+          <p:cNvSpPr txBox="1"/>
+          <p:nvPr/>
+        </p:nvSpPr>
+        <p:spPr>
+          <a:xfrm>
+            <a:off x="4663440" y="2626602"/>
+            <a:ext cx="1442720" cy="353943"/>
+          </a:xfrm>
+          <a:prstGeom prst="rect">
+            <a:avLst/>
+          </a:prstGeom>
+          <a:noFill/>
+        </p:spPr>
+        <p:txBody>
+          <a:bodyPr wrap="square" rtlCol="0">
+            <a:spAutoFit/>
+          </a:bodyPr>
+          <a:lstStyle/>
+          <a:p>
+            <a:pPr>
+              <a:spcBef>
+                <a:spcPts val="600"/>
+              </a:spcBef>
+              <a:spcAft>
+                <a:spcPts val="400"/>
+              </a:spcAft>
+            </a:pPr>
+            <a:r>
+              <a:rPr lang="en-US" sz="1700" dirty="0" err="1" smtClean="0"/>
+              <a:t>MongoDB</a:t>
+            </a:r>
+            <a:endParaRPr lang="en-US" sz="1700" dirty="0" smtClean="0"/>
           </a:p>
         </p:txBody>
       </p:sp>
     </p:spTree>
     <p:extLst>
       <p:ext uri="{BB962C8B-B14F-4D97-AF65-F5344CB8AC3E}">
-        <p14:creationId xmlns:p14="http://schemas.microsoft.com/office/powerpoint/2010/main" val="3697191711"/>
+        <p14:creationId xmlns:p14="http://schemas.microsoft.com/office/powerpoint/2010/main" val="3379566222"/>
       </p:ext>
     </p:extLst>
   </p:cSld>
@@ -16460,6 +17655,13 @@
   <p:transition xmlns:p14="http://schemas.microsoft.com/office/powerpoint/2010/main">
     <p:fade thruBlk="1"/>
   </p:transition>
+  <p:timing>
+    <p:tnLst>
+      <p:par>
+        <p:cTn xmlns:p14="http://schemas.microsoft.com/office/powerpoint/2010/main" id="1" dur="indefinite" restart="never" nodeType="tmRoot"/>
+      </p:par>
+    </p:tnLst>
+  </p:timing>
 </p:sld>
 </file>
 

--- a/mongodb/mongodb-slides.pptx
+++ b/mongodb/mongodb-slides.pptx
@@ -5,10 +5,10 @@
     <p:sldMasterId id="2147483648" r:id="rId1"/>
   </p:sldMasterIdLst>
   <p:notesMasterIdLst>
-    <p:notesMasterId r:id="rId25"/>
+    <p:notesMasterId r:id="rId27"/>
   </p:notesMasterIdLst>
   <p:handoutMasterIdLst>
-    <p:handoutMasterId r:id="rId26"/>
+    <p:handoutMasterId r:id="rId28"/>
   </p:handoutMasterIdLst>
   <p:sldIdLst>
     <p:sldId id="256" r:id="rId2"/>
@@ -34,6 +34,8 @@
     <p:sldId id="277" r:id="rId22"/>
     <p:sldId id="278" r:id="rId23"/>
     <p:sldId id="279" r:id="rId24"/>
+    <p:sldId id="282" r:id="rId25"/>
+    <p:sldId id="283" r:id="rId26"/>
   </p:sldIdLst>
   <p:sldSz cx="9144000" cy="6858000" type="screen4x3"/>
   <p:notesSz cx="6858000" cy="9144000"/>
@@ -14770,6 +14772,457 @@
     <p:extLst>
       <p:ext uri="{BB962C8B-B14F-4D97-AF65-F5344CB8AC3E}">
         <p14:creationId xmlns:p14="http://schemas.microsoft.com/office/powerpoint/2010/main" val="948633024"/>
+      </p:ext>
+    </p:extLst>
+  </p:cSld>
+  <p:clrMapOvr>
+    <a:masterClrMapping/>
+  </p:clrMapOvr>
+  <p:transition xmlns:p14="http://schemas.microsoft.com/office/powerpoint/2010/main">
+    <p:fade thruBlk="1"/>
+  </p:transition>
+</p:sld>
+</file>
+
+<file path=ppt/slides/slide24.xml><?xml version="1.0" encoding="utf-8"?>
+<p:sld xmlns:a="http://schemas.openxmlformats.org/drawingml/2006/main" xmlns:r="http://schemas.openxmlformats.org/officeDocument/2006/relationships" xmlns:p="http://schemas.openxmlformats.org/presentationml/2006/main">
+  <p:cSld>
+    <p:spTree>
+      <p:nvGrpSpPr>
+        <p:cNvPr id="1" name=""/>
+        <p:cNvGrpSpPr/>
+        <p:nvPr/>
+      </p:nvGrpSpPr>
+      <p:grpSpPr>
+        <a:xfrm>
+          <a:off x="0" y="0"/>
+          <a:ext cx="0" cy="0"/>
+          <a:chOff x="0" y="0"/>
+          <a:chExt cx="0" cy="0"/>
+        </a:xfrm>
+      </p:grpSpPr>
+      <p:sp>
+        <p:nvSpPr>
+          <p:cNvPr id="2" name="Title 1"/>
+          <p:cNvSpPr>
+            <a:spLocks noGrp="1"/>
+          </p:cNvSpPr>
+          <p:nvPr>
+            <p:ph type="title"/>
+          </p:nvPr>
+        </p:nvSpPr>
+        <p:spPr>
+          <a:xfrm>
+            <a:off x="321623" y="418905"/>
+            <a:ext cx="2914692" cy="307777"/>
+          </a:xfrm>
+        </p:spPr>
+        <p:txBody>
+          <a:bodyPr/>
+          <a:lstStyle/>
+          <a:p>
+            <a:r>
+              <a:rPr lang="en-US" dirty="0" smtClean="0"/>
+              <a:t>LANGUAGE DRIVERS</a:t>
+            </a:r>
+            <a:endParaRPr lang="en-US" dirty="0"/>
+          </a:p>
+        </p:txBody>
+      </p:sp>
+      <p:sp>
+        <p:nvSpPr>
+          <p:cNvPr id="3" name="Slide Number Placeholder 2"/>
+          <p:cNvSpPr>
+            <a:spLocks noGrp="1"/>
+          </p:cNvSpPr>
+          <p:nvPr>
+            <p:ph type="sldNum" sz="quarter" idx="10"/>
+          </p:nvPr>
+        </p:nvSpPr>
+        <p:spPr/>
+        <p:txBody>
+          <a:bodyPr/>
+          <a:lstStyle/>
+          <a:p>
+            <a:fld id="{FF67BF5B-7344-D747-A0C2-CBD7B2ACBC85}" type="slidenum">
+              <a:rPr lang="en-US" smtClean="0"/>
+              <a:pPr/>
+              <a:t>24</a:t>
+            </a:fld>
+            <a:endParaRPr lang="en-US" dirty="0"/>
+          </a:p>
+        </p:txBody>
+      </p:sp>
+      <p:sp>
+        <p:nvSpPr>
+          <p:cNvPr id="4" name="Text Placeholder 3"/>
+          <p:cNvSpPr>
+            <a:spLocks noGrp="1"/>
+          </p:cNvSpPr>
+          <p:nvPr>
+            <p:ph type="body" sz="quarter" idx="11"/>
+          </p:nvPr>
+        </p:nvSpPr>
+        <p:spPr/>
+        <p:txBody>
+          <a:bodyPr/>
+          <a:lstStyle/>
+          <a:p>
+            <a:r>
+              <a:rPr lang="en-US" dirty="0" smtClean="0"/>
+              <a:t>Available and well supported in most languages.</a:t>
+            </a:r>
+          </a:p>
+          <a:p>
+            <a:endParaRPr lang="en-US" dirty="0"/>
+          </a:p>
+          <a:p>
+            <a:r>
+              <a:rPr lang="en-US" dirty="0" smtClean="0"/>
+              <a:t>Overview of </a:t>
+            </a:r>
+            <a:r>
+              <a:rPr lang="en-US" dirty="0"/>
+              <a:t>supported drivers: </a:t>
+            </a:r>
+            <a:r>
+              <a:rPr lang="en-US" dirty="0">
+                <a:hlinkClick r:id="rId2"/>
+              </a:rPr>
+              <a:t>http://docs.mongodb.org/ecosystem/drivers</a:t>
+            </a:r>
+            <a:r>
+              <a:rPr lang="en-US" dirty="0" smtClean="0">
+                <a:hlinkClick r:id="rId2"/>
+              </a:rPr>
+              <a:t>/</a:t>
+            </a:r>
+            <a:endParaRPr lang="en-US" dirty="0" smtClean="0"/>
+          </a:p>
+          <a:p>
+            <a:endParaRPr lang="en-US" dirty="0"/>
+          </a:p>
+          <a:p>
+            <a:r>
+              <a:rPr lang="en-US" dirty="0" smtClean="0"/>
+              <a:t>Separate free online courses for Java, </a:t>
+            </a:r>
+            <a:r>
+              <a:rPr lang="en-US" dirty="0" err="1" smtClean="0"/>
+              <a:t>Node.js</a:t>
+            </a:r>
+            <a:r>
+              <a:rPr lang="en-US" dirty="0" smtClean="0"/>
+              <a:t>, .NET and </a:t>
+            </a:r>
+            <a:r>
+              <a:rPr lang="en-US" dirty="0"/>
+              <a:t>Python developers </a:t>
+            </a:r>
+            <a:r>
+              <a:rPr lang="en-US" dirty="0" smtClean="0"/>
+              <a:t>available at </a:t>
+            </a:r>
+            <a:r>
+              <a:rPr lang="en-US" dirty="0" smtClean="0">
+                <a:hlinkClick r:id="rId3"/>
+              </a:rPr>
+              <a:t>https</a:t>
+            </a:r>
+            <a:r>
+              <a:rPr lang="en-US" dirty="0">
+                <a:hlinkClick r:id="rId3"/>
+              </a:rPr>
+              <a:t>://university.mongodb.com</a:t>
+            </a:r>
+            <a:r>
+              <a:rPr lang="en-US" dirty="0" smtClean="0">
+                <a:hlinkClick r:id="rId3"/>
+              </a:rPr>
+              <a:t>/</a:t>
+            </a:r>
+            <a:endParaRPr lang="en-US" dirty="0" smtClean="0"/>
+          </a:p>
+          <a:p>
+            <a:endParaRPr lang="en-US" dirty="0" smtClean="0"/>
+          </a:p>
+          <a:p>
+            <a:r>
+              <a:rPr lang="en-US" dirty="0" smtClean="0"/>
+              <a:t>Most of the videos they use in the </a:t>
+            </a:r>
+            <a:r>
+              <a:rPr lang="en-US" dirty="0"/>
+              <a:t>courses are here </a:t>
+            </a:r>
+            <a:r>
+              <a:rPr lang="en-US" dirty="0">
+                <a:hlinkClick r:id="rId4"/>
+              </a:rPr>
+              <a:t>https://www.youtube.com/channel/UCO6fpQsiBhglTVGsjC1on7A/</a:t>
+            </a:r>
+            <a:r>
+              <a:rPr lang="en-US" dirty="0" smtClean="0">
+                <a:hlinkClick r:id="rId4"/>
+              </a:rPr>
+              <a:t>playlists</a:t>
+            </a:r>
+            <a:endParaRPr lang="en-US" dirty="0" smtClean="0"/>
+          </a:p>
+          <a:p>
+            <a:endParaRPr lang="en-US" dirty="0"/>
+          </a:p>
+        </p:txBody>
+      </p:sp>
+    </p:spTree>
+    <p:extLst>
+      <p:ext uri="{BB962C8B-B14F-4D97-AF65-F5344CB8AC3E}">
+        <p14:creationId xmlns:p14="http://schemas.microsoft.com/office/powerpoint/2010/main" val="1579256501"/>
+      </p:ext>
+    </p:extLst>
+  </p:cSld>
+  <p:clrMapOvr>
+    <a:masterClrMapping/>
+  </p:clrMapOvr>
+  <p:transition xmlns:p14="http://schemas.microsoft.com/office/powerpoint/2010/main">
+    <p:fade thruBlk="1"/>
+  </p:transition>
+</p:sld>
+</file>
+
+<file path=ppt/slides/slide25.xml><?xml version="1.0" encoding="utf-8"?>
+<p:sld xmlns:a="http://schemas.openxmlformats.org/drawingml/2006/main" xmlns:r="http://schemas.openxmlformats.org/officeDocument/2006/relationships" xmlns:p="http://schemas.openxmlformats.org/presentationml/2006/main">
+  <p:cSld>
+    <p:spTree>
+      <p:nvGrpSpPr>
+        <p:cNvPr id="1" name=""/>
+        <p:cNvGrpSpPr/>
+        <p:nvPr/>
+      </p:nvGrpSpPr>
+      <p:grpSpPr>
+        <a:xfrm>
+          <a:off x="0" y="0"/>
+          <a:ext cx="0" cy="0"/>
+          <a:chOff x="0" y="0"/>
+          <a:chExt cx="0" cy="0"/>
+        </a:xfrm>
+      </p:grpSpPr>
+      <p:sp>
+        <p:nvSpPr>
+          <p:cNvPr id="2" name="Title 1"/>
+          <p:cNvSpPr>
+            <a:spLocks noGrp="1"/>
+          </p:cNvSpPr>
+          <p:nvPr>
+            <p:ph type="title"/>
+          </p:nvPr>
+        </p:nvSpPr>
+        <p:spPr>
+          <a:xfrm>
+            <a:off x="321623" y="418905"/>
+            <a:ext cx="1800185" cy="307777"/>
+          </a:xfrm>
+        </p:spPr>
+        <p:txBody>
+          <a:bodyPr/>
+          <a:lstStyle/>
+          <a:p>
+            <a:r>
+              <a:rPr lang="en-US" dirty="0" smtClean="0"/>
+              <a:t>Resources</a:t>
+            </a:r>
+            <a:endParaRPr lang="en-US" dirty="0"/>
+          </a:p>
+        </p:txBody>
+      </p:sp>
+      <p:sp>
+        <p:nvSpPr>
+          <p:cNvPr id="3" name="Slide Number Placeholder 2"/>
+          <p:cNvSpPr>
+            <a:spLocks noGrp="1"/>
+          </p:cNvSpPr>
+          <p:nvPr>
+            <p:ph type="sldNum" sz="quarter" idx="10"/>
+          </p:nvPr>
+        </p:nvSpPr>
+        <p:spPr/>
+        <p:txBody>
+          <a:bodyPr/>
+          <a:lstStyle/>
+          <a:p>
+            <a:fld id="{FF67BF5B-7344-D747-A0C2-CBD7B2ACBC85}" type="slidenum">
+              <a:rPr lang="en-US" smtClean="0"/>
+              <a:pPr/>
+              <a:t>25</a:t>
+            </a:fld>
+            <a:endParaRPr lang="en-US" dirty="0"/>
+          </a:p>
+        </p:txBody>
+      </p:sp>
+      <p:sp>
+        <p:nvSpPr>
+          <p:cNvPr id="4" name="Text Placeholder 3"/>
+          <p:cNvSpPr>
+            <a:spLocks noGrp="1"/>
+          </p:cNvSpPr>
+          <p:nvPr>
+            <p:ph type="body" sz="quarter" idx="11"/>
+          </p:nvPr>
+        </p:nvSpPr>
+        <p:spPr>
+          <a:xfrm>
+            <a:off x="321623" y="1262063"/>
+            <a:ext cx="8487218" cy="5399087"/>
+          </a:xfrm>
+        </p:spPr>
+        <p:txBody>
+          <a:bodyPr/>
+          <a:lstStyle/>
+          <a:p>
+            <a:r>
+              <a:rPr lang="en-US" dirty="0"/>
+              <a:t>Course repository - </a:t>
+            </a:r>
+            <a:r>
+              <a:rPr lang="en-US" dirty="0">
+                <a:hlinkClick r:id="rId2"/>
+              </a:rPr>
+              <a:t>https://github.com/bekkopen/databasekurs/tree/master/</a:t>
+            </a:r>
+            <a:r>
+              <a:rPr lang="en-US" dirty="0" smtClean="0">
+                <a:hlinkClick r:id="rId2"/>
+              </a:rPr>
+              <a:t>mongodb</a:t>
+            </a:r>
+            <a:endParaRPr lang="en-US" dirty="0" smtClean="0"/>
+          </a:p>
+          <a:p>
+            <a:endParaRPr lang="en-US" dirty="0"/>
+          </a:p>
+          <a:p>
+            <a:r>
+              <a:rPr lang="en-US" dirty="0" err="1" smtClean="0"/>
+              <a:t>MongoDB</a:t>
+            </a:r>
+            <a:r>
+              <a:rPr lang="en-US" dirty="0" smtClean="0"/>
+              <a:t> </a:t>
+            </a:r>
+            <a:r>
+              <a:rPr lang="en-US" dirty="0"/>
+              <a:t>- </a:t>
+            </a:r>
+            <a:r>
+              <a:rPr lang="en-US" dirty="0">
+                <a:hlinkClick r:id="rId3"/>
+              </a:rPr>
+              <a:t>http://www.mongodb.com</a:t>
+            </a:r>
+            <a:r>
+              <a:rPr lang="en-US" dirty="0" smtClean="0">
+                <a:hlinkClick r:id="rId3"/>
+              </a:rPr>
+              <a:t>/</a:t>
+            </a:r>
+            <a:endParaRPr lang="en-US" dirty="0" smtClean="0"/>
+          </a:p>
+          <a:p>
+            <a:r>
+              <a:rPr lang="en-US" dirty="0" smtClean="0"/>
+              <a:t> </a:t>
+            </a:r>
+          </a:p>
+          <a:p>
+            <a:r>
+              <a:rPr lang="en-US" dirty="0"/>
+              <a:t>Online docs - </a:t>
+            </a:r>
+            <a:r>
+              <a:rPr lang="en-US" dirty="0">
+                <a:hlinkClick r:id="rId4"/>
+              </a:rPr>
+              <a:t>http://docs.mongodb.org/manual</a:t>
+            </a:r>
+            <a:r>
+              <a:rPr lang="en-US" dirty="0" smtClean="0">
+                <a:hlinkClick r:id="rId4"/>
+              </a:rPr>
+              <a:t>/</a:t>
+            </a:r>
+            <a:endParaRPr lang="en-US" dirty="0" smtClean="0"/>
+          </a:p>
+          <a:p>
+            <a:endParaRPr lang="en-US" dirty="0" smtClean="0"/>
+          </a:p>
+          <a:p>
+            <a:r>
+              <a:rPr lang="en-US" dirty="0" smtClean="0"/>
+              <a:t>Free online </a:t>
+            </a:r>
+            <a:r>
+              <a:rPr lang="en-US" dirty="0"/>
+              <a:t>courses - </a:t>
+            </a:r>
+            <a:r>
+              <a:rPr lang="en-US" dirty="0" smtClean="0">
+                <a:hlinkClick r:id="rId5"/>
+              </a:rPr>
+              <a:t>https:</a:t>
+            </a:r>
+            <a:r>
+              <a:rPr lang="en-US" dirty="0">
+                <a:hlinkClick r:id="rId5"/>
+              </a:rPr>
+              <a:t>//university.mongodb.com</a:t>
+            </a:r>
+            <a:r>
+              <a:rPr lang="en-US" dirty="0" smtClean="0">
+                <a:hlinkClick r:id="rId5"/>
+              </a:rPr>
+              <a:t>/</a:t>
+            </a:r>
+            <a:endParaRPr lang="en-US" dirty="0" smtClean="0"/>
+          </a:p>
+          <a:p>
+            <a:endParaRPr lang="en-US" dirty="0" smtClean="0"/>
+          </a:p>
+          <a:p>
+            <a:r>
+              <a:rPr lang="en-US" dirty="0" smtClean="0"/>
+              <a:t>About version 3.0 </a:t>
+            </a:r>
+            <a:r>
+              <a:rPr lang="en-US" dirty="0"/>
+              <a:t>coming in </a:t>
+            </a:r>
+            <a:r>
+              <a:rPr lang="en-US" dirty="0" smtClean="0"/>
+              <a:t>March - </a:t>
+            </a:r>
+            <a:r>
+              <a:rPr lang="en-US" dirty="0">
+                <a:hlinkClick r:id="rId6"/>
+              </a:rPr>
+              <a:t>http://www.mongodb.com/blog/post/announcing-mongodb-</a:t>
+            </a:r>
+            <a:r>
+              <a:rPr lang="en-US" dirty="0" smtClean="0">
+                <a:hlinkClick r:id="rId6"/>
+              </a:rPr>
+              <a:t>30</a:t>
+            </a:r>
+            <a:endParaRPr lang="en-US" dirty="0" smtClean="0"/>
+          </a:p>
+          <a:p>
+            <a:endParaRPr lang="en-US" dirty="0"/>
+          </a:p>
+        </p:txBody>
+      </p:sp>
+    </p:spTree>
+    <p:extLst>
+      <p:ext uri="{BB962C8B-B14F-4D97-AF65-F5344CB8AC3E}">
+        <p14:creationId xmlns:p14="http://schemas.microsoft.com/office/powerpoint/2010/main" val="4005046410"/>
       </p:ext>
     </p:extLst>
   </p:cSld>

--- a/mongodb/mongodb-slides.pptx
+++ b/mongodb/mongodb-slides.pptx
@@ -5,10 +5,10 @@
     <p:sldMasterId id="2147483648" r:id="rId1"/>
   </p:sldMasterIdLst>
   <p:notesMasterIdLst>
-    <p:notesMasterId r:id="rId27"/>
+    <p:notesMasterId r:id="rId28"/>
   </p:notesMasterIdLst>
   <p:handoutMasterIdLst>
-    <p:handoutMasterId r:id="rId28"/>
+    <p:handoutMasterId r:id="rId29"/>
   </p:handoutMasterIdLst>
   <p:sldIdLst>
     <p:sldId id="256" r:id="rId2"/>
@@ -28,14 +28,15 @@
     <p:sldId id="270" r:id="rId16"/>
     <p:sldId id="271" r:id="rId17"/>
     <p:sldId id="272" r:id="rId18"/>
-    <p:sldId id="274" r:id="rId19"/>
-    <p:sldId id="275" r:id="rId20"/>
-    <p:sldId id="276" r:id="rId21"/>
-    <p:sldId id="277" r:id="rId22"/>
-    <p:sldId id="278" r:id="rId23"/>
-    <p:sldId id="279" r:id="rId24"/>
-    <p:sldId id="282" r:id="rId25"/>
-    <p:sldId id="283" r:id="rId26"/>
+    <p:sldId id="285" r:id="rId19"/>
+    <p:sldId id="274" r:id="rId20"/>
+    <p:sldId id="275" r:id="rId21"/>
+    <p:sldId id="276" r:id="rId22"/>
+    <p:sldId id="284" r:id="rId23"/>
+    <p:sldId id="277" r:id="rId24"/>
+    <p:sldId id="278" r:id="rId25"/>
+    <p:sldId id="282" r:id="rId26"/>
+    <p:sldId id="283" r:id="rId27"/>
   </p:sldIdLst>
   <p:sldSz cx="9144000" cy="6858000" type="screen4x3"/>
   <p:notesSz cx="6858000" cy="9144000"/>
@@ -431,6 +432,905 @@
     </a:lvl9pPr>
   </p:notesStyle>
 </p:notesMaster>
+</file>
+
+<file path=ppt/notesSlides/notesSlide1.xml><?xml version="1.0" encoding="utf-8"?>
+<p:notes xmlns:a="http://schemas.openxmlformats.org/drawingml/2006/main" xmlns:r="http://schemas.openxmlformats.org/officeDocument/2006/relationships" xmlns:p="http://schemas.openxmlformats.org/presentationml/2006/main">
+  <p:cSld>
+    <p:spTree>
+      <p:nvGrpSpPr>
+        <p:cNvPr id="1" name=""/>
+        <p:cNvGrpSpPr/>
+        <p:nvPr/>
+      </p:nvGrpSpPr>
+      <p:grpSpPr>
+        <a:xfrm>
+          <a:off x="0" y="0"/>
+          <a:ext cx="0" cy="0"/>
+          <a:chOff x="0" y="0"/>
+          <a:chExt cx="0" cy="0"/>
+        </a:xfrm>
+      </p:grpSpPr>
+      <p:sp>
+        <p:nvSpPr>
+          <p:cNvPr id="2" name="Slide Image Placeholder 1"/>
+          <p:cNvSpPr>
+            <a:spLocks noGrp="1" noRot="1" noChangeAspect="1"/>
+          </p:cNvSpPr>
+          <p:nvPr>
+            <p:ph type="sldImg"/>
+          </p:nvPr>
+        </p:nvSpPr>
+        <p:spPr/>
+      </p:sp>
+      <p:sp>
+        <p:nvSpPr>
+          <p:cNvPr id="3" name="Notes Placeholder 2"/>
+          <p:cNvSpPr>
+            <a:spLocks noGrp="1"/>
+          </p:cNvSpPr>
+          <p:nvPr>
+            <p:ph type="body" idx="1"/>
+          </p:nvPr>
+        </p:nvSpPr>
+        <p:spPr/>
+        <p:txBody>
+          <a:bodyPr/>
+          <a:lstStyle/>
+          <a:p>
+            <a:pPr marL="285750" indent="-285750">
+              <a:buFontTx/>
+              <a:buChar char="-"/>
+            </a:pPr>
+            <a:r>
+              <a:rPr lang="en-US" dirty="0" smtClean="0"/>
+              <a:t>Open source</a:t>
+            </a:r>
+          </a:p>
+          <a:p>
+            <a:pPr marL="285750" indent="-285750">
+              <a:buFontTx/>
+              <a:buChar char="-"/>
+            </a:pPr>
+            <a:r>
+              <a:rPr lang="en-US" dirty="0" err="1" smtClean="0"/>
+              <a:t>NoSQL</a:t>
+            </a:r>
+            <a:endParaRPr lang="en-US" dirty="0" smtClean="0"/>
+          </a:p>
+          <a:p>
+            <a:pPr marL="285750" indent="-285750">
+              <a:buFontTx/>
+              <a:buChar char="-"/>
+            </a:pPr>
+            <a:r>
+              <a:rPr lang="en-US" dirty="0" smtClean="0"/>
+              <a:t>Widely adopted lots of help to get</a:t>
+            </a:r>
+          </a:p>
+        </p:txBody>
+      </p:sp>
+    </p:spTree>
+    <p:extLst>
+      <p:ext uri="{BB962C8B-B14F-4D97-AF65-F5344CB8AC3E}">
+        <p14:creationId xmlns:p14="http://schemas.microsoft.com/office/powerpoint/2010/main" val="379447740"/>
+      </p:ext>
+    </p:extLst>
+  </p:cSld>
+  <p:clrMapOvr>
+    <a:masterClrMapping/>
+  </p:clrMapOvr>
+</p:notes>
+</file>
+
+<file path=ppt/notesSlides/notesSlide10.xml><?xml version="1.0" encoding="utf-8"?>
+<p:notes xmlns:a="http://schemas.openxmlformats.org/drawingml/2006/main" xmlns:r="http://schemas.openxmlformats.org/officeDocument/2006/relationships" xmlns:p="http://schemas.openxmlformats.org/presentationml/2006/main">
+  <p:cSld>
+    <p:spTree>
+      <p:nvGrpSpPr>
+        <p:cNvPr id="1" name=""/>
+        <p:cNvGrpSpPr/>
+        <p:nvPr/>
+      </p:nvGrpSpPr>
+      <p:grpSpPr>
+        <a:xfrm>
+          <a:off x="0" y="0"/>
+          <a:ext cx="0" cy="0"/>
+          <a:chOff x="0" y="0"/>
+          <a:chExt cx="0" cy="0"/>
+        </a:xfrm>
+      </p:grpSpPr>
+      <p:sp>
+        <p:nvSpPr>
+          <p:cNvPr id="2" name="Slide Image Placeholder 1"/>
+          <p:cNvSpPr>
+            <a:spLocks noGrp="1" noRot="1" noChangeAspect="1"/>
+          </p:cNvSpPr>
+          <p:nvPr>
+            <p:ph type="sldImg"/>
+          </p:nvPr>
+        </p:nvSpPr>
+        <p:spPr/>
+      </p:sp>
+      <p:sp>
+        <p:nvSpPr>
+          <p:cNvPr id="3" name="Notes Placeholder 2"/>
+          <p:cNvSpPr>
+            <a:spLocks noGrp="1"/>
+          </p:cNvSpPr>
+          <p:nvPr>
+            <p:ph type="body" idx="1"/>
+          </p:nvPr>
+        </p:nvSpPr>
+        <p:spPr/>
+        <p:txBody>
+          <a:bodyPr/>
+          <a:lstStyle/>
+          <a:p>
+            <a:r>
+              <a:rPr lang="en-US" dirty="0" smtClean="0"/>
+              <a:t>Show in the shell</a:t>
+            </a:r>
+          </a:p>
+          <a:p>
+            <a:r>
+              <a:rPr lang="en-US" dirty="0" smtClean="0"/>
+              <a:t>Update </a:t>
+            </a:r>
+            <a:r>
+              <a:rPr lang="en-US" dirty="0" err="1" smtClean="0"/>
+              <a:t>richard</a:t>
+            </a:r>
+            <a:r>
+              <a:rPr lang="en-US" dirty="0" smtClean="0"/>
+              <a:t> </a:t>
+            </a:r>
+            <a:r>
+              <a:rPr lang="en-US" dirty="0" err="1" smtClean="0"/>
+              <a:t>nixon</a:t>
+            </a:r>
+            <a:endParaRPr lang="en-US" dirty="0" smtClean="0"/>
+          </a:p>
+          <a:p>
+            <a:r>
+              <a:rPr lang="en-US" dirty="0" smtClean="0"/>
+              <a:t>Show overwrite</a:t>
+            </a:r>
+            <a:endParaRPr lang="en-US" dirty="0"/>
+          </a:p>
+        </p:txBody>
+      </p:sp>
+    </p:spTree>
+    <p:extLst>
+      <p:ext uri="{BB962C8B-B14F-4D97-AF65-F5344CB8AC3E}">
+        <p14:creationId xmlns:p14="http://schemas.microsoft.com/office/powerpoint/2010/main" val="158922950"/>
+      </p:ext>
+    </p:extLst>
+  </p:cSld>
+  <p:clrMapOvr>
+    <a:masterClrMapping/>
+  </p:clrMapOvr>
+</p:notes>
+</file>
+
+<file path=ppt/notesSlides/notesSlide2.xml><?xml version="1.0" encoding="utf-8"?>
+<p:notes xmlns:a="http://schemas.openxmlformats.org/drawingml/2006/main" xmlns:r="http://schemas.openxmlformats.org/officeDocument/2006/relationships" xmlns:p="http://schemas.openxmlformats.org/presentationml/2006/main">
+  <p:cSld>
+    <p:spTree>
+      <p:nvGrpSpPr>
+        <p:cNvPr id="1" name=""/>
+        <p:cNvGrpSpPr/>
+        <p:nvPr/>
+      </p:nvGrpSpPr>
+      <p:grpSpPr>
+        <a:xfrm>
+          <a:off x="0" y="0"/>
+          <a:ext cx="0" cy="0"/>
+          <a:chOff x="0" y="0"/>
+          <a:chExt cx="0" cy="0"/>
+        </a:xfrm>
+      </p:grpSpPr>
+      <p:sp>
+        <p:nvSpPr>
+          <p:cNvPr id="2" name="Slide Image Placeholder 1"/>
+          <p:cNvSpPr>
+            <a:spLocks noGrp="1" noRot="1" noChangeAspect="1"/>
+          </p:cNvSpPr>
+          <p:nvPr>
+            <p:ph type="sldImg"/>
+          </p:nvPr>
+        </p:nvSpPr>
+        <p:spPr/>
+      </p:sp>
+      <p:sp>
+        <p:nvSpPr>
+          <p:cNvPr id="3" name="Notes Placeholder 2"/>
+          <p:cNvSpPr>
+            <a:spLocks noGrp="1"/>
+          </p:cNvSpPr>
+          <p:nvPr>
+            <p:ph type="body" idx="1"/>
+          </p:nvPr>
+        </p:nvSpPr>
+        <p:spPr/>
+        <p:txBody>
+          <a:bodyPr/>
+          <a:lstStyle/>
+          <a:p>
+            <a:pPr marL="285750" indent="-285750">
+              <a:buFontTx/>
+              <a:buChar char="-"/>
+            </a:pPr>
+            <a:r>
+              <a:rPr lang="en-US" dirty="0" smtClean="0"/>
+              <a:t>JSON</a:t>
+            </a:r>
+          </a:p>
+          <a:p>
+            <a:pPr marL="742950" lvl="1" indent="-285750">
+              <a:buFontTx/>
+              <a:buChar char="-"/>
+            </a:pPr>
+            <a:r>
+              <a:rPr lang="en-US" dirty="0" smtClean="0"/>
+              <a:t>Key</a:t>
+            </a:r>
+            <a:r>
+              <a:rPr lang="en-US" baseline="0" dirty="0" smtClean="0"/>
+              <a:t> – value pairs</a:t>
+            </a:r>
+          </a:p>
+          <a:p>
+            <a:pPr marL="742950" lvl="1" indent="-285750">
+              <a:buFontTx/>
+              <a:buChar char="-"/>
+            </a:pPr>
+            <a:r>
+              <a:rPr lang="en-US" baseline="0" dirty="0" smtClean="0"/>
+              <a:t>Values can be of types string, number, </a:t>
+            </a:r>
+            <a:r>
+              <a:rPr lang="en-US" baseline="0" dirty="0" err="1" smtClean="0"/>
+              <a:t>boolean</a:t>
+            </a:r>
+            <a:r>
+              <a:rPr lang="en-US" baseline="0" dirty="0" smtClean="0"/>
+              <a:t>, array or object</a:t>
+            </a:r>
+          </a:p>
+          <a:p>
+            <a:pPr marL="742950" lvl="1" indent="-285750">
+              <a:buFontTx/>
+              <a:buChar char="-"/>
+            </a:pPr>
+            <a:r>
+              <a:rPr lang="en-US" baseline="0" dirty="0" smtClean="0"/>
+              <a:t>(Show in a editor)</a:t>
+            </a:r>
+          </a:p>
+        </p:txBody>
+      </p:sp>
+    </p:spTree>
+    <p:extLst>
+      <p:ext uri="{BB962C8B-B14F-4D97-AF65-F5344CB8AC3E}">
+        <p14:creationId xmlns:p14="http://schemas.microsoft.com/office/powerpoint/2010/main" val="3390216813"/>
+      </p:ext>
+    </p:extLst>
+  </p:cSld>
+  <p:clrMapOvr>
+    <a:masterClrMapping/>
+  </p:clrMapOvr>
+</p:notes>
+</file>
+
+<file path=ppt/notesSlides/notesSlide3.xml><?xml version="1.0" encoding="utf-8"?>
+<p:notes xmlns:a="http://schemas.openxmlformats.org/drawingml/2006/main" xmlns:r="http://schemas.openxmlformats.org/officeDocument/2006/relationships" xmlns:p="http://schemas.openxmlformats.org/presentationml/2006/main">
+  <p:cSld>
+    <p:spTree>
+      <p:nvGrpSpPr>
+        <p:cNvPr id="1" name=""/>
+        <p:cNvGrpSpPr/>
+        <p:nvPr/>
+      </p:nvGrpSpPr>
+      <p:grpSpPr>
+        <a:xfrm>
+          <a:off x="0" y="0"/>
+          <a:ext cx="0" cy="0"/>
+          <a:chOff x="0" y="0"/>
+          <a:chExt cx="0" cy="0"/>
+        </a:xfrm>
+      </p:grpSpPr>
+      <p:sp>
+        <p:nvSpPr>
+          <p:cNvPr id="2" name="Slide Image Placeholder 1"/>
+          <p:cNvSpPr>
+            <a:spLocks noGrp="1" noRot="1" noChangeAspect="1"/>
+          </p:cNvSpPr>
+          <p:nvPr>
+            <p:ph type="sldImg"/>
+          </p:nvPr>
+        </p:nvSpPr>
+        <p:spPr/>
+      </p:sp>
+      <p:sp>
+        <p:nvSpPr>
+          <p:cNvPr id="3" name="Notes Placeholder 2"/>
+          <p:cNvSpPr>
+            <a:spLocks noGrp="1"/>
+          </p:cNvSpPr>
+          <p:nvPr>
+            <p:ph type="body" idx="1"/>
+          </p:nvPr>
+        </p:nvSpPr>
+        <p:spPr/>
+        <p:txBody>
+          <a:bodyPr/>
+          <a:lstStyle/>
+          <a:p>
+            <a:pPr marL="285750" indent="-285750">
+              <a:buFontTx/>
+              <a:buChar char="-"/>
+            </a:pPr>
+            <a:r>
+              <a:rPr lang="en-US" baseline="0" dirty="0" smtClean="0"/>
+              <a:t>An array of documents is a collection.</a:t>
+            </a:r>
+          </a:p>
+          <a:p>
+            <a:pPr marL="285750" indent="-285750">
+              <a:buFontTx/>
+              <a:buChar char="-"/>
+            </a:pPr>
+            <a:r>
+              <a:rPr lang="en-US" baseline="0" dirty="0" smtClean="0"/>
+              <a:t>A database consists of one or many collections.</a:t>
+            </a:r>
+          </a:p>
+          <a:p>
+            <a:pPr marL="285750" indent="-285750">
+              <a:buFontTx/>
+              <a:buChar char="-"/>
+            </a:pPr>
+            <a:r>
+              <a:rPr lang="en-US" baseline="0" dirty="0" smtClean="0"/>
+              <a:t>Collections are vaguely the same as tables in SQL.</a:t>
+            </a:r>
+            <a:endParaRPr lang="en-US" dirty="0"/>
+          </a:p>
+        </p:txBody>
+      </p:sp>
+    </p:spTree>
+    <p:extLst>
+      <p:ext uri="{BB962C8B-B14F-4D97-AF65-F5344CB8AC3E}">
+        <p14:creationId xmlns:p14="http://schemas.microsoft.com/office/powerpoint/2010/main" val="1635571027"/>
+      </p:ext>
+    </p:extLst>
+  </p:cSld>
+  <p:clrMapOvr>
+    <a:masterClrMapping/>
+  </p:clrMapOvr>
+</p:notes>
+</file>
+
+<file path=ppt/notesSlides/notesSlide4.xml><?xml version="1.0" encoding="utf-8"?>
+<p:notes xmlns:a="http://schemas.openxmlformats.org/drawingml/2006/main" xmlns:r="http://schemas.openxmlformats.org/officeDocument/2006/relationships" xmlns:p="http://schemas.openxmlformats.org/presentationml/2006/main">
+  <p:cSld>
+    <p:spTree>
+      <p:nvGrpSpPr>
+        <p:cNvPr id="1" name=""/>
+        <p:cNvGrpSpPr/>
+        <p:nvPr/>
+      </p:nvGrpSpPr>
+      <p:grpSpPr>
+        <a:xfrm>
+          <a:off x="0" y="0"/>
+          <a:ext cx="0" cy="0"/>
+          <a:chOff x="0" y="0"/>
+          <a:chExt cx="0" cy="0"/>
+        </a:xfrm>
+      </p:grpSpPr>
+      <p:sp>
+        <p:nvSpPr>
+          <p:cNvPr id="2" name="Slide Image Placeholder 1"/>
+          <p:cNvSpPr>
+            <a:spLocks noGrp="1" noRot="1" noChangeAspect="1"/>
+          </p:cNvSpPr>
+          <p:nvPr>
+            <p:ph type="sldImg"/>
+          </p:nvPr>
+        </p:nvSpPr>
+        <p:spPr/>
+      </p:sp>
+      <p:sp>
+        <p:nvSpPr>
+          <p:cNvPr id="3" name="Notes Placeholder 2"/>
+          <p:cNvSpPr>
+            <a:spLocks noGrp="1"/>
+          </p:cNvSpPr>
+          <p:nvPr>
+            <p:ph type="body" idx="1"/>
+          </p:nvPr>
+        </p:nvSpPr>
+        <p:spPr/>
+        <p:txBody>
+          <a:bodyPr/>
+          <a:lstStyle/>
+          <a:p>
+            <a:pPr marL="285750" indent="-285750">
+              <a:buFontTx/>
+              <a:buChar char="-"/>
+            </a:pPr>
+            <a:r>
+              <a:rPr lang="en-US" dirty="0" smtClean="0"/>
+              <a:t>No</a:t>
+            </a:r>
+            <a:r>
+              <a:rPr lang="en-US" baseline="0" dirty="0" smtClean="0"/>
+              <a:t> constraints across documents</a:t>
+            </a:r>
+          </a:p>
+          <a:p>
+            <a:pPr marL="285750" indent="-285750">
+              <a:buFontTx/>
+              <a:buChar char="-"/>
+            </a:pPr>
+            <a:r>
+              <a:rPr lang="en-US" baseline="0" dirty="0" smtClean="0"/>
+              <a:t>Could lead to update anomalies if you reference items in other documents.</a:t>
+            </a:r>
+          </a:p>
+        </p:txBody>
+      </p:sp>
+    </p:spTree>
+    <p:extLst>
+      <p:ext uri="{BB962C8B-B14F-4D97-AF65-F5344CB8AC3E}">
+        <p14:creationId xmlns:p14="http://schemas.microsoft.com/office/powerpoint/2010/main" val="209281479"/>
+      </p:ext>
+    </p:extLst>
+  </p:cSld>
+  <p:clrMapOvr>
+    <a:masterClrMapping/>
+  </p:clrMapOvr>
+</p:notes>
+</file>
+
+<file path=ppt/notesSlides/notesSlide5.xml><?xml version="1.0" encoding="utf-8"?>
+<p:notes xmlns:a="http://schemas.openxmlformats.org/drawingml/2006/main" xmlns:r="http://schemas.openxmlformats.org/officeDocument/2006/relationships" xmlns:p="http://schemas.openxmlformats.org/presentationml/2006/main">
+  <p:cSld>
+    <p:spTree>
+      <p:nvGrpSpPr>
+        <p:cNvPr id="1" name=""/>
+        <p:cNvGrpSpPr/>
+        <p:nvPr/>
+      </p:nvGrpSpPr>
+      <p:grpSpPr>
+        <a:xfrm>
+          <a:off x="0" y="0"/>
+          <a:ext cx="0" cy="0"/>
+          <a:chOff x="0" y="0"/>
+          <a:chExt cx="0" cy="0"/>
+        </a:xfrm>
+      </p:grpSpPr>
+      <p:sp>
+        <p:nvSpPr>
+          <p:cNvPr id="2" name="Slide Image Placeholder 1"/>
+          <p:cNvSpPr>
+            <a:spLocks noGrp="1" noRot="1" noChangeAspect="1"/>
+          </p:cNvSpPr>
+          <p:nvPr>
+            <p:ph type="sldImg"/>
+          </p:nvPr>
+        </p:nvSpPr>
+        <p:spPr>
+          <a:xfrm>
+            <a:off x="827088" y="592138"/>
+            <a:ext cx="5226050" cy="3919537"/>
+          </a:xfrm>
+        </p:spPr>
+      </p:sp>
+      <p:sp>
+        <p:nvSpPr>
+          <p:cNvPr id="3" name="Notes Placeholder 2"/>
+          <p:cNvSpPr>
+            <a:spLocks noGrp="1"/>
+          </p:cNvSpPr>
+          <p:nvPr>
+            <p:ph type="body" idx="1"/>
+          </p:nvPr>
+        </p:nvSpPr>
+        <p:spPr/>
+        <p:txBody>
+          <a:bodyPr/>
+          <a:lstStyle/>
+          <a:p>
+            <a:pPr marL="285750" indent="-285750">
+              <a:buFontTx/>
+              <a:buChar char="-"/>
+            </a:pPr>
+            <a:r>
+              <a:rPr lang="en-US" dirty="0" err="1" smtClean="0"/>
+              <a:t>MongoDB</a:t>
+            </a:r>
+            <a:r>
+              <a:rPr lang="en-US" dirty="0" smtClean="0"/>
+              <a:t> gets its</a:t>
+            </a:r>
+            <a:r>
+              <a:rPr lang="en-US" baseline="0" dirty="0" smtClean="0"/>
+              <a:t> name from </a:t>
+            </a:r>
+            <a:r>
+              <a:rPr lang="en-US" baseline="0" dirty="0" err="1" smtClean="0"/>
+              <a:t>huMONGOus</a:t>
+            </a:r>
+            <a:endParaRPr lang="en-US" baseline="0" dirty="0" smtClean="0"/>
+          </a:p>
+          <a:p>
+            <a:pPr marL="0" indent="0">
+              <a:buFontTx/>
+              <a:buNone/>
+            </a:pPr>
+            <a:endParaRPr lang="en-US" baseline="0" dirty="0" smtClean="0"/>
+          </a:p>
+        </p:txBody>
+      </p:sp>
+    </p:spTree>
+    <p:extLst>
+      <p:ext uri="{BB962C8B-B14F-4D97-AF65-F5344CB8AC3E}">
+        <p14:creationId xmlns:p14="http://schemas.microsoft.com/office/powerpoint/2010/main" val="448243249"/>
+      </p:ext>
+    </p:extLst>
+  </p:cSld>
+  <p:clrMapOvr>
+    <a:masterClrMapping/>
+  </p:clrMapOvr>
+</p:notes>
+</file>
+
+<file path=ppt/notesSlides/notesSlide6.xml><?xml version="1.0" encoding="utf-8"?>
+<p:notes xmlns:a="http://schemas.openxmlformats.org/drawingml/2006/main" xmlns:r="http://schemas.openxmlformats.org/officeDocument/2006/relationships" xmlns:p="http://schemas.openxmlformats.org/presentationml/2006/main">
+  <p:cSld>
+    <p:spTree>
+      <p:nvGrpSpPr>
+        <p:cNvPr id="1" name=""/>
+        <p:cNvGrpSpPr/>
+        <p:nvPr/>
+      </p:nvGrpSpPr>
+      <p:grpSpPr>
+        <a:xfrm>
+          <a:off x="0" y="0"/>
+          <a:ext cx="0" cy="0"/>
+          <a:chOff x="0" y="0"/>
+          <a:chExt cx="0" cy="0"/>
+        </a:xfrm>
+      </p:grpSpPr>
+      <p:sp>
+        <p:nvSpPr>
+          <p:cNvPr id="2" name="Slide Image Placeholder 1"/>
+          <p:cNvSpPr>
+            <a:spLocks noGrp="1" noRot="1" noChangeAspect="1"/>
+          </p:cNvSpPr>
+          <p:nvPr>
+            <p:ph type="sldImg"/>
+          </p:nvPr>
+        </p:nvSpPr>
+        <p:spPr/>
+      </p:sp>
+      <p:sp>
+        <p:nvSpPr>
+          <p:cNvPr id="3" name="Notes Placeholder 2"/>
+          <p:cNvSpPr>
+            <a:spLocks noGrp="1"/>
+          </p:cNvSpPr>
+          <p:nvPr>
+            <p:ph type="body" idx="1"/>
+          </p:nvPr>
+        </p:nvSpPr>
+        <p:spPr/>
+        <p:txBody>
+          <a:bodyPr/>
+          <a:lstStyle/>
+          <a:p>
+            <a:pPr marL="0" marR="0" indent="0" algn="l" defTabSz="457200" rtl="0" eaLnBrk="1" fontAlgn="auto" latinLnBrk="0" hangingPunct="1">
+              <a:lnSpc>
+                <a:spcPct val="100000"/>
+              </a:lnSpc>
+              <a:spcBef>
+                <a:spcPts val="0"/>
+              </a:spcBef>
+              <a:spcAft>
+                <a:spcPts val="0"/>
+              </a:spcAft>
+              <a:buClrTx/>
+              <a:buSzTx/>
+              <a:buFontTx/>
+              <a:buNone/>
+              <a:tabLst/>
+              <a:defRPr/>
+            </a:pPr>
+            <a:endParaRPr lang="en-US" dirty="0"/>
+          </a:p>
+        </p:txBody>
+      </p:sp>
+    </p:spTree>
+    <p:extLst>
+      <p:ext uri="{BB962C8B-B14F-4D97-AF65-F5344CB8AC3E}">
+        <p14:creationId xmlns:p14="http://schemas.microsoft.com/office/powerpoint/2010/main" val="4288704839"/>
+      </p:ext>
+    </p:extLst>
+  </p:cSld>
+  <p:clrMapOvr>
+    <a:masterClrMapping/>
+  </p:clrMapOvr>
+</p:notes>
+</file>
+
+<file path=ppt/notesSlides/notesSlide7.xml><?xml version="1.0" encoding="utf-8"?>
+<p:notes xmlns:a="http://schemas.openxmlformats.org/drawingml/2006/main" xmlns:r="http://schemas.openxmlformats.org/officeDocument/2006/relationships" xmlns:p="http://schemas.openxmlformats.org/presentationml/2006/main">
+  <p:cSld>
+    <p:spTree>
+      <p:nvGrpSpPr>
+        <p:cNvPr id="1" name=""/>
+        <p:cNvGrpSpPr/>
+        <p:nvPr/>
+      </p:nvGrpSpPr>
+      <p:grpSpPr>
+        <a:xfrm>
+          <a:off x="0" y="0"/>
+          <a:ext cx="0" cy="0"/>
+          <a:chOff x="0" y="0"/>
+          <a:chExt cx="0" cy="0"/>
+        </a:xfrm>
+      </p:grpSpPr>
+      <p:sp>
+        <p:nvSpPr>
+          <p:cNvPr id="2" name="Slide Image Placeholder 1"/>
+          <p:cNvSpPr>
+            <a:spLocks noGrp="1" noRot="1" noChangeAspect="1"/>
+          </p:cNvSpPr>
+          <p:nvPr>
+            <p:ph type="sldImg"/>
+          </p:nvPr>
+        </p:nvSpPr>
+        <p:spPr/>
+      </p:sp>
+      <p:sp>
+        <p:nvSpPr>
+          <p:cNvPr id="3" name="Notes Placeholder 2"/>
+          <p:cNvSpPr>
+            <a:spLocks noGrp="1"/>
+          </p:cNvSpPr>
+          <p:nvPr>
+            <p:ph type="body" idx="1"/>
+          </p:nvPr>
+        </p:nvSpPr>
+        <p:spPr/>
+        <p:txBody>
+          <a:bodyPr/>
+          <a:lstStyle/>
+          <a:p>
+            <a:r>
+              <a:rPr lang="en-US" dirty="0" smtClean="0"/>
+              <a:t>Some</a:t>
+            </a:r>
+            <a:r>
+              <a:rPr lang="en-US" baseline="0" dirty="0" smtClean="0"/>
+              <a:t> of the things </a:t>
+            </a:r>
+            <a:r>
+              <a:rPr lang="en-US" baseline="0" dirty="0" err="1" smtClean="0"/>
+              <a:t>MongoDB</a:t>
+            </a:r>
+            <a:r>
+              <a:rPr lang="en-US" baseline="0" dirty="0" smtClean="0"/>
+              <a:t> give you that you might not be used to.</a:t>
+            </a:r>
+          </a:p>
+          <a:p>
+            <a:r>
+              <a:rPr lang="en-US" baseline="0" dirty="0" smtClean="0"/>
+              <a:t>	- </a:t>
+            </a:r>
+            <a:r>
+              <a:rPr lang="en-US" baseline="0" dirty="0" err="1" smtClean="0"/>
+              <a:t>Schemaless</a:t>
+            </a:r>
+            <a:endParaRPr lang="en-US" baseline="0" dirty="0" smtClean="0"/>
+          </a:p>
+          <a:p>
+            <a:r>
+              <a:rPr lang="en-US" baseline="0" dirty="0" smtClean="0"/>
+              <a:t>	- Design for access pattern</a:t>
+            </a:r>
+            <a:endParaRPr lang="en-US" dirty="0"/>
+          </a:p>
+        </p:txBody>
+      </p:sp>
+    </p:spTree>
+    <p:extLst>
+      <p:ext uri="{BB962C8B-B14F-4D97-AF65-F5344CB8AC3E}">
+        <p14:creationId xmlns:p14="http://schemas.microsoft.com/office/powerpoint/2010/main" val="3853374874"/>
+      </p:ext>
+    </p:extLst>
+  </p:cSld>
+  <p:clrMapOvr>
+    <a:masterClrMapping/>
+  </p:clrMapOvr>
+</p:notes>
+</file>
+
+<file path=ppt/notesSlides/notesSlide8.xml><?xml version="1.0" encoding="utf-8"?>
+<p:notes xmlns:a="http://schemas.openxmlformats.org/drawingml/2006/main" xmlns:r="http://schemas.openxmlformats.org/officeDocument/2006/relationships" xmlns:p="http://schemas.openxmlformats.org/presentationml/2006/main">
+  <p:cSld>
+    <p:spTree>
+      <p:nvGrpSpPr>
+        <p:cNvPr id="1" name=""/>
+        <p:cNvGrpSpPr/>
+        <p:nvPr/>
+      </p:nvGrpSpPr>
+      <p:grpSpPr>
+        <a:xfrm>
+          <a:off x="0" y="0"/>
+          <a:ext cx="0" cy="0"/>
+          <a:chOff x="0" y="0"/>
+          <a:chExt cx="0" cy="0"/>
+        </a:xfrm>
+      </p:grpSpPr>
+      <p:sp>
+        <p:nvSpPr>
+          <p:cNvPr id="2" name="Slide Image Placeholder 1"/>
+          <p:cNvSpPr>
+            <a:spLocks noGrp="1" noRot="1" noChangeAspect="1"/>
+          </p:cNvSpPr>
+          <p:nvPr>
+            <p:ph type="sldImg"/>
+          </p:nvPr>
+        </p:nvSpPr>
+        <p:spPr/>
+      </p:sp>
+      <p:sp>
+        <p:nvSpPr>
+          <p:cNvPr id="3" name="Notes Placeholder 2"/>
+          <p:cNvSpPr>
+            <a:spLocks noGrp="1"/>
+          </p:cNvSpPr>
+          <p:nvPr>
+            <p:ph type="body" idx="1"/>
+          </p:nvPr>
+        </p:nvSpPr>
+        <p:spPr/>
+        <p:txBody>
+          <a:bodyPr/>
+          <a:lstStyle/>
+          <a:p>
+            <a:r>
+              <a:rPr lang="en-US" dirty="0" smtClean="0"/>
+              <a:t>Show</a:t>
+            </a:r>
+            <a:r>
+              <a:rPr lang="en-US" baseline="0" dirty="0" smtClean="0"/>
+              <a:t> in the shell</a:t>
+            </a:r>
+          </a:p>
+          <a:p>
+            <a:r>
+              <a:rPr lang="en-US" baseline="0" dirty="0" smtClean="0"/>
+              <a:t>Find </a:t>
+            </a:r>
+            <a:r>
+              <a:rPr lang="en-US" baseline="0" dirty="0" err="1" smtClean="0"/>
+              <a:t>løiten</a:t>
+            </a:r>
+            <a:r>
+              <a:rPr lang="en-US" baseline="0" dirty="0" smtClean="0"/>
+              <a:t> </a:t>
+            </a:r>
+            <a:r>
+              <a:rPr lang="en-US" baseline="0" dirty="0" err="1" smtClean="0"/>
+              <a:t>linie</a:t>
+            </a:r>
+            <a:endParaRPr lang="en-US" dirty="0"/>
+          </a:p>
+        </p:txBody>
+      </p:sp>
+    </p:spTree>
+    <p:extLst>
+      <p:ext uri="{BB962C8B-B14F-4D97-AF65-F5344CB8AC3E}">
+        <p14:creationId xmlns:p14="http://schemas.microsoft.com/office/powerpoint/2010/main" val="1128128288"/>
+      </p:ext>
+    </p:extLst>
+  </p:cSld>
+  <p:clrMapOvr>
+    <a:masterClrMapping/>
+  </p:clrMapOvr>
+</p:notes>
+</file>
+
+<file path=ppt/notesSlides/notesSlide9.xml><?xml version="1.0" encoding="utf-8"?>
+<p:notes xmlns:a="http://schemas.openxmlformats.org/drawingml/2006/main" xmlns:r="http://schemas.openxmlformats.org/officeDocument/2006/relationships" xmlns:p="http://schemas.openxmlformats.org/presentationml/2006/main">
+  <p:cSld>
+    <p:spTree>
+      <p:nvGrpSpPr>
+        <p:cNvPr id="1" name=""/>
+        <p:cNvGrpSpPr/>
+        <p:nvPr/>
+      </p:nvGrpSpPr>
+      <p:grpSpPr>
+        <a:xfrm>
+          <a:off x="0" y="0"/>
+          <a:ext cx="0" cy="0"/>
+          <a:chOff x="0" y="0"/>
+          <a:chExt cx="0" cy="0"/>
+        </a:xfrm>
+      </p:grpSpPr>
+      <p:sp>
+        <p:nvSpPr>
+          <p:cNvPr id="2" name="Slide Image Placeholder 1"/>
+          <p:cNvSpPr>
+            <a:spLocks noGrp="1" noRot="1" noChangeAspect="1"/>
+          </p:cNvSpPr>
+          <p:nvPr>
+            <p:ph type="sldImg"/>
+          </p:nvPr>
+        </p:nvSpPr>
+        <p:spPr/>
+      </p:sp>
+      <p:sp>
+        <p:nvSpPr>
+          <p:cNvPr id="3" name="Notes Placeholder 2"/>
+          <p:cNvSpPr>
+            <a:spLocks noGrp="1"/>
+          </p:cNvSpPr>
+          <p:nvPr>
+            <p:ph type="body" idx="1"/>
+          </p:nvPr>
+        </p:nvSpPr>
+        <p:spPr/>
+        <p:txBody>
+          <a:bodyPr/>
+          <a:lstStyle/>
+          <a:p>
+            <a:r>
+              <a:rPr lang="en-US" dirty="0" smtClean="0"/>
+              <a:t>Show</a:t>
+            </a:r>
+            <a:r>
+              <a:rPr lang="en-US" baseline="0" dirty="0" smtClean="0"/>
+              <a:t> in the shell</a:t>
+            </a:r>
+          </a:p>
+          <a:p>
+            <a:r>
+              <a:rPr lang="en-US" dirty="0" smtClean="0"/>
+              <a:t>Insert </a:t>
+            </a:r>
+            <a:r>
+              <a:rPr lang="en-US" dirty="0" err="1" smtClean="0"/>
+              <a:t>richard</a:t>
+            </a:r>
+            <a:r>
+              <a:rPr lang="en-US" baseline="0" dirty="0" smtClean="0"/>
+              <a:t> </a:t>
+            </a:r>
+            <a:r>
+              <a:rPr lang="en-US" baseline="0" dirty="0" err="1" smtClean="0"/>
+              <a:t>nixon</a:t>
+            </a:r>
+            <a:endParaRPr lang="en-US" baseline="0" dirty="0" smtClean="0"/>
+          </a:p>
+        </p:txBody>
+      </p:sp>
+    </p:spTree>
+    <p:extLst>
+      <p:ext uri="{BB962C8B-B14F-4D97-AF65-F5344CB8AC3E}">
+        <p14:creationId xmlns:p14="http://schemas.microsoft.com/office/powerpoint/2010/main" val="2988139925"/>
+      </p:ext>
+    </p:extLst>
+  </p:cSld>
+  <p:clrMapOvr>
+    <a:masterClrMapping/>
+  </p:clrMapOvr>
+</p:notes>
 </file>
 
 <file path=ppt/slideLayouts/slideLayout1.xml><?xml version="1.0" encoding="utf-8"?>
@@ -10178,6 +11078,13 @@
   <p:transition xmlns:p14="http://schemas.microsoft.com/office/powerpoint/2010/main">
     <p:fade thruBlk="1"/>
   </p:transition>
+  <p:timing>
+    <p:tnLst>
+      <p:par>
+        <p:cTn xmlns:p14="http://schemas.microsoft.com/office/powerpoint/2010/main" id="1" dur="indefinite" restart="never" nodeType="tmRoot"/>
+      </p:par>
+    </p:tnLst>
+  </p:timing>
 </p:sld>
 </file>
 
@@ -10438,6 +11345,13 @@
   <p:transition xmlns:p14="http://schemas.microsoft.com/office/powerpoint/2010/main">
     <p:fade thruBlk="1"/>
   </p:transition>
+  <p:timing>
+    <p:tnLst>
+      <p:par>
+        <p:cTn xmlns:p14="http://schemas.microsoft.com/office/powerpoint/2010/main" id="1" dur="indefinite" restart="never" nodeType="tmRoot"/>
+      </p:par>
+    </p:tnLst>
+  </p:timing>
 </p:sld>
 </file>
 
@@ -10828,6 +11742,13 @@
   <p:transition xmlns:p14="http://schemas.microsoft.com/office/powerpoint/2010/main">
     <p:fade thruBlk="1"/>
   </p:transition>
+  <p:timing>
+    <p:tnLst>
+      <p:par>
+        <p:cTn xmlns:p14="http://schemas.microsoft.com/office/powerpoint/2010/main" id="1" dur="indefinite" restart="never" nodeType="tmRoot"/>
+      </p:par>
+    </p:tnLst>
+  </p:timing>
 </p:sld>
 </file>
 
@@ -11213,6 +12134,13 @@
   <p:transition xmlns:p14="http://schemas.microsoft.com/office/powerpoint/2010/main">
     <p:fade thruBlk="1"/>
   </p:transition>
+  <p:timing>
+    <p:tnLst>
+      <p:par>
+        <p:cTn xmlns:p14="http://schemas.microsoft.com/office/powerpoint/2010/main" id="1" dur="indefinite" restart="never" nodeType="tmRoot"/>
+      </p:par>
+    </p:tnLst>
+  </p:timing>
 </p:sld>
 </file>
 
@@ -11494,6 +12422,13 @@
   <p:transition xmlns:p14="http://schemas.microsoft.com/office/powerpoint/2010/main">
     <p:fade thruBlk="1"/>
   </p:transition>
+  <p:timing>
+    <p:tnLst>
+      <p:par>
+        <p:cTn xmlns:p14="http://schemas.microsoft.com/office/powerpoint/2010/main" id="1" dur="indefinite" restart="never" nodeType="tmRoot"/>
+      </p:par>
+    </p:tnLst>
+  </p:timing>
 </p:sld>
 </file>
 
@@ -11777,10 +12712,523 @@
   <p:transition xmlns:p14="http://schemas.microsoft.com/office/powerpoint/2010/main">
     <p:fade thruBlk="1"/>
   </p:transition>
+  <p:timing>
+    <p:tnLst>
+      <p:par>
+        <p:cTn xmlns:p14="http://schemas.microsoft.com/office/powerpoint/2010/main" id="1" dur="indefinite" restart="never" nodeType="tmRoot"/>
+      </p:par>
+    </p:tnLst>
+  </p:timing>
 </p:sld>
 </file>
 
 <file path=ppt/slides/slide18.xml><?xml version="1.0" encoding="utf-8"?>
+<p:sld xmlns:a="http://schemas.openxmlformats.org/drawingml/2006/main" xmlns:r="http://schemas.openxmlformats.org/officeDocument/2006/relationships" xmlns:p="http://schemas.openxmlformats.org/presentationml/2006/main">
+  <p:cSld>
+    <p:spTree>
+      <p:nvGrpSpPr>
+        <p:cNvPr id="1" name=""/>
+        <p:cNvGrpSpPr/>
+        <p:nvPr/>
+      </p:nvGrpSpPr>
+      <p:grpSpPr>
+        <a:xfrm>
+          <a:off x="0" y="0"/>
+          <a:ext cx="0" cy="0"/>
+          <a:chOff x="0" y="0"/>
+          <a:chExt cx="0" cy="0"/>
+        </a:xfrm>
+      </p:grpSpPr>
+      <p:sp>
+        <p:nvSpPr>
+          <p:cNvPr id="2" name="Title 1"/>
+          <p:cNvSpPr>
+            <a:spLocks noGrp="1"/>
+          </p:cNvSpPr>
+          <p:nvPr>
+            <p:ph type="title"/>
+          </p:nvPr>
+        </p:nvSpPr>
+        <p:spPr>
+          <a:xfrm>
+            <a:off x="321623" y="418905"/>
+            <a:ext cx="4128242" cy="307777"/>
+          </a:xfrm>
+        </p:spPr>
+        <p:txBody>
+          <a:bodyPr/>
+          <a:lstStyle/>
+          <a:p>
+            <a:r>
+              <a:rPr lang="en-US" i="0" dirty="0" err="1" smtClean="0"/>
+              <a:t>Logg</a:t>
+            </a:r>
+            <a:r>
+              <a:rPr lang="en-US" i="0" dirty="0" smtClean="0"/>
+              <a:t> </a:t>
+            </a:r>
+            <a:r>
+              <a:rPr lang="en-US" i="0" dirty="0" err="1" smtClean="0"/>
+              <a:t>på</a:t>
+            </a:r>
+            <a:r>
+              <a:rPr lang="en-US" i="0" dirty="0" smtClean="0"/>
+              <a:t> </a:t>
+            </a:r>
+            <a:r>
+              <a:rPr lang="en-US" i="0" dirty="0" err="1" smtClean="0"/>
+              <a:t>hver</a:t>
+            </a:r>
+            <a:r>
+              <a:rPr lang="en-US" i="0" dirty="0" smtClean="0"/>
+              <a:t> </a:t>
+            </a:r>
+            <a:r>
+              <a:rPr lang="en-US" i="0" dirty="0" err="1" smtClean="0"/>
+              <a:t>deres</a:t>
+            </a:r>
+            <a:r>
+              <a:rPr lang="en-US" i="0" dirty="0" smtClean="0"/>
+              <a:t> server</a:t>
+            </a:r>
+            <a:endParaRPr lang="en-US" i="0" dirty="0"/>
+          </a:p>
+        </p:txBody>
+      </p:sp>
+      <p:sp>
+        <p:nvSpPr>
+          <p:cNvPr id="3" name="Slide Number Placeholder 2"/>
+          <p:cNvSpPr>
+            <a:spLocks noGrp="1"/>
+          </p:cNvSpPr>
+          <p:nvPr>
+            <p:ph type="sldNum" sz="quarter" idx="10"/>
+          </p:nvPr>
+        </p:nvSpPr>
+        <p:spPr/>
+        <p:txBody>
+          <a:bodyPr/>
+          <a:lstStyle/>
+          <a:p>
+            <a:fld id="{FF67BF5B-7344-D747-A0C2-CBD7B2ACBC85}" type="slidenum">
+              <a:rPr lang="en-US" smtClean="0"/>
+              <a:pPr/>
+              <a:t>18</a:t>
+            </a:fld>
+            <a:endParaRPr lang="en-US" dirty="0"/>
+          </a:p>
+        </p:txBody>
+      </p:sp>
+      <p:sp>
+        <p:nvSpPr>
+          <p:cNvPr id="4" name="Text Placeholder 3"/>
+          <p:cNvSpPr>
+            <a:spLocks noGrp="1"/>
+          </p:cNvSpPr>
+          <p:nvPr>
+            <p:ph type="body" sz="quarter" idx="11"/>
+          </p:nvPr>
+        </p:nvSpPr>
+        <p:spPr/>
+        <p:txBody>
+          <a:bodyPr/>
+          <a:lstStyle/>
+          <a:p>
+            <a:r>
+              <a:rPr lang="en-US" dirty="0" err="1" smtClean="0"/>
+              <a:t>Velg</a:t>
+            </a:r>
+            <a:r>
+              <a:rPr lang="en-US" dirty="0" smtClean="0"/>
+              <a:t> en server </a:t>
+            </a:r>
+            <a:r>
+              <a:rPr lang="en-US" dirty="0" err="1" smtClean="0"/>
+              <a:t>og</a:t>
+            </a:r>
+            <a:r>
+              <a:rPr lang="en-US" dirty="0" smtClean="0"/>
+              <a:t> </a:t>
+            </a:r>
+            <a:r>
+              <a:rPr lang="en-US" dirty="0" err="1" smtClean="0"/>
+              <a:t>skriv</a:t>
+            </a:r>
+            <a:r>
+              <a:rPr lang="en-US" dirty="0" smtClean="0"/>
+              <a:t> </a:t>
+            </a:r>
+            <a:r>
+              <a:rPr lang="en-US" dirty="0" err="1" smtClean="0"/>
+              <a:t>deres</a:t>
+            </a:r>
+            <a:r>
+              <a:rPr lang="en-US" dirty="0" smtClean="0"/>
+              <a:t> </a:t>
+            </a:r>
+            <a:r>
+              <a:rPr lang="en-US" dirty="0" err="1" smtClean="0"/>
+              <a:t>navn</a:t>
+            </a:r>
+            <a:r>
+              <a:rPr lang="en-US" dirty="0" smtClean="0"/>
+              <a:t> </a:t>
+            </a:r>
+            <a:r>
+              <a:rPr lang="en-US" dirty="0" err="1" smtClean="0"/>
+              <a:t>ved</a:t>
+            </a:r>
+            <a:r>
+              <a:rPr lang="en-US" dirty="0" smtClean="0"/>
+              <a:t> den: </a:t>
+            </a:r>
+            <a:r>
+              <a:rPr lang="en-US" dirty="0" smtClean="0">
+                <a:hlinkClick r:id="rId2"/>
+              </a:rPr>
+              <a:t>http</a:t>
+            </a:r>
+            <a:r>
+              <a:rPr lang="en-US" dirty="0">
+                <a:hlinkClick r:id="rId2"/>
+              </a:rPr>
+              <a:t>://bit.ly/</a:t>
+            </a:r>
+            <a:r>
+              <a:rPr lang="en-US" dirty="0" smtClean="0">
+                <a:hlinkClick r:id="rId2"/>
+              </a:rPr>
+              <a:t>1z7E3Ou</a:t>
+            </a:r>
+            <a:endParaRPr lang="en-US" dirty="0" smtClean="0"/>
+          </a:p>
+          <a:p>
+            <a:endParaRPr lang="en-US" dirty="0" smtClean="0"/>
+          </a:p>
+          <a:p>
+            <a:r>
+              <a:rPr lang="en-US" dirty="0" err="1" smtClean="0"/>
+              <a:t>Åpne</a:t>
+            </a:r>
+            <a:r>
+              <a:rPr lang="en-US" dirty="0" smtClean="0"/>
+              <a:t> en terminal:</a:t>
+            </a:r>
+          </a:p>
+          <a:p>
+            <a:r>
+              <a:rPr lang="en-US" dirty="0" smtClean="0"/>
+              <a:t>&gt; </a:t>
+            </a:r>
+            <a:r>
+              <a:rPr lang="en-US" dirty="0" err="1" smtClean="0"/>
+              <a:t>ssh</a:t>
+            </a:r>
+            <a:r>
+              <a:rPr lang="en-US" dirty="0" smtClean="0"/>
+              <a:t> </a:t>
+            </a:r>
+            <a:r>
+              <a:rPr lang="en-US" dirty="0" err="1" smtClean="0"/>
+              <a:t>mongokurs</a:t>
+            </a:r>
+            <a:r>
+              <a:rPr lang="en-US" dirty="0" smtClean="0"/>
+              <a:t>@&lt;</a:t>
+            </a:r>
+            <a:r>
+              <a:rPr lang="en-US" dirty="0" err="1" smtClean="0"/>
+              <a:t>ipadresse</a:t>
+            </a:r>
+            <a:r>
+              <a:rPr lang="en-US" dirty="0" smtClean="0"/>
+              <a:t>&gt;</a:t>
+            </a:r>
+          </a:p>
+          <a:p>
+            <a:r>
+              <a:rPr lang="en-US" dirty="0" err="1" smtClean="0"/>
+              <a:t>Passord</a:t>
+            </a:r>
+            <a:r>
+              <a:rPr lang="en-US" dirty="0" smtClean="0"/>
+              <a:t>: </a:t>
+            </a:r>
+            <a:r>
+              <a:rPr lang="en-US" dirty="0" err="1"/>
+              <a:t>mongoerkult</a:t>
+            </a:r>
+            <a:endParaRPr lang="en-US" dirty="0" smtClean="0"/>
+          </a:p>
+          <a:p>
+            <a:endParaRPr lang="en-US" dirty="0"/>
+          </a:p>
+        </p:txBody>
+      </p:sp>
+      <p:sp>
+        <p:nvSpPr>
+          <p:cNvPr id="5" name="TextBox 4"/>
+          <p:cNvSpPr txBox="1"/>
+          <p:nvPr/>
+        </p:nvSpPr>
+        <p:spPr>
+          <a:xfrm>
+            <a:off x="4592319" y="2018854"/>
+            <a:ext cx="4138987" cy="4642296"/>
+          </a:xfrm>
+          <a:prstGeom prst="rect">
+            <a:avLst/>
+          </a:prstGeom>
+        </p:spPr>
+        <p:style>
+          <a:lnRef idx="2">
+            <a:schemeClr val="dk1"/>
+          </a:lnRef>
+          <a:fillRef idx="1">
+            <a:schemeClr val="lt1"/>
+          </a:fillRef>
+          <a:effectRef idx="0">
+            <a:schemeClr val="dk1"/>
+          </a:effectRef>
+          <a:fontRef idx="minor">
+            <a:schemeClr val="dk1"/>
+          </a:fontRef>
+        </p:style>
+        <p:txBody>
+          <a:bodyPr wrap="square" rtlCol="0">
+            <a:spAutoFit/>
+          </a:bodyPr>
+          <a:lstStyle/>
+          <a:p>
+            <a:pPr>
+              <a:spcBef>
+                <a:spcPts val="600"/>
+              </a:spcBef>
+              <a:spcAft>
+                <a:spcPts val="400"/>
+              </a:spcAft>
+            </a:pPr>
+            <a:r>
+              <a:rPr lang="en-US" sz="1700" dirty="0" smtClean="0"/>
+              <a:t>$ mongo</a:t>
+            </a:r>
+          </a:p>
+          <a:p>
+            <a:pPr>
+              <a:spcBef>
+                <a:spcPts val="600"/>
+              </a:spcBef>
+              <a:spcAft>
+                <a:spcPts val="400"/>
+              </a:spcAft>
+            </a:pPr>
+            <a:r>
+              <a:rPr lang="en-US" sz="1700" i="1" dirty="0" smtClean="0"/>
+              <a:t>Connect to </a:t>
+            </a:r>
+            <a:r>
+              <a:rPr lang="en-US" sz="1700" i="1" dirty="0" err="1" smtClean="0"/>
+              <a:t>mongod</a:t>
+            </a:r>
+            <a:r>
+              <a:rPr lang="en-US" sz="1700" i="1" dirty="0" smtClean="0"/>
+              <a:t> on localhost:27017</a:t>
+            </a:r>
+          </a:p>
+          <a:p>
+            <a:pPr>
+              <a:spcBef>
+                <a:spcPts val="600"/>
+              </a:spcBef>
+              <a:spcAft>
+                <a:spcPts val="400"/>
+              </a:spcAft>
+            </a:pPr>
+            <a:r>
+              <a:rPr lang="en-US" sz="1700" dirty="0" smtClean="0"/>
+              <a:t>&gt; Show </a:t>
+            </a:r>
+            <a:r>
+              <a:rPr lang="en-US" sz="1700" dirty="0" err="1" smtClean="0"/>
+              <a:t>dbs</a:t>
+            </a:r>
+            <a:endParaRPr lang="en-US" sz="1700" dirty="0" smtClean="0"/>
+          </a:p>
+          <a:p>
+            <a:pPr>
+              <a:spcBef>
+                <a:spcPts val="600"/>
+              </a:spcBef>
+              <a:spcAft>
+                <a:spcPts val="400"/>
+              </a:spcAft>
+            </a:pPr>
+            <a:r>
+              <a:rPr lang="en-US" sz="1700" i="1" dirty="0" smtClean="0"/>
+              <a:t>List of databases</a:t>
+            </a:r>
+          </a:p>
+          <a:p>
+            <a:pPr>
+              <a:spcBef>
+                <a:spcPts val="600"/>
+              </a:spcBef>
+              <a:spcAft>
+                <a:spcPts val="400"/>
+              </a:spcAft>
+            </a:pPr>
+            <a:r>
+              <a:rPr lang="en-US" sz="1700" i="1" dirty="0" smtClean="0"/>
+              <a:t>&gt; </a:t>
+            </a:r>
+            <a:r>
+              <a:rPr lang="en-US" sz="1700" dirty="0" smtClean="0"/>
+              <a:t>Use </a:t>
+            </a:r>
+            <a:r>
+              <a:rPr lang="en-US" sz="1700" dirty="0" err="1" smtClean="0"/>
+              <a:t>kursserie</a:t>
+            </a:r>
+            <a:endParaRPr lang="en-US" sz="1700" dirty="0" smtClean="0"/>
+          </a:p>
+          <a:p>
+            <a:pPr>
+              <a:spcBef>
+                <a:spcPts val="600"/>
+              </a:spcBef>
+              <a:spcAft>
+                <a:spcPts val="400"/>
+              </a:spcAft>
+            </a:pPr>
+            <a:r>
+              <a:rPr lang="en-US" sz="1700" i="1" dirty="0" smtClean="0"/>
+              <a:t>Switch to the </a:t>
+            </a:r>
+            <a:r>
+              <a:rPr lang="en-US" sz="1700" i="1" dirty="0" err="1" smtClean="0"/>
+              <a:t>kursserie</a:t>
+            </a:r>
+            <a:r>
+              <a:rPr lang="en-US" sz="1700" i="1" dirty="0" smtClean="0"/>
+              <a:t> database</a:t>
+            </a:r>
+          </a:p>
+          <a:p>
+            <a:pPr>
+              <a:spcBef>
+                <a:spcPts val="600"/>
+              </a:spcBef>
+              <a:spcAft>
+                <a:spcPts val="400"/>
+              </a:spcAft>
+            </a:pPr>
+            <a:r>
+              <a:rPr lang="en-US" sz="1700" i="1" dirty="0" smtClean="0"/>
+              <a:t>&gt; Show collections</a:t>
+            </a:r>
+          </a:p>
+          <a:p>
+            <a:pPr>
+              <a:spcBef>
+                <a:spcPts val="600"/>
+              </a:spcBef>
+              <a:spcAft>
+                <a:spcPts val="400"/>
+              </a:spcAft>
+            </a:pPr>
+            <a:r>
+              <a:rPr lang="en-US" sz="1700" dirty="0" smtClean="0"/>
+              <a:t>products</a:t>
+            </a:r>
+          </a:p>
+          <a:p>
+            <a:pPr>
+              <a:spcBef>
+                <a:spcPts val="600"/>
+              </a:spcBef>
+              <a:spcAft>
+                <a:spcPts val="400"/>
+              </a:spcAft>
+            </a:pPr>
+            <a:r>
+              <a:rPr lang="en-US" sz="1700" dirty="0" err="1" smtClean="0"/>
+              <a:t>system.indexes</a:t>
+            </a:r>
+            <a:endParaRPr lang="en-US" sz="1700" dirty="0" smtClean="0"/>
+          </a:p>
+          <a:p>
+            <a:pPr>
+              <a:spcBef>
+                <a:spcPts val="600"/>
+              </a:spcBef>
+              <a:spcAft>
+                <a:spcPts val="400"/>
+              </a:spcAft>
+            </a:pPr>
+            <a:r>
+              <a:rPr lang="en-US" sz="1700" dirty="0" smtClean="0"/>
+              <a:t>users</a:t>
+            </a:r>
+          </a:p>
+          <a:p>
+            <a:pPr>
+              <a:spcBef>
+                <a:spcPts val="600"/>
+              </a:spcBef>
+              <a:spcAft>
+                <a:spcPts val="400"/>
+              </a:spcAft>
+            </a:pPr>
+            <a:r>
+              <a:rPr lang="en-US" sz="1700" dirty="0" smtClean="0"/>
+              <a:t>&gt; </a:t>
+            </a:r>
+            <a:r>
+              <a:rPr lang="en-US" sz="1700" dirty="0" err="1" smtClean="0"/>
+              <a:t>db.products.findOne</a:t>
+            </a:r>
+            <a:r>
+              <a:rPr lang="en-US" sz="1700" dirty="0" smtClean="0"/>
+              <a:t>();</a:t>
+            </a:r>
+          </a:p>
+          <a:p>
+            <a:pPr>
+              <a:spcBef>
+                <a:spcPts val="600"/>
+              </a:spcBef>
+              <a:spcAft>
+                <a:spcPts val="400"/>
+              </a:spcAft>
+            </a:pPr>
+            <a:endParaRPr lang="en-US" sz="1700" dirty="0" err="1" smtClean="0"/>
+          </a:p>
+        </p:txBody>
+      </p:sp>
+    </p:spTree>
+    <p:extLst>
+      <p:ext uri="{BB962C8B-B14F-4D97-AF65-F5344CB8AC3E}">
+        <p14:creationId xmlns:p14="http://schemas.microsoft.com/office/powerpoint/2010/main" val="1527844504"/>
+      </p:ext>
+    </p:extLst>
+  </p:cSld>
+  <p:clrMapOvr>
+    <a:masterClrMapping/>
+  </p:clrMapOvr>
+  <p:transition xmlns:p14="http://schemas.microsoft.com/office/powerpoint/2010/main">
+    <p:fade thruBlk="1"/>
+  </p:transition>
+  <p:timing>
+    <p:tnLst>
+      <p:par>
+        <p:cTn xmlns:p14="http://schemas.microsoft.com/office/powerpoint/2010/main" id="1" dur="indefinite" restart="never" nodeType="tmRoot"/>
+      </p:par>
+    </p:tnLst>
+  </p:timing>
+</p:sld>
+</file>
+
+<file path=ppt/slides/slide19.xml><?xml version="1.0" encoding="utf-8"?>
 <p:sld xmlns:a="http://schemas.openxmlformats.org/drawingml/2006/main" xmlns:r="http://schemas.openxmlformats.org/officeDocument/2006/relationships" xmlns:p="http://schemas.openxmlformats.org/presentationml/2006/main">
   <p:cSld>
     <p:spTree>
@@ -11871,7 +13319,7 @@
             <a:fld id="{FF67BF5B-7344-D747-A0C2-CBD7B2ACBC85}" type="slidenum">
               <a:rPr lang="en-US" smtClean="0"/>
               <a:pPr/>
-              <a:t>18</a:t>
+              <a:t>19</a:t>
             </a:fld>
             <a:endParaRPr lang="en-US" dirty="0"/>
           </a:p>
@@ -11936,10 +13384,17 @@
   <p:transition xmlns:p14="http://schemas.microsoft.com/office/powerpoint/2010/main">
     <p:fade thruBlk="1"/>
   </p:transition>
+  <p:timing>
+    <p:tnLst>
+      <p:par>
+        <p:cTn xmlns:p14="http://schemas.microsoft.com/office/powerpoint/2010/main" id="1" dur="indefinite" restart="never" nodeType="tmRoot"/>
+      </p:par>
+    </p:tnLst>
+  </p:timing>
 </p:sld>
 </file>
 
-<file path=ppt/slides/slide19.xml><?xml version="1.0" encoding="utf-8"?>
+<file path=ppt/slides/slide2.xml><?xml version="1.0" encoding="utf-8"?>
 <p:sld xmlns:a="http://schemas.openxmlformats.org/drawingml/2006/main" xmlns:r="http://schemas.openxmlformats.org/officeDocument/2006/relationships" xmlns:p="http://schemas.openxmlformats.org/presentationml/2006/main">
   <p:cSld>
     <p:spTree>
@@ -11969,6 +13424,898 @@
         <p:spPr>
           <a:xfrm>
             <a:off x="321623" y="418905"/>
+            <a:ext cx="2419234" cy="307777"/>
+          </a:xfrm>
+        </p:spPr>
+        <p:txBody>
+          <a:bodyPr/>
+          <a:lstStyle/>
+          <a:p>
+            <a:r>
+              <a:rPr lang="en-US" dirty="0" smtClean="0"/>
+              <a:t>Om </a:t>
+            </a:r>
+            <a:r>
+              <a:rPr lang="en-US" dirty="0" err="1" smtClean="0"/>
+              <a:t>kursserien</a:t>
+            </a:r>
+            <a:endParaRPr lang="en-US" dirty="0"/>
+          </a:p>
+        </p:txBody>
+      </p:sp>
+      <p:sp>
+        <p:nvSpPr>
+          <p:cNvPr id="3" name="Text Placeholder 2"/>
+          <p:cNvSpPr>
+            <a:spLocks noGrp="1"/>
+          </p:cNvSpPr>
+          <p:nvPr>
+            <p:ph type="body" sz="quarter" idx="11"/>
+          </p:nvPr>
+        </p:nvSpPr>
+        <p:spPr/>
+        <p:txBody>
+          <a:bodyPr/>
+          <a:lstStyle/>
+          <a:p>
+            <a:r>
+              <a:rPr lang="en-US" dirty="0" err="1" smtClean="0"/>
+              <a:t>Introduksjon</a:t>
+            </a:r>
+            <a:r>
+              <a:rPr lang="en-US" dirty="0" smtClean="0"/>
+              <a:t> </a:t>
+            </a:r>
+            <a:r>
+              <a:rPr lang="en-US" dirty="0" err="1" smtClean="0"/>
+              <a:t>til</a:t>
+            </a:r>
+            <a:r>
+              <a:rPr lang="en-US" dirty="0" smtClean="0"/>
+              <a:t> </a:t>
+            </a:r>
+            <a:r>
+              <a:rPr lang="en-US" dirty="0" err="1" smtClean="0"/>
+              <a:t>MongoDB</a:t>
+            </a:r>
+            <a:endParaRPr lang="en-US" dirty="0"/>
+          </a:p>
+          <a:p>
+            <a:endParaRPr lang="en-US" dirty="0"/>
+          </a:p>
+          <a:p>
+            <a:r>
+              <a:rPr lang="en-US" dirty="0" smtClean="0"/>
+              <a:t>Vi </a:t>
+            </a:r>
+            <a:r>
+              <a:rPr lang="en-US" dirty="0" err="1" smtClean="0"/>
+              <a:t>fokuserer</a:t>
+            </a:r>
+            <a:r>
+              <a:rPr lang="en-US" dirty="0" smtClean="0"/>
+              <a:t> </a:t>
+            </a:r>
+            <a:r>
+              <a:rPr lang="en-US" dirty="0" err="1" smtClean="0"/>
+              <a:t>på</a:t>
+            </a:r>
+            <a:r>
+              <a:rPr lang="en-US" dirty="0" smtClean="0"/>
+              <a:t> </a:t>
+            </a:r>
+            <a:r>
+              <a:rPr lang="en-US" dirty="0" err="1" smtClean="0"/>
+              <a:t>basisoperasjoner</a:t>
+            </a:r>
+            <a:r>
+              <a:rPr lang="en-US" dirty="0" smtClean="0"/>
+              <a:t> </a:t>
+            </a:r>
+            <a:r>
+              <a:rPr lang="en-US" dirty="0" err="1" smtClean="0"/>
+              <a:t>og</a:t>
+            </a:r>
+            <a:r>
+              <a:rPr lang="en-US" dirty="0" smtClean="0"/>
+              <a:t> </a:t>
+            </a:r>
+            <a:r>
+              <a:rPr lang="en-US" dirty="0" err="1" smtClean="0"/>
+              <a:t>funksjonalitet</a:t>
+            </a:r>
+            <a:r>
+              <a:rPr lang="en-US" dirty="0" smtClean="0"/>
+              <a:t> </a:t>
+            </a:r>
+            <a:r>
+              <a:rPr lang="en-US" dirty="0" err="1" smtClean="0"/>
+              <a:t>som</a:t>
+            </a:r>
+            <a:r>
+              <a:rPr lang="en-US" dirty="0" smtClean="0"/>
+              <a:t> </a:t>
+            </a:r>
+            <a:r>
+              <a:rPr lang="en-US" dirty="0" err="1" smtClean="0"/>
+              <a:t>gjør</a:t>
+            </a:r>
+            <a:r>
+              <a:rPr lang="en-US" dirty="0" smtClean="0"/>
+              <a:t> </a:t>
+            </a:r>
+            <a:r>
+              <a:rPr lang="en-US" dirty="0" err="1" smtClean="0"/>
+              <a:t>dette</a:t>
+            </a:r>
+            <a:r>
+              <a:rPr lang="en-US" dirty="0" smtClean="0"/>
+              <a:t> </a:t>
+            </a:r>
+            <a:r>
+              <a:rPr lang="en-US" dirty="0" err="1" smtClean="0"/>
+              <a:t>til</a:t>
+            </a:r>
+            <a:r>
+              <a:rPr lang="en-US" dirty="0" smtClean="0"/>
+              <a:t> et </a:t>
+            </a:r>
+            <a:r>
+              <a:rPr lang="en-US" dirty="0" err="1" smtClean="0"/>
+              <a:t>godt</a:t>
+            </a:r>
+            <a:r>
+              <a:rPr lang="en-US" dirty="0" smtClean="0"/>
+              <a:t> </a:t>
+            </a:r>
+            <a:r>
+              <a:rPr lang="en-US" dirty="0" err="1" smtClean="0"/>
+              <a:t>verktøy</a:t>
+            </a:r>
+            <a:r>
+              <a:rPr lang="en-US" dirty="0" smtClean="0"/>
+              <a:t> for </a:t>
+            </a:r>
+            <a:r>
+              <a:rPr lang="en-US" dirty="0" err="1" smtClean="0"/>
+              <a:t>rask</a:t>
+            </a:r>
+            <a:r>
+              <a:rPr lang="en-US" dirty="0" smtClean="0"/>
+              <a:t> </a:t>
+            </a:r>
+            <a:r>
+              <a:rPr lang="en-US" dirty="0" err="1" smtClean="0"/>
+              <a:t>utvikling</a:t>
+            </a:r>
+            <a:r>
+              <a:rPr lang="en-US" dirty="0" smtClean="0"/>
+              <a:t>!</a:t>
+            </a:r>
+            <a:endParaRPr lang="en-US" dirty="0"/>
+          </a:p>
+        </p:txBody>
+      </p:sp>
+      <p:sp>
+        <p:nvSpPr>
+          <p:cNvPr id="4" name="Text Placeholder 3"/>
+          <p:cNvSpPr>
+            <a:spLocks noGrp="1"/>
+          </p:cNvSpPr>
+          <p:nvPr>
+            <p:ph type="body" sz="quarter" idx="12"/>
+          </p:nvPr>
+        </p:nvSpPr>
+        <p:spPr/>
+        <p:txBody>
+          <a:bodyPr/>
+          <a:lstStyle/>
+          <a:p>
+            <a:r>
+              <a:rPr lang="en-US" dirty="0" err="1" smtClean="0"/>
+              <a:t>Introduksjon</a:t>
+            </a:r>
+            <a:r>
+              <a:rPr lang="en-US" dirty="0" smtClean="0"/>
+              <a:t> </a:t>
+            </a:r>
+            <a:r>
+              <a:rPr lang="en-US" dirty="0" err="1" smtClean="0"/>
+              <a:t>til</a:t>
+            </a:r>
+            <a:r>
+              <a:rPr lang="en-US" dirty="0" smtClean="0"/>
+              <a:t> Neo4J</a:t>
+            </a:r>
+          </a:p>
+          <a:p>
+            <a:endParaRPr lang="en-US" dirty="0"/>
+          </a:p>
+          <a:p>
+            <a:r>
+              <a:rPr lang="en-US" dirty="0" smtClean="0"/>
+              <a:t>Neo4J </a:t>
+            </a:r>
+            <a:r>
+              <a:rPr lang="en-US" dirty="0" err="1" smtClean="0"/>
+              <a:t>går</a:t>
+            </a:r>
+            <a:r>
+              <a:rPr lang="en-US" dirty="0" smtClean="0"/>
+              <a:t> med </a:t>
+            </a:r>
+            <a:r>
+              <a:rPr lang="en-US" dirty="0" err="1" smtClean="0"/>
+              <a:t>tanke</a:t>
+            </a:r>
+            <a:r>
+              <a:rPr lang="en-US" dirty="0" smtClean="0"/>
+              <a:t> </a:t>
+            </a:r>
+            <a:r>
+              <a:rPr lang="en-US" dirty="0" err="1" smtClean="0"/>
+              <a:t>på</a:t>
+            </a:r>
+            <a:r>
+              <a:rPr lang="en-US" dirty="0" smtClean="0"/>
+              <a:t> </a:t>
+            </a:r>
+            <a:r>
+              <a:rPr lang="en-US" dirty="0" err="1" smtClean="0"/>
+              <a:t>funksjonalitet</a:t>
+            </a:r>
+            <a:r>
+              <a:rPr lang="en-US" dirty="0" smtClean="0"/>
+              <a:t> </a:t>
+            </a:r>
+            <a:r>
+              <a:rPr lang="en-US" dirty="0" err="1" smtClean="0"/>
+              <a:t>i</a:t>
+            </a:r>
+            <a:r>
+              <a:rPr lang="en-US" dirty="0" smtClean="0"/>
+              <a:t> </a:t>
+            </a:r>
+            <a:r>
+              <a:rPr lang="en-US" dirty="0" err="1" smtClean="0"/>
+              <a:t>motsatt</a:t>
+            </a:r>
+            <a:r>
+              <a:rPr lang="en-US" dirty="0" smtClean="0"/>
+              <a:t> </a:t>
+            </a:r>
+            <a:r>
+              <a:rPr lang="en-US" dirty="0" err="1" smtClean="0"/>
+              <a:t>retning</a:t>
+            </a:r>
+            <a:r>
+              <a:rPr lang="en-US" dirty="0" smtClean="0"/>
+              <a:t> </a:t>
+            </a:r>
+            <a:r>
+              <a:rPr lang="en-US" dirty="0" err="1" smtClean="0"/>
+              <a:t>av</a:t>
+            </a:r>
+            <a:r>
+              <a:rPr lang="en-US" dirty="0" smtClean="0"/>
+              <a:t> </a:t>
+            </a:r>
+            <a:r>
+              <a:rPr lang="en-US" dirty="0" err="1" smtClean="0"/>
+              <a:t>MongoDB</a:t>
+            </a:r>
+            <a:r>
+              <a:rPr lang="en-US" dirty="0" smtClean="0"/>
+              <a:t>. </a:t>
+            </a:r>
+            <a:r>
+              <a:rPr lang="en-US" dirty="0" err="1" smtClean="0"/>
+              <a:t>Det</a:t>
+            </a:r>
+            <a:r>
+              <a:rPr lang="en-US" dirty="0" smtClean="0"/>
+              <a:t> man </a:t>
+            </a:r>
+            <a:r>
+              <a:rPr lang="en-US" dirty="0" err="1" smtClean="0"/>
+              <a:t>får</a:t>
+            </a:r>
+            <a:r>
+              <a:rPr lang="en-US" dirty="0" smtClean="0"/>
+              <a:t> </a:t>
+            </a:r>
+            <a:r>
+              <a:rPr lang="en-US" dirty="0" err="1" smtClean="0"/>
+              <a:t>i</a:t>
+            </a:r>
+            <a:r>
+              <a:rPr lang="en-US" dirty="0" smtClean="0"/>
+              <a:t> </a:t>
+            </a:r>
+            <a:r>
+              <a:rPr lang="en-US" dirty="0" err="1" smtClean="0"/>
+              <a:t>retur</a:t>
+            </a:r>
+            <a:r>
+              <a:rPr lang="en-US" dirty="0" smtClean="0"/>
+              <a:t> </a:t>
+            </a:r>
+            <a:r>
+              <a:rPr lang="en-US" dirty="0" err="1" smtClean="0"/>
+              <a:t>er</a:t>
+            </a:r>
+            <a:r>
+              <a:rPr lang="en-US" dirty="0" smtClean="0"/>
+              <a:t> en database </a:t>
+            </a:r>
+            <a:r>
+              <a:rPr lang="en-US" dirty="0" err="1" smtClean="0"/>
+              <a:t>som</a:t>
+            </a:r>
+            <a:r>
+              <a:rPr lang="en-US" dirty="0" smtClean="0"/>
+              <a:t> </a:t>
+            </a:r>
+            <a:r>
+              <a:rPr lang="en-US" dirty="0" err="1" smtClean="0"/>
+              <a:t>kan</a:t>
+            </a:r>
+            <a:r>
+              <a:rPr lang="en-US" dirty="0" smtClean="0"/>
+              <a:t> </a:t>
+            </a:r>
+            <a:r>
+              <a:rPr lang="en-US" dirty="0" err="1" smtClean="0"/>
+              <a:t>gjøre</a:t>
+            </a:r>
+            <a:r>
+              <a:rPr lang="en-US" dirty="0" smtClean="0"/>
+              <a:t> </a:t>
+            </a:r>
+            <a:r>
+              <a:rPr lang="en-US" dirty="0" err="1" smtClean="0"/>
+              <a:t>ekstremt</a:t>
+            </a:r>
+            <a:r>
+              <a:rPr lang="en-US" dirty="0" smtClean="0"/>
+              <a:t> </a:t>
+            </a:r>
+            <a:r>
+              <a:rPr lang="en-US" dirty="0" err="1" smtClean="0"/>
+              <a:t>kraftige</a:t>
+            </a:r>
+            <a:r>
+              <a:rPr lang="en-US" dirty="0" smtClean="0"/>
+              <a:t> </a:t>
+            </a:r>
+            <a:r>
+              <a:rPr lang="en-US" dirty="0" err="1" smtClean="0"/>
+              <a:t>spørringer</a:t>
+            </a:r>
+            <a:r>
+              <a:rPr lang="en-US" dirty="0"/>
+              <a:t>.</a:t>
+            </a:r>
+          </a:p>
+        </p:txBody>
+      </p:sp>
+      <p:sp>
+        <p:nvSpPr>
+          <p:cNvPr id="5" name="Slide Number Placeholder 4"/>
+          <p:cNvSpPr>
+            <a:spLocks noGrp="1"/>
+          </p:cNvSpPr>
+          <p:nvPr>
+            <p:ph type="sldNum" sz="quarter" idx="4"/>
+          </p:nvPr>
+        </p:nvSpPr>
+        <p:spPr/>
+        <p:txBody>
+          <a:bodyPr/>
+          <a:lstStyle/>
+          <a:p>
+            <a:fld id="{FF67BF5B-7344-D747-A0C2-CBD7B2ACBC85}" type="slidenum">
+              <a:rPr lang="en-US" smtClean="0"/>
+              <a:pPr/>
+              <a:t>2</a:t>
+            </a:fld>
+            <a:endParaRPr lang="en-US" dirty="0"/>
+          </a:p>
+        </p:txBody>
+      </p:sp>
+      <p:sp>
+        <p:nvSpPr>
+          <p:cNvPr id="6" name="Text Placeholder 5"/>
+          <p:cNvSpPr>
+            <a:spLocks noGrp="1"/>
+          </p:cNvSpPr>
+          <p:nvPr>
+            <p:ph type="body" sz="quarter" idx="13"/>
+          </p:nvPr>
+        </p:nvSpPr>
+        <p:spPr>
+          <a:xfrm>
+            <a:off x="331394" y="1272002"/>
+            <a:ext cx="706784" cy="276999"/>
+          </a:xfrm>
+        </p:spPr>
+        <p:txBody>
+          <a:bodyPr/>
+          <a:lstStyle/>
+          <a:p>
+            <a:r>
+              <a:rPr lang="en-US" dirty="0" smtClean="0"/>
+              <a:t>Del 1</a:t>
+            </a:r>
+            <a:endParaRPr lang="en-US" dirty="0"/>
+          </a:p>
+        </p:txBody>
+      </p:sp>
+      <p:sp>
+        <p:nvSpPr>
+          <p:cNvPr id="7" name="Text Placeholder 6"/>
+          <p:cNvSpPr>
+            <a:spLocks noGrp="1"/>
+          </p:cNvSpPr>
+          <p:nvPr>
+            <p:ph type="body" sz="quarter" idx="14"/>
+          </p:nvPr>
+        </p:nvSpPr>
+        <p:spPr>
+          <a:xfrm>
+            <a:off x="3260883" y="1272002"/>
+            <a:ext cx="736540" cy="276999"/>
+          </a:xfrm>
+        </p:spPr>
+        <p:txBody>
+          <a:bodyPr/>
+          <a:lstStyle/>
+          <a:p>
+            <a:r>
+              <a:rPr lang="en-US" dirty="0" smtClean="0"/>
+              <a:t>Del 2</a:t>
+            </a:r>
+            <a:endParaRPr lang="en-US" dirty="0"/>
+          </a:p>
+        </p:txBody>
+      </p:sp>
+      <p:sp>
+        <p:nvSpPr>
+          <p:cNvPr id="8" name="Text Placeholder 7"/>
+          <p:cNvSpPr>
+            <a:spLocks noGrp="1"/>
+          </p:cNvSpPr>
+          <p:nvPr>
+            <p:ph type="body" sz="quarter" idx="15"/>
+          </p:nvPr>
+        </p:nvSpPr>
+        <p:spPr/>
+        <p:txBody>
+          <a:bodyPr/>
+          <a:lstStyle/>
+          <a:p>
+            <a:r>
+              <a:rPr lang="en-US" dirty="0" smtClean="0"/>
+              <a:t>Vi </a:t>
+            </a:r>
+            <a:r>
+              <a:rPr lang="en-US" dirty="0" err="1" smtClean="0"/>
+              <a:t>har</a:t>
+            </a:r>
+            <a:r>
+              <a:rPr lang="en-US" dirty="0" smtClean="0"/>
+              <a:t> </a:t>
+            </a:r>
+            <a:r>
+              <a:rPr lang="en-US" dirty="0" err="1" smtClean="0"/>
+              <a:t>til</a:t>
+            </a:r>
+            <a:r>
+              <a:rPr lang="en-US" dirty="0" smtClean="0"/>
+              <a:t> </a:t>
+            </a:r>
+            <a:r>
+              <a:rPr lang="en-US" dirty="0" err="1" smtClean="0"/>
+              <a:t>nå</a:t>
+            </a:r>
+            <a:r>
+              <a:rPr lang="en-US" dirty="0" smtClean="0"/>
+              <a:t> sett </a:t>
+            </a:r>
+            <a:r>
+              <a:rPr lang="en-US" dirty="0" err="1" smtClean="0"/>
+              <a:t>på</a:t>
+            </a:r>
+            <a:r>
+              <a:rPr lang="en-US" dirty="0" smtClean="0"/>
+              <a:t> to </a:t>
+            </a:r>
+            <a:r>
+              <a:rPr lang="en-US" dirty="0" err="1" smtClean="0"/>
+              <a:t>ytterst</a:t>
+            </a:r>
+            <a:r>
+              <a:rPr lang="en-US" dirty="0" smtClean="0"/>
+              <a:t> </a:t>
+            </a:r>
+            <a:r>
+              <a:rPr lang="en-US" dirty="0" err="1" smtClean="0"/>
+              <a:t>forskjellige</a:t>
+            </a:r>
+            <a:r>
+              <a:rPr lang="en-US" dirty="0" smtClean="0"/>
+              <a:t> </a:t>
+            </a:r>
+            <a:r>
+              <a:rPr lang="en-US" dirty="0" err="1" smtClean="0"/>
+              <a:t>databaser</a:t>
+            </a:r>
+            <a:r>
+              <a:rPr lang="en-US" dirty="0" smtClean="0"/>
+              <a:t>. I </a:t>
+            </a:r>
+            <a:r>
+              <a:rPr lang="en-US" dirty="0" err="1" smtClean="0"/>
+              <a:t>tillegg</a:t>
+            </a:r>
+            <a:r>
+              <a:rPr lang="en-US" dirty="0" smtClean="0"/>
+              <a:t> </a:t>
+            </a:r>
+            <a:r>
+              <a:rPr lang="en-US" dirty="0" err="1" smtClean="0"/>
+              <a:t>har</a:t>
+            </a:r>
+            <a:r>
+              <a:rPr lang="en-US" dirty="0" smtClean="0"/>
+              <a:t> man de </a:t>
+            </a:r>
+            <a:r>
+              <a:rPr lang="en-US" dirty="0" err="1" smtClean="0"/>
+              <a:t>mer</a:t>
+            </a:r>
+            <a:r>
+              <a:rPr lang="en-US" dirty="0" smtClean="0"/>
+              <a:t> </a:t>
+            </a:r>
+            <a:r>
+              <a:rPr lang="en-US" dirty="0" err="1" smtClean="0"/>
+              <a:t>tradisjonelle</a:t>
+            </a:r>
+            <a:r>
+              <a:rPr lang="en-US" dirty="0" smtClean="0"/>
+              <a:t> </a:t>
+            </a:r>
+            <a:r>
+              <a:rPr lang="en-US" dirty="0" err="1" smtClean="0"/>
+              <a:t>relasjonelle</a:t>
+            </a:r>
+            <a:r>
+              <a:rPr lang="en-US" dirty="0" smtClean="0"/>
+              <a:t> SQL </a:t>
+            </a:r>
+            <a:r>
+              <a:rPr lang="en-US" dirty="0" err="1" smtClean="0"/>
+              <a:t>databasene</a:t>
+            </a:r>
+            <a:r>
+              <a:rPr lang="en-US" dirty="0"/>
+              <a:t> </a:t>
+            </a:r>
+            <a:r>
+              <a:rPr lang="en-US" dirty="0" err="1" smtClean="0"/>
+              <a:t>og</a:t>
+            </a:r>
+            <a:r>
+              <a:rPr lang="en-US" dirty="0" smtClean="0"/>
+              <a:t> mange </a:t>
+            </a:r>
+            <a:r>
+              <a:rPr lang="en-US" dirty="0" err="1" smtClean="0"/>
+              <a:t>andre</a:t>
+            </a:r>
+            <a:r>
+              <a:rPr lang="en-US" dirty="0" smtClean="0"/>
+              <a:t> </a:t>
+            </a:r>
+            <a:r>
+              <a:rPr lang="en-US" dirty="0" err="1" smtClean="0"/>
+              <a:t>varisjoner</a:t>
+            </a:r>
+            <a:r>
+              <a:rPr lang="en-US" dirty="0" smtClean="0"/>
+              <a:t> </a:t>
+            </a:r>
+            <a:r>
+              <a:rPr lang="en-US" dirty="0" err="1" smtClean="0"/>
+              <a:t>av</a:t>
+            </a:r>
+            <a:r>
+              <a:rPr lang="en-US" dirty="0" smtClean="0"/>
+              <a:t> </a:t>
+            </a:r>
+            <a:r>
+              <a:rPr lang="en-US" dirty="0" err="1" smtClean="0"/>
+              <a:t>databaser</a:t>
+            </a:r>
+            <a:r>
+              <a:rPr lang="en-US" dirty="0" smtClean="0"/>
+              <a:t>. </a:t>
+            </a:r>
+            <a:r>
+              <a:rPr lang="en-US" dirty="0" err="1" smtClean="0"/>
+              <a:t>Så</a:t>
+            </a:r>
+            <a:r>
+              <a:rPr lang="en-US" dirty="0" smtClean="0"/>
+              <a:t> </a:t>
+            </a:r>
+            <a:r>
+              <a:rPr lang="en-US" dirty="0" err="1" smtClean="0"/>
+              <a:t>hvordan</a:t>
+            </a:r>
+            <a:r>
+              <a:rPr lang="en-US" dirty="0" smtClean="0"/>
+              <a:t> vet man </a:t>
+            </a:r>
+            <a:r>
+              <a:rPr lang="en-US" dirty="0" err="1" smtClean="0"/>
+              <a:t>hvilken</a:t>
+            </a:r>
+            <a:r>
+              <a:rPr lang="en-US" dirty="0" smtClean="0"/>
+              <a:t> man </a:t>
+            </a:r>
+            <a:r>
+              <a:rPr lang="en-US" dirty="0" err="1" smtClean="0"/>
+              <a:t>skal</a:t>
+            </a:r>
+            <a:r>
+              <a:rPr lang="en-US" dirty="0" smtClean="0"/>
+              <a:t> </a:t>
+            </a:r>
+            <a:r>
+              <a:rPr lang="en-US" dirty="0" err="1" smtClean="0"/>
+              <a:t>bruke</a:t>
+            </a:r>
+            <a:r>
+              <a:rPr lang="en-US" dirty="0" smtClean="0"/>
+              <a:t> </a:t>
+            </a:r>
+            <a:r>
+              <a:rPr lang="en-US" dirty="0" err="1" smtClean="0"/>
+              <a:t>når</a:t>
+            </a:r>
+            <a:r>
+              <a:rPr lang="en-US" dirty="0" smtClean="0"/>
+              <a:t>?</a:t>
+            </a:r>
+          </a:p>
+          <a:p>
+            <a:endParaRPr lang="en-US" dirty="0"/>
+          </a:p>
+          <a:p>
+            <a:r>
+              <a:rPr lang="en-US" dirty="0" err="1" smtClean="0"/>
+              <a:t>Denne</a:t>
+            </a:r>
+            <a:r>
+              <a:rPr lang="en-US" dirty="0" smtClean="0"/>
+              <a:t> </a:t>
+            </a:r>
+            <a:r>
+              <a:rPr lang="en-US" dirty="0" err="1" smtClean="0"/>
+              <a:t>kvelden</a:t>
+            </a:r>
+            <a:r>
+              <a:rPr lang="en-US" dirty="0" smtClean="0"/>
+              <a:t> </a:t>
+            </a:r>
+            <a:r>
+              <a:rPr lang="en-US" dirty="0" err="1" smtClean="0"/>
+              <a:t>vil</a:t>
+            </a:r>
+            <a:r>
+              <a:rPr lang="en-US" dirty="0" smtClean="0"/>
+              <a:t> </a:t>
+            </a:r>
+            <a:r>
+              <a:rPr lang="en-US" dirty="0" err="1" smtClean="0"/>
+              <a:t>være</a:t>
+            </a:r>
+            <a:r>
+              <a:rPr lang="en-US" dirty="0" smtClean="0"/>
+              <a:t> </a:t>
+            </a:r>
+            <a:r>
+              <a:rPr lang="en-US" dirty="0" err="1" smtClean="0"/>
+              <a:t>rettet</a:t>
+            </a:r>
+            <a:r>
+              <a:rPr lang="en-US" dirty="0" smtClean="0"/>
+              <a:t> mot </a:t>
+            </a:r>
+            <a:r>
+              <a:rPr lang="en-US" dirty="0" err="1" smtClean="0"/>
+              <a:t>å</a:t>
+            </a:r>
+            <a:r>
+              <a:rPr lang="en-US" dirty="0" smtClean="0"/>
+              <a:t> </a:t>
+            </a:r>
+            <a:r>
+              <a:rPr lang="en-US" dirty="0" err="1" smtClean="0"/>
+              <a:t>gi</a:t>
+            </a:r>
+            <a:r>
+              <a:rPr lang="en-US" dirty="0" smtClean="0"/>
+              <a:t> </a:t>
+            </a:r>
+            <a:r>
+              <a:rPr lang="en-US" dirty="0" err="1" smtClean="0"/>
+              <a:t>dere</a:t>
+            </a:r>
+            <a:r>
+              <a:rPr lang="en-US" dirty="0" smtClean="0"/>
+              <a:t> </a:t>
+            </a:r>
+            <a:r>
+              <a:rPr lang="en-US" dirty="0" err="1" smtClean="0"/>
+              <a:t>innsikt</a:t>
+            </a:r>
+            <a:r>
+              <a:rPr lang="en-US" dirty="0" smtClean="0"/>
+              <a:t> </a:t>
+            </a:r>
+            <a:r>
+              <a:rPr lang="en-US" dirty="0" err="1" smtClean="0"/>
+              <a:t>i</a:t>
+            </a:r>
+            <a:r>
+              <a:rPr lang="en-US" dirty="0" smtClean="0"/>
+              <a:t> </a:t>
+            </a:r>
+            <a:r>
+              <a:rPr lang="en-US" dirty="0" err="1" smtClean="0"/>
+              <a:t>det</a:t>
+            </a:r>
+            <a:r>
+              <a:rPr lang="en-US" dirty="0" smtClean="0"/>
+              <a:t> </a:t>
+            </a:r>
+            <a:r>
+              <a:rPr lang="en-US" dirty="0" err="1" smtClean="0"/>
+              <a:t>å</a:t>
+            </a:r>
+            <a:r>
+              <a:rPr lang="en-US" dirty="0" smtClean="0"/>
+              <a:t> </a:t>
+            </a:r>
+            <a:r>
+              <a:rPr lang="en-US" dirty="0" err="1" smtClean="0"/>
+              <a:t>velge</a:t>
+            </a:r>
+            <a:r>
+              <a:rPr lang="en-US" dirty="0" smtClean="0"/>
+              <a:t> </a:t>
+            </a:r>
+            <a:r>
+              <a:rPr lang="en-US" dirty="0" err="1" smtClean="0"/>
+              <a:t>riktig</a:t>
+            </a:r>
+            <a:r>
+              <a:rPr lang="en-US" dirty="0" smtClean="0"/>
+              <a:t> database </a:t>
+            </a:r>
+            <a:r>
+              <a:rPr lang="en-US" dirty="0" err="1" smtClean="0"/>
+              <a:t>til</a:t>
+            </a:r>
+            <a:r>
+              <a:rPr lang="en-US" dirty="0" smtClean="0"/>
+              <a:t> </a:t>
+            </a:r>
+            <a:r>
+              <a:rPr lang="en-US" dirty="0" err="1" smtClean="0"/>
+              <a:t>riktig</a:t>
+            </a:r>
+            <a:r>
+              <a:rPr lang="en-US" dirty="0" smtClean="0"/>
+              <a:t> </a:t>
+            </a:r>
+            <a:r>
+              <a:rPr lang="en-US" dirty="0" err="1" smtClean="0"/>
+              <a:t>oppgave</a:t>
+            </a:r>
+            <a:r>
+              <a:rPr lang="en-US" dirty="0" smtClean="0"/>
+              <a:t>.</a:t>
+            </a:r>
+            <a:endParaRPr lang="en-US" dirty="0"/>
+          </a:p>
+        </p:txBody>
+      </p:sp>
+      <p:sp>
+        <p:nvSpPr>
+          <p:cNvPr id="9" name="Text Placeholder 8"/>
+          <p:cNvSpPr>
+            <a:spLocks noGrp="1"/>
+          </p:cNvSpPr>
+          <p:nvPr>
+            <p:ph type="body" sz="quarter" idx="16"/>
+          </p:nvPr>
+        </p:nvSpPr>
+        <p:spPr>
+          <a:xfrm>
+            <a:off x="6191636" y="1272002"/>
+            <a:ext cx="734962" cy="276999"/>
+          </a:xfrm>
+        </p:spPr>
+        <p:txBody>
+          <a:bodyPr/>
+          <a:lstStyle/>
+          <a:p>
+            <a:r>
+              <a:rPr lang="en-US" dirty="0" smtClean="0"/>
+              <a:t>Del 3</a:t>
+            </a:r>
+            <a:endParaRPr lang="en-US" dirty="0"/>
+          </a:p>
+        </p:txBody>
+      </p:sp>
+    </p:spTree>
+    <p:extLst>
+      <p:ext uri="{BB962C8B-B14F-4D97-AF65-F5344CB8AC3E}">
+        <p14:creationId xmlns:p14="http://schemas.microsoft.com/office/powerpoint/2010/main" val="1788436753"/>
+      </p:ext>
+    </p:extLst>
+  </p:cSld>
+  <p:clrMapOvr>
+    <a:masterClrMapping/>
+  </p:clrMapOvr>
+  <p:transition xmlns:p14="http://schemas.microsoft.com/office/powerpoint/2010/main">
+    <p:fade thruBlk="1"/>
+  </p:transition>
+  <p:timing>
+    <p:tnLst>
+      <p:par>
+        <p:cTn xmlns:p14="http://schemas.microsoft.com/office/powerpoint/2010/main" id="1" dur="indefinite" restart="never" nodeType="tmRoot"/>
+      </p:par>
+    </p:tnLst>
+  </p:timing>
+</p:sld>
+</file>
+
+<file path=ppt/slides/slide20.xml><?xml version="1.0" encoding="utf-8"?>
+<p:sld xmlns:a="http://schemas.openxmlformats.org/drawingml/2006/main" xmlns:r="http://schemas.openxmlformats.org/officeDocument/2006/relationships" xmlns:p="http://schemas.openxmlformats.org/presentationml/2006/main">
+  <p:cSld>
+    <p:spTree>
+      <p:nvGrpSpPr>
+        <p:cNvPr id="1" name=""/>
+        <p:cNvGrpSpPr/>
+        <p:nvPr/>
+      </p:nvGrpSpPr>
+      <p:grpSpPr>
+        <a:xfrm>
+          <a:off x="0" y="0"/>
+          <a:ext cx="0" cy="0"/>
+          <a:chOff x="0" y="0"/>
+          <a:chExt cx="0" cy="0"/>
+        </a:xfrm>
+      </p:grpSpPr>
+      <p:sp>
+        <p:nvSpPr>
+          <p:cNvPr id="2" name="Title 1"/>
+          <p:cNvSpPr>
+            <a:spLocks noGrp="1"/>
+          </p:cNvSpPr>
+          <p:nvPr>
+            <p:ph type="title"/>
+          </p:nvPr>
+        </p:nvSpPr>
+        <p:spPr>
+          <a:xfrm>
+            <a:off x="321623" y="418905"/>
             <a:ext cx="2479321" cy="307777"/>
           </a:xfrm>
         </p:spPr>
@@ -12002,7 +14349,7 @@
             <a:fld id="{FF67BF5B-7344-D747-A0C2-CBD7B2ACBC85}" type="slidenum">
               <a:rPr lang="en-US" smtClean="0"/>
               <a:pPr/>
-              <a:t>19</a:t>
+              <a:t>20</a:t>
             </a:fld>
             <a:endParaRPr lang="en-US" dirty="0"/>
           </a:p>
@@ -12634,1016 +14981,13 @@
   <p:transition xmlns:p14="http://schemas.microsoft.com/office/powerpoint/2010/main">
     <p:fade thruBlk="1"/>
   </p:transition>
-</p:sld>
-</file>
-
-<file path=ppt/slides/slide2.xml><?xml version="1.0" encoding="utf-8"?>
-<p:sld xmlns:a="http://schemas.openxmlformats.org/drawingml/2006/main" xmlns:r="http://schemas.openxmlformats.org/officeDocument/2006/relationships" xmlns:p="http://schemas.openxmlformats.org/presentationml/2006/main">
-  <p:cSld>
-    <p:spTree>
-      <p:nvGrpSpPr>
-        <p:cNvPr id="1" name=""/>
-        <p:cNvGrpSpPr/>
-        <p:nvPr/>
-      </p:nvGrpSpPr>
-      <p:grpSpPr>
-        <a:xfrm>
-          <a:off x="0" y="0"/>
-          <a:ext cx="0" cy="0"/>
-          <a:chOff x="0" y="0"/>
-          <a:chExt cx="0" cy="0"/>
-        </a:xfrm>
-      </p:grpSpPr>
-      <p:sp>
-        <p:nvSpPr>
-          <p:cNvPr id="2" name="Title 1"/>
-          <p:cNvSpPr>
-            <a:spLocks noGrp="1"/>
-          </p:cNvSpPr>
-          <p:nvPr>
-            <p:ph type="title"/>
-          </p:nvPr>
-        </p:nvSpPr>
-        <p:spPr>
-          <a:xfrm>
-            <a:off x="321623" y="418905"/>
-            <a:ext cx="2419234" cy="307777"/>
-          </a:xfrm>
-        </p:spPr>
-        <p:txBody>
-          <a:bodyPr/>
-          <a:lstStyle/>
-          <a:p>
-            <a:r>
-              <a:rPr lang="en-US" dirty="0" smtClean="0"/>
-              <a:t>Om </a:t>
-            </a:r>
-            <a:r>
-              <a:rPr lang="en-US" dirty="0" err="1" smtClean="0"/>
-              <a:t>kursserien</a:t>
-            </a:r>
-            <a:endParaRPr lang="en-US" dirty="0"/>
-          </a:p>
-        </p:txBody>
-      </p:sp>
-      <p:sp>
-        <p:nvSpPr>
-          <p:cNvPr id="3" name="Text Placeholder 2"/>
-          <p:cNvSpPr>
-            <a:spLocks noGrp="1"/>
-          </p:cNvSpPr>
-          <p:nvPr>
-            <p:ph type="body" sz="quarter" idx="11"/>
-          </p:nvPr>
-        </p:nvSpPr>
-        <p:spPr/>
-        <p:txBody>
-          <a:bodyPr/>
-          <a:lstStyle/>
-          <a:p>
-            <a:r>
-              <a:rPr lang="en-US" dirty="0" err="1" smtClean="0"/>
-              <a:t>Introduksjon</a:t>
-            </a:r>
-            <a:r>
-              <a:rPr lang="en-US" dirty="0" smtClean="0"/>
-              <a:t> </a:t>
-            </a:r>
-            <a:r>
-              <a:rPr lang="en-US" dirty="0" err="1" smtClean="0"/>
-              <a:t>til</a:t>
-            </a:r>
-            <a:r>
-              <a:rPr lang="en-US" dirty="0" smtClean="0"/>
-              <a:t> </a:t>
-            </a:r>
-            <a:r>
-              <a:rPr lang="en-US" dirty="0" err="1" smtClean="0"/>
-              <a:t>MongoDB</a:t>
-            </a:r>
-            <a:endParaRPr lang="en-US" dirty="0"/>
-          </a:p>
-          <a:p>
-            <a:endParaRPr lang="en-US" dirty="0"/>
-          </a:p>
-          <a:p>
-            <a:r>
-              <a:rPr lang="en-US" dirty="0" smtClean="0"/>
-              <a:t>Vi </a:t>
-            </a:r>
-            <a:r>
-              <a:rPr lang="en-US" dirty="0" err="1" smtClean="0"/>
-              <a:t>fokuserer</a:t>
-            </a:r>
-            <a:r>
-              <a:rPr lang="en-US" dirty="0" smtClean="0"/>
-              <a:t> </a:t>
-            </a:r>
-            <a:r>
-              <a:rPr lang="en-US" dirty="0" err="1" smtClean="0"/>
-              <a:t>på</a:t>
-            </a:r>
-            <a:r>
-              <a:rPr lang="en-US" dirty="0" smtClean="0"/>
-              <a:t> </a:t>
-            </a:r>
-            <a:r>
-              <a:rPr lang="en-US" dirty="0" err="1" smtClean="0"/>
-              <a:t>basisoperasjoner</a:t>
-            </a:r>
-            <a:r>
-              <a:rPr lang="en-US" dirty="0" smtClean="0"/>
-              <a:t> </a:t>
-            </a:r>
-            <a:r>
-              <a:rPr lang="en-US" dirty="0" err="1" smtClean="0"/>
-              <a:t>og</a:t>
-            </a:r>
-            <a:r>
-              <a:rPr lang="en-US" dirty="0" smtClean="0"/>
-              <a:t> </a:t>
-            </a:r>
-            <a:r>
-              <a:rPr lang="en-US" dirty="0" err="1" smtClean="0"/>
-              <a:t>funksjonalitet</a:t>
-            </a:r>
-            <a:r>
-              <a:rPr lang="en-US" dirty="0" smtClean="0"/>
-              <a:t> </a:t>
-            </a:r>
-            <a:r>
-              <a:rPr lang="en-US" dirty="0" err="1" smtClean="0"/>
-              <a:t>som</a:t>
-            </a:r>
-            <a:r>
-              <a:rPr lang="en-US" dirty="0" smtClean="0"/>
-              <a:t> </a:t>
-            </a:r>
-            <a:r>
-              <a:rPr lang="en-US" dirty="0" err="1" smtClean="0"/>
-              <a:t>gjør</a:t>
-            </a:r>
-            <a:r>
-              <a:rPr lang="en-US" dirty="0" smtClean="0"/>
-              <a:t> </a:t>
-            </a:r>
-            <a:r>
-              <a:rPr lang="en-US" dirty="0" err="1" smtClean="0"/>
-              <a:t>dette</a:t>
-            </a:r>
-            <a:r>
-              <a:rPr lang="en-US" dirty="0" smtClean="0"/>
-              <a:t> </a:t>
-            </a:r>
-            <a:r>
-              <a:rPr lang="en-US" dirty="0" err="1" smtClean="0"/>
-              <a:t>til</a:t>
-            </a:r>
-            <a:r>
-              <a:rPr lang="en-US" dirty="0" smtClean="0"/>
-              <a:t> et </a:t>
-            </a:r>
-            <a:r>
-              <a:rPr lang="en-US" dirty="0" err="1" smtClean="0"/>
-              <a:t>godt</a:t>
-            </a:r>
-            <a:r>
-              <a:rPr lang="en-US" dirty="0" smtClean="0"/>
-              <a:t> </a:t>
-            </a:r>
-            <a:r>
-              <a:rPr lang="en-US" dirty="0" err="1" smtClean="0"/>
-              <a:t>verktøy</a:t>
-            </a:r>
-            <a:r>
-              <a:rPr lang="en-US" dirty="0" smtClean="0"/>
-              <a:t> for </a:t>
-            </a:r>
-            <a:r>
-              <a:rPr lang="en-US" dirty="0" err="1" smtClean="0"/>
-              <a:t>rask</a:t>
-            </a:r>
-            <a:r>
-              <a:rPr lang="en-US" dirty="0" smtClean="0"/>
-              <a:t> </a:t>
-            </a:r>
-            <a:r>
-              <a:rPr lang="en-US" dirty="0" err="1" smtClean="0"/>
-              <a:t>utvikling</a:t>
-            </a:r>
-            <a:r>
-              <a:rPr lang="en-US" dirty="0" smtClean="0"/>
-              <a:t>!</a:t>
-            </a:r>
-            <a:endParaRPr lang="en-US" dirty="0"/>
-          </a:p>
-        </p:txBody>
-      </p:sp>
-      <p:sp>
-        <p:nvSpPr>
-          <p:cNvPr id="4" name="Text Placeholder 3"/>
-          <p:cNvSpPr>
-            <a:spLocks noGrp="1"/>
-          </p:cNvSpPr>
-          <p:nvPr>
-            <p:ph type="body" sz="quarter" idx="12"/>
-          </p:nvPr>
-        </p:nvSpPr>
-        <p:spPr/>
-        <p:txBody>
-          <a:bodyPr/>
-          <a:lstStyle/>
-          <a:p>
-            <a:r>
-              <a:rPr lang="en-US" dirty="0" err="1" smtClean="0"/>
-              <a:t>Introduksjon</a:t>
-            </a:r>
-            <a:r>
-              <a:rPr lang="en-US" dirty="0" smtClean="0"/>
-              <a:t> </a:t>
-            </a:r>
-            <a:r>
-              <a:rPr lang="en-US" dirty="0" err="1" smtClean="0"/>
-              <a:t>til</a:t>
-            </a:r>
-            <a:r>
-              <a:rPr lang="en-US" dirty="0" smtClean="0"/>
-              <a:t> Neo4J</a:t>
-            </a:r>
-          </a:p>
-          <a:p>
-            <a:endParaRPr lang="en-US" dirty="0"/>
-          </a:p>
-          <a:p>
-            <a:r>
-              <a:rPr lang="en-US" dirty="0" smtClean="0"/>
-              <a:t>Neo4J </a:t>
-            </a:r>
-            <a:r>
-              <a:rPr lang="en-US" dirty="0" err="1" smtClean="0"/>
-              <a:t>går</a:t>
-            </a:r>
-            <a:r>
-              <a:rPr lang="en-US" dirty="0" smtClean="0"/>
-              <a:t> med </a:t>
-            </a:r>
-            <a:r>
-              <a:rPr lang="en-US" dirty="0" err="1" smtClean="0"/>
-              <a:t>tanke</a:t>
-            </a:r>
-            <a:r>
-              <a:rPr lang="en-US" dirty="0" smtClean="0"/>
-              <a:t> </a:t>
-            </a:r>
-            <a:r>
-              <a:rPr lang="en-US" dirty="0" err="1" smtClean="0"/>
-              <a:t>på</a:t>
-            </a:r>
-            <a:r>
-              <a:rPr lang="en-US" dirty="0" smtClean="0"/>
-              <a:t> </a:t>
-            </a:r>
-            <a:r>
-              <a:rPr lang="en-US" dirty="0" err="1" smtClean="0"/>
-              <a:t>funksjonalitet</a:t>
-            </a:r>
-            <a:r>
-              <a:rPr lang="en-US" dirty="0" smtClean="0"/>
-              <a:t> </a:t>
-            </a:r>
-            <a:r>
-              <a:rPr lang="en-US" dirty="0" err="1" smtClean="0"/>
-              <a:t>i</a:t>
-            </a:r>
-            <a:r>
-              <a:rPr lang="en-US" dirty="0" smtClean="0"/>
-              <a:t> </a:t>
-            </a:r>
-            <a:r>
-              <a:rPr lang="en-US" dirty="0" err="1" smtClean="0"/>
-              <a:t>motsatt</a:t>
-            </a:r>
-            <a:r>
-              <a:rPr lang="en-US" dirty="0" smtClean="0"/>
-              <a:t> </a:t>
-            </a:r>
-            <a:r>
-              <a:rPr lang="en-US" dirty="0" err="1" smtClean="0"/>
-              <a:t>retning</a:t>
-            </a:r>
-            <a:r>
-              <a:rPr lang="en-US" dirty="0" smtClean="0"/>
-              <a:t> </a:t>
-            </a:r>
-            <a:r>
-              <a:rPr lang="en-US" dirty="0" err="1" smtClean="0"/>
-              <a:t>av</a:t>
-            </a:r>
-            <a:r>
-              <a:rPr lang="en-US" dirty="0" smtClean="0"/>
-              <a:t> </a:t>
-            </a:r>
-            <a:r>
-              <a:rPr lang="en-US" dirty="0" err="1" smtClean="0"/>
-              <a:t>MongoDB</a:t>
-            </a:r>
-            <a:r>
-              <a:rPr lang="en-US" dirty="0" smtClean="0"/>
-              <a:t>. </a:t>
-            </a:r>
-            <a:r>
-              <a:rPr lang="en-US" dirty="0" err="1" smtClean="0"/>
-              <a:t>Det</a:t>
-            </a:r>
-            <a:r>
-              <a:rPr lang="en-US" dirty="0" smtClean="0"/>
-              <a:t> man </a:t>
-            </a:r>
-            <a:r>
-              <a:rPr lang="en-US" dirty="0" err="1" smtClean="0"/>
-              <a:t>får</a:t>
-            </a:r>
-            <a:r>
-              <a:rPr lang="en-US" dirty="0" smtClean="0"/>
-              <a:t> </a:t>
-            </a:r>
-            <a:r>
-              <a:rPr lang="en-US" dirty="0" err="1" smtClean="0"/>
-              <a:t>i</a:t>
-            </a:r>
-            <a:r>
-              <a:rPr lang="en-US" dirty="0" smtClean="0"/>
-              <a:t> </a:t>
-            </a:r>
-            <a:r>
-              <a:rPr lang="en-US" dirty="0" err="1" smtClean="0"/>
-              <a:t>retur</a:t>
-            </a:r>
-            <a:r>
-              <a:rPr lang="en-US" dirty="0" smtClean="0"/>
-              <a:t> </a:t>
-            </a:r>
-            <a:r>
-              <a:rPr lang="en-US" dirty="0" err="1" smtClean="0"/>
-              <a:t>er</a:t>
-            </a:r>
-            <a:r>
-              <a:rPr lang="en-US" dirty="0" smtClean="0"/>
-              <a:t> en database </a:t>
-            </a:r>
-            <a:r>
-              <a:rPr lang="en-US" dirty="0" err="1" smtClean="0"/>
-              <a:t>som</a:t>
-            </a:r>
-            <a:r>
-              <a:rPr lang="en-US" dirty="0" smtClean="0"/>
-              <a:t> </a:t>
-            </a:r>
-            <a:r>
-              <a:rPr lang="en-US" dirty="0" err="1" smtClean="0"/>
-              <a:t>kan</a:t>
-            </a:r>
-            <a:r>
-              <a:rPr lang="en-US" dirty="0" smtClean="0"/>
-              <a:t> </a:t>
-            </a:r>
-            <a:r>
-              <a:rPr lang="en-US" dirty="0" err="1" smtClean="0"/>
-              <a:t>gjøre</a:t>
-            </a:r>
-            <a:r>
-              <a:rPr lang="en-US" dirty="0" smtClean="0"/>
-              <a:t> </a:t>
-            </a:r>
-            <a:r>
-              <a:rPr lang="en-US" dirty="0" err="1" smtClean="0"/>
-              <a:t>ekstremt</a:t>
-            </a:r>
-            <a:r>
-              <a:rPr lang="en-US" dirty="0" smtClean="0"/>
-              <a:t> </a:t>
-            </a:r>
-            <a:r>
-              <a:rPr lang="en-US" dirty="0" err="1" smtClean="0"/>
-              <a:t>kraftige</a:t>
-            </a:r>
-            <a:r>
-              <a:rPr lang="en-US" dirty="0" smtClean="0"/>
-              <a:t> </a:t>
-            </a:r>
-            <a:r>
-              <a:rPr lang="en-US" dirty="0" err="1" smtClean="0"/>
-              <a:t>spørringer</a:t>
-            </a:r>
-            <a:r>
-              <a:rPr lang="en-US" dirty="0"/>
-              <a:t>.</a:t>
-            </a:r>
-          </a:p>
-        </p:txBody>
-      </p:sp>
-      <p:sp>
-        <p:nvSpPr>
-          <p:cNvPr id="5" name="Slide Number Placeholder 4"/>
-          <p:cNvSpPr>
-            <a:spLocks noGrp="1"/>
-          </p:cNvSpPr>
-          <p:nvPr>
-            <p:ph type="sldNum" sz="quarter" idx="4"/>
-          </p:nvPr>
-        </p:nvSpPr>
-        <p:spPr/>
-        <p:txBody>
-          <a:bodyPr/>
-          <a:lstStyle/>
-          <a:p>
-            <a:fld id="{FF67BF5B-7344-D747-A0C2-CBD7B2ACBC85}" type="slidenum">
-              <a:rPr lang="en-US" smtClean="0"/>
-              <a:pPr/>
-              <a:t>2</a:t>
-            </a:fld>
-            <a:endParaRPr lang="en-US" dirty="0"/>
-          </a:p>
-        </p:txBody>
-      </p:sp>
-      <p:sp>
-        <p:nvSpPr>
-          <p:cNvPr id="6" name="Text Placeholder 5"/>
-          <p:cNvSpPr>
-            <a:spLocks noGrp="1"/>
-          </p:cNvSpPr>
-          <p:nvPr>
-            <p:ph type="body" sz="quarter" idx="13"/>
-          </p:nvPr>
-        </p:nvSpPr>
-        <p:spPr>
-          <a:xfrm>
-            <a:off x="331394" y="1272002"/>
-            <a:ext cx="706784" cy="276999"/>
-          </a:xfrm>
-        </p:spPr>
-        <p:txBody>
-          <a:bodyPr/>
-          <a:lstStyle/>
-          <a:p>
-            <a:r>
-              <a:rPr lang="en-US" dirty="0" smtClean="0"/>
-              <a:t>Del 1</a:t>
-            </a:r>
-            <a:endParaRPr lang="en-US" dirty="0"/>
-          </a:p>
-        </p:txBody>
-      </p:sp>
-      <p:sp>
-        <p:nvSpPr>
-          <p:cNvPr id="7" name="Text Placeholder 6"/>
-          <p:cNvSpPr>
-            <a:spLocks noGrp="1"/>
-          </p:cNvSpPr>
-          <p:nvPr>
-            <p:ph type="body" sz="quarter" idx="14"/>
-          </p:nvPr>
-        </p:nvSpPr>
-        <p:spPr>
-          <a:xfrm>
-            <a:off x="3260883" y="1272002"/>
-            <a:ext cx="736540" cy="276999"/>
-          </a:xfrm>
-        </p:spPr>
-        <p:txBody>
-          <a:bodyPr/>
-          <a:lstStyle/>
-          <a:p>
-            <a:r>
-              <a:rPr lang="en-US" dirty="0" smtClean="0"/>
-              <a:t>Del 2</a:t>
-            </a:r>
-            <a:endParaRPr lang="en-US" dirty="0"/>
-          </a:p>
-        </p:txBody>
-      </p:sp>
-      <p:sp>
-        <p:nvSpPr>
-          <p:cNvPr id="8" name="Text Placeholder 7"/>
-          <p:cNvSpPr>
-            <a:spLocks noGrp="1"/>
-          </p:cNvSpPr>
-          <p:nvPr>
-            <p:ph type="body" sz="quarter" idx="15"/>
-          </p:nvPr>
-        </p:nvSpPr>
-        <p:spPr/>
-        <p:txBody>
-          <a:bodyPr/>
-          <a:lstStyle/>
-          <a:p>
-            <a:r>
-              <a:rPr lang="en-US" dirty="0" smtClean="0"/>
-              <a:t>Vi </a:t>
-            </a:r>
-            <a:r>
-              <a:rPr lang="en-US" dirty="0" err="1" smtClean="0"/>
-              <a:t>har</a:t>
-            </a:r>
-            <a:r>
-              <a:rPr lang="en-US" dirty="0" smtClean="0"/>
-              <a:t> </a:t>
-            </a:r>
-            <a:r>
-              <a:rPr lang="en-US" dirty="0" err="1" smtClean="0"/>
-              <a:t>til</a:t>
-            </a:r>
-            <a:r>
-              <a:rPr lang="en-US" dirty="0" smtClean="0"/>
-              <a:t> </a:t>
-            </a:r>
-            <a:r>
-              <a:rPr lang="en-US" dirty="0" err="1" smtClean="0"/>
-              <a:t>nå</a:t>
-            </a:r>
-            <a:r>
-              <a:rPr lang="en-US" dirty="0" smtClean="0"/>
-              <a:t> sett </a:t>
-            </a:r>
-            <a:r>
-              <a:rPr lang="en-US" dirty="0" err="1" smtClean="0"/>
-              <a:t>på</a:t>
-            </a:r>
-            <a:r>
-              <a:rPr lang="en-US" dirty="0" smtClean="0"/>
-              <a:t> to </a:t>
-            </a:r>
-            <a:r>
-              <a:rPr lang="en-US" dirty="0" err="1" smtClean="0"/>
-              <a:t>ytterst</a:t>
-            </a:r>
-            <a:r>
-              <a:rPr lang="en-US" dirty="0" smtClean="0"/>
-              <a:t> </a:t>
-            </a:r>
-            <a:r>
-              <a:rPr lang="en-US" dirty="0" err="1" smtClean="0"/>
-              <a:t>forskjellige</a:t>
-            </a:r>
-            <a:r>
-              <a:rPr lang="en-US" dirty="0" smtClean="0"/>
-              <a:t> </a:t>
-            </a:r>
-            <a:r>
-              <a:rPr lang="en-US" dirty="0" err="1" smtClean="0"/>
-              <a:t>databaser</a:t>
-            </a:r>
-            <a:r>
-              <a:rPr lang="en-US" dirty="0" smtClean="0"/>
-              <a:t>. I </a:t>
-            </a:r>
-            <a:r>
-              <a:rPr lang="en-US" dirty="0" err="1" smtClean="0"/>
-              <a:t>tillegg</a:t>
-            </a:r>
-            <a:r>
-              <a:rPr lang="en-US" dirty="0" smtClean="0"/>
-              <a:t> </a:t>
-            </a:r>
-            <a:r>
-              <a:rPr lang="en-US" dirty="0" err="1" smtClean="0"/>
-              <a:t>har</a:t>
-            </a:r>
-            <a:r>
-              <a:rPr lang="en-US" dirty="0" smtClean="0"/>
-              <a:t> man de </a:t>
-            </a:r>
-            <a:r>
-              <a:rPr lang="en-US" dirty="0" err="1" smtClean="0"/>
-              <a:t>mer</a:t>
-            </a:r>
-            <a:r>
-              <a:rPr lang="en-US" dirty="0" smtClean="0"/>
-              <a:t> </a:t>
-            </a:r>
-            <a:r>
-              <a:rPr lang="en-US" dirty="0" err="1" smtClean="0"/>
-              <a:t>tradisjonelle</a:t>
-            </a:r>
-            <a:r>
-              <a:rPr lang="en-US" dirty="0" smtClean="0"/>
-              <a:t> </a:t>
-            </a:r>
-            <a:r>
-              <a:rPr lang="en-US" dirty="0" err="1" smtClean="0"/>
-              <a:t>relasjonelle</a:t>
-            </a:r>
-            <a:r>
-              <a:rPr lang="en-US" dirty="0" smtClean="0"/>
-              <a:t> SQL </a:t>
-            </a:r>
-            <a:r>
-              <a:rPr lang="en-US" dirty="0" err="1" smtClean="0"/>
-              <a:t>databasene</a:t>
-            </a:r>
-            <a:r>
-              <a:rPr lang="en-US" dirty="0"/>
-              <a:t> </a:t>
-            </a:r>
-            <a:r>
-              <a:rPr lang="en-US" dirty="0" err="1" smtClean="0"/>
-              <a:t>og</a:t>
-            </a:r>
-            <a:r>
-              <a:rPr lang="en-US" dirty="0" smtClean="0"/>
-              <a:t> mange </a:t>
-            </a:r>
-            <a:r>
-              <a:rPr lang="en-US" dirty="0" err="1" smtClean="0"/>
-              <a:t>andre</a:t>
-            </a:r>
-            <a:r>
-              <a:rPr lang="en-US" dirty="0" smtClean="0"/>
-              <a:t> </a:t>
-            </a:r>
-            <a:r>
-              <a:rPr lang="en-US" dirty="0" err="1" smtClean="0"/>
-              <a:t>varisjoner</a:t>
-            </a:r>
-            <a:r>
-              <a:rPr lang="en-US" dirty="0" smtClean="0"/>
-              <a:t> </a:t>
-            </a:r>
-            <a:r>
-              <a:rPr lang="en-US" dirty="0" err="1" smtClean="0"/>
-              <a:t>av</a:t>
-            </a:r>
-            <a:r>
-              <a:rPr lang="en-US" dirty="0" smtClean="0"/>
-              <a:t> </a:t>
-            </a:r>
-            <a:r>
-              <a:rPr lang="en-US" dirty="0" err="1" smtClean="0"/>
-              <a:t>databaser</a:t>
-            </a:r>
-            <a:r>
-              <a:rPr lang="en-US" dirty="0" smtClean="0"/>
-              <a:t>. </a:t>
-            </a:r>
-            <a:r>
-              <a:rPr lang="en-US" dirty="0" err="1" smtClean="0"/>
-              <a:t>Så</a:t>
-            </a:r>
-            <a:r>
-              <a:rPr lang="en-US" dirty="0" smtClean="0"/>
-              <a:t> </a:t>
-            </a:r>
-            <a:r>
-              <a:rPr lang="en-US" dirty="0" err="1" smtClean="0"/>
-              <a:t>hvordan</a:t>
-            </a:r>
-            <a:r>
-              <a:rPr lang="en-US" dirty="0" smtClean="0"/>
-              <a:t> vet man </a:t>
-            </a:r>
-            <a:r>
-              <a:rPr lang="en-US" dirty="0" err="1" smtClean="0"/>
-              <a:t>hvilken</a:t>
-            </a:r>
-            <a:r>
-              <a:rPr lang="en-US" dirty="0" smtClean="0"/>
-              <a:t> man </a:t>
-            </a:r>
-            <a:r>
-              <a:rPr lang="en-US" dirty="0" err="1" smtClean="0"/>
-              <a:t>skal</a:t>
-            </a:r>
-            <a:r>
-              <a:rPr lang="en-US" dirty="0" smtClean="0"/>
-              <a:t> </a:t>
-            </a:r>
-            <a:r>
-              <a:rPr lang="en-US" dirty="0" err="1" smtClean="0"/>
-              <a:t>bruke</a:t>
-            </a:r>
-            <a:r>
-              <a:rPr lang="en-US" dirty="0" smtClean="0"/>
-              <a:t> </a:t>
-            </a:r>
-            <a:r>
-              <a:rPr lang="en-US" dirty="0" err="1" smtClean="0"/>
-              <a:t>når</a:t>
-            </a:r>
-            <a:r>
-              <a:rPr lang="en-US" dirty="0" smtClean="0"/>
-              <a:t>?</a:t>
-            </a:r>
-          </a:p>
-          <a:p>
-            <a:endParaRPr lang="en-US" dirty="0"/>
-          </a:p>
-          <a:p>
-            <a:r>
-              <a:rPr lang="en-US" dirty="0" err="1" smtClean="0"/>
-              <a:t>Denne</a:t>
-            </a:r>
-            <a:r>
-              <a:rPr lang="en-US" dirty="0" smtClean="0"/>
-              <a:t> </a:t>
-            </a:r>
-            <a:r>
-              <a:rPr lang="en-US" dirty="0" err="1" smtClean="0"/>
-              <a:t>kvelden</a:t>
-            </a:r>
-            <a:r>
-              <a:rPr lang="en-US" dirty="0" smtClean="0"/>
-              <a:t> </a:t>
-            </a:r>
-            <a:r>
-              <a:rPr lang="en-US" dirty="0" err="1" smtClean="0"/>
-              <a:t>vil</a:t>
-            </a:r>
-            <a:r>
-              <a:rPr lang="en-US" dirty="0" smtClean="0"/>
-              <a:t> </a:t>
-            </a:r>
-            <a:r>
-              <a:rPr lang="en-US" dirty="0" err="1" smtClean="0"/>
-              <a:t>være</a:t>
-            </a:r>
-            <a:r>
-              <a:rPr lang="en-US" dirty="0" smtClean="0"/>
-              <a:t> </a:t>
-            </a:r>
-            <a:r>
-              <a:rPr lang="en-US" dirty="0" err="1" smtClean="0"/>
-              <a:t>rettet</a:t>
-            </a:r>
-            <a:r>
-              <a:rPr lang="en-US" dirty="0" smtClean="0"/>
-              <a:t> mot </a:t>
-            </a:r>
-            <a:r>
-              <a:rPr lang="en-US" dirty="0" err="1" smtClean="0"/>
-              <a:t>å</a:t>
-            </a:r>
-            <a:r>
-              <a:rPr lang="en-US" dirty="0" smtClean="0"/>
-              <a:t> </a:t>
-            </a:r>
-            <a:r>
-              <a:rPr lang="en-US" dirty="0" err="1" smtClean="0"/>
-              <a:t>gi</a:t>
-            </a:r>
-            <a:r>
-              <a:rPr lang="en-US" dirty="0" smtClean="0"/>
-              <a:t> </a:t>
-            </a:r>
-            <a:r>
-              <a:rPr lang="en-US" dirty="0" err="1" smtClean="0"/>
-              <a:t>dere</a:t>
-            </a:r>
-            <a:r>
-              <a:rPr lang="en-US" dirty="0" smtClean="0"/>
-              <a:t> </a:t>
-            </a:r>
-            <a:r>
-              <a:rPr lang="en-US" dirty="0" err="1" smtClean="0"/>
-              <a:t>innsikt</a:t>
-            </a:r>
-            <a:r>
-              <a:rPr lang="en-US" dirty="0" smtClean="0"/>
-              <a:t> </a:t>
-            </a:r>
-            <a:r>
-              <a:rPr lang="en-US" dirty="0" err="1" smtClean="0"/>
-              <a:t>i</a:t>
-            </a:r>
-            <a:r>
-              <a:rPr lang="en-US" dirty="0" smtClean="0"/>
-              <a:t> </a:t>
-            </a:r>
-            <a:r>
-              <a:rPr lang="en-US" dirty="0" err="1" smtClean="0"/>
-              <a:t>det</a:t>
-            </a:r>
-            <a:r>
-              <a:rPr lang="en-US" dirty="0" smtClean="0"/>
-              <a:t> </a:t>
-            </a:r>
-            <a:r>
-              <a:rPr lang="en-US" dirty="0" err="1" smtClean="0"/>
-              <a:t>å</a:t>
-            </a:r>
-            <a:r>
-              <a:rPr lang="en-US" dirty="0" smtClean="0"/>
-              <a:t> </a:t>
-            </a:r>
-            <a:r>
-              <a:rPr lang="en-US" dirty="0" err="1" smtClean="0"/>
-              <a:t>velge</a:t>
-            </a:r>
-            <a:r>
-              <a:rPr lang="en-US" dirty="0" smtClean="0"/>
-              <a:t> </a:t>
-            </a:r>
-            <a:r>
-              <a:rPr lang="en-US" dirty="0" err="1" smtClean="0"/>
-              <a:t>riktig</a:t>
-            </a:r>
-            <a:r>
-              <a:rPr lang="en-US" dirty="0" smtClean="0"/>
-              <a:t> database </a:t>
-            </a:r>
-            <a:r>
-              <a:rPr lang="en-US" dirty="0" err="1" smtClean="0"/>
-              <a:t>til</a:t>
-            </a:r>
-            <a:r>
-              <a:rPr lang="en-US" dirty="0" smtClean="0"/>
-              <a:t> </a:t>
-            </a:r>
-            <a:r>
-              <a:rPr lang="en-US" dirty="0" err="1" smtClean="0"/>
-              <a:t>riktig</a:t>
-            </a:r>
-            <a:r>
-              <a:rPr lang="en-US" dirty="0" smtClean="0"/>
-              <a:t> </a:t>
-            </a:r>
-            <a:r>
-              <a:rPr lang="en-US" dirty="0" err="1" smtClean="0"/>
-              <a:t>oppgave</a:t>
-            </a:r>
-            <a:r>
-              <a:rPr lang="en-US" dirty="0" smtClean="0"/>
-              <a:t>.</a:t>
-            </a:r>
-            <a:endParaRPr lang="en-US" dirty="0"/>
-          </a:p>
-        </p:txBody>
-      </p:sp>
-      <p:sp>
-        <p:nvSpPr>
-          <p:cNvPr id="9" name="Text Placeholder 8"/>
-          <p:cNvSpPr>
-            <a:spLocks noGrp="1"/>
-          </p:cNvSpPr>
-          <p:nvPr>
-            <p:ph type="body" sz="quarter" idx="16"/>
-          </p:nvPr>
-        </p:nvSpPr>
-        <p:spPr>
-          <a:xfrm>
-            <a:off x="6191636" y="1272002"/>
-            <a:ext cx="736540" cy="276999"/>
-          </a:xfrm>
-        </p:spPr>
-        <p:txBody>
-          <a:bodyPr/>
-          <a:lstStyle/>
-          <a:p>
-            <a:r>
-              <a:rPr lang="en-US" dirty="0" smtClean="0"/>
-              <a:t>Del 2</a:t>
-            </a:r>
-            <a:endParaRPr lang="en-US" dirty="0"/>
-          </a:p>
-        </p:txBody>
-      </p:sp>
-    </p:spTree>
-    <p:extLst>
-      <p:ext uri="{BB962C8B-B14F-4D97-AF65-F5344CB8AC3E}">
-        <p14:creationId xmlns:p14="http://schemas.microsoft.com/office/powerpoint/2010/main" val="1788436753"/>
-      </p:ext>
-    </p:extLst>
-  </p:cSld>
-  <p:clrMapOvr>
-    <a:masterClrMapping/>
-  </p:clrMapOvr>
-  <p:transition xmlns:p14="http://schemas.microsoft.com/office/powerpoint/2010/main">
-    <p:fade thruBlk="1"/>
-  </p:transition>
-</p:sld>
-</file>
-
-<file path=ppt/slides/slide20.xml><?xml version="1.0" encoding="utf-8"?>
-<p:sld xmlns:a="http://schemas.openxmlformats.org/drawingml/2006/main" xmlns:r="http://schemas.openxmlformats.org/officeDocument/2006/relationships" xmlns:p="http://schemas.openxmlformats.org/presentationml/2006/main">
-  <p:cSld>
-    <p:spTree>
-      <p:nvGrpSpPr>
-        <p:cNvPr id="1" name=""/>
-        <p:cNvGrpSpPr/>
-        <p:nvPr/>
-      </p:nvGrpSpPr>
-      <p:grpSpPr>
-        <a:xfrm>
-          <a:off x="0" y="0"/>
-          <a:ext cx="0" cy="0"/>
-          <a:chOff x="0" y="0"/>
-          <a:chExt cx="0" cy="0"/>
-        </a:xfrm>
-      </p:grpSpPr>
-      <p:sp>
-        <p:nvSpPr>
-          <p:cNvPr id="2" name="Title 1"/>
-          <p:cNvSpPr>
-            <a:spLocks noGrp="1"/>
-          </p:cNvSpPr>
-          <p:nvPr>
-            <p:ph type="title"/>
-          </p:nvPr>
-        </p:nvSpPr>
-        <p:spPr>
-          <a:xfrm>
-            <a:off x="321623" y="418905"/>
-            <a:ext cx="3810255" cy="307777"/>
-          </a:xfrm>
-        </p:spPr>
-        <p:txBody>
-          <a:bodyPr/>
-          <a:lstStyle/>
-          <a:p>
-            <a:r>
-              <a:rPr lang="en-US" dirty="0" smtClean="0"/>
-              <a:t>Goals of normalization</a:t>
-            </a:r>
-            <a:endParaRPr lang="en-US" dirty="0"/>
-          </a:p>
-        </p:txBody>
-      </p:sp>
-      <p:sp>
-        <p:nvSpPr>
-          <p:cNvPr id="3" name="Slide Number Placeholder 2"/>
-          <p:cNvSpPr>
-            <a:spLocks noGrp="1"/>
-          </p:cNvSpPr>
-          <p:nvPr>
-            <p:ph type="sldNum" sz="quarter" idx="10"/>
-          </p:nvPr>
-        </p:nvSpPr>
-        <p:spPr/>
-        <p:txBody>
-          <a:bodyPr/>
-          <a:lstStyle/>
-          <a:p>
-            <a:fld id="{FF67BF5B-7344-D747-A0C2-CBD7B2ACBC85}" type="slidenum">
-              <a:rPr lang="en-US" smtClean="0"/>
-              <a:pPr/>
-              <a:t>20</a:t>
-            </a:fld>
-            <a:endParaRPr lang="en-US" dirty="0"/>
-          </a:p>
-        </p:txBody>
-      </p:sp>
-      <p:sp>
-        <p:nvSpPr>
-          <p:cNvPr id="4" name="Text Placeholder 3"/>
-          <p:cNvSpPr>
-            <a:spLocks noGrp="1"/>
-          </p:cNvSpPr>
-          <p:nvPr>
-            <p:ph type="body" sz="quarter" idx="11"/>
-          </p:nvPr>
-        </p:nvSpPr>
-        <p:spPr/>
-        <p:txBody>
-          <a:bodyPr/>
-          <a:lstStyle/>
-          <a:p>
-            <a:r>
-              <a:rPr lang="en-US" dirty="0" smtClean="0"/>
-              <a:t>Free database of update anomalies</a:t>
-            </a:r>
-          </a:p>
-          <a:p>
-            <a:endParaRPr lang="en-US" dirty="0"/>
-          </a:p>
-          <a:p>
-            <a:r>
-              <a:rPr lang="en-US" dirty="0" smtClean="0"/>
-              <a:t>Minimize redesign costs</a:t>
-            </a:r>
-          </a:p>
-          <a:p>
-            <a:endParaRPr lang="en-US" dirty="0"/>
-          </a:p>
-          <a:p>
-            <a:r>
-              <a:rPr lang="en-US" dirty="0" smtClean="0"/>
-              <a:t>Avoid bias towards one access pattern</a:t>
-            </a:r>
-          </a:p>
-        </p:txBody>
-      </p:sp>
-    </p:spTree>
-    <p:extLst>
-      <p:ext uri="{BB962C8B-B14F-4D97-AF65-F5344CB8AC3E}">
-        <p14:creationId xmlns:p14="http://schemas.microsoft.com/office/powerpoint/2010/main" val="3972913206"/>
-      </p:ext>
-    </p:extLst>
-  </p:cSld>
-  <p:clrMapOvr>
-    <a:masterClrMapping/>
-  </p:clrMapOvr>
-  <p:transition xmlns:p14="http://schemas.microsoft.com/office/powerpoint/2010/main">
-    <p:fade thruBlk="1"/>
-  </p:transition>
+  <p:timing>
+    <p:tnLst>
+      <p:par>
+        <p:cTn xmlns:p14="http://schemas.microsoft.com/office/powerpoint/2010/main" id="1" dur="indefinite" restart="never" nodeType="tmRoot"/>
+      </p:par>
+    </p:tnLst>
+  </p:timing>
 </p:sld>
 </file>
 
@@ -13677,7 +15021,7 @@
         <p:spPr>
           <a:xfrm>
             <a:off x="321623" y="418905"/>
-            <a:ext cx="1914108" cy="307777"/>
+            <a:ext cx="3810255" cy="307777"/>
           </a:xfrm>
         </p:spPr>
         <p:txBody>
@@ -13686,7 +15030,7 @@
           <a:p>
             <a:r>
               <a:rPr lang="en-US" dirty="0" smtClean="0"/>
-              <a:t>One-to-one</a:t>
+              <a:t>Goals of normalization</a:t>
             </a:r>
             <a:endParaRPr lang="en-US" dirty="0"/>
           </a:p>
@@ -13694,112 +15038,12 @@
       </p:sp>
       <p:sp>
         <p:nvSpPr>
-          <p:cNvPr id="3" name="Text Placeholder 2"/>
-          <p:cNvSpPr>
-            <a:spLocks noGrp="1"/>
-          </p:cNvSpPr>
-          <p:nvPr>
-            <p:ph type="body" sz="quarter" idx="11"/>
-          </p:nvPr>
-        </p:nvSpPr>
-        <p:spPr/>
-        <p:txBody>
-          <a:bodyPr/>
-          <a:lstStyle/>
-          <a:p>
-            <a:r>
-              <a:rPr lang="en-US" dirty="0"/>
-              <a:t>A person has a spouse. </a:t>
-            </a:r>
-            <a:endParaRPr lang="en-US" dirty="0" smtClean="0"/>
-          </a:p>
-          <a:p>
-            <a:r>
-              <a:rPr lang="en-US" dirty="0" smtClean="0"/>
-              <a:t>(Let’s at least model it as a one to one relation).</a:t>
-            </a:r>
-            <a:endParaRPr lang="en-US" dirty="0"/>
-          </a:p>
-        </p:txBody>
-      </p:sp>
-      <p:sp>
-        <p:nvSpPr>
-          <p:cNvPr id="4" name="Text Placeholder 3"/>
-          <p:cNvSpPr>
-            <a:spLocks noGrp="1"/>
-          </p:cNvSpPr>
-          <p:nvPr>
-            <p:ph type="body" sz="quarter" idx="12"/>
-          </p:nvPr>
-        </p:nvSpPr>
-        <p:spPr/>
-        <p:txBody>
-          <a:bodyPr/>
-          <a:lstStyle/>
-          <a:p>
-            <a:r>
-              <a:rPr lang="en-US" dirty="0" smtClean="0"/>
-              <a:t>Reference in either document</a:t>
-            </a:r>
-          </a:p>
-          <a:p>
-            <a:endParaRPr lang="en-US" dirty="0"/>
-          </a:p>
-          <a:p>
-            <a:r>
-              <a:rPr lang="en-US" dirty="0" smtClean="0"/>
-              <a:t>OR</a:t>
-            </a:r>
-          </a:p>
-          <a:p>
-            <a:endParaRPr lang="en-US" dirty="0"/>
-          </a:p>
-          <a:p>
-            <a:r>
-              <a:rPr lang="en-US" dirty="0" smtClean="0"/>
-              <a:t>Embed</a:t>
-            </a:r>
-          </a:p>
-          <a:p>
-            <a:endParaRPr lang="en-US" dirty="0"/>
-          </a:p>
-          <a:p>
-            <a:r>
-              <a:rPr lang="en-US" dirty="0" smtClean="0"/>
-              <a:t>CONSIDER</a:t>
-            </a:r>
-          </a:p>
-          <a:p>
-            <a:endParaRPr lang="en-US" dirty="0"/>
-          </a:p>
-          <a:p>
-            <a:r>
-              <a:rPr lang="en-US" dirty="0" smtClean="0"/>
-              <a:t>Size of each.</a:t>
-            </a:r>
-          </a:p>
-          <a:p>
-            <a:r>
-              <a:rPr lang="en-US" dirty="0" smtClean="0"/>
-              <a:t>Do you need both at the same time.</a:t>
-            </a:r>
-          </a:p>
-          <a:p>
-            <a:r>
-              <a:rPr lang="en-US" dirty="0" smtClean="0"/>
-              <a:t>Atomicity of data.</a:t>
-            </a:r>
-          </a:p>
-        </p:txBody>
-      </p:sp>
-      <p:sp>
-        <p:nvSpPr>
-          <p:cNvPr id="5" name="Slide Number Placeholder 4"/>
-          <p:cNvSpPr>
-            <a:spLocks noGrp="1"/>
-          </p:cNvSpPr>
-          <p:nvPr>
-            <p:ph type="sldNum" sz="quarter" idx="4"/>
+          <p:cNvPr id="3" name="Slide Number Placeholder 2"/>
+          <p:cNvSpPr>
+            <a:spLocks noGrp="1"/>
+          </p:cNvSpPr>
+          <p:nvPr>
+            <p:ph type="sldNum" sz="quarter" idx="10"/>
           </p:nvPr>
         </p:nvSpPr>
         <p:spPr/>
@@ -13818,239 +15062,48 @@
       </p:sp>
       <p:sp>
         <p:nvSpPr>
-          <p:cNvPr id="6" name="Text Placeholder 5"/>
-          <p:cNvSpPr>
-            <a:spLocks noGrp="1"/>
-          </p:cNvSpPr>
-          <p:nvPr>
-            <p:ph type="body" sz="quarter" idx="13"/>
-          </p:nvPr>
-        </p:nvSpPr>
-        <p:spPr>
-          <a:xfrm>
-            <a:off x="331394" y="1272002"/>
-            <a:ext cx="677254" cy="276999"/>
-          </a:xfrm>
-        </p:spPr>
+          <p:cNvPr id="4" name="Text Placeholder 3"/>
+          <p:cNvSpPr>
+            <a:spLocks noGrp="1"/>
+          </p:cNvSpPr>
+          <p:nvPr>
+            <p:ph type="body" sz="quarter" idx="11"/>
+          </p:nvPr>
+        </p:nvSpPr>
+        <p:spPr/>
         <p:txBody>
           <a:bodyPr/>
           <a:lstStyle/>
           <a:p>
             <a:r>
               <a:rPr lang="en-US" dirty="0" smtClean="0"/>
-              <a:t>Case</a:t>
-            </a:r>
+              <a:t>Free database of update anomalies</a:t>
+            </a:r>
+          </a:p>
+          <a:p>
             <a:endParaRPr lang="en-US" dirty="0"/>
           </a:p>
-        </p:txBody>
-      </p:sp>
-      <p:sp>
-        <p:nvSpPr>
-          <p:cNvPr id="7" name="Text Placeholder 6"/>
-          <p:cNvSpPr>
-            <a:spLocks noGrp="1"/>
-          </p:cNvSpPr>
-          <p:nvPr>
-            <p:ph type="body" sz="quarter" idx="14"/>
-          </p:nvPr>
-        </p:nvSpPr>
-        <p:spPr>
-          <a:xfrm>
-            <a:off x="3260883" y="1272002"/>
-            <a:ext cx="1194486" cy="276999"/>
-          </a:xfrm>
-        </p:spPr>
-        <p:txBody>
-          <a:bodyPr/>
-          <a:lstStyle/>
-          <a:p>
-            <a:r>
-              <a:rPr lang="en-US" dirty="0" smtClean="0"/>
-              <a:t>Approach</a:t>
-            </a:r>
+          <a:p>
+            <a:r>
+              <a:rPr lang="en-US" dirty="0" smtClean="0"/>
+              <a:t>Minimize redesign costs</a:t>
+            </a:r>
+          </a:p>
+          <a:p>
             <a:endParaRPr lang="en-US" dirty="0"/>
           </a:p>
-        </p:txBody>
-      </p:sp>
-      <p:sp>
-        <p:nvSpPr>
-          <p:cNvPr id="8" name="Text Placeholder 7"/>
-          <p:cNvSpPr>
-            <a:spLocks noGrp="1"/>
-          </p:cNvSpPr>
-          <p:nvPr>
-            <p:ph type="body" sz="quarter" idx="15"/>
-          </p:nvPr>
-        </p:nvSpPr>
-        <p:spPr/>
-        <p:txBody>
-          <a:bodyPr/>
-          <a:lstStyle/>
-          <a:p>
-            <a:r>
-              <a:rPr lang="en-US" dirty="0" smtClean="0"/>
-              <a:t>Reference:</a:t>
-            </a:r>
-          </a:p>
-          <a:p>
-            <a:r>
-              <a:rPr lang="en-US" dirty="0" smtClean="0"/>
-              <a:t>{</a:t>
-            </a:r>
-          </a:p>
-          <a:p>
-            <a:r>
-              <a:rPr lang="en-US" dirty="0"/>
-              <a:t>	</a:t>
-            </a:r>
-            <a:r>
-              <a:rPr lang="en-US" dirty="0" smtClean="0"/>
-              <a:t>_id: 1,</a:t>
-            </a:r>
-          </a:p>
-          <a:p>
-            <a:r>
-              <a:rPr lang="en-US" dirty="0"/>
-              <a:t>	</a:t>
-            </a:r>
-            <a:r>
-              <a:rPr lang="en-US" dirty="0" smtClean="0"/>
-              <a:t>name: “John”,</a:t>
-            </a:r>
-          </a:p>
-          <a:p>
-            <a:r>
-              <a:rPr lang="en-US" dirty="0"/>
-              <a:t>	</a:t>
-            </a:r>
-            <a:r>
-              <a:rPr lang="en-US" dirty="0" smtClean="0"/>
-              <a:t>spouse: 2</a:t>
-            </a:r>
-          </a:p>
-          <a:p>
-            <a:r>
-              <a:rPr lang="en-US" dirty="0" smtClean="0"/>
-              <a:t>}</a:t>
-            </a:r>
-            <a:endParaRPr lang="en-US" dirty="0"/>
-          </a:p>
-          <a:p>
-            <a:r>
-              <a:rPr lang="en-US" dirty="0" smtClean="0"/>
-              <a:t>Embed:</a:t>
-            </a:r>
-          </a:p>
-          <a:p>
-            <a:r>
-              <a:rPr lang="en-US" dirty="0" smtClean="0"/>
-              <a:t>{</a:t>
-            </a:r>
-          </a:p>
-          <a:p>
-            <a:r>
-              <a:rPr lang="en-US" dirty="0"/>
-              <a:t>	</a:t>
-            </a:r>
-            <a:r>
-              <a:rPr lang="en-US" dirty="0" smtClean="0"/>
-              <a:t>_id: 2,</a:t>
-            </a:r>
-          </a:p>
-          <a:p>
-            <a:r>
-              <a:rPr lang="en-US" dirty="0"/>
-              <a:t>	</a:t>
-            </a:r>
-            <a:r>
-              <a:rPr lang="en-US" dirty="0" smtClean="0"/>
-              <a:t>name: “Kari”,</a:t>
-            </a:r>
-          </a:p>
-          <a:p>
-            <a:r>
-              <a:rPr lang="en-US" dirty="0"/>
-              <a:t>	</a:t>
-            </a:r>
-            <a:r>
-              <a:rPr lang="en-US" dirty="0" smtClean="0"/>
-              <a:t>spouse: {</a:t>
-            </a:r>
-          </a:p>
-          <a:p>
-            <a:r>
-              <a:rPr lang="en-US" dirty="0"/>
-              <a:t>	</a:t>
-            </a:r>
-            <a:r>
-              <a:rPr lang="en-US" dirty="0" smtClean="0"/>
-              <a:t>	id: 1,</a:t>
-            </a:r>
-          </a:p>
-          <a:p>
-            <a:r>
-              <a:rPr lang="en-US" dirty="0"/>
-              <a:t>	</a:t>
-            </a:r>
-            <a:r>
-              <a:rPr lang="en-US" dirty="0" smtClean="0"/>
-              <a:t>	name: “John”</a:t>
-            </a:r>
-          </a:p>
-          <a:p>
-            <a:r>
-              <a:rPr lang="en-US" dirty="0"/>
-              <a:t>	</a:t>
-            </a:r>
-            <a:r>
-              <a:rPr lang="en-US" dirty="0" smtClean="0"/>
-              <a:t>}</a:t>
-            </a:r>
-          </a:p>
-          <a:p>
-            <a:r>
-              <a:rPr lang="en-US" dirty="0"/>
-              <a:t>}</a:t>
-            </a:r>
-            <a:endParaRPr lang="en-US" dirty="0" smtClean="0"/>
-          </a:p>
-          <a:p>
-            <a:endParaRPr lang="en-US" dirty="0"/>
-          </a:p>
-        </p:txBody>
-      </p:sp>
-      <p:sp>
-        <p:nvSpPr>
-          <p:cNvPr id="9" name="Text Placeholder 8"/>
-          <p:cNvSpPr>
-            <a:spLocks noGrp="1"/>
-          </p:cNvSpPr>
-          <p:nvPr>
-            <p:ph type="body" sz="quarter" idx="16"/>
-          </p:nvPr>
-        </p:nvSpPr>
-        <p:spPr>
-          <a:xfrm>
-            <a:off x="6191636" y="1272002"/>
-            <a:ext cx="1097892" cy="276999"/>
-          </a:xfrm>
-        </p:spPr>
-        <p:txBody>
-          <a:bodyPr/>
-          <a:lstStyle/>
-          <a:p>
-            <a:r>
-              <a:rPr lang="en-US" dirty="0" smtClean="0"/>
-              <a:t>Example</a:t>
-            </a:r>
-            <a:endParaRPr lang="en-US" dirty="0"/>
+          <a:p>
+            <a:r>
+              <a:rPr lang="en-US" dirty="0" smtClean="0"/>
+              <a:t>Avoid bias towards one access pattern</a:t>
+            </a:r>
           </a:p>
         </p:txBody>
       </p:sp>
     </p:spTree>
     <p:extLst>
       <p:ext uri="{BB962C8B-B14F-4D97-AF65-F5344CB8AC3E}">
-        <p14:creationId xmlns:p14="http://schemas.microsoft.com/office/powerpoint/2010/main" val="3155125728"/>
+        <p14:creationId xmlns:p14="http://schemas.microsoft.com/office/powerpoint/2010/main" val="3972913206"/>
       </p:ext>
     </p:extLst>
   </p:cSld>
@@ -14060,6 +15113,13 @@
   <p:transition xmlns:p14="http://schemas.microsoft.com/office/powerpoint/2010/main">
     <p:fade thruBlk="1"/>
   </p:transition>
+  <p:timing>
+    <p:tnLst>
+      <p:par>
+        <p:cTn xmlns:p14="http://schemas.microsoft.com/office/powerpoint/2010/main" id="1" dur="indefinite" restart="never" nodeType="tmRoot"/>
+      </p:par>
+    </p:tnLst>
+  </p:timing>
 </p:sld>
 </file>
 
@@ -14093,7 +15153,7 @@
         <p:spPr>
           <a:xfrm>
             <a:off x="321623" y="418905"/>
-            <a:ext cx="2129446" cy="307777"/>
+            <a:ext cx="4647084" cy="307777"/>
           </a:xfrm>
         </p:spPr>
         <p:txBody>
@@ -14101,122 +15161,25 @@
           <a:lstStyle/>
           <a:p>
             <a:r>
-              <a:rPr lang="en-US" dirty="0" smtClean="0"/>
-              <a:t>One-to-Many</a:t>
-            </a:r>
-            <a:endParaRPr lang="en-US" dirty="0"/>
-          </a:p>
-        </p:txBody>
-      </p:sp>
-      <p:sp>
-        <p:nvSpPr>
-          <p:cNvPr id="3" name="Text Placeholder 2"/>
-          <p:cNvSpPr>
-            <a:spLocks noGrp="1"/>
-          </p:cNvSpPr>
-          <p:nvPr>
-            <p:ph type="body" sz="quarter" idx="11"/>
-          </p:nvPr>
-        </p:nvSpPr>
-        <p:spPr/>
-        <p:txBody>
-          <a:bodyPr/>
-          <a:lstStyle/>
-          <a:p>
-            <a:r>
-              <a:rPr lang="en-US" dirty="0" smtClean="0"/>
-              <a:t>Comments on a blog post.</a:t>
-            </a:r>
-            <a:endParaRPr lang="en-US" dirty="0"/>
-          </a:p>
-        </p:txBody>
-      </p:sp>
-      <p:sp>
-        <p:nvSpPr>
-          <p:cNvPr id="4" name="Text Placeholder 3"/>
-          <p:cNvSpPr>
-            <a:spLocks noGrp="1"/>
-          </p:cNvSpPr>
-          <p:nvPr>
-            <p:ph type="body" sz="quarter" idx="12"/>
-          </p:nvPr>
-        </p:nvSpPr>
-        <p:spPr/>
-        <p:txBody>
-          <a:bodyPr/>
-          <a:lstStyle/>
-          <a:p>
-            <a:r>
-              <a:rPr lang="en-US" dirty="0" smtClean="0"/>
-              <a:t>Embed comments</a:t>
-            </a:r>
-          </a:p>
-          <a:p>
-            <a:r>
-              <a:rPr lang="en-US" i="1" dirty="0" smtClean="0"/>
-              <a:t>What if too many comments?</a:t>
-            </a:r>
-          </a:p>
-          <a:p>
-            <a:endParaRPr lang="en-US" dirty="0" smtClean="0"/>
-          </a:p>
-          <a:p>
-            <a:r>
-              <a:rPr lang="en-US" dirty="0" smtClean="0"/>
-              <a:t>OR</a:t>
-            </a:r>
-            <a:endParaRPr lang="en-US" dirty="0"/>
-          </a:p>
-          <a:p>
-            <a:endParaRPr lang="en-US" dirty="0" smtClean="0"/>
-          </a:p>
-          <a:p>
-            <a:r>
-              <a:rPr lang="en-US" dirty="0" smtClean="0"/>
-              <a:t>A document per comment</a:t>
-            </a:r>
-          </a:p>
-          <a:p>
-            <a:r>
-              <a:rPr lang="en-US" i="1" dirty="0" smtClean="0"/>
-              <a:t>When many comments expected.</a:t>
-            </a:r>
-          </a:p>
-          <a:p>
-            <a:endParaRPr lang="en-US" i="1" dirty="0"/>
-          </a:p>
-          <a:p>
-            <a:r>
-              <a:rPr lang="en-US" dirty="0" smtClean="0"/>
-              <a:t>CONSIDER</a:t>
-            </a:r>
-          </a:p>
-          <a:p>
-            <a:r>
-              <a:rPr lang="en-US" dirty="0" smtClean="0"/>
-              <a:t>Know if you are going to have one-to-few or truly one-to-many.</a:t>
-            </a:r>
-          </a:p>
-          <a:p>
-            <a:r>
-              <a:rPr lang="en-US" i="1" dirty="0" err="1" smtClean="0"/>
-              <a:t>MongoDB</a:t>
-            </a:r>
-            <a:r>
-              <a:rPr lang="en-US" i="1" dirty="0" smtClean="0"/>
-              <a:t> documents have a max size of ~16MB.</a:t>
-            </a:r>
-          </a:p>
-        </p:txBody>
-      </p:sp>
-      <p:sp>
-        <p:nvSpPr>
-          <p:cNvPr id="5" name="Slide Number Placeholder 4"/>
-          <p:cNvSpPr>
-            <a:spLocks noGrp="1"/>
-          </p:cNvSpPr>
-          <p:nvPr>
-            <p:ph type="sldNum" sz="quarter" idx="4"/>
+              <a:rPr lang="en-US" i="0" dirty="0" smtClean="0"/>
+              <a:t>Structuring data in </a:t>
+            </a:r>
+            <a:r>
+              <a:rPr lang="en-US" i="0" dirty="0" err="1" smtClean="0"/>
+              <a:t>Mongodb</a:t>
+            </a:r>
+            <a:endParaRPr lang="en-US" i="0" dirty="0"/>
+          </a:p>
+        </p:txBody>
+      </p:sp>
+      <p:sp>
+        <p:nvSpPr>
+          <p:cNvPr id="3" name="Slide Number Placeholder 2"/>
+          <p:cNvSpPr>
+            <a:spLocks noGrp="1"/>
+          </p:cNvSpPr>
+          <p:nvPr>
+            <p:ph type="sldNum" sz="quarter" idx="10"/>
           </p:nvPr>
         </p:nvSpPr>
         <p:spPr/>
@@ -14235,418 +15198,49 @@
       </p:sp>
       <p:sp>
         <p:nvSpPr>
-          <p:cNvPr id="6" name="Text Placeholder 5"/>
-          <p:cNvSpPr>
-            <a:spLocks noGrp="1"/>
-          </p:cNvSpPr>
-          <p:nvPr>
-            <p:ph type="body" sz="quarter" idx="13"/>
-          </p:nvPr>
-        </p:nvSpPr>
-        <p:spPr>
-          <a:xfrm>
-            <a:off x="331394" y="1272002"/>
-            <a:ext cx="677254" cy="276999"/>
-          </a:xfrm>
-        </p:spPr>
+          <p:cNvPr id="4" name="Text Placeholder 3"/>
+          <p:cNvSpPr>
+            <a:spLocks noGrp="1"/>
+          </p:cNvSpPr>
+          <p:nvPr>
+            <p:ph type="body" sz="quarter" idx="11"/>
+          </p:nvPr>
+        </p:nvSpPr>
+        <p:spPr/>
         <p:txBody>
           <a:bodyPr/>
           <a:lstStyle/>
           <a:p>
             <a:r>
               <a:rPr lang="en-US" dirty="0" smtClean="0"/>
-              <a:t>Case</a:t>
-            </a:r>
+              <a:t>Keep data that you need together, together.</a:t>
+            </a:r>
+          </a:p>
+          <a:p>
             <a:endParaRPr lang="en-US" dirty="0"/>
           </a:p>
-        </p:txBody>
-      </p:sp>
-      <p:sp>
-        <p:nvSpPr>
-          <p:cNvPr id="7" name="Text Placeholder 6"/>
-          <p:cNvSpPr>
-            <a:spLocks noGrp="1"/>
-          </p:cNvSpPr>
-          <p:nvPr>
-            <p:ph type="body" sz="quarter" idx="14"/>
-          </p:nvPr>
-        </p:nvSpPr>
-        <p:spPr>
-          <a:xfrm>
-            <a:off x="3260883" y="1272002"/>
-            <a:ext cx="1194486" cy="276999"/>
-          </a:xfrm>
-        </p:spPr>
-        <p:txBody>
-          <a:bodyPr/>
-          <a:lstStyle/>
-          <a:p>
-            <a:r>
-              <a:rPr lang="en-US" dirty="0" smtClean="0"/>
-              <a:t>Approach</a:t>
-            </a:r>
+          <a:p>
+            <a:r>
+              <a:rPr lang="en-US" dirty="0" smtClean="0"/>
+              <a:t>Related data should be kept in the same document.</a:t>
+            </a:r>
+          </a:p>
+          <a:p>
             <a:endParaRPr lang="en-US" dirty="0"/>
           </a:p>
-        </p:txBody>
-      </p:sp>
-      <p:sp>
-        <p:nvSpPr>
-          <p:cNvPr id="8" name="Text Placeholder 7"/>
-          <p:cNvSpPr>
-            <a:spLocks noGrp="1"/>
-          </p:cNvSpPr>
-          <p:nvPr>
-            <p:ph type="body" sz="quarter" idx="15"/>
-          </p:nvPr>
-        </p:nvSpPr>
-        <p:spPr/>
-        <p:txBody>
-          <a:bodyPr/>
-          <a:lstStyle/>
-          <a:p>
-            <a:pPr>
-              <a:lnSpc>
-                <a:spcPct val="80000"/>
-              </a:lnSpc>
-            </a:pPr>
-            <a:r>
-              <a:rPr lang="en-US" sz="1400" dirty="0" smtClean="0">
-                <a:latin typeface="+mn-lt"/>
-                <a:cs typeface="Helvetica"/>
-              </a:rPr>
-              <a:t>Embed comments:</a:t>
-            </a:r>
-          </a:p>
-          <a:p>
-            <a:pPr>
-              <a:lnSpc>
-                <a:spcPct val="80000"/>
-              </a:lnSpc>
-            </a:pPr>
-            <a:r>
-              <a:rPr lang="en-US" sz="1400" dirty="0" smtClean="0">
-                <a:latin typeface="Helvetica"/>
-                <a:cs typeface="Helvetica"/>
-              </a:rPr>
-              <a:t>{</a:t>
-            </a:r>
-          </a:p>
-          <a:p>
-            <a:pPr>
-              <a:lnSpc>
-                <a:spcPct val="80000"/>
-              </a:lnSpc>
-            </a:pPr>
-            <a:r>
-              <a:rPr lang="en-US" sz="1400" dirty="0">
-                <a:latin typeface="Helvetica"/>
-                <a:cs typeface="Helvetica"/>
-              </a:rPr>
-              <a:t>	</a:t>
-            </a:r>
-            <a:r>
-              <a:rPr lang="en-US" sz="1400" dirty="0" smtClean="0">
-                <a:latin typeface="Helvetica"/>
-                <a:cs typeface="Helvetica"/>
-              </a:rPr>
-              <a:t>_id: 1</a:t>
-            </a:r>
-          </a:p>
-          <a:p>
-            <a:pPr>
-              <a:lnSpc>
-                <a:spcPct val="80000"/>
-              </a:lnSpc>
-            </a:pPr>
-            <a:r>
-              <a:rPr lang="en-US" sz="1400" dirty="0">
-                <a:latin typeface="Helvetica"/>
-                <a:cs typeface="Helvetica"/>
-              </a:rPr>
-              <a:t>	</a:t>
-            </a:r>
-            <a:r>
-              <a:rPr lang="en-US" sz="1400" dirty="0" smtClean="0">
-                <a:latin typeface="Helvetica"/>
-                <a:cs typeface="Helvetica"/>
-              </a:rPr>
-              <a:t>title: “A blog post”,</a:t>
-            </a:r>
-          </a:p>
-          <a:p>
-            <a:pPr>
-              <a:lnSpc>
-                <a:spcPct val="80000"/>
-              </a:lnSpc>
-            </a:pPr>
-            <a:r>
-              <a:rPr lang="en-US" sz="1400" dirty="0">
-                <a:latin typeface="Helvetica"/>
-                <a:cs typeface="Helvetica"/>
-              </a:rPr>
-              <a:t>	</a:t>
-            </a:r>
-            <a:r>
-              <a:rPr lang="en-US" sz="1400" dirty="0" smtClean="0">
-                <a:latin typeface="Helvetica"/>
-                <a:cs typeface="Helvetica"/>
-              </a:rPr>
-              <a:t>comments: [</a:t>
-            </a:r>
-          </a:p>
-          <a:p>
-            <a:pPr>
-              <a:lnSpc>
-                <a:spcPct val="80000"/>
-              </a:lnSpc>
-            </a:pPr>
-            <a:r>
-              <a:rPr lang="en-US" sz="1400" dirty="0" smtClean="0">
-                <a:latin typeface="Helvetica"/>
-                <a:cs typeface="Helvetica"/>
-              </a:rPr>
-              <a:t>		{</a:t>
-            </a:r>
-          </a:p>
-          <a:p>
-            <a:pPr>
-              <a:lnSpc>
-                <a:spcPct val="80000"/>
-              </a:lnSpc>
-            </a:pPr>
-            <a:r>
-              <a:rPr lang="en-US" sz="1400" dirty="0">
-                <a:latin typeface="Helvetica"/>
-                <a:cs typeface="Helvetica"/>
-              </a:rPr>
-              <a:t>	</a:t>
-            </a:r>
-            <a:r>
-              <a:rPr lang="en-US" sz="1400" dirty="0" smtClean="0">
-                <a:latin typeface="Helvetica"/>
-                <a:cs typeface="Helvetica"/>
-              </a:rPr>
-              <a:t>		by: “troll”,</a:t>
-            </a:r>
-          </a:p>
-          <a:p>
-            <a:pPr>
-              <a:lnSpc>
-                <a:spcPct val="80000"/>
-              </a:lnSpc>
-            </a:pPr>
-            <a:r>
-              <a:rPr lang="en-US" sz="1400" dirty="0">
-                <a:latin typeface="Helvetica"/>
-                <a:cs typeface="Helvetica"/>
-              </a:rPr>
-              <a:t>	</a:t>
-            </a:r>
-            <a:r>
-              <a:rPr lang="en-US" sz="1400" dirty="0" smtClean="0">
-                <a:latin typeface="Helvetica"/>
-                <a:cs typeface="Helvetica"/>
-              </a:rPr>
-              <a:t>		content: “..”</a:t>
-            </a:r>
-          </a:p>
-          <a:p>
-            <a:pPr>
-              <a:lnSpc>
-                <a:spcPct val="80000"/>
-              </a:lnSpc>
-            </a:pPr>
-            <a:r>
-              <a:rPr lang="en-US" sz="1400" dirty="0">
-                <a:latin typeface="Helvetica"/>
-                <a:cs typeface="Helvetica"/>
-              </a:rPr>
-              <a:t>	</a:t>
-            </a:r>
-            <a:r>
-              <a:rPr lang="en-US" sz="1400" dirty="0" smtClean="0">
-                <a:latin typeface="Helvetica"/>
-                <a:cs typeface="Helvetica"/>
-              </a:rPr>
-              <a:t>	}</a:t>
-            </a:r>
-          </a:p>
-          <a:p>
-            <a:pPr>
-              <a:lnSpc>
-                <a:spcPct val="80000"/>
-              </a:lnSpc>
-            </a:pPr>
-            <a:r>
-              <a:rPr lang="en-US" sz="1400" dirty="0">
-                <a:latin typeface="Helvetica"/>
-                <a:cs typeface="Helvetica"/>
-              </a:rPr>
-              <a:t>	</a:t>
-            </a:r>
-            <a:r>
-              <a:rPr lang="en-US" sz="1400" dirty="0" smtClean="0">
-                <a:latin typeface="Helvetica"/>
-                <a:cs typeface="Helvetica"/>
-              </a:rPr>
-              <a:t>]</a:t>
-            </a:r>
-          </a:p>
-          <a:p>
-            <a:pPr>
-              <a:lnSpc>
-                <a:spcPct val="80000"/>
-              </a:lnSpc>
-            </a:pPr>
-            <a:r>
-              <a:rPr lang="en-US" sz="1400" dirty="0" smtClean="0">
-                <a:latin typeface="Helvetica"/>
-                <a:cs typeface="Helvetica"/>
-              </a:rPr>
-              <a:t>}</a:t>
-            </a:r>
-          </a:p>
-          <a:p>
-            <a:pPr>
-              <a:lnSpc>
-                <a:spcPct val="80000"/>
-              </a:lnSpc>
-            </a:pPr>
-            <a:r>
-              <a:rPr lang="en-US" sz="1400" dirty="0" smtClean="0">
-                <a:latin typeface="+mn-lt"/>
-                <a:cs typeface="Helvetica"/>
-              </a:rPr>
-              <a:t>A document per comment:</a:t>
-            </a:r>
-            <a:endParaRPr lang="en-US" sz="1400" dirty="0">
-              <a:latin typeface="+mn-lt"/>
-              <a:cs typeface="Helvetica"/>
-            </a:endParaRPr>
-          </a:p>
-          <a:p>
-            <a:pPr>
-              <a:lnSpc>
-                <a:spcPct val="80000"/>
-              </a:lnSpc>
-            </a:pPr>
-            <a:r>
-              <a:rPr lang="en-US" sz="1400" dirty="0" smtClean="0">
-                <a:latin typeface="Helvetica"/>
-                <a:cs typeface="Helvetica"/>
-              </a:rPr>
-              <a:t>{</a:t>
-            </a:r>
-          </a:p>
-          <a:p>
-            <a:pPr>
-              <a:lnSpc>
-                <a:spcPct val="80000"/>
-              </a:lnSpc>
-            </a:pPr>
-            <a:r>
-              <a:rPr lang="en-US" sz="1400" dirty="0">
-                <a:latin typeface="Helvetica"/>
-                <a:cs typeface="Helvetica"/>
-              </a:rPr>
-              <a:t>	</a:t>
-            </a:r>
-            <a:r>
-              <a:rPr lang="en-US" sz="1400" dirty="0" err="1" smtClean="0">
-                <a:latin typeface="Helvetica"/>
-                <a:cs typeface="Helvetica"/>
-              </a:rPr>
-              <a:t>blogpost</a:t>
-            </a:r>
-            <a:r>
-              <a:rPr lang="en-US" sz="1400" dirty="0" smtClean="0">
-                <a:latin typeface="Helvetica"/>
-                <a:cs typeface="Helvetica"/>
-              </a:rPr>
-              <a:t>: 1,</a:t>
-            </a:r>
-          </a:p>
-          <a:p>
-            <a:pPr>
-              <a:lnSpc>
-                <a:spcPct val="80000"/>
-              </a:lnSpc>
-            </a:pPr>
-            <a:r>
-              <a:rPr lang="en-US" sz="1400" dirty="0">
-                <a:latin typeface="Helvetica"/>
-                <a:cs typeface="Helvetica"/>
-              </a:rPr>
-              <a:t>	</a:t>
-            </a:r>
-            <a:r>
-              <a:rPr lang="en-US" sz="1400" dirty="0" smtClean="0">
-                <a:latin typeface="Helvetica"/>
-                <a:cs typeface="Helvetica"/>
-              </a:rPr>
-              <a:t>content: “..”,</a:t>
-            </a:r>
-          </a:p>
-          <a:p>
-            <a:pPr>
-              <a:lnSpc>
-                <a:spcPct val="80000"/>
-              </a:lnSpc>
-            </a:pPr>
-            <a:r>
-              <a:rPr lang="en-US" sz="1400" dirty="0">
-                <a:latin typeface="Helvetica"/>
-                <a:cs typeface="Helvetica"/>
-              </a:rPr>
-              <a:t>	</a:t>
-            </a:r>
-            <a:r>
-              <a:rPr lang="en-US" sz="1400" dirty="0" smtClean="0">
-                <a:latin typeface="Helvetica"/>
-                <a:cs typeface="Helvetica"/>
-              </a:rPr>
-              <a:t>by: “troll”</a:t>
-            </a:r>
-          </a:p>
-          <a:p>
-            <a:pPr>
-              <a:lnSpc>
-                <a:spcPct val="80000"/>
-              </a:lnSpc>
-            </a:pPr>
-            <a:r>
-              <a:rPr lang="en-US" sz="1400" dirty="0" smtClean="0">
-                <a:latin typeface="Helvetica"/>
-                <a:cs typeface="Helvetica"/>
-              </a:rPr>
-              <a:t>}</a:t>
-            </a:r>
-          </a:p>
-        </p:txBody>
-      </p:sp>
-      <p:sp>
-        <p:nvSpPr>
-          <p:cNvPr id="9" name="Text Placeholder 8"/>
-          <p:cNvSpPr>
-            <a:spLocks noGrp="1"/>
-          </p:cNvSpPr>
-          <p:nvPr>
-            <p:ph type="body" sz="quarter" idx="16"/>
-          </p:nvPr>
-        </p:nvSpPr>
-        <p:spPr>
-          <a:xfrm>
-            <a:off x="6191636" y="1272002"/>
-            <a:ext cx="1097892" cy="276999"/>
-          </a:xfrm>
-        </p:spPr>
-        <p:txBody>
-          <a:bodyPr/>
-          <a:lstStyle/>
-          <a:p>
-            <a:r>
-              <a:rPr lang="en-US" dirty="0" smtClean="0"/>
-              <a:t>Example</a:t>
+          <a:p>
+            <a:r>
+              <a:rPr lang="en-US" dirty="0" smtClean="0"/>
+              <a:t>Know your access pattern, design for it.</a:t>
+            </a:r>
+          </a:p>
+          <a:p>
+            <a:endParaRPr lang="en-US" dirty="0"/>
+          </a:p>
+          <a:p>
+            <a:r>
+              <a:rPr lang="en-US" dirty="0" smtClean="0"/>
+              <a:t>For most cases simply store the objects you have in your application.</a:t>
             </a:r>
             <a:endParaRPr lang="en-US" dirty="0"/>
           </a:p>
@@ -14655,7 +15249,7 @@
     </p:spTree>
     <p:extLst>
       <p:ext uri="{BB962C8B-B14F-4D97-AF65-F5344CB8AC3E}">
-        <p14:creationId xmlns:p14="http://schemas.microsoft.com/office/powerpoint/2010/main" val="1748447393"/>
+        <p14:creationId xmlns:p14="http://schemas.microsoft.com/office/powerpoint/2010/main" val="2408917308"/>
       </p:ext>
     </p:extLst>
   </p:cSld>
@@ -14665,6 +15259,13 @@
   <p:transition xmlns:p14="http://schemas.microsoft.com/office/powerpoint/2010/main">
     <p:fade thruBlk="1"/>
   </p:transition>
+  <p:timing>
+    <p:tnLst>
+      <p:par>
+        <p:cTn xmlns:p14="http://schemas.microsoft.com/office/powerpoint/2010/main" id="1" dur="indefinite" restart="never" nodeType="tmRoot"/>
+      </p:par>
+    </p:tnLst>
+  </p:timing>
 </p:sld>
 </file>
 
@@ -14698,7 +15299,7 @@
         <p:spPr>
           <a:xfrm>
             <a:off x="321623" y="418905"/>
-            <a:ext cx="3862142" cy="307777"/>
+            <a:ext cx="1914108" cy="307777"/>
           </a:xfrm>
         </p:spPr>
         <p:txBody>
@@ -14707,7 +15308,7 @@
           <a:p>
             <a:r>
               <a:rPr lang="en-US" dirty="0" smtClean="0"/>
-              <a:t>MONGODB SCHEMA DESIGN</a:t>
+              <a:t>One-to-one</a:t>
             </a:r>
             <a:endParaRPr lang="en-US" dirty="0"/>
           </a:p>
@@ -14715,12 +15316,112 @@
       </p:sp>
       <p:sp>
         <p:nvSpPr>
-          <p:cNvPr id="3" name="Slide Number Placeholder 2"/>
-          <p:cNvSpPr>
-            <a:spLocks noGrp="1"/>
-          </p:cNvSpPr>
-          <p:nvPr>
-            <p:ph type="sldNum" sz="quarter" idx="10"/>
+          <p:cNvPr id="3" name="Text Placeholder 2"/>
+          <p:cNvSpPr>
+            <a:spLocks noGrp="1"/>
+          </p:cNvSpPr>
+          <p:nvPr>
+            <p:ph type="body" sz="quarter" idx="11"/>
+          </p:nvPr>
+        </p:nvSpPr>
+        <p:spPr/>
+        <p:txBody>
+          <a:bodyPr/>
+          <a:lstStyle/>
+          <a:p>
+            <a:r>
+              <a:rPr lang="en-US" dirty="0"/>
+              <a:t>A person has a spouse. </a:t>
+            </a:r>
+            <a:endParaRPr lang="en-US" dirty="0" smtClean="0"/>
+          </a:p>
+          <a:p>
+            <a:r>
+              <a:rPr lang="en-US" dirty="0" smtClean="0"/>
+              <a:t>(Let’s at least model it as a one to one relation).</a:t>
+            </a:r>
+            <a:endParaRPr lang="en-US" dirty="0"/>
+          </a:p>
+        </p:txBody>
+      </p:sp>
+      <p:sp>
+        <p:nvSpPr>
+          <p:cNvPr id="4" name="Text Placeholder 3"/>
+          <p:cNvSpPr>
+            <a:spLocks noGrp="1"/>
+          </p:cNvSpPr>
+          <p:nvPr>
+            <p:ph type="body" sz="quarter" idx="12"/>
+          </p:nvPr>
+        </p:nvSpPr>
+        <p:spPr/>
+        <p:txBody>
+          <a:bodyPr/>
+          <a:lstStyle/>
+          <a:p>
+            <a:r>
+              <a:rPr lang="en-US" dirty="0" smtClean="0"/>
+              <a:t>Reference in either document</a:t>
+            </a:r>
+          </a:p>
+          <a:p>
+            <a:endParaRPr lang="en-US" dirty="0"/>
+          </a:p>
+          <a:p>
+            <a:r>
+              <a:rPr lang="en-US" dirty="0" smtClean="0"/>
+              <a:t>OR</a:t>
+            </a:r>
+          </a:p>
+          <a:p>
+            <a:endParaRPr lang="en-US" dirty="0"/>
+          </a:p>
+          <a:p>
+            <a:r>
+              <a:rPr lang="en-US" dirty="0" smtClean="0"/>
+              <a:t>Embed</a:t>
+            </a:r>
+          </a:p>
+          <a:p>
+            <a:endParaRPr lang="en-US" dirty="0"/>
+          </a:p>
+          <a:p>
+            <a:r>
+              <a:rPr lang="en-US" dirty="0" smtClean="0"/>
+              <a:t>CONSIDER</a:t>
+            </a:r>
+          </a:p>
+          <a:p>
+            <a:endParaRPr lang="en-US" dirty="0"/>
+          </a:p>
+          <a:p>
+            <a:r>
+              <a:rPr lang="en-US" dirty="0" smtClean="0"/>
+              <a:t>Size of each.</a:t>
+            </a:r>
+          </a:p>
+          <a:p>
+            <a:r>
+              <a:rPr lang="en-US" dirty="0" smtClean="0"/>
+              <a:t>Do you need both at the same time.</a:t>
+            </a:r>
+          </a:p>
+          <a:p>
+            <a:r>
+              <a:rPr lang="en-US" dirty="0" smtClean="0"/>
+              <a:t>Atomicity of data.</a:t>
+            </a:r>
+          </a:p>
+        </p:txBody>
+      </p:sp>
+      <p:sp>
+        <p:nvSpPr>
+          <p:cNvPr id="5" name="Slide Number Placeholder 4"/>
+          <p:cNvSpPr>
+            <a:spLocks noGrp="1"/>
+          </p:cNvSpPr>
+          <p:nvPr>
+            <p:ph type="sldNum" sz="quarter" idx="4"/>
           </p:nvPr>
         </p:nvSpPr>
         <p:spPr/>
@@ -14739,39 +15440,239 @@
       </p:sp>
       <p:sp>
         <p:nvSpPr>
-          <p:cNvPr id="4" name="Text Placeholder 3"/>
-          <p:cNvSpPr>
-            <a:spLocks noGrp="1"/>
-          </p:cNvSpPr>
-          <p:nvPr>
-            <p:ph type="body" sz="quarter" idx="11"/>
-          </p:nvPr>
-        </p:nvSpPr>
-        <p:spPr/>
+          <p:cNvPr id="6" name="Text Placeholder 5"/>
+          <p:cNvSpPr>
+            <a:spLocks noGrp="1"/>
+          </p:cNvSpPr>
+          <p:nvPr>
+            <p:ph type="body" sz="quarter" idx="13"/>
+          </p:nvPr>
+        </p:nvSpPr>
+        <p:spPr>
+          <a:xfrm>
+            <a:off x="331394" y="1272002"/>
+            <a:ext cx="677254" cy="276999"/>
+          </a:xfrm>
+        </p:spPr>
         <p:txBody>
           <a:bodyPr/>
           <a:lstStyle/>
           <a:p>
             <a:r>
               <a:rPr lang="en-US" dirty="0" smtClean="0"/>
-              <a:t>Group things you need at the same time together. (</a:t>
-            </a:r>
-            <a:r>
-              <a:rPr lang="en-US" dirty="0" err="1" smtClean="0"/>
-              <a:t>denormalize</a:t>
-            </a:r>
+              <a:t>Case</a:t>
+            </a:r>
+            <a:endParaRPr lang="en-US" dirty="0"/>
+          </a:p>
+        </p:txBody>
+      </p:sp>
+      <p:sp>
+        <p:nvSpPr>
+          <p:cNvPr id="7" name="Text Placeholder 6"/>
+          <p:cNvSpPr>
+            <a:spLocks noGrp="1"/>
+          </p:cNvSpPr>
+          <p:nvPr>
+            <p:ph type="body" sz="quarter" idx="14"/>
+          </p:nvPr>
+        </p:nvSpPr>
+        <p:spPr>
+          <a:xfrm>
+            <a:off x="3260883" y="1272002"/>
+            <a:ext cx="1194486" cy="276999"/>
+          </a:xfrm>
+        </p:spPr>
+        <p:txBody>
+          <a:bodyPr/>
+          <a:lstStyle/>
+          <a:p>
+            <a:r>
+              <a:rPr lang="en-US" dirty="0" smtClean="0"/>
+              <a:t>Approach</a:t>
+            </a:r>
+            <a:endParaRPr lang="en-US" dirty="0"/>
+          </a:p>
+        </p:txBody>
+      </p:sp>
+      <p:sp>
+        <p:nvSpPr>
+          <p:cNvPr id="8" name="Text Placeholder 7"/>
+          <p:cNvSpPr>
+            <a:spLocks noGrp="1"/>
+          </p:cNvSpPr>
+          <p:nvPr>
+            <p:ph type="body" sz="quarter" idx="15"/>
+          </p:nvPr>
+        </p:nvSpPr>
+        <p:spPr/>
+        <p:txBody>
+          <a:bodyPr/>
+          <a:lstStyle/>
+          <a:p>
+            <a:r>
+              <a:rPr lang="en-US" dirty="0" smtClean="0"/>
+              <a:t>Reference:</a:t>
+            </a:r>
+          </a:p>
+          <a:p>
+            <a:r>
+              <a:rPr lang="en-US" dirty="0" smtClean="0"/>
+              <a:t>{</a:t>
+            </a:r>
+          </a:p>
+          <a:p>
             <a:r>
               <a:rPr lang="en-US" dirty="0"/>
-              <a:t>)</a:t>
+              <a:t>	</a:t>
+            </a:r>
+            <a:r>
+              <a:rPr lang="en-US" dirty="0" smtClean="0"/>
+              <a:t>_id: 1,</a:t>
+            </a:r>
+          </a:p>
+          <a:p>
+            <a:r>
+              <a:rPr lang="en-US" dirty="0"/>
+              <a:t>	</a:t>
+            </a:r>
+            <a:r>
+              <a:rPr lang="en-US" dirty="0" smtClean="0"/>
+              <a:t>name: “John”,</a:t>
+            </a:r>
+          </a:p>
+          <a:p>
+            <a:r>
+              <a:rPr lang="en-US" dirty="0"/>
+              <a:t>	</a:t>
+            </a:r>
+            <a:r>
+              <a:rPr lang="en-US" dirty="0" smtClean="0"/>
+              <a:t>spouse: 2</a:t>
+            </a:r>
+          </a:p>
+          <a:p>
+            <a:r>
+              <a:rPr lang="en-US" dirty="0" smtClean="0"/>
+              <a:t>}</a:t>
+            </a:r>
+            <a:endParaRPr lang="en-US" dirty="0"/>
+          </a:p>
+          <a:p>
+            <a:r>
+              <a:rPr lang="en-US" dirty="0" smtClean="0"/>
+              <a:t>Embed:</a:t>
+            </a:r>
+          </a:p>
+          <a:p>
+            <a:r>
+              <a:rPr lang="en-US" dirty="0" smtClean="0"/>
+              <a:t>{</a:t>
+            </a:r>
+          </a:p>
+          <a:p>
+            <a:r>
+              <a:rPr lang="en-US" dirty="0"/>
+              <a:t>	</a:t>
+            </a:r>
+            <a:r>
+              <a:rPr lang="en-US" dirty="0" smtClean="0"/>
+              <a:t>_id: 2,</a:t>
+            </a:r>
+          </a:p>
+          <a:p>
+            <a:r>
+              <a:rPr lang="en-US" dirty="0"/>
+              <a:t>	</a:t>
+            </a:r>
+            <a:r>
+              <a:rPr lang="en-US" dirty="0" smtClean="0"/>
+              <a:t>name: “Kari”,</a:t>
+            </a:r>
+          </a:p>
+          <a:p>
+            <a:r>
+              <a:rPr lang="en-US" dirty="0"/>
+              <a:t>	</a:t>
+            </a:r>
+            <a:r>
+              <a:rPr lang="en-US" dirty="0" smtClean="0"/>
+              <a:t>spouse: {</a:t>
+            </a:r>
+          </a:p>
+          <a:p>
+            <a:r>
+              <a:rPr lang="en-US" dirty="0"/>
+              <a:t>	</a:t>
+            </a:r>
+            <a:r>
+              <a:rPr lang="en-US" dirty="0" smtClean="0"/>
+              <a:t>	id: 1,</a:t>
+            </a:r>
+          </a:p>
+          <a:p>
+            <a:r>
+              <a:rPr lang="en-US" dirty="0"/>
+              <a:t>	</a:t>
+            </a:r>
+            <a:r>
+              <a:rPr lang="en-US" dirty="0" smtClean="0"/>
+              <a:t>	name: “John”</a:t>
+            </a:r>
+          </a:p>
+          <a:p>
+            <a:r>
+              <a:rPr lang="en-US" dirty="0"/>
+              <a:t>	</a:t>
+            </a:r>
+            <a:r>
+              <a:rPr lang="en-US" dirty="0" smtClean="0"/>
+              <a:t>}</a:t>
+            </a:r>
+          </a:p>
+          <a:p>
+            <a:r>
+              <a:rPr lang="en-US" dirty="0"/>
+              <a:t>}</a:t>
             </a:r>
             <a:endParaRPr lang="en-US" dirty="0" smtClean="0"/>
+          </a:p>
+          <a:p>
+            <a:endParaRPr lang="en-US" dirty="0"/>
+          </a:p>
+        </p:txBody>
+      </p:sp>
+      <p:sp>
+        <p:nvSpPr>
+          <p:cNvPr id="9" name="Text Placeholder 8"/>
+          <p:cNvSpPr>
+            <a:spLocks noGrp="1"/>
+          </p:cNvSpPr>
+          <p:nvPr>
+            <p:ph type="body" sz="quarter" idx="16"/>
+          </p:nvPr>
+        </p:nvSpPr>
+        <p:spPr>
+          <a:xfrm>
+            <a:off x="6191636" y="1272002"/>
+            <a:ext cx="1097892" cy="276999"/>
+          </a:xfrm>
+        </p:spPr>
+        <p:txBody>
+          <a:bodyPr/>
+          <a:lstStyle/>
+          <a:p>
+            <a:r>
+              <a:rPr lang="en-US" dirty="0" smtClean="0"/>
+              <a:t>Example</a:t>
+            </a:r>
+            <a:endParaRPr lang="en-US" dirty="0"/>
           </a:p>
         </p:txBody>
       </p:sp>
     </p:spTree>
     <p:extLst>
       <p:ext uri="{BB962C8B-B14F-4D97-AF65-F5344CB8AC3E}">
-        <p14:creationId xmlns:p14="http://schemas.microsoft.com/office/powerpoint/2010/main" val="948633024"/>
+        <p14:creationId xmlns:p14="http://schemas.microsoft.com/office/powerpoint/2010/main" val="3155125728"/>
       </p:ext>
     </p:extLst>
   </p:cSld>
@@ -14781,6 +15682,13 @@
   <p:transition xmlns:p14="http://schemas.microsoft.com/office/powerpoint/2010/main">
     <p:fade thruBlk="1"/>
   </p:transition>
+  <p:timing>
+    <p:tnLst>
+      <p:par>
+        <p:cTn xmlns:p14="http://schemas.microsoft.com/office/powerpoint/2010/main" id="1" dur="indefinite" restart="never" nodeType="tmRoot"/>
+      </p:par>
+    </p:tnLst>
+  </p:timing>
 </p:sld>
 </file>
 
@@ -14814,7 +15722,7 @@
         <p:spPr>
           <a:xfrm>
             <a:off x="321623" y="418905"/>
-            <a:ext cx="2914692" cy="307777"/>
+            <a:ext cx="2129446" cy="307777"/>
           </a:xfrm>
         </p:spPr>
         <p:txBody>
@@ -14823,7 +15731,7 @@
           <a:p>
             <a:r>
               <a:rPr lang="en-US" dirty="0" smtClean="0"/>
-              <a:t>LANGUAGE DRIVERS</a:t>
+              <a:t>One-to-Many</a:t>
             </a:r>
             <a:endParaRPr lang="en-US" dirty="0"/>
           </a:p>
@@ -14831,12 +15739,113 @@
       </p:sp>
       <p:sp>
         <p:nvSpPr>
-          <p:cNvPr id="3" name="Slide Number Placeholder 2"/>
-          <p:cNvSpPr>
-            <a:spLocks noGrp="1"/>
-          </p:cNvSpPr>
-          <p:nvPr>
-            <p:ph type="sldNum" sz="quarter" idx="10"/>
+          <p:cNvPr id="3" name="Text Placeholder 2"/>
+          <p:cNvSpPr>
+            <a:spLocks noGrp="1"/>
+          </p:cNvSpPr>
+          <p:nvPr>
+            <p:ph type="body" sz="quarter" idx="11"/>
+          </p:nvPr>
+        </p:nvSpPr>
+        <p:spPr/>
+        <p:txBody>
+          <a:bodyPr/>
+          <a:lstStyle/>
+          <a:p>
+            <a:r>
+              <a:rPr lang="en-US" dirty="0" smtClean="0"/>
+              <a:t>Comments on a blog post.</a:t>
+            </a:r>
+            <a:endParaRPr lang="en-US" dirty="0"/>
+          </a:p>
+        </p:txBody>
+      </p:sp>
+      <p:sp>
+        <p:nvSpPr>
+          <p:cNvPr id="4" name="Text Placeholder 3"/>
+          <p:cNvSpPr>
+            <a:spLocks noGrp="1"/>
+          </p:cNvSpPr>
+          <p:nvPr>
+            <p:ph type="body" sz="quarter" idx="12"/>
+          </p:nvPr>
+        </p:nvSpPr>
+        <p:spPr/>
+        <p:txBody>
+          <a:bodyPr/>
+          <a:lstStyle/>
+          <a:p>
+            <a:r>
+              <a:rPr lang="en-US" dirty="0" smtClean="0"/>
+              <a:t>Embed comments</a:t>
+            </a:r>
+          </a:p>
+          <a:p>
+            <a:r>
+              <a:rPr lang="en-US" i="1" dirty="0" smtClean="0"/>
+              <a:t>What if too many comments?</a:t>
+            </a:r>
+          </a:p>
+          <a:p>
+            <a:endParaRPr lang="en-US" dirty="0" smtClean="0"/>
+          </a:p>
+          <a:p>
+            <a:r>
+              <a:rPr lang="en-US" dirty="0" smtClean="0"/>
+              <a:t>OR</a:t>
+            </a:r>
+            <a:endParaRPr lang="en-US" dirty="0"/>
+          </a:p>
+          <a:p>
+            <a:endParaRPr lang="en-US" dirty="0" smtClean="0"/>
+          </a:p>
+          <a:p>
+            <a:r>
+              <a:rPr lang="en-US" dirty="0" smtClean="0"/>
+              <a:t>A document per comment</a:t>
+            </a:r>
+          </a:p>
+          <a:p>
+            <a:r>
+              <a:rPr lang="en-US" i="1" dirty="0" smtClean="0"/>
+              <a:t>When many comments expected.</a:t>
+            </a:r>
+          </a:p>
+          <a:p>
+            <a:endParaRPr lang="en-US" i="1" dirty="0"/>
+          </a:p>
+          <a:p>
+            <a:r>
+              <a:rPr lang="en-US" dirty="0" smtClean="0"/>
+              <a:t>CONSIDER</a:t>
+            </a:r>
+          </a:p>
+          <a:p>
+            <a:r>
+              <a:rPr lang="en-US" dirty="0" smtClean="0"/>
+              <a:t>Know if you are going to have one-to-few or truly one-to-many.</a:t>
+            </a:r>
+          </a:p>
+          <a:p>
+            <a:r>
+              <a:rPr lang="en-US" i="1" dirty="0" err="1" smtClean="0"/>
+              <a:t>MongoDB</a:t>
+            </a:r>
+            <a:r>
+              <a:rPr lang="en-US" i="1" dirty="0" smtClean="0"/>
+              <a:t> documents have a max size of ~16MB.</a:t>
+            </a:r>
+          </a:p>
+        </p:txBody>
+      </p:sp>
+      <p:sp>
+        <p:nvSpPr>
+          <p:cNvPr id="5" name="Slide Number Placeholder 4"/>
+          <p:cNvSpPr>
+            <a:spLocks noGrp="1"/>
+          </p:cNvSpPr>
+          <p:nvPr>
+            <p:ph type="sldNum" sz="quarter" idx="4"/>
           </p:nvPr>
         </p:nvSpPr>
         <p:spPr/>
@@ -14855,121 +15864,419 @@
       </p:sp>
       <p:sp>
         <p:nvSpPr>
-          <p:cNvPr id="4" name="Text Placeholder 3"/>
-          <p:cNvSpPr>
-            <a:spLocks noGrp="1"/>
-          </p:cNvSpPr>
-          <p:nvPr>
-            <p:ph type="body" sz="quarter" idx="11"/>
-          </p:nvPr>
-        </p:nvSpPr>
-        <p:spPr/>
+          <p:cNvPr id="6" name="Text Placeholder 5"/>
+          <p:cNvSpPr>
+            <a:spLocks noGrp="1"/>
+          </p:cNvSpPr>
+          <p:nvPr>
+            <p:ph type="body" sz="quarter" idx="13"/>
+          </p:nvPr>
+        </p:nvSpPr>
+        <p:spPr>
+          <a:xfrm>
+            <a:off x="331394" y="1272002"/>
+            <a:ext cx="677254" cy="276999"/>
+          </a:xfrm>
+        </p:spPr>
         <p:txBody>
           <a:bodyPr/>
           <a:lstStyle/>
           <a:p>
             <a:r>
               <a:rPr lang="en-US" dirty="0" smtClean="0"/>
-              <a:t>Available and well supported in most languages.</a:t>
-            </a:r>
-          </a:p>
-          <a:p>
+              <a:t>Case</a:t>
+            </a:r>
             <a:endParaRPr lang="en-US" dirty="0"/>
           </a:p>
-          <a:p>
-            <a:r>
-              <a:rPr lang="en-US" dirty="0" smtClean="0"/>
-              <a:t>Overview of </a:t>
-            </a:r>
-            <a:r>
-              <a:rPr lang="en-US" dirty="0"/>
-              <a:t>supported drivers: </a:t>
-            </a:r>
-            <a:r>
-              <a:rPr lang="en-US" dirty="0">
-                <a:hlinkClick r:id="rId2"/>
+        </p:txBody>
+      </p:sp>
+      <p:sp>
+        <p:nvSpPr>
+          <p:cNvPr id="7" name="Text Placeholder 6"/>
+          <p:cNvSpPr>
+            <a:spLocks noGrp="1"/>
+          </p:cNvSpPr>
+          <p:nvPr>
+            <p:ph type="body" sz="quarter" idx="14"/>
+          </p:nvPr>
+        </p:nvSpPr>
+        <p:spPr>
+          <a:xfrm>
+            <a:off x="3260883" y="1272002"/>
+            <a:ext cx="1194486" cy="276999"/>
+          </a:xfrm>
+        </p:spPr>
+        <p:txBody>
+          <a:bodyPr/>
+          <a:lstStyle/>
+          <a:p>
+            <a:r>
+              <a:rPr lang="en-US" dirty="0" smtClean="0"/>
+              <a:t>Approach</a:t>
+            </a:r>
+            <a:endParaRPr lang="en-US" dirty="0"/>
+          </a:p>
+        </p:txBody>
+      </p:sp>
+      <p:sp>
+        <p:nvSpPr>
+          <p:cNvPr id="8" name="Text Placeholder 7"/>
+          <p:cNvSpPr>
+            <a:spLocks noGrp="1"/>
+          </p:cNvSpPr>
+          <p:nvPr>
+            <p:ph type="body" sz="quarter" idx="15"/>
+          </p:nvPr>
+        </p:nvSpPr>
+        <p:spPr/>
+        <p:txBody>
+          <a:bodyPr/>
+          <a:lstStyle/>
+          <a:p>
+            <a:pPr>
+              <a:lnSpc>
+                <a:spcPct val="80000"/>
+              </a:lnSpc>
+            </a:pPr>
+            <a:r>
+              <a:rPr lang="en-US" sz="1400" dirty="0" smtClean="0">
+                <a:latin typeface="+mn-lt"/>
+                <a:cs typeface="Helvetica"/>
               </a:rPr>
-              <a:t>http://docs.mongodb.org/ecosystem/drivers</a:t>
-            </a:r>
-            <a:r>
-              <a:rPr lang="en-US" dirty="0" smtClean="0">
-                <a:hlinkClick r:id="rId2"/>
+              <a:t>Embed comments:</a:t>
+            </a:r>
+          </a:p>
+          <a:p>
+            <a:pPr>
+              <a:lnSpc>
+                <a:spcPct val="80000"/>
+              </a:lnSpc>
+            </a:pPr>
+            <a:r>
+              <a:rPr lang="en-US" sz="1400" dirty="0" smtClean="0">
+                <a:latin typeface="Helvetica"/>
+                <a:cs typeface="Helvetica"/>
               </a:rPr>
-              <a:t>/</a:t>
-            </a:r>
-            <a:endParaRPr lang="en-US" dirty="0" smtClean="0"/>
-          </a:p>
-          <a:p>
-            <a:endParaRPr lang="en-US" dirty="0"/>
-          </a:p>
-          <a:p>
-            <a:r>
-              <a:rPr lang="en-US" dirty="0" smtClean="0"/>
-              <a:t>Separate free online courses for Java, </a:t>
-            </a:r>
-            <a:r>
-              <a:rPr lang="en-US" dirty="0" err="1" smtClean="0"/>
-              <a:t>Node.js</a:t>
-            </a:r>
-            <a:r>
-              <a:rPr lang="en-US" dirty="0" smtClean="0"/>
-              <a:t>, .NET and </a:t>
-            </a:r>
-            <a:r>
-              <a:rPr lang="en-US" dirty="0"/>
-              <a:t>Python developers </a:t>
-            </a:r>
-            <a:r>
-              <a:rPr lang="en-US" dirty="0" smtClean="0"/>
-              <a:t>available at </a:t>
-            </a:r>
-            <a:r>
-              <a:rPr lang="en-US" dirty="0" smtClean="0">
-                <a:hlinkClick r:id="rId3"/>
+              <a:t>{</a:t>
+            </a:r>
+          </a:p>
+          <a:p>
+            <a:pPr>
+              <a:lnSpc>
+                <a:spcPct val="80000"/>
+              </a:lnSpc>
+            </a:pPr>
+            <a:r>
+              <a:rPr lang="en-US" sz="1400" dirty="0">
+                <a:latin typeface="Helvetica"/>
+                <a:cs typeface="Helvetica"/>
               </a:rPr>
-              <a:t>https</a:t>
-            </a:r>
-            <a:r>
-              <a:rPr lang="en-US" dirty="0">
-                <a:hlinkClick r:id="rId3"/>
+              <a:t>	</a:t>
+            </a:r>
+            <a:r>
+              <a:rPr lang="en-US" sz="1400" dirty="0" smtClean="0">
+                <a:latin typeface="Helvetica"/>
+                <a:cs typeface="Helvetica"/>
               </a:rPr>
-              <a:t>://university.mongodb.com</a:t>
-            </a:r>
-            <a:r>
-              <a:rPr lang="en-US" dirty="0" smtClean="0">
-                <a:hlinkClick r:id="rId3"/>
+              <a:t>_id: 1</a:t>
+            </a:r>
+          </a:p>
+          <a:p>
+            <a:pPr>
+              <a:lnSpc>
+                <a:spcPct val="80000"/>
+              </a:lnSpc>
+            </a:pPr>
+            <a:r>
+              <a:rPr lang="en-US" sz="1400" dirty="0">
+                <a:latin typeface="Helvetica"/>
+                <a:cs typeface="Helvetica"/>
               </a:rPr>
-              <a:t>/</a:t>
-            </a:r>
-            <a:endParaRPr lang="en-US" dirty="0" smtClean="0"/>
-          </a:p>
-          <a:p>
-            <a:endParaRPr lang="en-US" dirty="0" smtClean="0"/>
-          </a:p>
-          <a:p>
-            <a:r>
-              <a:rPr lang="en-US" dirty="0" smtClean="0"/>
-              <a:t>Most of the videos they use in the </a:t>
-            </a:r>
-            <a:r>
-              <a:rPr lang="en-US" dirty="0"/>
-              <a:t>courses are here </a:t>
-            </a:r>
-            <a:r>
-              <a:rPr lang="en-US" dirty="0">
-                <a:hlinkClick r:id="rId4"/>
+              <a:t>	</a:t>
+            </a:r>
+            <a:r>
+              <a:rPr lang="en-US" sz="1400" dirty="0" smtClean="0">
+                <a:latin typeface="Helvetica"/>
+                <a:cs typeface="Helvetica"/>
               </a:rPr>
-              <a:t>https://www.youtube.com/channel/UCO6fpQsiBhglTVGsjC1on7A/</a:t>
-            </a:r>
-            <a:r>
-              <a:rPr lang="en-US" dirty="0" smtClean="0">
-                <a:hlinkClick r:id="rId4"/>
+              <a:t>title: “A blog post”,</a:t>
+            </a:r>
+          </a:p>
+          <a:p>
+            <a:pPr>
+              <a:lnSpc>
+                <a:spcPct val="80000"/>
+              </a:lnSpc>
+            </a:pPr>
+            <a:r>
+              <a:rPr lang="en-US" sz="1400" dirty="0">
+                <a:latin typeface="Helvetica"/>
+                <a:cs typeface="Helvetica"/>
               </a:rPr>
-              <a:t>playlists</a:t>
-            </a:r>
-            <a:endParaRPr lang="en-US" dirty="0" smtClean="0"/>
-          </a:p>
-          <a:p>
+              <a:t>	</a:t>
+            </a:r>
+            <a:r>
+              <a:rPr lang="en-US" sz="1400" dirty="0" smtClean="0">
+                <a:latin typeface="Helvetica"/>
+                <a:cs typeface="Helvetica"/>
+              </a:rPr>
+              <a:t>comments: [</a:t>
+            </a:r>
+          </a:p>
+          <a:p>
+            <a:pPr>
+              <a:lnSpc>
+                <a:spcPct val="80000"/>
+              </a:lnSpc>
+            </a:pPr>
+            <a:r>
+              <a:rPr lang="en-US" sz="1400" dirty="0" smtClean="0">
+                <a:latin typeface="Helvetica"/>
+                <a:cs typeface="Helvetica"/>
+              </a:rPr>
+              <a:t>		{</a:t>
+            </a:r>
+          </a:p>
+          <a:p>
+            <a:pPr>
+              <a:lnSpc>
+                <a:spcPct val="80000"/>
+              </a:lnSpc>
+            </a:pPr>
+            <a:r>
+              <a:rPr lang="en-US" sz="1400" dirty="0">
+                <a:latin typeface="Helvetica"/>
+                <a:cs typeface="Helvetica"/>
+              </a:rPr>
+              <a:t>	</a:t>
+            </a:r>
+            <a:r>
+              <a:rPr lang="en-US" sz="1400" dirty="0" smtClean="0">
+                <a:latin typeface="Helvetica"/>
+                <a:cs typeface="Helvetica"/>
+              </a:rPr>
+              <a:t>		by: “troll”,</a:t>
+            </a:r>
+          </a:p>
+          <a:p>
+            <a:pPr>
+              <a:lnSpc>
+                <a:spcPct val="80000"/>
+              </a:lnSpc>
+            </a:pPr>
+            <a:r>
+              <a:rPr lang="en-US" sz="1400" dirty="0">
+                <a:latin typeface="Helvetica"/>
+                <a:cs typeface="Helvetica"/>
+              </a:rPr>
+              <a:t>	</a:t>
+            </a:r>
+            <a:r>
+              <a:rPr lang="en-US" sz="1400" dirty="0" smtClean="0">
+                <a:latin typeface="Helvetica"/>
+                <a:cs typeface="Helvetica"/>
+              </a:rPr>
+              <a:t>		content: “..”</a:t>
+            </a:r>
+          </a:p>
+          <a:p>
+            <a:pPr>
+              <a:lnSpc>
+                <a:spcPct val="80000"/>
+              </a:lnSpc>
+            </a:pPr>
+            <a:r>
+              <a:rPr lang="en-US" sz="1400" dirty="0">
+                <a:latin typeface="Helvetica"/>
+                <a:cs typeface="Helvetica"/>
+              </a:rPr>
+              <a:t>	</a:t>
+            </a:r>
+            <a:r>
+              <a:rPr lang="en-US" sz="1400" dirty="0" smtClean="0">
+                <a:latin typeface="Helvetica"/>
+                <a:cs typeface="Helvetica"/>
+              </a:rPr>
+              <a:t>	}</a:t>
+            </a:r>
+          </a:p>
+          <a:p>
+            <a:pPr>
+              <a:lnSpc>
+                <a:spcPct val="80000"/>
+              </a:lnSpc>
+            </a:pPr>
+            <a:r>
+              <a:rPr lang="en-US" sz="1400" dirty="0">
+                <a:latin typeface="Helvetica"/>
+                <a:cs typeface="Helvetica"/>
+              </a:rPr>
+              <a:t>	</a:t>
+            </a:r>
+            <a:r>
+              <a:rPr lang="en-US" sz="1400" dirty="0" smtClean="0">
+                <a:latin typeface="Helvetica"/>
+                <a:cs typeface="Helvetica"/>
+              </a:rPr>
+              <a:t>]</a:t>
+            </a:r>
+          </a:p>
+          <a:p>
+            <a:pPr>
+              <a:lnSpc>
+                <a:spcPct val="80000"/>
+              </a:lnSpc>
+            </a:pPr>
+            <a:r>
+              <a:rPr lang="en-US" sz="1400" dirty="0" smtClean="0">
+                <a:latin typeface="Helvetica"/>
+                <a:cs typeface="Helvetica"/>
+              </a:rPr>
+              <a:t>}</a:t>
+            </a:r>
+          </a:p>
+          <a:p>
+            <a:pPr>
+              <a:lnSpc>
+                <a:spcPct val="80000"/>
+              </a:lnSpc>
+            </a:pPr>
+            <a:r>
+              <a:rPr lang="en-US" sz="1400" dirty="0" smtClean="0">
+                <a:latin typeface="+mn-lt"/>
+                <a:cs typeface="Helvetica"/>
+              </a:rPr>
+              <a:t>A document per comment:</a:t>
+            </a:r>
+            <a:endParaRPr lang="en-US" sz="1400" dirty="0">
+              <a:latin typeface="+mn-lt"/>
+              <a:cs typeface="Helvetica"/>
+            </a:endParaRPr>
+          </a:p>
+          <a:p>
+            <a:pPr>
+              <a:lnSpc>
+                <a:spcPct val="80000"/>
+              </a:lnSpc>
+            </a:pPr>
+            <a:r>
+              <a:rPr lang="en-US" sz="1400" dirty="0" smtClean="0">
+                <a:latin typeface="Helvetica"/>
+                <a:cs typeface="Helvetica"/>
+              </a:rPr>
+              <a:t>{</a:t>
+            </a:r>
+          </a:p>
+          <a:p>
+            <a:pPr>
+              <a:lnSpc>
+                <a:spcPct val="80000"/>
+              </a:lnSpc>
+            </a:pPr>
+            <a:r>
+              <a:rPr lang="en-US" sz="1400" dirty="0">
+                <a:latin typeface="Helvetica"/>
+                <a:cs typeface="Helvetica"/>
+              </a:rPr>
+              <a:t>	</a:t>
+            </a:r>
+            <a:r>
+              <a:rPr lang="en-US" sz="1400" dirty="0" err="1" smtClean="0">
+                <a:latin typeface="Helvetica"/>
+                <a:cs typeface="Helvetica"/>
+              </a:rPr>
+              <a:t>blogpost</a:t>
+            </a:r>
+            <a:r>
+              <a:rPr lang="en-US" sz="1400" dirty="0" smtClean="0">
+                <a:latin typeface="Helvetica"/>
+                <a:cs typeface="Helvetica"/>
+              </a:rPr>
+              <a:t>: 1,</a:t>
+            </a:r>
+          </a:p>
+          <a:p>
+            <a:pPr>
+              <a:lnSpc>
+                <a:spcPct val="80000"/>
+              </a:lnSpc>
+            </a:pPr>
+            <a:r>
+              <a:rPr lang="en-US" sz="1400" dirty="0">
+                <a:latin typeface="Helvetica"/>
+                <a:cs typeface="Helvetica"/>
+              </a:rPr>
+              <a:t>	</a:t>
+            </a:r>
+            <a:r>
+              <a:rPr lang="en-US" sz="1400" dirty="0" smtClean="0">
+                <a:latin typeface="Helvetica"/>
+                <a:cs typeface="Helvetica"/>
+              </a:rPr>
+              <a:t>content: “..”,</a:t>
+            </a:r>
+          </a:p>
+          <a:p>
+            <a:pPr>
+              <a:lnSpc>
+                <a:spcPct val="80000"/>
+              </a:lnSpc>
+            </a:pPr>
+            <a:r>
+              <a:rPr lang="en-US" sz="1400" dirty="0">
+                <a:latin typeface="Helvetica"/>
+                <a:cs typeface="Helvetica"/>
+              </a:rPr>
+              <a:t>	</a:t>
+            </a:r>
+            <a:r>
+              <a:rPr lang="en-US" sz="1400" dirty="0" smtClean="0">
+                <a:latin typeface="Helvetica"/>
+                <a:cs typeface="Helvetica"/>
+              </a:rPr>
+              <a:t>by: “troll”</a:t>
+            </a:r>
+          </a:p>
+          <a:p>
+            <a:pPr>
+              <a:lnSpc>
+                <a:spcPct val="80000"/>
+              </a:lnSpc>
+            </a:pPr>
+            <a:r>
+              <a:rPr lang="en-US" sz="1400" dirty="0" smtClean="0">
+                <a:latin typeface="Helvetica"/>
+                <a:cs typeface="Helvetica"/>
+              </a:rPr>
+              <a:t>}</a:t>
+            </a:r>
+          </a:p>
+        </p:txBody>
+      </p:sp>
+      <p:sp>
+        <p:nvSpPr>
+          <p:cNvPr id="9" name="Text Placeholder 8"/>
+          <p:cNvSpPr>
+            <a:spLocks noGrp="1"/>
+          </p:cNvSpPr>
+          <p:nvPr>
+            <p:ph type="body" sz="quarter" idx="16"/>
+          </p:nvPr>
+        </p:nvSpPr>
+        <p:spPr>
+          <a:xfrm>
+            <a:off x="6191636" y="1272002"/>
+            <a:ext cx="1097892" cy="276999"/>
+          </a:xfrm>
+        </p:spPr>
+        <p:txBody>
+          <a:bodyPr/>
+          <a:lstStyle/>
+          <a:p>
+            <a:r>
+              <a:rPr lang="en-US" dirty="0" smtClean="0"/>
+              <a:t>Example</a:t>
+            </a:r>
             <a:endParaRPr lang="en-US" dirty="0"/>
           </a:p>
         </p:txBody>
@@ -14977,7 +16284,7 @@
     </p:spTree>
     <p:extLst>
       <p:ext uri="{BB962C8B-B14F-4D97-AF65-F5344CB8AC3E}">
-        <p14:creationId xmlns:p14="http://schemas.microsoft.com/office/powerpoint/2010/main" val="1579256501"/>
+        <p14:creationId xmlns:p14="http://schemas.microsoft.com/office/powerpoint/2010/main" val="1748447393"/>
       </p:ext>
     </p:extLst>
   </p:cSld>
@@ -14987,6 +16294,13 @@
   <p:transition xmlns:p14="http://schemas.microsoft.com/office/powerpoint/2010/main">
     <p:fade thruBlk="1"/>
   </p:transition>
+  <p:timing>
+    <p:tnLst>
+      <p:par>
+        <p:cTn xmlns:p14="http://schemas.microsoft.com/office/powerpoint/2010/main" id="1" dur="indefinite" restart="never" nodeType="tmRoot"/>
+      </p:par>
+    </p:tnLst>
+  </p:timing>
 </p:sld>
 </file>
 
@@ -15020,7 +16334,7 @@
         <p:spPr>
           <a:xfrm>
             <a:off x="321623" y="418905"/>
-            <a:ext cx="1800185" cy="307777"/>
+            <a:ext cx="2914692" cy="307777"/>
           </a:xfrm>
         </p:spPr>
         <p:txBody>
@@ -15029,7 +16343,7 @@
           <a:p>
             <a:r>
               <a:rPr lang="en-US" dirty="0" smtClean="0"/>
-              <a:t>Resources</a:t>
+              <a:t>LANGUAGE DRIVERS</a:t>
             </a:r>
             <a:endParaRPr lang="en-US" dirty="0"/>
           </a:p>
@@ -15054,6 +16368,219 @@
               <a:rPr lang="en-US" smtClean="0"/>
               <a:pPr/>
               <a:t>25</a:t>
+            </a:fld>
+            <a:endParaRPr lang="en-US" dirty="0"/>
+          </a:p>
+        </p:txBody>
+      </p:sp>
+      <p:sp>
+        <p:nvSpPr>
+          <p:cNvPr id="4" name="Text Placeholder 3"/>
+          <p:cNvSpPr>
+            <a:spLocks noGrp="1"/>
+          </p:cNvSpPr>
+          <p:nvPr>
+            <p:ph type="body" sz="quarter" idx="11"/>
+          </p:nvPr>
+        </p:nvSpPr>
+        <p:spPr/>
+        <p:txBody>
+          <a:bodyPr/>
+          <a:lstStyle/>
+          <a:p>
+            <a:r>
+              <a:rPr lang="en-US" dirty="0" smtClean="0"/>
+              <a:t>Available and well supported in most languages.</a:t>
+            </a:r>
+          </a:p>
+          <a:p>
+            <a:endParaRPr lang="en-US" dirty="0"/>
+          </a:p>
+          <a:p>
+            <a:r>
+              <a:rPr lang="en-US" dirty="0" smtClean="0"/>
+              <a:t>Overview of </a:t>
+            </a:r>
+            <a:r>
+              <a:rPr lang="en-US" dirty="0"/>
+              <a:t>supported drivers: </a:t>
+            </a:r>
+            <a:r>
+              <a:rPr lang="en-US" dirty="0">
+                <a:hlinkClick r:id="rId2"/>
+              </a:rPr>
+              <a:t>http://docs.mongodb.org/ecosystem/drivers</a:t>
+            </a:r>
+            <a:r>
+              <a:rPr lang="en-US" dirty="0" smtClean="0">
+                <a:hlinkClick r:id="rId2"/>
+              </a:rPr>
+              <a:t>/</a:t>
+            </a:r>
+            <a:endParaRPr lang="en-US" dirty="0" smtClean="0"/>
+          </a:p>
+          <a:p>
+            <a:endParaRPr lang="en-US" dirty="0"/>
+          </a:p>
+          <a:p>
+            <a:r>
+              <a:rPr lang="en-US" dirty="0" smtClean="0"/>
+              <a:t>Separate free online courses for Java, </a:t>
+            </a:r>
+            <a:r>
+              <a:rPr lang="en-US" dirty="0" err="1" smtClean="0"/>
+              <a:t>Node.js</a:t>
+            </a:r>
+            <a:r>
+              <a:rPr lang="en-US" dirty="0" smtClean="0"/>
+              <a:t>, .NET and </a:t>
+            </a:r>
+            <a:r>
+              <a:rPr lang="en-US" dirty="0"/>
+              <a:t>Python developers </a:t>
+            </a:r>
+            <a:r>
+              <a:rPr lang="en-US" dirty="0" smtClean="0"/>
+              <a:t>available at </a:t>
+            </a:r>
+            <a:r>
+              <a:rPr lang="en-US" dirty="0" smtClean="0">
+                <a:hlinkClick r:id="rId3"/>
+              </a:rPr>
+              <a:t>https</a:t>
+            </a:r>
+            <a:r>
+              <a:rPr lang="en-US" dirty="0">
+                <a:hlinkClick r:id="rId3"/>
+              </a:rPr>
+              <a:t>://university.mongodb.com</a:t>
+            </a:r>
+            <a:r>
+              <a:rPr lang="en-US" dirty="0" smtClean="0">
+                <a:hlinkClick r:id="rId3"/>
+              </a:rPr>
+              <a:t>/</a:t>
+            </a:r>
+            <a:endParaRPr lang="en-US" dirty="0" smtClean="0"/>
+          </a:p>
+          <a:p>
+            <a:endParaRPr lang="en-US" dirty="0" smtClean="0"/>
+          </a:p>
+          <a:p>
+            <a:r>
+              <a:rPr lang="en-US" dirty="0" smtClean="0"/>
+              <a:t>Most of the videos they use in the </a:t>
+            </a:r>
+            <a:r>
+              <a:rPr lang="en-US" dirty="0"/>
+              <a:t>courses are here </a:t>
+            </a:r>
+            <a:r>
+              <a:rPr lang="en-US" dirty="0">
+                <a:hlinkClick r:id="rId4"/>
+              </a:rPr>
+              <a:t>https://www.youtube.com/channel/UCO6fpQsiBhglTVGsjC1on7A/</a:t>
+            </a:r>
+            <a:r>
+              <a:rPr lang="en-US" dirty="0" smtClean="0">
+                <a:hlinkClick r:id="rId4"/>
+              </a:rPr>
+              <a:t>playlists</a:t>
+            </a:r>
+            <a:endParaRPr lang="en-US" dirty="0" smtClean="0"/>
+          </a:p>
+          <a:p>
+            <a:endParaRPr lang="en-US" dirty="0"/>
+          </a:p>
+        </p:txBody>
+      </p:sp>
+    </p:spTree>
+    <p:extLst>
+      <p:ext uri="{BB962C8B-B14F-4D97-AF65-F5344CB8AC3E}">
+        <p14:creationId xmlns:p14="http://schemas.microsoft.com/office/powerpoint/2010/main" val="1579256501"/>
+      </p:ext>
+    </p:extLst>
+  </p:cSld>
+  <p:clrMapOvr>
+    <a:masterClrMapping/>
+  </p:clrMapOvr>
+  <p:transition xmlns:p14="http://schemas.microsoft.com/office/powerpoint/2010/main">
+    <p:fade thruBlk="1"/>
+  </p:transition>
+  <p:timing>
+    <p:tnLst>
+      <p:par>
+        <p:cTn xmlns:p14="http://schemas.microsoft.com/office/powerpoint/2010/main" id="1" dur="indefinite" restart="never" nodeType="tmRoot"/>
+      </p:par>
+    </p:tnLst>
+  </p:timing>
+</p:sld>
+</file>
+
+<file path=ppt/slides/slide26.xml><?xml version="1.0" encoding="utf-8"?>
+<p:sld xmlns:a="http://schemas.openxmlformats.org/drawingml/2006/main" xmlns:r="http://schemas.openxmlformats.org/officeDocument/2006/relationships" xmlns:p="http://schemas.openxmlformats.org/presentationml/2006/main">
+  <p:cSld>
+    <p:spTree>
+      <p:nvGrpSpPr>
+        <p:cNvPr id="1" name=""/>
+        <p:cNvGrpSpPr/>
+        <p:nvPr/>
+      </p:nvGrpSpPr>
+      <p:grpSpPr>
+        <a:xfrm>
+          <a:off x="0" y="0"/>
+          <a:ext cx="0" cy="0"/>
+          <a:chOff x="0" y="0"/>
+          <a:chExt cx="0" cy="0"/>
+        </a:xfrm>
+      </p:grpSpPr>
+      <p:sp>
+        <p:nvSpPr>
+          <p:cNvPr id="2" name="Title 1"/>
+          <p:cNvSpPr>
+            <a:spLocks noGrp="1"/>
+          </p:cNvSpPr>
+          <p:nvPr>
+            <p:ph type="title"/>
+          </p:nvPr>
+        </p:nvSpPr>
+        <p:spPr>
+          <a:xfrm>
+            <a:off x="321623" y="418905"/>
+            <a:ext cx="1800185" cy="307777"/>
+          </a:xfrm>
+        </p:spPr>
+        <p:txBody>
+          <a:bodyPr/>
+          <a:lstStyle/>
+          <a:p>
+            <a:r>
+              <a:rPr lang="en-US" dirty="0" smtClean="0"/>
+              <a:t>Resources</a:t>
+            </a:r>
+            <a:endParaRPr lang="en-US" dirty="0"/>
+          </a:p>
+        </p:txBody>
+      </p:sp>
+      <p:sp>
+        <p:nvSpPr>
+          <p:cNvPr id="3" name="Slide Number Placeholder 2"/>
+          <p:cNvSpPr>
+            <a:spLocks noGrp="1"/>
+          </p:cNvSpPr>
+          <p:nvPr>
+            <p:ph type="sldNum" sz="quarter" idx="10"/>
+          </p:nvPr>
+        </p:nvSpPr>
+        <p:spPr/>
+        <p:txBody>
+          <a:bodyPr/>
+          <a:lstStyle/>
+          <a:p>
+            <a:fld id="{FF67BF5B-7344-D747-A0C2-CBD7B2ACBC85}" type="slidenum">
+              <a:rPr lang="en-US" smtClean="0"/>
+              <a:pPr/>
+              <a:t>26</a:t>
             </a:fld>
             <a:endParaRPr lang="en-US" dirty="0"/>
           </a:p>
@@ -15232,6 +16759,13 @@
   <p:transition xmlns:p14="http://schemas.microsoft.com/office/powerpoint/2010/main">
     <p:fade thruBlk="1"/>
   </p:transition>
+  <p:timing>
+    <p:tnLst>
+      <p:par>
+        <p:cTn xmlns:p14="http://schemas.microsoft.com/office/powerpoint/2010/main" id="1" dur="indefinite" restart="never" nodeType="tmRoot"/>
+      </p:par>
+    </p:tnLst>
+  </p:timing>
 </p:sld>
 </file>
 
@@ -15341,18 +16875,19 @@
             <p:ph type="body" sz="quarter" idx="27"/>
           </p:nvPr>
         </p:nvSpPr>
-        <p:spPr/>
+        <p:spPr>
+          <a:xfrm>
+            <a:off x="6091894" y="1841483"/>
+            <a:ext cx="2720693" cy="864000"/>
+          </a:xfrm>
+        </p:spPr>
         <p:txBody>
           <a:bodyPr/>
           <a:lstStyle/>
           <a:p>
             <a:r>
-              <a:rPr lang="en-US" dirty="0" smtClean="0"/>
-              <a:t>Senior </a:t>
-            </a:r>
-            <a:r>
-              <a:rPr lang="en-US" dirty="0" err="1" smtClean="0"/>
-              <a:t>Konsulent</a:t>
+              <a:rPr lang="en-US" dirty="0" err="1" smtClean="0"/>
+              <a:t>Seniorkonsulent</a:t>
             </a:r>
             <a:endParaRPr lang="en-US" dirty="0"/>
           </a:p>
@@ -15623,6 +17158,92 @@
         </p:blipFill>
         <p:spPr/>
       </p:pic>
+      <p:sp>
+        <p:nvSpPr>
+          <p:cNvPr id="33" name="Text Placeholder 1"/>
+          <p:cNvSpPr>
+            <a:spLocks noGrp="1"/>
+          </p:cNvSpPr>
+          <p:nvPr>
+            <p:ph type="body" sz="quarter" idx="24"/>
+          </p:nvPr>
+        </p:nvSpPr>
+        <p:spPr>
+          <a:xfrm>
+            <a:off x="1854176" y="5575605"/>
+            <a:ext cx="2720004" cy="836083"/>
+          </a:xfrm>
+        </p:spPr>
+        <p:txBody>
+          <a:bodyPr/>
+          <a:lstStyle/>
+          <a:p>
+            <a:r>
+              <a:rPr lang="en-US" dirty="0" err="1" smtClean="0"/>
+              <a:t>Konsulent</a:t>
+            </a:r>
+            <a:endParaRPr lang="en-US" dirty="0"/>
+          </a:p>
+        </p:txBody>
+      </p:sp>
+      <p:sp>
+        <p:nvSpPr>
+          <p:cNvPr id="34" name="Text Placeholder 2"/>
+          <p:cNvSpPr>
+            <a:spLocks noGrp="1"/>
+          </p:cNvSpPr>
+          <p:nvPr>
+            <p:ph type="body" sz="quarter" idx="25"/>
+          </p:nvPr>
+        </p:nvSpPr>
+        <p:spPr>
+          <a:xfrm>
+            <a:off x="1854174" y="5281665"/>
+            <a:ext cx="2720691" cy="288000"/>
+          </a:xfrm>
+        </p:spPr>
+        <p:txBody>
+          <a:bodyPr/>
+          <a:lstStyle/>
+          <a:p>
+            <a:r>
+              <a:rPr lang="en-US" dirty="0" smtClean="0"/>
+              <a:t>Tri Nguyen</a:t>
+            </a:r>
+            <a:endParaRPr lang="en-US" dirty="0"/>
+          </a:p>
+        </p:txBody>
+      </p:sp>
+      <p:pic>
+        <p:nvPicPr>
+          <p:cNvPr id="36" name="Picture 35" descr="ViewEmployeeImage.jpg"/>
+          <p:cNvPicPr>
+            <a:picLocks noChangeAspect="1"/>
+          </p:cNvPicPr>
+          <p:nvPr/>
+        </p:nvPicPr>
+        <p:blipFill>
+          <a:blip r:embed="rId6">
+            <a:extLst>
+              <a:ext uri="{28A0092B-C50C-407E-A947-70E740481C1C}">
+                <a14:useLocalDpi xmlns:a14="http://schemas.microsoft.com/office/drawing/2010/main" val="0"/>
+              </a:ext>
+            </a:extLst>
+          </a:blip>
+          <a:stretch>
+            <a:fillRect/>
+          </a:stretch>
+        </p:blipFill>
+        <p:spPr>
+          <a:xfrm>
+            <a:off x="418736" y="4977917"/>
+            <a:ext cx="1432560" cy="1432560"/>
+          </a:xfrm>
+          <a:prstGeom prst="rect">
+            <a:avLst/>
+          </a:prstGeom>
+        </p:spPr>
+      </p:pic>
     </p:spTree>
     <p:extLst>
       <p:ext uri="{BB962C8B-B14F-4D97-AF65-F5344CB8AC3E}">
@@ -15636,6 +17257,13 @@
   <p:transition xmlns:p14="http://schemas.microsoft.com/office/powerpoint/2010/main">
     <p:fade thruBlk="1"/>
   </p:transition>
+  <p:timing>
+    <p:tnLst>
+      <p:par>
+        <p:cTn xmlns:p14="http://schemas.microsoft.com/office/powerpoint/2010/main" id="1" dur="indefinite" restart="never" nodeType="tmRoot"/>
+      </p:par>
+    </p:tnLst>
+  </p:timing>
 </p:sld>
 </file>
 
@@ -15863,9 +17491,12 @@
             </a:r>
             <a:r>
               <a:rPr lang="en-US" dirty="0" smtClean="0"/>
-              <a:t> is a document-oriented non-relational database.</a:t>
-            </a:r>
-            <a:endParaRPr lang="en-US" dirty="0"/>
+              <a:t> is a document-oriented non-relational </a:t>
+            </a:r>
+            <a:r>
+              <a:rPr lang="en-US" dirty="0" smtClean="0"/>
+              <a:t>database.</a:t>
+            </a:r>
           </a:p>
         </p:txBody>
       </p:sp>
@@ -17682,25 +19313,6 @@
               <a:pPr/>
               <a:t>9</a:t>
             </a:fld>
-            <a:endParaRPr lang="en-US" dirty="0"/>
-          </a:p>
-        </p:txBody>
-      </p:sp>
-      <p:sp>
-        <p:nvSpPr>
-          <p:cNvPr id="4" name="Text Placeholder 3"/>
-          <p:cNvSpPr>
-            <a:spLocks noGrp="1"/>
-          </p:cNvSpPr>
-          <p:nvPr>
-            <p:ph type="body" sz="quarter" idx="11"/>
-          </p:nvPr>
-        </p:nvSpPr>
-        <p:spPr/>
-        <p:txBody>
-          <a:bodyPr/>
-          <a:lstStyle/>
-          <a:p>
             <a:endParaRPr lang="en-US" dirty="0"/>
           </a:p>
         </p:txBody>

--- a/mongodb/mongodb-slides.pptx
+++ b/mongodb/mongodb-slides.pptx
@@ -5,10 +5,10 @@
     <p:sldMasterId id="2147483648" r:id="rId1"/>
   </p:sldMasterIdLst>
   <p:notesMasterIdLst>
-    <p:notesMasterId r:id="rId28"/>
+    <p:notesMasterId r:id="rId30"/>
   </p:notesMasterIdLst>
   <p:handoutMasterIdLst>
-    <p:handoutMasterId r:id="rId29"/>
+    <p:handoutMasterId r:id="rId31"/>
   </p:handoutMasterIdLst>
   <p:sldIdLst>
     <p:sldId id="256" r:id="rId2"/>
@@ -30,13 +30,15 @@
     <p:sldId id="272" r:id="rId18"/>
     <p:sldId id="285" r:id="rId19"/>
     <p:sldId id="274" r:id="rId20"/>
-    <p:sldId id="275" r:id="rId21"/>
-    <p:sldId id="276" r:id="rId22"/>
-    <p:sldId id="284" r:id="rId23"/>
-    <p:sldId id="277" r:id="rId24"/>
-    <p:sldId id="278" r:id="rId25"/>
-    <p:sldId id="282" r:id="rId26"/>
-    <p:sldId id="283" r:id="rId27"/>
+    <p:sldId id="289" r:id="rId21"/>
+    <p:sldId id="286" r:id="rId22"/>
+    <p:sldId id="291" r:id="rId23"/>
+    <p:sldId id="287" r:id="rId24"/>
+    <p:sldId id="288" r:id="rId25"/>
+    <p:sldId id="290" r:id="rId26"/>
+    <p:sldId id="284" r:id="rId27"/>
+    <p:sldId id="282" r:id="rId28"/>
+    <p:sldId id="283" r:id="rId29"/>
   </p:sldIdLst>
   <p:sldSz cx="9144000" cy="6858000" type="screen4x3"/>
   <p:notesSz cx="6858000" cy="9144000"/>
@@ -461,7 +463,12 @@
             <p:ph type="sldImg"/>
           </p:nvPr>
         </p:nvSpPr>
-        <p:spPr/>
+        <p:spPr>
+          <a:xfrm>
+            <a:off x="827088" y="592138"/>
+            <a:ext cx="5226050" cy="3919537"/>
+          </a:xfrm>
+        </p:spPr>
       </p:sp>
       <p:sp>
         <p:nvSpPr>
@@ -478,42 +485,14 @@
           <a:bodyPr/>
           <a:lstStyle/>
           <a:p>
-            <a:pPr marL="285750" indent="-285750">
-              <a:buFontTx/>
-              <a:buChar char="-"/>
-            </a:pPr>
-            <a:r>
-              <a:rPr lang="en-US" dirty="0" smtClean="0"/>
-              <a:t>Open source</a:t>
-            </a:r>
-          </a:p>
-          <a:p>
-            <a:pPr marL="285750" indent="-285750">
-              <a:buFontTx/>
-              <a:buChar char="-"/>
-            </a:pPr>
-            <a:r>
-              <a:rPr lang="en-US" dirty="0" err="1" smtClean="0"/>
-              <a:t>NoSQL</a:t>
-            </a:r>
-            <a:endParaRPr lang="en-US" dirty="0" smtClean="0"/>
-          </a:p>
-          <a:p>
-            <a:pPr marL="285750" indent="-285750">
-              <a:buFontTx/>
-              <a:buChar char="-"/>
-            </a:pPr>
-            <a:r>
-              <a:rPr lang="en-US" dirty="0" smtClean="0"/>
-              <a:t>Widely adopted lots of help to get</a:t>
-            </a:r>
+            <a:endParaRPr lang="en-US" dirty="0"/>
           </a:p>
         </p:txBody>
       </p:sp>
     </p:spTree>
     <p:extLst>
       <p:ext uri="{BB962C8B-B14F-4D97-AF65-F5344CB8AC3E}">
-        <p14:creationId xmlns:p14="http://schemas.microsoft.com/office/powerpoint/2010/main" val="379447740"/>
+        <p14:creationId xmlns:p14="http://schemas.microsoft.com/office/powerpoint/2010/main" val="1966244743"/>
       </p:ext>
     </p:extLst>
   </p:cSld>
@@ -569,6 +548,98 @@
           <a:p>
             <a:r>
               <a:rPr lang="en-US" dirty="0" smtClean="0"/>
+              <a:t>Show</a:t>
+            </a:r>
+            <a:r>
+              <a:rPr lang="en-US" baseline="0" dirty="0" smtClean="0"/>
+              <a:t> in the shell</a:t>
+            </a:r>
+          </a:p>
+          <a:p>
+            <a:r>
+              <a:rPr lang="en-US" dirty="0" smtClean="0"/>
+              <a:t>Insert </a:t>
+            </a:r>
+            <a:r>
+              <a:rPr lang="en-US" dirty="0" err="1" smtClean="0"/>
+              <a:t>richard</a:t>
+            </a:r>
+            <a:r>
+              <a:rPr lang="en-US" baseline="0" dirty="0" smtClean="0"/>
+              <a:t> </a:t>
+            </a:r>
+            <a:r>
+              <a:rPr lang="en-US" baseline="0" dirty="0" err="1" smtClean="0"/>
+              <a:t>nixon</a:t>
+            </a:r>
+            <a:endParaRPr lang="en-US" baseline="0" dirty="0" smtClean="0"/>
+          </a:p>
+        </p:txBody>
+      </p:sp>
+    </p:spTree>
+    <p:extLst>
+      <p:ext uri="{BB962C8B-B14F-4D97-AF65-F5344CB8AC3E}">
+        <p14:creationId xmlns:p14="http://schemas.microsoft.com/office/powerpoint/2010/main" val="2988139925"/>
+      </p:ext>
+    </p:extLst>
+  </p:cSld>
+  <p:clrMapOvr>
+    <a:masterClrMapping/>
+  </p:clrMapOvr>
+</p:notes>
+</file>
+
+<file path=ppt/notesSlides/notesSlide11.xml><?xml version="1.0" encoding="utf-8"?>
+<p:notes xmlns:a="http://schemas.openxmlformats.org/drawingml/2006/main" xmlns:r="http://schemas.openxmlformats.org/officeDocument/2006/relationships" xmlns:p="http://schemas.openxmlformats.org/presentationml/2006/main">
+  <p:cSld>
+    <p:spTree>
+      <p:nvGrpSpPr>
+        <p:cNvPr id="1" name=""/>
+        <p:cNvGrpSpPr/>
+        <p:nvPr/>
+      </p:nvGrpSpPr>
+      <p:grpSpPr>
+        <a:xfrm>
+          <a:off x="0" y="0"/>
+          <a:ext cx="0" cy="0"/>
+          <a:chOff x="0" y="0"/>
+          <a:chExt cx="0" cy="0"/>
+        </a:xfrm>
+      </p:grpSpPr>
+      <p:sp>
+        <p:nvSpPr>
+          <p:cNvPr id="2" name="Slide Image Placeholder 1"/>
+          <p:cNvSpPr>
+            <a:spLocks noGrp="1" noRot="1" noChangeAspect="1"/>
+          </p:cNvSpPr>
+          <p:nvPr>
+            <p:ph type="sldImg"/>
+          </p:nvPr>
+        </p:nvSpPr>
+        <p:spPr>
+          <a:xfrm>
+            <a:off x="827088" y="592138"/>
+            <a:ext cx="5226050" cy="3919537"/>
+          </a:xfrm>
+        </p:spPr>
+      </p:sp>
+      <p:sp>
+        <p:nvSpPr>
+          <p:cNvPr id="3" name="Notes Placeholder 2"/>
+          <p:cNvSpPr>
+            <a:spLocks noGrp="1"/>
+          </p:cNvSpPr>
+          <p:nvPr>
+            <p:ph type="body" idx="1"/>
+          </p:nvPr>
+        </p:nvSpPr>
+        <p:spPr/>
+        <p:txBody>
+          <a:bodyPr/>
+          <a:lstStyle/>
+          <a:p>
+            <a:r>
+              <a:rPr lang="en-US" dirty="0" smtClean="0"/>
               <a:t>Show in the shell</a:t>
             </a:r>
           </a:p>
@@ -588,6 +659,21 @@
             <a:r>
               <a:rPr lang="en-US" dirty="0" err="1" smtClean="0"/>
               <a:t>nixon</a:t>
+            </a:r>
+            <a:endParaRPr lang="en-US" dirty="0" smtClean="0"/>
+          </a:p>
+          <a:p>
+            <a:r>
+              <a:rPr lang="en-US" dirty="0" smtClean="0"/>
+              <a:t>M. Is</a:t>
+            </a:r>
+            <a:r>
+              <a:rPr lang="en-US" baseline="0" dirty="0" smtClean="0"/>
+              <a:t> for </a:t>
+            </a:r>
+            <a:r>
+              <a:rPr lang="en-US" baseline="0" dirty="0" err="1" smtClean="0"/>
+              <a:t>Milhouse</a:t>
             </a:r>
             <a:endParaRPr lang="en-US" dirty="0" smtClean="0"/>
           </a:p>
@@ -663,49 +749,28 @@
             </a:pPr>
             <a:r>
               <a:rPr lang="en-US" dirty="0" smtClean="0"/>
-              <a:t>JSON</a:t>
-            </a:r>
-          </a:p>
-          <a:p>
-            <a:pPr marL="742950" lvl="1" indent="-285750">
+              <a:t>Open source</a:t>
+            </a:r>
+          </a:p>
+          <a:p>
+            <a:pPr marL="285750" indent="-285750">
               <a:buFontTx/>
               <a:buChar char="-"/>
             </a:pPr>
             <a:r>
-              <a:rPr lang="en-US" dirty="0" smtClean="0"/>
-              <a:t>Key</a:t>
-            </a:r>
-            <a:r>
-              <a:rPr lang="en-US" baseline="0" dirty="0" smtClean="0"/>
-              <a:t> – value pairs</a:t>
-            </a:r>
-          </a:p>
-          <a:p>
-            <a:pPr marL="742950" lvl="1" indent="-285750">
+              <a:rPr lang="en-US" dirty="0" err="1" smtClean="0"/>
+              <a:t>NoSQL</a:t>
+            </a:r>
+            <a:endParaRPr lang="en-US" dirty="0" smtClean="0"/>
+          </a:p>
+          <a:p>
+            <a:pPr marL="285750" indent="-285750">
               <a:buFontTx/>
               <a:buChar char="-"/>
             </a:pPr>
             <a:r>
-              <a:rPr lang="en-US" baseline="0" dirty="0" smtClean="0"/>
-              <a:t>Values can be of types string, number, </a:t>
-            </a:r>
-            <a:r>
-              <a:rPr lang="en-US" baseline="0" dirty="0" err="1" smtClean="0"/>
-              <a:t>boolean</a:t>
-            </a:r>
-            <a:r>
-              <a:rPr lang="en-US" baseline="0" dirty="0" smtClean="0"/>
-              <a:t>, array or object</a:t>
-            </a:r>
-          </a:p>
-          <a:p>
-            <a:pPr marL="742950" lvl="1" indent="-285750">
-              <a:buFontTx/>
-              <a:buChar char="-"/>
-            </a:pPr>
-            <a:r>
-              <a:rPr lang="en-US" baseline="0" dirty="0" smtClean="0"/>
-              <a:t>(Show in a editor)</a:t>
+              <a:rPr lang="en-US" dirty="0" smtClean="0"/>
+              <a:t>Widely adopted lots of help to get</a:t>
             </a:r>
           </a:p>
         </p:txBody>
@@ -713,7 +778,7 @@
     </p:spTree>
     <p:extLst>
       <p:ext uri="{BB962C8B-B14F-4D97-AF65-F5344CB8AC3E}">
-        <p14:creationId xmlns:p14="http://schemas.microsoft.com/office/powerpoint/2010/main" val="3390216813"/>
+        <p14:creationId xmlns:p14="http://schemas.microsoft.com/office/powerpoint/2010/main" val="379447740"/>
       </p:ext>
     </p:extLst>
   </p:cSld>
@@ -772,37 +837,58 @@
               <a:buChar char="-"/>
             </a:pPr>
             <a:r>
-              <a:rPr lang="en-US" baseline="0" dirty="0" smtClean="0"/>
-              <a:t>An array of documents is a collection.</a:t>
-            </a:r>
-          </a:p>
-          <a:p>
-            <a:pPr marL="285750" indent="-285750">
+              <a:rPr lang="en-US" dirty="0" smtClean="0"/>
+              <a:t>JSON</a:t>
+            </a:r>
+          </a:p>
+          <a:p>
+            <a:pPr marL="742950" lvl="1" indent="-285750">
               <a:buFontTx/>
               <a:buChar char="-"/>
             </a:pPr>
             <a:r>
+              <a:rPr lang="en-US" dirty="0" smtClean="0"/>
+              <a:t>Key</a:t>
+            </a:r>
+            <a:r>
               <a:rPr lang="en-US" baseline="0" dirty="0" smtClean="0"/>
-              <a:t>A database consists of one or many collections.</a:t>
-            </a:r>
-          </a:p>
-          <a:p>
-            <a:pPr marL="285750" indent="-285750">
+              <a:t> – value pairs</a:t>
+            </a:r>
+          </a:p>
+          <a:p>
+            <a:pPr marL="742950" lvl="1" indent="-285750">
               <a:buFontTx/>
               <a:buChar char="-"/>
             </a:pPr>
             <a:r>
               <a:rPr lang="en-US" baseline="0" dirty="0" smtClean="0"/>
-              <a:t>Collections are vaguely the same as tables in SQL.</a:t>
-            </a:r>
-            <a:endParaRPr lang="en-US" dirty="0"/>
+              <a:t>Values can be of types string, number, </a:t>
+            </a:r>
+            <a:r>
+              <a:rPr lang="en-US" baseline="0" dirty="0" err="1" smtClean="0"/>
+              <a:t>boolean</a:t>
+            </a:r>
+            <a:r>
+              <a:rPr lang="en-US" baseline="0" dirty="0" smtClean="0"/>
+              <a:t>, array or object</a:t>
+            </a:r>
+          </a:p>
+          <a:p>
+            <a:pPr marL="742950" lvl="1" indent="-285750">
+              <a:buFontTx/>
+              <a:buChar char="-"/>
+            </a:pPr>
+            <a:r>
+              <a:rPr lang="en-US" baseline="0" dirty="0" smtClean="0"/>
+              <a:t>(Show in a editor)</a:t>
+            </a:r>
           </a:p>
         </p:txBody>
       </p:sp>
     </p:spTree>
     <p:extLst>
       <p:ext uri="{BB962C8B-B14F-4D97-AF65-F5344CB8AC3E}">
-        <p14:creationId xmlns:p14="http://schemas.microsoft.com/office/powerpoint/2010/main" val="1635571027"/>
+        <p14:creationId xmlns:p14="http://schemas.microsoft.com/office/powerpoint/2010/main" val="3390216813"/>
       </p:ext>
     </p:extLst>
   </p:cSld>
@@ -861,12 +947,8 @@
               <a:buChar char="-"/>
             </a:pPr>
             <a:r>
-              <a:rPr lang="en-US" dirty="0" smtClean="0"/>
-              <a:t>No</a:t>
-            </a:r>
-            <a:r>
               <a:rPr lang="en-US" baseline="0" dirty="0" smtClean="0"/>
-              <a:t> constraints across documents</a:t>
+              <a:t>An array of documents is a collection.</a:t>
             </a:r>
           </a:p>
           <a:p>
@@ -876,15 +958,26 @@
             </a:pPr>
             <a:r>
               <a:rPr lang="en-US" baseline="0" dirty="0" smtClean="0"/>
-              <a:t>Could lead to update anomalies if you reference items in other documents.</a:t>
-            </a:r>
+              <a:t>A database consists of one or many collections.</a:t>
+            </a:r>
+          </a:p>
+          <a:p>
+            <a:pPr marL="285750" indent="-285750">
+              <a:buFontTx/>
+              <a:buChar char="-"/>
+            </a:pPr>
+            <a:r>
+              <a:rPr lang="en-US" baseline="0" dirty="0" smtClean="0"/>
+              <a:t>Collections are vaguely the same as tables in SQL.</a:t>
+            </a:r>
+            <a:endParaRPr lang="en-US" dirty="0"/>
           </a:p>
         </p:txBody>
       </p:sp>
     </p:spTree>
     <p:extLst>
       <p:ext uri="{BB962C8B-B14F-4D97-AF65-F5344CB8AC3E}">
-        <p14:creationId xmlns:p14="http://schemas.microsoft.com/office/powerpoint/2010/main" val="209281479"/>
+        <p14:creationId xmlns:p14="http://schemas.microsoft.com/office/powerpoint/2010/main" val="1635571027"/>
       </p:ext>
     </p:extLst>
   </p:cSld>
@@ -921,12 +1014,7 @@
             <p:ph type="sldImg"/>
           </p:nvPr>
         </p:nvSpPr>
-        <p:spPr>
-          <a:xfrm>
-            <a:off x="827088" y="592138"/>
-            <a:ext cx="5226050" cy="3919537"/>
-          </a:xfrm>
-        </p:spPr>
+        <p:spPr/>
       </p:sp>
       <p:sp>
         <p:nvSpPr>
@@ -948,36 +1036,30 @@
               <a:buChar char="-"/>
             </a:pPr>
             <a:r>
-              <a:rPr lang="en-US" dirty="0" err="1" smtClean="0"/>
-              <a:t>MongoDB</a:t>
-            </a:r>
-            <a:r>
-              <a:rPr lang="en-US" dirty="0" smtClean="0"/>
-              <a:t> gets its</a:t>
+              <a:rPr lang="en-US" dirty="0" smtClean="0"/>
+              <a:t>No</a:t>
             </a:r>
             <a:r>
               <a:rPr lang="en-US" baseline="0" dirty="0" smtClean="0"/>
-              <a:t> name from </a:t>
-            </a:r>
-            <a:r>
-              <a:rPr lang="en-US" baseline="0" dirty="0" err="1" smtClean="0"/>
-              <a:t>huMONGOus</a:t>
-            </a:r>
-            <a:endParaRPr lang="en-US" baseline="0" dirty="0" smtClean="0"/>
-          </a:p>
-          <a:p>
-            <a:pPr marL="0" indent="0">
+              <a:t> constraints across documents</a:t>
+            </a:r>
+          </a:p>
+          <a:p>
+            <a:pPr marL="285750" indent="-285750">
               <a:buFontTx/>
-              <a:buNone/>
+              <a:buChar char="-"/>
             </a:pPr>
-            <a:endParaRPr lang="en-US" baseline="0" dirty="0" smtClean="0"/>
+            <a:r>
+              <a:rPr lang="en-US" baseline="0" dirty="0" smtClean="0"/>
+              <a:t>Could lead to update anomalies if you reference items in other documents.</a:t>
+            </a:r>
           </a:p>
         </p:txBody>
       </p:sp>
     </p:spTree>
     <p:extLst>
       <p:ext uri="{BB962C8B-B14F-4D97-AF65-F5344CB8AC3E}">
-        <p14:creationId xmlns:p14="http://schemas.microsoft.com/office/powerpoint/2010/main" val="448243249"/>
+        <p14:creationId xmlns:p14="http://schemas.microsoft.com/office/powerpoint/2010/main" val="209281479"/>
       </p:ext>
     </p:extLst>
   </p:cSld>
@@ -1014,7 +1096,12 @@
             <p:ph type="sldImg"/>
           </p:nvPr>
         </p:nvSpPr>
-        <p:spPr/>
+        <p:spPr>
+          <a:xfrm>
+            <a:off x="827088" y="592138"/>
+            <a:ext cx="5226050" cy="3919537"/>
+          </a:xfrm>
+        </p:spPr>
       </p:sp>
       <p:sp>
         <p:nvSpPr>
@@ -1031,31 +1118,41 @@
           <a:bodyPr/>
           <a:lstStyle/>
           <a:p>
-            <a:pPr marL="0" marR="0" indent="0" algn="l" defTabSz="457200" rtl="0" eaLnBrk="1" fontAlgn="auto" latinLnBrk="0" hangingPunct="1">
-              <a:lnSpc>
-                <a:spcPct val="100000"/>
-              </a:lnSpc>
-              <a:spcBef>
-                <a:spcPts val="0"/>
-              </a:spcBef>
-              <a:spcAft>
-                <a:spcPts val="0"/>
-              </a:spcAft>
-              <a:buClrTx/>
-              <a:buSzTx/>
+            <a:pPr marL="285750" indent="-285750">
+              <a:buFontTx/>
+              <a:buChar char="-"/>
+            </a:pPr>
+            <a:r>
+              <a:rPr lang="en-US" dirty="0" err="1" smtClean="0"/>
+              <a:t>MongoDB</a:t>
+            </a:r>
+            <a:r>
+              <a:rPr lang="en-US" dirty="0" smtClean="0"/>
+              <a:t> gets its</a:t>
+            </a:r>
+            <a:r>
+              <a:rPr lang="en-US" baseline="0" dirty="0" smtClean="0"/>
+              <a:t> name from </a:t>
+            </a:r>
+            <a:r>
+              <a:rPr lang="en-US" baseline="0" dirty="0" err="1" smtClean="0"/>
+              <a:t>huMONGOus</a:t>
+            </a:r>
+            <a:endParaRPr lang="en-US" baseline="0" dirty="0" smtClean="0"/>
+          </a:p>
+          <a:p>
+            <a:pPr marL="0" indent="0">
               <a:buFontTx/>
               <a:buNone/>
-              <a:tabLst/>
-              <a:defRPr/>
             </a:pPr>
-            <a:endParaRPr lang="en-US" dirty="0"/>
+            <a:endParaRPr lang="en-US" baseline="0" dirty="0" smtClean="0"/>
           </a:p>
         </p:txBody>
       </p:sp>
     </p:spTree>
     <p:extLst>
       <p:ext uri="{BB962C8B-B14F-4D97-AF65-F5344CB8AC3E}">
-        <p14:creationId xmlns:p14="http://schemas.microsoft.com/office/powerpoint/2010/main" val="4288704839"/>
+        <p14:creationId xmlns:p14="http://schemas.microsoft.com/office/powerpoint/2010/main" val="448243249"/>
       </p:ext>
     </p:extLst>
   </p:cSld>
@@ -1109,39 +1206,23 @@
           <a:bodyPr/>
           <a:lstStyle/>
           <a:p>
-            <a:r>
-              <a:rPr lang="en-US" dirty="0" smtClean="0"/>
-              <a:t>Some</a:t>
-            </a:r>
-            <a:r>
-              <a:rPr lang="en-US" baseline="0" dirty="0" smtClean="0"/>
-              <a:t> of the things </a:t>
-            </a:r>
-            <a:r>
-              <a:rPr lang="en-US" baseline="0" dirty="0" err="1" smtClean="0"/>
-              <a:t>MongoDB</a:t>
-            </a:r>
-            <a:r>
-              <a:rPr lang="en-US" baseline="0" dirty="0" smtClean="0"/>
-              <a:t> give you that you might not be used to.</a:t>
-            </a:r>
-          </a:p>
-          <a:p>
-            <a:r>
-              <a:rPr lang="en-US" baseline="0" dirty="0" smtClean="0"/>
-              <a:t>	- </a:t>
-            </a:r>
-            <a:r>
-              <a:rPr lang="en-US" baseline="0" dirty="0" err="1" smtClean="0"/>
-              <a:t>Schemaless</a:t>
-            </a:r>
-            <a:endParaRPr lang="en-US" baseline="0" dirty="0" smtClean="0"/>
-          </a:p>
-          <a:p>
-            <a:r>
-              <a:rPr lang="en-US" baseline="0" dirty="0" smtClean="0"/>
-              <a:t>	- Design for access pattern</a:t>
-            </a:r>
+            <a:pPr marL="0" marR="0" indent="0" algn="l" defTabSz="457200" rtl="0" eaLnBrk="1" fontAlgn="auto" latinLnBrk="0" hangingPunct="1">
+              <a:lnSpc>
+                <a:spcPct val="100000"/>
+              </a:lnSpc>
+              <a:spcBef>
+                <a:spcPts val="0"/>
+              </a:spcBef>
+              <a:spcAft>
+                <a:spcPts val="0"/>
+              </a:spcAft>
+              <a:buClrTx/>
+              <a:buSzTx/>
+              <a:buFontTx/>
+              <a:buNone/>
+              <a:tabLst/>
+              <a:defRPr/>
+            </a:pPr>
             <a:endParaRPr lang="en-US" dirty="0"/>
           </a:p>
         </p:txBody>
@@ -1149,7 +1230,7 @@
     </p:spTree>
     <p:extLst>
       <p:ext uri="{BB962C8B-B14F-4D97-AF65-F5344CB8AC3E}">
-        <p14:creationId xmlns:p14="http://schemas.microsoft.com/office/powerpoint/2010/main" val="3853374874"/>
+        <p14:creationId xmlns:p14="http://schemas.microsoft.com/office/powerpoint/2010/main" val="4288704839"/>
       </p:ext>
     </p:extLst>
   </p:cSld>
@@ -1205,29 +1286,36 @@
           <a:p>
             <a:r>
               <a:rPr lang="en-US" dirty="0" smtClean="0"/>
-              <a:t>Show</a:t>
+              <a:t>Some</a:t>
             </a:r>
             <a:r>
               <a:rPr lang="en-US" baseline="0" dirty="0" smtClean="0"/>
-              <a:t> in the shell</a:t>
-            </a:r>
-          </a:p>
-          <a:p>
+              <a:t> of the things </a:t>
+            </a:r>
+            <a:r>
+              <a:rPr lang="en-US" baseline="0" dirty="0" err="1" smtClean="0"/>
+              <a:t>MongoDB</a:t>
+            </a:r>
             <a:r>
               <a:rPr lang="en-US" baseline="0" dirty="0" smtClean="0"/>
-              <a:t>Find </a:t>
+              <a:t> give you that you might not be used to.</a:t>
+            </a:r>
+          </a:p>
+          <a:p>
+            <a:r>
+              <a:rPr lang="en-US" baseline="0" dirty="0" smtClean="0"/>
+              <a:t>	- </a:t>
             </a:r>
             <a:r>
               <a:rPr lang="en-US" baseline="0" dirty="0" err="1" smtClean="0"/>
-              <a:t>løiten</a:t>
-            </a:r>
+              <a:t>Schemaless</a:t>
+            </a:r>
+            <a:endParaRPr lang="en-US" baseline="0" dirty="0" smtClean="0"/>
+          </a:p>
+          <a:p>
             <a:r>
               <a:rPr lang="en-US" baseline="0" dirty="0" smtClean="0"/>
-              <a:t> </a:t>
-            </a:r>
-            <a:r>
-              <a:rPr lang="en-US" baseline="0" dirty="0" err="1" smtClean="0"/>
-              <a:t>linie</a:t>
+              <a:t>	- Design for access pattern</a:t>
             </a:r>
             <a:endParaRPr lang="en-US" dirty="0"/>
           </a:p>
@@ -1236,7 +1324,7 @@
     </p:spTree>
     <p:extLst>
       <p:ext uri="{BB962C8B-B14F-4D97-AF65-F5344CB8AC3E}">
-        <p14:creationId xmlns:p14="http://schemas.microsoft.com/office/powerpoint/2010/main" val="1128128288"/>
+        <p14:creationId xmlns:p14="http://schemas.microsoft.com/office/powerpoint/2010/main" val="3853374874"/>
       </p:ext>
     </p:extLst>
   </p:cSld>
@@ -1301,12 +1389,12 @@
           </a:p>
           <a:p>
             <a:r>
-              <a:rPr lang="en-US" dirty="0" smtClean="0"/>
-              <a:t>Insert </a:t>
-            </a:r>
-            <a:r>
-              <a:rPr lang="en-US" dirty="0" err="1" smtClean="0"/>
-              <a:t>richard</a:t>
+              <a:rPr lang="en-US" baseline="0" dirty="0" smtClean="0"/>
+              <a:t>Find </a:t>
+            </a:r>
+            <a:r>
+              <a:rPr lang="en-US" baseline="0" dirty="0" err="1" smtClean="0"/>
+              <a:t>løiten</a:t>
             </a:r>
             <a:r>
               <a:rPr lang="en-US" baseline="0" dirty="0" smtClean="0"/>
@@ -1314,16 +1402,16 @@
             </a:r>
             <a:r>
               <a:rPr lang="en-US" baseline="0" dirty="0" err="1" smtClean="0"/>
-              <a:t>nixon</a:t>
-            </a:r>
-            <a:endParaRPr lang="en-US" baseline="0" dirty="0" smtClean="0"/>
+              <a:t>linie</a:t>
+            </a:r>
+            <a:endParaRPr lang="en-US" dirty="0"/>
           </a:p>
         </p:txBody>
       </p:sp>
     </p:spTree>
     <p:extLst>
       <p:ext uri="{BB962C8B-B14F-4D97-AF65-F5344CB8AC3E}">
-        <p14:creationId xmlns:p14="http://schemas.microsoft.com/office/powerpoint/2010/main" val="2988139925"/>
+        <p14:creationId xmlns:p14="http://schemas.microsoft.com/office/powerpoint/2010/main" val="1128128288"/>
       </p:ext>
     </p:extLst>
   </p:cSld>
@@ -10524,8 +10612,8 @@
           <a:lstStyle/>
           <a:p>
             <a:r>
-              <a:rPr lang="en-US" dirty="0" smtClean="0"/>
-              <a:t>NTNU</a:t>
+              <a:rPr lang="en-US" dirty="0" err="1" smtClean="0"/>
+              <a:t>UiO</a:t>
             </a:r>
             <a:endParaRPr lang="en-US" dirty="0"/>
           </a:p>
@@ -10579,7 +10667,7 @@
           <a:p>
             <a:r>
               <a:rPr lang="en-US" dirty="0" smtClean="0"/>
-              <a:t>11-02-2015</a:t>
+              <a:t>04-03-2015</a:t>
             </a:r>
             <a:endParaRPr lang="en-US" dirty="0"/>
           </a:p>
@@ -11470,7 +11558,15 @@
           <a:p>
             <a:r>
               <a:rPr lang="en-US" dirty="0" smtClean="0"/>
-              <a:t>Uses </a:t>
+              <a:t>The </a:t>
+            </a:r>
+            <a:r>
+              <a:rPr lang="en-US" dirty="0" err="1" smtClean="0"/>
+              <a:t>MongoDB</a:t>
+            </a:r>
+            <a:r>
+              <a:rPr lang="en-US" dirty="0" smtClean="0"/>
+              <a:t> shell uses </a:t>
             </a:r>
             <a:r>
               <a:rPr lang="en-US" dirty="0" err="1" smtClean="0"/>
@@ -11486,246 +11582,6 @@
           </a:p>
           <a:p>
             <a:endParaRPr lang="en-US" dirty="0"/>
-          </a:p>
-        </p:txBody>
-      </p:sp>
-      <p:sp>
-        <p:nvSpPr>
-          <p:cNvPr id="5" name="TextBox 4"/>
-          <p:cNvSpPr txBox="1"/>
-          <p:nvPr/>
-        </p:nvSpPr>
-        <p:spPr>
-          <a:xfrm>
-            <a:off x="4592319" y="2018854"/>
-            <a:ext cx="4138987" cy="4642296"/>
-          </a:xfrm>
-          <a:prstGeom prst="rect">
-            <a:avLst/>
-          </a:prstGeom>
-        </p:spPr>
-        <p:style>
-          <a:lnRef idx="2">
-            <a:schemeClr val="dk1"/>
-          </a:lnRef>
-          <a:fillRef idx="1">
-            <a:schemeClr val="lt1"/>
-          </a:fillRef>
-          <a:effectRef idx="0">
-            <a:schemeClr val="dk1"/>
-          </a:effectRef>
-          <a:fontRef idx="minor">
-            <a:schemeClr val="dk1"/>
-          </a:fontRef>
-        </p:style>
-        <p:txBody>
-          <a:bodyPr wrap="square" rtlCol="0">
-            <a:spAutoFit/>
-          </a:bodyPr>
-          <a:lstStyle/>
-          <a:p>
-            <a:pPr>
-              <a:spcBef>
-                <a:spcPts val="600"/>
-              </a:spcBef>
-              <a:spcAft>
-                <a:spcPts val="400"/>
-              </a:spcAft>
-            </a:pPr>
-            <a:r>
-              <a:rPr lang="en-US" sz="1700" dirty="0" smtClean="0"/>
-              <a:t>$ mongo</a:t>
-            </a:r>
-          </a:p>
-          <a:p>
-            <a:pPr>
-              <a:spcBef>
-                <a:spcPts val="600"/>
-              </a:spcBef>
-              <a:spcAft>
-                <a:spcPts val="400"/>
-              </a:spcAft>
-            </a:pPr>
-            <a:r>
-              <a:rPr lang="en-US" sz="1700" i="1" dirty="0" smtClean="0"/>
-              <a:t>Connect to </a:t>
-            </a:r>
-            <a:r>
-              <a:rPr lang="en-US" sz="1700" i="1" dirty="0" err="1" smtClean="0"/>
-              <a:t>mongod</a:t>
-            </a:r>
-            <a:r>
-              <a:rPr lang="en-US" sz="1700" i="1" dirty="0" smtClean="0"/>
-              <a:t> on localhost:27017</a:t>
-            </a:r>
-          </a:p>
-          <a:p>
-            <a:pPr>
-              <a:spcBef>
-                <a:spcPts val="600"/>
-              </a:spcBef>
-              <a:spcAft>
-                <a:spcPts val="400"/>
-              </a:spcAft>
-            </a:pPr>
-            <a:r>
-              <a:rPr lang="en-US" sz="1700" dirty="0" smtClean="0"/>
-              <a:t>&gt; Show </a:t>
-            </a:r>
-            <a:r>
-              <a:rPr lang="en-US" sz="1700" dirty="0" err="1" smtClean="0"/>
-              <a:t>dbs</a:t>
-            </a:r>
-            <a:endParaRPr lang="en-US" sz="1700" dirty="0" smtClean="0"/>
-          </a:p>
-          <a:p>
-            <a:pPr>
-              <a:spcBef>
-                <a:spcPts val="600"/>
-              </a:spcBef>
-              <a:spcAft>
-                <a:spcPts val="400"/>
-              </a:spcAft>
-            </a:pPr>
-            <a:r>
-              <a:rPr lang="en-US" sz="1700" i="1" dirty="0" smtClean="0"/>
-              <a:t>List of databases</a:t>
-            </a:r>
-          </a:p>
-          <a:p>
-            <a:pPr>
-              <a:spcBef>
-                <a:spcPts val="600"/>
-              </a:spcBef>
-              <a:spcAft>
-                <a:spcPts val="400"/>
-              </a:spcAft>
-            </a:pPr>
-            <a:r>
-              <a:rPr lang="en-US" sz="1700" i="1" dirty="0" smtClean="0"/>
-              <a:t>&gt; </a:t>
-            </a:r>
-            <a:r>
-              <a:rPr lang="en-US" sz="1700" dirty="0" smtClean="0"/>
-              <a:t>Use </a:t>
-            </a:r>
-            <a:r>
-              <a:rPr lang="en-US" sz="1700" dirty="0" err="1" smtClean="0"/>
-              <a:t>kursserie</a:t>
-            </a:r>
-            <a:endParaRPr lang="en-US" sz="1700" dirty="0" smtClean="0"/>
-          </a:p>
-          <a:p>
-            <a:pPr>
-              <a:spcBef>
-                <a:spcPts val="600"/>
-              </a:spcBef>
-              <a:spcAft>
-                <a:spcPts val="400"/>
-              </a:spcAft>
-            </a:pPr>
-            <a:r>
-              <a:rPr lang="en-US" sz="1700" i="1" dirty="0" smtClean="0"/>
-              <a:t>Switch to the </a:t>
-            </a:r>
-            <a:r>
-              <a:rPr lang="en-US" sz="1700" i="1" dirty="0" err="1" smtClean="0"/>
-              <a:t>kursserie</a:t>
-            </a:r>
-            <a:r>
-              <a:rPr lang="en-US" sz="1700" i="1" dirty="0" smtClean="0"/>
-              <a:t> database</a:t>
-            </a:r>
-          </a:p>
-          <a:p>
-            <a:pPr>
-              <a:spcBef>
-                <a:spcPts val="600"/>
-              </a:spcBef>
-              <a:spcAft>
-                <a:spcPts val="400"/>
-              </a:spcAft>
-            </a:pPr>
-            <a:r>
-              <a:rPr lang="en-US" sz="1700" i="1" dirty="0" smtClean="0"/>
-              <a:t>&gt; Show collections</a:t>
-            </a:r>
-          </a:p>
-          <a:p>
-            <a:pPr>
-              <a:spcBef>
-                <a:spcPts val="600"/>
-              </a:spcBef>
-              <a:spcAft>
-                <a:spcPts val="400"/>
-              </a:spcAft>
-            </a:pPr>
-            <a:r>
-              <a:rPr lang="en-US" sz="1700" dirty="0" smtClean="0"/>
-              <a:t>products</a:t>
-            </a:r>
-          </a:p>
-          <a:p>
-            <a:pPr>
-              <a:spcBef>
-                <a:spcPts val="600"/>
-              </a:spcBef>
-              <a:spcAft>
-                <a:spcPts val="400"/>
-              </a:spcAft>
-            </a:pPr>
-            <a:r>
-              <a:rPr lang="en-US" sz="1700" dirty="0" err="1" smtClean="0"/>
-              <a:t>system.indexes</a:t>
-            </a:r>
-            <a:endParaRPr lang="en-US" sz="1700" dirty="0" smtClean="0"/>
-          </a:p>
-          <a:p>
-            <a:pPr>
-              <a:spcBef>
-                <a:spcPts val="600"/>
-              </a:spcBef>
-              <a:spcAft>
-                <a:spcPts val="400"/>
-              </a:spcAft>
-            </a:pPr>
-            <a:r>
-              <a:rPr lang="en-US" sz="1700" dirty="0" smtClean="0"/>
-              <a:t>users</a:t>
-            </a:r>
-          </a:p>
-          <a:p>
-            <a:pPr>
-              <a:spcBef>
-                <a:spcPts val="600"/>
-              </a:spcBef>
-              <a:spcAft>
-                <a:spcPts val="400"/>
-              </a:spcAft>
-            </a:pPr>
-            <a:r>
-              <a:rPr lang="en-US" sz="1700" dirty="0" smtClean="0"/>
-              <a:t>&gt; </a:t>
-            </a:r>
-            <a:r>
-              <a:rPr lang="en-US" sz="1700" dirty="0" err="1" smtClean="0"/>
-              <a:t>db.products.findOne</a:t>
-            </a:r>
-            <a:r>
-              <a:rPr lang="en-US" sz="1700" dirty="0" smtClean="0"/>
-              <a:t>();</a:t>
-            </a:r>
-          </a:p>
-          <a:p>
-            <a:pPr>
-              <a:spcBef>
-                <a:spcPts val="600"/>
-              </a:spcBef>
-              <a:spcAft>
-                <a:spcPts val="400"/>
-              </a:spcAft>
-            </a:pPr>
-            <a:endParaRPr lang="en-US" sz="1700" dirty="0" err="1" smtClean="0"/>
           </a:p>
         </p:txBody>
       </p:sp>
@@ -12607,7 +12463,15 @@
             </a:r>
             <a:r>
               <a:rPr lang="en-US" dirty="0" smtClean="0"/>
-              <a:t>“$set”: {sex: “female”}</a:t>
+              <a:t>“$set”: </a:t>
+            </a:r>
+            <a:r>
+              <a:rPr lang="en-US" dirty="0" smtClean="0"/>
+              <a:t>{name: “Richard M. Nixon”</a:t>
+            </a:r>
+            <a:r>
+              <a:rPr lang="en-US" dirty="0" smtClean="0"/>
+              <a:t>}</a:t>
             </a:r>
           </a:p>
           <a:p>
@@ -14316,7 +14180,7 @@
         <p:spPr>
           <a:xfrm>
             <a:off x="321623" y="418905"/>
-            <a:ext cx="2479321" cy="307777"/>
+            <a:ext cx="3397051" cy="307777"/>
           </a:xfrm>
         </p:spPr>
         <p:txBody>
@@ -14325,7 +14189,7 @@
           <a:p>
             <a:r>
               <a:rPr lang="en-US" dirty="0" smtClean="0"/>
-              <a:t>Normalization</a:t>
+              <a:t>One-to-one approach</a:t>
             </a:r>
             <a:endParaRPr lang="en-US" dirty="0"/>
           </a:p>
@@ -14355,162 +14219,306 @@
           </a:p>
         </p:txBody>
       </p:sp>
-      <p:graphicFrame>
-        <p:nvGraphicFramePr>
-          <p:cNvPr id="6" name="Table 5"/>
-          <p:cNvGraphicFramePr>
-            <a:graphicFrameLocks noGrp="1"/>
-          </p:cNvGraphicFramePr>
-          <p:nvPr>
-            <p:extLst>
-              <p:ext uri="{D42A27DB-BD31-4B8C-83A1-F6EECF244321}">
-                <p14:modId xmlns:p14="http://schemas.microsoft.com/office/powerpoint/2010/main" val="3892200599"/>
-              </p:ext>
-            </p:extLst>
-          </p:nvPr>
-        </p:nvGraphicFramePr>
-        <p:xfrm>
-          <a:off x="321623" y="1767840"/>
-          <a:ext cx="6096000" cy="741680"/>
-        </p:xfrm>
-        <a:graphic>
-          <a:graphicData uri="http://schemas.openxmlformats.org/drawingml/2006/table">
-            <a:tbl>
-              <a:tblPr firstRow="1" bandRow="1">
-                <a:tableStyleId>{5C22544A-7EE6-4342-B048-85BDC9FD1C3A}</a:tableStyleId>
-              </a:tblPr>
-              <a:tblGrid>
-                <a:gridCol w="2032000"/>
-                <a:gridCol w="2032000"/>
-                <a:gridCol w="2032000"/>
-              </a:tblGrid>
-              <a:tr h="370840">
-                <a:tc>
-                  <a:txBody>
-                    <a:bodyPr/>
-                    <a:lstStyle/>
-                    <a:p>
-                      <a:r>
-                        <a:rPr lang="en-US" dirty="0" err="1" smtClean="0"/>
-                        <a:t>userid</a:t>
-                      </a:r>
-                      <a:endParaRPr lang="en-US" dirty="0"/>
-                    </a:p>
-                  </a:txBody>
-                  <a:tcPr/>
-                </a:tc>
-                <a:tc>
-                  <a:txBody>
-                    <a:bodyPr/>
-                    <a:lstStyle/>
-                    <a:p>
-                      <a:r>
-                        <a:rPr lang="en-US" dirty="0" smtClean="0"/>
-                        <a:t>name</a:t>
-                      </a:r>
-                      <a:endParaRPr lang="en-US" dirty="0"/>
-                    </a:p>
-                  </a:txBody>
-                  <a:tcPr/>
-                </a:tc>
-                <a:tc>
-                  <a:txBody>
-                    <a:bodyPr/>
-                    <a:lstStyle/>
-                    <a:p>
-                      <a:r>
-                        <a:rPr lang="en-US" dirty="0" smtClean="0"/>
-                        <a:t>scores</a:t>
-                      </a:r>
-                      <a:endParaRPr lang="en-US" dirty="0"/>
-                    </a:p>
-                  </a:txBody>
-                  <a:tcPr/>
-                </a:tc>
-              </a:tr>
-              <a:tr h="370840">
-                <a:tc>
-                  <a:txBody>
-                    <a:bodyPr/>
-                    <a:lstStyle/>
-                    <a:p>
-                      <a:r>
-                        <a:rPr lang="en-US" dirty="0" smtClean="0"/>
-                        <a:t>1</a:t>
-                      </a:r>
-                      <a:endParaRPr lang="en-US" dirty="0"/>
-                    </a:p>
-                  </a:txBody>
-                  <a:tcPr/>
-                </a:tc>
-                <a:tc>
-                  <a:txBody>
-                    <a:bodyPr/>
-                    <a:lstStyle/>
-                    <a:p>
-                      <a:r>
-                        <a:rPr lang="en-US" dirty="0" smtClean="0"/>
-                        <a:t>John</a:t>
-                      </a:r>
-                      <a:r>
-                        <a:rPr lang="en-US" baseline="0" dirty="0" smtClean="0"/>
-                        <a:t> Doe</a:t>
-                      </a:r>
-                      <a:endParaRPr lang="en-US" dirty="0"/>
-                    </a:p>
-                  </a:txBody>
-                  <a:tcPr/>
-                </a:tc>
-                <a:tc>
-                  <a:txBody>
-                    <a:bodyPr/>
-                    <a:lstStyle/>
-                    <a:p>
-                      <a:r>
-                        <a:rPr lang="en-US" dirty="0" smtClean="0"/>
-                        <a:t>[9,</a:t>
-                      </a:r>
-                      <a:r>
-                        <a:rPr lang="en-US" baseline="0" dirty="0" smtClean="0"/>
-                        <a:t> 7, 2</a:t>
-                      </a:r>
-                      <a:r>
-                        <a:rPr lang="en-US" dirty="0" smtClean="0"/>
-                        <a:t>]</a:t>
-                      </a:r>
-                      <a:endParaRPr lang="en-US" dirty="0"/>
-                    </a:p>
-                  </a:txBody>
-                  <a:tcPr/>
-                </a:tc>
-              </a:tr>
-            </a:tbl>
-          </a:graphicData>
-        </a:graphic>
-      </p:graphicFrame>
-      <p:sp>
-        <p:nvSpPr>
-          <p:cNvPr id="7" name="TextBox 6"/>
-          <p:cNvSpPr txBox="1"/>
+      <p:sp>
+        <p:nvSpPr>
+          <p:cNvPr id="8" name="Text Placeholder 7"/>
+          <p:cNvSpPr>
+            <a:spLocks noGrp="1"/>
+          </p:cNvSpPr>
+          <p:nvPr>
+            <p:ph type="body" sz="quarter" idx="11"/>
+          </p:nvPr>
+        </p:nvSpPr>
+        <p:spPr/>
+        <p:txBody>
+          <a:bodyPr/>
+          <a:lstStyle/>
+          <a:p>
+            <a:r>
+              <a:rPr lang="en-US" dirty="0" smtClean="0"/>
+              <a:t>By embedding</a:t>
+            </a:r>
+          </a:p>
+          <a:p>
+            <a:endParaRPr lang="en-US" dirty="0"/>
+          </a:p>
+          <a:p>
+            <a:r>
+              <a:rPr lang="en-US" dirty="0" smtClean="0"/>
+              <a:t>Good fit for most cases.</a:t>
+            </a:r>
+          </a:p>
+          <a:p>
+            <a:endParaRPr lang="en-US" dirty="0" smtClean="0"/>
+          </a:p>
+          <a:p>
+            <a:r>
+              <a:rPr lang="en-US" dirty="0" smtClean="0"/>
+              <a:t>Man / wife type relations are more complex.</a:t>
+            </a:r>
+          </a:p>
+        </p:txBody>
+      </p:sp>
+      <p:sp>
+        <p:nvSpPr>
+          <p:cNvPr id="9" name="Text Placeholder 4"/>
+          <p:cNvSpPr txBox="1">
+            <a:spLocks/>
+          </p:cNvSpPr>
           <p:nvPr/>
         </p:nvSpPr>
         <p:spPr>
           <a:xfrm>
-            <a:off x="6644640" y="1915988"/>
-            <a:ext cx="1544451" cy="353943"/>
+            <a:off x="5630449" y="4632960"/>
+            <a:ext cx="2794001" cy="1706880"/>
           </a:xfrm>
-          <a:prstGeom prst="rect">
+          <a:prstGeom prst="roundRect">
             <a:avLst/>
           </a:prstGeom>
-          <a:noFill/>
         </p:spPr>
-        <p:txBody>
-          <a:bodyPr wrap="none" rtlCol="0">
-            <a:spAutoFit/>
+        <p:style>
+          <a:lnRef idx="2">
+            <a:schemeClr val="accent4"/>
+          </a:lnRef>
+          <a:fillRef idx="1">
+            <a:schemeClr val="lt1"/>
+          </a:fillRef>
+          <a:effectRef idx="0">
+            <a:schemeClr val="accent4"/>
+          </a:effectRef>
+          <a:fontRef idx="minor">
+            <a:schemeClr val="dk1"/>
+          </a:fontRef>
+        </p:style>
+        <p:txBody>
+          <a:bodyPr rot="0" spcFirstLastPara="0" vertOverflow="overflow" horzOverflow="overflow" vert="horz" wrap="square" lIns="91440" tIns="45720" rIns="91440" bIns="45720" numCol="1" spcCol="0" rtlCol="0" fromWordArt="0" anchor="t" anchorCtr="0" forceAA="0" compatLnSpc="1">
+            <a:prstTxWarp prst="textNoShape">
+              <a:avLst/>
+            </a:prstTxWarp>
+            <a:noAutofit/>
+          </a:bodyPr>
+          <a:lstStyle>
+            <a:lvl1pPr marL="0" indent="0" algn="l" defTabSz="457200" rtl="0" eaLnBrk="1" latinLnBrk="0" hangingPunct="1">
+              <a:lnSpc>
+                <a:spcPts val="1700"/>
+              </a:lnSpc>
+              <a:spcBef>
+                <a:spcPts val="600"/>
+              </a:spcBef>
+              <a:spcAft>
+                <a:spcPts val="400"/>
+              </a:spcAft>
+              <a:buFont typeface="Arial"/>
+              <a:buNone/>
+              <a:defRPr sz="1700" kern="1200" baseline="0">
+                <a:solidFill>
+                  <a:schemeClr val="dk1"/>
+                </a:solidFill>
+                <a:latin typeface="+mn-lt"/>
+                <a:ea typeface="+mn-ea"/>
+                <a:cs typeface="+mn-cs"/>
+              </a:defRPr>
+            </a:lvl1pPr>
+            <a:lvl2pPr marL="268288" indent="0" algn="l" defTabSz="457200" rtl="0" eaLnBrk="1" latinLnBrk="0" hangingPunct="1">
+              <a:lnSpc>
+                <a:spcPts val="1700"/>
+              </a:lnSpc>
+              <a:spcBef>
+                <a:spcPts val="200"/>
+              </a:spcBef>
+              <a:spcAft>
+                <a:spcPts val="600"/>
+              </a:spcAft>
+              <a:buFont typeface="Arial"/>
+              <a:buNone/>
+              <a:defRPr sz="1500" kern="1200" baseline="0">
+                <a:solidFill>
+                  <a:schemeClr val="dk1"/>
+                </a:solidFill>
+                <a:latin typeface="+mn-lt"/>
+                <a:ea typeface="+mn-ea"/>
+                <a:cs typeface="+mn-cs"/>
+              </a:defRPr>
+            </a:lvl2pPr>
+            <a:lvl3pPr marL="534987" indent="0" algn="l" defTabSz="457200" rtl="0" eaLnBrk="1" latinLnBrk="0" hangingPunct="1">
+              <a:lnSpc>
+                <a:spcPts val="1700"/>
+              </a:lnSpc>
+              <a:spcBef>
+                <a:spcPts val="200"/>
+              </a:spcBef>
+              <a:spcAft>
+                <a:spcPts val="600"/>
+              </a:spcAft>
+              <a:buFont typeface="Arial"/>
+              <a:buNone/>
+              <a:defRPr sz="1500" kern="1200" baseline="0">
+                <a:solidFill>
+                  <a:schemeClr val="dk1"/>
+                </a:solidFill>
+                <a:latin typeface="+mn-lt"/>
+                <a:ea typeface="+mn-ea"/>
+                <a:cs typeface="+mn-cs"/>
+              </a:defRPr>
+            </a:lvl3pPr>
+            <a:lvl4pPr marL="1600200" indent="-228600" algn="l" defTabSz="457200" rtl="0" eaLnBrk="1" latinLnBrk="0" hangingPunct="1">
+              <a:spcBef>
+                <a:spcPct val="20000"/>
+              </a:spcBef>
+              <a:buFont typeface="Arial"/>
+              <a:buChar char="–"/>
+              <a:defRPr sz="1800" kern="1200">
+                <a:solidFill>
+                  <a:schemeClr val="dk1"/>
+                </a:solidFill>
+                <a:latin typeface="+mn-lt"/>
+                <a:ea typeface="+mn-ea"/>
+                <a:cs typeface="+mn-cs"/>
+              </a:defRPr>
+            </a:lvl4pPr>
+            <a:lvl5pPr marL="2057400" indent="-228600" algn="l" defTabSz="457200" rtl="0" eaLnBrk="1" latinLnBrk="0" hangingPunct="1">
+              <a:spcBef>
+                <a:spcPct val="20000"/>
+              </a:spcBef>
+              <a:buFont typeface="Arial"/>
+              <a:buChar char="»"/>
+              <a:defRPr sz="1800" kern="1200">
+                <a:solidFill>
+                  <a:schemeClr val="dk1"/>
+                </a:solidFill>
+                <a:latin typeface="+mn-lt"/>
+                <a:ea typeface="+mn-ea"/>
+                <a:cs typeface="+mn-cs"/>
+              </a:defRPr>
+            </a:lvl5pPr>
+            <a:lvl6pPr marL="2514600" indent="-228600" algn="l" defTabSz="457200" rtl="0" eaLnBrk="1" latinLnBrk="0" hangingPunct="1">
+              <a:spcBef>
+                <a:spcPct val="20000"/>
+              </a:spcBef>
+              <a:buFont typeface="Arial"/>
+              <a:buChar char="•"/>
+              <a:defRPr sz="2000" kern="1200">
+                <a:solidFill>
+                  <a:schemeClr val="dk1"/>
+                </a:solidFill>
+                <a:latin typeface="+mn-lt"/>
+                <a:ea typeface="+mn-ea"/>
+                <a:cs typeface="+mn-cs"/>
+              </a:defRPr>
+            </a:lvl6pPr>
+            <a:lvl7pPr marL="2971800" indent="-228600" algn="l" defTabSz="457200" rtl="0" eaLnBrk="1" latinLnBrk="0" hangingPunct="1">
+              <a:spcBef>
+                <a:spcPct val="20000"/>
+              </a:spcBef>
+              <a:buFont typeface="Arial"/>
+              <a:buChar char="•"/>
+              <a:defRPr sz="2000" kern="1200">
+                <a:solidFill>
+                  <a:schemeClr val="dk1"/>
+                </a:solidFill>
+                <a:latin typeface="+mn-lt"/>
+                <a:ea typeface="+mn-ea"/>
+                <a:cs typeface="+mn-cs"/>
+              </a:defRPr>
+            </a:lvl7pPr>
+            <a:lvl8pPr marL="3429000" indent="-228600" algn="l" defTabSz="457200" rtl="0" eaLnBrk="1" latinLnBrk="0" hangingPunct="1">
+              <a:spcBef>
+                <a:spcPct val="20000"/>
+              </a:spcBef>
+              <a:buFont typeface="Arial"/>
+              <a:buChar char="•"/>
+              <a:defRPr sz="2000" kern="1200">
+                <a:solidFill>
+                  <a:schemeClr val="dk1"/>
+                </a:solidFill>
+                <a:latin typeface="+mn-lt"/>
+                <a:ea typeface="+mn-ea"/>
+                <a:cs typeface="+mn-cs"/>
+              </a:defRPr>
+            </a:lvl8pPr>
+            <a:lvl9pPr marL="3886200" indent="-228600" algn="l" defTabSz="457200" rtl="0" eaLnBrk="1" latinLnBrk="0" hangingPunct="1">
+              <a:spcBef>
+                <a:spcPct val="20000"/>
+              </a:spcBef>
+              <a:buFont typeface="Arial"/>
+              <a:buChar char="•"/>
+              <a:defRPr sz="2000" kern="1200">
+                <a:solidFill>
+                  <a:schemeClr val="dk1"/>
+                </a:solidFill>
+                <a:latin typeface="+mn-lt"/>
+                <a:ea typeface="+mn-ea"/>
+                <a:cs typeface="+mn-cs"/>
+              </a:defRPr>
+            </a:lvl9pPr>
+          </a:lstStyle>
+          <a:p>
+            <a:r>
+              <a:rPr lang="en-US" sz="1400" smtClean="0">
+                <a:solidFill>
+                  <a:schemeClr val="tx1"/>
+                </a:solidFill>
+              </a:rPr>
+              <a:t>Person</a:t>
+            </a:r>
+          </a:p>
+          <a:p>
+            <a:r>
+              <a:rPr lang="en-US" sz="1400" smtClean="0">
+                <a:solidFill>
+                  <a:schemeClr val="tx1"/>
+                </a:solidFill>
+              </a:rPr>
+              <a:t>_id: 42</a:t>
+            </a:r>
+            <a:endParaRPr lang="en-US" sz="1400" dirty="0" smtClean="0">
+              <a:solidFill>
+                <a:schemeClr val="tx1"/>
+              </a:solidFill>
+            </a:endParaRPr>
+          </a:p>
+        </p:txBody>
+      </p:sp>
+      <p:sp>
+        <p:nvSpPr>
+          <p:cNvPr id="10" name="Rounded Rectangle 9"/>
+          <p:cNvSpPr/>
+          <p:nvPr/>
+        </p:nvSpPr>
+        <p:spPr>
+          <a:xfrm>
+            <a:off x="6107970" y="5450840"/>
+            <a:ext cx="2011680" cy="680720"/>
+          </a:xfrm>
+          <a:prstGeom prst="roundRect">
+            <a:avLst/>
+          </a:prstGeom>
+          <a:ln/>
+        </p:spPr>
+        <p:style>
+          <a:lnRef idx="2">
+            <a:schemeClr val="accent6"/>
+          </a:lnRef>
+          <a:fillRef idx="1">
+            <a:schemeClr val="lt1"/>
+          </a:fillRef>
+          <a:effectRef idx="0">
+            <a:schemeClr val="accent6"/>
+          </a:effectRef>
+          <a:fontRef idx="minor">
+            <a:schemeClr val="dk1"/>
+          </a:fontRef>
+        </p:style>
+        <p:txBody>
+          <a:bodyPr rot="0" spcFirstLastPara="0" vertOverflow="overflow" horzOverflow="overflow" vert="horz" wrap="square" lIns="91440" tIns="45720" rIns="91440" bIns="45720" numCol="1" spcCol="0" rtlCol="0" fromWordArt="0" anchor="ctr" anchorCtr="0" forceAA="0" compatLnSpc="1">
+            <a:prstTxWarp prst="textNoShape">
+              <a:avLst/>
+            </a:prstTxWarp>
+            <a:noAutofit/>
           </a:bodyPr>
           <a:lstStyle/>
           <a:p>
-            <a:pPr>
+            <a:pPr algn="ctr">
               <a:spcBef>
                 <a:spcPts val="600"/>
               </a:spcBef>
@@ -14519,459 +14527,25 @@
               </a:spcAft>
             </a:pPr>
             <a:r>
-              <a:rPr lang="en-US" sz="1700" dirty="0" err="1" smtClean="0"/>
-              <a:t>Denormalized</a:t>
-            </a:r>
-            <a:endParaRPr lang="en-US" sz="1700" dirty="0" smtClean="0"/>
-          </a:p>
-        </p:txBody>
-      </p:sp>
-      <p:graphicFrame>
-        <p:nvGraphicFramePr>
-          <p:cNvPr id="8" name="Table 7"/>
-          <p:cNvGraphicFramePr>
-            <a:graphicFrameLocks noGrp="1"/>
-          </p:cNvGraphicFramePr>
-          <p:nvPr>
-            <p:extLst>
-              <p:ext uri="{D42A27DB-BD31-4B8C-83A1-F6EECF244321}">
-                <p14:modId xmlns:p14="http://schemas.microsoft.com/office/powerpoint/2010/main" val="2086507339"/>
-              </p:ext>
-            </p:extLst>
-          </p:nvPr>
-        </p:nvGraphicFramePr>
-        <p:xfrm>
-          <a:off x="321623" y="3723640"/>
-          <a:ext cx="6096000" cy="741680"/>
-        </p:xfrm>
-        <a:graphic>
-          <a:graphicData uri="http://schemas.openxmlformats.org/drawingml/2006/table">
-            <a:tbl>
-              <a:tblPr firstRow="1" bandRow="1">
-                <a:tableStyleId>{5C22544A-7EE6-4342-B048-85BDC9FD1C3A}</a:tableStyleId>
-              </a:tblPr>
-              <a:tblGrid>
-                <a:gridCol w="3048000"/>
-                <a:gridCol w="3048000"/>
-              </a:tblGrid>
-              <a:tr h="370840">
-                <a:tc>
-                  <a:txBody>
-                    <a:bodyPr/>
-                    <a:lstStyle/>
-                    <a:p>
-                      <a:r>
-                        <a:rPr lang="en-US" dirty="0" err="1" smtClean="0"/>
-                        <a:t>userid</a:t>
-                      </a:r>
-                      <a:endParaRPr lang="en-US" dirty="0"/>
-                    </a:p>
-                  </a:txBody>
-                  <a:tcPr/>
-                </a:tc>
-                <a:tc>
-                  <a:txBody>
-                    <a:bodyPr/>
-                    <a:lstStyle/>
-                    <a:p>
-                      <a:r>
-                        <a:rPr lang="en-US" dirty="0" smtClean="0"/>
-                        <a:t>name</a:t>
-                      </a:r>
-                      <a:endParaRPr lang="en-US" dirty="0"/>
-                    </a:p>
-                  </a:txBody>
-                  <a:tcPr/>
-                </a:tc>
-              </a:tr>
-              <a:tr h="370840">
-                <a:tc>
-                  <a:txBody>
-                    <a:bodyPr/>
-                    <a:lstStyle/>
-                    <a:p>
-                      <a:r>
-                        <a:rPr lang="en-US" dirty="0" smtClean="0"/>
-                        <a:t>1</a:t>
-                      </a:r>
-                      <a:endParaRPr lang="en-US" dirty="0"/>
-                    </a:p>
-                  </a:txBody>
-                  <a:tcPr/>
-                </a:tc>
-                <a:tc>
-                  <a:txBody>
-                    <a:bodyPr/>
-                    <a:lstStyle/>
-                    <a:p>
-                      <a:r>
-                        <a:rPr lang="en-US" dirty="0" smtClean="0"/>
-                        <a:t>John Doe</a:t>
-                      </a:r>
-                      <a:endParaRPr lang="en-US" dirty="0"/>
-                    </a:p>
-                  </a:txBody>
-                  <a:tcPr/>
-                </a:tc>
-              </a:tr>
-            </a:tbl>
-          </a:graphicData>
-        </a:graphic>
-      </p:graphicFrame>
-      <p:graphicFrame>
-        <p:nvGraphicFramePr>
-          <p:cNvPr id="9" name="Table 8"/>
-          <p:cNvGraphicFramePr>
-            <a:graphicFrameLocks noGrp="1"/>
-          </p:cNvGraphicFramePr>
-          <p:nvPr>
-            <p:extLst>
-              <p:ext uri="{D42A27DB-BD31-4B8C-83A1-F6EECF244321}">
-                <p14:modId xmlns:p14="http://schemas.microsoft.com/office/powerpoint/2010/main" val="4186860605"/>
-              </p:ext>
-            </p:extLst>
-          </p:nvPr>
-        </p:nvGraphicFramePr>
-        <p:xfrm>
-          <a:off x="1524000" y="5476240"/>
-          <a:ext cx="6096000" cy="741680"/>
-        </p:xfrm>
-        <a:graphic>
-          <a:graphicData uri="http://schemas.openxmlformats.org/drawingml/2006/table">
-            <a:tbl>
-              <a:tblPr firstRow="1" bandRow="1">
-                <a:tableStyleId>{5C22544A-7EE6-4342-B048-85BDC9FD1C3A}</a:tableStyleId>
-              </a:tblPr>
-              <a:tblGrid>
-                <a:gridCol w="3048000"/>
-                <a:gridCol w="3048000"/>
-              </a:tblGrid>
-              <a:tr h="370840">
-                <a:tc>
-                  <a:txBody>
-                    <a:bodyPr/>
-                    <a:lstStyle/>
-                    <a:p>
-                      <a:r>
-                        <a:rPr lang="en-US" dirty="0" err="1" smtClean="0"/>
-                        <a:t>userid</a:t>
-                      </a:r>
-                      <a:endParaRPr lang="en-US" dirty="0"/>
-                    </a:p>
-                  </a:txBody>
-                  <a:tcPr/>
-                </a:tc>
-                <a:tc>
-                  <a:txBody>
-                    <a:bodyPr/>
-                    <a:lstStyle/>
-                    <a:p>
-                      <a:r>
-                        <a:rPr lang="en-US" dirty="0" smtClean="0"/>
-                        <a:t>score</a:t>
-                      </a:r>
-                      <a:endParaRPr lang="en-US" dirty="0"/>
-                    </a:p>
-                  </a:txBody>
-                  <a:tcPr/>
-                </a:tc>
-              </a:tr>
-              <a:tr h="370840">
-                <a:tc>
-                  <a:txBody>
-                    <a:bodyPr/>
-                    <a:lstStyle/>
-                    <a:p>
-                      <a:r>
-                        <a:rPr lang="en-US" dirty="0" smtClean="0"/>
-                        <a:t>1</a:t>
-                      </a:r>
-                      <a:endParaRPr lang="en-US" dirty="0"/>
-                    </a:p>
-                  </a:txBody>
-                  <a:tcPr/>
-                </a:tc>
-                <a:tc>
-                  <a:txBody>
-                    <a:bodyPr/>
-                    <a:lstStyle/>
-                    <a:p>
-                      <a:r>
-                        <a:rPr lang="en-US" dirty="0" smtClean="0"/>
-                        <a:t>9</a:t>
-                      </a:r>
-                      <a:endParaRPr lang="en-US" dirty="0"/>
-                    </a:p>
-                  </a:txBody>
-                  <a:tcPr/>
-                </a:tc>
-              </a:tr>
-            </a:tbl>
-          </a:graphicData>
-        </a:graphic>
-      </p:graphicFrame>
-      <p:cxnSp>
-        <p:nvCxnSpPr>
-          <p:cNvPr id="12" name="Straight Arrow Connector 11"/>
-          <p:cNvCxnSpPr/>
-          <p:nvPr/>
-        </p:nvCxnSpPr>
-        <p:spPr>
-          <a:xfrm flipH="1" flipV="1">
-            <a:off x="1706880" y="4572000"/>
-            <a:ext cx="426720" cy="782320"/>
-          </a:xfrm>
-          <a:prstGeom prst="straightConnector1">
-            <a:avLst/>
-          </a:prstGeom>
-          <a:ln w="6350" cmpd="sng">
-            <a:solidFill>
-              <a:srgbClr val="FD5158"/>
-            </a:solidFill>
-            <a:tailEnd type="arrow"/>
-          </a:ln>
-          <a:effectLst/>
-        </p:spPr>
-        <p:style>
-          <a:lnRef idx="2">
-            <a:schemeClr val="accent1"/>
-          </a:lnRef>
-          <a:fillRef idx="0">
-            <a:schemeClr val="accent1"/>
-          </a:fillRef>
-          <a:effectRef idx="1">
-            <a:schemeClr val="accent1"/>
-          </a:effectRef>
-          <a:fontRef idx="minor">
-            <a:schemeClr val="tx1"/>
-          </a:fontRef>
-        </p:style>
-      </p:cxnSp>
-      <p:graphicFrame>
-        <p:nvGraphicFramePr>
-          <p:cNvPr id="13" name="Table 12"/>
-          <p:cNvGraphicFramePr>
-            <a:graphicFrameLocks noGrp="1"/>
-          </p:cNvGraphicFramePr>
-          <p:nvPr>
-            <p:extLst>
-              <p:ext uri="{D42A27DB-BD31-4B8C-83A1-F6EECF244321}">
-                <p14:modId xmlns:p14="http://schemas.microsoft.com/office/powerpoint/2010/main" val="961550539"/>
-              </p:ext>
-            </p:extLst>
-          </p:nvPr>
-        </p:nvGraphicFramePr>
-        <p:xfrm>
-          <a:off x="1676400" y="5628640"/>
-          <a:ext cx="6096000" cy="741680"/>
-        </p:xfrm>
-        <a:graphic>
-          <a:graphicData uri="http://schemas.openxmlformats.org/drawingml/2006/table">
-            <a:tbl>
-              <a:tblPr firstRow="1" bandRow="1">
-                <a:tableStyleId>{5C22544A-7EE6-4342-B048-85BDC9FD1C3A}</a:tableStyleId>
-              </a:tblPr>
-              <a:tblGrid>
-                <a:gridCol w="3048000"/>
-                <a:gridCol w="3048000"/>
-              </a:tblGrid>
-              <a:tr h="370840">
-                <a:tc>
-                  <a:txBody>
-                    <a:bodyPr/>
-                    <a:lstStyle/>
-                    <a:p>
-                      <a:r>
-                        <a:rPr lang="en-US" dirty="0" err="1" smtClean="0"/>
-                        <a:t>userid</a:t>
-                      </a:r>
-                      <a:endParaRPr lang="en-US" dirty="0"/>
-                    </a:p>
-                  </a:txBody>
-                  <a:tcPr/>
-                </a:tc>
-                <a:tc>
-                  <a:txBody>
-                    <a:bodyPr/>
-                    <a:lstStyle/>
-                    <a:p>
-                      <a:r>
-                        <a:rPr lang="en-US" dirty="0" smtClean="0"/>
-                        <a:t>score</a:t>
-                      </a:r>
-                      <a:endParaRPr lang="en-US" dirty="0"/>
-                    </a:p>
-                  </a:txBody>
-                  <a:tcPr/>
-                </a:tc>
-              </a:tr>
-              <a:tr h="370840">
-                <a:tc>
-                  <a:txBody>
-                    <a:bodyPr/>
-                    <a:lstStyle/>
-                    <a:p>
-                      <a:r>
-                        <a:rPr lang="en-US" dirty="0" smtClean="0"/>
-                        <a:t>1</a:t>
-                      </a:r>
-                      <a:endParaRPr lang="en-US" dirty="0"/>
-                    </a:p>
-                  </a:txBody>
-                  <a:tcPr/>
-                </a:tc>
-                <a:tc>
-                  <a:txBody>
-                    <a:bodyPr/>
-                    <a:lstStyle/>
-                    <a:p>
-                      <a:r>
-                        <a:rPr lang="en-US" dirty="0" smtClean="0"/>
-                        <a:t>9</a:t>
-                      </a:r>
-                      <a:endParaRPr lang="en-US" dirty="0"/>
-                    </a:p>
-                  </a:txBody>
-                  <a:tcPr/>
-                </a:tc>
-              </a:tr>
-            </a:tbl>
-          </a:graphicData>
-        </a:graphic>
-      </p:graphicFrame>
-      <p:graphicFrame>
-        <p:nvGraphicFramePr>
-          <p:cNvPr id="14" name="Table 13"/>
-          <p:cNvGraphicFramePr>
-            <a:graphicFrameLocks noGrp="1"/>
-          </p:cNvGraphicFramePr>
-          <p:nvPr>
-            <p:extLst>
-              <p:ext uri="{D42A27DB-BD31-4B8C-83A1-F6EECF244321}">
-                <p14:modId xmlns:p14="http://schemas.microsoft.com/office/powerpoint/2010/main" val="95787195"/>
-              </p:ext>
-            </p:extLst>
-          </p:nvPr>
-        </p:nvGraphicFramePr>
-        <p:xfrm>
-          <a:off x="1828800" y="5781040"/>
-          <a:ext cx="6096000" cy="741680"/>
-        </p:xfrm>
-        <a:graphic>
-          <a:graphicData uri="http://schemas.openxmlformats.org/drawingml/2006/table">
-            <a:tbl>
-              <a:tblPr firstRow="1" bandRow="1">
-                <a:tableStyleId>{5C22544A-7EE6-4342-B048-85BDC9FD1C3A}</a:tableStyleId>
-              </a:tblPr>
-              <a:tblGrid>
-                <a:gridCol w="3048000"/>
-                <a:gridCol w="3048000"/>
-              </a:tblGrid>
-              <a:tr h="370840">
-                <a:tc>
-                  <a:txBody>
-                    <a:bodyPr/>
-                    <a:lstStyle/>
-                    <a:p>
-                      <a:r>
-                        <a:rPr lang="en-US" dirty="0" err="1" smtClean="0"/>
-                        <a:t>userid</a:t>
-                      </a:r>
-                      <a:endParaRPr lang="en-US" dirty="0"/>
-                    </a:p>
-                  </a:txBody>
-                  <a:tcPr/>
-                </a:tc>
-                <a:tc>
-                  <a:txBody>
-                    <a:bodyPr/>
-                    <a:lstStyle/>
-                    <a:p>
-                      <a:r>
-                        <a:rPr lang="en-US" dirty="0" smtClean="0"/>
-                        <a:t>score</a:t>
-                      </a:r>
-                      <a:endParaRPr lang="en-US" dirty="0"/>
-                    </a:p>
-                  </a:txBody>
-                  <a:tcPr/>
-                </a:tc>
-              </a:tr>
-              <a:tr h="370840">
-                <a:tc>
-                  <a:txBody>
-                    <a:bodyPr/>
-                    <a:lstStyle/>
-                    <a:p>
-                      <a:r>
-                        <a:rPr lang="en-US" dirty="0" smtClean="0"/>
-                        <a:t>1</a:t>
-                      </a:r>
-                      <a:endParaRPr lang="en-US" dirty="0"/>
-                    </a:p>
-                  </a:txBody>
-                  <a:tcPr/>
-                </a:tc>
-                <a:tc>
-                  <a:txBody>
-                    <a:bodyPr/>
-                    <a:lstStyle/>
-                    <a:p>
-                      <a:r>
-                        <a:rPr lang="en-US" dirty="0" smtClean="0"/>
-                        <a:t>9</a:t>
-                      </a:r>
-                      <a:endParaRPr lang="en-US" dirty="0"/>
-                    </a:p>
-                  </a:txBody>
-                  <a:tcPr/>
-                </a:tc>
-              </a:tr>
-            </a:tbl>
-          </a:graphicData>
-        </a:graphic>
-      </p:graphicFrame>
-      <p:sp>
-        <p:nvSpPr>
-          <p:cNvPr id="15" name="TextBox 14"/>
-          <p:cNvSpPr txBox="1"/>
-          <p:nvPr/>
-        </p:nvSpPr>
-        <p:spPr>
-          <a:xfrm>
-            <a:off x="6908800" y="3887028"/>
-            <a:ext cx="1314201" cy="353943"/>
-          </a:xfrm>
-          <a:prstGeom prst="rect">
-            <a:avLst/>
-          </a:prstGeom>
-          <a:noFill/>
-        </p:spPr>
-        <p:txBody>
-          <a:bodyPr wrap="none" rtlCol="0">
-            <a:spAutoFit/>
-          </a:bodyPr>
-          <a:lstStyle/>
-          <a:p>
-            <a:pPr>
-              <a:spcBef>
-                <a:spcPts val="600"/>
-              </a:spcBef>
-              <a:spcAft>
-                <a:spcPts val="400"/>
-              </a:spcAft>
-            </a:pPr>
-            <a:r>
-              <a:rPr lang="en-US" sz="1700" dirty="0" smtClean="0"/>
-              <a:t>Normalized</a:t>
-            </a:r>
+              <a:rPr lang="en-US" sz="1400" dirty="0" smtClean="0">
+                <a:solidFill>
+                  <a:schemeClr val="tx1"/>
+                </a:solidFill>
+              </a:rPr>
+              <a:t>Passport</a:t>
+            </a:r>
+            <a:endParaRPr lang="en-US" sz="1400" dirty="0" smtClean="0">
+              <a:solidFill>
+                <a:schemeClr val="tx1"/>
+              </a:solidFill>
+            </a:endParaRPr>
           </a:p>
         </p:txBody>
       </p:sp>
     </p:spTree>
     <p:extLst>
       <p:ext uri="{BB962C8B-B14F-4D97-AF65-F5344CB8AC3E}">
-        <p14:creationId xmlns:p14="http://schemas.microsoft.com/office/powerpoint/2010/main" val="4156009953"/>
+        <p14:creationId xmlns:p14="http://schemas.microsoft.com/office/powerpoint/2010/main" val="3771611032"/>
       </p:ext>
     </p:extLst>
   </p:cSld>
@@ -14981,13 +14555,6 @@
   <p:transition xmlns:p14="http://schemas.microsoft.com/office/powerpoint/2010/main">
     <p:fade thruBlk="1"/>
   </p:transition>
-  <p:timing>
-    <p:tnLst>
-      <p:par>
-        <p:cTn xmlns:p14="http://schemas.microsoft.com/office/powerpoint/2010/main" id="1" dur="indefinite" restart="never" nodeType="tmRoot"/>
-      </p:par>
-    </p:tnLst>
-  </p:timing>
 </p:sld>
 </file>
 
@@ -15021,7 +14588,7 @@
         <p:spPr>
           <a:xfrm>
             <a:off x="321623" y="418905"/>
-            <a:ext cx="3810255" cy="307777"/>
+            <a:ext cx="3957090" cy="307777"/>
           </a:xfrm>
         </p:spPr>
         <p:txBody>
@@ -15030,7 +14597,7 @@
           <a:p>
             <a:r>
               <a:rPr lang="en-US" dirty="0" smtClean="0"/>
-              <a:t>Goals of normalization</a:t>
+              <a:t>One-to-many approach #1</a:t>
             </a:r>
             <a:endParaRPr lang="en-US" dirty="0"/>
           </a:p>
@@ -15077,16 +14644,31 @@
           <a:p>
             <a:r>
               <a:rPr lang="en-US" dirty="0" smtClean="0"/>
-              <a:t>Free database of update anomalies</a:t>
-            </a:r>
-          </a:p>
-          <a:p>
+              <a:t>Embedding</a:t>
+            </a:r>
             <a:endParaRPr lang="en-US" dirty="0"/>
           </a:p>
           <a:p>
-            <a:r>
-              <a:rPr lang="en-US" dirty="0" smtClean="0"/>
-              <a:t>Minimize redesign costs</a:t>
+            <a:endParaRPr lang="en-US" dirty="0" smtClean="0"/>
+          </a:p>
+          <a:p>
+            <a:r>
+              <a:rPr lang="en-US" dirty="0" smtClean="0"/>
+              <a:t>Works best for </a:t>
+            </a:r>
+            <a:r>
+              <a:rPr lang="en-US" i="1" dirty="0" smtClean="0"/>
+              <a:t>one-to-few</a:t>
+            </a:r>
+            <a:r>
+              <a:rPr lang="en-US" dirty="0" smtClean="0"/>
+              <a:t> cases.</a:t>
+            </a:r>
+          </a:p>
+          <a:p>
+            <a:r>
+              <a:rPr lang="en-US" dirty="0" smtClean="0"/>
+              <a:t>Access pattern should be “get carts for a user”.</a:t>
             </a:r>
           </a:p>
           <a:p>
@@ -15095,15 +14677,251 @@
           <a:p>
             <a:r>
               <a:rPr lang="en-US" dirty="0" smtClean="0"/>
-              <a:t>Avoid bias towards one access pattern</a:t>
-            </a:r>
+              <a:t>No update anomalies.</a:t>
+            </a:r>
+          </a:p>
+        </p:txBody>
+      </p:sp>
+      <p:sp>
+        <p:nvSpPr>
+          <p:cNvPr id="5" name="Rounded Rectangle 4"/>
+          <p:cNvSpPr/>
+          <p:nvPr/>
+        </p:nvSpPr>
+        <p:spPr>
+          <a:xfrm>
+            <a:off x="5384800" y="4470400"/>
+            <a:ext cx="3039650" cy="1849120"/>
+          </a:xfrm>
+          <a:prstGeom prst="roundRect">
+            <a:avLst/>
+          </a:prstGeom>
+          <a:ln/>
+        </p:spPr>
+        <p:style>
+          <a:lnRef idx="2">
+            <a:schemeClr val="accent4"/>
+          </a:lnRef>
+          <a:fillRef idx="1">
+            <a:schemeClr val="lt1"/>
+          </a:fillRef>
+          <a:effectRef idx="0">
+            <a:schemeClr val="accent4"/>
+          </a:effectRef>
+          <a:fontRef idx="minor">
+            <a:schemeClr val="dk1"/>
+          </a:fontRef>
+        </p:style>
+        <p:txBody>
+          <a:bodyPr rot="0" spcFirstLastPara="0" vertOverflow="overflow" horzOverflow="overflow" vert="horz" wrap="square" lIns="91440" tIns="45720" rIns="91440" bIns="45720" numCol="1" spcCol="0" rtlCol="0" fromWordArt="0" anchor="t" anchorCtr="0" forceAA="0" compatLnSpc="1">
+            <a:prstTxWarp prst="textNoShape">
+              <a:avLst/>
+            </a:prstTxWarp>
+            <a:noAutofit/>
+          </a:bodyPr>
+          <a:lstStyle/>
+          <a:p>
+            <a:pPr>
+              <a:spcBef>
+                <a:spcPts val="600"/>
+              </a:spcBef>
+              <a:spcAft>
+                <a:spcPts val="400"/>
+              </a:spcAft>
+            </a:pPr>
+            <a:r>
+              <a:rPr lang="en-US" sz="1400" dirty="0" smtClean="0">
+                <a:solidFill>
+                  <a:schemeClr val="tx1"/>
+                </a:solidFill>
+              </a:rPr>
+              <a:t>User</a:t>
+            </a:r>
+            <a:endParaRPr lang="en-US" sz="1400" dirty="0" smtClean="0">
+              <a:solidFill>
+                <a:schemeClr val="tx1"/>
+              </a:solidFill>
+            </a:endParaRPr>
+          </a:p>
+        </p:txBody>
+      </p:sp>
+      <p:sp>
+        <p:nvSpPr>
+          <p:cNvPr id="6" name="Rounded Rectangle 5"/>
+          <p:cNvSpPr/>
+          <p:nvPr/>
+        </p:nvSpPr>
+        <p:spPr>
+          <a:xfrm>
+            <a:off x="5843810" y="5085080"/>
+            <a:ext cx="2011680" cy="680720"/>
+          </a:xfrm>
+          <a:prstGeom prst="roundRect">
+            <a:avLst/>
+          </a:prstGeom>
+          <a:ln/>
+        </p:spPr>
+        <p:style>
+          <a:lnRef idx="2">
+            <a:schemeClr val="accent6"/>
+          </a:lnRef>
+          <a:fillRef idx="1">
+            <a:schemeClr val="lt1"/>
+          </a:fillRef>
+          <a:effectRef idx="0">
+            <a:schemeClr val="accent6"/>
+          </a:effectRef>
+          <a:fontRef idx="minor">
+            <a:schemeClr val="dk1"/>
+          </a:fontRef>
+        </p:style>
+        <p:txBody>
+          <a:bodyPr rot="0" spcFirstLastPara="0" vertOverflow="overflow" horzOverflow="overflow" vert="horz" wrap="square" lIns="91440" tIns="45720" rIns="91440" bIns="45720" numCol="1" spcCol="0" rtlCol="0" fromWordArt="0" anchor="ctr" anchorCtr="0" forceAA="0" compatLnSpc="1">
+            <a:prstTxWarp prst="textNoShape">
+              <a:avLst/>
+            </a:prstTxWarp>
+            <a:noAutofit/>
+          </a:bodyPr>
+          <a:lstStyle/>
+          <a:p>
+            <a:pPr algn="ctr">
+              <a:spcBef>
+                <a:spcPts val="600"/>
+              </a:spcBef>
+              <a:spcAft>
+                <a:spcPts val="400"/>
+              </a:spcAft>
+            </a:pPr>
+            <a:endParaRPr lang="en-US" sz="1400" dirty="0" err="1" smtClean="0">
+              <a:solidFill>
+                <a:schemeClr val="tx1"/>
+              </a:solidFill>
+            </a:endParaRPr>
+          </a:p>
+        </p:txBody>
+      </p:sp>
+      <p:sp>
+        <p:nvSpPr>
+          <p:cNvPr id="7" name="Rounded Rectangle 6"/>
+          <p:cNvSpPr/>
+          <p:nvPr/>
+        </p:nvSpPr>
+        <p:spPr>
+          <a:xfrm>
+            <a:off x="5996210" y="5237480"/>
+            <a:ext cx="2011680" cy="680720"/>
+          </a:xfrm>
+          <a:prstGeom prst="roundRect">
+            <a:avLst/>
+          </a:prstGeom>
+          <a:ln/>
+        </p:spPr>
+        <p:style>
+          <a:lnRef idx="2">
+            <a:schemeClr val="accent6"/>
+          </a:lnRef>
+          <a:fillRef idx="1">
+            <a:schemeClr val="lt1"/>
+          </a:fillRef>
+          <a:effectRef idx="0">
+            <a:schemeClr val="accent6"/>
+          </a:effectRef>
+          <a:fontRef idx="minor">
+            <a:schemeClr val="dk1"/>
+          </a:fontRef>
+        </p:style>
+        <p:txBody>
+          <a:bodyPr rot="0" spcFirstLastPara="0" vertOverflow="overflow" horzOverflow="overflow" vert="horz" wrap="square" lIns="91440" tIns="45720" rIns="91440" bIns="45720" numCol="1" spcCol="0" rtlCol="0" fromWordArt="0" anchor="ctr" anchorCtr="0" forceAA="0" compatLnSpc="1">
+            <a:prstTxWarp prst="textNoShape">
+              <a:avLst/>
+            </a:prstTxWarp>
+            <a:noAutofit/>
+          </a:bodyPr>
+          <a:lstStyle/>
+          <a:p>
+            <a:pPr algn="ctr">
+              <a:spcBef>
+                <a:spcPts val="600"/>
+              </a:spcBef>
+              <a:spcAft>
+                <a:spcPts val="400"/>
+              </a:spcAft>
+            </a:pPr>
+            <a:endParaRPr lang="en-US" sz="1400" dirty="0" err="1" smtClean="0">
+              <a:solidFill>
+                <a:schemeClr val="tx1"/>
+              </a:solidFill>
+            </a:endParaRPr>
+          </a:p>
+        </p:txBody>
+      </p:sp>
+      <p:sp>
+        <p:nvSpPr>
+          <p:cNvPr id="8" name="Rounded Rectangle 7"/>
+          <p:cNvSpPr/>
+          <p:nvPr/>
+        </p:nvSpPr>
+        <p:spPr>
+          <a:xfrm>
+            <a:off x="6148610" y="5389880"/>
+            <a:ext cx="2011680" cy="680720"/>
+          </a:xfrm>
+          <a:prstGeom prst="roundRect">
+            <a:avLst/>
+          </a:prstGeom>
+          <a:ln/>
+        </p:spPr>
+        <p:style>
+          <a:lnRef idx="2">
+            <a:schemeClr val="accent6"/>
+          </a:lnRef>
+          <a:fillRef idx="1">
+            <a:schemeClr val="lt1"/>
+          </a:fillRef>
+          <a:effectRef idx="0">
+            <a:schemeClr val="accent6"/>
+          </a:effectRef>
+          <a:fontRef idx="minor">
+            <a:schemeClr val="dk1"/>
+          </a:fontRef>
+        </p:style>
+        <p:txBody>
+          <a:bodyPr rot="0" spcFirstLastPara="0" vertOverflow="overflow" horzOverflow="overflow" vert="horz" wrap="square" lIns="91440" tIns="45720" rIns="91440" bIns="45720" numCol="1" spcCol="0" rtlCol="0" fromWordArt="0" anchor="ctr" anchorCtr="0" forceAA="0" compatLnSpc="1">
+            <a:prstTxWarp prst="textNoShape">
+              <a:avLst/>
+            </a:prstTxWarp>
+            <a:noAutofit/>
+          </a:bodyPr>
+          <a:lstStyle/>
+          <a:p>
+            <a:pPr algn="ctr">
+              <a:spcBef>
+                <a:spcPts val="600"/>
+              </a:spcBef>
+              <a:spcAft>
+                <a:spcPts val="400"/>
+              </a:spcAft>
+            </a:pPr>
+            <a:r>
+              <a:rPr lang="en-US" sz="1400" dirty="0" smtClean="0">
+                <a:solidFill>
+                  <a:schemeClr val="tx1"/>
+                </a:solidFill>
+              </a:rPr>
+              <a:t>Cart</a:t>
+            </a:r>
+            <a:endParaRPr lang="en-US" sz="1400" dirty="0" smtClean="0">
+              <a:solidFill>
+                <a:schemeClr val="tx1"/>
+              </a:solidFill>
+            </a:endParaRPr>
           </a:p>
         </p:txBody>
       </p:sp>
     </p:spTree>
     <p:extLst>
       <p:ext uri="{BB962C8B-B14F-4D97-AF65-F5344CB8AC3E}">
-        <p14:creationId xmlns:p14="http://schemas.microsoft.com/office/powerpoint/2010/main" val="3972913206"/>
+        <p14:creationId xmlns:p14="http://schemas.microsoft.com/office/powerpoint/2010/main" val="2352648728"/>
       </p:ext>
     </p:extLst>
   </p:cSld>
@@ -15113,13 +14931,6 @@
   <p:transition xmlns:p14="http://schemas.microsoft.com/office/powerpoint/2010/main">
     <p:fade thruBlk="1"/>
   </p:transition>
-  <p:timing>
-    <p:tnLst>
-      <p:par>
-        <p:cTn xmlns:p14="http://schemas.microsoft.com/office/powerpoint/2010/main" id="1" dur="indefinite" restart="never" nodeType="tmRoot"/>
-      </p:par>
-    </p:tnLst>
-  </p:timing>
 </p:sld>
 </file>
 
@@ -15153,7 +14964,7 @@
         <p:spPr>
           <a:xfrm>
             <a:off x="321623" y="418905"/>
-            <a:ext cx="4647084" cy="307777"/>
+            <a:ext cx="3957090" cy="307777"/>
           </a:xfrm>
         </p:spPr>
         <p:txBody>
@@ -15161,14 +14972,10 @@
           <a:lstStyle/>
           <a:p>
             <a:r>
-              <a:rPr lang="en-US" i="0" dirty="0" smtClean="0"/>
-              <a:t>Structuring data in </a:t>
-            </a:r>
-            <a:r>
-              <a:rPr lang="en-US" i="0" dirty="0" err="1" smtClean="0"/>
-              <a:t>Mongodb</a:t>
-            </a:r>
-            <a:endParaRPr lang="en-US" i="0" dirty="0"/>
+              <a:rPr lang="en-US" dirty="0" smtClean="0"/>
+              <a:t>One-to-many approach #2</a:t>
+            </a:r>
+            <a:endParaRPr lang="en-US" dirty="0"/>
           </a:p>
         </p:txBody>
       </p:sp>
@@ -15191,6 +14998,1738 @@
               <a:rPr lang="en-US" smtClean="0"/>
               <a:pPr/>
               <a:t>22</a:t>
+            </a:fld>
+            <a:endParaRPr lang="en-US" dirty="0"/>
+          </a:p>
+        </p:txBody>
+      </p:sp>
+      <p:sp>
+        <p:nvSpPr>
+          <p:cNvPr id="4" name="Text Placeholder 3"/>
+          <p:cNvSpPr>
+            <a:spLocks noGrp="1"/>
+          </p:cNvSpPr>
+          <p:nvPr>
+            <p:ph type="body" sz="quarter" idx="11"/>
+          </p:nvPr>
+        </p:nvSpPr>
+        <p:spPr/>
+        <p:txBody>
+          <a:bodyPr/>
+          <a:lstStyle/>
+          <a:p>
+            <a:r>
+              <a:rPr lang="en-US" dirty="0" smtClean="0"/>
+              <a:t>By embedding references</a:t>
+            </a:r>
+            <a:endParaRPr lang="en-US" dirty="0"/>
+          </a:p>
+          <a:p>
+            <a:endParaRPr lang="en-US" dirty="0" smtClean="0"/>
+          </a:p>
+          <a:p>
+            <a:r>
+              <a:rPr lang="en-US" dirty="0" smtClean="0"/>
+              <a:t>When too many carts for simple embedding to be viable.</a:t>
+            </a:r>
+          </a:p>
+          <a:p>
+            <a:r>
+              <a:rPr lang="en-US" dirty="0"/>
+              <a:t>Access pattern should be “get carts for a user”</a:t>
+            </a:r>
+            <a:r>
+              <a:rPr lang="en-US" dirty="0" smtClean="0"/>
+              <a:t>.</a:t>
+            </a:r>
+          </a:p>
+          <a:p>
+            <a:r>
+              <a:rPr lang="en-US" dirty="0" smtClean="0"/>
+              <a:t>Adds complexity to application code.</a:t>
+            </a:r>
+            <a:endParaRPr lang="en-US" dirty="0"/>
+          </a:p>
+          <a:p>
+            <a:endParaRPr lang="en-US" dirty="0"/>
+          </a:p>
+          <a:p>
+            <a:r>
+              <a:rPr lang="en-US" dirty="0" smtClean="0"/>
+              <a:t>Has update anomalies.</a:t>
+            </a:r>
+          </a:p>
+          <a:p>
+            <a:r>
+              <a:rPr lang="en-US" dirty="0" smtClean="0"/>
+              <a:t>Anomaly when a cart is deleted. A user can now reference a non existing cart.</a:t>
+            </a:r>
+          </a:p>
+        </p:txBody>
+      </p:sp>
+      <p:sp>
+        <p:nvSpPr>
+          <p:cNvPr id="5" name="Rounded Rectangle 4"/>
+          <p:cNvSpPr/>
+          <p:nvPr/>
+        </p:nvSpPr>
+        <p:spPr>
+          <a:xfrm>
+            <a:off x="2976880" y="4312920"/>
+            <a:ext cx="3039650" cy="2011680"/>
+          </a:xfrm>
+          <a:prstGeom prst="roundRect">
+            <a:avLst/>
+          </a:prstGeom>
+          <a:ln/>
+        </p:spPr>
+        <p:style>
+          <a:lnRef idx="2">
+            <a:schemeClr val="accent4"/>
+          </a:lnRef>
+          <a:fillRef idx="1">
+            <a:schemeClr val="lt1"/>
+          </a:fillRef>
+          <a:effectRef idx="0">
+            <a:schemeClr val="accent4"/>
+          </a:effectRef>
+          <a:fontRef idx="minor">
+            <a:schemeClr val="dk1"/>
+          </a:fontRef>
+        </p:style>
+        <p:txBody>
+          <a:bodyPr rot="0" spcFirstLastPara="0" vertOverflow="overflow" horzOverflow="overflow" vert="horz" wrap="square" lIns="91440" tIns="45720" rIns="91440" bIns="45720" numCol="1" spcCol="0" rtlCol="0" fromWordArt="0" anchor="t" anchorCtr="0" forceAA="0" compatLnSpc="1">
+            <a:prstTxWarp prst="textNoShape">
+              <a:avLst/>
+            </a:prstTxWarp>
+            <a:noAutofit/>
+          </a:bodyPr>
+          <a:lstStyle/>
+          <a:p>
+            <a:pPr>
+              <a:spcBef>
+                <a:spcPts val="600"/>
+              </a:spcBef>
+              <a:spcAft>
+                <a:spcPts val="400"/>
+              </a:spcAft>
+            </a:pPr>
+            <a:r>
+              <a:rPr lang="en-US" sz="1400" dirty="0" smtClean="0">
+                <a:solidFill>
+                  <a:schemeClr val="tx1"/>
+                </a:solidFill>
+              </a:rPr>
+              <a:t>User</a:t>
+            </a:r>
+          </a:p>
+          <a:p>
+            <a:pPr>
+              <a:spcBef>
+                <a:spcPts val="600"/>
+              </a:spcBef>
+              <a:spcAft>
+                <a:spcPts val="400"/>
+              </a:spcAft>
+            </a:pPr>
+            <a:r>
+              <a:rPr lang="en-US" sz="1400" dirty="0" smtClean="0">
+                <a:solidFill>
+                  <a:schemeClr val="tx1"/>
+                </a:solidFill>
+              </a:rPr>
+              <a:t>c</a:t>
+            </a:r>
+            <a:r>
+              <a:rPr lang="en-US" sz="1400" dirty="0" smtClean="0">
+                <a:solidFill>
+                  <a:schemeClr val="tx1"/>
+                </a:solidFill>
+              </a:rPr>
+              <a:t>arts: [</a:t>
+            </a:r>
+          </a:p>
+          <a:p>
+            <a:pPr>
+              <a:spcBef>
+                <a:spcPts val="600"/>
+              </a:spcBef>
+              <a:spcAft>
+                <a:spcPts val="400"/>
+              </a:spcAft>
+            </a:pPr>
+            <a:r>
+              <a:rPr lang="en-US" sz="1400" dirty="0">
+                <a:solidFill>
+                  <a:schemeClr val="tx1"/>
+                </a:solidFill>
+              </a:rPr>
+              <a:t>	</a:t>
+            </a:r>
+            <a:r>
+              <a:rPr lang="en-US" sz="1400" dirty="0" smtClean="0">
+                <a:solidFill>
+                  <a:schemeClr val="tx1"/>
+                </a:solidFill>
+              </a:rPr>
+              <a:t>9001,</a:t>
+            </a:r>
+          </a:p>
+          <a:p>
+            <a:pPr>
+              <a:spcBef>
+                <a:spcPts val="600"/>
+              </a:spcBef>
+              <a:spcAft>
+                <a:spcPts val="400"/>
+              </a:spcAft>
+            </a:pPr>
+            <a:r>
+              <a:rPr lang="en-US" sz="1400" dirty="0">
+                <a:solidFill>
+                  <a:schemeClr val="tx1"/>
+                </a:solidFill>
+              </a:rPr>
+              <a:t>	</a:t>
+            </a:r>
+            <a:r>
+              <a:rPr lang="en-US" sz="1400" dirty="0" smtClean="0">
+                <a:solidFill>
+                  <a:schemeClr val="tx1"/>
+                </a:solidFill>
+              </a:rPr>
+              <a:t>9876</a:t>
+            </a:r>
+          </a:p>
+          <a:p>
+            <a:pPr>
+              <a:spcBef>
+                <a:spcPts val="600"/>
+              </a:spcBef>
+              <a:spcAft>
+                <a:spcPts val="400"/>
+              </a:spcAft>
+            </a:pPr>
+            <a:r>
+              <a:rPr lang="en-US" sz="1400" dirty="0">
+                <a:solidFill>
+                  <a:schemeClr val="tx1"/>
+                </a:solidFill>
+              </a:rPr>
+              <a:t>]</a:t>
+            </a:r>
+            <a:endParaRPr lang="en-US" sz="1400" dirty="0" smtClean="0">
+              <a:solidFill>
+                <a:schemeClr val="tx1"/>
+              </a:solidFill>
+            </a:endParaRPr>
+          </a:p>
+        </p:txBody>
+      </p:sp>
+      <p:sp>
+        <p:nvSpPr>
+          <p:cNvPr id="6" name="Rounded Rectangle 5"/>
+          <p:cNvSpPr/>
+          <p:nvPr/>
+        </p:nvSpPr>
+        <p:spPr>
+          <a:xfrm>
+            <a:off x="6148610" y="4312920"/>
+            <a:ext cx="2011680" cy="929640"/>
+          </a:xfrm>
+          <a:prstGeom prst="roundRect">
+            <a:avLst/>
+          </a:prstGeom>
+          <a:ln/>
+        </p:spPr>
+        <p:style>
+          <a:lnRef idx="2">
+            <a:schemeClr val="accent6"/>
+          </a:lnRef>
+          <a:fillRef idx="1">
+            <a:schemeClr val="lt1"/>
+          </a:fillRef>
+          <a:effectRef idx="0">
+            <a:schemeClr val="accent6"/>
+          </a:effectRef>
+          <a:fontRef idx="minor">
+            <a:schemeClr val="dk1"/>
+          </a:fontRef>
+        </p:style>
+        <p:txBody>
+          <a:bodyPr rot="0" spcFirstLastPara="0" vertOverflow="overflow" horzOverflow="overflow" vert="horz" wrap="square" lIns="91440" tIns="45720" rIns="91440" bIns="45720" numCol="1" spcCol="0" rtlCol="0" fromWordArt="0" anchor="t" anchorCtr="0" forceAA="0" compatLnSpc="1">
+            <a:prstTxWarp prst="textNoShape">
+              <a:avLst/>
+            </a:prstTxWarp>
+            <a:noAutofit/>
+          </a:bodyPr>
+          <a:lstStyle/>
+          <a:p>
+            <a:pPr>
+              <a:spcBef>
+                <a:spcPts val="600"/>
+              </a:spcBef>
+              <a:spcAft>
+                <a:spcPts val="400"/>
+              </a:spcAft>
+            </a:pPr>
+            <a:r>
+              <a:rPr lang="en-US" sz="1400" dirty="0" smtClean="0">
+                <a:solidFill>
+                  <a:schemeClr val="tx1"/>
+                </a:solidFill>
+              </a:rPr>
+              <a:t>Cart</a:t>
+            </a:r>
+          </a:p>
+          <a:p>
+            <a:pPr>
+              <a:spcBef>
+                <a:spcPts val="600"/>
+              </a:spcBef>
+              <a:spcAft>
+                <a:spcPts val="400"/>
+              </a:spcAft>
+            </a:pPr>
+            <a:r>
+              <a:rPr lang="en-US" sz="1400" dirty="0" smtClean="0">
+                <a:solidFill>
+                  <a:schemeClr val="tx1"/>
+                </a:solidFill>
+              </a:rPr>
+              <a:t>_id: 9001</a:t>
+            </a:r>
+            <a:endParaRPr lang="en-US" sz="1400" dirty="0" smtClean="0">
+              <a:solidFill>
+                <a:schemeClr val="tx1"/>
+              </a:solidFill>
+            </a:endParaRPr>
+          </a:p>
+        </p:txBody>
+      </p:sp>
+      <p:sp>
+        <p:nvSpPr>
+          <p:cNvPr id="9" name="Rounded Rectangle 8"/>
+          <p:cNvSpPr/>
+          <p:nvPr/>
+        </p:nvSpPr>
+        <p:spPr>
+          <a:xfrm>
+            <a:off x="6148610" y="5394960"/>
+            <a:ext cx="2011680" cy="929640"/>
+          </a:xfrm>
+          <a:prstGeom prst="roundRect">
+            <a:avLst/>
+          </a:prstGeom>
+          <a:ln/>
+        </p:spPr>
+        <p:style>
+          <a:lnRef idx="2">
+            <a:schemeClr val="accent6"/>
+          </a:lnRef>
+          <a:fillRef idx="1">
+            <a:schemeClr val="lt1"/>
+          </a:fillRef>
+          <a:effectRef idx="0">
+            <a:schemeClr val="accent6"/>
+          </a:effectRef>
+          <a:fontRef idx="minor">
+            <a:schemeClr val="dk1"/>
+          </a:fontRef>
+        </p:style>
+        <p:txBody>
+          <a:bodyPr rot="0" spcFirstLastPara="0" vertOverflow="overflow" horzOverflow="overflow" vert="horz" wrap="square" lIns="91440" tIns="45720" rIns="91440" bIns="45720" numCol="1" spcCol="0" rtlCol="0" fromWordArt="0" anchor="t" anchorCtr="0" forceAA="0" compatLnSpc="1">
+            <a:prstTxWarp prst="textNoShape">
+              <a:avLst/>
+            </a:prstTxWarp>
+            <a:noAutofit/>
+          </a:bodyPr>
+          <a:lstStyle/>
+          <a:p>
+            <a:pPr>
+              <a:spcBef>
+                <a:spcPts val="600"/>
+              </a:spcBef>
+              <a:spcAft>
+                <a:spcPts val="400"/>
+              </a:spcAft>
+            </a:pPr>
+            <a:r>
+              <a:rPr lang="en-US" sz="1400" dirty="0" smtClean="0">
+                <a:solidFill>
+                  <a:schemeClr val="tx1"/>
+                </a:solidFill>
+              </a:rPr>
+              <a:t>Cart</a:t>
+            </a:r>
+          </a:p>
+          <a:p>
+            <a:pPr>
+              <a:spcBef>
+                <a:spcPts val="600"/>
+              </a:spcBef>
+              <a:spcAft>
+                <a:spcPts val="400"/>
+              </a:spcAft>
+            </a:pPr>
+            <a:r>
+              <a:rPr lang="en-US" sz="1400" dirty="0" smtClean="0">
+                <a:solidFill>
+                  <a:schemeClr val="tx1"/>
+                </a:solidFill>
+              </a:rPr>
+              <a:t>_id: 9876</a:t>
+            </a:r>
+            <a:endParaRPr lang="en-US" sz="1400" dirty="0" smtClean="0">
+              <a:solidFill>
+                <a:schemeClr val="tx1"/>
+              </a:solidFill>
+            </a:endParaRPr>
+          </a:p>
+        </p:txBody>
+      </p:sp>
+    </p:spTree>
+    <p:extLst>
+      <p:ext uri="{BB962C8B-B14F-4D97-AF65-F5344CB8AC3E}">
+        <p14:creationId xmlns:p14="http://schemas.microsoft.com/office/powerpoint/2010/main" val="708067583"/>
+      </p:ext>
+    </p:extLst>
+  </p:cSld>
+  <p:clrMapOvr>
+    <a:masterClrMapping/>
+  </p:clrMapOvr>
+  <p:transition xmlns:p14="http://schemas.microsoft.com/office/powerpoint/2010/main">
+    <p:fade thruBlk="1"/>
+  </p:transition>
+</p:sld>
+</file>
+
+<file path=ppt/slides/slide23.xml><?xml version="1.0" encoding="utf-8"?>
+<p:sld xmlns:a="http://schemas.openxmlformats.org/drawingml/2006/main" xmlns:r="http://schemas.openxmlformats.org/officeDocument/2006/relationships" xmlns:p="http://schemas.openxmlformats.org/presentationml/2006/main">
+  <p:cSld>
+    <p:spTree>
+      <p:nvGrpSpPr>
+        <p:cNvPr id="1" name=""/>
+        <p:cNvGrpSpPr/>
+        <p:nvPr/>
+      </p:nvGrpSpPr>
+      <p:grpSpPr>
+        <a:xfrm>
+          <a:off x="0" y="0"/>
+          <a:ext cx="0" cy="0"/>
+          <a:chOff x="0" y="0"/>
+          <a:chExt cx="0" cy="0"/>
+        </a:xfrm>
+      </p:grpSpPr>
+      <p:sp>
+        <p:nvSpPr>
+          <p:cNvPr id="2" name="Title 1"/>
+          <p:cNvSpPr>
+            <a:spLocks noGrp="1"/>
+          </p:cNvSpPr>
+          <p:nvPr>
+            <p:ph type="title"/>
+          </p:nvPr>
+        </p:nvSpPr>
+        <p:spPr>
+          <a:xfrm>
+            <a:off x="321623" y="418905"/>
+            <a:ext cx="3957090" cy="307777"/>
+          </a:xfrm>
+        </p:spPr>
+        <p:txBody>
+          <a:bodyPr/>
+          <a:lstStyle/>
+          <a:p>
+            <a:r>
+              <a:rPr lang="en-US" dirty="0" smtClean="0"/>
+              <a:t>One-to-many approach #2</a:t>
+            </a:r>
+            <a:endParaRPr lang="en-US" dirty="0"/>
+          </a:p>
+        </p:txBody>
+      </p:sp>
+      <p:sp>
+        <p:nvSpPr>
+          <p:cNvPr id="3" name="Slide Number Placeholder 2"/>
+          <p:cNvSpPr>
+            <a:spLocks noGrp="1"/>
+          </p:cNvSpPr>
+          <p:nvPr>
+            <p:ph type="sldNum" sz="quarter" idx="10"/>
+          </p:nvPr>
+        </p:nvSpPr>
+        <p:spPr/>
+        <p:txBody>
+          <a:bodyPr/>
+          <a:lstStyle/>
+          <a:p>
+            <a:fld id="{FF67BF5B-7344-D747-A0C2-CBD7B2ACBC85}" type="slidenum">
+              <a:rPr lang="en-US" smtClean="0"/>
+              <a:pPr/>
+              <a:t>23</a:t>
+            </a:fld>
+            <a:endParaRPr lang="en-US" dirty="0"/>
+          </a:p>
+        </p:txBody>
+      </p:sp>
+      <p:sp>
+        <p:nvSpPr>
+          <p:cNvPr id="4" name="Text Placeholder 3"/>
+          <p:cNvSpPr>
+            <a:spLocks noGrp="1"/>
+          </p:cNvSpPr>
+          <p:nvPr>
+            <p:ph type="body" sz="quarter" idx="11"/>
+          </p:nvPr>
+        </p:nvSpPr>
+        <p:spPr/>
+        <p:txBody>
+          <a:bodyPr/>
+          <a:lstStyle/>
+          <a:p>
+            <a:r>
+              <a:rPr lang="en-US" dirty="0" smtClean="0"/>
+              <a:t>By reference</a:t>
+            </a:r>
+            <a:endParaRPr lang="en-US" dirty="0"/>
+          </a:p>
+          <a:p>
+            <a:endParaRPr lang="en-US" dirty="0" smtClean="0"/>
+          </a:p>
+          <a:p>
+            <a:r>
+              <a:rPr lang="en-US" dirty="0" smtClean="0"/>
+              <a:t>When one-to-truly-many.</a:t>
+            </a:r>
+          </a:p>
+          <a:p>
+            <a:r>
+              <a:rPr lang="en-US" dirty="0" smtClean="0"/>
+              <a:t>Does not dictate access pattern, but adds complexity to application code.</a:t>
+            </a:r>
+          </a:p>
+          <a:p>
+            <a:endParaRPr lang="en-US" dirty="0"/>
+          </a:p>
+          <a:p>
+            <a:r>
+              <a:rPr lang="en-US" dirty="0" smtClean="0"/>
+              <a:t>Has update anomalies.</a:t>
+            </a:r>
+          </a:p>
+          <a:p>
+            <a:r>
+              <a:rPr lang="en-US" dirty="0" smtClean="0"/>
+              <a:t>Anomaly when a user is deleted. Carts can now reference a non existing User.</a:t>
+            </a:r>
+          </a:p>
+        </p:txBody>
+      </p:sp>
+      <p:sp>
+        <p:nvSpPr>
+          <p:cNvPr id="5" name="Rounded Rectangle 4"/>
+          <p:cNvSpPr/>
+          <p:nvPr/>
+        </p:nvSpPr>
+        <p:spPr>
+          <a:xfrm>
+            <a:off x="2976880" y="4312920"/>
+            <a:ext cx="3039650" cy="2011680"/>
+          </a:xfrm>
+          <a:prstGeom prst="roundRect">
+            <a:avLst/>
+          </a:prstGeom>
+          <a:ln/>
+        </p:spPr>
+        <p:style>
+          <a:lnRef idx="2">
+            <a:schemeClr val="accent4"/>
+          </a:lnRef>
+          <a:fillRef idx="1">
+            <a:schemeClr val="lt1"/>
+          </a:fillRef>
+          <a:effectRef idx="0">
+            <a:schemeClr val="accent4"/>
+          </a:effectRef>
+          <a:fontRef idx="minor">
+            <a:schemeClr val="dk1"/>
+          </a:fontRef>
+        </p:style>
+        <p:txBody>
+          <a:bodyPr rot="0" spcFirstLastPara="0" vertOverflow="overflow" horzOverflow="overflow" vert="horz" wrap="square" lIns="91440" tIns="45720" rIns="91440" bIns="45720" numCol="1" spcCol="0" rtlCol="0" fromWordArt="0" anchor="t" anchorCtr="0" forceAA="0" compatLnSpc="1">
+            <a:prstTxWarp prst="textNoShape">
+              <a:avLst/>
+            </a:prstTxWarp>
+            <a:noAutofit/>
+          </a:bodyPr>
+          <a:lstStyle/>
+          <a:p>
+            <a:pPr>
+              <a:spcBef>
+                <a:spcPts val="600"/>
+              </a:spcBef>
+              <a:spcAft>
+                <a:spcPts val="400"/>
+              </a:spcAft>
+            </a:pPr>
+            <a:r>
+              <a:rPr lang="en-US" sz="1400" dirty="0" smtClean="0">
+                <a:solidFill>
+                  <a:schemeClr val="tx1"/>
+                </a:solidFill>
+              </a:rPr>
+              <a:t>User</a:t>
+            </a:r>
+          </a:p>
+          <a:p>
+            <a:pPr>
+              <a:spcBef>
+                <a:spcPts val="600"/>
+              </a:spcBef>
+              <a:spcAft>
+                <a:spcPts val="400"/>
+              </a:spcAft>
+            </a:pPr>
+            <a:r>
+              <a:rPr lang="en-US" sz="1400" dirty="0" smtClean="0">
+                <a:solidFill>
+                  <a:schemeClr val="tx1"/>
+                </a:solidFill>
+              </a:rPr>
+              <a:t>_id: 42</a:t>
+            </a:r>
+            <a:endParaRPr lang="en-US" sz="1400" dirty="0" smtClean="0">
+              <a:solidFill>
+                <a:schemeClr val="tx1"/>
+              </a:solidFill>
+            </a:endParaRPr>
+          </a:p>
+        </p:txBody>
+      </p:sp>
+      <p:sp>
+        <p:nvSpPr>
+          <p:cNvPr id="6" name="Rounded Rectangle 5"/>
+          <p:cNvSpPr/>
+          <p:nvPr/>
+        </p:nvSpPr>
+        <p:spPr>
+          <a:xfrm>
+            <a:off x="6148610" y="4312920"/>
+            <a:ext cx="2011680" cy="929640"/>
+          </a:xfrm>
+          <a:prstGeom prst="roundRect">
+            <a:avLst/>
+          </a:prstGeom>
+          <a:ln/>
+        </p:spPr>
+        <p:style>
+          <a:lnRef idx="2">
+            <a:schemeClr val="accent6"/>
+          </a:lnRef>
+          <a:fillRef idx="1">
+            <a:schemeClr val="lt1"/>
+          </a:fillRef>
+          <a:effectRef idx="0">
+            <a:schemeClr val="accent6"/>
+          </a:effectRef>
+          <a:fontRef idx="minor">
+            <a:schemeClr val="dk1"/>
+          </a:fontRef>
+        </p:style>
+        <p:txBody>
+          <a:bodyPr rot="0" spcFirstLastPara="0" vertOverflow="overflow" horzOverflow="overflow" vert="horz" wrap="square" lIns="91440" tIns="45720" rIns="91440" bIns="45720" numCol="1" spcCol="0" rtlCol="0" fromWordArt="0" anchor="t" anchorCtr="0" forceAA="0" compatLnSpc="1">
+            <a:prstTxWarp prst="textNoShape">
+              <a:avLst/>
+            </a:prstTxWarp>
+            <a:noAutofit/>
+          </a:bodyPr>
+          <a:lstStyle/>
+          <a:p>
+            <a:pPr>
+              <a:spcBef>
+                <a:spcPts val="600"/>
+              </a:spcBef>
+              <a:spcAft>
+                <a:spcPts val="400"/>
+              </a:spcAft>
+            </a:pPr>
+            <a:r>
+              <a:rPr lang="en-US" sz="1400" dirty="0" smtClean="0">
+                <a:solidFill>
+                  <a:schemeClr val="tx1"/>
+                </a:solidFill>
+              </a:rPr>
+              <a:t>Cart</a:t>
+            </a:r>
+          </a:p>
+          <a:p>
+            <a:pPr>
+              <a:spcBef>
+                <a:spcPts val="600"/>
+              </a:spcBef>
+              <a:spcAft>
+                <a:spcPts val="400"/>
+              </a:spcAft>
+            </a:pPr>
+            <a:r>
+              <a:rPr lang="en-US" sz="1400" dirty="0" err="1" smtClean="0">
+                <a:solidFill>
+                  <a:schemeClr val="tx1"/>
+                </a:solidFill>
+              </a:rPr>
+              <a:t>userId</a:t>
+            </a:r>
+            <a:r>
+              <a:rPr lang="en-US" sz="1400" dirty="0" smtClean="0">
+                <a:solidFill>
+                  <a:schemeClr val="tx1"/>
+                </a:solidFill>
+              </a:rPr>
+              <a:t>: 42</a:t>
+            </a:r>
+            <a:endParaRPr lang="en-US" sz="1400" dirty="0" smtClean="0">
+              <a:solidFill>
+                <a:schemeClr val="tx1"/>
+              </a:solidFill>
+            </a:endParaRPr>
+          </a:p>
+        </p:txBody>
+      </p:sp>
+      <p:sp>
+        <p:nvSpPr>
+          <p:cNvPr id="9" name="Rounded Rectangle 8"/>
+          <p:cNvSpPr/>
+          <p:nvPr/>
+        </p:nvSpPr>
+        <p:spPr>
+          <a:xfrm>
+            <a:off x="6148610" y="5394960"/>
+            <a:ext cx="2011680" cy="929640"/>
+          </a:xfrm>
+          <a:prstGeom prst="roundRect">
+            <a:avLst/>
+          </a:prstGeom>
+          <a:ln/>
+        </p:spPr>
+        <p:style>
+          <a:lnRef idx="2">
+            <a:schemeClr val="accent6"/>
+          </a:lnRef>
+          <a:fillRef idx="1">
+            <a:schemeClr val="lt1"/>
+          </a:fillRef>
+          <a:effectRef idx="0">
+            <a:schemeClr val="accent6"/>
+          </a:effectRef>
+          <a:fontRef idx="minor">
+            <a:schemeClr val="dk1"/>
+          </a:fontRef>
+        </p:style>
+        <p:txBody>
+          <a:bodyPr rot="0" spcFirstLastPara="0" vertOverflow="overflow" horzOverflow="overflow" vert="horz" wrap="square" lIns="91440" tIns="45720" rIns="91440" bIns="45720" numCol="1" spcCol="0" rtlCol="0" fromWordArt="0" anchor="t" anchorCtr="0" forceAA="0" compatLnSpc="1">
+            <a:prstTxWarp prst="textNoShape">
+              <a:avLst/>
+            </a:prstTxWarp>
+            <a:noAutofit/>
+          </a:bodyPr>
+          <a:lstStyle/>
+          <a:p>
+            <a:pPr>
+              <a:spcBef>
+                <a:spcPts val="600"/>
+              </a:spcBef>
+              <a:spcAft>
+                <a:spcPts val="400"/>
+              </a:spcAft>
+            </a:pPr>
+            <a:r>
+              <a:rPr lang="en-US" sz="1400" dirty="0" smtClean="0">
+                <a:solidFill>
+                  <a:schemeClr val="tx1"/>
+                </a:solidFill>
+              </a:rPr>
+              <a:t>Cart</a:t>
+            </a:r>
+          </a:p>
+          <a:p>
+            <a:pPr>
+              <a:spcBef>
+                <a:spcPts val="600"/>
+              </a:spcBef>
+              <a:spcAft>
+                <a:spcPts val="400"/>
+              </a:spcAft>
+            </a:pPr>
+            <a:r>
+              <a:rPr lang="en-US" sz="1400" dirty="0" err="1" smtClean="0">
+                <a:solidFill>
+                  <a:schemeClr val="tx1"/>
+                </a:solidFill>
+              </a:rPr>
+              <a:t>userId</a:t>
+            </a:r>
+            <a:r>
+              <a:rPr lang="en-US" sz="1400" dirty="0" smtClean="0">
+                <a:solidFill>
+                  <a:schemeClr val="tx1"/>
+                </a:solidFill>
+              </a:rPr>
+              <a:t>: 42</a:t>
+            </a:r>
+            <a:endParaRPr lang="en-US" sz="1400" dirty="0" smtClean="0">
+              <a:solidFill>
+                <a:schemeClr val="tx1"/>
+              </a:solidFill>
+            </a:endParaRPr>
+          </a:p>
+        </p:txBody>
+      </p:sp>
+    </p:spTree>
+    <p:extLst>
+      <p:ext uri="{BB962C8B-B14F-4D97-AF65-F5344CB8AC3E}">
+        <p14:creationId xmlns:p14="http://schemas.microsoft.com/office/powerpoint/2010/main" val="1682349576"/>
+      </p:ext>
+    </p:extLst>
+  </p:cSld>
+  <p:clrMapOvr>
+    <a:masterClrMapping/>
+  </p:clrMapOvr>
+  <p:transition xmlns:p14="http://schemas.microsoft.com/office/powerpoint/2010/main">
+    <p:fade thruBlk="1"/>
+  </p:transition>
+</p:sld>
+</file>
+
+<file path=ppt/slides/slide24.xml><?xml version="1.0" encoding="utf-8"?>
+<p:sld xmlns:a="http://schemas.openxmlformats.org/drawingml/2006/main" xmlns:r="http://schemas.openxmlformats.org/officeDocument/2006/relationships" xmlns:p="http://schemas.openxmlformats.org/presentationml/2006/main">
+  <p:cSld>
+    <p:spTree>
+      <p:nvGrpSpPr>
+        <p:cNvPr id="1" name=""/>
+        <p:cNvGrpSpPr/>
+        <p:nvPr/>
+      </p:nvGrpSpPr>
+      <p:grpSpPr>
+        <a:xfrm>
+          <a:off x="0" y="0"/>
+          <a:ext cx="0" cy="0"/>
+          <a:chOff x="0" y="0"/>
+          <a:chExt cx="0" cy="0"/>
+        </a:xfrm>
+      </p:grpSpPr>
+      <p:sp>
+        <p:nvSpPr>
+          <p:cNvPr id="2" name="Title 1"/>
+          <p:cNvSpPr>
+            <a:spLocks noGrp="1"/>
+          </p:cNvSpPr>
+          <p:nvPr>
+            <p:ph type="title"/>
+          </p:nvPr>
+        </p:nvSpPr>
+        <p:spPr>
+          <a:xfrm>
+            <a:off x="321623" y="418905"/>
+            <a:ext cx="3957090" cy="307777"/>
+          </a:xfrm>
+        </p:spPr>
+        <p:txBody>
+          <a:bodyPr/>
+          <a:lstStyle/>
+          <a:p>
+            <a:r>
+              <a:rPr lang="en-US" dirty="0" smtClean="0"/>
+              <a:t>One-to-many approach #4</a:t>
+            </a:r>
+            <a:endParaRPr lang="en-US" dirty="0"/>
+          </a:p>
+        </p:txBody>
+      </p:sp>
+      <p:sp>
+        <p:nvSpPr>
+          <p:cNvPr id="3" name="Slide Number Placeholder 2"/>
+          <p:cNvSpPr>
+            <a:spLocks noGrp="1"/>
+          </p:cNvSpPr>
+          <p:nvPr>
+            <p:ph type="sldNum" sz="quarter" idx="10"/>
+          </p:nvPr>
+        </p:nvSpPr>
+        <p:spPr/>
+        <p:txBody>
+          <a:bodyPr/>
+          <a:lstStyle/>
+          <a:p>
+            <a:fld id="{FF67BF5B-7344-D747-A0C2-CBD7B2ACBC85}" type="slidenum">
+              <a:rPr lang="en-US" smtClean="0"/>
+              <a:pPr/>
+              <a:t>24</a:t>
+            </a:fld>
+            <a:endParaRPr lang="en-US" dirty="0"/>
+          </a:p>
+        </p:txBody>
+      </p:sp>
+      <p:sp>
+        <p:nvSpPr>
+          <p:cNvPr id="4" name="Text Placeholder 3"/>
+          <p:cNvSpPr>
+            <a:spLocks noGrp="1"/>
+          </p:cNvSpPr>
+          <p:nvPr>
+            <p:ph type="body" sz="quarter" idx="11"/>
+          </p:nvPr>
+        </p:nvSpPr>
+        <p:spPr/>
+        <p:txBody>
+          <a:bodyPr/>
+          <a:lstStyle/>
+          <a:p>
+            <a:r>
+              <a:rPr lang="en-US" dirty="0" smtClean="0"/>
+              <a:t>By </a:t>
+            </a:r>
+            <a:r>
+              <a:rPr lang="en-US" dirty="0" err="1" smtClean="0"/>
+              <a:t>denormalizing</a:t>
+            </a:r>
+            <a:endParaRPr lang="en-US" dirty="0"/>
+          </a:p>
+          <a:p>
+            <a:endParaRPr lang="en-US" dirty="0" smtClean="0"/>
+          </a:p>
+          <a:p>
+            <a:r>
+              <a:rPr lang="en-US" dirty="0" smtClean="0"/>
+              <a:t>When one-to-many.</a:t>
+            </a:r>
+          </a:p>
+          <a:p>
+            <a:r>
+              <a:rPr lang="en-US" dirty="0" smtClean="0"/>
+              <a:t>Access pattern should be “Get all carts and project cart content and customer”.</a:t>
+            </a:r>
+          </a:p>
+          <a:p>
+            <a:endParaRPr lang="en-US" dirty="0"/>
+          </a:p>
+          <a:p>
+            <a:r>
+              <a:rPr lang="en-US" dirty="0" smtClean="0"/>
+              <a:t>Has update anomalies.</a:t>
+            </a:r>
+          </a:p>
+          <a:p>
+            <a:r>
+              <a:rPr lang="en-US" dirty="0" smtClean="0"/>
+              <a:t>No user document in this approach. Updating user information is tedious.</a:t>
+            </a:r>
+            <a:endParaRPr lang="en-US" dirty="0"/>
+          </a:p>
+          <a:p>
+            <a:r>
+              <a:rPr lang="en-US" dirty="0" smtClean="0"/>
+              <a:t>Larger disk footprint per cart.</a:t>
+            </a:r>
+          </a:p>
+        </p:txBody>
+      </p:sp>
+      <p:sp>
+        <p:nvSpPr>
+          <p:cNvPr id="6" name="Rounded Rectangle 5"/>
+          <p:cNvSpPr/>
+          <p:nvPr/>
+        </p:nvSpPr>
+        <p:spPr>
+          <a:xfrm>
+            <a:off x="5405120" y="3749040"/>
+            <a:ext cx="2755170" cy="1209040"/>
+          </a:xfrm>
+          <a:prstGeom prst="roundRect">
+            <a:avLst/>
+          </a:prstGeom>
+          <a:ln/>
+        </p:spPr>
+        <p:style>
+          <a:lnRef idx="2">
+            <a:schemeClr val="accent6"/>
+          </a:lnRef>
+          <a:fillRef idx="1">
+            <a:schemeClr val="lt1"/>
+          </a:fillRef>
+          <a:effectRef idx="0">
+            <a:schemeClr val="accent6"/>
+          </a:effectRef>
+          <a:fontRef idx="minor">
+            <a:schemeClr val="dk1"/>
+          </a:fontRef>
+        </p:style>
+        <p:txBody>
+          <a:bodyPr rot="0" spcFirstLastPara="0" vertOverflow="overflow" horzOverflow="overflow" vert="horz" wrap="square" lIns="91440" tIns="45720" rIns="91440" bIns="45720" numCol="1" spcCol="0" rtlCol="0" fromWordArt="0" anchor="t" anchorCtr="0" forceAA="0" compatLnSpc="1">
+            <a:prstTxWarp prst="textNoShape">
+              <a:avLst/>
+            </a:prstTxWarp>
+            <a:noAutofit/>
+          </a:bodyPr>
+          <a:lstStyle/>
+          <a:p>
+            <a:pPr>
+              <a:spcBef>
+                <a:spcPts val="600"/>
+              </a:spcBef>
+              <a:spcAft>
+                <a:spcPts val="400"/>
+              </a:spcAft>
+            </a:pPr>
+            <a:r>
+              <a:rPr lang="en-US" sz="1400" dirty="0" smtClean="0">
+                <a:solidFill>
+                  <a:schemeClr val="tx1"/>
+                </a:solidFill>
+              </a:rPr>
+              <a:t>Cart</a:t>
+            </a:r>
+          </a:p>
+          <a:p>
+            <a:pPr>
+              <a:spcBef>
+                <a:spcPts val="600"/>
+              </a:spcBef>
+              <a:spcAft>
+                <a:spcPts val="400"/>
+              </a:spcAft>
+            </a:pPr>
+            <a:r>
+              <a:rPr lang="en-US" sz="1400" dirty="0" err="1" smtClean="0">
+                <a:solidFill>
+                  <a:schemeClr val="tx1"/>
+                </a:solidFill>
+              </a:rPr>
+              <a:t>userId</a:t>
+            </a:r>
+            <a:r>
+              <a:rPr lang="en-US" sz="1400" dirty="0" smtClean="0">
+                <a:solidFill>
+                  <a:schemeClr val="tx1"/>
+                </a:solidFill>
+              </a:rPr>
+              <a:t>: 42,</a:t>
+            </a:r>
+          </a:p>
+          <a:p>
+            <a:pPr>
+              <a:spcBef>
+                <a:spcPts val="600"/>
+              </a:spcBef>
+              <a:spcAft>
+                <a:spcPts val="400"/>
+              </a:spcAft>
+            </a:pPr>
+            <a:r>
+              <a:rPr lang="en-US" sz="1400" dirty="0" smtClean="0">
+                <a:solidFill>
+                  <a:schemeClr val="tx1"/>
+                </a:solidFill>
+              </a:rPr>
+              <a:t>Username: “Happy Customer”</a:t>
+            </a:r>
+          </a:p>
+        </p:txBody>
+      </p:sp>
+      <p:sp>
+        <p:nvSpPr>
+          <p:cNvPr id="8" name="Rounded Rectangle 7"/>
+          <p:cNvSpPr/>
+          <p:nvPr/>
+        </p:nvSpPr>
+        <p:spPr>
+          <a:xfrm>
+            <a:off x="5405120" y="5110480"/>
+            <a:ext cx="2755170" cy="1209040"/>
+          </a:xfrm>
+          <a:prstGeom prst="roundRect">
+            <a:avLst/>
+          </a:prstGeom>
+          <a:ln/>
+        </p:spPr>
+        <p:style>
+          <a:lnRef idx="2">
+            <a:schemeClr val="accent6"/>
+          </a:lnRef>
+          <a:fillRef idx="1">
+            <a:schemeClr val="lt1"/>
+          </a:fillRef>
+          <a:effectRef idx="0">
+            <a:schemeClr val="accent6"/>
+          </a:effectRef>
+          <a:fontRef idx="minor">
+            <a:schemeClr val="dk1"/>
+          </a:fontRef>
+        </p:style>
+        <p:txBody>
+          <a:bodyPr rot="0" spcFirstLastPara="0" vertOverflow="overflow" horzOverflow="overflow" vert="horz" wrap="square" lIns="91440" tIns="45720" rIns="91440" bIns="45720" numCol="1" spcCol="0" rtlCol="0" fromWordArt="0" anchor="t" anchorCtr="0" forceAA="0" compatLnSpc="1">
+            <a:prstTxWarp prst="textNoShape">
+              <a:avLst/>
+            </a:prstTxWarp>
+            <a:noAutofit/>
+          </a:bodyPr>
+          <a:lstStyle/>
+          <a:p>
+            <a:pPr>
+              <a:spcBef>
+                <a:spcPts val="600"/>
+              </a:spcBef>
+              <a:spcAft>
+                <a:spcPts val="400"/>
+              </a:spcAft>
+            </a:pPr>
+            <a:r>
+              <a:rPr lang="en-US" sz="1400" dirty="0" smtClean="0">
+                <a:solidFill>
+                  <a:schemeClr val="tx1"/>
+                </a:solidFill>
+              </a:rPr>
+              <a:t>Cart</a:t>
+            </a:r>
+          </a:p>
+          <a:p>
+            <a:pPr>
+              <a:spcBef>
+                <a:spcPts val="600"/>
+              </a:spcBef>
+              <a:spcAft>
+                <a:spcPts val="400"/>
+              </a:spcAft>
+            </a:pPr>
+            <a:r>
+              <a:rPr lang="en-US" sz="1400" dirty="0" err="1" smtClean="0">
+                <a:solidFill>
+                  <a:schemeClr val="tx1"/>
+                </a:solidFill>
+              </a:rPr>
+              <a:t>userId</a:t>
+            </a:r>
+            <a:r>
+              <a:rPr lang="en-US" sz="1400" dirty="0" smtClean="0">
+                <a:solidFill>
+                  <a:schemeClr val="tx1"/>
+                </a:solidFill>
+              </a:rPr>
+              <a:t>: 42,</a:t>
+            </a:r>
+          </a:p>
+          <a:p>
+            <a:pPr>
+              <a:spcBef>
+                <a:spcPts val="600"/>
+              </a:spcBef>
+              <a:spcAft>
+                <a:spcPts val="400"/>
+              </a:spcAft>
+            </a:pPr>
+            <a:r>
+              <a:rPr lang="en-US" sz="1400" dirty="0" smtClean="0">
+                <a:solidFill>
+                  <a:schemeClr val="tx1"/>
+                </a:solidFill>
+              </a:rPr>
+              <a:t>Username: “Happy Customer”</a:t>
+            </a:r>
+          </a:p>
+        </p:txBody>
+      </p:sp>
+    </p:spTree>
+    <p:extLst>
+      <p:ext uri="{BB962C8B-B14F-4D97-AF65-F5344CB8AC3E}">
+        <p14:creationId xmlns:p14="http://schemas.microsoft.com/office/powerpoint/2010/main" val="52466509"/>
+      </p:ext>
+    </p:extLst>
+  </p:cSld>
+  <p:clrMapOvr>
+    <a:masterClrMapping/>
+  </p:clrMapOvr>
+  <p:transition xmlns:p14="http://schemas.microsoft.com/office/powerpoint/2010/main">
+    <p:fade thruBlk="1"/>
+  </p:transition>
+</p:sld>
+</file>
+
+<file path=ppt/slides/slide25.xml><?xml version="1.0" encoding="utf-8"?>
+<p:sld xmlns:a="http://schemas.openxmlformats.org/drawingml/2006/main" xmlns:r="http://schemas.openxmlformats.org/officeDocument/2006/relationships" xmlns:p="http://schemas.openxmlformats.org/presentationml/2006/main">
+  <p:cSld>
+    <p:spTree>
+      <p:nvGrpSpPr>
+        <p:cNvPr id="1" name=""/>
+        <p:cNvGrpSpPr/>
+        <p:nvPr/>
+      </p:nvGrpSpPr>
+      <p:grpSpPr>
+        <a:xfrm>
+          <a:off x="0" y="0"/>
+          <a:ext cx="0" cy="0"/>
+          <a:chOff x="0" y="0"/>
+          <a:chExt cx="0" cy="0"/>
+        </a:xfrm>
+      </p:grpSpPr>
+      <p:sp>
+        <p:nvSpPr>
+          <p:cNvPr id="2" name="Title 1"/>
+          <p:cNvSpPr>
+            <a:spLocks noGrp="1"/>
+          </p:cNvSpPr>
+          <p:nvPr>
+            <p:ph type="title"/>
+          </p:nvPr>
+        </p:nvSpPr>
+        <p:spPr>
+          <a:xfrm>
+            <a:off x="321623" y="418905"/>
+            <a:ext cx="3828704" cy="307777"/>
+          </a:xfrm>
+        </p:spPr>
+        <p:txBody>
+          <a:bodyPr/>
+          <a:lstStyle/>
+          <a:p>
+            <a:r>
+              <a:rPr lang="en-US" dirty="0" smtClean="0"/>
+              <a:t>Many-to-many approach</a:t>
+            </a:r>
+            <a:endParaRPr lang="en-US" dirty="0"/>
+          </a:p>
+        </p:txBody>
+      </p:sp>
+      <p:sp>
+        <p:nvSpPr>
+          <p:cNvPr id="3" name="Slide Number Placeholder 2"/>
+          <p:cNvSpPr>
+            <a:spLocks noGrp="1"/>
+          </p:cNvSpPr>
+          <p:nvPr>
+            <p:ph type="sldNum" sz="quarter" idx="10"/>
+          </p:nvPr>
+        </p:nvSpPr>
+        <p:spPr/>
+        <p:txBody>
+          <a:bodyPr/>
+          <a:lstStyle/>
+          <a:p>
+            <a:fld id="{FF67BF5B-7344-D747-A0C2-CBD7B2ACBC85}" type="slidenum">
+              <a:rPr lang="en-US" smtClean="0"/>
+              <a:pPr/>
+              <a:t>25</a:t>
+            </a:fld>
+            <a:endParaRPr lang="en-US" dirty="0"/>
+          </a:p>
+        </p:txBody>
+      </p:sp>
+      <p:sp>
+        <p:nvSpPr>
+          <p:cNvPr id="4" name="Text Placeholder 3"/>
+          <p:cNvSpPr>
+            <a:spLocks noGrp="1"/>
+          </p:cNvSpPr>
+          <p:nvPr>
+            <p:ph type="body" sz="quarter" idx="11"/>
+          </p:nvPr>
+        </p:nvSpPr>
+        <p:spPr/>
+        <p:txBody>
+          <a:bodyPr/>
+          <a:lstStyle/>
+          <a:p>
+            <a:endParaRPr lang="en-US" dirty="0" smtClean="0"/>
+          </a:p>
+          <a:p>
+            <a:endParaRPr lang="en-US" dirty="0"/>
+          </a:p>
+          <a:p>
+            <a:r>
+              <a:rPr lang="en-US" dirty="0" smtClean="0"/>
+              <a:t>Complexity in application code.</a:t>
+            </a:r>
+          </a:p>
+          <a:p>
+            <a:endParaRPr lang="en-US" dirty="0"/>
+          </a:p>
+          <a:p>
+            <a:r>
+              <a:rPr lang="en-US" dirty="0" smtClean="0"/>
+              <a:t>Have update anomalies.</a:t>
+            </a:r>
+          </a:p>
+        </p:txBody>
+      </p:sp>
+      <p:sp>
+        <p:nvSpPr>
+          <p:cNvPr id="7" name="Rounded Rectangle 6"/>
+          <p:cNvSpPr/>
+          <p:nvPr/>
+        </p:nvSpPr>
+        <p:spPr>
+          <a:xfrm>
+            <a:off x="629920" y="3749040"/>
+            <a:ext cx="3039650" cy="2301240"/>
+          </a:xfrm>
+          <a:prstGeom prst="roundRect">
+            <a:avLst/>
+          </a:prstGeom>
+          <a:ln/>
+        </p:spPr>
+        <p:style>
+          <a:lnRef idx="2">
+            <a:schemeClr val="accent4"/>
+          </a:lnRef>
+          <a:fillRef idx="1">
+            <a:schemeClr val="lt1"/>
+          </a:fillRef>
+          <a:effectRef idx="0">
+            <a:schemeClr val="accent4"/>
+          </a:effectRef>
+          <a:fontRef idx="minor">
+            <a:schemeClr val="dk1"/>
+          </a:fontRef>
+        </p:style>
+        <p:txBody>
+          <a:bodyPr rot="0" spcFirstLastPara="0" vertOverflow="overflow" horzOverflow="overflow" vert="horz" wrap="square" lIns="91440" tIns="45720" rIns="91440" bIns="45720" numCol="1" spcCol="0" rtlCol="0" fromWordArt="0" anchor="t" anchorCtr="0" forceAA="0" compatLnSpc="1">
+            <a:prstTxWarp prst="textNoShape">
+              <a:avLst/>
+            </a:prstTxWarp>
+            <a:noAutofit/>
+          </a:bodyPr>
+          <a:lstStyle/>
+          <a:p>
+            <a:pPr>
+              <a:spcBef>
+                <a:spcPts val="600"/>
+              </a:spcBef>
+              <a:spcAft>
+                <a:spcPts val="400"/>
+              </a:spcAft>
+            </a:pPr>
+            <a:r>
+              <a:rPr lang="en-US" sz="1400" dirty="0" smtClean="0">
+                <a:solidFill>
+                  <a:schemeClr val="tx1"/>
+                </a:solidFill>
+              </a:rPr>
+              <a:t>User</a:t>
+            </a:r>
+          </a:p>
+          <a:p>
+            <a:pPr>
+              <a:spcBef>
+                <a:spcPts val="600"/>
+              </a:spcBef>
+              <a:spcAft>
+                <a:spcPts val="400"/>
+              </a:spcAft>
+            </a:pPr>
+            <a:r>
+              <a:rPr lang="en-US" sz="1400" dirty="0" smtClean="0">
+                <a:solidFill>
+                  <a:schemeClr val="tx1"/>
+                </a:solidFill>
+              </a:rPr>
+              <a:t>_id: 42</a:t>
+            </a:r>
+            <a:endParaRPr lang="en-US" sz="1400" dirty="0">
+              <a:solidFill>
+                <a:schemeClr val="tx1"/>
+              </a:solidFill>
+            </a:endParaRPr>
+          </a:p>
+          <a:p>
+            <a:pPr>
+              <a:spcBef>
+                <a:spcPts val="600"/>
+              </a:spcBef>
+              <a:spcAft>
+                <a:spcPts val="400"/>
+              </a:spcAft>
+            </a:pPr>
+            <a:r>
+              <a:rPr lang="en-US" sz="1400" dirty="0" smtClean="0">
+                <a:solidFill>
+                  <a:schemeClr val="tx1"/>
+                </a:solidFill>
+              </a:rPr>
+              <a:t>friends: [</a:t>
+            </a:r>
+          </a:p>
+          <a:p>
+            <a:pPr>
+              <a:spcBef>
+                <a:spcPts val="600"/>
+              </a:spcBef>
+              <a:spcAft>
+                <a:spcPts val="400"/>
+              </a:spcAft>
+            </a:pPr>
+            <a:r>
+              <a:rPr lang="en-US" sz="1400" dirty="0">
+                <a:solidFill>
+                  <a:schemeClr val="tx1"/>
+                </a:solidFill>
+              </a:rPr>
+              <a:t>	</a:t>
+            </a:r>
+            <a:r>
+              <a:rPr lang="en-US" sz="1400" dirty="0" smtClean="0">
+                <a:solidFill>
+                  <a:schemeClr val="tx1"/>
+                </a:solidFill>
+              </a:rPr>
+              <a:t>56,</a:t>
+            </a:r>
+          </a:p>
+          <a:p>
+            <a:pPr>
+              <a:spcBef>
+                <a:spcPts val="600"/>
+              </a:spcBef>
+              <a:spcAft>
+                <a:spcPts val="400"/>
+              </a:spcAft>
+            </a:pPr>
+            <a:r>
+              <a:rPr lang="en-US" sz="1400" dirty="0">
+                <a:solidFill>
+                  <a:schemeClr val="tx1"/>
+                </a:solidFill>
+              </a:rPr>
+              <a:t>	</a:t>
+            </a:r>
+            <a:r>
+              <a:rPr lang="en-US" sz="1400" dirty="0" smtClean="0">
+                <a:solidFill>
+                  <a:schemeClr val="tx1"/>
+                </a:solidFill>
+              </a:rPr>
+              <a:t>69</a:t>
+            </a:r>
+          </a:p>
+          <a:p>
+            <a:pPr>
+              <a:spcBef>
+                <a:spcPts val="600"/>
+              </a:spcBef>
+              <a:spcAft>
+                <a:spcPts val="400"/>
+              </a:spcAft>
+            </a:pPr>
+            <a:r>
+              <a:rPr lang="en-US" sz="1400" dirty="0">
+                <a:solidFill>
+                  <a:schemeClr val="tx1"/>
+                </a:solidFill>
+              </a:rPr>
+              <a:t>]</a:t>
+            </a:r>
+            <a:endParaRPr lang="en-US" sz="1400" dirty="0" smtClean="0">
+              <a:solidFill>
+                <a:schemeClr val="tx1"/>
+              </a:solidFill>
+            </a:endParaRPr>
+          </a:p>
+        </p:txBody>
+      </p:sp>
+      <p:sp>
+        <p:nvSpPr>
+          <p:cNvPr id="8" name="Rounded Rectangle 7"/>
+          <p:cNvSpPr/>
+          <p:nvPr/>
+        </p:nvSpPr>
+        <p:spPr>
+          <a:xfrm>
+            <a:off x="4947920" y="3749040"/>
+            <a:ext cx="3039650" cy="2301240"/>
+          </a:xfrm>
+          <a:prstGeom prst="roundRect">
+            <a:avLst/>
+          </a:prstGeom>
+          <a:ln/>
+        </p:spPr>
+        <p:style>
+          <a:lnRef idx="2">
+            <a:schemeClr val="accent4"/>
+          </a:lnRef>
+          <a:fillRef idx="1">
+            <a:schemeClr val="lt1"/>
+          </a:fillRef>
+          <a:effectRef idx="0">
+            <a:schemeClr val="accent4"/>
+          </a:effectRef>
+          <a:fontRef idx="minor">
+            <a:schemeClr val="dk1"/>
+          </a:fontRef>
+        </p:style>
+        <p:txBody>
+          <a:bodyPr rot="0" spcFirstLastPara="0" vertOverflow="overflow" horzOverflow="overflow" vert="horz" wrap="square" lIns="91440" tIns="45720" rIns="91440" bIns="45720" numCol="1" spcCol="0" rtlCol="0" fromWordArt="0" anchor="t" anchorCtr="0" forceAA="0" compatLnSpc="1">
+            <a:prstTxWarp prst="textNoShape">
+              <a:avLst/>
+            </a:prstTxWarp>
+            <a:noAutofit/>
+          </a:bodyPr>
+          <a:lstStyle/>
+          <a:p>
+            <a:pPr>
+              <a:spcBef>
+                <a:spcPts val="600"/>
+              </a:spcBef>
+              <a:spcAft>
+                <a:spcPts val="400"/>
+              </a:spcAft>
+            </a:pPr>
+            <a:r>
+              <a:rPr lang="en-US" sz="1400" dirty="0" smtClean="0">
+                <a:solidFill>
+                  <a:schemeClr val="tx1"/>
+                </a:solidFill>
+              </a:rPr>
+              <a:t>User</a:t>
+            </a:r>
+          </a:p>
+          <a:p>
+            <a:pPr>
+              <a:spcBef>
+                <a:spcPts val="600"/>
+              </a:spcBef>
+              <a:spcAft>
+                <a:spcPts val="400"/>
+              </a:spcAft>
+            </a:pPr>
+            <a:r>
+              <a:rPr lang="en-US" sz="1400" dirty="0" smtClean="0">
+                <a:solidFill>
+                  <a:schemeClr val="tx1"/>
+                </a:solidFill>
+              </a:rPr>
+              <a:t>_id: 56</a:t>
+            </a:r>
+            <a:endParaRPr lang="en-US" sz="1400" dirty="0">
+              <a:solidFill>
+                <a:schemeClr val="tx1"/>
+              </a:solidFill>
+            </a:endParaRPr>
+          </a:p>
+          <a:p>
+            <a:pPr>
+              <a:spcBef>
+                <a:spcPts val="600"/>
+              </a:spcBef>
+              <a:spcAft>
+                <a:spcPts val="400"/>
+              </a:spcAft>
+            </a:pPr>
+            <a:r>
+              <a:rPr lang="en-US" sz="1400" dirty="0" smtClean="0">
+                <a:solidFill>
+                  <a:schemeClr val="tx1"/>
+                </a:solidFill>
+              </a:rPr>
+              <a:t>friends: [</a:t>
+            </a:r>
+          </a:p>
+          <a:p>
+            <a:pPr>
+              <a:spcBef>
+                <a:spcPts val="600"/>
+              </a:spcBef>
+              <a:spcAft>
+                <a:spcPts val="400"/>
+              </a:spcAft>
+            </a:pPr>
+            <a:r>
+              <a:rPr lang="en-US" sz="1400" dirty="0">
+                <a:solidFill>
+                  <a:schemeClr val="tx1"/>
+                </a:solidFill>
+              </a:rPr>
+              <a:t>	</a:t>
+            </a:r>
+            <a:r>
+              <a:rPr lang="en-US" sz="1400" dirty="0" smtClean="0">
+                <a:solidFill>
+                  <a:schemeClr val="tx1"/>
+                </a:solidFill>
+              </a:rPr>
+              <a:t>42,</a:t>
+            </a:r>
+          </a:p>
+          <a:p>
+            <a:pPr>
+              <a:spcBef>
+                <a:spcPts val="600"/>
+              </a:spcBef>
+              <a:spcAft>
+                <a:spcPts val="400"/>
+              </a:spcAft>
+            </a:pPr>
+            <a:r>
+              <a:rPr lang="en-US" sz="1400" dirty="0">
+                <a:solidFill>
+                  <a:schemeClr val="tx1"/>
+                </a:solidFill>
+              </a:rPr>
+              <a:t>	</a:t>
+            </a:r>
+            <a:r>
+              <a:rPr lang="en-US" sz="1400" dirty="0" smtClean="0">
+                <a:solidFill>
+                  <a:schemeClr val="tx1"/>
+                </a:solidFill>
+              </a:rPr>
+              <a:t>69</a:t>
+            </a:r>
+          </a:p>
+          <a:p>
+            <a:pPr>
+              <a:spcBef>
+                <a:spcPts val="600"/>
+              </a:spcBef>
+              <a:spcAft>
+                <a:spcPts val="400"/>
+              </a:spcAft>
+            </a:pPr>
+            <a:r>
+              <a:rPr lang="en-US" sz="1400" dirty="0">
+                <a:solidFill>
+                  <a:schemeClr val="tx1"/>
+                </a:solidFill>
+              </a:rPr>
+              <a:t>]</a:t>
+            </a:r>
+            <a:endParaRPr lang="en-US" sz="1400" dirty="0" smtClean="0">
+              <a:solidFill>
+                <a:schemeClr val="tx1"/>
+              </a:solidFill>
+            </a:endParaRPr>
+          </a:p>
+        </p:txBody>
+      </p:sp>
+      <p:sp>
+        <p:nvSpPr>
+          <p:cNvPr id="9" name="TextBox 8"/>
+          <p:cNvSpPr txBox="1"/>
+          <p:nvPr/>
+        </p:nvSpPr>
+        <p:spPr>
+          <a:xfrm>
+            <a:off x="321623" y="1262063"/>
+            <a:ext cx="8102827" cy="353943"/>
+          </a:xfrm>
+          <a:prstGeom prst="rect">
+            <a:avLst/>
+          </a:prstGeom>
+          <a:noFill/>
+        </p:spPr>
+        <p:txBody>
+          <a:bodyPr wrap="square" rtlCol="0">
+            <a:spAutoFit/>
+          </a:bodyPr>
+          <a:lstStyle/>
+          <a:p>
+            <a:pPr>
+              <a:spcBef>
+                <a:spcPts val="600"/>
+              </a:spcBef>
+              <a:spcAft>
+                <a:spcPts val="400"/>
+              </a:spcAft>
+            </a:pPr>
+            <a:r>
+              <a:rPr lang="en-US" sz="1700" dirty="0" smtClean="0"/>
+              <a:t>By embedding references in both documents</a:t>
+            </a:r>
+            <a:endParaRPr lang="en-US" sz="1700" dirty="0" smtClean="0"/>
+          </a:p>
+        </p:txBody>
+      </p:sp>
+    </p:spTree>
+    <p:extLst>
+      <p:ext uri="{BB962C8B-B14F-4D97-AF65-F5344CB8AC3E}">
+        <p14:creationId xmlns:p14="http://schemas.microsoft.com/office/powerpoint/2010/main" val="3123632025"/>
+      </p:ext>
+    </p:extLst>
+  </p:cSld>
+  <p:clrMapOvr>
+    <a:masterClrMapping/>
+  </p:clrMapOvr>
+  <p:transition xmlns:p14="http://schemas.microsoft.com/office/powerpoint/2010/main">
+    <p:fade thruBlk="1"/>
+  </p:transition>
+</p:sld>
+</file>
+
+<file path=ppt/slides/slide26.xml><?xml version="1.0" encoding="utf-8"?>
+<p:sld xmlns:a="http://schemas.openxmlformats.org/drawingml/2006/main" xmlns:r="http://schemas.openxmlformats.org/officeDocument/2006/relationships" xmlns:p="http://schemas.openxmlformats.org/presentationml/2006/main">
+  <p:cSld>
+    <p:spTree>
+      <p:nvGrpSpPr>
+        <p:cNvPr id="1" name=""/>
+        <p:cNvGrpSpPr/>
+        <p:nvPr/>
+      </p:nvGrpSpPr>
+      <p:grpSpPr>
+        <a:xfrm>
+          <a:off x="0" y="0"/>
+          <a:ext cx="0" cy="0"/>
+          <a:chOff x="0" y="0"/>
+          <a:chExt cx="0" cy="0"/>
+        </a:xfrm>
+      </p:grpSpPr>
+      <p:sp>
+        <p:nvSpPr>
+          <p:cNvPr id="2" name="Title 1"/>
+          <p:cNvSpPr>
+            <a:spLocks noGrp="1"/>
+          </p:cNvSpPr>
+          <p:nvPr>
+            <p:ph type="title"/>
+          </p:nvPr>
+        </p:nvSpPr>
+        <p:spPr>
+          <a:xfrm>
+            <a:off x="321623" y="418905"/>
+            <a:ext cx="4647084" cy="307777"/>
+          </a:xfrm>
+        </p:spPr>
+        <p:txBody>
+          <a:bodyPr/>
+          <a:lstStyle/>
+          <a:p>
+            <a:r>
+              <a:rPr lang="en-US" i="0" dirty="0" smtClean="0"/>
+              <a:t>Structuring data in </a:t>
+            </a:r>
+            <a:r>
+              <a:rPr lang="en-US" i="0" dirty="0" err="1" smtClean="0"/>
+              <a:t>Mongodb</a:t>
+            </a:r>
+            <a:endParaRPr lang="en-US" i="0" dirty="0"/>
+          </a:p>
+        </p:txBody>
+      </p:sp>
+      <p:sp>
+        <p:nvSpPr>
+          <p:cNvPr id="3" name="Slide Number Placeholder 2"/>
+          <p:cNvSpPr>
+            <a:spLocks noGrp="1"/>
+          </p:cNvSpPr>
+          <p:nvPr>
+            <p:ph type="sldNum" sz="quarter" idx="10"/>
+          </p:nvPr>
+        </p:nvSpPr>
+        <p:spPr/>
+        <p:txBody>
+          <a:bodyPr/>
+          <a:lstStyle/>
+          <a:p>
+            <a:fld id="{FF67BF5B-7344-D747-A0C2-CBD7B2ACBC85}" type="slidenum">
+              <a:rPr lang="en-US" smtClean="0"/>
+              <a:pPr/>
+              <a:t>26</a:t>
             </a:fld>
             <a:endParaRPr lang="en-US" dirty="0"/>
           </a:p>
@@ -15269,7 +16808,7 @@
 </p:sld>
 </file>
 
-<file path=ppt/slides/slide23.xml><?xml version="1.0" encoding="utf-8"?>
+<file path=ppt/slides/slide27.xml><?xml version="1.0" encoding="utf-8"?>
 <p:sld xmlns:a="http://schemas.openxmlformats.org/drawingml/2006/main" xmlns:r="http://schemas.openxmlformats.org/officeDocument/2006/relationships" xmlns:p="http://schemas.openxmlformats.org/presentationml/2006/main">
   <p:cSld>
     <p:spTree>
@@ -15299,7 +16838,7 @@
         <p:spPr>
           <a:xfrm>
             <a:off x="321623" y="418905"/>
-            <a:ext cx="1914108" cy="307777"/>
+            <a:ext cx="2914692" cy="307777"/>
           </a:xfrm>
         </p:spPr>
         <p:txBody>
@@ -15308,7 +16847,7 @@
           <a:p>
             <a:r>
               <a:rPr lang="en-US" dirty="0" smtClean="0"/>
-              <a:t>One-to-one</a:t>
+              <a:t>LANGUAGE DRIVERS</a:t>
             </a:r>
             <a:endParaRPr lang="en-US" dirty="0"/>
           </a:p>
@@ -15316,112 +16855,12 @@
       </p:sp>
       <p:sp>
         <p:nvSpPr>
-          <p:cNvPr id="3" name="Text Placeholder 2"/>
-          <p:cNvSpPr>
-            <a:spLocks noGrp="1"/>
-          </p:cNvSpPr>
-          <p:nvPr>
-            <p:ph type="body" sz="quarter" idx="11"/>
-          </p:nvPr>
-        </p:nvSpPr>
-        <p:spPr/>
-        <p:txBody>
-          <a:bodyPr/>
-          <a:lstStyle/>
-          <a:p>
-            <a:r>
-              <a:rPr lang="en-US" dirty="0"/>
-              <a:t>A person has a spouse. </a:t>
-            </a:r>
-            <a:endParaRPr lang="en-US" dirty="0" smtClean="0"/>
-          </a:p>
-          <a:p>
-            <a:r>
-              <a:rPr lang="en-US" dirty="0" smtClean="0"/>
-              <a:t>(Let’s at least model it as a one to one relation).</a:t>
-            </a:r>
-            <a:endParaRPr lang="en-US" dirty="0"/>
-          </a:p>
-        </p:txBody>
-      </p:sp>
-      <p:sp>
-        <p:nvSpPr>
-          <p:cNvPr id="4" name="Text Placeholder 3"/>
-          <p:cNvSpPr>
-            <a:spLocks noGrp="1"/>
-          </p:cNvSpPr>
-          <p:nvPr>
-            <p:ph type="body" sz="quarter" idx="12"/>
-          </p:nvPr>
-        </p:nvSpPr>
-        <p:spPr/>
-        <p:txBody>
-          <a:bodyPr/>
-          <a:lstStyle/>
-          <a:p>
-            <a:r>
-              <a:rPr lang="en-US" dirty="0" smtClean="0"/>
-              <a:t>Reference in either document</a:t>
-            </a:r>
-          </a:p>
-          <a:p>
-            <a:endParaRPr lang="en-US" dirty="0"/>
-          </a:p>
-          <a:p>
-            <a:r>
-              <a:rPr lang="en-US" dirty="0" smtClean="0"/>
-              <a:t>OR</a:t>
-            </a:r>
-          </a:p>
-          <a:p>
-            <a:endParaRPr lang="en-US" dirty="0"/>
-          </a:p>
-          <a:p>
-            <a:r>
-              <a:rPr lang="en-US" dirty="0" smtClean="0"/>
-              <a:t>Embed</a:t>
-            </a:r>
-          </a:p>
-          <a:p>
-            <a:endParaRPr lang="en-US" dirty="0"/>
-          </a:p>
-          <a:p>
-            <a:r>
-              <a:rPr lang="en-US" dirty="0" smtClean="0"/>
-              <a:t>CONSIDER</a:t>
-            </a:r>
-          </a:p>
-          <a:p>
-            <a:endParaRPr lang="en-US" dirty="0"/>
-          </a:p>
-          <a:p>
-            <a:r>
-              <a:rPr lang="en-US" dirty="0" smtClean="0"/>
-              <a:t>Size of each.</a:t>
-            </a:r>
-          </a:p>
-          <a:p>
-            <a:r>
-              <a:rPr lang="en-US" dirty="0" smtClean="0"/>
-              <a:t>Do you need both at the same time.</a:t>
-            </a:r>
-          </a:p>
-          <a:p>
-            <a:r>
-              <a:rPr lang="en-US" dirty="0" smtClean="0"/>
-              <a:t>Atomicity of data.</a:t>
-            </a:r>
-          </a:p>
-        </p:txBody>
-      </p:sp>
-      <p:sp>
-        <p:nvSpPr>
-          <p:cNvPr id="5" name="Slide Number Placeholder 4"/>
-          <p:cNvSpPr>
-            <a:spLocks noGrp="1"/>
-          </p:cNvSpPr>
-          <p:nvPr>
-            <p:ph type="sldNum" sz="quarter" idx="4"/>
+          <p:cNvPr id="3" name="Slide Number Placeholder 2"/>
+          <p:cNvSpPr>
+            <a:spLocks noGrp="1"/>
+          </p:cNvSpPr>
+          <p:nvPr>
+            <p:ph type="sldNum" sz="quarter" idx="10"/>
           </p:nvPr>
         </p:nvSpPr>
         <p:spPr/>
@@ -15432,942 +16871,7 @@
             <a:fld id="{FF67BF5B-7344-D747-A0C2-CBD7B2ACBC85}" type="slidenum">
               <a:rPr lang="en-US" smtClean="0"/>
               <a:pPr/>
-              <a:t>23</a:t>
-            </a:fld>
-            <a:endParaRPr lang="en-US" dirty="0"/>
-          </a:p>
-        </p:txBody>
-      </p:sp>
-      <p:sp>
-        <p:nvSpPr>
-          <p:cNvPr id="6" name="Text Placeholder 5"/>
-          <p:cNvSpPr>
-            <a:spLocks noGrp="1"/>
-          </p:cNvSpPr>
-          <p:nvPr>
-            <p:ph type="body" sz="quarter" idx="13"/>
-          </p:nvPr>
-        </p:nvSpPr>
-        <p:spPr>
-          <a:xfrm>
-            <a:off x="331394" y="1272002"/>
-            <a:ext cx="677254" cy="276999"/>
-          </a:xfrm>
-        </p:spPr>
-        <p:txBody>
-          <a:bodyPr/>
-          <a:lstStyle/>
-          <a:p>
-            <a:r>
-              <a:rPr lang="en-US" dirty="0" smtClean="0"/>
-              <a:t>Case</a:t>
-            </a:r>
-            <a:endParaRPr lang="en-US" dirty="0"/>
-          </a:p>
-        </p:txBody>
-      </p:sp>
-      <p:sp>
-        <p:nvSpPr>
-          <p:cNvPr id="7" name="Text Placeholder 6"/>
-          <p:cNvSpPr>
-            <a:spLocks noGrp="1"/>
-          </p:cNvSpPr>
-          <p:nvPr>
-            <p:ph type="body" sz="quarter" idx="14"/>
-          </p:nvPr>
-        </p:nvSpPr>
-        <p:spPr>
-          <a:xfrm>
-            <a:off x="3260883" y="1272002"/>
-            <a:ext cx="1194486" cy="276999"/>
-          </a:xfrm>
-        </p:spPr>
-        <p:txBody>
-          <a:bodyPr/>
-          <a:lstStyle/>
-          <a:p>
-            <a:r>
-              <a:rPr lang="en-US" dirty="0" smtClean="0"/>
-              <a:t>Approach</a:t>
-            </a:r>
-            <a:endParaRPr lang="en-US" dirty="0"/>
-          </a:p>
-        </p:txBody>
-      </p:sp>
-      <p:sp>
-        <p:nvSpPr>
-          <p:cNvPr id="8" name="Text Placeholder 7"/>
-          <p:cNvSpPr>
-            <a:spLocks noGrp="1"/>
-          </p:cNvSpPr>
-          <p:nvPr>
-            <p:ph type="body" sz="quarter" idx="15"/>
-          </p:nvPr>
-        </p:nvSpPr>
-        <p:spPr/>
-        <p:txBody>
-          <a:bodyPr/>
-          <a:lstStyle/>
-          <a:p>
-            <a:r>
-              <a:rPr lang="en-US" dirty="0" smtClean="0"/>
-              <a:t>Reference:</a:t>
-            </a:r>
-          </a:p>
-          <a:p>
-            <a:r>
-              <a:rPr lang="en-US" dirty="0" smtClean="0"/>
-              <a:t>{</a:t>
-            </a:r>
-          </a:p>
-          <a:p>
-            <a:r>
-              <a:rPr lang="en-US" dirty="0"/>
-              <a:t>	</a:t>
-            </a:r>
-            <a:r>
-              <a:rPr lang="en-US" dirty="0" smtClean="0"/>
-              <a:t>_id: 1,</a:t>
-            </a:r>
-          </a:p>
-          <a:p>
-            <a:r>
-              <a:rPr lang="en-US" dirty="0"/>
-              <a:t>	</a:t>
-            </a:r>
-            <a:r>
-              <a:rPr lang="en-US" dirty="0" smtClean="0"/>
-              <a:t>name: “John”,</a:t>
-            </a:r>
-          </a:p>
-          <a:p>
-            <a:r>
-              <a:rPr lang="en-US" dirty="0"/>
-              <a:t>	</a:t>
-            </a:r>
-            <a:r>
-              <a:rPr lang="en-US" dirty="0" smtClean="0"/>
-              <a:t>spouse: 2</a:t>
-            </a:r>
-          </a:p>
-          <a:p>
-            <a:r>
-              <a:rPr lang="en-US" dirty="0" smtClean="0"/>
-              <a:t>}</a:t>
-            </a:r>
-            <a:endParaRPr lang="en-US" dirty="0"/>
-          </a:p>
-          <a:p>
-            <a:r>
-              <a:rPr lang="en-US" dirty="0" smtClean="0"/>
-              <a:t>Embed:</a:t>
-            </a:r>
-          </a:p>
-          <a:p>
-            <a:r>
-              <a:rPr lang="en-US" dirty="0" smtClean="0"/>
-              <a:t>{</a:t>
-            </a:r>
-          </a:p>
-          <a:p>
-            <a:r>
-              <a:rPr lang="en-US" dirty="0"/>
-              <a:t>	</a:t>
-            </a:r>
-            <a:r>
-              <a:rPr lang="en-US" dirty="0" smtClean="0"/>
-              <a:t>_id: 2,</a:t>
-            </a:r>
-          </a:p>
-          <a:p>
-            <a:r>
-              <a:rPr lang="en-US" dirty="0"/>
-              <a:t>	</a:t>
-            </a:r>
-            <a:r>
-              <a:rPr lang="en-US" dirty="0" smtClean="0"/>
-              <a:t>name: “Kari”,</a:t>
-            </a:r>
-          </a:p>
-          <a:p>
-            <a:r>
-              <a:rPr lang="en-US" dirty="0"/>
-              <a:t>	</a:t>
-            </a:r>
-            <a:r>
-              <a:rPr lang="en-US" dirty="0" smtClean="0"/>
-              <a:t>spouse: {</a:t>
-            </a:r>
-          </a:p>
-          <a:p>
-            <a:r>
-              <a:rPr lang="en-US" dirty="0"/>
-              <a:t>	</a:t>
-            </a:r>
-            <a:r>
-              <a:rPr lang="en-US" dirty="0" smtClean="0"/>
-              <a:t>	id: 1,</a:t>
-            </a:r>
-          </a:p>
-          <a:p>
-            <a:r>
-              <a:rPr lang="en-US" dirty="0"/>
-              <a:t>	</a:t>
-            </a:r>
-            <a:r>
-              <a:rPr lang="en-US" dirty="0" smtClean="0"/>
-              <a:t>	name: “John”</a:t>
-            </a:r>
-          </a:p>
-          <a:p>
-            <a:r>
-              <a:rPr lang="en-US" dirty="0"/>
-              <a:t>	</a:t>
-            </a:r>
-            <a:r>
-              <a:rPr lang="en-US" dirty="0" smtClean="0"/>
-              <a:t>}</a:t>
-            </a:r>
-          </a:p>
-          <a:p>
-            <a:r>
-              <a:rPr lang="en-US" dirty="0"/>
-              <a:t>}</a:t>
-            </a:r>
-            <a:endParaRPr lang="en-US" dirty="0" smtClean="0"/>
-          </a:p>
-          <a:p>
-            <a:endParaRPr lang="en-US" dirty="0"/>
-          </a:p>
-        </p:txBody>
-      </p:sp>
-      <p:sp>
-        <p:nvSpPr>
-          <p:cNvPr id="9" name="Text Placeholder 8"/>
-          <p:cNvSpPr>
-            <a:spLocks noGrp="1"/>
-          </p:cNvSpPr>
-          <p:nvPr>
-            <p:ph type="body" sz="quarter" idx="16"/>
-          </p:nvPr>
-        </p:nvSpPr>
-        <p:spPr>
-          <a:xfrm>
-            <a:off x="6191636" y="1272002"/>
-            <a:ext cx="1097892" cy="276999"/>
-          </a:xfrm>
-        </p:spPr>
-        <p:txBody>
-          <a:bodyPr/>
-          <a:lstStyle/>
-          <a:p>
-            <a:r>
-              <a:rPr lang="en-US" dirty="0" smtClean="0"/>
-              <a:t>Example</a:t>
-            </a:r>
-            <a:endParaRPr lang="en-US" dirty="0"/>
-          </a:p>
-        </p:txBody>
-      </p:sp>
-    </p:spTree>
-    <p:extLst>
-      <p:ext uri="{BB962C8B-B14F-4D97-AF65-F5344CB8AC3E}">
-        <p14:creationId xmlns:p14="http://schemas.microsoft.com/office/powerpoint/2010/main" val="3155125728"/>
-      </p:ext>
-    </p:extLst>
-  </p:cSld>
-  <p:clrMapOvr>
-    <a:masterClrMapping/>
-  </p:clrMapOvr>
-  <p:transition xmlns:p14="http://schemas.microsoft.com/office/powerpoint/2010/main">
-    <p:fade thruBlk="1"/>
-  </p:transition>
-  <p:timing>
-    <p:tnLst>
-      <p:par>
-        <p:cTn xmlns:p14="http://schemas.microsoft.com/office/powerpoint/2010/main" id="1" dur="indefinite" restart="never" nodeType="tmRoot"/>
-      </p:par>
-    </p:tnLst>
-  </p:timing>
-</p:sld>
-</file>
-
-<file path=ppt/slides/slide24.xml><?xml version="1.0" encoding="utf-8"?>
-<p:sld xmlns:a="http://schemas.openxmlformats.org/drawingml/2006/main" xmlns:r="http://schemas.openxmlformats.org/officeDocument/2006/relationships" xmlns:p="http://schemas.openxmlformats.org/presentationml/2006/main">
-  <p:cSld>
-    <p:spTree>
-      <p:nvGrpSpPr>
-        <p:cNvPr id="1" name=""/>
-        <p:cNvGrpSpPr/>
-        <p:nvPr/>
-      </p:nvGrpSpPr>
-      <p:grpSpPr>
-        <a:xfrm>
-          <a:off x="0" y="0"/>
-          <a:ext cx="0" cy="0"/>
-          <a:chOff x="0" y="0"/>
-          <a:chExt cx="0" cy="0"/>
-        </a:xfrm>
-      </p:grpSpPr>
-      <p:sp>
-        <p:nvSpPr>
-          <p:cNvPr id="2" name="Title 1"/>
-          <p:cNvSpPr>
-            <a:spLocks noGrp="1"/>
-          </p:cNvSpPr>
-          <p:nvPr>
-            <p:ph type="title"/>
-          </p:nvPr>
-        </p:nvSpPr>
-        <p:spPr>
-          <a:xfrm>
-            <a:off x="321623" y="418905"/>
-            <a:ext cx="2129446" cy="307777"/>
-          </a:xfrm>
-        </p:spPr>
-        <p:txBody>
-          <a:bodyPr/>
-          <a:lstStyle/>
-          <a:p>
-            <a:r>
-              <a:rPr lang="en-US" dirty="0" smtClean="0"/>
-              <a:t>One-to-Many</a:t>
-            </a:r>
-            <a:endParaRPr lang="en-US" dirty="0"/>
-          </a:p>
-        </p:txBody>
-      </p:sp>
-      <p:sp>
-        <p:nvSpPr>
-          <p:cNvPr id="3" name="Text Placeholder 2"/>
-          <p:cNvSpPr>
-            <a:spLocks noGrp="1"/>
-          </p:cNvSpPr>
-          <p:nvPr>
-            <p:ph type="body" sz="quarter" idx="11"/>
-          </p:nvPr>
-        </p:nvSpPr>
-        <p:spPr/>
-        <p:txBody>
-          <a:bodyPr/>
-          <a:lstStyle/>
-          <a:p>
-            <a:r>
-              <a:rPr lang="en-US" dirty="0" smtClean="0"/>
-              <a:t>Comments on a blog post.</a:t>
-            </a:r>
-            <a:endParaRPr lang="en-US" dirty="0"/>
-          </a:p>
-        </p:txBody>
-      </p:sp>
-      <p:sp>
-        <p:nvSpPr>
-          <p:cNvPr id="4" name="Text Placeholder 3"/>
-          <p:cNvSpPr>
-            <a:spLocks noGrp="1"/>
-          </p:cNvSpPr>
-          <p:nvPr>
-            <p:ph type="body" sz="quarter" idx="12"/>
-          </p:nvPr>
-        </p:nvSpPr>
-        <p:spPr/>
-        <p:txBody>
-          <a:bodyPr/>
-          <a:lstStyle/>
-          <a:p>
-            <a:r>
-              <a:rPr lang="en-US" dirty="0" smtClean="0"/>
-              <a:t>Embed comments</a:t>
-            </a:r>
-          </a:p>
-          <a:p>
-            <a:r>
-              <a:rPr lang="en-US" i="1" dirty="0" smtClean="0"/>
-              <a:t>What if too many comments?</a:t>
-            </a:r>
-          </a:p>
-          <a:p>
-            <a:endParaRPr lang="en-US" dirty="0" smtClean="0"/>
-          </a:p>
-          <a:p>
-            <a:r>
-              <a:rPr lang="en-US" dirty="0" smtClean="0"/>
-              <a:t>OR</a:t>
-            </a:r>
-            <a:endParaRPr lang="en-US" dirty="0"/>
-          </a:p>
-          <a:p>
-            <a:endParaRPr lang="en-US" dirty="0" smtClean="0"/>
-          </a:p>
-          <a:p>
-            <a:r>
-              <a:rPr lang="en-US" dirty="0" smtClean="0"/>
-              <a:t>A document per comment</a:t>
-            </a:r>
-          </a:p>
-          <a:p>
-            <a:r>
-              <a:rPr lang="en-US" i="1" dirty="0" smtClean="0"/>
-              <a:t>When many comments expected.</a:t>
-            </a:r>
-          </a:p>
-          <a:p>
-            <a:endParaRPr lang="en-US" i="1" dirty="0"/>
-          </a:p>
-          <a:p>
-            <a:r>
-              <a:rPr lang="en-US" dirty="0" smtClean="0"/>
-              <a:t>CONSIDER</a:t>
-            </a:r>
-          </a:p>
-          <a:p>
-            <a:r>
-              <a:rPr lang="en-US" dirty="0" smtClean="0"/>
-              <a:t>Know if you are going to have one-to-few or truly one-to-many.</a:t>
-            </a:r>
-          </a:p>
-          <a:p>
-            <a:r>
-              <a:rPr lang="en-US" i="1" dirty="0" err="1" smtClean="0"/>
-              <a:t>MongoDB</a:t>
-            </a:r>
-            <a:r>
-              <a:rPr lang="en-US" i="1" dirty="0" smtClean="0"/>
-              <a:t> documents have a max size of ~16MB.</a:t>
-            </a:r>
-          </a:p>
-        </p:txBody>
-      </p:sp>
-      <p:sp>
-        <p:nvSpPr>
-          <p:cNvPr id="5" name="Slide Number Placeholder 4"/>
-          <p:cNvSpPr>
-            <a:spLocks noGrp="1"/>
-          </p:cNvSpPr>
-          <p:nvPr>
-            <p:ph type="sldNum" sz="quarter" idx="4"/>
-          </p:nvPr>
-        </p:nvSpPr>
-        <p:spPr/>
-        <p:txBody>
-          <a:bodyPr/>
-          <a:lstStyle/>
-          <a:p>
-            <a:fld id="{FF67BF5B-7344-D747-A0C2-CBD7B2ACBC85}" type="slidenum">
-              <a:rPr lang="en-US" smtClean="0"/>
-              <a:pPr/>
-              <a:t>24</a:t>
-            </a:fld>
-            <a:endParaRPr lang="en-US" dirty="0"/>
-          </a:p>
-        </p:txBody>
-      </p:sp>
-      <p:sp>
-        <p:nvSpPr>
-          <p:cNvPr id="6" name="Text Placeholder 5"/>
-          <p:cNvSpPr>
-            <a:spLocks noGrp="1"/>
-          </p:cNvSpPr>
-          <p:nvPr>
-            <p:ph type="body" sz="quarter" idx="13"/>
-          </p:nvPr>
-        </p:nvSpPr>
-        <p:spPr>
-          <a:xfrm>
-            <a:off x="331394" y="1272002"/>
-            <a:ext cx="677254" cy="276999"/>
-          </a:xfrm>
-        </p:spPr>
-        <p:txBody>
-          <a:bodyPr/>
-          <a:lstStyle/>
-          <a:p>
-            <a:r>
-              <a:rPr lang="en-US" dirty="0" smtClean="0"/>
-              <a:t>Case</a:t>
-            </a:r>
-            <a:endParaRPr lang="en-US" dirty="0"/>
-          </a:p>
-        </p:txBody>
-      </p:sp>
-      <p:sp>
-        <p:nvSpPr>
-          <p:cNvPr id="7" name="Text Placeholder 6"/>
-          <p:cNvSpPr>
-            <a:spLocks noGrp="1"/>
-          </p:cNvSpPr>
-          <p:nvPr>
-            <p:ph type="body" sz="quarter" idx="14"/>
-          </p:nvPr>
-        </p:nvSpPr>
-        <p:spPr>
-          <a:xfrm>
-            <a:off x="3260883" y="1272002"/>
-            <a:ext cx="1194486" cy="276999"/>
-          </a:xfrm>
-        </p:spPr>
-        <p:txBody>
-          <a:bodyPr/>
-          <a:lstStyle/>
-          <a:p>
-            <a:r>
-              <a:rPr lang="en-US" dirty="0" smtClean="0"/>
-              <a:t>Approach</a:t>
-            </a:r>
-            <a:endParaRPr lang="en-US" dirty="0"/>
-          </a:p>
-        </p:txBody>
-      </p:sp>
-      <p:sp>
-        <p:nvSpPr>
-          <p:cNvPr id="8" name="Text Placeholder 7"/>
-          <p:cNvSpPr>
-            <a:spLocks noGrp="1"/>
-          </p:cNvSpPr>
-          <p:nvPr>
-            <p:ph type="body" sz="quarter" idx="15"/>
-          </p:nvPr>
-        </p:nvSpPr>
-        <p:spPr/>
-        <p:txBody>
-          <a:bodyPr/>
-          <a:lstStyle/>
-          <a:p>
-            <a:pPr>
-              <a:lnSpc>
-                <a:spcPct val="80000"/>
-              </a:lnSpc>
-            </a:pPr>
-            <a:r>
-              <a:rPr lang="en-US" sz="1400" dirty="0" smtClean="0">
-                <a:latin typeface="+mn-lt"/>
-                <a:cs typeface="Helvetica"/>
-              </a:rPr>
-              <a:t>Embed comments:</a:t>
-            </a:r>
-          </a:p>
-          <a:p>
-            <a:pPr>
-              <a:lnSpc>
-                <a:spcPct val="80000"/>
-              </a:lnSpc>
-            </a:pPr>
-            <a:r>
-              <a:rPr lang="en-US" sz="1400" dirty="0" smtClean="0">
-                <a:latin typeface="Helvetica"/>
-                <a:cs typeface="Helvetica"/>
-              </a:rPr>
-              <a:t>{</a:t>
-            </a:r>
-          </a:p>
-          <a:p>
-            <a:pPr>
-              <a:lnSpc>
-                <a:spcPct val="80000"/>
-              </a:lnSpc>
-            </a:pPr>
-            <a:r>
-              <a:rPr lang="en-US" sz="1400" dirty="0">
-                <a:latin typeface="Helvetica"/>
-                <a:cs typeface="Helvetica"/>
-              </a:rPr>
-              <a:t>	</a:t>
-            </a:r>
-            <a:r>
-              <a:rPr lang="en-US" sz="1400" dirty="0" smtClean="0">
-                <a:latin typeface="Helvetica"/>
-                <a:cs typeface="Helvetica"/>
-              </a:rPr>
-              <a:t>_id: 1</a:t>
-            </a:r>
-          </a:p>
-          <a:p>
-            <a:pPr>
-              <a:lnSpc>
-                <a:spcPct val="80000"/>
-              </a:lnSpc>
-            </a:pPr>
-            <a:r>
-              <a:rPr lang="en-US" sz="1400" dirty="0">
-                <a:latin typeface="Helvetica"/>
-                <a:cs typeface="Helvetica"/>
-              </a:rPr>
-              <a:t>	</a:t>
-            </a:r>
-            <a:r>
-              <a:rPr lang="en-US" sz="1400" dirty="0" smtClean="0">
-                <a:latin typeface="Helvetica"/>
-                <a:cs typeface="Helvetica"/>
-              </a:rPr>
-              <a:t>title: “A blog post”,</a:t>
-            </a:r>
-          </a:p>
-          <a:p>
-            <a:pPr>
-              <a:lnSpc>
-                <a:spcPct val="80000"/>
-              </a:lnSpc>
-            </a:pPr>
-            <a:r>
-              <a:rPr lang="en-US" sz="1400" dirty="0">
-                <a:latin typeface="Helvetica"/>
-                <a:cs typeface="Helvetica"/>
-              </a:rPr>
-              <a:t>	</a:t>
-            </a:r>
-            <a:r>
-              <a:rPr lang="en-US" sz="1400" dirty="0" smtClean="0">
-                <a:latin typeface="Helvetica"/>
-                <a:cs typeface="Helvetica"/>
-              </a:rPr>
-              <a:t>comments: [</a:t>
-            </a:r>
-          </a:p>
-          <a:p>
-            <a:pPr>
-              <a:lnSpc>
-                <a:spcPct val="80000"/>
-              </a:lnSpc>
-            </a:pPr>
-            <a:r>
-              <a:rPr lang="en-US" sz="1400" dirty="0" smtClean="0">
-                <a:latin typeface="Helvetica"/>
-                <a:cs typeface="Helvetica"/>
-              </a:rPr>
-              <a:t>		{</a:t>
-            </a:r>
-          </a:p>
-          <a:p>
-            <a:pPr>
-              <a:lnSpc>
-                <a:spcPct val="80000"/>
-              </a:lnSpc>
-            </a:pPr>
-            <a:r>
-              <a:rPr lang="en-US" sz="1400" dirty="0">
-                <a:latin typeface="Helvetica"/>
-                <a:cs typeface="Helvetica"/>
-              </a:rPr>
-              <a:t>	</a:t>
-            </a:r>
-            <a:r>
-              <a:rPr lang="en-US" sz="1400" dirty="0" smtClean="0">
-                <a:latin typeface="Helvetica"/>
-                <a:cs typeface="Helvetica"/>
-              </a:rPr>
-              <a:t>		by: “troll”,</a:t>
-            </a:r>
-          </a:p>
-          <a:p>
-            <a:pPr>
-              <a:lnSpc>
-                <a:spcPct val="80000"/>
-              </a:lnSpc>
-            </a:pPr>
-            <a:r>
-              <a:rPr lang="en-US" sz="1400" dirty="0">
-                <a:latin typeface="Helvetica"/>
-                <a:cs typeface="Helvetica"/>
-              </a:rPr>
-              <a:t>	</a:t>
-            </a:r>
-            <a:r>
-              <a:rPr lang="en-US" sz="1400" dirty="0" smtClean="0">
-                <a:latin typeface="Helvetica"/>
-                <a:cs typeface="Helvetica"/>
-              </a:rPr>
-              <a:t>		content: “..”</a:t>
-            </a:r>
-          </a:p>
-          <a:p>
-            <a:pPr>
-              <a:lnSpc>
-                <a:spcPct val="80000"/>
-              </a:lnSpc>
-            </a:pPr>
-            <a:r>
-              <a:rPr lang="en-US" sz="1400" dirty="0">
-                <a:latin typeface="Helvetica"/>
-                <a:cs typeface="Helvetica"/>
-              </a:rPr>
-              <a:t>	</a:t>
-            </a:r>
-            <a:r>
-              <a:rPr lang="en-US" sz="1400" dirty="0" smtClean="0">
-                <a:latin typeface="Helvetica"/>
-                <a:cs typeface="Helvetica"/>
-              </a:rPr>
-              <a:t>	}</a:t>
-            </a:r>
-          </a:p>
-          <a:p>
-            <a:pPr>
-              <a:lnSpc>
-                <a:spcPct val="80000"/>
-              </a:lnSpc>
-            </a:pPr>
-            <a:r>
-              <a:rPr lang="en-US" sz="1400" dirty="0">
-                <a:latin typeface="Helvetica"/>
-                <a:cs typeface="Helvetica"/>
-              </a:rPr>
-              <a:t>	</a:t>
-            </a:r>
-            <a:r>
-              <a:rPr lang="en-US" sz="1400" dirty="0" smtClean="0">
-                <a:latin typeface="Helvetica"/>
-                <a:cs typeface="Helvetica"/>
-              </a:rPr>
-              <a:t>]</a:t>
-            </a:r>
-          </a:p>
-          <a:p>
-            <a:pPr>
-              <a:lnSpc>
-                <a:spcPct val="80000"/>
-              </a:lnSpc>
-            </a:pPr>
-            <a:r>
-              <a:rPr lang="en-US" sz="1400" dirty="0" smtClean="0">
-                <a:latin typeface="Helvetica"/>
-                <a:cs typeface="Helvetica"/>
-              </a:rPr>
-              <a:t>}</a:t>
-            </a:r>
-          </a:p>
-          <a:p>
-            <a:pPr>
-              <a:lnSpc>
-                <a:spcPct val="80000"/>
-              </a:lnSpc>
-            </a:pPr>
-            <a:r>
-              <a:rPr lang="en-US" sz="1400" dirty="0" smtClean="0">
-                <a:latin typeface="+mn-lt"/>
-                <a:cs typeface="Helvetica"/>
-              </a:rPr>
-              <a:t>A document per comment:</a:t>
-            </a:r>
-            <a:endParaRPr lang="en-US" sz="1400" dirty="0">
-              <a:latin typeface="+mn-lt"/>
-              <a:cs typeface="Helvetica"/>
-            </a:endParaRPr>
-          </a:p>
-          <a:p>
-            <a:pPr>
-              <a:lnSpc>
-                <a:spcPct val="80000"/>
-              </a:lnSpc>
-            </a:pPr>
-            <a:r>
-              <a:rPr lang="en-US" sz="1400" dirty="0" smtClean="0">
-                <a:latin typeface="Helvetica"/>
-                <a:cs typeface="Helvetica"/>
-              </a:rPr>
-              <a:t>{</a:t>
-            </a:r>
-          </a:p>
-          <a:p>
-            <a:pPr>
-              <a:lnSpc>
-                <a:spcPct val="80000"/>
-              </a:lnSpc>
-            </a:pPr>
-            <a:r>
-              <a:rPr lang="en-US" sz="1400" dirty="0">
-                <a:latin typeface="Helvetica"/>
-                <a:cs typeface="Helvetica"/>
-              </a:rPr>
-              <a:t>	</a:t>
-            </a:r>
-            <a:r>
-              <a:rPr lang="en-US" sz="1400" dirty="0" err="1" smtClean="0">
-                <a:latin typeface="Helvetica"/>
-                <a:cs typeface="Helvetica"/>
-              </a:rPr>
-              <a:t>blogpost</a:t>
-            </a:r>
-            <a:r>
-              <a:rPr lang="en-US" sz="1400" dirty="0" smtClean="0">
-                <a:latin typeface="Helvetica"/>
-                <a:cs typeface="Helvetica"/>
-              </a:rPr>
-              <a:t>: 1,</a:t>
-            </a:r>
-          </a:p>
-          <a:p>
-            <a:pPr>
-              <a:lnSpc>
-                <a:spcPct val="80000"/>
-              </a:lnSpc>
-            </a:pPr>
-            <a:r>
-              <a:rPr lang="en-US" sz="1400" dirty="0">
-                <a:latin typeface="Helvetica"/>
-                <a:cs typeface="Helvetica"/>
-              </a:rPr>
-              <a:t>	</a:t>
-            </a:r>
-            <a:r>
-              <a:rPr lang="en-US" sz="1400" dirty="0" smtClean="0">
-                <a:latin typeface="Helvetica"/>
-                <a:cs typeface="Helvetica"/>
-              </a:rPr>
-              <a:t>content: “..”,</a:t>
-            </a:r>
-          </a:p>
-          <a:p>
-            <a:pPr>
-              <a:lnSpc>
-                <a:spcPct val="80000"/>
-              </a:lnSpc>
-            </a:pPr>
-            <a:r>
-              <a:rPr lang="en-US" sz="1400" dirty="0">
-                <a:latin typeface="Helvetica"/>
-                <a:cs typeface="Helvetica"/>
-              </a:rPr>
-              <a:t>	</a:t>
-            </a:r>
-            <a:r>
-              <a:rPr lang="en-US" sz="1400" dirty="0" smtClean="0">
-                <a:latin typeface="Helvetica"/>
-                <a:cs typeface="Helvetica"/>
-              </a:rPr>
-              <a:t>by: “troll”</a:t>
-            </a:r>
-          </a:p>
-          <a:p>
-            <a:pPr>
-              <a:lnSpc>
-                <a:spcPct val="80000"/>
-              </a:lnSpc>
-            </a:pPr>
-            <a:r>
-              <a:rPr lang="en-US" sz="1400" dirty="0" smtClean="0">
-                <a:latin typeface="Helvetica"/>
-                <a:cs typeface="Helvetica"/>
-              </a:rPr>
-              <a:t>}</a:t>
-            </a:r>
-          </a:p>
-        </p:txBody>
-      </p:sp>
-      <p:sp>
-        <p:nvSpPr>
-          <p:cNvPr id="9" name="Text Placeholder 8"/>
-          <p:cNvSpPr>
-            <a:spLocks noGrp="1"/>
-          </p:cNvSpPr>
-          <p:nvPr>
-            <p:ph type="body" sz="quarter" idx="16"/>
-          </p:nvPr>
-        </p:nvSpPr>
-        <p:spPr>
-          <a:xfrm>
-            <a:off x="6191636" y="1272002"/>
-            <a:ext cx="1097892" cy="276999"/>
-          </a:xfrm>
-        </p:spPr>
-        <p:txBody>
-          <a:bodyPr/>
-          <a:lstStyle/>
-          <a:p>
-            <a:r>
-              <a:rPr lang="en-US" dirty="0" smtClean="0"/>
-              <a:t>Example</a:t>
-            </a:r>
-            <a:endParaRPr lang="en-US" dirty="0"/>
-          </a:p>
-        </p:txBody>
-      </p:sp>
-    </p:spTree>
-    <p:extLst>
-      <p:ext uri="{BB962C8B-B14F-4D97-AF65-F5344CB8AC3E}">
-        <p14:creationId xmlns:p14="http://schemas.microsoft.com/office/powerpoint/2010/main" val="1748447393"/>
-      </p:ext>
-    </p:extLst>
-  </p:cSld>
-  <p:clrMapOvr>
-    <a:masterClrMapping/>
-  </p:clrMapOvr>
-  <p:transition xmlns:p14="http://schemas.microsoft.com/office/powerpoint/2010/main">
-    <p:fade thruBlk="1"/>
-  </p:transition>
-  <p:timing>
-    <p:tnLst>
-      <p:par>
-        <p:cTn xmlns:p14="http://schemas.microsoft.com/office/powerpoint/2010/main" id="1" dur="indefinite" restart="never" nodeType="tmRoot"/>
-      </p:par>
-    </p:tnLst>
-  </p:timing>
-</p:sld>
-</file>
-
-<file path=ppt/slides/slide25.xml><?xml version="1.0" encoding="utf-8"?>
-<p:sld xmlns:a="http://schemas.openxmlformats.org/drawingml/2006/main" xmlns:r="http://schemas.openxmlformats.org/officeDocument/2006/relationships" xmlns:p="http://schemas.openxmlformats.org/presentationml/2006/main">
-  <p:cSld>
-    <p:spTree>
-      <p:nvGrpSpPr>
-        <p:cNvPr id="1" name=""/>
-        <p:cNvGrpSpPr/>
-        <p:nvPr/>
-      </p:nvGrpSpPr>
-      <p:grpSpPr>
-        <a:xfrm>
-          <a:off x="0" y="0"/>
-          <a:ext cx="0" cy="0"/>
-          <a:chOff x="0" y="0"/>
-          <a:chExt cx="0" cy="0"/>
-        </a:xfrm>
-      </p:grpSpPr>
-      <p:sp>
-        <p:nvSpPr>
-          <p:cNvPr id="2" name="Title 1"/>
-          <p:cNvSpPr>
-            <a:spLocks noGrp="1"/>
-          </p:cNvSpPr>
-          <p:nvPr>
-            <p:ph type="title"/>
-          </p:nvPr>
-        </p:nvSpPr>
-        <p:spPr>
-          <a:xfrm>
-            <a:off x="321623" y="418905"/>
-            <a:ext cx="2914692" cy="307777"/>
-          </a:xfrm>
-        </p:spPr>
-        <p:txBody>
-          <a:bodyPr/>
-          <a:lstStyle/>
-          <a:p>
-            <a:r>
-              <a:rPr lang="en-US" dirty="0" smtClean="0"/>
-              <a:t>LANGUAGE DRIVERS</a:t>
-            </a:r>
-            <a:endParaRPr lang="en-US" dirty="0"/>
-          </a:p>
-        </p:txBody>
-      </p:sp>
-      <p:sp>
-        <p:nvSpPr>
-          <p:cNvPr id="3" name="Slide Number Placeholder 2"/>
-          <p:cNvSpPr>
-            <a:spLocks noGrp="1"/>
-          </p:cNvSpPr>
-          <p:nvPr>
-            <p:ph type="sldNum" sz="quarter" idx="10"/>
-          </p:nvPr>
-        </p:nvSpPr>
-        <p:spPr/>
-        <p:txBody>
-          <a:bodyPr/>
-          <a:lstStyle/>
-          <a:p>
-            <a:fld id="{FF67BF5B-7344-D747-A0C2-CBD7B2ACBC85}" type="slidenum">
-              <a:rPr lang="en-US" smtClean="0"/>
-              <a:pPr/>
-              <a:t>25</a:t>
+              <a:t>27</a:t>
             </a:fld>
             <a:endParaRPr lang="en-US" dirty="0"/>
           </a:p>
@@ -16517,7 +17021,7 @@
 </p:sld>
 </file>
 
-<file path=ppt/slides/slide26.xml><?xml version="1.0" encoding="utf-8"?>
+<file path=ppt/slides/slide28.xml><?xml version="1.0" encoding="utf-8"?>
 <p:sld xmlns:a="http://schemas.openxmlformats.org/drawingml/2006/main" xmlns:r="http://schemas.openxmlformats.org/officeDocument/2006/relationships" xmlns:p="http://schemas.openxmlformats.org/presentationml/2006/main">
   <p:cSld>
     <p:spTree>
@@ -16580,7 +17084,7 @@
             <a:fld id="{FF67BF5B-7344-D747-A0C2-CBD7B2ACBC85}" type="slidenum">
               <a:rPr lang="en-US" smtClean="0"/>
               <a:pPr/>
-              <a:t>26</a:t>
+              <a:t>28</a:t>
             </a:fld>
             <a:endParaRPr lang="en-US" dirty="0"/>
           </a:p>
@@ -16805,36 +17309,12 @@
               <a:rPr lang="en-US" dirty="0" err="1" smtClean="0"/>
               <a:t>Konsulent</a:t>
             </a:r>
-            <a:endParaRPr lang="en-US" dirty="0"/>
-          </a:p>
-        </p:txBody>
-      </p:sp>
-      <p:sp>
-        <p:nvSpPr>
-          <p:cNvPr id="3" name="Text Placeholder 2"/>
-          <p:cNvSpPr>
-            <a:spLocks noGrp="1"/>
-          </p:cNvSpPr>
-          <p:nvPr>
-            <p:ph type="body" sz="quarter" idx="25"/>
-          </p:nvPr>
-        </p:nvSpPr>
-        <p:spPr/>
-        <p:txBody>
-          <a:bodyPr/>
-          <a:lstStyle/>
-          <a:p>
-            <a:r>
-              <a:rPr lang="en-US" dirty="0" err="1" smtClean="0"/>
-              <a:t>Frode</a:t>
-            </a:r>
-            <a:r>
-              <a:rPr lang="en-US" dirty="0" smtClean="0"/>
-              <a:t> </a:t>
-            </a:r>
-            <a:r>
-              <a:rPr lang="en-US" dirty="0" err="1" smtClean="0"/>
-              <a:t>Bjerke</a:t>
+            <a:endParaRPr lang="en-US" dirty="0" smtClean="0"/>
+          </a:p>
+          <a:p>
+            <a:r>
+              <a:rPr lang="en-US" dirty="0" err="1" smtClean="0"/>
+              <a:t>UiO</a:t>
             </a:r>
             <a:endParaRPr lang="en-US" dirty="0"/>
           </a:p>
@@ -16848,90 +17328,6 @@
           </p:cNvPicPr>
           <p:nvPr>
             <p:ph type="pic" sz="quarter" idx="26"/>
-          </p:nvPr>
-        </p:nvPicPr>
-        <p:blipFill>
-          <a:blip r:embed="rId2">
-            <a:extLst>
-              <a:ext uri="{28A0092B-C50C-407E-A947-70E740481C1C}">
-                <a14:useLocalDpi xmlns:a14="http://schemas.microsoft.com/office/drawing/2010/main" val="0"/>
-              </a:ext>
-            </a:extLst>
-          </a:blip>
-          <a:srcRect t="7184" b="7184"/>
-          <a:stretch>
-            <a:fillRect/>
-          </a:stretch>
-        </p:blipFill>
-        <p:spPr/>
-      </p:pic>
-      <p:sp>
-        <p:nvSpPr>
-          <p:cNvPr id="5" name="Text Placeholder 4"/>
-          <p:cNvSpPr>
-            <a:spLocks noGrp="1"/>
-          </p:cNvSpPr>
-          <p:nvPr>
-            <p:ph type="body" sz="quarter" idx="27"/>
-          </p:nvPr>
-        </p:nvSpPr>
-        <p:spPr>
-          <a:xfrm>
-            <a:off x="6091894" y="1841483"/>
-            <a:ext cx="2720693" cy="864000"/>
-          </a:xfrm>
-        </p:spPr>
-        <p:txBody>
-          <a:bodyPr/>
-          <a:lstStyle/>
-          <a:p>
-            <a:r>
-              <a:rPr lang="en-US" dirty="0" err="1" smtClean="0"/>
-              <a:t>Seniorkonsulent</a:t>
-            </a:r>
-            <a:endParaRPr lang="en-US" dirty="0"/>
-          </a:p>
-        </p:txBody>
-      </p:sp>
-      <p:sp>
-        <p:nvSpPr>
-          <p:cNvPr id="6" name="Text Placeholder 5"/>
-          <p:cNvSpPr>
-            <a:spLocks noGrp="1"/>
-          </p:cNvSpPr>
-          <p:nvPr>
-            <p:ph type="body" sz="quarter" idx="28"/>
-          </p:nvPr>
-        </p:nvSpPr>
-        <p:spPr/>
-        <p:txBody>
-          <a:bodyPr/>
-          <a:lstStyle/>
-          <a:p>
-            <a:r>
-              <a:rPr lang="en-US" dirty="0" err="1" smtClean="0"/>
-              <a:t>Eivind</a:t>
-            </a:r>
-            <a:r>
-              <a:rPr lang="en-US" dirty="0" smtClean="0"/>
-              <a:t> </a:t>
-            </a:r>
-            <a:r>
-              <a:rPr lang="en-US" dirty="0" err="1" smtClean="0"/>
-              <a:t>Bergstøl</a:t>
-            </a:r>
-            <a:endParaRPr lang="en-US" dirty="0"/>
-          </a:p>
-        </p:txBody>
-      </p:sp>
-      <p:pic>
-        <p:nvPicPr>
-          <p:cNvPr id="26" name="Picture Placeholder 25" descr="ViewEmployeeImage.jpg"/>
-          <p:cNvPicPr>
-            <a:picLocks noGrp="1" noChangeAspect="1"/>
-          </p:cNvPicPr>
-          <p:nvPr>
-            <p:ph type="pic" sz="quarter" idx="29"/>
           </p:nvPr>
         </p:nvPicPr>
         <p:blipFill>
@@ -16951,6 +17347,72 @@
       </p:pic>
       <p:sp>
         <p:nvSpPr>
+          <p:cNvPr id="5" name="Text Placeholder 4"/>
+          <p:cNvSpPr>
+            <a:spLocks noGrp="1"/>
+          </p:cNvSpPr>
+          <p:nvPr>
+            <p:ph type="body" sz="quarter" idx="27"/>
+          </p:nvPr>
+        </p:nvSpPr>
+        <p:spPr>
+          <a:xfrm>
+            <a:off x="6091894" y="1841483"/>
+            <a:ext cx="2720693" cy="864000"/>
+          </a:xfrm>
+        </p:spPr>
+        <p:txBody>
+          <a:bodyPr/>
+          <a:lstStyle/>
+          <a:p>
+            <a:r>
+              <a:rPr lang="en-US" dirty="0" err="1" smtClean="0"/>
+              <a:t>Konsulent</a:t>
+            </a:r>
+            <a:endParaRPr lang="en-US" dirty="0" smtClean="0"/>
+          </a:p>
+          <a:p>
+            <a:r>
+              <a:rPr lang="en-US" dirty="0" smtClean="0"/>
+              <a:t>INSA</a:t>
+            </a:r>
+            <a:endParaRPr lang="en-US" dirty="0"/>
+          </a:p>
+        </p:txBody>
+      </p:sp>
+      <p:sp>
+        <p:nvSpPr>
+          <p:cNvPr id="6" name="Text Placeholder 5"/>
+          <p:cNvSpPr>
+            <a:spLocks noGrp="1"/>
+          </p:cNvSpPr>
+          <p:nvPr>
+            <p:ph type="body" sz="quarter" idx="28"/>
+          </p:nvPr>
+        </p:nvSpPr>
+        <p:spPr/>
+        <p:txBody>
+          <a:bodyPr/>
+          <a:lstStyle/>
+          <a:p>
+            <a:r>
+              <a:rPr lang="en-US" dirty="0" err="1" smtClean="0"/>
+              <a:t>Frithjof</a:t>
+            </a:r>
+            <a:r>
+              <a:rPr lang="en-US" dirty="0" smtClean="0"/>
+              <a:t> </a:t>
+            </a:r>
+            <a:r>
+              <a:rPr lang="en-US" dirty="0" err="1" smtClean="0"/>
+              <a:t>Nerdrum</a:t>
+            </a:r>
+            <a:endParaRPr lang="en-US" dirty="0"/>
+          </a:p>
+        </p:txBody>
+      </p:sp>
+      <p:sp>
+        <p:nvSpPr>
           <p:cNvPr id="11" name="Title 10"/>
           <p:cNvSpPr>
             <a:spLocks noGrp="1"/>
@@ -17022,6 +17484,13 @@
             <a:r>
               <a:rPr lang="en-US" dirty="0" err="1" smtClean="0"/>
               <a:t>Konsulent</a:t>
+            </a:r>
+            <a:endParaRPr lang="en-US" dirty="0" smtClean="0"/>
+          </a:p>
+          <a:p>
+            <a:r>
+              <a:rPr lang="en-US" dirty="0" smtClean="0"/>
+              <a:t>NTNU</a:t>
             </a:r>
             <a:endParaRPr lang="en-US" dirty="0"/>
           </a:p>
@@ -17096,15 +17565,14 @@
           <a:p>
             <a:r>
               <a:rPr lang="en-US" dirty="0" err="1" smtClean="0"/>
-              <a:t>Fagleder</a:t>
-            </a:r>
-            <a:r>
-              <a:rPr lang="en-US" dirty="0" smtClean="0"/>
-              <a:t> </a:t>
-            </a:r>
-            <a:r>
-              <a:rPr lang="en-US" dirty="0" err="1" smtClean="0"/>
-              <a:t>NoSQL</a:t>
+              <a:t>Seniorkonsulent</a:t>
+            </a:r>
+            <a:endParaRPr lang="en-US" dirty="0" smtClean="0"/>
+          </a:p>
+          <a:p>
+            <a:r>
+              <a:rPr lang="en-US" dirty="0" err="1" smtClean="0"/>
+              <a:t>UiO</a:t>
             </a:r>
             <a:endParaRPr lang="en-US" dirty="0"/>
           </a:p>
@@ -17127,7 +17595,11 @@
           <a:p>
             <a:r>
               <a:rPr lang="en-US" dirty="0" smtClean="0"/>
-              <a:t>Andreas Heim</a:t>
+              <a:t>Fredrik </a:t>
+            </a:r>
+            <a:r>
+              <a:rPr lang="en-US" dirty="0" err="1" smtClean="0"/>
+              <a:t>Valdmanis</a:t>
             </a:r>
             <a:endParaRPr lang="en-US" dirty="0"/>
           </a:p>
@@ -17135,7 +17607,7 @@
       </p:sp>
       <p:pic>
         <p:nvPicPr>
-          <p:cNvPr id="25" name="Picture Placeholder 24" descr="ViewEmployeeImage.jpg"/>
+          <p:cNvPr id="15" name="Picture Placeholder 14" descr="ViewEmployeeImage.jpg"/>
           <p:cNvPicPr>
             <a:picLocks noGrp="1" noChangeAspect="1"/>
           </p:cNvPicPr>
@@ -17158,69 +17630,15 @@
         </p:blipFill>
         <p:spPr/>
       </p:pic>
-      <p:sp>
-        <p:nvSpPr>
-          <p:cNvPr id="33" name="Text Placeholder 1"/>
-          <p:cNvSpPr>
-            <a:spLocks noGrp="1"/>
-          </p:cNvSpPr>
-          <p:nvPr>
-            <p:ph type="body" sz="quarter" idx="24"/>
-          </p:nvPr>
-        </p:nvSpPr>
-        <p:spPr>
-          <a:xfrm>
-            <a:off x="1854176" y="5575605"/>
-            <a:ext cx="2720004" cy="836083"/>
-          </a:xfrm>
-        </p:spPr>
-        <p:txBody>
-          <a:bodyPr/>
-          <a:lstStyle/>
-          <a:p>
-            <a:r>
-              <a:rPr lang="en-US" dirty="0" err="1" smtClean="0"/>
-              <a:t>Konsulent</a:t>
-            </a:r>
-            <a:endParaRPr lang="en-US" dirty="0"/>
-          </a:p>
-        </p:txBody>
-      </p:sp>
-      <p:sp>
-        <p:nvSpPr>
-          <p:cNvPr id="34" name="Text Placeholder 2"/>
-          <p:cNvSpPr>
-            <a:spLocks noGrp="1"/>
-          </p:cNvSpPr>
-          <p:nvPr>
-            <p:ph type="body" sz="quarter" idx="25"/>
-          </p:nvPr>
-        </p:nvSpPr>
-        <p:spPr>
-          <a:xfrm>
-            <a:off x="1854174" y="5281665"/>
-            <a:ext cx="2720691" cy="288000"/>
-          </a:xfrm>
-        </p:spPr>
-        <p:txBody>
-          <a:bodyPr/>
-          <a:lstStyle/>
-          <a:p>
-            <a:r>
-              <a:rPr lang="en-US" dirty="0" smtClean="0"/>
-              <a:t>Tri Nguyen</a:t>
-            </a:r>
-            <a:endParaRPr lang="en-US" dirty="0"/>
-          </a:p>
-        </p:txBody>
-      </p:sp>
       <p:pic>
         <p:nvPicPr>
-          <p:cNvPr id="36" name="Picture 35" descr="ViewEmployeeImage.jpg"/>
+          <p:cNvPr id="18" name="Picture Placeholder 17" descr="ViewEmployeeImage.jpg"/>
           <p:cNvPicPr>
-            <a:picLocks noChangeAspect="1"/>
+            <a:picLocks noGrp="1" noChangeAspect="1"/>
           </p:cNvPicPr>
-          <p:nvPr/>
+          <p:nvPr>
+            <p:ph type="pic" sz="quarter" idx="29"/>
+          </p:nvPr>
         </p:nvPicPr>
         <p:blipFill>
           <a:blip r:embed="rId6">
@@ -17230,20 +17648,44 @@
               </a:ext>
             </a:extLst>
           </a:blip>
+          <a:srcRect t="7184" b="7184"/>
           <a:stretch>
             <a:fillRect/>
           </a:stretch>
         </p:blipFill>
-        <p:spPr>
-          <a:xfrm>
-            <a:off x="418736" y="4977917"/>
-            <a:ext cx="1432560" cy="1432560"/>
-          </a:xfrm>
-          <a:prstGeom prst="rect">
-            <a:avLst/>
-          </a:prstGeom>
-        </p:spPr>
+        <p:spPr/>
       </p:pic>
+      <p:sp>
+        <p:nvSpPr>
+          <p:cNvPr id="9" name="Text Placeholder 8"/>
+          <p:cNvSpPr>
+            <a:spLocks noGrp="1"/>
+          </p:cNvSpPr>
+          <p:nvPr>
+            <p:ph type="body" sz="quarter" idx="25"/>
+          </p:nvPr>
+        </p:nvSpPr>
+        <p:spPr/>
+        <p:txBody>
+          <a:bodyPr/>
+          <a:lstStyle/>
+          <a:p>
+            <a:r>
+              <a:rPr lang="en-US" dirty="0" err="1" smtClean="0"/>
+              <a:t>Frode</a:t>
+            </a:r>
+            <a:r>
+              <a:rPr lang="en-US" dirty="0" smtClean="0"/>
+              <a:t> </a:t>
+            </a:r>
+            <a:r>
+              <a:rPr lang="en-US" dirty="0" err="1" smtClean="0"/>
+              <a:t>Bjerke</a:t>
+            </a:r>
+            <a:endParaRPr lang="en-US" dirty="0"/>
+          </a:p>
+        </p:txBody>
+      </p:sp>
     </p:spTree>
     <p:extLst>
       <p:ext uri="{BB962C8B-B14F-4D97-AF65-F5344CB8AC3E}">
@@ -17491,11 +17933,7 @@
             </a:r>
             <a:r>
               <a:rPr lang="en-US" dirty="0" smtClean="0"/>
-              <a:t> is a document-oriented non-relational </a:t>
-            </a:r>
-            <a:r>
-              <a:rPr lang="en-US" dirty="0" smtClean="0"/>
-              <a:t>database.</a:t>
+              <a:t> is a document-oriented non-relational database.</a:t>
             </a:r>
           </a:p>
         </p:txBody>

--- a/mongodb/mongodb-slides.pptx
+++ b/mongodb/mongodb-slides.pptx
@@ -12463,15 +12463,7 @@
             </a:r>
             <a:r>
               <a:rPr lang="en-US" dirty="0" smtClean="0"/>
-              <a:t>“$set”: </a:t>
-            </a:r>
-            <a:r>
-              <a:rPr lang="en-US" dirty="0" smtClean="0"/>
-              <a:t>{name: “Richard M. Nixon”</a:t>
-            </a:r>
-            <a:r>
-              <a:rPr lang="en-US" dirty="0" smtClean="0"/>
-              <a:t>}</a:t>
+              <a:t>“$set”: {name: “Richard M. Nixon”}</a:t>
             </a:r>
           </a:p>
           <a:p>
@@ -12698,12 +12690,23 @@
           <a:bodyPr/>
           <a:lstStyle/>
           <a:p>
+            <a:pPr marL="342900" indent="-342900">
+              <a:buAutoNum type="arabicPeriod"/>
+            </a:pPr>
             <a:r>
               <a:rPr lang="en-US" dirty="0" err="1" smtClean="0"/>
               <a:t>Velg</a:t>
             </a:r>
             <a:r>
               <a:rPr lang="en-US" dirty="0" smtClean="0"/>
+              <a:t> </a:t>
+            </a:r>
+            <a:r>
+              <a:rPr lang="en-US" dirty="0" err="1" smtClean="0"/>
+              <a:t>dere</a:t>
+            </a:r>
+            <a:r>
+              <a:rPr lang="en-US" dirty="0" smtClean="0"/>
               <a:t> en server </a:t>
             </a:r>
             <a:r>
@@ -12712,81 +12715,149 @@
             </a:r>
             <a:r>
               <a:rPr lang="en-US" dirty="0" smtClean="0"/>
+              <a:t> marker </a:t>
+            </a:r>
+            <a:r>
+              <a:rPr lang="en-US" dirty="0" smtClean="0"/>
+              <a:t>den med </a:t>
+            </a:r>
+            <a:r>
+              <a:rPr lang="en-US" dirty="0" err="1" smtClean="0"/>
+              <a:t>navn</a:t>
+            </a:r>
+            <a:r>
+              <a:rPr lang="en-US" dirty="0" smtClean="0"/>
               <a:t> </a:t>
             </a:r>
             <a:r>
               <a:rPr lang="en-US" dirty="0" err="1" smtClean="0"/>
-              <a:t>skriv</a:t>
-            </a:r>
-            <a:r>
-              <a:rPr lang="en-US" dirty="0" smtClean="0"/>
-              <a:t> </a:t>
-            </a:r>
-            <a:r>
-              <a:rPr lang="en-US" dirty="0" err="1" smtClean="0"/>
-              <a:t>deres</a:t>
-            </a:r>
-            <a:r>
-              <a:rPr lang="en-US" dirty="0" smtClean="0"/>
-              <a:t> </a:t>
-            </a:r>
-            <a:r>
-              <a:rPr lang="en-US" dirty="0" err="1" smtClean="0"/>
-              <a:t>navn</a:t>
-            </a:r>
-            <a:r>
-              <a:rPr lang="en-US" dirty="0" smtClean="0"/>
-              <a:t> </a:t>
-            </a:r>
-            <a:r>
-              <a:rPr lang="en-US" dirty="0" err="1" smtClean="0"/>
-              <a:t>ved</a:t>
-            </a:r>
-            <a:r>
-              <a:rPr lang="en-US" dirty="0" smtClean="0"/>
-              <a:t> den: </a:t>
-            </a:r>
-            <a:r>
-              <a:rPr lang="en-US" dirty="0" smtClean="0">
+              <a:t>på</a:t>
+            </a:r>
+            <a:r>
+              <a:rPr lang="en-US" dirty="0" smtClean="0"/>
+              <a:t>: </a:t>
+            </a:r>
+            <a:r>
+              <a:rPr lang="en-US" i="1" u="sng" dirty="0" smtClean="0">
                 <a:hlinkClick r:id="rId2"/>
               </a:rPr>
               <a:t>http</a:t>
             </a:r>
             <a:r>
-              <a:rPr lang="en-US" dirty="0">
+              <a:rPr lang="en-US" i="1" u="sng" dirty="0">
                 <a:hlinkClick r:id="rId2"/>
               </a:rPr>
-              <a:t>://bit.ly/</a:t>
-            </a:r>
-            <a:r>
-              <a:rPr lang="en-US" dirty="0" smtClean="0">
+              <a:t>:</a:t>
+            </a:r>
+            <a:r>
+              <a:rPr lang="en-US" i="1" u="sng" dirty="0" smtClean="0">
                 <a:hlinkClick r:id="rId2"/>
               </a:rPr>
-              <a:t>1z7E3Ou</a:t>
-            </a:r>
+              <a:t>/</a:t>
+            </a:r>
+            <a:r>
+              <a:rPr lang="en-US" i="1" u="sng" dirty="0">
+                <a:hlinkClick r:id="rId2"/>
+              </a:rPr>
+              <a:t>/</a:t>
+            </a:r>
+            <a:r>
+              <a:rPr lang="en-US" i="1" u="sng" dirty="0" smtClean="0">
+                <a:hlinkClick r:id="rId2"/>
+              </a:rPr>
+              <a:t>bit.ly/</a:t>
+            </a:r>
+            <a:r>
+              <a:rPr lang="en-US" i="1" u="sng" dirty="0">
+                <a:hlinkClick r:id="rId2"/>
+              </a:rPr>
+              <a:t>mongo-</a:t>
+            </a:r>
+            <a:r>
+              <a:rPr lang="en-US" i="1" u="sng" dirty="0" smtClean="0">
+                <a:hlinkClick r:id="rId2"/>
+              </a:rPr>
+              <a:t>ip</a:t>
+            </a:r>
+            <a:endParaRPr lang="en-US" i="1" u="sng" dirty="0" smtClean="0"/>
+          </a:p>
+          <a:p>
             <a:endParaRPr lang="en-US" dirty="0" smtClean="0"/>
           </a:p>
           <a:p>
+            <a:r>
+              <a:rPr lang="en-US" dirty="0" smtClean="0"/>
+              <a:t>2. </a:t>
+            </a:r>
+            <a:r>
+              <a:rPr lang="en-US" dirty="0" err="1" smtClean="0"/>
+              <a:t>Åpne</a:t>
+            </a:r>
+            <a:r>
+              <a:rPr lang="en-US" dirty="0" smtClean="0"/>
+              <a:t> </a:t>
+            </a:r>
+            <a:r>
+              <a:rPr lang="en-US" dirty="0" smtClean="0"/>
+              <a:t>en terminal:</a:t>
+            </a:r>
+          </a:p>
+          <a:p>
+            <a:r>
+              <a:rPr lang="en-US" dirty="0" smtClean="0"/>
+              <a:t>&gt; </a:t>
+            </a:r>
+            <a:r>
+              <a:rPr lang="en-US" dirty="0" err="1" smtClean="0"/>
+              <a:t>ssh</a:t>
+            </a:r>
+            <a:r>
+              <a:rPr lang="en-US" dirty="0" smtClean="0"/>
+              <a:t> </a:t>
+            </a:r>
+            <a:r>
+              <a:rPr lang="en-US" dirty="0" err="1" smtClean="0"/>
+              <a:t>mongokurs</a:t>
+            </a:r>
+            <a:r>
+              <a:rPr lang="en-US" dirty="0" smtClean="0"/>
+              <a:t>@&lt;</a:t>
+            </a:r>
+            <a:r>
+              <a:rPr lang="en-US" dirty="0" err="1" smtClean="0"/>
+              <a:t>ipadresse</a:t>
+            </a:r>
+            <a:r>
+              <a:rPr lang="en-US" dirty="0" smtClean="0"/>
+              <a:t>&gt;</a:t>
+            </a:r>
+          </a:p>
+          <a:p>
+            <a:r>
+              <a:rPr lang="en-US" dirty="0" err="1" smtClean="0"/>
+              <a:t>Passord</a:t>
+            </a:r>
+            <a:r>
+              <a:rPr lang="en-US" dirty="0" smtClean="0"/>
+              <a:t>: </a:t>
+            </a:r>
+            <a:r>
+              <a:rPr lang="en-US" dirty="0" err="1" smtClean="0"/>
+              <a:t>mongoerkult</a:t>
+            </a:r>
             <a:endParaRPr lang="en-US" dirty="0" smtClean="0"/>
           </a:p>
           <a:p>
-            <a:r>
-              <a:rPr lang="en-US" dirty="0" err="1" smtClean="0"/>
-              <a:t>Åpne</a:t>
-            </a:r>
-            <a:r>
-              <a:rPr lang="en-US" dirty="0" smtClean="0"/>
-              <a:t> en terminal:</a:t>
-            </a:r>
-          </a:p>
-          <a:p>
-            <a:r>
-              <a:rPr lang="en-US" dirty="0" smtClean="0"/>
-              <a:t>&gt; </a:t>
-            </a:r>
-            <a:r>
-              <a:rPr lang="en-US" dirty="0" err="1" smtClean="0"/>
-              <a:t>ssh</a:t>
+            <a:endParaRPr lang="en-US" dirty="0"/>
+          </a:p>
+          <a:p>
+            <a:r>
+              <a:rPr lang="en-US" dirty="0" smtClean="0"/>
+              <a:t>3. Finn </a:t>
+            </a:r>
+            <a:r>
+              <a:rPr lang="en-US" dirty="0" err="1" smtClean="0"/>
+              <a:t>oppgavesett</a:t>
             </a:r>
             <a:r>
               <a:rPr lang="en-US" dirty="0" smtClean="0"/>
@@ -12794,35 +12865,56 @@
             </a:r>
             <a:r>
               <a:rPr lang="en-US" dirty="0" err="1" smtClean="0"/>
-              <a:t>mongokurs</a:t>
-            </a:r>
-            <a:r>
-              <a:rPr lang="en-US" dirty="0" smtClean="0"/>
-              <a:t>@&lt;</a:t>
-            </a:r>
-            <a:r>
-              <a:rPr lang="en-US" dirty="0" err="1" smtClean="0"/>
-              <a:t>ipadresse</a:t>
-            </a:r>
-            <a:r>
-              <a:rPr lang="en-US" dirty="0" smtClean="0"/>
-              <a:t>&gt;</a:t>
-            </a:r>
-          </a:p>
-          <a:p>
-            <a:r>
-              <a:rPr lang="en-US" dirty="0" err="1" smtClean="0"/>
-              <a:t>Passord</a:t>
-            </a:r>
-            <a:r>
-              <a:rPr lang="en-US" dirty="0" smtClean="0"/>
-              <a:t>: </a:t>
-            </a:r>
-            <a:r>
-              <a:rPr lang="en-US" dirty="0" err="1"/>
-              <a:t>mongoerkult</a:t>
-            </a:r>
-            <a:endParaRPr lang="en-US" dirty="0" smtClean="0"/>
+              <a:t>på</a:t>
+            </a:r>
+            <a:r>
+              <a:rPr lang="en-US" dirty="0" smtClean="0"/>
+              <a:t>:</a:t>
+            </a:r>
+          </a:p>
+          <a:p>
+            <a:r>
+              <a:rPr lang="en-US" dirty="0" smtClean="0"/>
+              <a:t>-    </a:t>
+            </a:r>
+            <a:r>
+              <a:rPr lang="en-US" dirty="0" err="1" smtClean="0"/>
+              <a:t>Github.com</a:t>
+            </a:r>
+            <a:r>
+              <a:rPr lang="en-US" dirty="0" smtClean="0"/>
+              <a:t>/</a:t>
+            </a:r>
+            <a:r>
+              <a:rPr lang="en-US" dirty="0" err="1" smtClean="0"/>
+              <a:t>bekkopen</a:t>
+            </a:r>
+            <a:r>
+              <a:rPr lang="en-US" dirty="0" smtClean="0"/>
+              <a:t>/</a:t>
+            </a:r>
+            <a:r>
+              <a:rPr lang="en-US" dirty="0" err="1" smtClean="0"/>
+              <a:t>databasekurs</a:t>
+            </a:r>
+            <a:r>
+              <a:rPr lang="en-US" dirty="0" smtClean="0"/>
+              <a:t>/</a:t>
+            </a:r>
+          </a:p>
+          <a:p>
+            <a:pPr marL="285750" indent="-285750">
+              <a:buFontTx/>
+              <a:buChar char="-"/>
+            </a:pPr>
+            <a:r>
+              <a:rPr lang="en-US" dirty="0" err="1" smtClean="0"/>
+              <a:t>Mongodb</a:t>
+            </a:r>
+            <a:r>
+              <a:rPr lang="en-US" dirty="0" smtClean="0"/>
+              <a:t> -&gt; exercises</a:t>
+            </a:r>
           </a:p>
           <a:p>
             <a:endParaRPr lang="en-US" dirty="0"/>
@@ -14534,11 +14626,6 @@
               </a:rPr>
               <a:t>Passport</a:t>
             </a:r>
-            <a:endParaRPr lang="en-US" sz="1400" dirty="0" smtClean="0">
-              <a:solidFill>
-                <a:schemeClr val="tx1"/>
-              </a:solidFill>
-            </a:endParaRPr>
           </a:p>
         </p:txBody>
       </p:sp>
@@ -14737,11 +14824,6 @@
               </a:rPr>
               <a:t>User</a:t>
             </a:r>
-            <a:endParaRPr lang="en-US" sz="1400" dirty="0" smtClean="0">
-              <a:solidFill>
-                <a:schemeClr val="tx1"/>
-              </a:solidFill>
-            </a:endParaRPr>
           </a:p>
         </p:txBody>
       </p:sp>
@@ -14910,11 +14992,6 @@
               </a:rPr>
               <a:t>Cart</a:t>
             </a:r>
-            <a:endParaRPr lang="en-US" sz="1400" dirty="0" smtClean="0">
-              <a:solidFill>
-                <a:schemeClr val="tx1"/>
-              </a:solidFill>
-            </a:endParaRPr>
           </a:p>
         </p:txBody>
       </p:sp>
@@ -15138,15 +15215,7 @@
                   <a:schemeClr val="tx1"/>
                 </a:solidFill>
               </a:rPr>
-              <a:t>c</a:t>
-            </a:r>
-            <a:r>
-              <a:rPr lang="en-US" sz="1400" dirty="0" smtClean="0">
-                <a:solidFill>
-                  <a:schemeClr val="tx1"/>
-                </a:solidFill>
-              </a:rPr>
-              <a:t>arts: [</a:t>
+              <a:t>carts: [</a:t>
             </a:r>
           </a:p>
           <a:p>
@@ -15299,11 +15368,6 @@
               </a:rPr>
               <a:t>_id: 9001</a:t>
             </a:r>
-            <a:endParaRPr lang="en-US" sz="1400" dirty="0" smtClean="0">
-              <a:solidFill>
-                <a:schemeClr val="tx1"/>
-              </a:solidFill>
-            </a:endParaRPr>
           </a:p>
         </p:txBody>
       </p:sp>
@@ -15380,11 +15444,6 @@
               </a:rPr>
               <a:t>_id: 9876</a:t>
             </a:r>
-            <a:endParaRPr lang="en-US" sz="1400" dirty="0" smtClean="0">
-              <a:solidFill>
-                <a:schemeClr val="tx1"/>
-              </a:solidFill>
-            </a:endParaRPr>
           </a:p>
         </p:txBody>
       </p:sp>
@@ -15599,11 +15658,6 @@
               </a:rPr>
               <a:t>_id: 42</a:t>
             </a:r>
-            <a:endParaRPr lang="en-US" sz="1400" dirty="0" smtClean="0">
-              <a:solidFill>
-                <a:schemeClr val="tx1"/>
-              </a:solidFill>
-            </a:endParaRPr>
           </a:p>
         </p:txBody>
       </p:sp>
@@ -15688,11 +15742,6 @@
               </a:rPr>
               <a:t>: 42</a:t>
             </a:r>
-            <a:endParaRPr lang="en-US" sz="1400" dirty="0" smtClean="0">
-              <a:solidFill>
-                <a:schemeClr val="tx1"/>
-              </a:solidFill>
-            </a:endParaRPr>
           </a:p>
         </p:txBody>
       </p:sp>
@@ -15777,11 +15826,6 @@
               </a:rPr>
               <a:t>: 42</a:t>
             </a:r>
-            <a:endParaRPr lang="en-US" sz="1400" dirty="0" smtClean="0">
-              <a:solidFill>
-                <a:schemeClr val="tx1"/>
-              </a:solidFill>
-            </a:endParaRPr>
           </a:p>
         </p:txBody>
       </p:sp>
@@ -16642,7 +16686,6 @@
               <a:rPr lang="en-US" sz="1700" dirty="0" smtClean="0"/>
               <a:t>By embedding references in both documents</a:t>
             </a:r>
-            <a:endParaRPr lang="en-US" sz="1700" dirty="0" smtClean="0"/>
           </a:p>
         </p:txBody>
       </p:sp>

--- a/mongodb/mongodb-slides.pptx
+++ b/mongodb/mongodb-slides.pptx
@@ -13002,7 +13002,11 @@
             </a:pPr>
             <a:r>
               <a:rPr lang="en-US" sz="1700" dirty="0" smtClean="0"/>
-              <a:t>&gt; Show </a:t>
+              <a:t>&gt; </a:t>
+            </a:r>
+            <a:r>
+              <a:rPr lang="en-US" sz="1700" dirty="0" smtClean="0"/>
+              <a:t>show </a:t>
             </a:r>
             <a:r>
               <a:rPr lang="en-US" sz="1700" dirty="0" err="1" smtClean="0"/>
@@ -13038,8 +13042,12 @@
               <a:t>&gt; </a:t>
             </a:r>
             <a:r>
+              <a:rPr lang="en-US" sz="1700" dirty="0"/>
+              <a:t>u</a:t>
+            </a:r>
+            <a:r>
               <a:rPr lang="en-US" sz="1700" dirty="0" smtClean="0"/>
-              <a:t>Use </a:t>
+              <a:t>se </a:t>
             </a:r>
             <a:r>
               <a:rPr lang="en-US" sz="1700" dirty="0" err="1" smtClean="0"/>
@@ -13080,7 +13088,15 @@
             </a:pPr>
             <a:r>
               <a:rPr lang="en-US" sz="1700" i="1" dirty="0" smtClean="0"/>
-              <a:t>&gt; Show collections</a:t>
+              <a:t>&gt; </a:t>
+            </a:r>
+            <a:r>
+              <a:rPr lang="en-US" sz="1700" i="1" dirty="0" smtClean="0"/>
+              <a:t>show </a:t>
+            </a:r>
+            <a:r>
+              <a:rPr lang="en-US" sz="1700" i="1" dirty="0" smtClean="0"/>
+              <a:t>collections</a:t>
             </a:r>
           </a:p>
           <a:p>
@@ -14642,6 +14658,13 @@
   <p:transition xmlns:p14="http://schemas.microsoft.com/office/powerpoint/2010/main">
     <p:fade thruBlk="1"/>
   </p:transition>
+  <p:timing>
+    <p:tnLst>
+      <p:par>
+        <p:cTn xmlns:p14="http://schemas.microsoft.com/office/powerpoint/2010/main" id="1" dur="indefinite" restart="never" nodeType="tmRoot"/>
+      </p:par>
+    </p:tnLst>
+  </p:timing>
 </p:sld>
 </file>
 
@@ -15008,6 +15031,13 @@
   <p:transition xmlns:p14="http://schemas.microsoft.com/office/powerpoint/2010/main">
     <p:fade thruBlk="1"/>
   </p:transition>
+  <p:timing>
+    <p:tnLst>
+      <p:par>
+        <p:cTn xmlns:p14="http://schemas.microsoft.com/office/powerpoint/2010/main" id="1" dur="indefinite" restart="never" nodeType="tmRoot"/>
+      </p:par>
+    </p:tnLst>
+  </p:timing>
 </p:sld>
 </file>
 
@@ -15460,6 +15490,13 @@
   <p:transition xmlns:p14="http://schemas.microsoft.com/office/powerpoint/2010/main">
     <p:fade thruBlk="1"/>
   </p:transition>
+  <p:timing>
+    <p:tnLst>
+      <p:par>
+        <p:cTn xmlns:p14="http://schemas.microsoft.com/office/powerpoint/2010/main" id="1" dur="indefinite" restart="never" nodeType="tmRoot"/>
+      </p:par>
+    </p:tnLst>
+  </p:timing>
 </p:sld>
 </file>
 
@@ -15842,6 +15879,13 @@
   <p:transition xmlns:p14="http://schemas.microsoft.com/office/powerpoint/2010/main">
     <p:fade thruBlk="1"/>
   </p:transition>
+  <p:timing>
+    <p:tnLst>
+      <p:par>
+        <p:cTn xmlns:p14="http://schemas.microsoft.com/office/powerpoint/2010/main" id="1" dur="indefinite" restart="never" nodeType="tmRoot"/>
+      </p:par>
+    </p:tnLst>
+  </p:timing>
 </p:sld>
 </file>
 
@@ -16195,6 +16239,13 @@
   <p:transition xmlns:p14="http://schemas.microsoft.com/office/powerpoint/2010/main">
     <p:fade thruBlk="1"/>
   </p:transition>
+  <p:timing>
+    <p:tnLst>
+      <p:par>
+        <p:cTn xmlns:p14="http://schemas.microsoft.com/office/powerpoint/2010/main" id="1" dur="indefinite" restart="never" nodeType="tmRoot"/>
+      </p:par>
+    </p:tnLst>
+  </p:timing>
 </p:sld>
 </file>
 
@@ -16702,6 +16753,13 @@
   <p:transition xmlns:p14="http://schemas.microsoft.com/office/powerpoint/2010/main">
     <p:fade thruBlk="1"/>
   </p:transition>
+  <p:timing>
+    <p:tnLst>
+      <p:par>
+        <p:cTn xmlns:p14="http://schemas.microsoft.com/office/powerpoint/2010/main" id="1" dur="indefinite" restart="never" nodeType="tmRoot"/>
+      </p:par>
+    </p:tnLst>
+  </p:timing>
 </p:sld>
 </file>
 

--- a/mongodb/mongodb-slides.pptx
+++ b/mongodb/mongodb-slides.pptx
@@ -5,10 +5,10 @@
     <p:sldMasterId id="2147483648" r:id="rId1"/>
   </p:sldMasterIdLst>
   <p:notesMasterIdLst>
-    <p:notesMasterId r:id="rId26"/>
+    <p:notesMasterId r:id="rId29"/>
   </p:notesMasterIdLst>
   <p:handoutMasterIdLst>
-    <p:handoutMasterId r:id="rId27"/>
+    <p:handoutMasterId r:id="rId30"/>
   </p:handoutMasterIdLst>
   <p:sldIdLst>
     <p:sldId id="256" r:id="rId2"/>
@@ -16,25 +16,28 @@
     <p:sldId id="260" r:id="rId4"/>
     <p:sldId id="262" r:id="rId5"/>
     <p:sldId id="263" r:id="rId6"/>
-    <p:sldId id="264" r:id="rId7"/>
-    <p:sldId id="265" r:id="rId8"/>
-    <p:sldId id="273" r:id="rId9"/>
-    <p:sldId id="267" r:id="rId10"/>
-    <p:sldId id="268" r:id="rId11"/>
-    <p:sldId id="269" r:id="rId12"/>
-    <p:sldId id="270" r:id="rId13"/>
-    <p:sldId id="271" r:id="rId14"/>
-    <p:sldId id="272" r:id="rId15"/>
-    <p:sldId id="274" r:id="rId16"/>
-    <p:sldId id="289" r:id="rId17"/>
-    <p:sldId id="286" r:id="rId18"/>
-    <p:sldId id="291" r:id="rId19"/>
-    <p:sldId id="287" r:id="rId20"/>
-    <p:sldId id="288" r:id="rId21"/>
-    <p:sldId id="290" r:id="rId22"/>
-    <p:sldId id="284" r:id="rId23"/>
-    <p:sldId id="282" r:id="rId24"/>
-    <p:sldId id="283" r:id="rId25"/>
+    <p:sldId id="292" r:id="rId7"/>
+    <p:sldId id="293" r:id="rId8"/>
+    <p:sldId id="294" r:id="rId9"/>
+    <p:sldId id="264" r:id="rId10"/>
+    <p:sldId id="265" r:id="rId11"/>
+    <p:sldId id="273" r:id="rId12"/>
+    <p:sldId id="267" r:id="rId13"/>
+    <p:sldId id="268" r:id="rId14"/>
+    <p:sldId id="269" r:id="rId15"/>
+    <p:sldId id="270" r:id="rId16"/>
+    <p:sldId id="271" r:id="rId17"/>
+    <p:sldId id="272" r:id="rId18"/>
+    <p:sldId id="274" r:id="rId19"/>
+    <p:sldId id="289" r:id="rId20"/>
+    <p:sldId id="286" r:id="rId21"/>
+    <p:sldId id="291" r:id="rId22"/>
+    <p:sldId id="287" r:id="rId23"/>
+    <p:sldId id="288" r:id="rId24"/>
+    <p:sldId id="290" r:id="rId25"/>
+    <p:sldId id="284" r:id="rId26"/>
+    <p:sldId id="282" r:id="rId27"/>
+    <p:sldId id="283" r:id="rId28"/>
   </p:sldIdLst>
   <p:sldSz cx="9144000" cy="6858000" type="screen4x3"/>
   <p:notesSz cx="6858000" cy="9144000"/>
@@ -599,6 +602,190 @@
           <a:p>
             <a:r>
               <a:rPr lang="en-US" dirty="0" smtClean="0"/>
+              <a:t>Show</a:t>
+            </a:r>
+            <a:r>
+              <a:rPr lang="en-US" baseline="0" dirty="0" smtClean="0"/>
+              <a:t> in the shell</a:t>
+            </a:r>
+          </a:p>
+          <a:p>
+            <a:r>
+              <a:rPr lang="en-US" baseline="0" dirty="0" smtClean="0"/>
+              <a:t>Find </a:t>
+            </a:r>
+            <a:r>
+              <a:rPr lang="en-US" baseline="0" dirty="0" err="1" smtClean="0"/>
+              <a:t>løiten</a:t>
+            </a:r>
+            <a:r>
+              <a:rPr lang="en-US" baseline="0" dirty="0" smtClean="0"/>
+              <a:t> </a:t>
+            </a:r>
+            <a:r>
+              <a:rPr lang="en-US" baseline="0" dirty="0" err="1" smtClean="0"/>
+              <a:t>linie</a:t>
+            </a:r>
+            <a:endParaRPr lang="en-US" dirty="0"/>
+          </a:p>
+        </p:txBody>
+      </p:sp>
+    </p:spTree>
+    <p:extLst>
+      <p:ext uri="{BB962C8B-B14F-4D97-AF65-F5344CB8AC3E}">
+        <p14:creationId xmlns:p14="http://schemas.microsoft.com/office/powerpoint/2010/main" val="1128128288"/>
+      </p:ext>
+    </p:extLst>
+  </p:cSld>
+  <p:clrMapOvr>
+    <a:masterClrMapping/>
+  </p:clrMapOvr>
+</p:notes>
+</file>
+
+<file path=ppt/notesSlides/notesSlide11.xml><?xml version="1.0" encoding="utf-8"?>
+<p:notes xmlns:a="http://schemas.openxmlformats.org/drawingml/2006/main" xmlns:r="http://schemas.openxmlformats.org/officeDocument/2006/relationships" xmlns:p="http://schemas.openxmlformats.org/presentationml/2006/main">
+  <p:cSld>
+    <p:spTree>
+      <p:nvGrpSpPr>
+        <p:cNvPr id="1" name=""/>
+        <p:cNvGrpSpPr/>
+        <p:nvPr/>
+      </p:nvGrpSpPr>
+      <p:grpSpPr>
+        <a:xfrm>
+          <a:off x="0" y="0"/>
+          <a:ext cx="0" cy="0"/>
+          <a:chOff x="0" y="0"/>
+          <a:chExt cx="0" cy="0"/>
+        </a:xfrm>
+      </p:grpSpPr>
+      <p:sp>
+        <p:nvSpPr>
+          <p:cNvPr id="2" name="Slide Image Placeholder 1"/>
+          <p:cNvSpPr>
+            <a:spLocks noGrp="1" noRot="1" noChangeAspect="1"/>
+          </p:cNvSpPr>
+          <p:nvPr>
+            <p:ph type="sldImg"/>
+          </p:nvPr>
+        </p:nvSpPr>
+        <p:spPr>
+          <a:xfrm>
+            <a:off x="827088" y="592138"/>
+            <a:ext cx="5226050" cy="3919537"/>
+          </a:xfrm>
+        </p:spPr>
+      </p:sp>
+      <p:sp>
+        <p:nvSpPr>
+          <p:cNvPr id="3" name="Notes Placeholder 2"/>
+          <p:cNvSpPr>
+            <a:spLocks noGrp="1"/>
+          </p:cNvSpPr>
+          <p:nvPr>
+            <p:ph type="body" idx="1"/>
+          </p:nvPr>
+        </p:nvSpPr>
+        <p:spPr/>
+        <p:txBody>
+          <a:bodyPr/>
+          <a:lstStyle/>
+          <a:p>
+            <a:r>
+              <a:rPr lang="en-US" dirty="0" smtClean="0"/>
+              <a:t>Show</a:t>
+            </a:r>
+            <a:r>
+              <a:rPr lang="en-US" baseline="0" dirty="0" smtClean="0"/>
+              <a:t> in the shell</a:t>
+            </a:r>
+          </a:p>
+          <a:p>
+            <a:r>
+              <a:rPr lang="en-US" dirty="0" smtClean="0"/>
+              <a:t>Insert </a:t>
+            </a:r>
+            <a:r>
+              <a:rPr lang="en-US" dirty="0" err="1" smtClean="0"/>
+              <a:t>richard</a:t>
+            </a:r>
+            <a:r>
+              <a:rPr lang="en-US" baseline="0" dirty="0" smtClean="0"/>
+              <a:t> </a:t>
+            </a:r>
+            <a:r>
+              <a:rPr lang="en-US" baseline="0" dirty="0" err="1" smtClean="0"/>
+              <a:t>nixon</a:t>
+            </a:r>
+            <a:endParaRPr lang="en-US" baseline="0" dirty="0" smtClean="0"/>
+          </a:p>
+        </p:txBody>
+      </p:sp>
+    </p:spTree>
+    <p:extLst>
+      <p:ext uri="{BB962C8B-B14F-4D97-AF65-F5344CB8AC3E}">
+        <p14:creationId xmlns:p14="http://schemas.microsoft.com/office/powerpoint/2010/main" val="2988139925"/>
+      </p:ext>
+    </p:extLst>
+  </p:cSld>
+  <p:clrMapOvr>
+    <a:masterClrMapping/>
+  </p:clrMapOvr>
+</p:notes>
+</file>
+
+<file path=ppt/notesSlides/notesSlide12.xml><?xml version="1.0" encoding="utf-8"?>
+<p:notes xmlns:a="http://schemas.openxmlformats.org/drawingml/2006/main" xmlns:r="http://schemas.openxmlformats.org/officeDocument/2006/relationships" xmlns:p="http://schemas.openxmlformats.org/presentationml/2006/main">
+  <p:cSld>
+    <p:spTree>
+      <p:nvGrpSpPr>
+        <p:cNvPr id="1" name=""/>
+        <p:cNvGrpSpPr/>
+        <p:nvPr/>
+      </p:nvGrpSpPr>
+      <p:grpSpPr>
+        <a:xfrm>
+          <a:off x="0" y="0"/>
+          <a:ext cx="0" cy="0"/>
+          <a:chOff x="0" y="0"/>
+          <a:chExt cx="0" cy="0"/>
+        </a:xfrm>
+      </p:grpSpPr>
+      <p:sp>
+        <p:nvSpPr>
+          <p:cNvPr id="2" name="Slide Image Placeholder 1"/>
+          <p:cNvSpPr>
+            <a:spLocks noGrp="1" noRot="1" noChangeAspect="1"/>
+          </p:cNvSpPr>
+          <p:nvPr>
+            <p:ph type="sldImg"/>
+          </p:nvPr>
+        </p:nvSpPr>
+        <p:spPr>
+          <a:xfrm>
+            <a:off x="827088" y="592138"/>
+            <a:ext cx="5226050" cy="3919537"/>
+          </a:xfrm>
+        </p:spPr>
+      </p:sp>
+      <p:sp>
+        <p:nvSpPr>
+          <p:cNvPr id="3" name="Notes Placeholder 2"/>
+          <p:cNvSpPr>
+            <a:spLocks noGrp="1"/>
+          </p:cNvSpPr>
+          <p:nvPr>
+            <p:ph type="body" idx="1"/>
+          </p:nvPr>
+        </p:nvSpPr>
+        <p:spPr/>
+        <p:txBody>
+          <a:bodyPr/>
+          <a:lstStyle/>
+          <a:p>
+            <a:r>
+              <a:rPr lang="en-US" dirty="0" smtClean="0"/>
               <a:t>Show in the shell</a:t>
             </a:r>
           </a:p>
@@ -976,12 +1163,7 @@
             <p:ph type="sldImg"/>
           </p:nvPr>
         </p:nvSpPr>
-        <p:spPr>
-          <a:xfrm>
-            <a:off x="827088" y="592138"/>
-            <a:ext cx="5226050" cy="3919537"/>
-          </a:xfrm>
-        </p:spPr>
+        <p:spPr/>
       </p:sp>
       <p:sp>
         <p:nvSpPr>
@@ -998,41 +1180,110 @@
           <a:bodyPr/>
           <a:lstStyle/>
           <a:p>
-            <a:pPr marL="285750" indent="-285750">
-              <a:buFontTx/>
-              <a:buChar char="-"/>
-            </a:pPr>
             <a:r>
               <a:rPr lang="en-US" dirty="0" err="1" smtClean="0"/>
-              <a:t>MongoDB</a:t>
-            </a:r>
-            <a:r>
-              <a:rPr lang="en-US" dirty="0" smtClean="0"/>
-              <a:t> gets its</a:t>
+              <a:t>Gitt</a:t>
+            </a:r>
+            <a:r>
+              <a:rPr lang="en-US" dirty="0" smtClean="0"/>
+              <a:t> et </a:t>
+            </a:r>
+            <a:r>
+              <a:rPr lang="en-US" dirty="0" err="1" smtClean="0"/>
+              <a:t>enkelt</a:t>
+            </a:r>
+            <a:r>
+              <a:rPr lang="en-US" dirty="0" smtClean="0"/>
+              <a:t> </a:t>
+            </a:r>
+            <a:r>
+              <a:rPr lang="en-US" dirty="0" err="1" smtClean="0"/>
+              <a:t>domene</a:t>
             </a:r>
             <a:r>
               <a:rPr lang="en-US" baseline="0" dirty="0" smtClean="0"/>
-              <a:t> name from </a:t>
+              <a:t> </a:t>
             </a:r>
             <a:r>
               <a:rPr lang="en-US" baseline="0" dirty="0" err="1" smtClean="0"/>
-              <a:t>huMONGOus</a:t>
-            </a:r>
-            <a:endParaRPr lang="en-US" baseline="0" dirty="0" smtClean="0"/>
-          </a:p>
-          <a:p>
-            <a:pPr marL="0" indent="0">
-              <a:buFontTx/>
-              <a:buNone/>
-            </a:pPr>
-            <a:endParaRPr lang="en-US" baseline="0" dirty="0" smtClean="0"/>
+              <a:t>i</a:t>
+            </a:r>
+            <a:r>
+              <a:rPr lang="en-US" baseline="0" dirty="0" smtClean="0"/>
+              <a:t> </a:t>
+            </a:r>
+            <a:r>
+              <a:rPr lang="en-US" baseline="0" dirty="0" err="1" smtClean="0"/>
+              <a:t>kode</a:t>
+            </a:r>
+            <a:r>
+              <a:rPr lang="en-US" baseline="0" dirty="0" smtClean="0"/>
+              <a:t> </a:t>
+            </a:r>
+            <a:r>
+              <a:rPr lang="en-US" baseline="0" dirty="0" err="1" smtClean="0"/>
+              <a:t>og</a:t>
+            </a:r>
+            <a:r>
+              <a:rPr lang="en-US" baseline="0" dirty="0" smtClean="0"/>
+              <a:t> vi </a:t>
+            </a:r>
+            <a:r>
+              <a:rPr lang="en-US" baseline="0" dirty="0" err="1" smtClean="0"/>
+              <a:t>skal</a:t>
+            </a:r>
+            <a:r>
+              <a:rPr lang="en-US" baseline="0" dirty="0" smtClean="0"/>
+              <a:t> </a:t>
+            </a:r>
+            <a:r>
+              <a:rPr lang="en-US" baseline="0" dirty="0" err="1" smtClean="0"/>
+              <a:t>lagre</a:t>
+            </a:r>
+            <a:r>
+              <a:rPr lang="en-US" baseline="0" dirty="0" smtClean="0"/>
+              <a:t> </a:t>
+            </a:r>
+            <a:r>
+              <a:rPr lang="en-US" baseline="0" dirty="0" err="1" smtClean="0"/>
+              <a:t>dette</a:t>
+            </a:r>
+            <a:r>
+              <a:rPr lang="en-US" baseline="0" dirty="0" smtClean="0"/>
+              <a:t> </a:t>
+            </a:r>
+            <a:r>
+              <a:rPr lang="en-US" baseline="0" dirty="0" err="1" smtClean="0"/>
+              <a:t>i</a:t>
+            </a:r>
+            <a:r>
+              <a:rPr lang="en-US" baseline="0" dirty="0" smtClean="0"/>
+              <a:t> </a:t>
+            </a:r>
+            <a:r>
+              <a:rPr lang="en-US" baseline="0" dirty="0" err="1" smtClean="0"/>
+              <a:t>en</a:t>
+            </a:r>
+            <a:r>
+              <a:rPr lang="en-US" baseline="0" dirty="0" smtClean="0"/>
+              <a:t> </a:t>
+            </a:r>
+            <a:r>
+              <a:rPr lang="en-US" baseline="0" dirty="0" err="1" smtClean="0"/>
+              <a:t>normalisert</a:t>
+            </a:r>
+            <a:r>
+              <a:rPr lang="en-US" baseline="0" dirty="0" smtClean="0"/>
+              <a:t> database</a:t>
+            </a:r>
+            <a:endParaRPr lang="en-US" dirty="0"/>
           </a:p>
         </p:txBody>
       </p:sp>
     </p:spTree>
     <p:extLst>
       <p:ext uri="{BB962C8B-B14F-4D97-AF65-F5344CB8AC3E}">
-        <p14:creationId xmlns:p14="http://schemas.microsoft.com/office/powerpoint/2010/main" val="448243249"/>
+        <p14:creationId xmlns:p14="http://schemas.microsoft.com/office/powerpoint/2010/main" val="1530687322"/>
       </p:ext>
     </p:extLst>
   </p:cSld>
@@ -1091,23 +1342,597 @@
           <a:bodyPr/>
           <a:lstStyle/>
           <a:p>
-            <a:pPr marL="0" marR="0" indent="0" algn="l" defTabSz="457200" rtl="0" eaLnBrk="1" fontAlgn="auto" latinLnBrk="0" hangingPunct="1">
-              <a:lnSpc>
-                <a:spcPct val="100000"/>
-              </a:lnSpc>
-              <a:spcBef>
-                <a:spcPts val="0"/>
-              </a:spcBef>
-              <a:spcAft>
-                <a:spcPts val="0"/>
-              </a:spcAft>
-              <a:buClrTx/>
-              <a:buSzTx/>
-              <a:buFontTx/>
-              <a:buNone/>
-              <a:tabLst/>
-              <a:defRPr/>
-            </a:pPr>
+            <a:r>
+              <a:rPr lang="en-US" dirty="0" err="1" smtClean="0"/>
+              <a:t>Dere</a:t>
+            </a:r>
+            <a:r>
+              <a:rPr lang="en-US" dirty="0" smtClean="0"/>
+              <a:t> vet jo </a:t>
+            </a:r>
+            <a:r>
+              <a:rPr lang="en-US" dirty="0" err="1" smtClean="0"/>
+              <a:t>hvordan</a:t>
+            </a:r>
+            <a:r>
+              <a:rPr lang="en-US" baseline="0" dirty="0" smtClean="0"/>
+              <a:t> </a:t>
+            </a:r>
+            <a:r>
+              <a:rPr lang="en-US" baseline="0" dirty="0" err="1" smtClean="0"/>
+              <a:t>dette</a:t>
+            </a:r>
+            <a:r>
+              <a:rPr lang="en-US" baseline="0" dirty="0" smtClean="0"/>
+              <a:t> </a:t>
+            </a:r>
+            <a:r>
+              <a:rPr lang="en-US" baseline="0" dirty="0" err="1" smtClean="0"/>
+              <a:t>går</a:t>
+            </a:r>
+            <a:r>
+              <a:rPr lang="en-US" baseline="0" dirty="0" smtClean="0"/>
+              <a:t>. I </a:t>
+            </a:r>
+            <a:r>
+              <a:rPr lang="en-US" baseline="0" dirty="0" err="1" smtClean="0"/>
+              <a:t>første</a:t>
+            </a:r>
+            <a:r>
+              <a:rPr lang="en-US" baseline="0" dirty="0" smtClean="0"/>
+              <a:t> </a:t>
+            </a:r>
+            <a:r>
+              <a:rPr lang="en-US" baseline="0" dirty="0" err="1" smtClean="0"/>
+              <a:t>spørring</a:t>
+            </a:r>
+            <a:r>
+              <a:rPr lang="en-US" baseline="0" dirty="0" smtClean="0"/>
+              <a:t> </a:t>
+            </a:r>
+            <a:r>
+              <a:rPr lang="en-US" baseline="0" dirty="0" err="1" smtClean="0"/>
+              <a:t>vil</a:t>
+            </a:r>
+            <a:r>
+              <a:rPr lang="en-US" baseline="0" dirty="0" smtClean="0"/>
+              <a:t> vi </a:t>
+            </a:r>
+            <a:r>
+              <a:rPr lang="en-US" baseline="0" dirty="0" err="1" smtClean="0"/>
+              <a:t>få</a:t>
+            </a:r>
+            <a:r>
+              <a:rPr lang="en-US" baseline="0" dirty="0" smtClean="0"/>
+              <a:t> </a:t>
+            </a:r>
+            <a:r>
+              <a:rPr lang="en-US" baseline="0" dirty="0" err="1" smtClean="0"/>
+              <a:t>en</a:t>
+            </a:r>
+            <a:r>
+              <a:rPr lang="en-US" baseline="0" dirty="0" smtClean="0"/>
+              <a:t> </a:t>
+            </a:r>
+            <a:r>
+              <a:rPr lang="en-US" baseline="0" dirty="0" err="1" smtClean="0"/>
+              <a:t>denormalisert</a:t>
+            </a:r>
+            <a:r>
+              <a:rPr lang="en-US" baseline="0" dirty="0" smtClean="0"/>
+              <a:t> </a:t>
+            </a:r>
+            <a:r>
+              <a:rPr lang="en-US" baseline="0" dirty="0" err="1" smtClean="0"/>
+              <a:t>tabell</a:t>
+            </a:r>
+            <a:r>
+              <a:rPr lang="en-US" baseline="0" dirty="0" smtClean="0"/>
+              <a:t>, </a:t>
+            </a:r>
+            <a:r>
+              <a:rPr lang="en-US" baseline="0" dirty="0" err="1" smtClean="0"/>
+              <a:t>altså</a:t>
+            </a:r>
+            <a:r>
+              <a:rPr lang="en-US" baseline="0" dirty="0" smtClean="0"/>
+              <a:t> med </a:t>
+            </a:r>
+            <a:r>
+              <a:rPr lang="en-US" baseline="0" dirty="0" err="1" smtClean="0"/>
+              <a:t>duplikate</a:t>
+            </a:r>
+            <a:r>
+              <a:rPr lang="en-US" baseline="0" dirty="0" smtClean="0"/>
+              <a:t> </a:t>
+            </a:r>
+            <a:r>
+              <a:rPr lang="en-US" baseline="0" dirty="0" err="1" smtClean="0"/>
+              <a:t>verdier</a:t>
+            </a:r>
+            <a:r>
+              <a:rPr lang="en-US" baseline="0" dirty="0" smtClean="0"/>
+              <a:t>. Vi </a:t>
+            </a:r>
+            <a:r>
+              <a:rPr lang="en-US" baseline="0" dirty="0" err="1" smtClean="0"/>
+              <a:t>må</a:t>
+            </a:r>
+            <a:r>
+              <a:rPr lang="en-US" baseline="0" dirty="0" smtClean="0"/>
+              <a:t> </a:t>
+            </a:r>
+            <a:r>
+              <a:rPr lang="en-US" baseline="0" dirty="0" err="1" smtClean="0"/>
+              <a:t>så</a:t>
+            </a:r>
+            <a:r>
+              <a:rPr lang="en-US" baseline="0" dirty="0" smtClean="0"/>
+              <a:t> </a:t>
+            </a:r>
+            <a:r>
+              <a:rPr lang="en-US" baseline="0" dirty="0" err="1" smtClean="0"/>
+              <a:t>loope</a:t>
+            </a:r>
+            <a:r>
+              <a:rPr lang="en-US" baseline="0" dirty="0" smtClean="0"/>
+              <a:t> over </a:t>
+            </a:r>
+            <a:r>
+              <a:rPr lang="en-US" baseline="0" dirty="0" err="1" smtClean="0"/>
+              <a:t>dette</a:t>
+            </a:r>
+            <a:r>
+              <a:rPr lang="en-US" baseline="0" dirty="0" smtClean="0"/>
+              <a:t> </a:t>
+            </a:r>
+            <a:r>
+              <a:rPr lang="en-US" baseline="0" dirty="0" err="1" smtClean="0"/>
+              <a:t>og</a:t>
+            </a:r>
+            <a:r>
+              <a:rPr lang="en-US" baseline="0" dirty="0" smtClean="0"/>
+              <a:t> </a:t>
+            </a:r>
+            <a:r>
+              <a:rPr lang="en-US" baseline="0" dirty="0" err="1" smtClean="0"/>
+              <a:t>hente</a:t>
+            </a:r>
+            <a:r>
+              <a:rPr lang="en-US" baseline="0" dirty="0" smtClean="0"/>
+              <a:t> </a:t>
+            </a:r>
+            <a:r>
+              <a:rPr lang="en-US" baseline="0" dirty="0" err="1" smtClean="0"/>
+              <a:t>ut</a:t>
+            </a:r>
+            <a:r>
+              <a:rPr lang="en-US" baseline="0" dirty="0" smtClean="0"/>
+              <a:t> </a:t>
+            </a:r>
+            <a:r>
+              <a:rPr lang="en-US" baseline="0" dirty="0" err="1" smtClean="0"/>
+              <a:t>det</a:t>
+            </a:r>
+            <a:r>
+              <a:rPr lang="en-US" baseline="0" dirty="0" smtClean="0"/>
+              <a:t> vi </a:t>
+            </a:r>
+            <a:r>
+              <a:rPr lang="en-US" baseline="0" dirty="0" err="1" smtClean="0"/>
+              <a:t>trenger</a:t>
+            </a:r>
+            <a:r>
+              <a:rPr lang="en-US" baseline="0" dirty="0" smtClean="0"/>
+              <a:t>. </a:t>
+            </a:r>
+            <a:r>
+              <a:rPr lang="en-US" baseline="0" dirty="0" err="1" smtClean="0"/>
+              <a:t>Gitt</a:t>
+            </a:r>
+            <a:r>
+              <a:rPr lang="en-US" baseline="0" dirty="0" smtClean="0"/>
+              <a:t> </a:t>
+            </a:r>
+            <a:r>
+              <a:rPr lang="en-US" baseline="0" dirty="0" err="1" smtClean="0"/>
+              <a:t>flere</a:t>
+            </a:r>
+            <a:r>
+              <a:rPr lang="en-US" baseline="0" dirty="0" smtClean="0"/>
+              <a:t> </a:t>
+            </a:r>
+            <a:r>
+              <a:rPr lang="en-US" baseline="0" dirty="0" err="1" smtClean="0"/>
+              <a:t>tabell</a:t>
+            </a:r>
+            <a:r>
+              <a:rPr lang="en-US" baseline="0" dirty="0" smtClean="0"/>
+              <a:t>-joins </a:t>
+            </a:r>
+            <a:r>
+              <a:rPr lang="en-US" baseline="0" dirty="0" err="1" smtClean="0"/>
+              <a:t>får</a:t>
+            </a:r>
+            <a:r>
+              <a:rPr lang="en-US" baseline="0" dirty="0" smtClean="0"/>
+              <a:t> vi </a:t>
+            </a:r>
+            <a:r>
+              <a:rPr lang="en-US" baseline="0" dirty="0" err="1" smtClean="0"/>
+              <a:t>mer</a:t>
+            </a:r>
+            <a:r>
+              <a:rPr lang="en-US" baseline="0" dirty="0" smtClean="0"/>
+              <a:t> </a:t>
+            </a:r>
+            <a:r>
+              <a:rPr lang="en-US" baseline="0" dirty="0" err="1" smtClean="0"/>
+              <a:t>duplisert</a:t>
+            </a:r>
+            <a:r>
+              <a:rPr lang="en-US" baseline="0" dirty="0" smtClean="0"/>
+              <a:t> data </a:t>
+            </a:r>
+            <a:r>
+              <a:rPr lang="en-US" baseline="0" dirty="0" err="1" smtClean="0"/>
+              <a:t>og</a:t>
+            </a:r>
+            <a:r>
+              <a:rPr lang="en-US" baseline="0" dirty="0" smtClean="0"/>
+              <a:t> </a:t>
+            </a:r>
+            <a:r>
+              <a:rPr lang="en-US" baseline="0" dirty="0" err="1" smtClean="0"/>
+              <a:t>en</a:t>
+            </a:r>
+            <a:r>
+              <a:rPr lang="en-US" baseline="0" dirty="0" smtClean="0"/>
+              <a:t> </a:t>
+            </a:r>
+            <a:r>
+              <a:rPr lang="en-US" baseline="0" dirty="0" err="1" smtClean="0"/>
+              <a:t>eksponsensiell</a:t>
+            </a:r>
+            <a:r>
+              <a:rPr lang="en-US" baseline="0" dirty="0" smtClean="0"/>
+              <a:t> </a:t>
+            </a:r>
+            <a:r>
+              <a:rPr lang="en-US" baseline="0" dirty="0" err="1" smtClean="0"/>
+              <a:t>vekst</a:t>
+            </a:r>
+            <a:r>
+              <a:rPr lang="en-US" baseline="0" dirty="0" smtClean="0"/>
+              <a:t> I </a:t>
+            </a:r>
+            <a:r>
+              <a:rPr lang="en-US" baseline="0" dirty="0" err="1" smtClean="0"/>
+              <a:t>antall</a:t>
+            </a:r>
+            <a:r>
+              <a:rPr lang="en-US" baseline="0" dirty="0" smtClean="0"/>
+              <a:t> </a:t>
+            </a:r>
+            <a:r>
+              <a:rPr lang="en-US" baseline="0" dirty="0" err="1" smtClean="0"/>
+              <a:t>rader</a:t>
+            </a:r>
+            <a:r>
+              <a:rPr lang="en-US" baseline="0" dirty="0" smtClean="0"/>
+              <a:t> </a:t>
+            </a:r>
+            <a:r>
+              <a:rPr lang="en-US" baseline="0" dirty="0" err="1" smtClean="0"/>
+              <a:t>å</a:t>
+            </a:r>
+            <a:r>
+              <a:rPr lang="en-US" baseline="0" dirty="0" smtClean="0"/>
+              <a:t> </a:t>
+            </a:r>
+            <a:r>
+              <a:rPr lang="en-US" baseline="0" dirty="0" err="1" smtClean="0"/>
+              <a:t>loope</a:t>
+            </a:r>
+            <a:r>
+              <a:rPr lang="en-US" baseline="0" dirty="0" smtClean="0"/>
+              <a:t> over.</a:t>
+            </a:r>
+          </a:p>
+          <a:p>
+            <a:endParaRPr lang="en-US" baseline="0" dirty="0" smtClean="0"/>
+          </a:p>
+          <a:p>
+            <a:r>
+              <a:rPr lang="en-US" baseline="0" dirty="0" smtClean="0"/>
+              <a:t>I </a:t>
+            </a:r>
+            <a:r>
+              <a:rPr lang="en-US" baseline="0" dirty="0" err="1" smtClean="0"/>
+              <a:t>løser</a:t>
+            </a:r>
+            <a:r>
+              <a:rPr lang="en-US" baseline="0" dirty="0" smtClean="0"/>
+              <a:t> </a:t>
+            </a:r>
+            <a:r>
+              <a:rPr lang="en-US" baseline="0" dirty="0" err="1" smtClean="0"/>
+              <a:t>dette</a:t>
+            </a:r>
+            <a:r>
+              <a:rPr lang="en-US" baseline="0" dirty="0" smtClean="0"/>
+              <a:t> </a:t>
+            </a:r>
+            <a:r>
+              <a:rPr lang="en-US" baseline="0" dirty="0" err="1" smtClean="0"/>
+              <a:t>ved</a:t>
+            </a:r>
+            <a:r>
+              <a:rPr lang="en-US" baseline="0" dirty="0" smtClean="0"/>
+              <a:t> </a:t>
+            </a:r>
+            <a:r>
+              <a:rPr lang="en-US" baseline="0" dirty="0" err="1" smtClean="0"/>
+              <a:t>å</a:t>
+            </a:r>
+            <a:r>
+              <a:rPr lang="en-US" baseline="0" dirty="0" smtClean="0"/>
+              <a:t> </a:t>
+            </a:r>
+            <a:r>
+              <a:rPr lang="en-US" baseline="0" dirty="0" err="1" smtClean="0"/>
+              <a:t>kjøre</a:t>
+            </a:r>
+            <a:r>
+              <a:rPr lang="en-US" baseline="0" dirty="0" smtClean="0"/>
+              <a:t> </a:t>
+            </a:r>
+            <a:r>
+              <a:rPr lang="en-US" baseline="0" dirty="0" err="1" smtClean="0"/>
+              <a:t>flere</a:t>
+            </a:r>
+            <a:r>
+              <a:rPr lang="en-US" baseline="0" dirty="0" smtClean="0"/>
+              <a:t> </a:t>
+            </a:r>
+            <a:r>
+              <a:rPr lang="en-US" baseline="0" dirty="0" err="1" smtClean="0"/>
+              <a:t>spørringer</a:t>
+            </a:r>
+            <a:r>
+              <a:rPr lang="en-US" baseline="0" dirty="0" smtClean="0"/>
+              <a:t>. Men </a:t>
+            </a:r>
+            <a:r>
+              <a:rPr lang="en-US" baseline="0" dirty="0" err="1" smtClean="0"/>
+              <a:t>flere</a:t>
+            </a:r>
+            <a:r>
+              <a:rPr lang="en-US" baseline="0" dirty="0" smtClean="0"/>
+              <a:t> </a:t>
+            </a:r>
+            <a:r>
+              <a:rPr lang="en-US" baseline="0" dirty="0" err="1" smtClean="0"/>
+              <a:t>slike</a:t>
+            </a:r>
+            <a:r>
+              <a:rPr lang="en-US" baseline="0" dirty="0" smtClean="0"/>
+              <a:t> joins tar </a:t>
+            </a:r>
+            <a:r>
+              <a:rPr lang="en-US" baseline="0" dirty="0" err="1" smtClean="0"/>
+              <a:t>også</a:t>
+            </a:r>
+            <a:r>
+              <a:rPr lang="en-US" baseline="0" dirty="0" smtClean="0"/>
+              <a:t> </a:t>
+            </a:r>
+            <a:r>
+              <a:rPr lang="en-US" baseline="0" dirty="0" err="1" smtClean="0"/>
+              <a:t>tid</a:t>
+            </a:r>
+            <a:r>
+              <a:rPr lang="en-US" baseline="0" dirty="0" smtClean="0"/>
+              <a:t>.</a:t>
+            </a:r>
+          </a:p>
+          <a:p>
+            <a:endParaRPr lang="en-US" baseline="0" dirty="0" smtClean="0"/>
+          </a:p>
+          <a:p>
+            <a:r>
+              <a:rPr lang="en-US" baseline="0" dirty="0" smtClean="0"/>
+              <a:t>Med </a:t>
+            </a:r>
+            <a:r>
+              <a:rPr lang="en-US" baseline="0" dirty="0" err="1" smtClean="0"/>
+              <a:t>en</a:t>
+            </a:r>
+            <a:r>
+              <a:rPr lang="en-US" baseline="0" dirty="0" smtClean="0"/>
+              <a:t> </a:t>
+            </a:r>
+            <a:r>
+              <a:rPr lang="en-US" baseline="0" dirty="0" err="1" smtClean="0"/>
+              <a:t>relasjonsdatabase</a:t>
+            </a:r>
+            <a:r>
+              <a:rPr lang="en-US" baseline="0" dirty="0" smtClean="0"/>
+              <a:t> </a:t>
+            </a:r>
+            <a:r>
+              <a:rPr lang="en-US" baseline="0" dirty="0" err="1" smtClean="0"/>
+              <a:t>er</a:t>
+            </a:r>
+            <a:r>
+              <a:rPr lang="en-US" baseline="0" dirty="0" smtClean="0"/>
+              <a:t> </a:t>
+            </a:r>
+            <a:r>
+              <a:rPr lang="en-US" baseline="0" dirty="0" err="1" smtClean="0"/>
+              <a:t>det</a:t>
+            </a:r>
+            <a:r>
+              <a:rPr lang="en-US" baseline="0" dirty="0" smtClean="0"/>
+              <a:t> hele </a:t>
+            </a:r>
+            <a:r>
+              <a:rPr lang="en-US" baseline="0" dirty="0" err="1" smtClean="0"/>
+              <a:t>tiden</a:t>
+            </a:r>
+            <a:r>
+              <a:rPr lang="en-US" baseline="0" dirty="0" smtClean="0"/>
+              <a:t> </a:t>
+            </a:r>
+            <a:r>
+              <a:rPr lang="en-US" baseline="0" dirty="0" err="1" smtClean="0"/>
+              <a:t>slike</a:t>
+            </a:r>
+            <a:r>
+              <a:rPr lang="en-US" baseline="0" dirty="0" smtClean="0"/>
+              <a:t> </a:t>
+            </a:r>
+            <a:r>
+              <a:rPr lang="en-US" baseline="0" dirty="0" err="1" smtClean="0"/>
+              <a:t>avvininger</a:t>
+            </a:r>
+            <a:r>
+              <a:rPr lang="en-US" baseline="0" dirty="0" smtClean="0"/>
+              <a:t> </a:t>
+            </a:r>
+            <a:r>
+              <a:rPr lang="en-US" baseline="0" dirty="0" err="1" smtClean="0"/>
+              <a:t>å</a:t>
+            </a:r>
+            <a:r>
+              <a:rPr lang="en-US" baseline="0" dirty="0" smtClean="0"/>
+              <a:t> ta.</a:t>
+            </a:r>
+          </a:p>
+          <a:p>
+            <a:endParaRPr lang="en-US" baseline="0" dirty="0" smtClean="0"/>
+          </a:p>
+          <a:p>
+            <a:r>
+              <a:rPr lang="en-US" baseline="0" dirty="0" err="1" smtClean="0"/>
+              <a:t>En</a:t>
+            </a:r>
+            <a:r>
+              <a:rPr lang="en-US" baseline="0" dirty="0" smtClean="0"/>
+              <a:t> </a:t>
+            </a:r>
+            <a:r>
+              <a:rPr lang="en-US" baseline="0" dirty="0" err="1" smtClean="0"/>
+              <a:t>dokumentdatabase</a:t>
+            </a:r>
+            <a:r>
+              <a:rPr lang="en-US" baseline="0" dirty="0" smtClean="0"/>
+              <a:t> </a:t>
+            </a:r>
+            <a:r>
+              <a:rPr lang="en-US" baseline="0" dirty="0" err="1" smtClean="0"/>
+              <a:t>lagrer</a:t>
+            </a:r>
+            <a:r>
+              <a:rPr lang="en-US" baseline="0" dirty="0" smtClean="0"/>
+              <a:t> alt </a:t>
+            </a:r>
+            <a:r>
+              <a:rPr lang="en-US" baseline="0" dirty="0" err="1" smtClean="0"/>
+              <a:t>ferdig</a:t>
+            </a:r>
+            <a:r>
+              <a:rPr lang="en-US" baseline="0" dirty="0" smtClean="0"/>
+              <a:t> </a:t>
+            </a:r>
+            <a:r>
+              <a:rPr lang="en-US" baseline="0" dirty="0" err="1" smtClean="0"/>
+              <a:t>denormalisert</a:t>
+            </a:r>
+            <a:r>
+              <a:rPr lang="en-US" baseline="0" dirty="0" smtClean="0"/>
+              <a:t> </a:t>
+            </a:r>
+            <a:r>
+              <a:rPr lang="en-US" baseline="0" dirty="0" err="1" smtClean="0"/>
+              <a:t>og</a:t>
+            </a:r>
+            <a:r>
+              <a:rPr lang="en-US" baseline="0" dirty="0" smtClean="0"/>
+              <a:t> </a:t>
+            </a:r>
+            <a:r>
+              <a:rPr lang="en-US" baseline="0" dirty="0" err="1" smtClean="0"/>
+              <a:t>slik</a:t>
+            </a:r>
+            <a:r>
+              <a:rPr lang="en-US" baseline="0" dirty="0" smtClean="0"/>
+              <a:t> mapping </a:t>
+            </a:r>
+            <a:r>
+              <a:rPr lang="en-US" baseline="0" dirty="0" err="1" smtClean="0"/>
+              <a:t>blir</a:t>
+            </a:r>
+            <a:r>
+              <a:rPr lang="en-US" baseline="0" dirty="0" smtClean="0"/>
+              <a:t> da </a:t>
+            </a:r>
+            <a:r>
+              <a:rPr lang="en-US" baseline="0" dirty="0" err="1" smtClean="0"/>
+              <a:t>triviellt</a:t>
+            </a:r>
+            <a:r>
+              <a:rPr lang="en-US" baseline="0" dirty="0" smtClean="0"/>
+              <a:t>. </a:t>
+            </a:r>
+            <a:r>
+              <a:rPr lang="en-US" baseline="0" dirty="0" err="1" smtClean="0"/>
+              <a:t>På</a:t>
+            </a:r>
+            <a:r>
+              <a:rPr lang="en-US" baseline="0" dirty="0" smtClean="0"/>
+              <a:t> </a:t>
+            </a:r>
+            <a:r>
+              <a:rPr lang="en-US" baseline="0" dirty="0" err="1" smtClean="0"/>
+              <a:t>bekostning</a:t>
+            </a:r>
+            <a:r>
+              <a:rPr lang="en-US" baseline="0" dirty="0" smtClean="0"/>
+              <a:t> </a:t>
+            </a:r>
+            <a:r>
+              <a:rPr lang="en-US" baseline="0" dirty="0" err="1" smtClean="0"/>
+              <a:t>av</a:t>
+            </a:r>
+            <a:r>
+              <a:rPr lang="en-US" baseline="0" dirty="0" smtClean="0"/>
+              <a:t> </a:t>
+            </a:r>
+            <a:r>
+              <a:rPr lang="en-US" baseline="0" dirty="0" err="1" smtClean="0"/>
+              <a:t>noe</a:t>
+            </a:r>
+            <a:r>
+              <a:rPr lang="en-US" baseline="0" dirty="0" smtClean="0"/>
+              <a:t> </a:t>
+            </a:r>
+            <a:r>
+              <a:rPr lang="en-US" baseline="0" dirty="0" err="1" smtClean="0"/>
+              <a:t>annet</a:t>
+            </a:r>
+            <a:r>
+              <a:rPr lang="en-US" baseline="0" dirty="0" smtClean="0"/>
+              <a:t>, </a:t>
+            </a:r>
+            <a:r>
+              <a:rPr lang="en-US" baseline="0" dirty="0" err="1" smtClean="0"/>
+              <a:t>selvsagt</a:t>
+            </a:r>
+            <a:r>
+              <a:rPr lang="en-US" baseline="0" dirty="0" smtClean="0"/>
+              <a:t>.</a:t>
+            </a:r>
             <a:endParaRPr lang="en-US" dirty="0"/>
           </a:p>
         </p:txBody>
@@ -1115,7 +1940,7 @@
     </p:spTree>
     <p:extLst>
       <p:ext uri="{BB962C8B-B14F-4D97-AF65-F5344CB8AC3E}">
-        <p14:creationId xmlns:p14="http://schemas.microsoft.com/office/powerpoint/2010/main" val="4288704839"/>
+        <p14:creationId xmlns:p14="http://schemas.microsoft.com/office/powerpoint/2010/main" val="1989774858"/>
       </p:ext>
     </p:extLst>
   </p:cSld>
@@ -1174,47 +1999,41 @@
           <a:bodyPr/>
           <a:lstStyle/>
           <a:p>
-            <a:r>
-              <a:rPr lang="en-US" dirty="0" smtClean="0"/>
-              <a:t>Some</a:t>
+            <a:pPr marL="285750" indent="-285750">
+              <a:buFontTx/>
+              <a:buChar char="-"/>
+            </a:pPr>
+            <a:r>
+              <a:rPr lang="en-US" dirty="0" err="1" smtClean="0"/>
+              <a:t>MongoDB</a:t>
+            </a:r>
+            <a:r>
+              <a:rPr lang="en-US" dirty="0" smtClean="0"/>
+              <a:t> gets its</a:t>
             </a:r>
             <a:r>
               <a:rPr lang="en-US" baseline="0" dirty="0" smtClean="0"/>
-              <a:t> of the things </a:t>
+              <a:t> name from </a:t>
             </a:r>
             <a:r>
               <a:rPr lang="en-US" baseline="0" dirty="0" err="1" smtClean="0"/>
-              <a:t>MongoDB</a:t>
-            </a:r>
-            <a:r>
-              <a:rPr lang="en-US" baseline="0" dirty="0" smtClean="0"/>
-              <a:t> give you that you might not be used to.</a:t>
-            </a:r>
-          </a:p>
-          <a:p>
-            <a:r>
-              <a:rPr lang="en-US" baseline="0" dirty="0" smtClean="0"/>
-              <a:t>	- </a:t>
-            </a:r>
-            <a:r>
-              <a:rPr lang="en-US" baseline="0" dirty="0" err="1" smtClean="0"/>
-              <a:t>Schemaless</a:t>
+              <a:t>huMONGOus</a:t>
             </a:r>
             <a:endParaRPr lang="en-US" baseline="0" dirty="0" smtClean="0"/>
           </a:p>
           <a:p>
-            <a:r>
-              <a:rPr lang="en-US" baseline="0" dirty="0" smtClean="0"/>
-              <a:t>	- Design for access pattern</a:t>
-            </a:r>
-            <a:endParaRPr lang="en-US" dirty="0"/>
+            <a:pPr marL="0" indent="0">
+              <a:buFontTx/>
+              <a:buNone/>
+            </a:pPr>
+            <a:endParaRPr lang="en-US" baseline="0" dirty="0" smtClean="0"/>
           </a:p>
         </p:txBody>
       </p:sp>
     </p:spTree>
     <p:extLst>
       <p:ext uri="{BB962C8B-B14F-4D97-AF65-F5344CB8AC3E}">
-        <p14:creationId xmlns:p14="http://schemas.microsoft.com/office/powerpoint/2010/main" val="3853374874"/>
+        <p14:creationId xmlns:p14="http://schemas.microsoft.com/office/powerpoint/2010/main" val="448243249"/>
       </p:ext>
     </p:extLst>
   </p:cSld>
@@ -1273,32 +2092,23 @@
           <a:bodyPr/>
           <a:lstStyle/>
           <a:p>
-            <a:r>
-              <a:rPr lang="en-US" dirty="0" smtClean="0"/>
-              <a:t>Show</a:t>
-            </a:r>
-            <a:r>
-              <a:rPr lang="en-US" baseline="0" dirty="0" smtClean="0"/>
-              <a:t> in the shell</a:t>
-            </a:r>
-          </a:p>
-          <a:p>
-            <a:r>
-              <a:rPr lang="en-US" baseline="0" dirty="0" smtClean="0"/>
-              <a:t>Find </a:t>
-            </a:r>
-            <a:r>
-              <a:rPr lang="en-US" baseline="0" dirty="0" err="1" smtClean="0"/>
-              <a:t>løiten</a:t>
-            </a:r>
-            <a:r>
-              <a:rPr lang="en-US" baseline="0" dirty="0" smtClean="0"/>
-              <a:t> </a:t>
-            </a:r>
-            <a:r>
-              <a:rPr lang="en-US" baseline="0" dirty="0" err="1" smtClean="0"/>
-              <a:t>linie</a:t>
-            </a:r>
+            <a:pPr marL="0" marR="0" indent="0" algn="l" defTabSz="457200" rtl="0" eaLnBrk="1" fontAlgn="auto" latinLnBrk="0" hangingPunct="1">
+              <a:lnSpc>
+                <a:spcPct val="100000"/>
+              </a:lnSpc>
+              <a:spcBef>
+                <a:spcPts val="0"/>
+              </a:spcBef>
+              <a:spcAft>
+                <a:spcPts val="0"/>
+              </a:spcAft>
+              <a:buClrTx/>
+              <a:buSzTx/>
+              <a:buFontTx/>
+              <a:buNone/>
+              <a:tabLst/>
+              <a:defRPr/>
+            </a:pPr>
             <a:endParaRPr lang="en-US" dirty="0"/>
           </a:p>
         </p:txBody>
@@ -1306,7 +2116,7 @@
     </p:spTree>
     <p:extLst>
       <p:ext uri="{BB962C8B-B14F-4D97-AF65-F5344CB8AC3E}">
-        <p14:creationId xmlns:p14="http://schemas.microsoft.com/office/powerpoint/2010/main" val="1128128288"/>
+        <p14:creationId xmlns:p14="http://schemas.microsoft.com/office/powerpoint/2010/main" val="4288704839"/>
       </p:ext>
     </p:extLst>
   </p:cSld>
@@ -1367,38 +2177,45 @@
           <a:p>
             <a:r>
               <a:rPr lang="en-US" dirty="0" smtClean="0"/>
-              <a:t>Show</a:t>
+              <a:t>Some</a:t>
             </a:r>
             <a:r>
               <a:rPr lang="en-US" baseline="0" dirty="0" smtClean="0"/>
-              <a:t> in the shell</a:t>
-            </a:r>
-          </a:p>
-          <a:p>
-            <a:r>
-              <a:rPr lang="en-US" dirty="0" smtClean="0"/>
-              <a:t>Insert </a:t>
-            </a:r>
-            <a:r>
-              <a:rPr lang="en-US" dirty="0" err="1" smtClean="0"/>
-              <a:t>richard</a:t>
+              <a:t> of the things </a:t>
+            </a:r>
+            <a:r>
+              <a:rPr lang="en-US" baseline="0" dirty="0" err="1" smtClean="0"/>
+              <a:t>MongoDB</a:t>
             </a:r>
             <a:r>
               <a:rPr lang="en-US" baseline="0" dirty="0" smtClean="0"/>
-              <a:t> </a:t>
+              <a:t> give you that you might not be used to.</a:t>
+            </a:r>
+          </a:p>
+          <a:p>
+            <a:r>
+              <a:rPr lang="en-US" baseline="0" dirty="0" smtClean="0"/>
+              <a:t>	- </a:t>
             </a:r>
             <a:r>
               <a:rPr lang="en-US" baseline="0" dirty="0" err="1" smtClean="0"/>
-              <a:t>nixon</a:t>
+              <a:t>Schemaless</a:t>
             </a:r>
             <a:endParaRPr lang="en-US" baseline="0" dirty="0" smtClean="0"/>
+          </a:p>
+          <a:p>
+            <a:r>
+              <a:rPr lang="en-US" baseline="0" dirty="0" smtClean="0"/>
+              <a:t>	- Design for access pattern</a:t>
+            </a:r>
+            <a:endParaRPr lang="en-US" dirty="0"/>
           </a:p>
         </p:txBody>
       </p:sp>
     </p:spTree>
     <p:extLst>
       <p:ext uri="{BB962C8B-B14F-4D97-AF65-F5344CB8AC3E}">
-        <p14:creationId xmlns:p14="http://schemas.microsoft.com/office/powerpoint/2010/main" val="2988139925"/>
+        <p14:creationId xmlns:p14="http://schemas.microsoft.com/office/powerpoint/2010/main" val="3853374874"/>
       </p:ext>
     </p:extLst>
   </p:cSld>
@@ -10611,13 +11428,8 @@
           <a:p>
             <a:r>
               <a:rPr lang="en-US" dirty="0" smtClean="0"/>
-              <a:t>BEKK </a:t>
-            </a:r>
-            <a:r>
-              <a:rPr lang="en-US" dirty="0" smtClean="0"/>
-              <a:t>Consulting as</a:t>
-            </a:r>
-            <a:endParaRPr lang="en-US" dirty="0" smtClean="0"/>
+              <a:t>BEKK Consulting as</a:t>
+            </a:r>
           </a:p>
         </p:txBody>
       </p:sp>
@@ -10693,7 +11505,7 @@
         <p:spPr>
           <a:xfrm>
             <a:off x="321623" y="418905"/>
-            <a:ext cx="2660872" cy="307777"/>
+            <a:ext cx="1877790" cy="307777"/>
           </a:xfrm>
         </p:spPr>
         <p:txBody>
@@ -10702,7 +11514,7 @@
           <a:p>
             <a:r>
               <a:rPr lang="en-US" dirty="0" smtClean="0"/>
-              <a:t>Query language</a:t>
+              <a:t>Trade-offs</a:t>
             </a:r>
             <a:endParaRPr lang="en-US" dirty="0"/>
           </a:p>
@@ -10710,12 +11522,111 @@
       </p:sp>
       <p:sp>
         <p:nvSpPr>
-          <p:cNvPr id="3" name="Slide Number Placeholder 2"/>
+          <p:cNvPr id="3" name="Text Placeholder 2"/>
           <p:cNvSpPr>
             <a:spLocks noGrp="1"/>
           </p:cNvSpPr>
           <p:nvPr>
-            <p:ph type="sldNum" sz="quarter" idx="10"/>
+            <p:ph type="body" sz="quarter" idx="11"/>
+          </p:nvPr>
+        </p:nvSpPr>
+        <p:spPr/>
+        <p:txBody>
+          <a:bodyPr/>
+          <a:lstStyle/>
+          <a:p>
+            <a:r>
+              <a:rPr lang="en-US" dirty="0" smtClean="0"/>
+              <a:t>No support for joining data between documents in database.</a:t>
+            </a:r>
+          </a:p>
+          <a:p>
+            <a:endParaRPr lang="en-US" dirty="0" smtClean="0"/>
+          </a:p>
+          <a:p>
+            <a:r>
+              <a:rPr lang="en-US" dirty="0" smtClean="0"/>
+              <a:t>Joins can in many cases be avoided by embedding or </a:t>
+            </a:r>
+            <a:r>
+              <a:rPr lang="en-US" dirty="0" err="1" smtClean="0"/>
+              <a:t>denormalizing</a:t>
+            </a:r>
+            <a:r>
+              <a:rPr lang="en-US" dirty="0" smtClean="0"/>
+              <a:t> data.</a:t>
+            </a:r>
+          </a:p>
+          <a:p>
+            <a:endParaRPr lang="en-US" dirty="0"/>
+          </a:p>
+          <a:p>
+            <a:r>
+              <a:rPr lang="en-US" dirty="0" smtClean="0"/>
+              <a:t>Last resort is to join data in application code.</a:t>
+            </a:r>
+          </a:p>
+        </p:txBody>
+      </p:sp>
+      <p:sp>
+        <p:nvSpPr>
+          <p:cNvPr id="4" name="Text Placeholder 3"/>
+          <p:cNvSpPr>
+            <a:spLocks noGrp="1"/>
+          </p:cNvSpPr>
+          <p:nvPr>
+            <p:ph type="body" sz="quarter" idx="12"/>
+          </p:nvPr>
+        </p:nvSpPr>
+        <p:spPr/>
+        <p:txBody>
+          <a:bodyPr/>
+          <a:lstStyle/>
+          <a:p>
+            <a:r>
+              <a:rPr lang="en-US" dirty="0" smtClean="0"/>
+              <a:t>No support for transactions. </a:t>
+            </a:r>
+          </a:p>
+          <a:p>
+            <a:endParaRPr lang="en-US" dirty="0"/>
+          </a:p>
+          <a:p>
+            <a:r>
+              <a:rPr lang="en-US" dirty="0" err="1" smtClean="0"/>
+              <a:t>Atomical</a:t>
+            </a:r>
+            <a:r>
+              <a:rPr lang="en-US" dirty="0" smtClean="0"/>
+              <a:t> write operations on a per-document level.</a:t>
+            </a:r>
+          </a:p>
+          <a:p>
+            <a:endParaRPr lang="en-US" dirty="0" smtClean="0"/>
+          </a:p>
+          <a:p>
+            <a:r>
+              <a:rPr lang="en-US" dirty="0" smtClean="0"/>
+              <a:t>Work around by embedding or application code.</a:t>
+            </a:r>
+            <a:endParaRPr lang="en-US" dirty="0"/>
+          </a:p>
+          <a:p>
+            <a:endParaRPr lang="en-US" dirty="0" smtClean="0"/>
+          </a:p>
+          <a:p>
+            <a:endParaRPr lang="en-US" dirty="0"/>
+          </a:p>
+        </p:txBody>
+      </p:sp>
+      <p:sp>
+        <p:nvSpPr>
+          <p:cNvPr id="5" name="Slide Number Placeholder 4"/>
+          <p:cNvSpPr>
+            <a:spLocks noGrp="1"/>
+          </p:cNvSpPr>
+          <p:nvPr>
+            <p:ph type="sldNum" sz="quarter" idx="4"/>
           </p:nvPr>
         </p:nvSpPr>
         <p:spPr/>
@@ -10734,40 +11645,55 @@
       </p:sp>
       <p:sp>
         <p:nvSpPr>
-          <p:cNvPr id="4" name="Text Placeholder 3"/>
+          <p:cNvPr id="6" name="Text Placeholder 5"/>
           <p:cNvSpPr>
             <a:spLocks noGrp="1"/>
           </p:cNvSpPr>
           <p:nvPr>
-            <p:ph type="body" sz="quarter" idx="11"/>
-          </p:nvPr>
-        </p:nvSpPr>
-        <p:spPr/>
+            <p:ph type="body" sz="quarter" idx="13"/>
+          </p:nvPr>
+        </p:nvSpPr>
+        <p:spPr>
+          <a:xfrm>
+            <a:off x="331394" y="1272002"/>
+            <a:ext cx="953171" cy="276999"/>
+          </a:xfrm>
+        </p:spPr>
         <p:txBody>
           <a:bodyPr/>
           <a:lstStyle/>
           <a:p>
             <a:r>
               <a:rPr lang="en-US" dirty="0" smtClean="0"/>
-              <a:t>No specific query language.</a:t>
-            </a:r>
-          </a:p>
-          <a:p>
+              <a:t>÷ Joins</a:t>
+            </a:r>
             <a:endParaRPr lang="en-US" dirty="0"/>
           </a:p>
-          <a:p>
-            <a:r>
-              <a:rPr lang="en-US" dirty="0" smtClean="0"/>
-              <a:t>Only methods in different programming language drivers.</a:t>
-            </a:r>
-          </a:p>
-          <a:p>
-            <a:endParaRPr lang="en-US" dirty="0"/>
-          </a:p>
-          <a:p>
-            <a:r>
-              <a:rPr lang="en-US" dirty="0" smtClean="0"/>
-              <a:t>Language drivers communicate via a wire-protocol to the database-server.</a:t>
+        </p:txBody>
+      </p:sp>
+      <p:sp>
+        <p:nvSpPr>
+          <p:cNvPr id="7" name="Text Placeholder 6"/>
+          <p:cNvSpPr>
+            <a:spLocks noGrp="1"/>
+          </p:cNvSpPr>
+          <p:nvPr>
+            <p:ph type="body" sz="quarter" idx="14"/>
+          </p:nvPr>
+        </p:nvSpPr>
+        <p:spPr>
+          <a:xfrm>
+            <a:off x="4632714" y="1272002"/>
+            <a:ext cx="1724341" cy="276999"/>
+          </a:xfrm>
+        </p:spPr>
+        <p:txBody>
+          <a:bodyPr/>
+          <a:lstStyle/>
+          <a:p>
+            <a:r>
+              <a:rPr lang="en-US" dirty="0" smtClean="0"/>
+              <a:t>÷ Transactions</a:t>
             </a:r>
             <a:endParaRPr lang="en-US" dirty="0"/>
           </a:p>
@@ -10776,7 +11702,7 @@
     </p:spTree>
     <p:extLst>
       <p:ext uri="{BB962C8B-B14F-4D97-AF65-F5344CB8AC3E}">
-        <p14:creationId xmlns:p14="http://schemas.microsoft.com/office/powerpoint/2010/main" val="923512922"/>
+        <p14:creationId xmlns:p14="http://schemas.microsoft.com/office/powerpoint/2010/main" val="4253114601"/>
       </p:ext>
     </p:extLst>
   </p:cSld>
@@ -10826,7 +11752,7 @@
         <p:spPr>
           <a:xfrm>
             <a:off x="321623" y="418905"/>
-            <a:ext cx="2528539" cy="307777"/>
+            <a:ext cx="2252797" cy="307777"/>
           </a:xfrm>
         </p:spPr>
         <p:txBody>
@@ -10834,25 +11760,106 @@
           <a:lstStyle/>
           <a:p>
             <a:r>
+              <a:rPr lang="en-US" dirty="0" smtClean="0"/>
+              <a:t>Trade-Wins(?)</a:t>
+            </a:r>
+            <a:endParaRPr lang="en-US" dirty="0"/>
+          </a:p>
+        </p:txBody>
+      </p:sp>
+      <p:sp>
+        <p:nvSpPr>
+          <p:cNvPr id="3" name="Text Placeholder 2"/>
+          <p:cNvSpPr>
+            <a:spLocks noGrp="1"/>
+          </p:cNvSpPr>
+          <p:nvPr>
+            <p:ph type="body" sz="quarter" idx="11"/>
+          </p:nvPr>
+        </p:nvSpPr>
+        <p:spPr/>
+        <p:txBody>
+          <a:bodyPr/>
+          <a:lstStyle/>
+          <a:p>
+            <a:r>
               <a:rPr lang="en-US" dirty="0" err="1" smtClean="0"/>
-              <a:t>Mongodb</a:t>
-            </a:r>
-            <a:r>
-              <a:rPr lang="en-US" dirty="0" smtClean="0"/>
-              <a:t> shell</a:t>
-            </a:r>
+              <a:t>MongoDB</a:t>
+            </a:r>
+            <a:r>
+              <a:rPr lang="en-US" dirty="0" smtClean="0"/>
+              <a:t> does not enforce any schema.</a:t>
+            </a:r>
+          </a:p>
+          <a:p>
             <a:endParaRPr lang="en-US" dirty="0"/>
           </a:p>
-        </p:txBody>
-      </p:sp>
-      <p:sp>
-        <p:nvSpPr>
-          <p:cNvPr id="3" name="Slide Number Placeholder 2"/>
+          <a:p>
+            <a:r>
+              <a:rPr lang="en-US" dirty="0" smtClean="0"/>
+              <a:t>Easier to get started.</a:t>
+            </a:r>
+          </a:p>
+          <a:p>
+            <a:endParaRPr lang="en-US" dirty="0"/>
+          </a:p>
+          <a:p>
+            <a:r>
+              <a:rPr lang="en-US" dirty="0" smtClean="0"/>
+              <a:t>Gives a lot of freedom and responsibility to the developer.</a:t>
+            </a:r>
+            <a:endParaRPr lang="en-US" dirty="0"/>
+          </a:p>
+        </p:txBody>
+      </p:sp>
+      <p:sp>
+        <p:nvSpPr>
+          <p:cNvPr id="4" name="Text Placeholder 3"/>
           <p:cNvSpPr>
             <a:spLocks noGrp="1"/>
           </p:cNvSpPr>
           <p:nvPr>
-            <p:ph type="sldNum" sz="quarter" idx="10"/>
+            <p:ph type="body" sz="quarter" idx="12"/>
+          </p:nvPr>
+        </p:nvSpPr>
+        <p:spPr/>
+        <p:txBody>
+          <a:bodyPr/>
+          <a:lstStyle/>
+          <a:p>
+            <a:r>
+              <a:rPr lang="en-US" dirty="0" smtClean="0"/>
+              <a:t>Design schema towards access pattern.</a:t>
+            </a:r>
+          </a:p>
+          <a:p>
+            <a:endParaRPr lang="en-US" dirty="0"/>
+          </a:p>
+          <a:p>
+            <a:r>
+              <a:rPr lang="en-US" dirty="0" smtClean="0"/>
+              <a:t>Embed data that belong together. Fetch all data you need in one simple query. No need for joins.</a:t>
+            </a:r>
+          </a:p>
+          <a:p>
+            <a:endParaRPr lang="en-US" dirty="0"/>
+          </a:p>
+          <a:p>
+            <a:r>
+              <a:rPr lang="en-US" dirty="0" smtClean="0"/>
+              <a:t>No difference between application model and database model means less code.</a:t>
+            </a:r>
+          </a:p>
+        </p:txBody>
+      </p:sp>
+      <p:sp>
+        <p:nvSpPr>
+          <p:cNvPr id="5" name="Slide Number Placeholder 4"/>
+          <p:cNvSpPr>
+            <a:spLocks noGrp="1"/>
+          </p:cNvSpPr>
+          <p:nvPr>
+            <p:ph type="sldNum" sz="quarter" idx="4"/>
           </p:nvPr>
         </p:nvSpPr>
         <p:spPr/>
@@ -10871,69 +11878,56 @@
       </p:sp>
       <p:sp>
         <p:nvSpPr>
-          <p:cNvPr id="4" name="Text Placeholder 3"/>
+          <p:cNvPr id="6" name="Text Placeholder 5"/>
           <p:cNvSpPr>
             <a:spLocks noGrp="1"/>
           </p:cNvSpPr>
           <p:nvPr>
-            <p:ph type="body" sz="quarter" idx="11"/>
-          </p:nvPr>
-        </p:nvSpPr>
-        <p:spPr/>
+            <p:ph type="body" sz="quarter" idx="13"/>
+          </p:nvPr>
+        </p:nvSpPr>
+        <p:spPr>
+          <a:xfrm>
+            <a:off x="331394" y="1272002"/>
+            <a:ext cx="1378430" cy="276999"/>
+          </a:xfrm>
+        </p:spPr>
         <p:txBody>
           <a:bodyPr/>
           <a:lstStyle/>
           <a:p>
             <a:r>
-              <a:rPr lang="en-US" dirty="0" smtClean="0"/>
-              <a:t>We are going to use the </a:t>
-            </a:r>
-            <a:r>
               <a:rPr lang="en-US" dirty="0" err="1" smtClean="0"/>
-              <a:t>mongodb</a:t>
-            </a:r>
-            <a:r>
-              <a:rPr lang="en-US" dirty="0" smtClean="0"/>
-              <a:t> shell which is bundled with every install of </a:t>
-            </a:r>
-            <a:r>
-              <a:rPr lang="en-US" dirty="0" err="1" smtClean="0"/>
-              <a:t>MongoDB</a:t>
-            </a:r>
-            <a:r>
-              <a:rPr lang="en-US" dirty="0" smtClean="0"/>
-              <a:t>.</a:t>
-            </a:r>
-          </a:p>
-          <a:p>
+              <a:t>Schemaless</a:t>
+            </a:r>
             <a:endParaRPr lang="en-US" dirty="0"/>
           </a:p>
-          <a:p>
-            <a:r>
-              <a:rPr lang="en-US" dirty="0" smtClean="0"/>
-              <a:t>The </a:t>
-            </a:r>
-            <a:r>
-              <a:rPr lang="en-US" dirty="0" err="1" smtClean="0"/>
-              <a:t>MongoDB</a:t>
-            </a:r>
-            <a:r>
-              <a:rPr lang="en-US" dirty="0" smtClean="0"/>
-              <a:t> shell uses </a:t>
-            </a:r>
-            <a:r>
-              <a:rPr lang="en-US" dirty="0" err="1" smtClean="0"/>
-              <a:t>javascript</a:t>
-            </a:r>
-            <a:r>
-              <a:rPr lang="en-US" dirty="0" smtClean="0"/>
-              <a:t>.</a:t>
-            </a:r>
-          </a:p>
-          <a:p>
-            <a:endParaRPr lang="en-US" dirty="0"/>
-          </a:p>
-          <a:p>
+        </p:txBody>
+      </p:sp>
+      <p:sp>
+        <p:nvSpPr>
+          <p:cNvPr id="7" name="Text Placeholder 6"/>
+          <p:cNvSpPr>
+            <a:spLocks noGrp="1"/>
+          </p:cNvSpPr>
+          <p:nvPr>
+            <p:ph type="body" sz="quarter" idx="14"/>
+          </p:nvPr>
+        </p:nvSpPr>
+        <p:spPr>
+          <a:xfrm>
+            <a:off x="4632714" y="1272002"/>
+            <a:ext cx="2907920" cy="276999"/>
+          </a:xfrm>
+        </p:spPr>
+        <p:txBody>
+          <a:bodyPr/>
+          <a:lstStyle/>
+          <a:p>
+            <a:r>
+              <a:rPr lang="en-US" dirty="0" smtClean="0"/>
+              <a:t>Bias toward access pattern</a:t>
+            </a:r>
             <a:endParaRPr lang="en-US" dirty="0"/>
           </a:p>
         </p:txBody>
@@ -10941,7 +11935,7 @@
     </p:spTree>
     <p:extLst>
       <p:ext uri="{BB962C8B-B14F-4D97-AF65-F5344CB8AC3E}">
-        <p14:creationId xmlns:p14="http://schemas.microsoft.com/office/powerpoint/2010/main" val="2598251649"/>
+        <p14:creationId xmlns:p14="http://schemas.microsoft.com/office/powerpoint/2010/main" val="3697191711"/>
       </p:ext>
     </p:extLst>
   </p:cSld>
@@ -10980,18 +11974,30 @@
       </p:grpSpPr>
       <p:sp>
         <p:nvSpPr>
-          <p:cNvPr id="2" name="Title 1"/>
+          <p:cNvPr id="2" name="Picture Placeholder 1"/>
           <p:cNvSpPr>
             <a:spLocks noGrp="1"/>
           </p:cNvSpPr>
           <p:nvPr>
+            <p:ph type="pic" sz="quarter" idx="10"/>
+          </p:nvPr>
+        </p:nvSpPr>
+        <p:spPr/>
+      </p:sp>
+      <p:sp>
+        <p:nvSpPr>
+          <p:cNvPr id="3" name="Title 2"/>
+          <p:cNvSpPr>
+            <a:spLocks noGrp="1"/>
+          </p:cNvSpPr>
+          <p:nvPr>
             <p:ph type="title"/>
           </p:nvPr>
         </p:nvSpPr>
         <p:spPr>
           <a:xfrm>
             <a:off x="321623" y="418905"/>
-            <a:ext cx="1047409" cy="307777"/>
+            <a:ext cx="3553213" cy="307777"/>
           </a:xfrm>
         </p:spPr>
         <p:txBody>
@@ -11000,7 +12006,7 @@
           <a:p>
             <a:r>
               <a:rPr lang="en-US" dirty="0" smtClean="0"/>
-              <a:t>Finds</a:t>
+              <a:t>Queries and the shell</a:t>
             </a:r>
             <a:endParaRPr lang="en-US" dirty="0"/>
           </a:p>
@@ -11008,251 +12014,7 @@
       </p:sp>
       <p:sp>
         <p:nvSpPr>
-          <p:cNvPr id="3" name="Text Placeholder 2"/>
-          <p:cNvSpPr>
-            <a:spLocks noGrp="1"/>
-          </p:cNvSpPr>
-          <p:nvPr>
-            <p:ph type="body" sz="quarter" idx="11"/>
-          </p:nvPr>
-        </p:nvSpPr>
-        <p:spPr/>
-        <p:txBody>
-          <a:bodyPr/>
-          <a:lstStyle/>
-          <a:p>
-            <a:r>
-              <a:rPr lang="en-US" dirty="0" smtClean="0"/>
-              <a:t>&gt; </a:t>
-            </a:r>
-            <a:r>
-              <a:rPr lang="en-US" dirty="0" err="1" smtClean="0"/>
-              <a:t>db.collection.find</a:t>
-            </a:r>
-            <a:r>
-              <a:rPr lang="en-US" dirty="0" smtClean="0"/>
-              <a:t>({</a:t>
-            </a:r>
-          </a:p>
-          <a:p>
-            <a:r>
-              <a:rPr lang="en-US" dirty="0" smtClean="0"/>
-              <a:t>	&lt;Criteria&gt;</a:t>
-            </a:r>
-          </a:p>
-          <a:p>
-            <a:r>
-              <a:rPr lang="en-US" dirty="0" smtClean="0"/>
-              <a:t>}, {</a:t>
-            </a:r>
-          </a:p>
-          <a:p>
-            <a:r>
-              <a:rPr lang="en-US" dirty="0"/>
-              <a:t>	</a:t>
-            </a:r>
-            <a:r>
-              <a:rPr lang="en-US" dirty="0" smtClean="0"/>
-              <a:t>&lt;Projection (optional)&gt;</a:t>
-            </a:r>
-          </a:p>
-          <a:p>
-            <a:r>
-              <a:rPr lang="en-US" dirty="0" smtClean="0"/>
-              <a:t>});</a:t>
-            </a:r>
-            <a:endParaRPr lang="en-US" dirty="0"/>
-          </a:p>
-        </p:txBody>
-      </p:sp>
-      <p:sp>
-        <p:nvSpPr>
-          <p:cNvPr id="4" name="Text Placeholder 3"/>
-          <p:cNvSpPr>
-            <a:spLocks noGrp="1"/>
-          </p:cNvSpPr>
-          <p:nvPr>
-            <p:ph type="body" sz="quarter" idx="12"/>
-          </p:nvPr>
-        </p:nvSpPr>
-        <p:spPr/>
-        <p:txBody>
-          <a:bodyPr/>
-          <a:lstStyle/>
-          <a:p>
-            <a:r>
-              <a:rPr lang="en-US" dirty="0" smtClean="0"/>
-              <a:t>&gt; </a:t>
-            </a:r>
-            <a:r>
-              <a:rPr lang="en-US" dirty="0" err="1" smtClean="0"/>
-              <a:t>db.products.find</a:t>
-            </a:r>
-            <a:r>
-              <a:rPr lang="en-US" dirty="0" smtClean="0"/>
-              <a:t>({</a:t>
-            </a:r>
-          </a:p>
-          <a:p>
-            <a:r>
-              <a:rPr lang="en-US" dirty="0" smtClean="0"/>
-              <a:t>	“title”: “</a:t>
-            </a:r>
-            <a:r>
-              <a:rPr lang="en-US" dirty="0" err="1" smtClean="0"/>
-              <a:t>Løiten</a:t>
-            </a:r>
-            <a:r>
-              <a:rPr lang="en-US" dirty="0" smtClean="0"/>
-              <a:t> </a:t>
-            </a:r>
-            <a:r>
-              <a:rPr lang="en-US" dirty="0" err="1"/>
-              <a:t>L</a:t>
-            </a:r>
-            <a:r>
-              <a:rPr lang="en-US" dirty="0" err="1" smtClean="0"/>
-              <a:t>inie</a:t>
-            </a:r>
-            <a:r>
-              <a:rPr lang="en-US" dirty="0" smtClean="0"/>
-              <a:t>”</a:t>
-            </a:r>
-          </a:p>
-          <a:p>
-            <a:r>
-              <a:rPr lang="en-US" dirty="0" smtClean="0"/>
-              <a:t>});</a:t>
-            </a:r>
-          </a:p>
-          <a:p>
-            <a:endParaRPr lang="en-US" dirty="0"/>
-          </a:p>
-          <a:p>
-            <a:r>
-              <a:rPr lang="en-US" dirty="0" smtClean="0"/>
-              <a:t>&gt; </a:t>
-            </a:r>
-            <a:r>
-              <a:rPr lang="en-US" dirty="0" err="1" smtClean="0"/>
-              <a:t>db.products.find</a:t>
-            </a:r>
-            <a:r>
-              <a:rPr lang="en-US" dirty="0" smtClean="0"/>
-              <a:t>({</a:t>
-            </a:r>
-          </a:p>
-          <a:p>
-            <a:r>
-              <a:rPr lang="en-US" dirty="0" smtClean="0"/>
-              <a:t>	“title”: “</a:t>
-            </a:r>
-            <a:r>
-              <a:rPr lang="en-US" dirty="0" err="1" smtClean="0"/>
-              <a:t>Løiten</a:t>
-            </a:r>
-            <a:r>
-              <a:rPr lang="en-US" dirty="0" smtClean="0"/>
-              <a:t> </a:t>
-            </a:r>
-            <a:r>
-              <a:rPr lang="en-US" dirty="0" err="1"/>
-              <a:t>L</a:t>
-            </a:r>
-            <a:r>
-              <a:rPr lang="en-US" dirty="0" err="1" smtClean="0"/>
-              <a:t>inie</a:t>
-            </a:r>
-            <a:r>
-              <a:rPr lang="en-US" dirty="0" smtClean="0"/>
-              <a:t>”,</a:t>
-            </a:r>
-          </a:p>
-          <a:p>
-            <a:r>
-              <a:rPr lang="en-US" dirty="0"/>
-              <a:t>	</a:t>
-            </a:r>
-            <a:r>
-              <a:rPr lang="en-US" dirty="0" smtClean="0"/>
-              <a:t>“</a:t>
-            </a:r>
-            <a:r>
-              <a:rPr lang="en-US" dirty="0" err="1" smtClean="0"/>
-              <a:t>containerSize</a:t>
-            </a:r>
-            <a:r>
-              <a:rPr lang="en-US" dirty="0" smtClean="0"/>
-              <a:t>”: “70 cl”</a:t>
-            </a:r>
-          </a:p>
-          <a:p>
-            <a:r>
-              <a:rPr lang="en-US" dirty="0" smtClean="0"/>
-              <a:t>}, {</a:t>
-            </a:r>
-          </a:p>
-          <a:p>
-            <a:r>
-              <a:rPr lang="en-US" dirty="0"/>
-              <a:t>	</a:t>
-            </a:r>
-            <a:r>
-              <a:rPr lang="en-US" dirty="0" smtClean="0"/>
-              <a:t>“price”: 1,</a:t>
-            </a:r>
-          </a:p>
-          <a:p>
-            <a:r>
-              <a:rPr lang="en-US" dirty="0"/>
-              <a:t>	</a:t>
-            </a:r>
-            <a:r>
-              <a:rPr lang="en-US" dirty="0" smtClean="0"/>
-              <a:t>“_id”: 0</a:t>
-            </a:r>
-          </a:p>
-          <a:p>
-            <a:r>
-              <a:rPr lang="en-US" dirty="0" smtClean="0"/>
-              <a:t>});</a:t>
-            </a:r>
-          </a:p>
-          <a:p>
-            <a:endParaRPr lang="en-US" dirty="0"/>
-          </a:p>
-          <a:p>
-            <a:r>
-              <a:rPr lang="en-US" dirty="0" smtClean="0"/>
-              <a:t>&gt; </a:t>
-            </a:r>
-            <a:r>
-              <a:rPr lang="en-US" dirty="0" err="1" smtClean="0"/>
-              <a:t>db.products.find</a:t>
-            </a:r>
-            <a:r>
-              <a:rPr lang="en-US" dirty="0" smtClean="0"/>
-              <a:t>().sort({</a:t>
-            </a:r>
-          </a:p>
-          <a:p>
-            <a:r>
-              <a:rPr lang="en-US" dirty="0" smtClean="0"/>
-              <a:t>	title: 1</a:t>
-            </a:r>
-          </a:p>
-          <a:p>
-            <a:r>
-              <a:rPr lang="en-US" dirty="0" smtClean="0"/>
-              <a:t>}).limit(3);</a:t>
-            </a:r>
-            <a:endParaRPr lang="en-US" dirty="0"/>
-          </a:p>
-        </p:txBody>
-      </p:sp>
-      <p:sp>
-        <p:nvSpPr>
-          <p:cNvPr id="5" name="Slide Number Placeholder 4"/>
+          <p:cNvPr id="4" name="Slide Number Placeholder 3"/>
           <p:cNvSpPr>
             <a:spLocks noGrp="1"/>
           </p:cNvSpPr>
@@ -11274,66 +12036,40 @@
           </a:p>
         </p:txBody>
       </p:sp>
-      <p:sp>
-        <p:nvSpPr>
-          <p:cNvPr id="6" name="Text Placeholder 5"/>
-          <p:cNvSpPr>
-            <a:spLocks noGrp="1"/>
-          </p:cNvSpPr>
-          <p:nvPr>
-            <p:ph type="body" sz="quarter" idx="13"/>
-          </p:nvPr>
-        </p:nvSpPr>
-        <p:spPr>
-          <a:xfrm>
-            <a:off x="331394" y="1272002"/>
-            <a:ext cx="1187385" cy="276999"/>
-          </a:xfrm>
-        </p:spPr>
-        <p:txBody>
-          <a:bodyPr/>
-          <a:lstStyle/>
-          <a:p>
-            <a:r>
-              <a:rPr lang="en-US" dirty="0" smtClean="0"/>
-              <a:t>Signature</a:t>
-            </a:r>
-            <a:endParaRPr lang="en-US" dirty="0"/>
-          </a:p>
-        </p:txBody>
-      </p:sp>
-      <p:sp>
-        <p:nvSpPr>
-          <p:cNvPr id="7" name="Text Placeholder 6"/>
-          <p:cNvSpPr>
-            <a:spLocks noGrp="1"/>
-          </p:cNvSpPr>
-          <p:nvPr>
-            <p:ph type="body" sz="quarter" idx="14"/>
-          </p:nvPr>
-        </p:nvSpPr>
-        <p:spPr>
-          <a:xfrm>
-            <a:off x="4632714" y="1272002"/>
-            <a:ext cx="1097892" cy="276999"/>
-          </a:xfrm>
-        </p:spPr>
-        <p:txBody>
-          <a:bodyPr/>
-          <a:lstStyle/>
-          <a:p>
-            <a:r>
-              <a:rPr lang="en-US" dirty="0" smtClean="0"/>
-              <a:t>Example</a:t>
-            </a:r>
-            <a:endParaRPr lang="en-US" dirty="0"/>
-          </a:p>
-        </p:txBody>
-      </p:sp>
+      <p:pic>
+        <p:nvPicPr>
+          <p:cNvPr id="5" name="Picture 4" descr="shell_prompt.gif"/>
+          <p:cNvPicPr>
+            <a:picLocks noChangeAspect="1"/>
+          </p:cNvPicPr>
+          <p:nvPr/>
+        </p:nvPicPr>
+        <p:blipFill>
+          <a:blip r:embed="rId2">
+            <a:extLst>
+              <a:ext uri="{28A0092B-C50C-407E-A947-70E740481C1C}">
+                <a14:useLocalDpi xmlns:a14="http://schemas.microsoft.com/office/drawing/2010/main" val="0"/>
+              </a:ext>
+            </a:extLst>
+          </a:blip>
+          <a:stretch>
+            <a:fillRect/>
+          </a:stretch>
+        </p:blipFill>
+        <p:spPr>
+          <a:xfrm>
+            <a:off x="0" y="1280160"/>
+            <a:ext cx="9144000" cy="4572000"/>
+          </a:xfrm>
+          <a:prstGeom prst="rect">
+            <a:avLst/>
+          </a:prstGeom>
+        </p:spPr>
+      </p:pic>
     </p:spTree>
     <p:extLst>
       <p:ext uri="{BB962C8B-B14F-4D97-AF65-F5344CB8AC3E}">
-        <p14:creationId xmlns:p14="http://schemas.microsoft.com/office/powerpoint/2010/main" val="785385825"/>
+        <p14:creationId xmlns:p14="http://schemas.microsoft.com/office/powerpoint/2010/main" val="3601541952"/>
       </p:ext>
     </p:extLst>
   </p:cSld>
@@ -11383,7 +12119,7 @@
         <p:spPr>
           <a:xfrm>
             <a:off x="321623" y="418905"/>
-            <a:ext cx="1356859" cy="307777"/>
+            <a:ext cx="2660872" cy="307777"/>
           </a:xfrm>
         </p:spPr>
         <p:txBody>
@@ -11392,7 +12128,7 @@
           <a:p>
             <a:r>
               <a:rPr lang="en-US" dirty="0" smtClean="0"/>
-              <a:t>inserts</a:t>
+              <a:t>Query language</a:t>
             </a:r>
             <a:endParaRPr lang="en-US" dirty="0"/>
           </a:p>
@@ -11400,152 +12136,12 @@
       </p:sp>
       <p:sp>
         <p:nvSpPr>
-          <p:cNvPr id="3" name="Text Placeholder 2"/>
+          <p:cNvPr id="3" name="Slide Number Placeholder 2"/>
           <p:cNvSpPr>
             <a:spLocks noGrp="1"/>
           </p:cNvSpPr>
           <p:nvPr>
-            <p:ph type="body" sz="quarter" idx="11"/>
-          </p:nvPr>
-        </p:nvSpPr>
-        <p:spPr/>
-        <p:txBody>
-          <a:bodyPr/>
-          <a:lstStyle/>
-          <a:p>
-            <a:r>
-              <a:rPr lang="en-US" dirty="0" smtClean="0"/>
-              <a:t>&gt; </a:t>
-            </a:r>
-            <a:r>
-              <a:rPr lang="en-US" dirty="0" err="1" smtClean="0"/>
-              <a:t>db.users.insert</a:t>
-            </a:r>
-            <a:r>
-              <a:rPr lang="en-US" dirty="0" smtClean="0"/>
-              <a:t>(</a:t>
-            </a:r>
-          </a:p>
-          <a:p>
-            <a:r>
-              <a:rPr lang="en-US" dirty="0" smtClean="0"/>
-              <a:t>	&lt;document or array of documents&gt;</a:t>
-            </a:r>
-          </a:p>
-          <a:p>
-            <a:r>
-              <a:rPr lang="en-US" dirty="0" smtClean="0"/>
-              <a:t>, </a:t>
-            </a:r>
-          </a:p>
-          <a:p>
-            <a:r>
-              <a:rPr lang="en-US" dirty="0"/>
-              <a:t>	</a:t>
-            </a:r>
-            <a:r>
-              <a:rPr lang="en-US" dirty="0" smtClean="0"/>
-              <a:t>&lt;optional options&gt;</a:t>
-            </a:r>
-          </a:p>
-          <a:p>
-            <a:r>
-              <a:rPr lang="en-US" dirty="0" smtClean="0"/>
-              <a:t>);</a:t>
-            </a:r>
-            <a:endParaRPr lang="en-US" dirty="0"/>
-          </a:p>
-        </p:txBody>
-      </p:sp>
-      <p:sp>
-        <p:nvSpPr>
-          <p:cNvPr id="4" name="Text Placeholder 3"/>
-          <p:cNvSpPr>
-            <a:spLocks noGrp="1"/>
-          </p:cNvSpPr>
-          <p:nvPr>
-            <p:ph type="body" sz="quarter" idx="12"/>
-          </p:nvPr>
-        </p:nvSpPr>
-        <p:spPr/>
-        <p:txBody>
-          <a:bodyPr/>
-          <a:lstStyle/>
-          <a:p>
-            <a:r>
-              <a:rPr lang="en-US" dirty="0" smtClean="0"/>
-              <a:t>&gt; </a:t>
-            </a:r>
-            <a:r>
-              <a:rPr lang="en-US" dirty="0" err="1" smtClean="0"/>
-              <a:t>db.users.insert</a:t>
-            </a:r>
-            <a:r>
-              <a:rPr lang="en-US" dirty="0" smtClean="0"/>
-              <a:t>({</a:t>
-            </a:r>
-          </a:p>
-          <a:p>
-            <a:r>
-              <a:rPr lang="en-US" dirty="0" smtClean="0"/>
-              <a:t>	_id: “</a:t>
-            </a:r>
-            <a:r>
-              <a:rPr lang="en-US" dirty="0" err="1" smtClean="0"/>
-              <a:t>richard.nixon</a:t>
-            </a:r>
-            <a:r>
-              <a:rPr lang="en-US" dirty="0" smtClean="0"/>
-              <a:t>”,</a:t>
-            </a:r>
-          </a:p>
-          <a:p>
-            <a:r>
-              <a:rPr lang="en-US" dirty="0"/>
-              <a:t>	</a:t>
-            </a:r>
-            <a:r>
-              <a:rPr lang="en-US" dirty="0" smtClean="0"/>
-              <a:t>name: “Richard Nixon”,</a:t>
-            </a:r>
-          </a:p>
-          <a:p>
-            <a:r>
-              <a:rPr lang="en-US" dirty="0"/>
-              <a:t>	</a:t>
-            </a:r>
-            <a:r>
-              <a:rPr lang="en-US" dirty="0" smtClean="0"/>
-              <a:t>birthdate: new Date(),</a:t>
-            </a:r>
-          </a:p>
-          <a:p>
-            <a:r>
-              <a:rPr lang="en-US" dirty="0"/>
-              <a:t>	</a:t>
-            </a:r>
-            <a:r>
-              <a:rPr lang="en-US" dirty="0" smtClean="0"/>
-              <a:t>sex: “male”</a:t>
-            </a:r>
-          </a:p>
-          <a:p>
-            <a:r>
-              <a:rPr lang="en-US" dirty="0" smtClean="0"/>
-              <a:t>});</a:t>
-            </a:r>
-            <a:endParaRPr lang="en-US" dirty="0"/>
-          </a:p>
-        </p:txBody>
-      </p:sp>
-      <p:sp>
-        <p:nvSpPr>
-          <p:cNvPr id="5" name="Slide Number Placeholder 4"/>
-          <p:cNvSpPr>
-            <a:spLocks noGrp="1"/>
-          </p:cNvSpPr>
-          <p:nvPr>
-            <p:ph type="sldNum" sz="quarter" idx="4"/>
+            <p:ph type="sldNum" sz="quarter" idx="10"/>
           </p:nvPr>
         </p:nvSpPr>
         <p:spPr/>
@@ -11564,55 +12160,40 @@
       </p:sp>
       <p:sp>
         <p:nvSpPr>
-          <p:cNvPr id="6" name="Text Placeholder 5"/>
+          <p:cNvPr id="4" name="Text Placeholder 3"/>
           <p:cNvSpPr>
             <a:spLocks noGrp="1"/>
           </p:cNvSpPr>
           <p:nvPr>
-            <p:ph type="body" sz="quarter" idx="13"/>
-          </p:nvPr>
-        </p:nvSpPr>
-        <p:spPr>
-          <a:xfrm>
-            <a:off x="331394" y="1272002"/>
-            <a:ext cx="1187385" cy="276999"/>
-          </a:xfrm>
-        </p:spPr>
+            <p:ph type="body" sz="quarter" idx="11"/>
+          </p:nvPr>
+        </p:nvSpPr>
+        <p:spPr/>
         <p:txBody>
           <a:bodyPr/>
           <a:lstStyle/>
           <a:p>
             <a:r>
               <a:rPr lang="en-US" dirty="0" smtClean="0"/>
-              <a:t>Signature</a:t>
-            </a:r>
+              <a:t>No specific query language.</a:t>
+            </a:r>
+          </a:p>
+          <a:p>
             <a:endParaRPr lang="en-US" dirty="0"/>
           </a:p>
-        </p:txBody>
-      </p:sp>
-      <p:sp>
-        <p:nvSpPr>
-          <p:cNvPr id="7" name="Text Placeholder 6"/>
-          <p:cNvSpPr>
-            <a:spLocks noGrp="1"/>
-          </p:cNvSpPr>
-          <p:nvPr>
-            <p:ph type="body" sz="quarter" idx="14"/>
-          </p:nvPr>
-        </p:nvSpPr>
-        <p:spPr>
-          <a:xfrm>
-            <a:off x="4632714" y="1272002"/>
-            <a:ext cx="1097892" cy="276999"/>
-          </a:xfrm>
-        </p:spPr>
-        <p:txBody>
-          <a:bodyPr/>
-          <a:lstStyle/>
-          <a:p>
-            <a:r>
-              <a:rPr lang="en-US" dirty="0" smtClean="0"/>
-              <a:t>Example</a:t>
+          <a:p>
+            <a:r>
+              <a:rPr lang="en-US" dirty="0" smtClean="0"/>
+              <a:t>Only methods in different programming language drivers.</a:t>
+            </a:r>
+          </a:p>
+          <a:p>
+            <a:endParaRPr lang="en-US" dirty="0"/>
+          </a:p>
+          <a:p>
+            <a:r>
+              <a:rPr lang="en-US" dirty="0" smtClean="0"/>
+              <a:t>Language drivers communicate via a wire-protocol to the database-server.</a:t>
             </a:r>
             <a:endParaRPr lang="en-US" dirty="0"/>
           </a:p>
@@ -11621,7 +12202,7 @@
     </p:spTree>
     <p:extLst>
       <p:ext uri="{BB962C8B-B14F-4D97-AF65-F5344CB8AC3E}">
-        <p14:creationId xmlns:p14="http://schemas.microsoft.com/office/powerpoint/2010/main" val="644679337"/>
+        <p14:creationId xmlns:p14="http://schemas.microsoft.com/office/powerpoint/2010/main" val="923512922"/>
       </p:ext>
     </p:extLst>
   </p:cSld>
@@ -11671,7 +12252,7 @@
         <p:spPr>
           <a:xfrm>
             <a:off x="321623" y="418905"/>
-            <a:ext cx="1449933" cy="307777"/>
+            <a:ext cx="2528539" cy="307777"/>
           </a:xfrm>
         </p:spPr>
         <p:txBody>
@@ -11679,8 +12260,12 @@
           <a:lstStyle/>
           <a:p>
             <a:r>
-              <a:rPr lang="en-US" dirty="0" smtClean="0"/>
-              <a:t>Updates</a:t>
+              <a:rPr lang="en-US" dirty="0" err="1" smtClean="0"/>
+              <a:t>Mongodb</a:t>
+            </a:r>
+            <a:r>
+              <a:rPr lang="en-US" dirty="0" smtClean="0"/>
+              <a:t> shell</a:t>
             </a:r>
             <a:endParaRPr lang="en-US" dirty="0"/>
           </a:p>
@@ -11688,154 +12273,12 @@
       </p:sp>
       <p:sp>
         <p:nvSpPr>
-          <p:cNvPr id="3" name="Text Placeholder 2"/>
+          <p:cNvPr id="3" name="Slide Number Placeholder 2"/>
           <p:cNvSpPr>
             <a:spLocks noGrp="1"/>
           </p:cNvSpPr>
           <p:nvPr>
-            <p:ph type="body" sz="quarter" idx="11"/>
-          </p:nvPr>
-        </p:nvSpPr>
-        <p:spPr/>
-        <p:txBody>
-          <a:bodyPr/>
-          <a:lstStyle/>
-          <a:p>
-            <a:r>
-              <a:rPr lang="en-US" dirty="0" smtClean="0"/>
-              <a:t>&gt; </a:t>
-            </a:r>
-            <a:r>
-              <a:rPr lang="en-US" dirty="0" err="1" smtClean="0"/>
-              <a:t>db.products.update</a:t>
-            </a:r>
-            <a:r>
-              <a:rPr lang="en-US" dirty="0" smtClean="0"/>
-              <a:t>({</a:t>
-            </a:r>
-          </a:p>
-          <a:p>
-            <a:r>
-              <a:rPr lang="en-US" dirty="0" smtClean="0"/>
-              <a:t>	&lt;query&gt;</a:t>
-            </a:r>
-          </a:p>
-          <a:p>
-            <a:r>
-              <a:rPr lang="en-US" dirty="0" smtClean="0"/>
-              <a:t>}, {</a:t>
-            </a:r>
-          </a:p>
-          <a:p>
-            <a:r>
-              <a:rPr lang="en-US" dirty="0"/>
-              <a:t>	</a:t>
-            </a:r>
-            <a:r>
-              <a:rPr lang="en-US" dirty="0" smtClean="0"/>
-              <a:t>&lt;update&gt;</a:t>
-            </a:r>
-          </a:p>
-          <a:p>
-            <a:r>
-              <a:rPr lang="en-US" dirty="0" smtClean="0"/>
-              <a:t>}, {</a:t>
-            </a:r>
-          </a:p>
-          <a:p>
-            <a:r>
-              <a:rPr lang="en-US" dirty="0"/>
-              <a:t>	</a:t>
-            </a:r>
-            <a:r>
-              <a:rPr lang="en-US" dirty="0" smtClean="0"/>
-              <a:t>&lt;optional options&gt;</a:t>
-            </a:r>
-          </a:p>
-          <a:p>
-            <a:r>
-              <a:rPr lang="en-US" dirty="0" smtClean="0"/>
-              <a:t>});</a:t>
-            </a:r>
-            <a:endParaRPr lang="en-US" dirty="0"/>
-          </a:p>
-        </p:txBody>
-      </p:sp>
-      <p:sp>
-        <p:nvSpPr>
-          <p:cNvPr id="4" name="Text Placeholder 3"/>
-          <p:cNvSpPr>
-            <a:spLocks noGrp="1"/>
-          </p:cNvSpPr>
-          <p:nvPr>
-            <p:ph type="body" sz="quarter" idx="12"/>
-          </p:nvPr>
-        </p:nvSpPr>
-        <p:spPr/>
-        <p:txBody>
-          <a:bodyPr/>
-          <a:lstStyle/>
-          <a:p>
-            <a:r>
-              <a:rPr lang="en-US" dirty="0" smtClean="0"/>
-              <a:t>&gt; </a:t>
-            </a:r>
-            <a:r>
-              <a:rPr lang="en-US" dirty="0" err="1" smtClean="0"/>
-              <a:t>db.users.update</a:t>
-            </a:r>
-            <a:r>
-              <a:rPr lang="en-US" dirty="0" smtClean="0"/>
-              <a:t>({</a:t>
-            </a:r>
-          </a:p>
-          <a:p>
-            <a:r>
-              <a:rPr lang="en-US" dirty="0" smtClean="0"/>
-              <a:t>	_id: “</a:t>
-            </a:r>
-            <a:r>
-              <a:rPr lang="en-US" dirty="0" err="1" smtClean="0"/>
-              <a:t>richard.nixon</a:t>
-            </a:r>
-            <a:r>
-              <a:rPr lang="en-US" dirty="0" smtClean="0"/>
-              <a:t>”</a:t>
-            </a:r>
-          </a:p>
-          <a:p>
-            <a:r>
-              <a:rPr lang="en-US" dirty="0" smtClean="0"/>
-              <a:t>}, {</a:t>
-            </a:r>
-          </a:p>
-          <a:p>
-            <a:r>
-              <a:rPr lang="en-US" dirty="0"/>
-              <a:t>	</a:t>
-            </a:r>
-            <a:r>
-              <a:rPr lang="en-US" dirty="0" smtClean="0"/>
-              <a:t>“$set”: {name: “Richard M. Nixon”}</a:t>
-            </a:r>
-          </a:p>
-          <a:p>
-            <a:r>
-              <a:rPr lang="en-US" dirty="0" smtClean="0"/>
-              <a:t>});</a:t>
-            </a:r>
-            <a:endParaRPr lang="en-US" dirty="0"/>
-          </a:p>
-        </p:txBody>
-      </p:sp>
-      <p:sp>
-        <p:nvSpPr>
-          <p:cNvPr id="5" name="Slide Number Placeholder 4"/>
-          <p:cNvSpPr>
-            <a:spLocks noGrp="1"/>
-          </p:cNvSpPr>
-          <p:nvPr>
-            <p:ph type="sldNum" sz="quarter" idx="4"/>
+            <p:ph type="sldNum" sz="quarter" idx="10"/>
           </p:nvPr>
         </p:nvSpPr>
         <p:spPr/>
@@ -11854,56 +12297,69 @@
       </p:sp>
       <p:sp>
         <p:nvSpPr>
-          <p:cNvPr id="6" name="Text Placeholder 5"/>
+          <p:cNvPr id="4" name="Text Placeholder 3"/>
           <p:cNvSpPr>
             <a:spLocks noGrp="1"/>
           </p:cNvSpPr>
           <p:nvPr>
-            <p:ph type="body" sz="quarter" idx="13"/>
-          </p:nvPr>
-        </p:nvSpPr>
-        <p:spPr>
-          <a:xfrm>
-            <a:off x="331394" y="1272002"/>
-            <a:ext cx="1187385" cy="276999"/>
-          </a:xfrm>
-        </p:spPr>
+            <p:ph type="body" sz="quarter" idx="11"/>
+          </p:nvPr>
+        </p:nvSpPr>
+        <p:spPr/>
         <p:txBody>
           <a:bodyPr/>
           <a:lstStyle/>
           <a:p>
             <a:r>
               <a:rPr lang="en-US" dirty="0" smtClean="0"/>
-              <a:t>Signature</a:t>
-            </a:r>
+              <a:t>We are going to use the </a:t>
+            </a:r>
+            <a:r>
+              <a:rPr lang="en-US" dirty="0" err="1" smtClean="0"/>
+              <a:t>mongodb</a:t>
+            </a:r>
+            <a:r>
+              <a:rPr lang="en-US" dirty="0" smtClean="0"/>
+              <a:t> shell which is bundled with every install of </a:t>
+            </a:r>
+            <a:r>
+              <a:rPr lang="en-US" dirty="0" err="1" smtClean="0"/>
+              <a:t>MongoDB</a:t>
+            </a:r>
+            <a:r>
+              <a:rPr lang="en-US" dirty="0" smtClean="0"/>
+              <a:t>.</a:t>
+            </a:r>
+          </a:p>
+          <a:p>
             <a:endParaRPr lang="en-US" dirty="0"/>
           </a:p>
-        </p:txBody>
-      </p:sp>
-      <p:sp>
-        <p:nvSpPr>
-          <p:cNvPr id="7" name="Text Placeholder 6"/>
-          <p:cNvSpPr>
-            <a:spLocks noGrp="1"/>
-          </p:cNvSpPr>
-          <p:nvPr>
-            <p:ph type="body" sz="quarter" idx="14"/>
-          </p:nvPr>
-        </p:nvSpPr>
-        <p:spPr>
-          <a:xfrm>
-            <a:off x="4632714" y="1272002"/>
-            <a:ext cx="1097892" cy="276999"/>
-          </a:xfrm>
-        </p:spPr>
-        <p:txBody>
-          <a:bodyPr/>
-          <a:lstStyle/>
-          <a:p>
-            <a:r>
-              <a:rPr lang="en-US" dirty="0" smtClean="0"/>
-              <a:t>Example</a:t>
-            </a:r>
+          <a:p>
+            <a:r>
+              <a:rPr lang="en-US" dirty="0" smtClean="0"/>
+              <a:t>The </a:t>
+            </a:r>
+            <a:r>
+              <a:rPr lang="en-US" dirty="0" err="1" smtClean="0"/>
+              <a:t>MongoDB</a:t>
+            </a:r>
+            <a:r>
+              <a:rPr lang="en-US" dirty="0" smtClean="0"/>
+              <a:t> shell uses </a:t>
+            </a:r>
+            <a:r>
+              <a:rPr lang="en-US" dirty="0" err="1" smtClean="0"/>
+              <a:t>javascript</a:t>
+            </a:r>
+            <a:r>
+              <a:rPr lang="en-US" dirty="0" smtClean="0"/>
+              <a:t>.</a:t>
+            </a:r>
+          </a:p>
+          <a:p>
+            <a:endParaRPr lang="en-US" dirty="0"/>
+          </a:p>
+          <a:p>
             <a:endParaRPr lang="en-US" dirty="0"/>
           </a:p>
         </p:txBody>
@@ -11911,7 +12367,7 @@
     </p:spTree>
     <p:extLst>
       <p:ext uri="{BB962C8B-B14F-4D97-AF65-F5344CB8AC3E}">
-        <p14:creationId xmlns:p14="http://schemas.microsoft.com/office/powerpoint/2010/main" val="919113909"/>
+        <p14:creationId xmlns:p14="http://schemas.microsoft.com/office/powerpoint/2010/main" val="2598251649"/>
       </p:ext>
     </p:extLst>
   </p:cSld>
@@ -11948,37 +12404,9 @@
           <a:chExt cx="0" cy="0"/>
         </a:xfrm>
       </p:grpSpPr>
-      <p:pic>
-        <p:nvPicPr>
-          <p:cNvPr id="6" name="Picture Placeholder 5" descr="Escher-Big.jpg"/>
-          <p:cNvPicPr>
-            <a:picLocks noGrp="1" noChangeAspect="1"/>
-          </p:cNvPicPr>
-          <p:nvPr>
-            <p:ph type="pic" sz="quarter" idx="10"/>
-          </p:nvPr>
-        </p:nvPicPr>
-        <p:blipFill rotWithShape="1">
-          <a:blip r:embed="rId2">
-            <a:extLst>
-              <a:ext uri="{28A0092B-C50C-407E-A947-70E740481C1C}">
-                <a14:useLocalDpi xmlns:a14="http://schemas.microsoft.com/office/drawing/2010/main" val="0"/>
-              </a:ext>
-            </a:extLst>
-          </a:blip>
-          <a:srcRect l="2776" t="19033" r="4180" b="-7552"/>
-          <a:stretch/>
-        </p:blipFill>
-        <p:spPr>
-          <a:xfrm>
-            <a:off x="1158240" y="1412240"/>
-            <a:ext cx="6725920" cy="5953760"/>
-          </a:xfrm>
-        </p:spPr>
-      </p:pic>
-      <p:sp>
-        <p:nvSpPr>
-          <p:cNvPr id="3" name="Title 2"/>
+      <p:sp>
+        <p:nvSpPr>
+          <p:cNvPr id="2" name="Title 1"/>
           <p:cNvSpPr>
             <a:spLocks noGrp="1"/>
           </p:cNvSpPr>
@@ -11989,7 +12417,7 @@
         <p:spPr>
           <a:xfrm>
             <a:off x="321623" y="418905"/>
-            <a:ext cx="3695354" cy="307777"/>
+            <a:ext cx="1047409" cy="307777"/>
           </a:xfrm>
         </p:spPr>
         <p:txBody>
@@ -11998,7 +12426,7 @@
           <a:p>
             <a:r>
               <a:rPr lang="en-US" dirty="0" smtClean="0"/>
-              <a:t>Structuring your data</a:t>
+              <a:t>Finds</a:t>
             </a:r>
             <a:endParaRPr lang="en-US" dirty="0"/>
           </a:p>
@@ -12006,7 +12434,251 @@
       </p:sp>
       <p:sp>
         <p:nvSpPr>
-          <p:cNvPr id="4" name="Slide Number Placeholder 3"/>
+          <p:cNvPr id="3" name="Text Placeholder 2"/>
+          <p:cNvSpPr>
+            <a:spLocks noGrp="1"/>
+          </p:cNvSpPr>
+          <p:nvPr>
+            <p:ph type="body" sz="quarter" idx="11"/>
+          </p:nvPr>
+        </p:nvSpPr>
+        <p:spPr/>
+        <p:txBody>
+          <a:bodyPr/>
+          <a:lstStyle/>
+          <a:p>
+            <a:r>
+              <a:rPr lang="en-US" dirty="0" smtClean="0"/>
+              <a:t>&gt; </a:t>
+            </a:r>
+            <a:r>
+              <a:rPr lang="en-US" dirty="0" err="1" smtClean="0"/>
+              <a:t>db.collection.find</a:t>
+            </a:r>
+            <a:r>
+              <a:rPr lang="en-US" dirty="0" smtClean="0"/>
+              <a:t>({</a:t>
+            </a:r>
+          </a:p>
+          <a:p>
+            <a:r>
+              <a:rPr lang="en-US" dirty="0" smtClean="0"/>
+              <a:t>	&lt;Criteria&gt;</a:t>
+            </a:r>
+          </a:p>
+          <a:p>
+            <a:r>
+              <a:rPr lang="en-US" dirty="0" smtClean="0"/>
+              <a:t>}, {</a:t>
+            </a:r>
+          </a:p>
+          <a:p>
+            <a:r>
+              <a:rPr lang="en-US" dirty="0"/>
+              <a:t>	</a:t>
+            </a:r>
+            <a:r>
+              <a:rPr lang="en-US" dirty="0" smtClean="0"/>
+              <a:t>&lt;Projection (optional)&gt;</a:t>
+            </a:r>
+          </a:p>
+          <a:p>
+            <a:r>
+              <a:rPr lang="en-US" dirty="0" smtClean="0"/>
+              <a:t>});</a:t>
+            </a:r>
+            <a:endParaRPr lang="en-US" dirty="0"/>
+          </a:p>
+        </p:txBody>
+      </p:sp>
+      <p:sp>
+        <p:nvSpPr>
+          <p:cNvPr id="4" name="Text Placeholder 3"/>
+          <p:cNvSpPr>
+            <a:spLocks noGrp="1"/>
+          </p:cNvSpPr>
+          <p:nvPr>
+            <p:ph type="body" sz="quarter" idx="12"/>
+          </p:nvPr>
+        </p:nvSpPr>
+        <p:spPr/>
+        <p:txBody>
+          <a:bodyPr/>
+          <a:lstStyle/>
+          <a:p>
+            <a:r>
+              <a:rPr lang="en-US" dirty="0" smtClean="0"/>
+              <a:t>&gt; </a:t>
+            </a:r>
+            <a:r>
+              <a:rPr lang="en-US" dirty="0" err="1" smtClean="0"/>
+              <a:t>db.products.find</a:t>
+            </a:r>
+            <a:r>
+              <a:rPr lang="en-US" dirty="0" smtClean="0"/>
+              <a:t>({</a:t>
+            </a:r>
+          </a:p>
+          <a:p>
+            <a:r>
+              <a:rPr lang="en-US" dirty="0" smtClean="0"/>
+              <a:t>	“title”: “</a:t>
+            </a:r>
+            <a:r>
+              <a:rPr lang="en-US" dirty="0" err="1" smtClean="0"/>
+              <a:t>Løiten</a:t>
+            </a:r>
+            <a:r>
+              <a:rPr lang="en-US" dirty="0" smtClean="0"/>
+              <a:t> </a:t>
+            </a:r>
+            <a:r>
+              <a:rPr lang="en-US" dirty="0" err="1"/>
+              <a:t>L</a:t>
+            </a:r>
+            <a:r>
+              <a:rPr lang="en-US" dirty="0" err="1" smtClean="0"/>
+              <a:t>inie</a:t>
+            </a:r>
+            <a:r>
+              <a:rPr lang="en-US" dirty="0" smtClean="0"/>
+              <a:t>”</a:t>
+            </a:r>
+          </a:p>
+          <a:p>
+            <a:r>
+              <a:rPr lang="en-US" dirty="0" smtClean="0"/>
+              <a:t>});</a:t>
+            </a:r>
+          </a:p>
+          <a:p>
+            <a:endParaRPr lang="en-US" dirty="0"/>
+          </a:p>
+          <a:p>
+            <a:r>
+              <a:rPr lang="en-US" dirty="0" smtClean="0"/>
+              <a:t>&gt; </a:t>
+            </a:r>
+            <a:r>
+              <a:rPr lang="en-US" dirty="0" err="1" smtClean="0"/>
+              <a:t>db.products.find</a:t>
+            </a:r>
+            <a:r>
+              <a:rPr lang="en-US" dirty="0" smtClean="0"/>
+              <a:t>({</a:t>
+            </a:r>
+          </a:p>
+          <a:p>
+            <a:r>
+              <a:rPr lang="en-US" dirty="0" smtClean="0"/>
+              <a:t>	“title”: “</a:t>
+            </a:r>
+            <a:r>
+              <a:rPr lang="en-US" dirty="0" err="1" smtClean="0"/>
+              <a:t>Løiten</a:t>
+            </a:r>
+            <a:r>
+              <a:rPr lang="en-US" dirty="0" smtClean="0"/>
+              <a:t> </a:t>
+            </a:r>
+            <a:r>
+              <a:rPr lang="en-US" dirty="0" err="1"/>
+              <a:t>L</a:t>
+            </a:r>
+            <a:r>
+              <a:rPr lang="en-US" dirty="0" err="1" smtClean="0"/>
+              <a:t>inie</a:t>
+            </a:r>
+            <a:r>
+              <a:rPr lang="en-US" dirty="0" smtClean="0"/>
+              <a:t>”,</a:t>
+            </a:r>
+          </a:p>
+          <a:p>
+            <a:r>
+              <a:rPr lang="en-US" dirty="0"/>
+              <a:t>	</a:t>
+            </a:r>
+            <a:r>
+              <a:rPr lang="en-US" dirty="0" smtClean="0"/>
+              <a:t>“</a:t>
+            </a:r>
+            <a:r>
+              <a:rPr lang="en-US" dirty="0" err="1" smtClean="0"/>
+              <a:t>containerSize</a:t>
+            </a:r>
+            <a:r>
+              <a:rPr lang="en-US" dirty="0" smtClean="0"/>
+              <a:t>”: “70 cl”</a:t>
+            </a:r>
+          </a:p>
+          <a:p>
+            <a:r>
+              <a:rPr lang="en-US" dirty="0" smtClean="0"/>
+              <a:t>}, {</a:t>
+            </a:r>
+          </a:p>
+          <a:p>
+            <a:r>
+              <a:rPr lang="en-US" dirty="0"/>
+              <a:t>	</a:t>
+            </a:r>
+            <a:r>
+              <a:rPr lang="en-US" dirty="0" smtClean="0"/>
+              <a:t>“price”: 1,</a:t>
+            </a:r>
+          </a:p>
+          <a:p>
+            <a:r>
+              <a:rPr lang="en-US" dirty="0"/>
+              <a:t>	</a:t>
+            </a:r>
+            <a:r>
+              <a:rPr lang="en-US" dirty="0" smtClean="0"/>
+              <a:t>“_id”: 0</a:t>
+            </a:r>
+          </a:p>
+          <a:p>
+            <a:r>
+              <a:rPr lang="en-US" dirty="0" smtClean="0"/>
+              <a:t>});</a:t>
+            </a:r>
+          </a:p>
+          <a:p>
+            <a:endParaRPr lang="en-US" dirty="0"/>
+          </a:p>
+          <a:p>
+            <a:r>
+              <a:rPr lang="en-US" dirty="0" smtClean="0"/>
+              <a:t>&gt; </a:t>
+            </a:r>
+            <a:r>
+              <a:rPr lang="en-US" dirty="0" err="1" smtClean="0"/>
+              <a:t>db.products.find</a:t>
+            </a:r>
+            <a:r>
+              <a:rPr lang="en-US" dirty="0" smtClean="0"/>
+              <a:t>().sort({</a:t>
+            </a:r>
+          </a:p>
+          <a:p>
+            <a:r>
+              <a:rPr lang="en-US" dirty="0" smtClean="0"/>
+              <a:t>	title: 1</a:t>
+            </a:r>
+          </a:p>
+          <a:p>
+            <a:r>
+              <a:rPr lang="en-US" dirty="0" smtClean="0"/>
+              <a:t>}).limit(3);</a:t>
+            </a:r>
+            <a:endParaRPr lang="en-US" dirty="0"/>
+          </a:p>
+        </p:txBody>
+      </p:sp>
+      <p:sp>
+        <p:nvSpPr>
+          <p:cNvPr id="5" name="Slide Number Placeholder 4"/>
           <p:cNvSpPr>
             <a:spLocks noGrp="1"/>
           </p:cNvSpPr>
@@ -12030,54 +12702,64 @@
       </p:sp>
       <p:sp>
         <p:nvSpPr>
-          <p:cNvPr id="7" name="TextBox 6"/>
-          <p:cNvSpPr txBox="1"/>
-          <p:nvPr/>
-        </p:nvSpPr>
-        <p:spPr>
-          <a:xfrm>
-            <a:off x="5612358" y="6596390"/>
-            <a:ext cx="1911326" cy="261610"/>
-          </a:xfrm>
-          <a:prstGeom prst="rect">
-            <a:avLst/>
-          </a:prstGeom>
-          <a:noFill/>
-        </p:spPr>
-        <p:txBody>
-          <a:bodyPr wrap="none" rtlCol="0">
-            <a:spAutoFit/>
-          </a:bodyPr>
+          <p:cNvPr id="6" name="Text Placeholder 5"/>
+          <p:cNvSpPr>
+            <a:spLocks noGrp="1"/>
+          </p:cNvSpPr>
+          <p:nvPr>
+            <p:ph type="body" sz="quarter" idx="13"/>
+          </p:nvPr>
+        </p:nvSpPr>
+        <p:spPr>
+          <a:xfrm>
+            <a:off x="331394" y="1272002"/>
+            <a:ext cx="1187385" cy="276999"/>
+          </a:xfrm>
+        </p:spPr>
+        <p:txBody>
+          <a:bodyPr/>
           <a:lstStyle/>
           <a:p>
-            <a:pPr>
-              <a:spcBef>
-                <a:spcPts val="600"/>
-              </a:spcBef>
-              <a:spcAft>
-                <a:spcPts val="400"/>
-              </a:spcAft>
-            </a:pPr>
-            <a:r>
-              <a:rPr lang="en-US" sz="1100" dirty="0"/>
-              <a:t>Source: </a:t>
-            </a:r>
-            <a:r>
-              <a:rPr lang="en-US" sz="1100" dirty="0" err="1" smtClean="0"/>
-              <a:t>www.scottmcd.net</a:t>
-            </a:r>
-            <a:r>
-              <a:rPr lang="en-US" sz="1100" dirty="0"/>
-              <a:t>/</a:t>
-            </a:r>
-            <a:endParaRPr lang="en-US" sz="1100" dirty="0" smtClean="0"/>
+            <a:r>
+              <a:rPr lang="en-US" dirty="0" smtClean="0"/>
+              <a:t>Signature</a:t>
+            </a:r>
+            <a:endParaRPr lang="en-US" dirty="0"/>
+          </a:p>
+        </p:txBody>
+      </p:sp>
+      <p:sp>
+        <p:nvSpPr>
+          <p:cNvPr id="7" name="Text Placeholder 6"/>
+          <p:cNvSpPr>
+            <a:spLocks noGrp="1"/>
+          </p:cNvSpPr>
+          <p:nvPr>
+            <p:ph type="body" sz="quarter" idx="14"/>
+          </p:nvPr>
+        </p:nvSpPr>
+        <p:spPr>
+          <a:xfrm>
+            <a:off x="4632714" y="1272002"/>
+            <a:ext cx="1097892" cy="276999"/>
+          </a:xfrm>
+        </p:spPr>
+        <p:txBody>
+          <a:bodyPr/>
+          <a:lstStyle/>
+          <a:p>
+            <a:r>
+              <a:rPr lang="en-US" dirty="0" smtClean="0"/>
+              <a:t>Example</a:t>
+            </a:r>
+            <a:endParaRPr lang="en-US" dirty="0"/>
           </a:p>
         </p:txBody>
       </p:sp>
     </p:spTree>
     <p:extLst>
       <p:ext uri="{BB962C8B-B14F-4D97-AF65-F5344CB8AC3E}">
-        <p14:creationId xmlns:p14="http://schemas.microsoft.com/office/powerpoint/2010/main" val="761368604"/>
+        <p14:creationId xmlns:p14="http://schemas.microsoft.com/office/powerpoint/2010/main" val="785385825"/>
       </p:ext>
     </p:extLst>
   </p:cSld>
@@ -12127,7 +12809,7 @@
         <p:spPr>
           <a:xfrm>
             <a:off x="321623" y="418905"/>
-            <a:ext cx="3397051" cy="307777"/>
+            <a:ext cx="1356859" cy="307777"/>
           </a:xfrm>
         </p:spPr>
         <p:txBody>
@@ -12136,7 +12818,7 @@
           <a:p>
             <a:r>
               <a:rPr lang="en-US" dirty="0" smtClean="0"/>
-              <a:t>One-to-one approach</a:t>
+              <a:t>inserts</a:t>
             </a:r>
             <a:endParaRPr lang="en-US" dirty="0"/>
           </a:p>
@@ -12144,12 +12826,152 @@
       </p:sp>
       <p:sp>
         <p:nvSpPr>
-          <p:cNvPr id="3" name="Slide Number Placeholder 2"/>
+          <p:cNvPr id="3" name="Text Placeholder 2"/>
           <p:cNvSpPr>
             <a:spLocks noGrp="1"/>
           </p:cNvSpPr>
           <p:nvPr>
-            <p:ph type="sldNum" sz="quarter" idx="10"/>
+            <p:ph type="body" sz="quarter" idx="11"/>
+          </p:nvPr>
+        </p:nvSpPr>
+        <p:spPr/>
+        <p:txBody>
+          <a:bodyPr/>
+          <a:lstStyle/>
+          <a:p>
+            <a:r>
+              <a:rPr lang="en-US" dirty="0" smtClean="0"/>
+              <a:t>&gt; </a:t>
+            </a:r>
+            <a:r>
+              <a:rPr lang="en-US" dirty="0" err="1" smtClean="0"/>
+              <a:t>db.users.insert</a:t>
+            </a:r>
+            <a:r>
+              <a:rPr lang="en-US" dirty="0" smtClean="0"/>
+              <a:t>(</a:t>
+            </a:r>
+          </a:p>
+          <a:p>
+            <a:r>
+              <a:rPr lang="en-US" dirty="0" smtClean="0"/>
+              <a:t>	&lt;document or array of documents&gt;</a:t>
+            </a:r>
+          </a:p>
+          <a:p>
+            <a:r>
+              <a:rPr lang="en-US" dirty="0" smtClean="0"/>
+              <a:t>, </a:t>
+            </a:r>
+          </a:p>
+          <a:p>
+            <a:r>
+              <a:rPr lang="en-US" dirty="0"/>
+              <a:t>	</a:t>
+            </a:r>
+            <a:r>
+              <a:rPr lang="en-US" dirty="0" smtClean="0"/>
+              <a:t>&lt;optional options&gt;</a:t>
+            </a:r>
+          </a:p>
+          <a:p>
+            <a:r>
+              <a:rPr lang="en-US" dirty="0" smtClean="0"/>
+              <a:t>);</a:t>
+            </a:r>
+            <a:endParaRPr lang="en-US" dirty="0"/>
+          </a:p>
+        </p:txBody>
+      </p:sp>
+      <p:sp>
+        <p:nvSpPr>
+          <p:cNvPr id="4" name="Text Placeholder 3"/>
+          <p:cNvSpPr>
+            <a:spLocks noGrp="1"/>
+          </p:cNvSpPr>
+          <p:nvPr>
+            <p:ph type="body" sz="quarter" idx="12"/>
+          </p:nvPr>
+        </p:nvSpPr>
+        <p:spPr/>
+        <p:txBody>
+          <a:bodyPr/>
+          <a:lstStyle/>
+          <a:p>
+            <a:r>
+              <a:rPr lang="en-US" dirty="0" smtClean="0"/>
+              <a:t>&gt; </a:t>
+            </a:r>
+            <a:r>
+              <a:rPr lang="en-US" dirty="0" err="1" smtClean="0"/>
+              <a:t>db.users.insert</a:t>
+            </a:r>
+            <a:r>
+              <a:rPr lang="en-US" dirty="0" smtClean="0"/>
+              <a:t>({</a:t>
+            </a:r>
+          </a:p>
+          <a:p>
+            <a:r>
+              <a:rPr lang="en-US" dirty="0" smtClean="0"/>
+              <a:t>	_id: “</a:t>
+            </a:r>
+            <a:r>
+              <a:rPr lang="en-US" dirty="0" err="1" smtClean="0"/>
+              <a:t>richard.nixon</a:t>
+            </a:r>
+            <a:r>
+              <a:rPr lang="en-US" dirty="0" smtClean="0"/>
+              <a:t>”,</a:t>
+            </a:r>
+          </a:p>
+          <a:p>
+            <a:r>
+              <a:rPr lang="en-US" dirty="0"/>
+              <a:t>	</a:t>
+            </a:r>
+            <a:r>
+              <a:rPr lang="en-US" dirty="0" smtClean="0"/>
+              <a:t>name: “Richard Nixon”,</a:t>
+            </a:r>
+          </a:p>
+          <a:p>
+            <a:r>
+              <a:rPr lang="en-US" dirty="0"/>
+              <a:t>	</a:t>
+            </a:r>
+            <a:r>
+              <a:rPr lang="en-US" dirty="0" smtClean="0"/>
+              <a:t>birthdate: new Date(),</a:t>
+            </a:r>
+          </a:p>
+          <a:p>
+            <a:r>
+              <a:rPr lang="en-US" dirty="0"/>
+              <a:t>	</a:t>
+            </a:r>
+            <a:r>
+              <a:rPr lang="en-US" dirty="0" smtClean="0"/>
+              <a:t>sex: “male”</a:t>
+            </a:r>
+          </a:p>
+          <a:p>
+            <a:r>
+              <a:rPr lang="en-US" dirty="0" smtClean="0"/>
+              <a:t>});</a:t>
+            </a:r>
+            <a:endParaRPr lang="en-US" dirty="0"/>
+          </a:p>
+        </p:txBody>
+      </p:sp>
+      <p:sp>
+        <p:nvSpPr>
+          <p:cNvPr id="5" name="Slide Number Placeholder 4"/>
+          <p:cNvSpPr>
+            <a:spLocks noGrp="1"/>
+          </p:cNvSpPr>
+          <p:nvPr>
+            <p:ph type="sldNum" sz="quarter" idx="4"/>
           </p:nvPr>
         </p:nvSpPr>
         <p:spPr/>
@@ -12168,326 +12990,64 @@
       </p:sp>
       <p:sp>
         <p:nvSpPr>
-          <p:cNvPr id="8" name="Text Placeholder 7"/>
+          <p:cNvPr id="6" name="Text Placeholder 5"/>
           <p:cNvSpPr>
             <a:spLocks noGrp="1"/>
           </p:cNvSpPr>
           <p:nvPr>
-            <p:ph type="body" sz="quarter" idx="11"/>
-          </p:nvPr>
-        </p:nvSpPr>
-        <p:spPr/>
+            <p:ph type="body" sz="quarter" idx="13"/>
+          </p:nvPr>
+        </p:nvSpPr>
+        <p:spPr>
+          <a:xfrm>
+            <a:off x="331394" y="1272002"/>
+            <a:ext cx="1187385" cy="276999"/>
+          </a:xfrm>
+        </p:spPr>
         <p:txBody>
           <a:bodyPr/>
           <a:lstStyle/>
           <a:p>
             <a:r>
               <a:rPr lang="en-US" dirty="0" smtClean="0"/>
-              <a:t>By embedding</a:t>
-            </a:r>
-          </a:p>
-          <a:p>
+              <a:t>Signature</a:t>
+            </a:r>
             <a:endParaRPr lang="en-US" dirty="0"/>
           </a:p>
-          <a:p>
-            <a:r>
-              <a:rPr lang="en-US" dirty="0" smtClean="0"/>
-              <a:t>Good fit for most cases.</a:t>
-            </a:r>
-          </a:p>
-          <a:p>
-            <a:endParaRPr lang="en-US" dirty="0" smtClean="0"/>
-          </a:p>
-          <a:p>
-            <a:r>
-              <a:rPr lang="en-US" dirty="0" smtClean="0"/>
-              <a:t>Man / wife type relations are more complex.</a:t>
-            </a:r>
-          </a:p>
-        </p:txBody>
-      </p:sp>
-      <p:sp>
-        <p:nvSpPr>
-          <p:cNvPr id="9" name="Text Placeholder 4"/>
-          <p:cNvSpPr txBox="1">
-            <a:spLocks/>
-          </p:cNvSpPr>
-          <p:nvPr/>
-        </p:nvSpPr>
-        <p:spPr>
-          <a:xfrm>
-            <a:off x="5630449" y="4632960"/>
-            <a:ext cx="2794001" cy="1706880"/>
-          </a:xfrm>
-          <a:prstGeom prst="roundRect">
-            <a:avLst/>
-          </a:prstGeom>
-        </p:spPr>
-        <p:style>
-          <a:lnRef idx="2">
-            <a:schemeClr val="accent4"/>
-          </a:lnRef>
-          <a:fillRef idx="1">
-            <a:schemeClr val="lt1"/>
-          </a:fillRef>
-          <a:effectRef idx="0">
-            <a:schemeClr val="accent4"/>
-          </a:effectRef>
-          <a:fontRef idx="minor">
-            <a:schemeClr val="dk1"/>
-          </a:fontRef>
-        </p:style>
-        <p:txBody>
-          <a:bodyPr rot="0" spcFirstLastPara="0" vertOverflow="overflow" horzOverflow="overflow" vert="horz" wrap="square" lIns="91440" tIns="45720" rIns="91440" bIns="45720" numCol="1" spcCol="0" rtlCol="0" fromWordArt="0" anchor="t" anchorCtr="0" forceAA="0" compatLnSpc="1">
-            <a:prstTxWarp prst="textNoShape">
-              <a:avLst/>
-            </a:prstTxWarp>
-            <a:noAutofit/>
-          </a:bodyPr>
-          <a:lstStyle>
-            <a:lvl1pPr marL="0" indent="0" algn="l" defTabSz="457200" rtl="0" eaLnBrk="1" latinLnBrk="0" hangingPunct="1">
-              <a:lnSpc>
-                <a:spcPts val="1700"/>
-              </a:lnSpc>
-              <a:spcBef>
-                <a:spcPts val="600"/>
-              </a:spcBef>
-              <a:spcAft>
-                <a:spcPts val="400"/>
-              </a:spcAft>
-              <a:buFont typeface="Arial"/>
-              <a:buNone/>
-              <a:defRPr sz="1700" kern="1200" baseline="0">
-                <a:solidFill>
-                  <a:schemeClr val="dk1"/>
-                </a:solidFill>
-                <a:latin typeface="+mn-lt"/>
-                <a:ea typeface="+mn-ea"/>
-                <a:cs typeface="+mn-cs"/>
-              </a:defRPr>
-            </a:lvl1pPr>
-            <a:lvl2pPr marL="268288" indent="0" algn="l" defTabSz="457200" rtl="0" eaLnBrk="1" latinLnBrk="0" hangingPunct="1">
-              <a:lnSpc>
-                <a:spcPts val="1700"/>
-              </a:lnSpc>
-              <a:spcBef>
-                <a:spcPts val="200"/>
-              </a:spcBef>
-              <a:spcAft>
-                <a:spcPts val="600"/>
-              </a:spcAft>
-              <a:buFont typeface="Arial"/>
-              <a:buNone/>
-              <a:defRPr sz="1500" kern="1200" baseline="0">
-                <a:solidFill>
-                  <a:schemeClr val="dk1"/>
-                </a:solidFill>
-                <a:latin typeface="+mn-lt"/>
-                <a:ea typeface="+mn-ea"/>
-                <a:cs typeface="+mn-cs"/>
-              </a:defRPr>
-            </a:lvl2pPr>
-            <a:lvl3pPr marL="534987" indent="0" algn="l" defTabSz="457200" rtl="0" eaLnBrk="1" latinLnBrk="0" hangingPunct="1">
-              <a:lnSpc>
-                <a:spcPts val="1700"/>
-              </a:lnSpc>
-              <a:spcBef>
-                <a:spcPts val="200"/>
-              </a:spcBef>
-              <a:spcAft>
-                <a:spcPts val="600"/>
-              </a:spcAft>
-              <a:buFont typeface="Arial"/>
-              <a:buNone/>
-              <a:defRPr sz="1500" kern="1200" baseline="0">
-                <a:solidFill>
-                  <a:schemeClr val="dk1"/>
-                </a:solidFill>
-                <a:latin typeface="+mn-lt"/>
-                <a:ea typeface="+mn-ea"/>
-                <a:cs typeface="+mn-cs"/>
-              </a:defRPr>
-            </a:lvl3pPr>
-            <a:lvl4pPr marL="1600200" indent="-228600" algn="l" defTabSz="457200" rtl="0" eaLnBrk="1" latinLnBrk="0" hangingPunct="1">
-              <a:spcBef>
-                <a:spcPct val="20000"/>
-              </a:spcBef>
-              <a:buFont typeface="Arial"/>
-              <a:buChar char="–"/>
-              <a:defRPr sz="1800" kern="1200">
-                <a:solidFill>
-                  <a:schemeClr val="dk1"/>
-                </a:solidFill>
-                <a:latin typeface="+mn-lt"/>
-                <a:ea typeface="+mn-ea"/>
-                <a:cs typeface="+mn-cs"/>
-              </a:defRPr>
-            </a:lvl4pPr>
-            <a:lvl5pPr marL="2057400" indent="-228600" algn="l" defTabSz="457200" rtl="0" eaLnBrk="1" latinLnBrk="0" hangingPunct="1">
-              <a:spcBef>
-                <a:spcPct val="20000"/>
-              </a:spcBef>
-              <a:buFont typeface="Arial"/>
-              <a:buChar char="»"/>
-              <a:defRPr sz="1800" kern="1200">
-                <a:solidFill>
-                  <a:schemeClr val="dk1"/>
-                </a:solidFill>
-                <a:latin typeface="+mn-lt"/>
-                <a:ea typeface="+mn-ea"/>
-                <a:cs typeface="+mn-cs"/>
-              </a:defRPr>
-            </a:lvl5pPr>
-            <a:lvl6pPr marL="2514600" indent="-228600" algn="l" defTabSz="457200" rtl="0" eaLnBrk="1" latinLnBrk="0" hangingPunct="1">
-              <a:spcBef>
-                <a:spcPct val="20000"/>
-              </a:spcBef>
-              <a:buFont typeface="Arial"/>
-              <a:buChar char="•"/>
-              <a:defRPr sz="2000" kern="1200">
-                <a:solidFill>
-                  <a:schemeClr val="dk1"/>
-                </a:solidFill>
-                <a:latin typeface="+mn-lt"/>
-                <a:ea typeface="+mn-ea"/>
-                <a:cs typeface="+mn-cs"/>
-              </a:defRPr>
-            </a:lvl6pPr>
-            <a:lvl7pPr marL="2971800" indent="-228600" algn="l" defTabSz="457200" rtl="0" eaLnBrk="1" latinLnBrk="0" hangingPunct="1">
-              <a:spcBef>
-                <a:spcPct val="20000"/>
-              </a:spcBef>
-              <a:buFont typeface="Arial"/>
-              <a:buChar char="•"/>
-              <a:defRPr sz="2000" kern="1200">
-                <a:solidFill>
-                  <a:schemeClr val="dk1"/>
-                </a:solidFill>
-                <a:latin typeface="+mn-lt"/>
-                <a:ea typeface="+mn-ea"/>
-                <a:cs typeface="+mn-cs"/>
-              </a:defRPr>
-            </a:lvl7pPr>
-            <a:lvl8pPr marL="3429000" indent="-228600" algn="l" defTabSz="457200" rtl="0" eaLnBrk="1" latinLnBrk="0" hangingPunct="1">
-              <a:spcBef>
-                <a:spcPct val="20000"/>
-              </a:spcBef>
-              <a:buFont typeface="Arial"/>
-              <a:buChar char="•"/>
-              <a:defRPr sz="2000" kern="1200">
-                <a:solidFill>
-                  <a:schemeClr val="dk1"/>
-                </a:solidFill>
-                <a:latin typeface="+mn-lt"/>
-                <a:ea typeface="+mn-ea"/>
-                <a:cs typeface="+mn-cs"/>
-              </a:defRPr>
-            </a:lvl8pPr>
-            <a:lvl9pPr marL="3886200" indent="-228600" algn="l" defTabSz="457200" rtl="0" eaLnBrk="1" latinLnBrk="0" hangingPunct="1">
-              <a:spcBef>
-                <a:spcPct val="20000"/>
-              </a:spcBef>
-              <a:buFont typeface="Arial"/>
-              <a:buChar char="•"/>
-              <a:defRPr sz="2000" kern="1200">
-                <a:solidFill>
-                  <a:schemeClr val="dk1"/>
-                </a:solidFill>
-                <a:latin typeface="+mn-lt"/>
-                <a:ea typeface="+mn-ea"/>
-                <a:cs typeface="+mn-cs"/>
-              </a:defRPr>
-            </a:lvl9pPr>
-          </a:lstStyle>
-          <a:p>
-            <a:r>
-              <a:rPr lang="en-US" sz="1400" smtClean="0">
-                <a:solidFill>
-                  <a:schemeClr val="tx1"/>
-                </a:solidFill>
-              </a:rPr>
-              <a:t>Person</a:t>
-            </a:r>
-          </a:p>
-          <a:p>
-            <a:r>
-              <a:rPr lang="en-US" sz="1400" smtClean="0">
-                <a:solidFill>
-                  <a:schemeClr val="tx1"/>
-                </a:solidFill>
-              </a:rPr>
-              <a:t>_id: 42</a:t>
-            </a:r>
-            <a:endParaRPr lang="en-US" sz="1400" dirty="0" smtClean="0">
-              <a:solidFill>
-                <a:schemeClr val="tx1"/>
-              </a:solidFill>
-            </a:endParaRPr>
-          </a:p>
-        </p:txBody>
-      </p:sp>
-      <p:sp>
-        <p:nvSpPr>
-          <p:cNvPr id="10" name="Rounded Rectangle 9"/>
-          <p:cNvSpPr/>
-          <p:nvPr/>
-        </p:nvSpPr>
-        <p:spPr>
-          <a:xfrm>
-            <a:off x="6107970" y="5450840"/>
-            <a:ext cx="2011680" cy="680720"/>
-          </a:xfrm>
-          <a:prstGeom prst="roundRect">
-            <a:avLst/>
-          </a:prstGeom>
-          <a:ln/>
-        </p:spPr>
-        <p:style>
-          <a:lnRef idx="2">
-            <a:schemeClr val="accent6"/>
-          </a:lnRef>
-          <a:fillRef idx="1">
-            <a:schemeClr val="lt1"/>
-          </a:fillRef>
-          <a:effectRef idx="0">
-            <a:schemeClr val="accent6"/>
-          </a:effectRef>
-          <a:fontRef idx="minor">
-            <a:schemeClr val="dk1"/>
-          </a:fontRef>
-        </p:style>
-        <p:txBody>
-          <a:bodyPr rot="0" spcFirstLastPara="0" vertOverflow="overflow" horzOverflow="overflow" vert="horz" wrap="square" lIns="91440" tIns="45720" rIns="91440" bIns="45720" numCol="1" spcCol="0" rtlCol="0" fromWordArt="0" anchor="ctr" anchorCtr="0" forceAA="0" compatLnSpc="1">
-            <a:prstTxWarp prst="textNoShape">
-              <a:avLst/>
-            </a:prstTxWarp>
-            <a:noAutofit/>
-          </a:bodyPr>
+        </p:txBody>
+      </p:sp>
+      <p:sp>
+        <p:nvSpPr>
+          <p:cNvPr id="7" name="Text Placeholder 6"/>
+          <p:cNvSpPr>
+            <a:spLocks noGrp="1"/>
+          </p:cNvSpPr>
+          <p:nvPr>
+            <p:ph type="body" sz="quarter" idx="14"/>
+          </p:nvPr>
+        </p:nvSpPr>
+        <p:spPr>
+          <a:xfrm>
+            <a:off x="4632714" y="1272002"/>
+            <a:ext cx="1097892" cy="276999"/>
+          </a:xfrm>
+        </p:spPr>
+        <p:txBody>
+          <a:bodyPr/>
           <a:lstStyle/>
           <a:p>
-            <a:pPr algn="ctr">
-              <a:spcBef>
-                <a:spcPts val="600"/>
-              </a:spcBef>
-              <a:spcAft>
-                <a:spcPts val="400"/>
-              </a:spcAft>
-            </a:pPr>
-            <a:r>
-              <a:rPr lang="en-US" sz="1400" dirty="0" smtClean="0">
-                <a:solidFill>
-                  <a:schemeClr val="tx1"/>
-                </a:solidFill>
-              </a:rPr>
-              <a:t>Passport</a:t>
-            </a:r>
+            <a:r>
+              <a:rPr lang="en-US" dirty="0" smtClean="0"/>
+              <a:t>Example</a:t>
+            </a:r>
+            <a:endParaRPr lang="en-US" dirty="0"/>
           </a:p>
         </p:txBody>
       </p:sp>
     </p:spTree>
     <p:extLst>
       <p:ext uri="{BB962C8B-B14F-4D97-AF65-F5344CB8AC3E}">
-        <p14:creationId xmlns:p14="http://schemas.microsoft.com/office/powerpoint/2010/main" val="3771611032"/>
+        <p14:creationId xmlns:p14="http://schemas.microsoft.com/office/powerpoint/2010/main" val="644679337"/>
       </p:ext>
     </p:extLst>
   </p:cSld>
@@ -12537,7 +13097,7 @@
         <p:spPr>
           <a:xfrm>
             <a:off x="321623" y="418905"/>
-            <a:ext cx="3957090" cy="307777"/>
+            <a:ext cx="1449933" cy="307777"/>
           </a:xfrm>
         </p:spPr>
         <p:txBody>
@@ -12546,7 +13106,7 @@
           <a:p>
             <a:r>
               <a:rPr lang="en-US" dirty="0" smtClean="0"/>
-              <a:t>One-to-many approach #1</a:t>
+              <a:t>Updates</a:t>
             </a:r>
             <a:endParaRPr lang="en-US" dirty="0"/>
           </a:p>
@@ -12554,12 +13114,154 @@
       </p:sp>
       <p:sp>
         <p:nvSpPr>
-          <p:cNvPr id="3" name="Slide Number Placeholder 2"/>
+          <p:cNvPr id="3" name="Text Placeholder 2"/>
           <p:cNvSpPr>
             <a:spLocks noGrp="1"/>
           </p:cNvSpPr>
           <p:nvPr>
-            <p:ph type="sldNum" sz="quarter" idx="10"/>
+            <p:ph type="body" sz="quarter" idx="11"/>
+          </p:nvPr>
+        </p:nvSpPr>
+        <p:spPr/>
+        <p:txBody>
+          <a:bodyPr/>
+          <a:lstStyle/>
+          <a:p>
+            <a:r>
+              <a:rPr lang="en-US" dirty="0" smtClean="0"/>
+              <a:t>&gt; </a:t>
+            </a:r>
+            <a:r>
+              <a:rPr lang="en-US" dirty="0" err="1" smtClean="0"/>
+              <a:t>db.products.update</a:t>
+            </a:r>
+            <a:r>
+              <a:rPr lang="en-US" dirty="0" smtClean="0"/>
+              <a:t>({</a:t>
+            </a:r>
+          </a:p>
+          <a:p>
+            <a:r>
+              <a:rPr lang="en-US" dirty="0" smtClean="0"/>
+              <a:t>	&lt;query&gt;</a:t>
+            </a:r>
+          </a:p>
+          <a:p>
+            <a:r>
+              <a:rPr lang="en-US" dirty="0" smtClean="0"/>
+              <a:t>}, {</a:t>
+            </a:r>
+          </a:p>
+          <a:p>
+            <a:r>
+              <a:rPr lang="en-US" dirty="0"/>
+              <a:t>	</a:t>
+            </a:r>
+            <a:r>
+              <a:rPr lang="en-US" dirty="0" smtClean="0"/>
+              <a:t>&lt;update&gt;</a:t>
+            </a:r>
+          </a:p>
+          <a:p>
+            <a:r>
+              <a:rPr lang="en-US" dirty="0" smtClean="0"/>
+              <a:t>}, {</a:t>
+            </a:r>
+          </a:p>
+          <a:p>
+            <a:r>
+              <a:rPr lang="en-US" dirty="0"/>
+              <a:t>	</a:t>
+            </a:r>
+            <a:r>
+              <a:rPr lang="en-US" dirty="0" smtClean="0"/>
+              <a:t>&lt;optional options&gt;</a:t>
+            </a:r>
+          </a:p>
+          <a:p>
+            <a:r>
+              <a:rPr lang="en-US" dirty="0" smtClean="0"/>
+              <a:t>});</a:t>
+            </a:r>
+            <a:endParaRPr lang="en-US" dirty="0"/>
+          </a:p>
+        </p:txBody>
+      </p:sp>
+      <p:sp>
+        <p:nvSpPr>
+          <p:cNvPr id="4" name="Text Placeholder 3"/>
+          <p:cNvSpPr>
+            <a:spLocks noGrp="1"/>
+          </p:cNvSpPr>
+          <p:nvPr>
+            <p:ph type="body" sz="quarter" idx="12"/>
+          </p:nvPr>
+        </p:nvSpPr>
+        <p:spPr/>
+        <p:txBody>
+          <a:bodyPr/>
+          <a:lstStyle/>
+          <a:p>
+            <a:r>
+              <a:rPr lang="en-US" dirty="0" smtClean="0"/>
+              <a:t>&gt; </a:t>
+            </a:r>
+            <a:r>
+              <a:rPr lang="en-US" dirty="0" err="1" smtClean="0"/>
+              <a:t>db.users.update</a:t>
+            </a:r>
+            <a:r>
+              <a:rPr lang="en-US" dirty="0" smtClean="0"/>
+              <a:t>({</a:t>
+            </a:r>
+          </a:p>
+          <a:p>
+            <a:r>
+              <a:rPr lang="en-US" dirty="0" smtClean="0"/>
+              <a:t>	_id: “</a:t>
+            </a:r>
+            <a:r>
+              <a:rPr lang="en-US" dirty="0" err="1" smtClean="0"/>
+              <a:t>richard.nixon</a:t>
+            </a:r>
+            <a:r>
+              <a:rPr lang="en-US" dirty="0" smtClean="0"/>
+              <a:t>”</a:t>
+            </a:r>
+          </a:p>
+          <a:p>
+            <a:r>
+              <a:rPr lang="en-US" dirty="0" smtClean="0"/>
+              <a:t>}, {</a:t>
+            </a:r>
+          </a:p>
+          <a:p>
+            <a:r>
+              <a:rPr lang="en-US" dirty="0"/>
+              <a:t>	</a:t>
+            </a:r>
+            <a:r>
+              <a:rPr lang="en-US" dirty="0" smtClean="0"/>
+              <a:t>“$set”: {name: “Richard M. Nixon”}</a:t>
+            </a:r>
+          </a:p>
+          <a:p>
+            <a:r>
+              <a:rPr lang="en-US" dirty="0" smtClean="0"/>
+              <a:t>});</a:t>
+            </a:r>
+            <a:endParaRPr lang="en-US" dirty="0"/>
+          </a:p>
+        </p:txBody>
+      </p:sp>
+      <p:sp>
+        <p:nvSpPr>
+          <p:cNvPr id="5" name="Slide Number Placeholder 4"/>
+          <p:cNvSpPr>
+            <a:spLocks noGrp="1"/>
+          </p:cNvSpPr>
+          <p:nvPr>
+            <p:ph type="sldNum" sz="quarter" idx="4"/>
           </p:nvPr>
         </p:nvSpPr>
         <p:spPr/>
@@ -12578,289 +13280,64 @@
       </p:sp>
       <p:sp>
         <p:nvSpPr>
-          <p:cNvPr id="4" name="Text Placeholder 3"/>
+          <p:cNvPr id="6" name="Text Placeholder 5"/>
           <p:cNvSpPr>
             <a:spLocks noGrp="1"/>
           </p:cNvSpPr>
           <p:nvPr>
-            <p:ph type="body" sz="quarter" idx="11"/>
-          </p:nvPr>
-        </p:nvSpPr>
-        <p:spPr/>
+            <p:ph type="body" sz="quarter" idx="13"/>
+          </p:nvPr>
+        </p:nvSpPr>
+        <p:spPr>
+          <a:xfrm>
+            <a:off x="331394" y="1272002"/>
+            <a:ext cx="1187385" cy="276999"/>
+          </a:xfrm>
+        </p:spPr>
         <p:txBody>
           <a:bodyPr/>
           <a:lstStyle/>
           <a:p>
             <a:r>
               <a:rPr lang="en-US" dirty="0" smtClean="0"/>
-              <a:t>Embedding</a:t>
+              <a:t>Signature</a:t>
             </a:r>
             <a:endParaRPr lang="en-US" dirty="0"/>
           </a:p>
-          <a:p>
-            <a:endParaRPr lang="en-US" dirty="0" smtClean="0"/>
-          </a:p>
-          <a:p>
-            <a:r>
-              <a:rPr lang="en-US" dirty="0" smtClean="0"/>
-              <a:t>Works best for </a:t>
-            </a:r>
-            <a:r>
-              <a:rPr lang="en-US" i="1" dirty="0" smtClean="0"/>
-              <a:t>one-to-few</a:t>
-            </a:r>
-            <a:r>
-              <a:rPr lang="en-US" dirty="0" smtClean="0"/>
-              <a:t> cases.</a:t>
-            </a:r>
-          </a:p>
-          <a:p>
-            <a:r>
-              <a:rPr lang="en-US" dirty="0" smtClean="0"/>
-              <a:t>Access pattern should be “get carts for a user”.</a:t>
-            </a:r>
-          </a:p>
-          <a:p>
+        </p:txBody>
+      </p:sp>
+      <p:sp>
+        <p:nvSpPr>
+          <p:cNvPr id="7" name="Text Placeholder 6"/>
+          <p:cNvSpPr>
+            <a:spLocks noGrp="1"/>
+          </p:cNvSpPr>
+          <p:nvPr>
+            <p:ph type="body" sz="quarter" idx="14"/>
+          </p:nvPr>
+        </p:nvSpPr>
+        <p:spPr>
+          <a:xfrm>
+            <a:off x="4632714" y="1272002"/>
+            <a:ext cx="1097892" cy="276999"/>
+          </a:xfrm>
+        </p:spPr>
+        <p:txBody>
+          <a:bodyPr/>
+          <a:lstStyle/>
+          <a:p>
+            <a:r>
+              <a:rPr lang="en-US" dirty="0" smtClean="0"/>
+              <a:t>Example</a:t>
+            </a:r>
             <a:endParaRPr lang="en-US" dirty="0"/>
-          </a:p>
-          <a:p>
-            <a:r>
-              <a:rPr lang="en-US" dirty="0" smtClean="0"/>
-              <a:t>No update anomalies.</a:t>
-            </a:r>
-          </a:p>
-        </p:txBody>
-      </p:sp>
-      <p:sp>
-        <p:nvSpPr>
-          <p:cNvPr id="5" name="Rounded Rectangle 4"/>
-          <p:cNvSpPr/>
-          <p:nvPr/>
-        </p:nvSpPr>
-        <p:spPr>
-          <a:xfrm>
-            <a:off x="5384800" y="4470400"/>
-            <a:ext cx="3039650" cy="1849120"/>
-          </a:xfrm>
-          <a:prstGeom prst="roundRect">
-            <a:avLst/>
-          </a:prstGeom>
-          <a:ln/>
-        </p:spPr>
-        <p:style>
-          <a:lnRef idx="2">
-            <a:schemeClr val="accent4"/>
-          </a:lnRef>
-          <a:fillRef idx="1">
-            <a:schemeClr val="lt1"/>
-          </a:fillRef>
-          <a:effectRef idx="0">
-            <a:schemeClr val="accent4"/>
-          </a:effectRef>
-          <a:fontRef idx="minor">
-            <a:schemeClr val="dk1"/>
-          </a:fontRef>
-        </p:style>
-        <p:txBody>
-          <a:bodyPr rot="0" spcFirstLastPara="0" vertOverflow="overflow" horzOverflow="overflow" vert="horz" wrap="square" lIns="91440" tIns="45720" rIns="91440" bIns="45720" numCol="1" spcCol="0" rtlCol="0" fromWordArt="0" anchor="t" anchorCtr="0" forceAA="0" compatLnSpc="1">
-            <a:prstTxWarp prst="textNoShape">
-              <a:avLst/>
-            </a:prstTxWarp>
-            <a:noAutofit/>
-          </a:bodyPr>
-          <a:lstStyle/>
-          <a:p>
-            <a:pPr>
-              <a:spcBef>
-                <a:spcPts val="600"/>
-              </a:spcBef>
-              <a:spcAft>
-                <a:spcPts val="400"/>
-              </a:spcAft>
-            </a:pPr>
-            <a:r>
-              <a:rPr lang="en-US" sz="1400" dirty="0" smtClean="0">
-                <a:solidFill>
-                  <a:schemeClr val="tx1"/>
-                </a:solidFill>
-              </a:rPr>
-              <a:t>User</a:t>
-            </a:r>
-          </a:p>
-        </p:txBody>
-      </p:sp>
-      <p:sp>
-        <p:nvSpPr>
-          <p:cNvPr id="6" name="Rounded Rectangle 5"/>
-          <p:cNvSpPr/>
-          <p:nvPr/>
-        </p:nvSpPr>
-        <p:spPr>
-          <a:xfrm>
-            <a:off x="5843810" y="5085080"/>
-            <a:ext cx="2011680" cy="680720"/>
-          </a:xfrm>
-          <a:prstGeom prst="roundRect">
-            <a:avLst/>
-          </a:prstGeom>
-          <a:ln/>
-        </p:spPr>
-        <p:style>
-          <a:lnRef idx="2">
-            <a:schemeClr val="accent6"/>
-          </a:lnRef>
-          <a:fillRef idx="1">
-            <a:schemeClr val="lt1"/>
-          </a:fillRef>
-          <a:effectRef idx="0">
-            <a:schemeClr val="accent6"/>
-          </a:effectRef>
-          <a:fontRef idx="minor">
-            <a:schemeClr val="dk1"/>
-          </a:fontRef>
-        </p:style>
-        <p:txBody>
-          <a:bodyPr rot="0" spcFirstLastPara="0" vertOverflow="overflow" horzOverflow="overflow" vert="horz" wrap="square" lIns="91440" tIns="45720" rIns="91440" bIns="45720" numCol="1" spcCol="0" rtlCol="0" fromWordArt="0" anchor="ctr" anchorCtr="0" forceAA="0" compatLnSpc="1">
-            <a:prstTxWarp prst="textNoShape">
-              <a:avLst/>
-            </a:prstTxWarp>
-            <a:noAutofit/>
-          </a:bodyPr>
-          <a:lstStyle/>
-          <a:p>
-            <a:pPr algn="ctr">
-              <a:spcBef>
-                <a:spcPts val="600"/>
-              </a:spcBef>
-              <a:spcAft>
-                <a:spcPts val="400"/>
-              </a:spcAft>
-            </a:pPr>
-            <a:endParaRPr lang="en-US" sz="1400" dirty="0" err="1" smtClean="0">
-              <a:solidFill>
-                <a:schemeClr val="tx1"/>
-              </a:solidFill>
-            </a:endParaRPr>
-          </a:p>
-        </p:txBody>
-      </p:sp>
-      <p:sp>
-        <p:nvSpPr>
-          <p:cNvPr id="7" name="Rounded Rectangle 6"/>
-          <p:cNvSpPr/>
-          <p:nvPr/>
-        </p:nvSpPr>
-        <p:spPr>
-          <a:xfrm>
-            <a:off x="5996210" y="5237480"/>
-            <a:ext cx="2011680" cy="680720"/>
-          </a:xfrm>
-          <a:prstGeom prst="roundRect">
-            <a:avLst/>
-          </a:prstGeom>
-          <a:ln/>
-        </p:spPr>
-        <p:style>
-          <a:lnRef idx="2">
-            <a:schemeClr val="accent6"/>
-          </a:lnRef>
-          <a:fillRef idx="1">
-            <a:schemeClr val="lt1"/>
-          </a:fillRef>
-          <a:effectRef idx="0">
-            <a:schemeClr val="accent6"/>
-          </a:effectRef>
-          <a:fontRef idx="minor">
-            <a:schemeClr val="dk1"/>
-          </a:fontRef>
-        </p:style>
-        <p:txBody>
-          <a:bodyPr rot="0" spcFirstLastPara="0" vertOverflow="overflow" horzOverflow="overflow" vert="horz" wrap="square" lIns="91440" tIns="45720" rIns="91440" bIns="45720" numCol="1" spcCol="0" rtlCol="0" fromWordArt="0" anchor="ctr" anchorCtr="0" forceAA="0" compatLnSpc="1">
-            <a:prstTxWarp prst="textNoShape">
-              <a:avLst/>
-            </a:prstTxWarp>
-            <a:noAutofit/>
-          </a:bodyPr>
-          <a:lstStyle/>
-          <a:p>
-            <a:pPr algn="ctr">
-              <a:spcBef>
-                <a:spcPts val="600"/>
-              </a:spcBef>
-              <a:spcAft>
-                <a:spcPts val="400"/>
-              </a:spcAft>
-            </a:pPr>
-            <a:endParaRPr lang="en-US" sz="1400" dirty="0" err="1" smtClean="0">
-              <a:solidFill>
-                <a:schemeClr val="tx1"/>
-              </a:solidFill>
-            </a:endParaRPr>
-          </a:p>
-        </p:txBody>
-      </p:sp>
-      <p:sp>
-        <p:nvSpPr>
-          <p:cNvPr id="8" name="Rounded Rectangle 7"/>
-          <p:cNvSpPr/>
-          <p:nvPr/>
-        </p:nvSpPr>
-        <p:spPr>
-          <a:xfrm>
-            <a:off x="6148610" y="5389880"/>
-            <a:ext cx="2011680" cy="680720"/>
-          </a:xfrm>
-          <a:prstGeom prst="roundRect">
-            <a:avLst/>
-          </a:prstGeom>
-          <a:ln/>
-        </p:spPr>
-        <p:style>
-          <a:lnRef idx="2">
-            <a:schemeClr val="accent6"/>
-          </a:lnRef>
-          <a:fillRef idx="1">
-            <a:schemeClr val="lt1"/>
-          </a:fillRef>
-          <a:effectRef idx="0">
-            <a:schemeClr val="accent6"/>
-          </a:effectRef>
-          <a:fontRef idx="minor">
-            <a:schemeClr val="dk1"/>
-          </a:fontRef>
-        </p:style>
-        <p:txBody>
-          <a:bodyPr rot="0" spcFirstLastPara="0" vertOverflow="overflow" horzOverflow="overflow" vert="horz" wrap="square" lIns="91440" tIns="45720" rIns="91440" bIns="45720" numCol="1" spcCol="0" rtlCol="0" fromWordArt="0" anchor="ctr" anchorCtr="0" forceAA="0" compatLnSpc="1">
-            <a:prstTxWarp prst="textNoShape">
-              <a:avLst/>
-            </a:prstTxWarp>
-            <a:noAutofit/>
-          </a:bodyPr>
-          <a:lstStyle/>
-          <a:p>
-            <a:pPr algn="ctr">
-              <a:spcBef>
-                <a:spcPts val="600"/>
-              </a:spcBef>
-              <a:spcAft>
-                <a:spcPts val="400"/>
-              </a:spcAft>
-            </a:pPr>
-            <a:r>
-              <a:rPr lang="en-US" sz="1400" dirty="0" smtClean="0">
-                <a:solidFill>
-                  <a:schemeClr val="tx1"/>
-                </a:solidFill>
-              </a:rPr>
-              <a:t>Cart</a:t>
-            </a:r>
           </a:p>
         </p:txBody>
       </p:sp>
     </p:spTree>
     <p:extLst>
       <p:ext uri="{BB962C8B-B14F-4D97-AF65-F5344CB8AC3E}">
-        <p14:creationId xmlns:p14="http://schemas.microsoft.com/office/powerpoint/2010/main" val="2352648728"/>
+        <p14:creationId xmlns:p14="http://schemas.microsoft.com/office/powerpoint/2010/main" val="919113909"/>
       </p:ext>
     </p:extLst>
   </p:cSld>
@@ -12897,9 +13374,37 @@
           <a:chExt cx="0" cy="0"/>
         </a:xfrm>
       </p:grpSpPr>
-      <p:sp>
-        <p:nvSpPr>
-          <p:cNvPr id="2" name="Title 1"/>
+      <p:pic>
+        <p:nvPicPr>
+          <p:cNvPr id="6" name="Picture Placeholder 5" descr="Escher-Big.jpg"/>
+          <p:cNvPicPr>
+            <a:picLocks noGrp="1" noChangeAspect="1"/>
+          </p:cNvPicPr>
+          <p:nvPr>
+            <p:ph type="pic" sz="quarter" idx="10"/>
+          </p:nvPr>
+        </p:nvPicPr>
+        <p:blipFill rotWithShape="1">
+          <a:blip r:embed="rId2">
+            <a:extLst>
+              <a:ext uri="{28A0092B-C50C-407E-A947-70E740481C1C}">
+                <a14:useLocalDpi xmlns:a14="http://schemas.microsoft.com/office/drawing/2010/main" val="0"/>
+              </a:ext>
+            </a:extLst>
+          </a:blip>
+          <a:srcRect l="2776" t="19033" r="4180" b="-7552"/>
+          <a:stretch/>
+        </p:blipFill>
+        <p:spPr>
+          <a:xfrm>
+            <a:off x="1158240" y="1412240"/>
+            <a:ext cx="6725920" cy="5953760"/>
+          </a:xfrm>
+        </p:spPr>
+      </p:pic>
+      <p:sp>
+        <p:nvSpPr>
+          <p:cNvPr id="3" name="Title 2"/>
           <p:cNvSpPr>
             <a:spLocks noGrp="1"/>
           </p:cNvSpPr>
@@ -12910,7 +13415,7 @@
         <p:spPr>
           <a:xfrm>
             <a:off x="321623" y="418905"/>
-            <a:ext cx="3957090" cy="307777"/>
+            <a:ext cx="3695354" cy="307777"/>
           </a:xfrm>
         </p:spPr>
         <p:txBody>
@@ -12919,7 +13424,7 @@
           <a:p>
             <a:r>
               <a:rPr lang="en-US" dirty="0" smtClean="0"/>
-              <a:t>One-to-many approach #2</a:t>
+              <a:t>Structuring your data</a:t>
             </a:r>
             <a:endParaRPr lang="en-US" dirty="0"/>
           </a:p>
@@ -12927,12 +13432,12 @@
       </p:sp>
       <p:sp>
         <p:nvSpPr>
-          <p:cNvPr id="3" name="Slide Number Placeholder 2"/>
+          <p:cNvPr id="4" name="Slide Number Placeholder 3"/>
           <p:cNvSpPr>
             <a:spLocks noGrp="1"/>
           </p:cNvSpPr>
           <p:nvPr>
-            <p:ph type="sldNum" sz="quarter" idx="10"/>
+            <p:ph type="sldNum" sz="quarter" idx="4"/>
           </p:nvPr>
         </p:nvSpPr>
         <p:spPr/>
@@ -12951,104 +13456,23 @@
       </p:sp>
       <p:sp>
         <p:nvSpPr>
-          <p:cNvPr id="4" name="Text Placeholder 3"/>
-          <p:cNvSpPr>
-            <a:spLocks noGrp="1"/>
-          </p:cNvSpPr>
-          <p:nvPr>
-            <p:ph type="body" sz="quarter" idx="11"/>
-          </p:nvPr>
-        </p:nvSpPr>
-        <p:spPr/>
-        <p:txBody>
-          <a:bodyPr/>
-          <a:lstStyle/>
-          <a:p>
-            <a:r>
-              <a:rPr lang="en-US" dirty="0" smtClean="0"/>
-              <a:t>By embedding references</a:t>
-            </a:r>
-            <a:endParaRPr lang="en-US" dirty="0"/>
-          </a:p>
-          <a:p>
-            <a:endParaRPr lang="en-US" dirty="0" smtClean="0"/>
-          </a:p>
-          <a:p>
-            <a:r>
-              <a:rPr lang="en-US" dirty="0" smtClean="0"/>
-              <a:t>When too many carts for simple embedding to be viable.</a:t>
-            </a:r>
-          </a:p>
-          <a:p>
-            <a:r>
-              <a:rPr lang="en-US" dirty="0"/>
-              <a:t>Access pattern should be “get carts for a user”</a:t>
-            </a:r>
-            <a:r>
-              <a:rPr lang="en-US" dirty="0" smtClean="0"/>
-              <a:t>.</a:t>
-            </a:r>
-          </a:p>
-          <a:p>
-            <a:r>
-              <a:rPr lang="en-US" dirty="0" smtClean="0"/>
-              <a:t>Adds complexity to application code.</a:t>
-            </a:r>
-            <a:endParaRPr lang="en-US" dirty="0"/>
-          </a:p>
-          <a:p>
-            <a:endParaRPr lang="en-US" dirty="0"/>
-          </a:p>
-          <a:p>
-            <a:r>
-              <a:rPr lang="en-US" dirty="0" smtClean="0"/>
-              <a:t>Has update anomalies.</a:t>
-            </a:r>
-          </a:p>
-          <a:p>
-            <a:r>
-              <a:rPr lang="en-US" dirty="0" smtClean="0"/>
-              <a:t>Anomaly when a cart is deleted. A user can now reference a non existing cart.</a:t>
-            </a:r>
-          </a:p>
-        </p:txBody>
-      </p:sp>
-      <p:sp>
-        <p:nvSpPr>
-          <p:cNvPr id="5" name="Rounded Rectangle 4"/>
-          <p:cNvSpPr/>
+          <p:cNvPr id="7" name="TextBox 6"/>
+          <p:cNvSpPr txBox="1"/>
           <p:nvPr/>
         </p:nvSpPr>
         <p:spPr>
           <a:xfrm>
-            <a:off x="2976880" y="4312920"/>
-            <a:ext cx="3039650" cy="2011680"/>
-          </a:xfrm>
-          <a:prstGeom prst="roundRect">
+            <a:off x="5612358" y="6596390"/>
+            <a:ext cx="1911326" cy="261610"/>
+          </a:xfrm>
+          <a:prstGeom prst="rect">
             <a:avLst/>
           </a:prstGeom>
-          <a:ln/>
-        </p:spPr>
-        <p:style>
-          <a:lnRef idx="2">
-            <a:schemeClr val="accent4"/>
-          </a:lnRef>
-          <a:fillRef idx="1">
-            <a:schemeClr val="lt1"/>
-          </a:fillRef>
-          <a:effectRef idx="0">
-            <a:schemeClr val="accent4"/>
-          </a:effectRef>
-          <a:fontRef idx="minor">
-            <a:schemeClr val="dk1"/>
-          </a:fontRef>
-        </p:style>
-        <p:txBody>
-          <a:bodyPr rot="0" spcFirstLastPara="0" vertOverflow="overflow" horzOverflow="overflow" vert="horz" wrap="square" lIns="91440" tIns="45720" rIns="91440" bIns="45720" numCol="1" spcCol="0" rtlCol="0" fromWordArt="0" anchor="t" anchorCtr="0" forceAA="0" compatLnSpc="1">
-            <a:prstTxWarp prst="textNoShape">
-              <a:avLst/>
-            </a:prstTxWarp>
-            <a:noAutofit/>
+          <a:noFill/>
+        </p:spPr>
+        <p:txBody>
+          <a:bodyPr wrap="none" rtlCol="0">
+            <a:spAutoFit/>
           </a:bodyPr>
           <a:lstStyle/>
           <a:p>
@@ -13061,265 +13485,25 @@
               </a:spcAft>
             </a:pPr>
             <a:r>
-              <a:rPr lang="en-US" sz="1400" dirty="0" smtClean="0">
-                <a:solidFill>
-                  <a:schemeClr val="tx1"/>
-                </a:solidFill>
-              </a:rPr>
-              <a:t>User</a:t>
-            </a:r>
-          </a:p>
-          <a:p>
-            <a:pPr>
-              <a:spcBef>
-                <a:spcPts val="600"/>
-              </a:spcBef>
-              <a:spcAft>
-                <a:spcPts val="400"/>
-              </a:spcAft>
-            </a:pPr>
-            <a:r>
-              <a:rPr lang="en-US" sz="1400" dirty="0" smtClean="0">
-                <a:solidFill>
-                  <a:schemeClr val="tx1"/>
-                </a:solidFill>
-              </a:rPr>
-              <a:t>carts: [</a:t>
-            </a:r>
-          </a:p>
-          <a:p>
-            <a:pPr>
-              <a:spcBef>
-                <a:spcPts val="600"/>
-              </a:spcBef>
-              <a:spcAft>
-                <a:spcPts val="400"/>
-              </a:spcAft>
-            </a:pPr>
-            <a:r>
-              <a:rPr lang="en-US" sz="1400" dirty="0">
-                <a:solidFill>
-                  <a:schemeClr val="tx1"/>
-                </a:solidFill>
-              </a:rPr>
-              <a:t>	</a:t>
-            </a:r>
-            <a:r>
-              <a:rPr lang="en-US" sz="1400" dirty="0" smtClean="0">
-                <a:solidFill>
-                  <a:schemeClr val="tx1"/>
-                </a:solidFill>
-              </a:rPr>
-              <a:t>9001,</a:t>
-            </a:r>
-          </a:p>
-          <a:p>
-            <a:pPr>
-              <a:spcBef>
-                <a:spcPts val="600"/>
-              </a:spcBef>
-              <a:spcAft>
-                <a:spcPts val="400"/>
-              </a:spcAft>
-            </a:pPr>
-            <a:r>
-              <a:rPr lang="en-US" sz="1400" dirty="0">
-                <a:solidFill>
-                  <a:schemeClr val="tx1"/>
-                </a:solidFill>
-              </a:rPr>
-              <a:t>	</a:t>
-            </a:r>
-            <a:r>
-              <a:rPr lang="en-US" sz="1400" dirty="0" smtClean="0">
-                <a:solidFill>
-                  <a:schemeClr val="tx1"/>
-                </a:solidFill>
-              </a:rPr>
-              <a:t>9876</a:t>
-            </a:r>
-          </a:p>
-          <a:p>
-            <a:pPr>
-              <a:spcBef>
-                <a:spcPts val="600"/>
-              </a:spcBef>
-              <a:spcAft>
-                <a:spcPts val="400"/>
-              </a:spcAft>
-            </a:pPr>
-            <a:r>
-              <a:rPr lang="en-US" sz="1400" dirty="0">
-                <a:solidFill>
-                  <a:schemeClr val="tx1"/>
-                </a:solidFill>
-              </a:rPr>
-              <a:t>]</a:t>
-            </a:r>
-            <a:endParaRPr lang="en-US" sz="1400" dirty="0" smtClean="0">
-              <a:solidFill>
-                <a:schemeClr val="tx1"/>
-              </a:solidFill>
-            </a:endParaRPr>
-          </a:p>
-        </p:txBody>
-      </p:sp>
-      <p:sp>
-        <p:nvSpPr>
-          <p:cNvPr id="6" name="Rounded Rectangle 5"/>
-          <p:cNvSpPr/>
-          <p:nvPr/>
-        </p:nvSpPr>
-        <p:spPr>
-          <a:xfrm>
-            <a:off x="6148610" y="4312920"/>
-            <a:ext cx="2011680" cy="929640"/>
-          </a:xfrm>
-          <a:prstGeom prst="roundRect">
-            <a:avLst/>
-          </a:prstGeom>
-          <a:ln/>
-        </p:spPr>
-        <p:style>
-          <a:lnRef idx="2">
-            <a:schemeClr val="accent6"/>
-          </a:lnRef>
-          <a:fillRef idx="1">
-            <a:schemeClr val="lt1"/>
-          </a:fillRef>
-          <a:effectRef idx="0">
-            <a:schemeClr val="accent6"/>
-          </a:effectRef>
-          <a:fontRef idx="minor">
-            <a:schemeClr val="dk1"/>
-          </a:fontRef>
-        </p:style>
-        <p:txBody>
-          <a:bodyPr rot="0" spcFirstLastPara="0" vertOverflow="overflow" horzOverflow="overflow" vert="horz" wrap="square" lIns="91440" tIns="45720" rIns="91440" bIns="45720" numCol="1" spcCol="0" rtlCol="0" fromWordArt="0" anchor="t" anchorCtr="0" forceAA="0" compatLnSpc="1">
-            <a:prstTxWarp prst="textNoShape">
-              <a:avLst/>
-            </a:prstTxWarp>
-            <a:noAutofit/>
-          </a:bodyPr>
-          <a:lstStyle/>
-          <a:p>
-            <a:pPr>
-              <a:spcBef>
-                <a:spcPts val="600"/>
-              </a:spcBef>
-              <a:spcAft>
-                <a:spcPts val="400"/>
-              </a:spcAft>
-            </a:pPr>
-            <a:r>
-              <a:rPr lang="en-US" sz="1400" dirty="0" smtClean="0">
-                <a:solidFill>
-                  <a:schemeClr val="tx1"/>
-                </a:solidFill>
-              </a:rPr>
-              <a:t>Cart</a:t>
-            </a:r>
-          </a:p>
-          <a:p>
-            <a:pPr>
-              <a:spcBef>
-                <a:spcPts val="600"/>
-              </a:spcBef>
-              <a:spcAft>
-                <a:spcPts val="400"/>
-              </a:spcAft>
-            </a:pPr>
-            <a:r>
-              <a:rPr lang="en-US" sz="1400" dirty="0" smtClean="0">
-                <a:solidFill>
-                  <a:schemeClr val="tx1"/>
-                </a:solidFill>
-              </a:rPr>
-              <a:t>_id: 9001</a:t>
-            </a:r>
-          </a:p>
-        </p:txBody>
-      </p:sp>
-      <p:sp>
-        <p:nvSpPr>
-          <p:cNvPr id="9" name="Rounded Rectangle 8"/>
-          <p:cNvSpPr/>
-          <p:nvPr/>
-        </p:nvSpPr>
-        <p:spPr>
-          <a:xfrm>
-            <a:off x="6148610" y="5394960"/>
-            <a:ext cx="2011680" cy="929640"/>
-          </a:xfrm>
-          <a:prstGeom prst="roundRect">
-            <a:avLst/>
-          </a:prstGeom>
-          <a:ln/>
-        </p:spPr>
-        <p:style>
-          <a:lnRef idx="2">
-            <a:schemeClr val="accent6"/>
-          </a:lnRef>
-          <a:fillRef idx="1">
-            <a:schemeClr val="lt1"/>
-          </a:fillRef>
-          <a:effectRef idx="0">
-            <a:schemeClr val="accent6"/>
-          </a:effectRef>
-          <a:fontRef idx="minor">
-            <a:schemeClr val="dk1"/>
-          </a:fontRef>
-        </p:style>
-        <p:txBody>
-          <a:bodyPr rot="0" spcFirstLastPara="0" vertOverflow="overflow" horzOverflow="overflow" vert="horz" wrap="square" lIns="91440" tIns="45720" rIns="91440" bIns="45720" numCol="1" spcCol="0" rtlCol="0" fromWordArt="0" anchor="t" anchorCtr="0" forceAA="0" compatLnSpc="1">
-            <a:prstTxWarp prst="textNoShape">
-              <a:avLst/>
-            </a:prstTxWarp>
-            <a:noAutofit/>
-          </a:bodyPr>
-          <a:lstStyle/>
-          <a:p>
-            <a:pPr>
-              <a:spcBef>
-                <a:spcPts val="600"/>
-              </a:spcBef>
-              <a:spcAft>
-                <a:spcPts val="400"/>
-              </a:spcAft>
-            </a:pPr>
-            <a:r>
-              <a:rPr lang="en-US" sz="1400" dirty="0" smtClean="0">
-                <a:solidFill>
-                  <a:schemeClr val="tx1"/>
-                </a:solidFill>
-              </a:rPr>
-              <a:t>Cart</a:t>
-            </a:r>
-          </a:p>
-          <a:p>
-            <a:pPr>
-              <a:spcBef>
-                <a:spcPts val="600"/>
-              </a:spcBef>
-              <a:spcAft>
-                <a:spcPts val="400"/>
-              </a:spcAft>
-            </a:pPr>
-            <a:r>
-              <a:rPr lang="en-US" sz="1400" dirty="0" smtClean="0">
-                <a:solidFill>
-                  <a:schemeClr val="tx1"/>
-                </a:solidFill>
-              </a:rPr>
-              <a:t>_id: 9876</a:t>
-            </a:r>
+              <a:rPr lang="en-US" sz="1100" dirty="0"/>
+              <a:t>Source: </a:t>
+            </a:r>
+            <a:r>
+              <a:rPr lang="en-US" sz="1100" dirty="0" err="1" smtClean="0"/>
+              <a:t>www.scottmcd.net</a:t>
+            </a:r>
+            <a:r>
+              <a:rPr lang="en-US" sz="1100" dirty="0"/>
+              <a:t>/</a:t>
+            </a:r>
+            <a:endParaRPr lang="en-US" sz="1100" dirty="0" smtClean="0"/>
           </a:p>
         </p:txBody>
       </p:sp>
     </p:spTree>
     <p:extLst>
       <p:ext uri="{BB962C8B-B14F-4D97-AF65-F5344CB8AC3E}">
-        <p14:creationId xmlns:p14="http://schemas.microsoft.com/office/powerpoint/2010/main" val="708067583"/>
+        <p14:creationId xmlns:p14="http://schemas.microsoft.com/office/powerpoint/2010/main" val="761368604"/>
       </p:ext>
     </p:extLst>
   </p:cSld>
@@ -13369,7 +13553,7 @@
         <p:spPr>
           <a:xfrm>
             <a:off x="321623" y="418905"/>
-            <a:ext cx="3957090" cy="307777"/>
+            <a:ext cx="3397051" cy="307777"/>
           </a:xfrm>
         </p:spPr>
         <p:txBody>
@@ -13378,7 +13562,7 @@
           <a:p>
             <a:r>
               <a:rPr lang="en-US" dirty="0" smtClean="0"/>
-              <a:t>One-to-many approach #2</a:t>
+              <a:t>One-to-one approach</a:t>
             </a:r>
             <a:endParaRPr lang="en-US" dirty="0"/>
           </a:p>
@@ -13410,7 +13594,7 @@
       </p:sp>
       <p:sp>
         <p:nvSpPr>
-          <p:cNvPr id="4" name="Text Placeholder 3"/>
+          <p:cNvPr id="8" name="Text Placeholder 7"/>
           <p:cNvSpPr>
             <a:spLocks noGrp="1"/>
           </p:cNvSpPr>
@@ -13425,57 +13609,45 @@
           <a:p>
             <a:r>
               <a:rPr lang="en-US" dirty="0" smtClean="0"/>
-              <a:t>By reference</a:t>
-            </a:r>
+              <a:t>By embedding</a:t>
+            </a:r>
+          </a:p>
+          <a:p>
             <a:endParaRPr lang="en-US" dirty="0"/>
           </a:p>
           <a:p>
+            <a:r>
+              <a:rPr lang="en-US" dirty="0" smtClean="0"/>
+              <a:t>Good fit for most cases.</a:t>
+            </a:r>
+          </a:p>
+          <a:p>
             <a:endParaRPr lang="en-US" dirty="0" smtClean="0"/>
           </a:p>
           <a:p>
             <a:r>
               <a:rPr lang="en-US" dirty="0" smtClean="0"/>
-              <a:t>When one-to-truly-many.</a:t>
-            </a:r>
-          </a:p>
-          <a:p>
-            <a:r>
-              <a:rPr lang="en-US" dirty="0" smtClean="0"/>
-              <a:t>Does not dictate access pattern, but adds complexity to application code.</a:t>
-            </a:r>
-          </a:p>
-          <a:p>
-            <a:endParaRPr lang="en-US" dirty="0"/>
-          </a:p>
-          <a:p>
-            <a:r>
-              <a:rPr lang="en-US" dirty="0" smtClean="0"/>
-              <a:t>Has update anomalies.</a:t>
-            </a:r>
-          </a:p>
-          <a:p>
-            <a:r>
-              <a:rPr lang="en-US" dirty="0" smtClean="0"/>
-              <a:t>Anomaly when a user is deleted. Carts can now reference a non existing User.</a:t>
-            </a:r>
-          </a:p>
-        </p:txBody>
-      </p:sp>
-      <p:sp>
-        <p:nvSpPr>
-          <p:cNvPr id="5" name="Rounded Rectangle 4"/>
-          <p:cNvSpPr/>
+              <a:t>Man / wife type relations are more complex.</a:t>
+            </a:r>
+          </a:p>
+        </p:txBody>
+      </p:sp>
+      <p:sp>
+        <p:nvSpPr>
+          <p:cNvPr id="9" name="Text Placeholder 4"/>
+          <p:cNvSpPr txBox="1">
+            <a:spLocks/>
+          </p:cNvSpPr>
           <p:nvPr/>
         </p:nvSpPr>
         <p:spPr>
           <a:xfrm>
-            <a:off x="2976880" y="4312920"/>
-            <a:ext cx="3039650" cy="2011680"/>
+            <a:off x="5630449" y="4632960"/>
+            <a:ext cx="2794001" cy="1706880"/>
           </a:xfrm>
           <a:prstGeom prst="roundRect">
             <a:avLst/>
           </a:prstGeom>
-          <a:ln/>
         </p:spPr>
         <p:style>
           <a:lnRef idx="2">
@@ -13498,55 +13670,198 @@
             </a:prstTxWarp>
             <a:noAutofit/>
           </a:bodyPr>
-          <a:lstStyle/>
-          <a:p>
-            <a:pPr>
+          <a:lstStyle>
+            <a:lvl1pPr marL="0" indent="0" algn="l" defTabSz="457200" rtl="0" eaLnBrk="1" latinLnBrk="0" hangingPunct="1">
+              <a:lnSpc>
+                <a:spcPts val="1700"/>
+              </a:lnSpc>
               <a:spcBef>
                 <a:spcPts val="600"/>
               </a:spcBef>
               <a:spcAft>
                 <a:spcPts val="400"/>
               </a:spcAft>
-            </a:pPr>
-            <a:r>
-              <a:rPr lang="en-US" sz="1400" dirty="0" smtClean="0">
-                <a:solidFill>
-                  <a:schemeClr val="tx1"/>
-                </a:solidFill>
-              </a:rPr>
-              <a:t>User</a:t>
-            </a:r>
-          </a:p>
-          <a:p>
-            <a:pPr>
+              <a:buFont typeface="Arial"/>
+              <a:buNone/>
+              <a:defRPr sz="1700" kern="1200" baseline="0">
+                <a:solidFill>
+                  <a:schemeClr val="dk1"/>
+                </a:solidFill>
+                <a:latin typeface="+mn-lt"/>
+                <a:ea typeface="+mn-ea"/>
+                <a:cs typeface="+mn-cs"/>
+              </a:defRPr>
+            </a:lvl1pPr>
+            <a:lvl2pPr marL="268288" indent="0" algn="l" defTabSz="457200" rtl="0" eaLnBrk="1" latinLnBrk="0" hangingPunct="1">
+              <a:lnSpc>
+                <a:spcPts val="1700"/>
+              </a:lnSpc>
               <a:spcBef>
-                <a:spcPts val="600"/>
+                <a:spcPts val="200"/>
               </a:spcBef>
               <a:spcAft>
-                <a:spcPts val="400"/>
+                <a:spcPts val="600"/>
               </a:spcAft>
-            </a:pPr>
-            <a:r>
-              <a:rPr lang="en-US" sz="1400" dirty="0" smtClean="0">
+              <a:buFont typeface="Arial"/>
+              <a:buNone/>
+              <a:defRPr sz="1500" kern="1200" baseline="0">
+                <a:solidFill>
+                  <a:schemeClr val="dk1"/>
+                </a:solidFill>
+                <a:latin typeface="+mn-lt"/>
+                <a:ea typeface="+mn-ea"/>
+                <a:cs typeface="+mn-cs"/>
+              </a:defRPr>
+            </a:lvl2pPr>
+            <a:lvl3pPr marL="534987" indent="0" algn="l" defTabSz="457200" rtl="0" eaLnBrk="1" latinLnBrk="0" hangingPunct="1">
+              <a:lnSpc>
+                <a:spcPts val="1700"/>
+              </a:lnSpc>
+              <a:spcBef>
+                <a:spcPts val="200"/>
+              </a:spcBef>
+              <a:spcAft>
+                <a:spcPts val="600"/>
+              </a:spcAft>
+              <a:buFont typeface="Arial"/>
+              <a:buNone/>
+              <a:defRPr sz="1500" kern="1200" baseline="0">
+                <a:solidFill>
+                  <a:schemeClr val="dk1"/>
+                </a:solidFill>
+                <a:latin typeface="+mn-lt"/>
+                <a:ea typeface="+mn-ea"/>
+                <a:cs typeface="+mn-cs"/>
+              </a:defRPr>
+            </a:lvl3pPr>
+            <a:lvl4pPr marL="1600200" indent="-228600" algn="l" defTabSz="457200" rtl="0" eaLnBrk="1" latinLnBrk="0" hangingPunct="1">
+              <a:spcBef>
+                <a:spcPct val="20000"/>
+              </a:spcBef>
+              <a:buFont typeface="Arial"/>
+              <a:buChar char="–"/>
+              <a:defRPr sz="1800" kern="1200">
+                <a:solidFill>
+                  <a:schemeClr val="dk1"/>
+                </a:solidFill>
+                <a:latin typeface="+mn-lt"/>
+                <a:ea typeface="+mn-ea"/>
+                <a:cs typeface="+mn-cs"/>
+              </a:defRPr>
+            </a:lvl4pPr>
+            <a:lvl5pPr marL="2057400" indent="-228600" algn="l" defTabSz="457200" rtl="0" eaLnBrk="1" latinLnBrk="0" hangingPunct="1">
+              <a:spcBef>
+                <a:spcPct val="20000"/>
+              </a:spcBef>
+              <a:buFont typeface="Arial"/>
+              <a:buChar char="»"/>
+              <a:defRPr sz="1800" kern="1200">
+                <a:solidFill>
+                  <a:schemeClr val="dk1"/>
+                </a:solidFill>
+                <a:latin typeface="+mn-lt"/>
+                <a:ea typeface="+mn-ea"/>
+                <a:cs typeface="+mn-cs"/>
+              </a:defRPr>
+            </a:lvl5pPr>
+            <a:lvl6pPr marL="2514600" indent="-228600" algn="l" defTabSz="457200" rtl="0" eaLnBrk="1" latinLnBrk="0" hangingPunct="1">
+              <a:spcBef>
+                <a:spcPct val="20000"/>
+              </a:spcBef>
+              <a:buFont typeface="Arial"/>
+              <a:buChar char="•"/>
+              <a:defRPr sz="2000" kern="1200">
+                <a:solidFill>
+                  <a:schemeClr val="dk1"/>
+                </a:solidFill>
+                <a:latin typeface="+mn-lt"/>
+                <a:ea typeface="+mn-ea"/>
+                <a:cs typeface="+mn-cs"/>
+              </a:defRPr>
+            </a:lvl6pPr>
+            <a:lvl7pPr marL="2971800" indent="-228600" algn="l" defTabSz="457200" rtl="0" eaLnBrk="1" latinLnBrk="0" hangingPunct="1">
+              <a:spcBef>
+                <a:spcPct val="20000"/>
+              </a:spcBef>
+              <a:buFont typeface="Arial"/>
+              <a:buChar char="•"/>
+              <a:defRPr sz="2000" kern="1200">
+                <a:solidFill>
+                  <a:schemeClr val="dk1"/>
+                </a:solidFill>
+                <a:latin typeface="+mn-lt"/>
+                <a:ea typeface="+mn-ea"/>
+                <a:cs typeface="+mn-cs"/>
+              </a:defRPr>
+            </a:lvl7pPr>
+            <a:lvl8pPr marL="3429000" indent="-228600" algn="l" defTabSz="457200" rtl="0" eaLnBrk="1" latinLnBrk="0" hangingPunct="1">
+              <a:spcBef>
+                <a:spcPct val="20000"/>
+              </a:spcBef>
+              <a:buFont typeface="Arial"/>
+              <a:buChar char="•"/>
+              <a:defRPr sz="2000" kern="1200">
+                <a:solidFill>
+                  <a:schemeClr val="dk1"/>
+                </a:solidFill>
+                <a:latin typeface="+mn-lt"/>
+                <a:ea typeface="+mn-ea"/>
+                <a:cs typeface="+mn-cs"/>
+              </a:defRPr>
+            </a:lvl8pPr>
+            <a:lvl9pPr marL="3886200" indent="-228600" algn="l" defTabSz="457200" rtl="0" eaLnBrk="1" latinLnBrk="0" hangingPunct="1">
+              <a:spcBef>
+                <a:spcPct val="20000"/>
+              </a:spcBef>
+              <a:buFont typeface="Arial"/>
+              <a:buChar char="•"/>
+              <a:defRPr sz="2000" kern="1200">
+                <a:solidFill>
+                  <a:schemeClr val="dk1"/>
+                </a:solidFill>
+                <a:latin typeface="+mn-lt"/>
+                <a:ea typeface="+mn-ea"/>
+                <a:cs typeface="+mn-cs"/>
+              </a:defRPr>
+            </a:lvl9pPr>
+          </a:lstStyle>
+          <a:p>
+            <a:r>
+              <a:rPr lang="en-US" sz="1400" smtClean="0">
+                <a:solidFill>
+                  <a:schemeClr val="tx1"/>
+                </a:solidFill>
+              </a:rPr>
+              <a:t>Person</a:t>
+            </a:r>
+          </a:p>
+          <a:p>
+            <a:r>
+              <a:rPr lang="en-US" sz="1400" smtClean="0">
                 <a:solidFill>
                   <a:schemeClr val="tx1"/>
                 </a:solidFill>
               </a:rPr>
               <a:t>_id: 42</a:t>
             </a:r>
-          </a:p>
-        </p:txBody>
-      </p:sp>
-      <p:sp>
-        <p:nvSpPr>
-          <p:cNvPr id="6" name="Rounded Rectangle 5"/>
+            <a:endParaRPr lang="en-US" sz="1400" dirty="0" smtClean="0">
+              <a:solidFill>
+                <a:schemeClr val="tx1"/>
+              </a:solidFill>
+            </a:endParaRPr>
+          </a:p>
+        </p:txBody>
+      </p:sp>
+      <p:sp>
+        <p:nvSpPr>
+          <p:cNvPr id="10" name="Rounded Rectangle 9"/>
           <p:cNvSpPr/>
           <p:nvPr/>
         </p:nvSpPr>
         <p:spPr>
           <a:xfrm>
-            <a:off x="6148610" y="4312920"/>
-            <a:ext cx="2011680" cy="929640"/>
+            <a:off x="6107970" y="5450840"/>
+            <a:ext cx="2011680" cy="680720"/>
           </a:xfrm>
           <a:prstGeom prst="roundRect">
             <a:avLst/>
@@ -13568,7 +13883,7 @@
           </a:fontRef>
         </p:style>
         <p:txBody>
-          <a:bodyPr rot="0" spcFirstLastPara="0" vertOverflow="overflow" horzOverflow="overflow" vert="horz" wrap="square" lIns="91440" tIns="45720" rIns="91440" bIns="45720" numCol="1" spcCol="0" rtlCol="0" fromWordArt="0" anchor="t" anchorCtr="0" forceAA="0" compatLnSpc="1">
+          <a:bodyPr rot="0" spcFirstLastPara="0" vertOverflow="overflow" horzOverflow="overflow" vert="horz" wrap="square" lIns="91440" tIns="45720" rIns="91440" bIns="45720" numCol="1" spcCol="0" rtlCol="0" fromWordArt="0" anchor="ctr" anchorCtr="0" forceAA="0" compatLnSpc="1">
             <a:prstTxWarp prst="textNoShape">
               <a:avLst/>
             </a:prstTxWarp>
@@ -13576,7 +13891,7 @@
           </a:bodyPr>
           <a:lstStyle/>
           <a:p>
-            <a:pPr>
+            <a:pPr algn="ctr">
               <a:spcBef>
                 <a:spcPts val="600"/>
               </a:spcBef>
@@ -13590,117 +13905,7 @@
                   <a:schemeClr val="tx1"/>
                 </a:solidFill>
               </a:rPr>
-              <a:t>Cart</a:t>
-            </a:r>
-          </a:p>
-          <a:p>
-            <a:pPr>
-              <a:spcBef>
-                <a:spcPts val="600"/>
-              </a:spcBef>
-              <a:spcAft>
-                <a:spcPts val="400"/>
-              </a:spcAft>
-            </a:pPr>
-            <a:r>
-              <a:rPr lang="en-US" sz="1400" dirty="0" err="1" smtClean="0">
-                <a:solidFill>
-                  <a:schemeClr val="tx1"/>
-                </a:solidFill>
-              </a:rPr>
-              <a:t>userId</a:t>
-            </a:r>
-            <a:r>
-              <a:rPr lang="en-US" sz="1400" dirty="0" smtClean="0">
-                <a:solidFill>
-                  <a:schemeClr val="tx1"/>
-                </a:solidFill>
-              </a:rPr>
-              <a:t>: 42</a:t>
-            </a:r>
-          </a:p>
-        </p:txBody>
-      </p:sp>
-      <p:sp>
-        <p:nvSpPr>
-          <p:cNvPr id="9" name="Rounded Rectangle 8"/>
-          <p:cNvSpPr/>
-          <p:nvPr/>
-        </p:nvSpPr>
-        <p:spPr>
-          <a:xfrm>
-            <a:off x="6148610" y="5394960"/>
-            <a:ext cx="2011680" cy="929640"/>
-          </a:xfrm>
-          <a:prstGeom prst="roundRect">
-            <a:avLst/>
-          </a:prstGeom>
-          <a:ln/>
-        </p:spPr>
-        <p:style>
-          <a:lnRef idx="2">
-            <a:schemeClr val="accent6"/>
-          </a:lnRef>
-          <a:fillRef idx="1">
-            <a:schemeClr val="lt1"/>
-          </a:fillRef>
-          <a:effectRef idx="0">
-            <a:schemeClr val="accent6"/>
-          </a:effectRef>
-          <a:fontRef idx="minor">
-            <a:schemeClr val="dk1"/>
-          </a:fontRef>
-        </p:style>
-        <p:txBody>
-          <a:bodyPr rot="0" spcFirstLastPara="0" vertOverflow="overflow" horzOverflow="overflow" vert="horz" wrap="square" lIns="91440" tIns="45720" rIns="91440" bIns="45720" numCol="1" spcCol="0" rtlCol="0" fromWordArt="0" anchor="t" anchorCtr="0" forceAA="0" compatLnSpc="1">
-            <a:prstTxWarp prst="textNoShape">
-              <a:avLst/>
-            </a:prstTxWarp>
-            <a:noAutofit/>
-          </a:bodyPr>
-          <a:lstStyle/>
-          <a:p>
-            <a:pPr>
-              <a:spcBef>
-                <a:spcPts val="600"/>
-              </a:spcBef>
-              <a:spcAft>
-                <a:spcPts val="400"/>
-              </a:spcAft>
-            </a:pPr>
-            <a:r>
-              <a:rPr lang="en-US" sz="1400" dirty="0" smtClean="0">
-                <a:solidFill>
-                  <a:schemeClr val="tx1"/>
-                </a:solidFill>
-              </a:rPr>
-              <a:t>Cart</a:t>
-            </a:r>
-          </a:p>
-          <a:p>
-            <a:pPr>
-              <a:spcBef>
-                <a:spcPts val="600"/>
-              </a:spcBef>
-              <a:spcAft>
-                <a:spcPts val="400"/>
-              </a:spcAft>
-            </a:pPr>
-            <a:r>
-              <a:rPr lang="en-US" sz="1400" dirty="0" err="1" smtClean="0">
-                <a:solidFill>
-                  <a:schemeClr val="tx1"/>
-                </a:solidFill>
-              </a:rPr>
-              <a:t>userId</a:t>
-            </a:r>
-            <a:r>
-              <a:rPr lang="en-US" sz="1400" dirty="0" smtClean="0">
-                <a:solidFill>
-                  <a:schemeClr val="tx1"/>
-                </a:solidFill>
-              </a:rPr>
-              <a:t>: 42</a:t>
+              <a:t>Passport</a:t>
             </a:r>
           </a:p>
         </p:txBody>
@@ -13708,7 +13913,7 @@
     </p:spTree>
     <p:extLst>
       <p:ext uri="{BB962C8B-B14F-4D97-AF65-F5344CB8AC3E}">
-        <p14:creationId xmlns:p14="http://schemas.microsoft.com/office/powerpoint/2010/main" val="1682349576"/>
+        <p14:creationId xmlns:p14="http://schemas.microsoft.com/office/powerpoint/2010/main" val="3771611032"/>
       </p:ext>
     </p:extLst>
   </p:cSld>
@@ -13939,7 +14144,7 @@
           <a:p>
             <a:r>
               <a:rPr lang="en-US" dirty="0" smtClean="0"/>
-              <a:t>One-to-many approach #4</a:t>
+              <a:t>One-to-many approach #1</a:t>
             </a:r>
             <a:endParaRPr lang="en-US" dirty="0"/>
           </a:p>
@@ -13986,11 +14191,7 @@
           <a:p>
             <a:r>
               <a:rPr lang="en-US" dirty="0" smtClean="0"/>
-              <a:t>By </a:t>
-            </a:r>
-            <a:r>
-              <a:rPr lang="en-US" dirty="0" err="1" smtClean="0"/>
-              <a:t>denormalizing</a:t>
+              <a:t>Embedding</a:t>
             </a:r>
             <a:endParaRPr lang="en-US" dirty="0"/>
           </a:p>
@@ -14000,13 +14201,21 @@
           <a:p>
             <a:r>
               <a:rPr lang="en-US" dirty="0" smtClean="0"/>
-              <a:t>When one-to-many.</a:t>
-            </a:r>
-          </a:p>
-          <a:p>
-            <a:r>
-              <a:rPr lang="en-US" dirty="0" smtClean="0"/>
-              <a:t>Access pattern should be “Get all carts and project cart content and customer”.</a:t>
+              <a:t>Works best for </a:t>
+            </a:r>
+            <a:r>
+              <a:rPr lang="en-US" i="1" dirty="0" smtClean="0"/>
+              <a:t>one-to-few</a:t>
+            </a:r>
+            <a:r>
+              <a:rPr lang="en-US" dirty="0" smtClean="0"/>
+              <a:t> cases.</a:t>
+            </a:r>
+          </a:p>
+          <a:p>
+            <a:r>
+              <a:rPr lang="en-US" dirty="0" smtClean="0"/>
+              <a:t>Access pattern should be “get carts for a user”.</a:t>
             </a:r>
           </a:p>
           <a:p>
@@ -14015,20 +14224,65 @@
           <a:p>
             <a:r>
               <a:rPr lang="en-US" dirty="0" smtClean="0"/>
-              <a:t>Has update anomalies.</a:t>
-            </a:r>
-          </a:p>
-          <a:p>
-            <a:r>
-              <a:rPr lang="en-US" dirty="0" smtClean="0"/>
-              <a:t>No user document in this approach. Updating user information is tedious.</a:t>
-            </a:r>
-            <a:endParaRPr lang="en-US" dirty="0"/>
-          </a:p>
-          <a:p>
-            <a:r>
-              <a:rPr lang="en-US" dirty="0" smtClean="0"/>
-              <a:t>Larger disk footprint per cart.</a:t>
+              <a:t>No update anomalies.</a:t>
+            </a:r>
+          </a:p>
+        </p:txBody>
+      </p:sp>
+      <p:sp>
+        <p:nvSpPr>
+          <p:cNvPr id="5" name="Rounded Rectangle 4"/>
+          <p:cNvSpPr/>
+          <p:nvPr/>
+        </p:nvSpPr>
+        <p:spPr>
+          <a:xfrm>
+            <a:off x="5384800" y="4470400"/>
+            <a:ext cx="3039650" cy="1849120"/>
+          </a:xfrm>
+          <a:prstGeom prst="roundRect">
+            <a:avLst/>
+          </a:prstGeom>
+          <a:ln/>
+        </p:spPr>
+        <p:style>
+          <a:lnRef idx="2">
+            <a:schemeClr val="accent4"/>
+          </a:lnRef>
+          <a:fillRef idx="1">
+            <a:schemeClr val="lt1"/>
+          </a:fillRef>
+          <a:effectRef idx="0">
+            <a:schemeClr val="accent4"/>
+          </a:effectRef>
+          <a:fontRef idx="minor">
+            <a:schemeClr val="dk1"/>
+          </a:fontRef>
+        </p:style>
+        <p:txBody>
+          <a:bodyPr rot="0" spcFirstLastPara="0" vertOverflow="overflow" horzOverflow="overflow" vert="horz" wrap="square" lIns="91440" tIns="45720" rIns="91440" bIns="45720" numCol="1" spcCol="0" rtlCol="0" fromWordArt="0" anchor="t" anchorCtr="0" forceAA="0" compatLnSpc="1">
+            <a:prstTxWarp prst="textNoShape">
+              <a:avLst/>
+            </a:prstTxWarp>
+            <a:noAutofit/>
+          </a:bodyPr>
+          <a:lstStyle/>
+          <a:p>
+            <a:pPr>
+              <a:spcBef>
+                <a:spcPts val="600"/>
+              </a:spcBef>
+              <a:spcAft>
+                <a:spcPts val="400"/>
+              </a:spcAft>
+            </a:pPr>
+            <a:r>
+              <a:rPr lang="en-US" sz="1400" dirty="0" smtClean="0">
+                <a:solidFill>
+                  <a:schemeClr val="tx1"/>
+                </a:solidFill>
+              </a:rPr>
+              <a:t>User</a:t>
             </a:r>
           </a:p>
         </p:txBody>
@@ -14041,8 +14295,8 @@
         </p:nvSpPr>
         <p:spPr>
           <a:xfrm>
-            <a:off x="5405120" y="3749040"/>
-            <a:ext cx="2755170" cy="1209040"/>
+            <a:off x="5843810" y="5085080"/>
+            <a:ext cx="2011680" cy="680720"/>
           </a:xfrm>
           <a:prstGeom prst="roundRect">
             <a:avLst/>
@@ -14064,7 +14318,7 @@
           </a:fontRef>
         </p:style>
         <p:txBody>
-          <a:bodyPr rot="0" spcFirstLastPara="0" vertOverflow="overflow" horzOverflow="overflow" vert="horz" wrap="square" lIns="91440" tIns="45720" rIns="91440" bIns="45720" numCol="1" spcCol="0" rtlCol="0" fromWordArt="0" anchor="t" anchorCtr="0" forceAA="0" compatLnSpc="1">
+          <a:bodyPr rot="0" spcFirstLastPara="0" vertOverflow="overflow" horzOverflow="overflow" vert="horz" wrap="square" lIns="91440" tIns="45720" rIns="91440" bIns="45720" numCol="1" spcCol="0" rtlCol="0" fromWordArt="0" anchor="ctr" anchorCtr="0" forceAA="0" compatLnSpc="1">
             <a:prstTxWarp prst="textNoShape">
               <a:avLst/>
             </a:prstTxWarp>
@@ -14072,7 +14326,7 @@
           </a:bodyPr>
           <a:lstStyle/>
           <a:p>
-            <a:pPr>
+            <a:pPr algn="ctr">
               <a:spcBef>
                 <a:spcPts val="600"/>
               </a:spcBef>
@@ -14080,71 +14334,24 @@
                 <a:spcPts val="400"/>
               </a:spcAft>
             </a:pPr>
-            <a:r>
-              <a:rPr lang="en-US" sz="1400" dirty="0" smtClean="0">
-                <a:solidFill>
-                  <a:schemeClr val="tx1"/>
-                </a:solidFill>
-              </a:rPr>
-              <a:t>Cart</a:t>
-            </a:r>
-          </a:p>
-          <a:p>
-            <a:pPr>
-              <a:spcBef>
-                <a:spcPts val="600"/>
-              </a:spcBef>
-              <a:spcAft>
-                <a:spcPts val="400"/>
-              </a:spcAft>
-            </a:pPr>
-            <a:r>
-              <a:rPr lang="en-US" sz="1400" dirty="0" err="1" smtClean="0">
-                <a:solidFill>
-                  <a:schemeClr val="tx1"/>
-                </a:solidFill>
-              </a:rPr>
-              <a:t>userId</a:t>
-            </a:r>
-            <a:r>
-              <a:rPr lang="en-US" sz="1400" dirty="0" smtClean="0">
-                <a:solidFill>
-                  <a:schemeClr val="tx1"/>
-                </a:solidFill>
-              </a:rPr>
-              <a:t>: 42,</a:t>
-            </a:r>
-          </a:p>
-          <a:p>
-            <a:pPr>
-              <a:spcBef>
-                <a:spcPts val="600"/>
-              </a:spcBef>
-              <a:spcAft>
-                <a:spcPts val="400"/>
-              </a:spcAft>
-            </a:pPr>
-            <a:r>
-              <a:rPr lang="en-US" sz="1400" dirty="0" smtClean="0">
-                <a:solidFill>
-                  <a:schemeClr val="tx1"/>
-                </a:solidFill>
-              </a:rPr>
-              <a:t>Username: “Happy Customer”</a:t>
-            </a:r>
-          </a:p>
-        </p:txBody>
-      </p:sp>
-      <p:sp>
-        <p:nvSpPr>
-          <p:cNvPr id="8" name="Rounded Rectangle 7"/>
+            <a:endParaRPr lang="en-US" sz="1400" dirty="0" err="1" smtClean="0">
+              <a:solidFill>
+                <a:schemeClr val="tx1"/>
+              </a:solidFill>
+            </a:endParaRPr>
+          </a:p>
+        </p:txBody>
+      </p:sp>
+      <p:sp>
+        <p:nvSpPr>
+          <p:cNvPr id="7" name="Rounded Rectangle 6"/>
           <p:cNvSpPr/>
           <p:nvPr/>
         </p:nvSpPr>
         <p:spPr>
           <a:xfrm>
-            <a:off x="5405120" y="5110480"/>
-            <a:ext cx="2755170" cy="1209040"/>
+            <a:off x="5996210" y="5237480"/>
+            <a:ext cx="2011680" cy="680720"/>
           </a:xfrm>
           <a:prstGeom prst="roundRect">
             <a:avLst/>
@@ -14166,7 +14373,7 @@
           </a:fontRef>
         </p:style>
         <p:txBody>
-          <a:bodyPr rot="0" spcFirstLastPara="0" vertOverflow="overflow" horzOverflow="overflow" vert="horz" wrap="square" lIns="91440" tIns="45720" rIns="91440" bIns="45720" numCol="1" spcCol="0" rtlCol="0" fromWordArt="0" anchor="t" anchorCtr="0" forceAA="0" compatLnSpc="1">
+          <a:bodyPr rot="0" spcFirstLastPara="0" vertOverflow="overflow" horzOverflow="overflow" vert="horz" wrap="square" lIns="91440" tIns="45720" rIns="91440" bIns="45720" numCol="1" spcCol="0" rtlCol="0" fromWordArt="0" anchor="ctr" anchorCtr="0" forceAA="0" compatLnSpc="1">
             <a:prstTxWarp prst="textNoShape">
               <a:avLst/>
             </a:prstTxWarp>
@@ -14174,7 +14381,7 @@
           </a:bodyPr>
           <a:lstStyle/>
           <a:p>
-            <a:pPr>
+            <a:pPr algn="ctr">
               <a:spcBef>
                 <a:spcPts val="600"/>
               </a:spcBef>
@@ -14182,17 +14389,54 @@
                 <a:spcPts val="400"/>
               </a:spcAft>
             </a:pPr>
-            <a:r>
-              <a:rPr lang="en-US" sz="1400" dirty="0" smtClean="0">
-                <a:solidFill>
-                  <a:schemeClr val="tx1"/>
-                </a:solidFill>
-              </a:rPr>
-              <a:t>Cart</a:t>
-            </a:r>
-          </a:p>
-          <a:p>
-            <a:pPr>
+            <a:endParaRPr lang="en-US" sz="1400" dirty="0" err="1" smtClean="0">
+              <a:solidFill>
+                <a:schemeClr val="tx1"/>
+              </a:solidFill>
+            </a:endParaRPr>
+          </a:p>
+        </p:txBody>
+      </p:sp>
+      <p:sp>
+        <p:nvSpPr>
+          <p:cNvPr id="8" name="Rounded Rectangle 7"/>
+          <p:cNvSpPr/>
+          <p:nvPr/>
+        </p:nvSpPr>
+        <p:spPr>
+          <a:xfrm>
+            <a:off x="6148610" y="5389880"/>
+            <a:ext cx="2011680" cy="680720"/>
+          </a:xfrm>
+          <a:prstGeom prst="roundRect">
+            <a:avLst/>
+          </a:prstGeom>
+          <a:ln/>
+        </p:spPr>
+        <p:style>
+          <a:lnRef idx="2">
+            <a:schemeClr val="accent6"/>
+          </a:lnRef>
+          <a:fillRef idx="1">
+            <a:schemeClr val="lt1"/>
+          </a:fillRef>
+          <a:effectRef idx="0">
+            <a:schemeClr val="accent6"/>
+          </a:effectRef>
+          <a:fontRef idx="minor">
+            <a:schemeClr val="dk1"/>
+          </a:fontRef>
+        </p:style>
+        <p:txBody>
+          <a:bodyPr rot="0" spcFirstLastPara="0" vertOverflow="overflow" horzOverflow="overflow" vert="horz" wrap="square" lIns="91440" tIns="45720" rIns="91440" bIns="45720" numCol="1" spcCol="0" rtlCol="0" fromWordArt="0" anchor="ctr" anchorCtr="0" forceAA="0" compatLnSpc="1">
+            <a:prstTxWarp prst="textNoShape">
+              <a:avLst/>
+            </a:prstTxWarp>
+            <a:noAutofit/>
+          </a:bodyPr>
+          <a:lstStyle/>
+          <a:p>
+            <a:pPr algn="ctr">
               <a:spcBef>
                 <a:spcPts val="600"/>
               </a:spcBef>
@@ -14201,38 +14445,12 @@
               </a:spcAft>
             </a:pPr>
             <a:r>
-              <a:rPr lang="en-US" sz="1400" dirty="0" err="1" smtClean="0">
+              <a:rPr lang="en-US" sz="1400" dirty="0" smtClean="0">
                 <a:solidFill>
                   <a:schemeClr val="tx1"/>
                 </a:solidFill>
               </a:rPr>
-              <a:t>userId</a:t>
-            </a:r>
-            <a:r>
-              <a:rPr lang="en-US" sz="1400" dirty="0" smtClean="0">
-                <a:solidFill>
-                  <a:schemeClr val="tx1"/>
-                </a:solidFill>
-              </a:rPr>
-              <a:t>: 42,</a:t>
-            </a:r>
-          </a:p>
-          <a:p>
-            <a:pPr>
-              <a:spcBef>
-                <a:spcPts val="600"/>
-              </a:spcBef>
-              <a:spcAft>
-                <a:spcPts val="400"/>
-              </a:spcAft>
-            </a:pPr>
-            <a:r>
-              <a:rPr lang="en-US" sz="1400" dirty="0" smtClean="0">
-                <a:solidFill>
-                  <a:schemeClr val="tx1"/>
-                </a:solidFill>
-              </a:rPr>
-              <a:t>Username: “Happy Customer”</a:t>
+              <a:t>Cart</a:t>
             </a:r>
           </a:p>
         </p:txBody>
@@ -14240,7 +14458,7 @@
     </p:spTree>
     <p:extLst>
       <p:ext uri="{BB962C8B-B14F-4D97-AF65-F5344CB8AC3E}">
-        <p14:creationId xmlns:p14="http://schemas.microsoft.com/office/powerpoint/2010/main" val="52466509"/>
+        <p14:creationId xmlns:p14="http://schemas.microsoft.com/office/powerpoint/2010/main" val="2352648728"/>
       </p:ext>
     </p:extLst>
   </p:cSld>
@@ -14290,7 +14508,7 @@
         <p:spPr>
           <a:xfrm>
             <a:off x="321623" y="418905"/>
-            <a:ext cx="3828704" cy="307777"/>
+            <a:ext cx="3957090" cy="307777"/>
           </a:xfrm>
         </p:spPr>
         <p:txBody>
@@ -14299,7 +14517,7 @@
           <a:p>
             <a:r>
               <a:rPr lang="en-US" dirty="0" smtClean="0"/>
-              <a:t>Many-to-many approach</a:t>
+              <a:t>One-to-many approach #2</a:t>
             </a:r>
             <a:endParaRPr lang="en-US" dirty="0"/>
           </a:p>
@@ -14344,38 +14562,65 @@
           <a:bodyPr/>
           <a:lstStyle/>
           <a:p>
+            <a:r>
+              <a:rPr lang="en-US" dirty="0" smtClean="0"/>
+              <a:t>By embedding references</a:t>
+            </a:r>
+            <a:endParaRPr lang="en-US" dirty="0"/>
+          </a:p>
+          <a:p>
             <a:endParaRPr lang="en-US" dirty="0" smtClean="0"/>
           </a:p>
           <a:p>
+            <a:r>
+              <a:rPr lang="en-US" dirty="0" smtClean="0"/>
+              <a:t>When too many carts for simple embedding to be viable.</a:t>
+            </a:r>
+          </a:p>
+          <a:p>
+            <a:r>
+              <a:rPr lang="en-US" dirty="0"/>
+              <a:t>Access pattern should be “get carts for a user”</a:t>
+            </a:r>
+            <a:r>
+              <a:rPr lang="en-US" dirty="0" smtClean="0"/>
+              <a:t>.</a:t>
+            </a:r>
+          </a:p>
+          <a:p>
+            <a:r>
+              <a:rPr lang="en-US" dirty="0" smtClean="0"/>
+              <a:t>Adds complexity to application code.</a:t>
+            </a:r>
             <a:endParaRPr lang="en-US" dirty="0"/>
           </a:p>
           <a:p>
-            <a:r>
-              <a:rPr lang="en-US" dirty="0" smtClean="0"/>
-              <a:t>Complexity in application code.</a:t>
-            </a:r>
-          </a:p>
-          <a:p>
             <a:endParaRPr lang="en-US" dirty="0"/>
           </a:p>
           <a:p>
             <a:r>
               <a:rPr lang="en-US" dirty="0" smtClean="0"/>
-              <a:t>Have update anomalies.</a:t>
-            </a:r>
-          </a:p>
-        </p:txBody>
-      </p:sp>
-      <p:sp>
-        <p:nvSpPr>
-          <p:cNvPr id="7" name="Rounded Rectangle 6"/>
+              <a:t>Has update anomalies.</a:t>
+            </a:r>
+          </a:p>
+          <a:p>
+            <a:r>
+              <a:rPr lang="en-US" dirty="0" smtClean="0"/>
+              <a:t>Anomaly when a cart is deleted. A user can now reference a non existing cart.</a:t>
+            </a:r>
+          </a:p>
+        </p:txBody>
+      </p:sp>
+      <p:sp>
+        <p:nvSpPr>
+          <p:cNvPr id="5" name="Rounded Rectangle 4"/>
           <p:cNvSpPr/>
           <p:nvPr/>
         </p:nvSpPr>
         <p:spPr>
           <a:xfrm>
-            <a:off x="629920" y="3749040"/>
-            <a:ext cx="3039650" cy="2301240"/>
+            <a:off x="2976880" y="4312920"/>
+            <a:ext cx="3039650" cy="2011680"/>
           </a:xfrm>
           <a:prstGeom prst="roundRect">
             <a:avLst/>
@@ -14437,13 +14682,8 @@
                   <a:schemeClr val="tx1"/>
                 </a:solidFill>
               </a:rPr>
-              <a:t>_id: 42</a:t>
-            </a:r>
-            <a:endParaRPr lang="en-US" sz="1400" dirty="0">
-              <a:solidFill>
-                <a:schemeClr val="tx1"/>
-              </a:solidFill>
-            </a:endParaRPr>
+              <a:t>carts: [</a:t>
+            </a:r>
           </a:p>
           <a:p>
             <a:pPr>
@@ -14455,12 +14695,20 @@
               </a:spcAft>
             </a:pPr>
             <a:r>
+              <a:rPr lang="en-US" sz="1400" dirty="0">
+                <a:solidFill>
+                  <a:schemeClr val="tx1"/>
+                </a:solidFill>
+              </a:rPr>
+              <a:t>	</a:t>
+            </a:r>
+            <a:r>
               <a:rPr lang="en-US" sz="1400" dirty="0" smtClean="0">
                 <a:solidFill>
                   <a:schemeClr val="tx1"/>
                 </a:solidFill>
               </a:rPr>
-              <a:t>friends: [</a:t>
+              <a:t>9001,</a:t>
             </a:r>
           </a:p>
           <a:p>
@@ -14486,7 +14734,7 @@
                   <a:schemeClr val="tx1"/>
                 </a:solidFill>
               </a:rPr>
-              <a:t>56,</a:t>
+              <a:t>9876</a:t>
             </a:r>
           </a:p>
           <a:p>
@@ -14504,17 +14752,54 @@
                   <a:schemeClr val="tx1"/>
                 </a:solidFill>
               </a:rPr>
-              <a:t>	</a:t>
-            </a:r>
-            <a:r>
-              <a:rPr lang="en-US" sz="1400" dirty="0" smtClean="0">
-                <a:solidFill>
-                  <a:schemeClr val="tx1"/>
-                </a:solidFill>
-              </a:rPr>
-              <a:t>69</a:t>
-            </a:r>
-          </a:p>
+              <a:t>]</a:t>
+            </a:r>
+            <a:endParaRPr lang="en-US" sz="1400" dirty="0" smtClean="0">
+              <a:solidFill>
+                <a:schemeClr val="tx1"/>
+              </a:solidFill>
+            </a:endParaRPr>
+          </a:p>
+        </p:txBody>
+      </p:sp>
+      <p:sp>
+        <p:nvSpPr>
+          <p:cNvPr id="6" name="Rounded Rectangle 5"/>
+          <p:cNvSpPr/>
+          <p:nvPr/>
+        </p:nvSpPr>
+        <p:spPr>
+          <a:xfrm>
+            <a:off x="6148610" y="4312920"/>
+            <a:ext cx="2011680" cy="929640"/>
+          </a:xfrm>
+          <a:prstGeom prst="roundRect">
+            <a:avLst/>
+          </a:prstGeom>
+          <a:ln/>
+        </p:spPr>
+        <p:style>
+          <a:lnRef idx="2">
+            <a:schemeClr val="accent6"/>
+          </a:lnRef>
+          <a:fillRef idx="1">
+            <a:schemeClr val="lt1"/>
+          </a:fillRef>
+          <a:effectRef idx="0">
+            <a:schemeClr val="accent6"/>
+          </a:effectRef>
+          <a:fontRef idx="minor">
+            <a:schemeClr val="dk1"/>
+          </a:fontRef>
+        </p:style>
+        <p:txBody>
+          <a:bodyPr rot="0" spcFirstLastPara="0" vertOverflow="overflow" horzOverflow="overflow" vert="horz" wrap="square" lIns="91440" tIns="45720" rIns="91440" bIns="45720" numCol="1" spcCol="0" rtlCol="0" fromWordArt="0" anchor="t" anchorCtr="0" forceAA="0" compatLnSpc="1">
+            <a:prstTxWarp prst="textNoShape">
+              <a:avLst/>
+            </a:prstTxWarp>
+            <a:noAutofit/>
+          </a:bodyPr>
+          <a:lstStyle/>
           <a:p>
             <a:pPr>
               <a:spcBef>
@@ -14525,59 +14810,14 @@
               </a:spcAft>
             </a:pPr>
             <a:r>
-              <a:rPr lang="en-US" sz="1400" dirty="0">
+              <a:rPr lang="en-US" sz="1400" dirty="0" smtClean="0">
                 <a:solidFill>
                   <a:schemeClr val="tx1"/>
                 </a:solidFill>
               </a:rPr>
-              <a:t>]</a:t>
-            </a:r>
-            <a:endParaRPr lang="en-US" sz="1400" dirty="0" smtClean="0">
-              <a:solidFill>
-                <a:schemeClr val="tx1"/>
-              </a:solidFill>
-            </a:endParaRPr>
-          </a:p>
-        </p:txBody>
-      </p:sp>
-      <p:sp>
-        <p:nvSpPr>
-          <p:cNvPr id="8" name="Rounded Rectangle 7"/>
-          <p:cNvSpPr/>
-          <p:nvPr/>
-        </p:nvSpPr>
-        <p:spPr>
-          <a:xfrm>
-            <a:off x="4947920" y="3749040"/>
-            <a:ext cx="3039650" cy="2301240"/>
-          </a:xfrm>
-          <a:prstGeom prst="roundRect">
-            <a:avLst/>
-          </a:prstGeom>
-          <a:ln/>
-        </p:spPr>
-        <p:style>
-          <a:lnRef idx="2">
-            <a:schemeClr val="accent4"/>
-          </a:lnRef>
-          <a:fillRef idx="1">
-            <a:schemeClr val="lt1"/>
-          </a:fillRef>
-          <a:effectRef idx="0">
-            <a:schemeClr val="accent4"/>
-          </a:effectRef>
-          <a:fontRef idx="minor">
-            <a:schemeClr val="dk1"/>
-          </a:fontRef>
-        </p:style>
-        <p:txBody>
-          <a:bodyPr rot="0" spcFirstLastPara="0" vertOverflow="overflow" horzOverflow="overflow" vert="horz" wrap="square" lIns="91440" tIns="45720" rIns="91440" bIns="45720" numCol="1" spcCol="0" rtlCol="0" fromWordArt="0" anchor="t" anchorCtr="0" forceAA="0" compatLnSpc="1">
-            <a:prstTxWarp prst="textNoShape">
-              <a:avLst/>
-            </a:prstTxWarp>
-            <a:noAutofit/>
-          </a:bodyPr>
-          <a:lstStyle/>
+              <a:t>Cart</a:t>
+            </a:r>
+          </a:p>
           <a:p>
             <a:pPr>
               <a:spcBef>
@@ -14593,9 +14833,49 @@
                   <a:schemeClr val="tx1"/>
                 </a:solidFill>
               </a:rPr>
-              <a:t>User</a:t>
-            </a:r>
-          </a:p>
+              <a:t>_id: 9001</a:t>
+            </a:r>
+          </a:p>
+        </p:txBody>
+      </p:sp>
+      <p:sp>
+        <p:nvSpPr>
+          <p:cNvPr id="9" name="Rounded Rectangle 8"/>
+          <p:cNvSpPr/>
+          <p:nvPr/>
+        </p:nvSpPr>
+        <p:spPr>
+          <a:xfrm>
+            <a:off x="6148610" y="5394960"/>
+            <a:ext cx="2011680" cy="929640"/>
+          </a:xfrm>
+          <a:prstGeom prst="roundRect">
+            <a:avLst/>
+          </a:prstGeom>
+          <a:ln/>
+        </p:spPr>
+        <p:style>
+          <a:lnRef idx="2">
+            <a:schemeClr val="accent6"/>
+          </a:lnRef>
+          <a:fillRef idx="1">
+            <a:schemeClr val="lt1"/>
+          </a:fillRef>
+          <a:effectRef idx="0">
+            <a:schemeClr val="accent6"/>
+          </a:effectRef>
+          <a:fontRef idx="minor">
+            <a:schemeClr val="dk1"/>
+          </a:fontRef>
+        </p:style>
+        <p:txBody>
+          <a:bodyPr rot="0" spcFirstLastPara="0" vertOverflow="overflow" horzOverflow="overflow" vert="horz" wrap="square" lIns="91440" tIns="45720" rIns="91440" bIns="45720" numCol="1" spcCol="0" rtlCol="0" fromWordArt="0" anchor="t" anchorCtr="0" forceAA="0" compatLnSpc="1">
+            <a:prstTxWarp prst="textNoShape">
+              <a:avLst/>
+            </a:prstTxWarp>
+            <a:noAutofit/>
+          </a:bodyPr>
+          <a:lstStyle/>
           <a:p>
             <a:pPr>
               <a:spcBef>
@@ -14611,13 +14891,8 @@
                   <a:schemeClr val="tx1"/>
                 </a:solidFill>
               </a:rPr>
-              <a:t>_id: 56</a:t>
-            </a:r>
-            <a:endParaRPr lang="en-US" sz="1400" dirty="0">
-              <a:solidFill>
-                <a:schemeClr val="tx1"/>
-              </a:solidFill>
-            </a:endParaRPr>
+              <a:t>Cart</a:t>
+            </a:r>
           </a:p>
           <a:p>
             <a:pPr>
@@ -14634,119 +14909,7 @@
                   <a:schemeClr val="tx1"/>
                 </a:solidFill>
               </a:rPr>
-              <a:t>friends: [</a:t>
-            </a:r>
-          </a:p>
-          <a:p>
-            <a:pPr>
-              <a:spcBef>
-                <a:spcPts val="600"/>
-              </a:spcBef>
-              <a:spcAft>
-                <a:spcPts val="400"/>
-              </a:spcAft>
-            </a:pPr>
-            <a:r>
-              <a:rPr lang="en-US" sz="1400" dirty="0">
-                <a:solidFill>
-                  <a:schemeClr val="tx1"/>
-                </a:solidFill>
-              </a:rPr>
-              <a:t>	</a:t>
-            </a:r>
-            <a:r>
-              <a:rPr lang="en-US" sz="1400" dirty="0" smtClean="0">
-                <a:solidFill>
-                  <a:schemeClr val="tx1"/>
-                </a:solidFill>
-              </a:rPr>
-              <a:t>42,</a:t>
-            </a:r>
-          </a:p>
-          <a:p>
-            <a:pPr>
-              <a:spcBef>
-                <a:spcPts val="600"/>
-              </a:spcBef>
-              <a:spcAft>
-                <a:spcPts val="400"/>
-              </a:spcAft>
-            </a:pPr>
-            <a:r>
-              <a:rPr lang="en-US" sz="1400" dirty="0">
-                <a:solidFill>
-                  <a:schemeClr val="tx1"/>
-                </a:solidFill>
-              </a:rPr>
-              <a:t>	</a:t>
-            </a:r>
-            <a:r>
-              <a:rPr lang="en-US" sz="1400" dirty="0" smtClean="0">
-                <a:solidFill>
-                  <a:schemeClr val="tx1"/>
-                </a:solidFill>
-              </a:rPr>
-              <a:t>69</a:t>
-            </a:r>
-          </a:p>
-          <a:p>
-            <a:pPr>
-              <a:spcBef>
-                <a:spcPts val="600"/>
-              </a:spcBef>
-              <a:spcAft>
-                <a:spcPts val="400"/>
-              </a:spcAft>
-            </a:pPr>
-            <a:r>
-              <a:rPr lang="en-US" sz="1400" dirty="0">
-                <a:solidFill>
-                  <a:schemeClr val="tx1"/>
-                </a:solidFill>
-              </a:rPr>
-              <a:t>]</a:t>
-            </a:r>
-            <a:endParaRPr lang="en-US" sz="1400" dirty="0" smtClean="0">
-              <a:solidFill>
-                <a:schemeClr val="tx1"/>
-              </a:solidFill>
-            </a:endParaRPr>
-          </a:p>
-        </p:txBody>
-      </p:sp>
-      <p:sp>
-        <p:nvSpPr>
-          <p:cNvPr id="9" name="TextBox 8"/>
-          <p:cNvSpPr txBox="1"/>
-          <p:nvPr/>
-        </p:nvSpPr>
-        <p:spPr>
-          <a:xfrm>
-            <a:off x="321623" y="1262063"/>
-            <a:ext cx="8102827" cy="353943"/>
-          </a:xfrm>
-          <a:prstGeom prst="rect">
-            <a:avLst/>
-          </a:prstGeom>
-          <a:noFill/>
-        </p:spPr>
-        <p:txBody>
-          <a:bodyPr wrap="square" rtlCol="0">
-            <a:spAutoFit/>
-          </a:bodyPr>
-          <a:lstStyle/>
-          <a:p>
-            <a:pPr>
-              <a:spcBef>
-                <a:spcPts val="600"/>
-              </a:spcBef>
-              <a:spcAft>
-                <a:spcPts val="400"/>
-              </a:spcAft>
-            </a:pPr>
-            <a:r>
-              <a:rPr lang="en-US" sz="1700" dirty="0" smtClean="0"/>
-              <a:t>By embedding references in both documents</a:t>
+              <a:t>_id: 9876</a:t>
             </a:r>
           </a:p>
         </p:txBody>
@@ -14754,7 +14917,7 @@
     </p:spTree>
     <p:extLst>
       <p:ext uri="{BB962C8B-B14F-4D97-AF65-F5344CB8AC3E}">
-        <p14:creationId xmlns:p14="http://schemas.microsoft.com/office/powerpoint/2010/main" val="3123632025"/>
+        <p14:creationId xmlns:p14="http://schemas.microsoft.com/office/powerpoint/2010/main" val="708067583"/>
       </p:ext>
     </p:extLst>
   </p:cSld>
@@ -14804,7 +14967,7 @@
         <p:spPr>
           <a:xfrm>
             <a:off x="321623" y="418905"/>
-            <a:ext cx="4647084" cy="307777"/>
+            <a:ext cx="3957090" cy="307777"/>
           </a:xfrm>
         </p:spPr>
         <p:txBody>
@@ -14812,14 +14975,10 @@
           <a:lstStyle/>
           <a:p>
             <a:r>
-              <a:rPr lang="en-US" i="0" dirty="0" smtClean="0"/>
-              <a:t>Structuring data in </a:t>
-            </a:r>
-            <a:r>
-              <a:rPr lang="en-US" i="0" dirty="0" err="1" smtClean="0"/>
-              <a:t>Mongodb</a:t>
-            </a:r>
-            <a:endParaRPr lang="en-US" i="0" dirty="0"/>
+              <a:rPr lang="en-US" dirty="0" smtClean="0"/>
+              <a:t>One-to-many approach #2</a:t>
+            </a:r>
+            <a:endParaRPr lang="en-US" dirty="0"/>
           </a:p>
         </p:txBody>
       </p:sp>
@@ -14864,16 +15023,23 @@
           <a:p>
             <a:r>
               <a:rPr lang="en-US" dirty="0" smtClean="0"/>
-              <a:t>Keep data that you need together, together.</a:t>
-            </a:r>
-          </a:p>
-          <a:p>
+              <a:t>By reference</a:t>
+            </a:r>
             <a:endParaRPr lang="en-US" dirty="0"/>
           </a:p>
           <a:p>
-            <a:r>
-              <a:rPr lang="en-US" dirty="0" smtClean="0"/>
-              <a:t>Related data should be kept in the same document.</a:t>
+            <a:endParaRPr lang="en-US" dirty="0" smtClean="0"/>
+          </a:p>
+          <a:p>
+            <a:r>
+              <a:rPr lang="en-US" dirty="0" smtClean="0"/>
+              <a:t>When one-to-truly-many.</a:t>
+            </a:r>
+          </a:p>
+          <a:p>
+            <a:r>
+              <a:rPr lang="en-US" dirty="0" smtClean="0"/>
+              <a:t>Does not dictate access pattern, but adds complexity to application code.</a:t>
             </a:r>
           </a:p>
           <a:p>
@@ -14882,25 +15048,265 @@
           <a:p>
             <a:r>
               <a:rPr lang="en-US" dirty="0" smtClean="0"/>
-              <a:t>Know your access pattern, design for it.</a:t>
-            </a:r>
-          </a:p>
-          <a:p>
-            <a:endParaRPr lang="en-US" dirty="0"/>
-          </a:p>
-          <a:p>
-            <a:r>
-              <a:rPr lang="en-US" dirty="0" smtClean="0"/>
-              <a:t>For most cases simply store the objects you have in your application.</a:t>
-            </a:r>
-            <a:endParaRPr lang="en-US" dirty="0"/>
+              <a:t>Has update anomalies.</a:t>
+            </a:r>
+          </a:p>
+          <a:p>
+            <a:r>
+              <a:rPr lang="en-US" dirty="0" smtClean="0"/>
+              <a:t>Anomaly when a user is deleted. Carts can now reference a non existing User.</a:t>
+            </a:r>
+          </a:p>
+        </p:txBody>
+      </p:sp>
+      <p:sp>
+        <p:nvSpPr>
+          <p:cNvPr id="5" name="Rounded Rectangle 4"/>
+          <p:cNvSpPr/>
+          <p:nvPr/>
+        </p:nvSpPr>
+        <p:spPr>
+          <a:xfrm>
+            <a:off x="2976880" y="4312920"/>
+            <a:ext cx="3039650" cy="2011680"/>
+          </a:xfrm>
+          <a:prstGeom prst="roundRect">
+            <a:avLst/>
+          </a:prstGeom>
+          <a:ln/>
+        </p:spPr>
+        <p:style>
+          <a:lnRef idx="2">
+            <a:schemeClr val="accent4"/>
+          </a:lnRef>
+          <a:fillRef idx="1">
+            <a:schemeClr val="lt1"/>
+          </a:fillRef>
+          <a:effectRef idx="0">
+            <a:schemeClr val="accent4"/>
+          </a:effectRef>
+          <a:fontRef idx="minor">
+            <a:schemeClr val="dk1"/>
+          </a:fontRef>
+        </p:style>
+        <p:txBody>
+          <a:bodyPr rot="0" spcFirstLastPara="0" vertOverflow="overflow" horzOverflow="overflow" vert="horz" wrap="square" lIns="91440" tIns="45720" rIns="91440" bIns="45720" numCol="1" spcCol="0" rtlCol="0" fromWordArt="0" anchor="t" anchorCtr="0" forceAA="0" compatLnSpc="1">
+            <a:prstTxWarp prst="textNoShape">
+              <a:avLst/>
+            </a:prstTxWarp>
+            <a:noAutofit/>
+          </a:bodyPr>
+          <a:lstStyle/>
+          <a:p>
+            <a:pPr>
+              <a:spcBef>
+                <a:spcPts val="600"/>
+              </a:spcBef>
+              <a:spcAft>
+                <a:spcPts val="400"/>
+              </a:spcAft>
+            </a:pPr>
+            <a:r>
+              <a:rPr lang="en-US" sz="1400" dirty="0" smtClean="0">
+                <a:solidFill>
+                  <a:schemeClr val="tx1"/>
+                </a:solidFill>
+              </a:rPr>
+              <a:t>User</a:t>
+            </a:r>
+          </a:p>
+          <a:p>
+            <a:pPr>
+              <a:spcBef>
+                <a:spcPts val="600"/>
+              </a:spcBef>
+              <a:spcAft>
+                <a:spcPts val="400"/>
+              </a:spcAft>
+            </a:pPr>
+            <a:r>
+              <a:rPr lang="en-US" sz="1400" dirty="0" smtClean="0">
+                <a:solidFill>
+                  <a:schemeClr val="tx1"/>
+                </a:solidFill>
+              </a:rPr>
+              <a:t>_id: 42</a:t>
+            </a:r>
+          </a:p>
+        </p:txBody>
+      </p:sp>
+      <p:sp>
+        <p:nvSpPr>
+          <p:cNvPr id="6" name="Rounded Rectangle 5"/>
+          <p:cNvSpPr/>
+          <p:nvPr/>
+        </p:nvSpPr>
+        <p:spPr>
+          <a:xfrm>
+            <a:off x="6148610" y="4312920"/>
+            <a:ext cx="2011680" cy="929640"/>
+          </a:xfrm>
+          <a:prstGeom prst="roundRect">
+            <a:avLst/>
+          </a:prstGeom>
+          <a:ln/>
+        </p:spPr>
+        <p:style>
+          <a:lnRef idx="2">
+            <a:schemeClr val="accent6"/>
+          </a:lnRef>
+          <a:fillRef idx="1">
+            <a:schemeClr val="lt1"/>
+          </a:fillRef>
+          <a:effectRef idx="0">
+            <a:schemeClr val="accent6"/>
+          </a:effectRef>
+          <a:fontRef idx="minor">
+            <a:schemeClr val="dk1"/>
+          </a:fontRef>
+        </p:style>
+        <p:txBody>
+          <a:bodyPr rot="0" spcFirstLastPara="0" vertOverflow="overflow" horzOverflow="overflow" vert="horz" wrap="square" lIns="91440" tIns="45720" rIns="91440" bIns="45720" numCol="1" spcCol="0" rtlCol="0" fromWordArt="0" anchor="t" anchorCtr="0" forceAA="0" compatLnSpc="1">
+            <a:prstTxWarp prst="textNoShape">
+              <a:avLst/>
+            </a:prstTxWarp>
+            <a:noAutofit/>
+          </a:bodyPr>
+          <a:lstStyle/>
+          <a:p>
+            <a:pPr>
+              <a:spcBef>
+                <a:spcPts val="600"/>
+              </a:spcBef>
+              <a:spcAft>
+                <a:spcPts val="400"/>
+              </a:spcAft>
+            </a:pPr>
+            <a:r>
+              <a:rPr lang="en-US" sz="1400" dirty="0" smtClean="0">
+                <a:solidFill>
+                  <a:schemeClr val="tx1"/>
+                </a:solidFill>
+              </a:rPr>
+              <a:t>Cart</a:t>
+            </a:r>
+          </a:p>
+          <a:p>
+            <a:pPr>
+              <a:spcBef>
+                <a:spcPts val="600"/>
+              </a:spcBef>
+              <a:spcAft>
+                <a:spcPts val="400"/>
+              </a:spcAft>
+            </a:pPr>
+            <a:r>
+              <a:rPr lang="en-US" sz="1400" dirty="0" err="1" smtClean="0">
+                <a:solidFill>
+                  <a:schemeClr val="tx1"/>
+                </a:solidFill>
+              </a:rPr>
+              <a:t>userId</a:t>
+            </a:r>
+            <a:r>
+              <a:rPr lang="en-US" sz="1400" dirty="0" smtClean="0">
+                <a:solidFill>
+                  <a:schemeClr val="tx1"/>
+                </a:solidFill>
+              </a:rPr>
+              <a:t>: 42</a:t>
+            </a:r>
+          </a:p>
+        </p:txBody>
+      </p:sp>
+      <p:sp>
+        <p:nvSpPr>
+          <p:cNvPr id="9" name="Rounded Rectangle 8"/>
+          <p:cNvSpPr/>
+          <p:nvPr/>
+        </p:nvSpPr>
+        <p:spPr>
+          <a:xfrm>
+            <a:off x="6148610" y="5394960"/>
+            <a:ext cx="2011680" cy="929640"/>
+          </a:xfrm>
+          <a:prstGeom prst="roundRect">
+            <a:avLst/>
+          </a:prstGeom>
+          <a:ln/>
+        </p:spPr>
+        <p:style>
+          <a:lnRef idx="2">
+            <a:schemeClr val="accent6"/>
+          </a:lnRef>
+          <a:fillRef idx="1">
+            <a:schemeClr val="lt1"/>
+          </a:fillRef>
+          <a:effectRef idx="0">
+            <a:schemeClr val="accent6"/>
+          </a:effectRef>
+          <a:fontRef idx="minor">
+            <a:schemeClr val="dk1"/>
+          </a:fontRef>
+        </p:style>
+        <p:txBody>
+          <a:bodyPr rot="0" spcFirstLastPara="0" vertOverflow="overflow" horzOverflow="overflow" vert="horz" wrap="square" lIns="91440" tIns="45720" rIns="91440" bIns="45720" numCol="1" spcCol="0" rtlCol="0" fromWordArt="0" anchor="t" anchorCtr="0" forceAA="0" compatLnSpc="1">
+            <a:prstTxWarp prst="textNoShape">
+              <a:avLst/>
+            </a:prstTxWarp>
+            <a:noAutofit/>
+          </a:bodyPr>
+          <a:lstStyle/>
+          <a:p>
+            <a:pPr>
+              <a:spcBef>
+                <a:spcPts val="600"/>
+              </a:spcBef>
+              <a:spcAft>
+                <a:spcPts val="400"/>
+              </a:spcAft>
+            </a:pPr>
+            <a:r>
+              <a:rPr lang="en-US" sz="1400" dirty="0" smtClean="0">
+                <a:solidFill>
+                  <a:schemeClr val="tx1"/>
+                </a:solidFill>
+              </a:rPr>
+              <a:t>Cart</a:t>
+            </a:r>
+          </a:p>
+          <a:p>
+            <a:pPr>
+              <a:spcBef>
+                <a:spcPts val="600"/>
+              </a:spcBef>
+              <a:spcAft>
+                <a:spcPts val="400"/>
+              </a:spcAft>
+            </a:pPr>
+            <a:r>
+              <a:rPr lang="en-US" sz="1400" dirty="0" err="1" smtClean="0">
+                <a:solidFill>
+                  <a:schemeClr val="tx1"/>
+                </a:solidFill>
+              </a:rPr>
+              <a:t>userId</a:t>
+            </a:r>
+            <a:r>
+              <a:rPr lang="en-US" sz="1400" dirty="0" smtClean="0">
+                <a:solidFill>
+                  <a:schemeClr val="tx1"/>
+                </a:solidFill>
+              </a:rPr>
+              <a:t>: 42</a:t>
+            </a:r>
           </a:p>
         </p:txBody>
       </p:sp>
     </p:spTree>
     <p:extLst>
       <p:ext uri="{BB962C8B-B14F-4D97-AF65-F5344CB8AC3E}">
-        <p14:creationId xmlns:p14="http://schemas.microsoft.com/office/powerpoint/2010/main" val="2408917308"/>
+        <p14:creationId xmlns:p14="http://schemas.microsoft.com/office/powerpoint/2010/main" val="1682349576"/>
       </p:ext>
     </p:extLst>
   </p:cSld>
@@ -14950,7 +15356,7 @@
         <p:spPr>
           <a:xfrm>
             <a:off x="321623" y="418905"/>
-            <a:ext cx="2914692" cy="307777"/>
+            <a:ext cx="3957090" cy="307777"/>
           </a:xfrm>
         </p:spPr>
         <p:txBody>
@@ -14959,7 +15365,7 @@
           <a:p>
             <a:r>
               <a:rPr lang="en-US" dirty="0" smtClean="0"/>
-              <a:t>LANGUAGE DRIVERS</a:t>
+              <a:t>One-to-many approach #4</a:t>
             </a:r>
             <a:endParaRPr lang="en-US" dirty="0"/>
           </a:p>
@@ -15006,114 +15412,261 @@
           <a:p>
             <a:r>
               <a:rPr lang="en-US" dirty="0" smtClean="0"/>
-              <a:t>Available and well supported in most languages.</a:t>
-            </a:r>
-          </a:p>
-          <a:p>
+              <a:t>By </a:t>
+            </a:r>
+            <a:r>
+              <a:rPr lang="en-US" dirty="0" err="1" smtClean="0"/>
+              <a:t>denormalizing</a:t>
+            </a:r>
             <a:endParaRPr lang="en-US" dirty="0"/>
           </a:p>
           <a:p>
-            <a:r>
-              <a:rPr lang="en-US" dirty="0" smtClean="0"/>
-              <a:t>Overview of </a:t>
-            </a:r>
-            <a:r>
-              <a:rPr lang="en-US" dirty="0"/>
-              <a:t>supported drivers: </a:t>
-            </a:r>
-            <a:r>
-              <a:rPr lang="en-US" dirty="0">
-                <a:hlinkClick r:id="rId2"/>
+            <a:endParaRPr lang="en-US" dirty="0" smtClean="0"/>
+          </a:p>
+          <a:p>
+            <a:r>
+              <a:rPr lang="en-US" dirty="0" smtClean="0"/>
+              <a:t>When one-to-many.</a:t>
+            </a:r>
+          </a:p>
+          <a:p>
+            <a:r>
+              <a:rPr lang="en-US" dirty="0" smtClean="0"/>
+              <a:t>Access pattern should be “Get all carts and project cart content and customer”.</a:t>
+            </a:r>
+          </a:p>
+          <a:p>
+            <a:endParaRPr lang="en-US" dirty="0"/>
+          </a:p>
+          <a:p>
+            <a:r>
+              <a:rPr lang="en-US" dirty="0" smtClean="0"/>
+              <a:t>Has update anomalies.</a:t>
+            </a:r>
+          </a:p>
+          <a:p>
+            <a:r>
+              <a:rPr lang="en-US" dirty="0" smtClean="0"/>
+              <a:t>No user document in this approach. Updating user information is tedious.</a:t>
+            </a:r>
+            <a:endParaRPr lang="en-US" dirty="0"/>
+          </a:p>
+          <a:p>
+            <a:r>
+              <a:rPr lang="en-US" dirty="0" smtClean="0"/>
+              <a:t>Larger disk footprint per cart.</a:t>
+            </a:r>
+          </a:p>
+        </p:txBody>
+      </p:sp>
+      <p:sp>
+        <p:nvSpPr>
+          <p:cNvPr id="6" name="Rounded Rectangle 5"/>
+          <p:cNvSpPr/>
+          <p:nvPr/>
+        </p:nvSpPr>
+        <p:spPr>
+          <a:xfrm>
+            <a:off x="5405120" y="3749040"/>
+            <a:ext cx="2755170" cy="1209040"/>
+          </a:xfrm>
+          <a:prstGeom prst="roundRect">
+            <a:avLst/>
+          </a:prstGeom>
+          <a:ln/>
+        </p:spPr>
+        <p:style>
+          <a:lnRef idx="2">
+            <a:schemeClr val="accent6"/>
+          </a:lnRef>
+          <a:fillRef idx="1">
+            <a:schemeClr val="lt1"/>
+          </a:fillRef>
+          <a:effectRef idx="0">
+            <a:schemeClr val="accent6"/>
+          </a:effectRef>
+          <a:fontRef idx="minor">
+            <a:schemeClr val="dk1"/>
+          </a:fontRef>
+        </p:style>
+        <p:txBody>
+          <a:bodyPr rot="0" spcFirstLastPara="0" vertOverflow="overflow" horzOverflow="overflow" vert="horz" wrap="square" lIns="91440" tIns="45720" rIns="91440" bIns="45720" numCol="1" spcCol="0" rtlCol="0" fromWordArt="0" anchor="t" anchorCtr="0" forceAA="0" compatLnSpc="1">
+            <a:prstTxWarp prst="textNoShape">
+              <a:avLst/>
+            </a:prstTxWarp>
+            <a:noAutofit/>
+          </a:bodyPr>
+          <a:lstStyle/>
+          <a:p>
+            <a:pPr>
+              <a:spcBef>
+                <a:spcPts val="600"/>
+              </a:spcBef>
+              <a:spcAft>
+                <a:spcPts val="400"/>
+              </a:spcAft>
+            </a:pPr>
+            <a:r>
+              <a:rPr lang="en-US" sz="1400" dirty="0" smtClean="0">
+                <a:solidFill>
+                  <a:schemeClr val="tx1"/>
+                </a:solidFill>
               </a:rPr>
-              <a:t>http://docs.mongodb.org/ecosystem/drivers</a:t>
-            </a:r>
-            <a:r>
-              <a:rPr lang="en-US" dirty="0" smtClean="0">
-                <a:hlinkClick r:id="rId2"/>
+              <a:t>Cart</a:t>
+            </a:r>
+          </a:p>
+          <a:p>
+            <a:pPr>
+              <a:spcBef>
+                <a:spcPts val="600"/>
+              </a:spcBef>
+              <a:spcAft>
+                <a:spcPts val="400"/>
+              </a:spcAft>
+            </a:pPr>
+            <a:r>
+              <a:rPr lang="en-US" sz="1400" dirty="0" err="1" smtClean="0">
+                <a:solidFill>
+                  <a:schemeClr val="tx1"/>
+                </a:solidFill>
               </a:rPr>
-              <a:t>/</a:t>
-            </a:r>
-            <a:endParaRPr lang="en-US" dirty="0" smtClean="0"/>
-          </a:p>
-          <a:p>
-            <a:endParaRPr lang="en-US" dirty="0"/>
-          </a:p>
-          <a:p>
-            <a:r>
-              <a:rPr lang="en-US" dirty="0" smtClean="0"/>
-              <a:t>Separate free online courses for Java, </a:t>
-            </a:r>
-            <a:r>
-              <a:rPr lang="en-US" dirty="0" err="1" smtClean="0"/>
-              <a:t>Node.js</a:t>
-            </a:r>
-            <a:r>
-              <a:rPr lang="en-US" dirty="0" smtClean="0"/>
-              <a:t>, .NET and </a:t>
-            </a:r>
-            <a:r>
-              <a:rPr lang="en-US" dirty="0"/>
-              <a:t>Python developers </a:t>
-            </a:r>
-            <a:r>
-              <a:rPr lang="en-US" dirty="0" smtClean="0"/>
-              <a:t>available at </a:t>
-            </a:r>
-            <a:r>
-              <a:rPr lang="en-US" dirty="0" smtClean="0">
-                <a:hlinkClick r:id="rId3"/>
+              <a:t>userId</a:t>
+            </a:r>
+            <a:r>
+              <a:rPr lang="en-US" sz="1400" dirty="0" smtClean="0">
+                <a:solidFill>
+                  <a:schemeClr val="tx1"/>
+                </a:solidFill>
               </a:rPr>
-              <a:t>https</a:t>
-            </a:r>
-            <a:r>
-              <a:rPr lang="en-US" dirty="0">
-                <a:hlinkClick r:id="rId3"/>
+              <a:t>: 42,</a:t>
+            </a:r>
+          </a:p>
+          <a:p>
+            <a:pPr>
+              <a:spcBef>
+                <a:spcPts val="600"/>
+              </a:spcBef>
+              <a:spcAft>
+                <a:spcPts val="400"/>
+              </a:spcAft>
+            </a:pPr>
+            <a:r>
+              <a:rPr lang="en-US" sz="1400" dirty="0" smtClean="0">
+                <a:solidFill>
+                  <a:schemeClr val="tx1"/>
+                </a:solidFill>
               </a:rPr>
-              <a:t>://university.mongodb.com</a:t>
-            </a:r>
-            <a:r>
-              <a:rPr lang="en-US" dirty="0" smtClean="0">
-                <a:hlinkClick r:id="rId3"/>
+              <a:t>Username: “Happy Customer”</a:t>
+            </a:r>
+          </a:p>
+        </p:txBody>
+      </p:sp>
+      <p:sp>
+        <p:nvSpPr>
+          <p:cNvPr id="8" name="Rounded Rectangle 7"/>
+          <p:cNvSpPr/>
+          <p:nvPr/>
+        </p:nvSpPr>
+        <p:spPr>
+          <a:xfrm>
+            <a:off x="5405120" y="5110480"/>
+            <a:ext cx="2755170" cy="1209040"/>
+          </a:xfrm>
+          <a:prstGeom prst="roundRect">
+            <a:avLst/>
+          </a:prstGeom>
+          <a:ln/>
+        </p:spPr>
+        <p:style>
+          <a:lnRef idx="2">
+            <a:schemeClr val="accent6"/>
+          </a:lnRef>
+          <a:fillRef idx="1">
+            <a:schemeClr val="lt1"/>
+          </a:fillRef>
+          <a:effectRef idx="0">
+            <a:schemeClr val="accent6"/>
+          </a:effectRef>
+          <a:fontRef idx="minor">
+            <a:schemeClr val="dk1"/>
+          </a:fontRef>
+        </p:style>
+        <p:txBody>
+          <a:bodyPr rot="0" spcFirstLastPara="0" vertOverflow="overflow" horzOverflow="overflow" vert="horz" wrap="square" lIns="91440" tIns="45720" rIns="91440" bIns="45720" numCol="1" spcCol="0" rtlCol="0" fromWordArt="0" anchor="t" anchorCtr="0" forceAA="0" compatLnSpc="1">
+            <a:prstTxWarp prst="textNoShape">
+              <a:avLst/>
+            </a:prstTxWarp>
+            <a:noAutofit/>
+          </a:bodyPr>
+          <a:lstStyle/>
+          <a:p>
+            <a:pPr>
+              <a:spcBef>
+                <a:spcPts val="600"/>
+              </a:spcBef>
+              <a:spcAft>
+                <a:spcPts val="400"/>
+              </a:spcAft>
+            </a:pPr>
+            <a:r>
+              <a:rPr lang="en-US" sz="1400" dirty="0" smtClean="0">
+                <a:solidFill>
+                  <a:schemeClr val="tx1"/>
+                </a:solidFill>
               </a:rPr>
-              <a:t>/</a:t>
-            </a:r>
-            <a:endParaRPr lang="en-US" dirty="0" smtClean="0"/>
-          </a:p>
-          <a:p>
-            <a:endParaRPr lang="en-US" dirty="0" smtClean="0"/>
-          </a:p>
-          <a:p>
-            <a:r>
-              <a:rPr lang="en-US" dirty="0" smtClean="0"/>
-              <a:t>Most of the videos they use in the </a:t>
-            </a:r>
-            <a:r>
-              <a:rPr lang="en-US" dirty="0"/>
-              <a:t>courses are here </a:t>
-            </a:r>
-            <a:r>
-              <a:rPr lang="en-US" dirty="0">
-                <a:hlinkClick r:id="rId4"/>
+              <a:t>Cart</a:t>
+            </a:r>
+          </a:p>
+          <a:p>
+            <a:pPr>
+              <a:spcBef>
+                <a:spcPts val="600"/>
+              </a:spcBef>
+              <a:spcAft>
+                <a:spcPts val="400"/>
+              </a:spcAft>
+            </a:pPr>
+            <a:r>
+              <a:rPr lang="en-US" sz="1400" dirty="0" err="1" smtClean="0">
+                <a:solidFill>
+                  <a:schemeClr val="tx1"/>
+                </a:solidFill>
               </a:rPr>
-              <a:t>https://www.youtube.com/channel/UCO6fpQsiBhglTVGsjC1on7A/</a:t>
-            </a:r>
-            <a:r>
-              <a:rPr lang="en-US" dirty="0" smtClean="0">
-                <a:hlinkClick r:id="rId4"/>
+              <a:t>userId</a:t>
+            </a:r>
+            <a:r>
+              <a:rPr lang="en-US" sz="1400" dirty="0" smtClean="0">
+                <a:solidFill>
+                  <a:schemeClr val="tx1"/>
+                </a:solidFill>
               </a:rPr>
-              <a:t>playlists</a:t>
-            </a:r>
-            <a:endParaRPr lang="en-US" dirty="0" smtClean="0"/>
-          </a:p>
-          <a:p>
-            <a:endParaRPr lang="en-US" dirty="0"/>
+              <a:t>: 42,</a:t>
+            </a:r>
+          </a:p>
+          <a:p>
+            <a:pPr>
+              <a:spcBef>
+                <a:spcPts val="600"/>
+              </a:spcBef>
+              <a:spcAft>
+                <a:spcPts val="400"/>
+              </a:spcAft>
+            </a:pPr>
+            <a:r>
+              <a:rPr lang="en-US" sz="1400" dirty="0" smtClean="0">
+                <a:solidFill>
+                  <a:schemeClr val="tx1"/>
+                </a:solidFill>
+              </a:rPr>
+              <a:t>Username: “Happy Customer”</a:t>
+            </a:r>
           </a:p>
         </p:txBody>
       </p:sp>
     </p:spTree>
     <p:extLst>
       <p:ext uri="{BB962C8B-B14F-4D97-AF65-F5344CB8AC3E}">
-        <p14:creationId xmlns:p14="http://schemas.microsoft.com/office/powerpoint/2010/main" val="1579256501"/>
+        <p14:creationId xmlns:p14="http://schemas.microsoft.com/office/powerpoint/2010/main" val="52466509"/>
       </p:ext>
     </p:extLst>
   </p:cSld>
@@ -15163,7 +15716,7 @@
         <p:spPr>
           <a:xfrm>
             <a:off x="321623" y="418905"/>
-            <a:ext cx="1800185" cy="307777"/>
+            <a:ext cx="3828704" cy="307777"/>
           </a:xfrm>
         </p:spPr>
         <p:txBody>
@@ -15172,7 +15725,7 @@
           <a:p>
             <a:r>
               <a:rPr lang="en-US" dirty="0" smtClean="0"/>
-              <a:t>Resources</a:t>
+              <a:t>Many-to-many approach</a:t>
             </a:r>
             <a:endParaRPr lang="en-US" dirty="0"/>
           </a:p>
@@ -15197,6 +15750,879 @@
               <a:rPr lang="en-US" smtClean="0"/>
               <a:pPr/>
               <a:t>24</a:t>
+            </a:fld>
+            <a:endParaRPr lang="en-US" dirty="0"/>
+          </a:p>
+        </p:txBody>
+      </p:sp>
+      <p:sp>
+        <p:nvSpPr>
+          <p:cNvPr id="4" name="Text Placeholder 3"/>
+          <p:cNvSpPr>
+            <a:spLocks noGrp="1"/>
+          </p:cNvSpPr>
+          <p:nvPr>
+            <p:ph type="body" sz="quarter" idx="11"/>
+          </p:nvPr>
+        </p:nvSpPr>
+        <p:spPr/>
+        <p:txBody>
+          <a:bodyPr/>
+          <a:lstStyle/>
+          <a:p>
+            <a:endParaRPr lang="en-US" dirty="0" smtClean="0"/>
+          </a:p>
+          <a:p>
+            <a:endParaRPr lang="en-US" dirty="0"/>
+          </a:p>
+          <a:p>
+            <a:r>
+              <a:rPr lang="en-US" dirty="0" smtClean="0"/>
+              <a:t>Complexity in application code.</a:t>
+            </a:r>
+          </a:p>
+          <a:p>
+            <a:endParaRPr lang="en-US" dirty="0"/>
+          </a:p>
+          <a:p>
+            <a:r>
+              <a:rPr lang="en-US" dirty="0" smtClean="0"/>
+              <a:t>Have update anomalies.</a:t>
+            </a:r>
+          </a:p>
+        </p:txBody>
+      </p:sp>
+      <p:sp>
+        <p:nvSpPr>
+          <p:cNvPr id="7" name="Rounded Rectangle 6"/>
+          <p:cNvSpPr/>
+          <p:nvPr/>
+        </p:nvSpPr>
+        <p:spPr>
+          <a:xfrm>
+            <a:off x="629920" y="3749040"/>
+            <a:ext cx="3039650" cy="2301240"/>
+          </a:xfrm>
+          <a:prstGeom prst="roundRect">
+            <a:avLst/>
+          </a:prstGeom>
+          <a:ln/>
+        </p:spPr>
+        <p:style>
+          <a:lnRef idx="2">
+            <a:schemeClr val="accent4"/>
+          </a:lnRef>
+          <a:fillRef idx="1">
+            <a:schemeClr val="lt1"/>
+          </a:fillRef>
+          <a:effectRef idx="0">
+            <a:schemeClr val="accent4"/>
+          </a:effectRef>
+          <a:fontRef idx="minor">
+            <a:schemeClr val="dk1"/>
+          </a:fontRef>
+        </p:style>
+        <p:txBody>
+          <a:bodyPr rot="0" spcFirstLastPara="0" vertOverflow="overflow" horzOverflow="overflow" vert="horz" wrap="square" lIns="91440" tIns="45720" rIns="91440" bIns="45720" numCol="1" spcCol="0" rtlCol="0" fromWordArt="0" anchor="t" anchorCtr="0" forceAA="0" compatLnSpc="1">
+            <a:prstTxWarp prst="textNoShape">
+              <a:avLst/>
+            </a:prstTxWarp>
+            <a:noAutofit/>
+          </a:bodyPr>
+          <a:lstStyle/>
+          <a:p>
+            <a:pPr>
+              <a:spcBef>
+                <a:spcPts val="600"/>
+              </a:spcBef>
+              <a:spcAft>
+                <a:spcPts val="400"/>
+              </a:spcAft>
+            </a:pPr>
+            <a:r>
+              <a:rPr lang="en-US" sz="1400" dirty="0" smtClean="0">
+                <a:solidFill>
+                  <a:schemeClr val="tx1"/>
+                </a:solidFill>
+              </a:rPr>
+              <a:t>User</a:t>
+            </a:r>
+          </a:p>
+          <a:p>
+            <a:pPr>
+              <a:spcBef>
+                <a:spcPts val="600"/>
+              </a:spcBef>
+              <a:spcAft>
+                <a:spcPts val="400"/>
+              </a:spcAft>
+            </a:pPr>
+            <a:r>
+              <a:rPr lang="en-US" sz="1400" dirty="0" smtClean="0">
+                <a:solidFill>
+                  <a:schemeClr val="tx1"/>
+                </a:solidFill>
+              </a:rPr>
+              <a:t>_id: 42</a:t>
+            </a:r>
+            <a:endParaRPr lang="en-US" sz="1400" dirty="0">
+              <a:solidFill>
+                <a:schemeClr val="tx1"/>
+              </a:solidFill>
+            </a:endParaRPr>
+          </a:p>
+          <a:p>
+            <a:pPr>
+              <a:spcBef>
+                <a:spcPts val="600"/>
+              </a:spcBef>
+              <a:spcAft>
+                <a:spcPts val="400"/>
+              </a:spcAft>
+            </a:pPr>
+            <a:r>
+              <a:rPr lang="en-US" sz="1400" dirty="0" smtClean="0">
+                <a:solidFill>
+                  <a:schemeClr val="tx1"/>
+                </a:solidFill>
+              </a:rPr>
+              <a:t>friends: [</a:t>
+            </a:r>
+          </a:p>
+          <a:p>
+            <a:pPr>
+              <a:spcBef>
+                <a:spcPts val="600"/>
+              </a:spcBef>
+              <a:spcAft>
+                <a:spcPts val="400"/>
+              </a:spcAft>
+            </a:pPr>
+            <a:r>
+              <a:rPr lang="en-US" sz="1400" dirty="0">
+                <a:solidFill>
+                  <a:schemeClr val="tx1"/>
+                </a:solidFill>
+              </a:rPr>
+              <a:t>	</a:t>
+            </a:r>
+            <a:r>
+              <a:rPr lang="en-US" sz="1400" dirty="0" smtClean="0">
+                <a:solidFill>
+                  <a:schemeClr val="tx1"/>
+                </a:solidFill>
+              </a:rPr>
+              <a:t>56,</a:t>
+            </a:r>
+          </a:p>
+          <a:p>
+            <a:pPr>
+              <a:spcBef>
+                <a:spcPts val="600"/>
+              </a:spcBef>
+              <a:spcAft>
+                <a:spcPts val="400"/>
+              </a:spcAft>
+            </a:pPr>
+            <a:r>
+              <a:rPr lang="en-US" sz="1400" dirty="0">
+                <a:solidFill>
+                  <a:schemeClr val="tx1"/>
+                </a:solidFill>
+              </a:rPr>
+              <a:t>	</a:t>
+            </a:r>
+            <a:r>
+              <a:rPr lang="en-US" sz="1400" dirty="0" smtClean="0">
+                <a:solidFill>
+                  <a:schemeClr val="tx1"/>
+                </a:solidFill>
+              </a:rPr>
+              <a:t>69</a:t>
+            </a:r>
+          </a:p>
+          <a:p>
+            <a:pPr>
+              <a:spcBef>
+                <a:spcPts val="600"/>
+              </a:spcBef>
+              <a:spcAft>
+                <a:spcPts val="400"/>
+              </a:spcAft>
+            </a:pPr>
+            <a:r>
+              <a:rPr lang="en-US" sz="1400" dirty="0">
+                <a:solidFill>
+                  <a:schemeClr val="tx1"/>
+                </a:solidFill>
+              </a:rPr>
+              <a:t>]</a:t>
+            </a:r>
+            <a:endParaRPr lang="en-US" sz="1400" dirty="0" smtClean="0">
+              <a:solidFill>
+                <a:schemeClr val="tx1"/>
+              </a:solidFill>
+            </a:endParaRPr>
+          </a:p>
+        </p:txBody>
+      </p:sp>
+      <p:sp>
+        <p:nvSpPr>
+          <p:cNvPr id="8" name="Rounded Rectangle 7"/>
+          <p:cNvSpPr/>
+          <p:nvPr/>
+        </p:nvSpPr>
+        <p:spPr>
+          <a:xfrm>
+            <a:off x="4947920" y="3749040"/>
+            <a:ext cx="3039650" cy="2301240"/>
+          </a:xfrm>
+          <a:prstGeom prst="roundRect">
+            <a:avLst/>
+          </a:prstGeom>
+          <a:ln/>
+        </p:spPr>
+        <p:style>
+          <a:lnRef idx="2">
+            <a:schemeClr val="accent4"/>
+          </a:lnRef>
+          <a:fillRef idx="1">
+            <a:schemeClr val="lt1"/>
+          </a:fillRef>
+          <a:effectRef idx="0">
+            <a:schemeClr val="accent4"/>
+          </a:effectRef>
+          <a:fontRef idx="minor">
+            <a:schemeClr val="dk1"/>
+          </a:fontRef>
+        </p:style>
+        <p:txBody>
+          <a:bodyPr rot="0" spcFirstLastPara="0" vertOverflow="overflow" horzOverflow="overflow" vert="horz" wrap="square" lIns="91440" tIns="45720" rIns="91440" bIns="45720" numCol="1" spcCol="0" rtlCol="0" fromWordArt="0" anchor="t" anchorCtr="0" forceAA="0" compatLnSpc="1">
+            <a:prstTxWarp prst="textNoShape">
+              <a:avLst/>
+            </a:prstTxWarp>
+            <a:noAutofit/>
+          </a:bodyPr>
+          <a:lstStyle/>
+          <a:p>
+            <a:pPr>
+              <a:spcBef>
+                <a:spcPts val="600"/>
+              </a:spcBef>
+              <a:spcAft>
+                <a:spcPts val="400"/>
+              </a:spcAft>
+            </a:pPr>
+            <a:r>
+              <a:rPr lang="en-US" sz="1400" dirty="0" smtClean="0">
+                <a:solidFill>
+                  <a:schemeClr val="tx1"/>
+                </a:solidFill>
+              </a:rPr>
+              <a:t>User</a:t>
+            </a:r>
+          </a:p>
+          <a:p>
+            <a:pPr>
+              <a:spcBef>
+                <a:spcPts val="600"/>
+              </a:spcBef>
+              <a:spcAft>
+                <a:spcPts val="400"/>
+              </a:spcAft>
+            </a:pPr>
+            <a:r>
+              <a:rPr lang="en-US" sz="1400" dirty="0" smtClean="0">
+                <a:solidFill>
+                  <a:schemeClr val="tx1"/>
+                </a:solidFill>
+              </a:rPr>
+              <a:t>_id: 56</a:t>
+            </a:r>
+            <a:endParaRPr lang="en-US" sz="1400" dirty="0">
+              <a:solidFill>
+                <a:schemeClr val="tx1"/>
+              </a:solidFill>
+            </a:endParaRPr>
+          </a:p>
+          <a:p>
+            <a:pPr>
+              <a:spcBef>
+                <a:spcPts val="600"/>
+              </a:spcBef>
+              <a:spcAft>
+                <a:spcPts val="400"/>
+              </a:spcAft>
+            </a:pPr>
+            <a:r>
+              <a:rPr lang="en-US" sz="1400" dirty="0" smtClean="0">
+                <a:solidFill>
+                  <a:schemeClr val="tx1"/>
+                </a:solidFill>
+              </a:rPr>
+              <a:t>friends: [</a:t>
+            </a:r>
+          </a:p>
+          <a:p>
+            <a:pPr>
+              <a:spcBef>
+                <a:spcPts val="600"/>
+              </a:spcBef>
+              <a:spcAft>
+                <a:spcPts val="400"/>
+              </a:spcAft>
+            </a:pPr>
+            <a:r>
+              <a:rPr lang="en-US" sz="1400" dirty="0">
+                <a:solidFill>
+                  <a:schemeClr val="tx1"/>
+                </a:solidFill>
+              </a:rPr>
+              <a:t>	</a:t>
+            </a:r>
+            <a:r>
+              <a:rPr lang="en-US" sz="1400" dirty="0" smtClean="0">
+                <a:solidFill>
+                  <a:schemeClr val="tx1"/>
+                </a:solidFill>
+              </a:rPr>
+              <a:t>42,</a:t>
+            </a:r>
+          </a:p>
+          <a:p>
+            <a:pPr>
+              <a:spcBef>
+                <a:spcPts val="600"/>
+              </a:spcBef>
+              <a:spcAft>
+                <a:spcPts val="400"/>
+              </a:spcAft>
+            </a:pPr>
+            <a:r>
+              <a:rPr lang="en-US" sz="1400" dirty="0">
+                <a:solidFill>
+                  <a:schemeClr val="tx1"/>
+                </a:solidFill>
+              </a:rPr>
+              <a:t>	</a:t>
+            </a:r>
+            <a:r>
+              <a:rPr lang="en-US" sz="1400" dirty="0" smtClean="0">
+                <a:solidFill>
+                  <a:schemeClr val="tx1"/>
+                </a:solidFill>
+              </a:rPr>
+              <a:t>69</a:t>
+            </a:r>
+          </a:p>
+          <a:p>
+            <a:pPr>
+              <a:spcBef>
+                <a:spcPts val="600"/>
+              </a:spcBef>
+              <a:spcAft>
+                <a:spcPts val="400"/>
+              </a:spcAft>
+            </a:pPr>
+            <a:r>
+              <a:rPr lang="en-US" sz="1400" dirty="0">
+                <a:solidFill>
+                  <a:schemeClr val="tx1"/>
+                </a:solidFill>
+              </a:rPr>
+              <a:t>]</a:t>
+            </a:r>
+            <a:endParaRPr lang="en-US" sz="1400" dirty="0" smtClean="0">
+              <a:solidFill>
+                <a:schemeClr val="tx1"/>
+              </a:solidFill>
+            </a:endParaRPr>
+          </a:p>
+        </p:txBody>
+      </p:sp>
+      <p:sp>
+        <p:nvSpPr>
+          <p:cNvPr id="9" name="TextBox 8"/>
+          <p:cNvSpPr txBox="1"/>
+          <p:nvPr/>
+        </p:nvSpPr>
+        <p:spPr>
+          <a:xfrm>
+            <a:off x="321623" y="1262063"/>
+            <a:ext cx="8102827" cy="353943"/>
+          </a:xfrm>
+          <a:prstGeom prst="rect">
+            <a:avLst/>
+          </a:prstGeom>
+          <a:noFill/>
+        </p:spPr>
+        <p:txBody>
+          <a:bodyPr wrap="square" rtlCol="0">
+            <a:spAutoFit/>
+          </a:bodyPr>
+          <a:lstStyle/>
+          <a:p>
+            <a:pPr>
+              <a:spcBef>
+                <a:spcPts val="600"/>
+              </a:spcBef>
+              <a:spcAft>
+                <a:spcPts val="400"/>
+              </a:spcAft>
+            </a:pPr>
+            <a:r>
+              <a:rPr lang="en-US" sz="1700" dirty="0" smtClean="0"/>
+              <a:t>By embedding references in both documents</a:t>
+            </a:r>
+          </a:p>
+        </p:txBody>
+      </p:sp>
+    </p:spTree>
+    <p:extLst>
+      <p:ext uri="{BB962C8B-B14F-4D97-AF65-F5344CB8AC3E}">
+        <p14:creationId xmlns:p14="http://schemas.microsoft.com/office/powerpoint/2010/main" val="3123632025"/>
+      </p:ext>
+    </p:extLst>
+  </p:cSld>
+  <p:clrMapOvr>
+    <a:masterClrMapping/>
+  </p:clrMapOvr>
+  <p:transition>
+    <p:fade thruBlk="1"/>
+  </p:transition>
+  <p:timing>
+    <p:tnLst>
+      <p:par>
+        <p:cTn id="1" dur="indefinite" restart="never" nodeType="tmRoot"/>
+      </p:par>
+    </p:tnLst>
+  </p:timing>
+</p:sld>
+</file>
+
+<file path=ppt/slides/slide25.xml><?xml version="1.0" encoding="utf-8"?>
+<p:sld xmlns:a="http://schemas.openxmlformats.org/drawingml/2006/main" xmlns:r="http://schemas.openxmlformats.org/officeDocument/2006/relationships" xmlns:p="http://schemas.openxmlformats.org/presentationml/2006/main">
+  <p:cSld>
+    <p:spTree>
+      <p:nvGrpSpPr>
+        <p:cNvPr id="1" name=""/>
+        <p:cNvGrpSpPr/>
+        <p:nvPr/>
+      </p:nvGrpSpPr>
+      <p:grpSpPr>
+        <a:xfrm>
+          <a:off x="0" y="0"/>
+          <a:ext cx="0" cy="0"/>
+          <a:chOff x="0" y="0"/>
+          <a:chExt cx="0" cy="0"/>
+        </a:xfrm>
+      </p:grpSpPr>
+      <p:sp>
+        <p:nvSpPr>
+          <p:cNvPr id="2" name="Title 1"/>
+          <p:cNvSpPr>
+            <a:spLocks noGrp="1"/>
+          </p:cNvSpPr>
+          <p:nvPr>
+            <p:ph type="title"/>
+          </p:nvPr>
+        </p:nvSpPr>
+        <p:spPr>
+          <a:xfrm>
+            <a:off x="321623" y="418905"/>
+            <a:ext cx="4647084" cy="307777"/>
+          </a:xfrm>
+        </p:spPr>
+        <p:txBody>
+          <a:bodyPr/>
+          <a:lstStyle/>
+          <a:p>
+            <a:r>
+              <a:rPr lang="en-US" i="0" dirty="0" smtClean="0"/>
+              <a:t>Structuring data in </a:t>
+            </a:r>
+            <a:r>
+              <a:rPr lang="en-US" i="0" dirty="0" err="1" smtClean="0"/>
+              <a:t>Mongodb</a:t>
+            </a:r>
+            <a:endParaRPr lang="en-US" i="0" dirty="0"/>
+          </a:p>
+        </p:txBody>
+      </p:sp>
+      <p:sp>
+        <p:nvSpPr>
+          <p:cNvPr id="3" name="Slide Number Placeholder 2"/>
+          <p:cNvSpPr>
+            <a:spLocks noGrp="1"/>
+          </p:cNvSpPr>
+          <p:nvPr>
+            <p:ph type="sldNum" sz="quarter" idx="10"/>
+          </p:nvPr>
+        </p:nvSpPr>
+        <p:spPr/>
+        <p:txBody>
+          <a:bodyPr/>
+          <a:lstStyle/>
+          <a:p>
+            <a:fld id="{FF67BF5B-7344-D747-A0C2-CBD7B2ACBC85}" type="slidenum">
+              <a:rPr lang="en-US" smtClean="0"/>
+              <a:pPr/>
+              <a:t>25</a:t>
+            </a:fld>
+            <a:endParaRPr lang="en-US" dirty="0"/>
+          </a:p>
+        </p:txBody>
+      </p:sp>
+      <p:sp>
+        <p:nvSpPr>
+          <p:cNvPr id="4" name="Text Placeholder 3"/>
+          <p:cNvSpPr>
+            <a:spLocks noGrp="1"/>
+          </p:cNvSpPr>
+          <p:nvPr>
+            <p:ph type="body" sz="quarter" idx="11"/>
+          </p:nvPr>
+        </p:nvSpPr>
+        <p:spPr/>
+        <p:txBody>
+          <a:bodyPr/>
+          <a:lstStyle/>
+          <a:p>
+            <a:r>
+              <a:rPr lang="en-US" dirty="0" smtClean="0"/>
+              <a:t>Keep data that you need together, together.</a:t>
+            </a:r>
+          </a:p>
+          <a:p>
+            <a:endParaRPr lang="en-US" dirty="0"/>
+          </a:p>
+          <a:p>
+            <a:r>
+              <a:rPr lang="en-US" dirty="0" smtClean="0"/>
+              <a:t>Related data should be kept in the same document.</a:t>
+            </a:r>
+          </a:p>
+          <a:p>
+            <a:endParaRPr lang="en-US" dirty="0"/>
+          </a:p>
+          <a:p>
+            <a:r>
+              <a:rPr lang="en-US" dirty="0" smtClean="0"/>
+              <a:t>Know your access pattern, design for it.</a:t>
+            </a:r>
+          </a:p>
+          <a:p>
+            <a:endParaRPr lang="en-US" dirty="0"/>
+          </a:p>
+          <a:p>
+            <a:r>
+              <a:rPr lang="en-US" dirty="0" smtClean="0"/>
+              <a:t>For most cases simply store the objects you have in your application.</a:t>
+            </a:r>
+            <a:endParaRPr lang="en-US" dirty="0"/>
+          </a:p>
+        </p:txBody>
+      </p:sp>
+    </p:spTree>
+    <p:extLst>
+      <p:ext uri="{BB962C8B-B14F-4D97-AF65-F5344CB8AC3E}">
+        <p14:creationId xmlns:p14="http://schemas.microsoft.com/office/powerpoint/2010/main" val="2408917308"/>
+      </p:ext>
+    </p:extLst>
+  </p:cSld>
+  <p:clrMapOvr>
+    <a:masterClrMapping/>
+  </p:clrMapOvr>
+  <p:transition>
+    <p:fade thruBlk="1"/>
+  </p:transition>
+  <p:timing>
+    <p:tnLst>
+      <p:par>
+        <p:cTn id="1" dur="indefinite" restart="never" nodeType="tmRoot"/>
+      </p:par>
+    </p:tnLst>
+  </p:timing>
+</p:sld>
+</file>
+
+<file path=ppt/slides/slide26.xml><?xml version="1.0" encoding="utf-8"?>
+<p:sld xmlns:a="http://schemas.openxmlformats.org/drawingml/2006/main" xmlns:r="http://schemas.openxmlformats.org/officeDocument/2006/relationships" xmlns:p="http://schemas.openxmlformats.org/presentationml/2006/main">
+  <p:cSld>
+    <p:spTree>
+      <p:nvGrpSpPr>
+        <p:cNvPr id="1" name=""/>
+        <p:cNvGrpSpPr/>
+        <p:nvPr/>
+      </p:nvGrpSpPr>
+      <p:grpSpPr>
+        <a:xfrm>
+          <a:off x="0" y="0"/>
+          <a:ext cx="0" cy="0"/>
+          <a:chOff x="0" y="0"/>
+          <a:chExt cx="0" cy="0"/>
+        </a:xfrm>
+      </p:grpSpPr>
+      <p:sp>
+        <p:nvSpPr>
+          <p:cNvPr id="2" name="Title 1"/>
+          <p:cNvSpPr>
+            <a:spLocks noGrp="1"/>
+          </p:cNvSpPr>
+          <p:nvPr>
+            <p:ph type="title"/>
+          </p:nvPr>
+        </p:nvSpPr>
+        <p:spPr>
+          <a:xfrm>
+            <a:off x="321623" y="418905"/>
+            <a:ext cx="2914692" cy="307777"/>
+          </a:xfrm>
+        </p:spPr>
+        <p:txBody>
+          <a:bodyPr/>
+          <a:lstStyle/>
+          <a:p>
+            <a:r>
+              <a:rPr lang="en-US" dirty="0" smtClean="0"/>
+              <a:t>LANGUAGE DRIVERS</a:t>
+            </a:r>
+            <a:endParaRPr lang="en-US" dirty="0"/>
+          </a:p>
+        </p:txBody>
+      </p:sp>
+      <p:sp>
+        <p:nvSpPr>
+          <p:cNvPr id="3" name="Slide Number Placeholder 2"/>
+          <p:cNvSpPr>
+            <a:spLocks noGrp="1"/>
+          </p:cNvSpPr>
+          <p:nvPr>
+            <p:ph type="sldNum" sz="quarter" idx="10"/>
+          </p:nvPr>
+        </p:nvSpPr>
+        <p:spPr/>
+        <p:txBody>
+          <a:bodyPr/>
+          <a:lstStyle/>
+          <a:p>
+            <a:fld id="{FF67BF5B-7344-D747-A0C2-CBD7B2ACBC85}" type="slidenum">
+              <a:rPr lang="en-US" smtClean="0"/>
+              <a:pPr/>
+              <a:t>26</a:t>
+            </a:fld>
+            <a:endParaRPr lang="en-US" dirty="0"/>
+          </a:p>
+        </p:txBody>
+      </p:sp>
+      <p:sp>
+        <p:nvSpPr>
+          <p:cNvPr id="4" name="Text Placeholder 3"/>
+          <p:cNvSpPr>
+            <a:spLocks noGrp="1"/>
+          </p:cNvSpPr>
+          <p:nvPr>
+            <p:ph type="body" sz="quarter" idx="11"/>
+          </p:nvPr>
+        </p:nvSpPr>
+        <p:spPr/>
+        <p:txBody>
+          <a:bodyPr/>
+          <a:lstStyle/>
+          <a:p>
+            <a:r>
+              <a:rPr lang="en-US" dirty="0" smtClean="0"/>
+              <a:t>Available and well supported in most languages.</a:t>
+            </a:r>
+          </a:p>
+          <a:p>
+            <a:endParaRPr lang="en-US" dirty="0"/>
+          </a:p>
+          <a:p>
+            <a:r>
+              <a:rPr lang="en-US" dirty="0" smtClean="0"/>
+              <a:t>Overview of </a:t>
+            </a:r>
+            <a:r>
+              <a:rPr lang="en-US" dirty="0"/>
+              <a:t>supported drivers: </a:t>
+            </a:r>
+            <a:r>
+              <a:rPr lang="en-US" dirty="0">
+                <a:hlinkClick r:id="rId2"/>
+              </a:rPr>
+              <a:t>http://docs.mongodb.org/ecosystem/drivers</a:t>
+            </a:r>
+            <a:r>
+              <a:rPr lang="en-US" dirty="0" smtClean="0">
+                <a:hlinkClick r:id="rId2"/>
+              </a:rPr>
+              <a:t>/</a:t>
+            </a:r>
+            <a:endParaRPr lang="en-US" dirty="0" smtClean="0"/>
+          </a:p>
+          <a:p>
+            <a:endParaRPr lang="en-US" dirty="0"/>
+          </a:p>
+          <a:p>
+            <a:r>
+              <a:rPr lang="en-US" dirty="0" smtClean="0"/>
+              <a:t>Separate free online courses for Java, </a:t>
+            </a:r>
+            <a:r>
+              <a:rPr lang="en-US" dirty="0" err="1" smtClean="0"/>
+              <a:t>Node.js</a:t>
+            </a:r>
+            <a:r>
+              <a:rPr lang="en-US" dirty="0" smtClean="0"/>
+              <a:t>, .NET and </a:t>
+            </a:r>
+            <a:r>
+              <a:rPr lang="en-US" dirty="0"/>
+              <a:t>Python developers </a:t>
+            </a:r>
+            <a:r>
+              <a:rPr lang="en-US" dirty="0" smtClean="0"/>
+              <a:t>available at </a:t>
+            </a:r>
+            <a:r>
+              <a:rPr lang="en-US" dirty="0" smtClean="0">
+                <a:hlinkClick r:id="rId3"/>
+              </a:rPr>
+              <a:t>https</a:t>
+            </a:r>
+            <a:r>
+              <a:rPr lang="en-US" dirty="0">
+                <a:hlinkClick r:id="rId3"/>
+              </a:rPr>
+              <a:t>://university.mongodb.com</a:t>
+            </a:r>
+            <a:r>
+              <a:rPr lang="en-US" dirty="0" smtClean="0">
+                <a:hlinkClick r:id="rId3"/>
+              </a:rPr>
+              <a:t>/</a:t>
+            </a:r>
+            <a:endParaRPr lang="en-US" dirty="0" smtClean="0"/>
+          </a:p>
+          <a:p>
+            <a:endParaRPr lang="en-US" dirty="0" smtClean="0"/>
+          </a:p>
+          <a:p>
+            <a:r>
+              <a:rPr lang="en-US" dirty="0" smtClean="0"/>
+              <a:t>Most of the videos they use in the </a:t>
+            </a:r>
+            <a:r>
+              <a:rPr lang="en-US" dirty="0"/>
+              <a:t>courses are here </a:t>
+            </a:r>
+            <a:r>
+              <a:rPr lang="en-US" dirty="0">
+                <a:hlinkClick r:id="rId4"/>
+              </a:rPr>
+              <a:t>https://www.youtube.com/channel/UCO6fpQsiBhglTVGsjC1on7A/</a:t>
+            </a:r>
+            <a:r>
+              <a:rPr lang="en-US" dirty="0" smtClean="0">
+                <a:hlinkClick r:id="rId4"/>
+              </a:rPr>
+              <a:t>playlists</a:t>
+            </a:r>
+            <a:endParaRPr lang="en-US" dirty="0" smtClean="0"/>
+          </a:p>
+          <a:p>
+            <a:endParaRPr lang="en-US" dirty="0"/>
+          </a:p>
+        </p:txBody>
+      </p:sp>
+    </p:spTree>
+    <p:extLst>
+      <p:ext uri="{BB962C8B-B14F-4D97-AF65-F5344CB8AC3E}">
+        <p14:creationId xmlns:p14="http://schemas.microsoft.com/office/powerpoint/2010/main" val="1579256501"/>
+      </p:ext>
+    </p:extLst>
+  </p:cSld>
+  <p:clrMapOvr>
+    <a:masterClrMapping/>
+  </p:clrMapOvr>
+  <p:transition>
+    <p:fade thruBlk="1"/>
+  </p:transition>
+  <p:timing>
+    <p:tnLst>
+      <p:par>
+        <p:cTn id="1" dur="indefinite" restart="never" nodeType="tmRoot"/>
+      </p:par>
+    </p:tnLst>
+  </p:timing>
+</p:sld>
+</file>
+
+<file path=ppt/slides/slide27.xml><?xml version="1.0" encoding="utf-8"?>
+<p:sld xmlns:a="http://schemas.openxmlformats.org/drawingml/2006/main" xmlns:r="http://schemas.openxmlformats.org/officeDocument/2006/relationships" xmlns:p="http://schemas.openxmlformats.org/presentationml/2006/main">
+  <p:cSld>
+    <p:spTree>
+      <p:nvGrpSpPr>
+        <p:cNvPr id="1" name=""/>
+        <p:cNvGrpSpPr/>
+        <p:nvPr/>
+      </p:nvGrpSpPr>
+      <p:grpSpPr>
+        <a:xfrm>
+          <a:off x="0" y="0"/>
+          <a:ext cx="0" cy="0"/>
+          <a:chOff x="0" y="0"/>
+          <a:chExt cx="0" cy="0"/>
+        </a:xfrm>
+      </p:grpSpPr>
+      <p:sp>
+        <p:nvSpPr>
+          <p:cNvPr id="2" name="Title 1"/>
+          <p:cNvSpPr>
+            <a:spLocks noGrp="1"/>
+          </p:cNvSpPr>
+          <p:nvPr>
+            <p:ph type="title"/>
+          </p:nvPr>
+        </p:nvSpPr>
+        <p:spPr>
+          <a:xfrm>
+            <a:off x="321623" y="418905"/>
+            <a:ext cx="1800185" cy="307777"/>
+          </a:xfrm>
+        </p:spPr>
+        <p:txBody>
+          <a:bodyPr/>
+          <a:lstStyle/>
+          <a:p>
+            <a:r>
+              <a:rPr lang="en-US" dirty="0" smtClean="0"/>
+              <a:t>Resources</a:t>
+            </a:r>
+            <a:endParaRPr lang="en-US" dirty="0"/>
+          </a:p>
+        </p:txBody>
+      </p:sp>
+      <p:sp>
+        <p:nvSpPr>
+          <p:cNvPr id="3" name="Slide Number Placeholder 2"/>
+          <p:cNvSpPr>
+            <a:spLocks noGrp="1"/>
+          </p:cNvSpPr>
+          <p:nvPr>
+            <p:ph type="sldNum" sz="quarter" idx="10"/>
+          </p:nvPr>
+        </p:nvSpPr>
+        <p:spPr/>
+        <p:txBody>
+          <a:bodyPr/>
+          <a:lstStyle/>
+          <a:p>
+            <a:fld id="{FF67BF5B-7344-D747-A0C2-CBD7B2ACBC85}" type="slidenum">
+              <a:rPr lang="en-US" smtClean="0"/>
+              <a:pPr/>
+              <a:t>27</a:t>
             </a:fld>
             <a:endParaRPr lang="en-US" dirty="0"/>
           </a:p>
@@ -17129,43 +18555,20 @@
       </p:grpSpPr>
       <p:sp>
         <p:nvSpPr>
-          <p:cNvPr id="2" name="Title 1"/>
+          <p:cNvPr id="3" name="Slide Number Placeholder 2"/>
           <p:cNvSpPr>
             <a:spLocks noGrp="1"/>
           </p:cNvSpPr>
           <p:nvPr>
-            <p:ph type="title"/>
-          </p:nvPr>
-        </p:nvSpPr>
-        <p:spPr>
-          <a:xfrm>
-            <a:off x="321623" y="418905"/>
-            <a:ext cx="3345579" cy="307777"/>
-          </a:xfrm>
-        </p:spPr>
-        <p:txBody>
-          <a:bodyPr/>
-          <a:lstStyle/>
-          <a:p>
-            <a:r>
-              <a:rPr lang="en-US" dirty="0" smtClean="0"/>
-              <a:t>Origins - humongous</a:t>
-            </a:r>
-            <a:endParaRPr lang="en-US" dirty="0"/>
-          </a:p>
-        </p:txBody>
-      </p:sp>
-      <p:sp>
-        <p:nvSpPr>
-          <p:cNvPr id="3" name="Slide Number Placeholder 2"/>
-          <p:cNvSpPr>
-            <a:spLocks noGrp="1"/>
-          </p:cNvSpPr>
-          <p:nvPr>
-            <p:ph type="sldNum" sz="quarter" idx="10"/>
-          </p:nvPr>
-        </p:nvSpPr>
-        <p:spPr/>
+            <p:ph type="sldNum" sz="quarter" idx="4294967295"/>
+          </p:nvPr>
+        </p:nvSpPr>
+        <p:spPr>
+          <a:xfrm>
+            <a:off x="8837613" y="431800"/>
+            <a:ext cx="306387" cy="276225"/>
+          </a:xfrm>
+        </p:spPr>
         <p:txBody>
           <a:bodyPr/>
           <a:lstStyle/>
@@ -17174,6 +18577,1439 @@
               <a:rPr lang="en-US" smtClean="0"/>
               <a:pPr/>
               <a:t>6</a:t>
+            </a:fld>
+            <a:endParaRPr lang="en-US" dirty="0"/>
+          </a:p>
+        </p:txBody>
+      </p:sp>
+      <p:sp>
+        <p:nvSpPr>
+          <p:cNvPr id="2" name="Title 1"/>
+          <p:cNvSpPr>
+            <a:spLocks noGrp="1"/>
+          </p:cNvSpPr>
+          <p:nvPr>
+            <p:ph type="ctrTitle" idx="4294967295"/>
+          </p:nvPr>
+        </p:nvSpPr>
+        <p:spPr>
+          <a:xfrm>
+            <a:off x="995423" y="2997200"/>
+            <a:ext cx="6316153" cy="1107996"/>
+          </a:xfrm>
+        </p:spPr>
+        <p:txBody>
+          <a:bodyPr/>
+          <a:lstStyle/>
+          <a:p>
+            <a:r>
+              <a:rPr lang="en-US" i="0" dirty="0"/>
+              <a:t>IMPEDANCE MISMATCH</a:t>
+            </a:r>
+            <a:br>
+              <a:rPr lang="en-US" i="0" dirty="0"/>
+            </a:br>
+            <a:r>
+              <a:rPr lang="en-US" dirty="0"/>
+              <a:t/>
+            </a:r>
+            <a:br>
+              <a:rPr lang="en-US" dirty="0"/>
+            </a:br>
+            <a:r>
+              <a:rPr lang="en-US" sz="1600" i="0" dirty="0" smtClean="0"/>
+              <a:t>relations in a relational database maps badly to a</a:t>
+            </a:r>
+            <a:br>
+              <a:rPr lang="en-US" sz="1600" i="0" dirty="0" smtClean="0"/>
+            </a:br>
+            <a:r>
+              <a:rPr lang="en-US" sz="1600" i="0" dirty="0" smtClean="0"/>
+              <a:t>object oriented paradigm</a:t>
+            </a:r>
+            <a:endParaRPr lang="en-US" sz="1600" dirty="0"/>
+          </a:p>
+        </p:txBody>
+      </p:sp>
+    </p:spTree>
+    <p:extLst>
+      <p:ext uri="{BB962C8B-B14F-4D97-AF65-F5344CB8AC3E}">
+        <p14:creationId xmlns:p14="http://schemas.microsoft.com/office/powerpoint/2010/main" val="14039445"/>
+      </p:ext>
+    </p:extLst>
+  </p:cSld>
+  <p:clrMapOvr>
+    <a:masterClrMapping/>
+  </p:clrMapOvr>
+  <p:transition>
+    <p:fade thruBlk="1"/>
+  </p:transition>
+</p:sld>
+</file>
+
+<file path=ppt/slides/slide7.xml><?xml version="1.0" encoding="utf-8"?>
+<p:sld xmlns:a="http://schemas.openxmlformats.org/drawingml/2006/main" xmlns:r="http://schemas.openxmlformats.org/officeDocument/2006/relationships" xmlns:p="http://schemas.openxmlformats.org/presentationml/2006/main">
+  <p:cSld>
+    <p:spTree>
+      <p:nvGrpSpPr>
+        <p:cNvPr id="1" name=""/>
+        <p:cNvGrpSpPr/>
+        <p:nvPr/>
+      </p:nvGrpSpPr>
+      <p:grpSpPr>
+        <a:xfrm>
+          <a:off x="0" y="0"/>
+          <a:ext cx="0" cy="0"/>
+          <a:chOff x="0" y="0"/>
+          <a:chExt cx="0" cy="0"/>
+        </a:xfrm>
+      </p:grpSpPr>
+      <p:sp>
+        <p:nvSpPr>
+          <p:cNvPr id="2" name="TextBox 1"/>
+          <p:cNvSpPr txBox="1"/>
+          <p:nvPr/>
+        </p:nvSpPr>
+        <p:spPr>
+          <a:xfrm>
+            <a:off x="321623" y="1388962"/>
+            <a:ext cx="4143737" cy="2339102"/>
+          </a:xfrm>
+          <a:prstGeom prst="rect">
+            <a:avLst/>
+          </a:prstGeom>
+          <a:solidFill>
+            <a:schemeClr val="tx2"/>
+          </a:solidFill>
+        </p:spPr>
+        <p:txBody>
+          <a:bodyPr wrap="square" rtlCol="0">
+            <a:spAutoFit/>
+          </a:bodyPr>
+          <a:lstStyle/>
+          <a:p>
+            <a:r>
+              <a:rPr lang="en-US" sz="1600" b="1" dirty="0">
+                <a:solidFill>
+                  <a:srgbClr val="FD5158"/>
+                </a:solidFill>
+                <a:latin typeface="Monaco" charset="0"/>
+              </a:rPr>
+              <a:t>class</a:t>
+            </a:r>
+            <a:r>
+              <a:rPr lang="en-US" sz="1600" dirty="0">
+                <a:solidFill>
+                  <a:srgbClr val="DDDDDD"/>
+                </a:solidFill>
+                <a:latin typeface="Monaco" charset="0"/>
+              </a:rPr>
+              <a:t> </a:t>
+            </a:r>
+            <a:r>
+              <a:rPr lang="en-US" sz="1600" b="1" dirty="0">
+                <a:solidFill>
+                  <a:srgbClr val="36BDB2"/>
+                </a:solidFill>
+                <a:latin typeface="Monaco" charset="0"/>
+              </a:rPr>
+              <a:t>Person</a:t>
+            </a:r>
+            <a:r>
+              <a:rPr lang="en-US" sz="1600" dirty="0">
+                <a:solidFill>
+                  <a:srgbClr val="DDDDDD"/>
+                </a:solidFill>
+                <a:latin typeface="Monaco" charset="0"/>
+              </a:rPr>
+              <a:t>{</a:t>
+            </a:r>
+          </a:p>
+          <a:p>
+            <a:r>
+              <a:rPr lang="en-US" sz="1600" b="1" dirty="0" smtClean="0">
+                <a:solidFill>
+                  <a:srgbClr val="FD5158"/>
+                </a:solidFill>
+                <a:latin typeface="Monaco" charset="0"/>
+              </a:rPr>
+              <a:t>	</a:t>
+            </a:r>
+            <a:r>
+              <a:rPr lang="en-US" sz="1600" b="1" dirty="0" err="1" smtClean="0">
+                <a:solidFill>
+                  <a:srgbClr val="FD5158"/>
+                </a:solidFill>
+                <a:latin typeface="Monaco" charset="0"/>
+              </a:rPr>
+              <a:t>int</a:t>
+            </a:r>
+            <a:r>
+              <a:rPr lang="en-US" sz="1600" dirty="0" smtClean="0">
+                <a:solidFill>
+                  <a:srgbClr val="DDDDDD"/>
+                </a:solidFill>
+                <a:latin typeface="Monaco" charset="0"/>
+              </a:rPr>
+              <a:t> </a:t>
+            </a:r>
+            <a:r>
+              <a:rPr lang="en-US" sz="1600" dirty="0">
+                <a:solidFill>
+                  <a:srgbClr val="DDDDDD"/>
+                </a:solidFill>
+                <a:latin typeface="Monaco" charset="0"/>
+              </a:rPr>
+              <a:t>id;</a:t>
+            </a:r>
+          </a:p>
+          <a:p>
+            <a:r>
+              <a:rPr lang="en-US" sz="1600" dirty="0" smtClean="0">
+                <a:solidFill>
+                  <a:srgbClr val="DDDDDD"/>
+                </a:solidFill>
+                <a:latin typeface="Monaco" charset="0"/>
+              </a:rPr>
+              <a:t>	String </a:t>
+            </a:r>
+            <a:r>
+              <a:rPr lang="en-US" sz="1600" dirty="0" err="1">
+                <a:solidFill>
+                  <a:srgbClr val="DDDDDD"/>
+                </a:solidFill>
+                <a:latin typeface="Monaco" charset="0"/>
+              </a:rPr>
+              <a:t>first_name</a:t>
+            </a:r>
+            <a:r>
+              <a:rPr lang="en-US" sz="1600" dirty="0">
+                <a:solidFill>
+                  <a:srgbClr val="DDDDDD"/>
+                </a:solidFill>
+                <a:latin typeface="Monaco" charset="0"/>
+              </a:rPr>
+              <a:t>;</a:t>
+            </a:r>
+          </a:p>
+          <a:p>
+            <a:r>
+              <a:rPr lang="en-US" sz="1600" dirty="0" smtClean="0">
+                <a:solidFill>
+                  <a:srgbClr val="DDDDDD"/>
+                </a:solidFill>
+                <a:latin typeface="Monaco" charset="0"/>
+              </a:rPr>
+              <a:t>	String </a:t>
+            </a:r>
+            <a:r>
+              <a:rPr lang="en-US" sz="1600" dirty="0" err="1">
+                <a:solidFill>
+                  <a:srgbClr val="DDDDDD"/>
+                </a:solidFill>
+                <a:latin typeface="Monaco" charset="0"/>
+              </a:rPr>
+              <a:t>last_name</a:t>
+            </a:r>
+            <a:r>
+              <a:rPr lang="en-US" sz="1600" dirty="0">
+                <a:solidFill>
+                  <a:srgbClr val="DDDDDD"/>
+                </a:solidFill>
+                <a:latin typeface="Monaco" charset="0"/>
+              </a:rPr>
+              <a:t>;</a:t>
+            </a:r>
+          </a:p>
+          <a:p>
+            <a:r>
+              <a:rPr lang="en-US" sz="1600" dirty="0" smtClean="0">
+                <a:solidFill>
+                  <a:srgbClr val="DDDDDD"/>
+                </a:solidFill>
+                <a:latin typeface="Monaco" charset="0"/>
+              </a:rPr>
+              <a:t>	String </a:t>
+            </a:r>
+            <a:r>
+              <a:rPr lang="en-US" sz="1600" dirty="0">
+                <a:solidFill>
+                  <a:srgbClr val="DDDDDD"/>
+                </a:solidFill>
+                <a:latin typeface="Monaco" charset="0"/>
+              </a:rPr>
+              <a:t>email;</a:t>
+            </a:r>
+          </a:p>
+          <a:p>
+            <a:r>
+              <a:rPr lang="en-US" sz="1600" dirty="0" smtClean="0">
+                <a:solidFill>
+                  <a:srgbClr val="DDDDDD"/>
+                </a:solidFill>
+                <a:latin typeface="Monaco" charset="0"/>
+              </a:rPr>
+              <a:t>	String </a:t>
+            </a:r>
+            <a:r>
+              <a:rPr lang="en-US" sz="1600" dirty="0">
+                <a:solidFill>
+                  <a:srgbClr val="DDDDDD"/>
+                </a:solidFill>
+                <a:latin typeface="Monaco" charset="0"/>
+              </a:rPr>
+              <a:t>country;</a:t>
+            </a:r>
+          </a:p>
+          <a:p>
+            <a:r>
+              <a:rPr lang="en-US" sz="1600" dirty="0" smtClean="0">
+                <a:solidFill>
+                  <a:srgbClr val="DDDDDD"/>
+                </a:solidFill>
+                <a:latin typeface="Monaco" charset="0"/>
+              </a:rPr>
+              <a:t>	List&lt;Drugs</a:t>
+            </a:r>
+            <a:r>
+              <a:rPr lang="en-US" sz="1600" dirty="0">
+                <a:solidFill>
+                  <a:srgbClr val="DDDDDD"/>
+                </a:solidFill>
+                <a:latin typeface="Monaco" charset="0"/>
+              </a:rPr>
+              <a:t>&gt; drugs;</a:t>
+            </a:r>
+          </a:p>
+          <a:p>
+            <a:r>
+              <a:rPr lang="en-US" sz="1600" dirty="0" smtClean="0">
+                <a:solidFill>
+                  <a:srgbClr val="DDDDDD"/>
+                </a:solidFill>
+                <a:latin typeface="Monaco" charset="0"/>
+              </a:rPr>
+              <a:t>	List&lt;</a:t>
+            </a:r>
+            <a:r>
+              <a:rPr lang="en-US" sz="1600" dirty="0" err="1" smtClean="0">
+                <a:solidFill>
+                  <a:srgbClr val="DDDDDD"/>
+                </a:solidFill>
+                <a:latin typeface="Monaco" charset="0"/>
+              </a:rPr>
+              <a:t>CreditCard</a:t>
+            </a:r>
+            <a:r>
+              <a:rPr lang="en-US" sz="1600" dirty="0">
+                <a:solidFill>
+                  <a:srgbClr val="DDDDDD"/>
+                </a:solidFill>
+                <a:latin typeface="Monaco" charset="0"/>
+              </a:rPr>
+              <a:t>&gt; cards;</a:t>
+            </a:r>
+          </a:p>
+          <a:p>
+            <a:r>
+              <a:rPr lang="en-US" sz="1600" dirty="0">
+                <a:solidFill>
+                  <a:srgbClr val="DDDDDD"/>
+                </a:solidFill>
+                <a:latin typeface="Monaco" charset="0"/>
+              </a:rPr>
+              <a:t>}</a:t>
+            </a:r>
+            <a:endParaRPr lang="en-US" sz="1600" b="0" i="0" dirty="0">
+              <a:solidFill>
+                <a:srgbClr val="DDDDDD"/>
+              </a:solidFill>
+              <a:effectLst/>
+              <a:latin typeface="Monaco" charset="0"/>
+            </a:endParaRPr>
+          </a:p>
+        </p:txBody>
+      </p:sp>
+      <p:sp>
+        <p:nvSpPr>
+          <p:cNvPr id="3" name="Title 2"/>
+          <p:cNvSpPr>
+            <a:spLocks noGrp="1"/>
+          </p:cNvSpPr>
+          <p:nvPr>
+            <p:ph type="title"/>
+          </p:nvPr>
+        </p:nvSpPr>
+        <p:spPr>
+          <a:xfrm>
+            <a:off x="321623" y="418905"/>
+            <a:ext cx="2854628" cy="307777"/>
+          </a:xfrm>
+        </p:spPr>
+        <p:txBody>
+          <a:bodyPr/>
+          <a:lstStyle/>
+          <a:p>
+            <a:r>
+              <a:rPr lang="en-US" dirty="0" smtClean="0"/>
+              <a:t>Et </a:t>
+            </a:r>
+            <a:r>
+              <a:rPr lang="en-US" dirty="0" err="1" smtClean="0"/>
+              <a:t>enkelt</a:t>
+            </a:r>
+            <a:r>
+              <a:rPr lang="en-US" dirty="0" smtClean="0"/>
+              <a:t> </a:t>
+            </a:r>
+            <a:r>
+              <a:rPr lang="en-US" dirty="0" err="1" smtClean="0"/>
+              <a:t>domene</a:t>
+            </a:r>
+            <a:endParaRPr lang="en-US" dirty="0"/>
+          </a:p>
+        </p:txBody>
+      </p:sp>
+      <p:sp>
+        <p:nvSpPr>
+          <p:cNvPr id="5" name="TextBox 4"/>
+          <p:cNvSpPr txBox="1"/>
+          <p:nvPr/>
+        </p:nvSpPr>
+        <p:spPr>
+          <a:xfrm>
+            <a:off x="4617759" y="3150243"/>
+            <a:ext cx="4143737" cy="1354217"/>
+          </a:xfrm>
+          <a:prstGeom prst="rect">
+            <a:avLst/>
+          </a:prstGeom>
+          <a:solidFill>
+            <a:schemeClr val="tx2"/>
+          </a:solidFill>
+        </p:spPr>
+        <p:txBody>
+          <a:bodyPr wrap="square" rtlCol="0">
+            <a:spAutoFit/>
+          </a:bodyPr>
+          <a:lstStyle/>
+          <a:p>
+            <a:r>
+              <a:rPr lang="en-US" sz="1600" b="1" dirty="0">
+                <a:solidFill>
+                  <a:srgbClr val="FD5158"/>
+                </a:solidFill>
+                <a:latin typeface="Monaco" charset="0"/>
+              </a:rPr>
+              <a:t>class</a:t>
+            </a:r>
+            <a:r>
+              <a:rPr lang="en-US" sz="1600" dirty="0">
+                <a:solidFill>
+                  <a:srgbClr val="DDDDDD"/>
+                </a:solidFill>
+                <a:latin typeface="Monaco" charset="0"/>
+              </a:rPr>
+              <a:t> </a:t>
+            </a:r>
+            <a:r>
+              <a:rPr lang="en-US" sz="1600" b="1" dirty="0">
+                <a:solidFill>
+                  <a:srgbClr val="36BDB2"/>
+                </a:solidFill>
+                <a:latin typeface="Monaco" charset="0"/>
+              </a:rPr>
+              <a:t>Card</a:t>
+            </a:r>
+            <a:r>
+              <a:rPr lang="en-US" sz="1600" dirty="0">
+                <a:solidFill>
+                  <a:srgbClr val="DDDDDD"/>
+                </a:solidFill>
+                <a:latin typeface="Monaco" charset="0"/>
+              </a:rPr>
+              <a:t>{</a:t>
+            </a:r>
+          </a:p>
+          <a:p>
+            <a:r>
+              <a:rPr lang="en-US" sz="1600" b="1" dirty="0" smtClean="0">
+                <a:solidFill>
+                  <a:srgbClr val="FD5158"/>
+                </a:solidFill>
+                <a:latin typeface="Monaco" charset="0"/>
+              </a:rPr>
+              <a:t>	</a:t>
+            </a:r>
+            <a:r>
+              <a:rPr lang="en-US" sz="1600" b="1" dirty="0" err="1" smtClean="0">
+                <a:solidFill>
+                  <a:srgbClr val="FD5158"/>
+                </a:solidFill>
+                <a:latin typeface="Monaco" charset="0"/>
+              </a:rPr>
+              <a:t>int</a:t>
+            </a:r>
+            <a:r>
+              <a:rPr lang="en-US" sz="1600" dirty="0" smtClean="0">
+                <a:solidFill>
+                  <a:srgbClr val="DDDDDD"/>
+                </a:solidFill>
+                <a:latin typeface="Monaco" charset="0"/>
+              </a:rPr>
+              <a:t> </a:t>
+            </a:r>
+            <a:r>
+              <a:rPr lang="en-US" sz="1600" dirty="0">
+                <a:solidFill>
+                  <a:srgbClr val="DDDDDD"/>
+                </a:solidFill>
+                <a:latin typeface="Monaco" charset="0"/>
+              </a:rPr>
+              <a:t>id;</a:t>
+            </a:r>
+          </a:p>
+          <a:p>
+            <a:r>
+              <a:rPr lang="en-US" sz="1600" dirty="0" smtClean="0">
+                <a:solidFill>
+                  <a:srgbClr val="DDDDDD"/>
+                </a:solidFill>
+                <a:latin typeface="Monaco" charset="0"/>
+              </a:rPr>
+              <a:t>	String </a:t>
+            </a:r>
+            <a:r>
+              <a:rPr lang="en-US" sz="1600" dirty="0">
+                <a:solidFill>
+                  <a:srgbClr val="DDDDDD"/>
+                </a:solidFill>
+                <a:latin typeface="Monaco" charset="0"/>
+              </a:rPr>
+              <a:t>type;</a:t>
+            </a:r>
+          </a:p>
+          <a:p>
+            <a:r>
+              <a:rPr lang="en-US" sz="1600" dirty="0" smtClean="0">
+                <a:solidFill>
+                  <a:srgbClr val="DDDDDD"/>
+                </a:solidFill>
+                <a:latin typeface="Monaco" charset="0"/>
+              </a:rPr>
+              <a:t>	String </a:t>
+            </a:r>
+            <a:r>
+              <a:rPr lang="en-US" sz="1600" dirty="0">
+                <a:solidFill>
+                  <a:srgbClr val="DDDDDD"/>
+                </a:solidFill>
+                <a:latin typeface="Monaco" charset="0"/>
+              </a:rPr>
+              <a:t>number;</a:t>
+            </a:r>
+          </a:p>
+          <a:p>
+            <a:r>
+              <a:rPr lang="en-US" sz="1600" dirty="0">
+                <a:solidFill>
+                  <a:srgbClr val="DDDDDD"/>
+                </a:solidFill>
+                <a:latin typeface="Monaco" charset="0"/>
+              </a:rPr>
+              <a:t>}</a:t>
+            </a:r>
+            <a:endParaRPr lang="en-US" sz="1600" b="0" i="0" dirty="0">
+              <a:solidFill>
+                <a:srgbClr val="DDDDDD"/>
+              </a:solidFill>
+              <a:effectLst/>
+              <a:latin typeface="Monaco" charset="0"/>
+            </a:endParaRPr>
+          </a:p>
+        </p:txBody>
+      </p:sp>
+      <p:sp>
+        <p:nvSpPr>
+          <p:cNvPr id="6" name="TextBox 5"/>
+          <p:cNvSpPr txBox="1"/>
+          <p:nvPr/>
+        </p:nvSpPr>
+        <p:spPr>
+          <a:xfrm>
+            <a:off x="4617760" y="1388962"/>
+            <a:ext cx="4143737" cy="1569660"/>
+          </a:xfrm>
+          <a:prstGeom prst="rect">
+            <a:avLst/>
+          </a:prstGeom>
+          <a:solidFill>
+            <a:schemeClr val="tx2"/>
+          </a:solidFill>
+        </p:spPr>
+        <p:txBody>
+          <a:bodyPr wrap="square" rtlCol="0">
+            <a:spAutoFit/>
+          </a:bodyPr>
+          <a:lstStyle/>
+          <a:p>
+            <a:r>
+              <a:rPr lang="en-US" sz="1600" b="1" dirty="0">
+                <a:solidFill>
+                  <a:srgbClr val="FD5158"/>
+                </a:solidFill>
+                <a:latin typeface="Monaco" charset="0"/>
+              </a:rPr>
+              <a:t>class</a:t>
+            </a:r>
+            <a:r>
+              <a:rPr lang="en-US" sz="1600" dirty="0">
+                <a:solidFill>
+                  <a:srgbClr val="DDDDDD"/>
+                </a:solidFill>
+                <a:latin typeface="Monaco" charset="0"/>
+              </a:rPr>
+              <a:t> </a:t>
+            </a:r>
+            <a:r>
+              <a:rPr lang="en-US" sz="1600" b="1" dirty="0">
+                <a:solidFill>
+                  <a:srgbClr val="36BDB2"/>
+                </a:solidFill>
+                <a:latin typeface="Monaco" charset="0"/>
+              </a:rPr>
+              <a:t>Drug</a:t>
+            </a:r>
+            <a:r>
+              <a:rPr lang="en-US" sz="1600" dirty="0">
+                <a:solidFill>
+                  <a:srgbClr val="DDDDDD"/>
+                </a:solidFill>
+                <a:latin typeface="Monaco" charset="0"/>
+              </a:rPr>
+              <a:t>{</a:t>
+            </a:r>
+          </a:p>
+          <a:p>
+            <a:r>
+              <a:rPr lang="en-US" sz="1600" b="1" dirty="0" smtClean="0">
+                <a:solidFill>
+                  <a:srgbClr val="FD5158"/>
+                </a:solidFill>
+                <a:latin typeface="Monaco" charset="0"/>
+              </a:rPr>
+              <a:t>	</a:t>
+            </a:r>
+            <a:r>
+              <a:rPr lang="en-US" sz="1600" b="1" dirty="0" err="1" smtClean="0">
+                <a:solidFill>
+                  <a:srgbClr val="FD5158"/>
+                </a:solidFill>
+                <a:latin typeface="Monaco" charset="0"/>
+              </a:rPr>
+              <a:t>int</a:t>
+            </a:r>
+            <a:r>
+              <a:rPr lang="en-US" sz="1600" dirty="0" smtClean="0">
+                <a:solidFill>
+                  <a:srgbClr val="DDDDDD"/>
+                </a:solidFill>
+                <a:latin typeface="Monaco" charset="0"/>
+              </a:rPr>
+              <a:t> </a:t>
+            </a:r>
+            <a:r>
+              <a:rPr lang="en-US" sz="1600" dirty="0">
+                <a:solidFill>
+                  <a:srgbClr val="DDDDDD"/>
+                </a:solidFill>
+                <a:latin typeface="Monaco" charset="0"/>
+              </a:rPr>
+              <a:t>id;</a:t>
+            </a:r>
+          </a:p>
+          <a:p>
+            <a:r>
+              <a:rPr lang="en-US" sz="1600" dirty="0" smtClean="0">
+                <a:solidFill>
+                  <a:srgbClr val="DDDDDD"/>
+                </a:solidFill>
+                <a:latin typeface="Monaco" charset="0"/>
+              </a:rPr>
+              <a:t>	String </a:t>
+            </a:r>
+            <a:r>
+              <a:rPr lang="en-US" sz="1600" dirty="0">
+                <a:solidFill>
+                  <a:srgbClr val="DDDDDD"/>
+                </a:solidFill>
+                <a:latin typeface="Monaco" charset="0"/>
+              </a:rPr>
+              <a:t>name;</a:t>
+            </a:r>
+          </a:p>
+          <a:p>
+            <a:r>
+              <a:rPr lang="en-US" sz="1600" dirty="0" smtClean="0">
+                <a:solidFill>
+                  <a:srgbClr val="DDDDDD"/>
+                </a:solidFill>
+                <a:latin typeface="Monaco" charset="0"/>
+              </a:rPr>
+              <a:t>	String </a:t>
+            </a:r>
+            <a:r>
+              <a:rPr lang="en-US" sz="1600" dirty="0">
+                <a:solidFill>
+                  <a:srgbClr val="DDDDDD"/>
+                </a:solidFill>
+                <a:latin typeface="Monaco" charset="0"/>
+              </a:rPr>
+              <a:t>number;</a:t>
+            </a:r>
+          </a:p>
+          <a:p>
+            <a:r>
+              <a:rPr lang="en-US" sz="1600" dirty="0" smtClean="0">
+                <a:solidFill>
+                  <a:srgbClr val="DDDDDD"/>
+                </a:solidFill>
+                <a:latin typeface="Monaco" charset="0"/>
+              </a:rPr>
+              <a:t>	String </a:t>
+            </a:r>
+            <a:r>
+              <a:rPr lang="en-US" sz="1600" dirty="0">
+                <a:solidFill>
+                  <a:srgbClr val="DDDDDD"/>
+                </a:solidFill>
+                <a:latin typeface="Monaco" charset="0"/>
+              </a:rPr>
+              <a:t>company;</a:t>
+            </a:r>
+          </a:p>
+          <a:p>
+            <a:r>
+              <a:rPr lang="en-US" sz="1600" dirty="0" smtClean="0">
+                <a:solidFill>
+                  <a:srgbClr val="DDDDDD"/>
+                </a:solidFill>
+                <a:latin typeface="Monaco" charset="0"/>
+              </a:rPr>
+              <a:t>}</a:t>
+            </a:r>
+            <a:endParaRPr lang="en-US" sz="1600" b="0" i="0" dirty="0">
+              <a:solidFill>
+                <a:srgbClr val="DDDDDD"/>
+              </a:solidFill>
+              <a:effectLst/>
+              <a:latin typeface="Monaco" charset="0"/>
+            </a:endParaRPr>
+          </a:p>
+        </p:txBody>
+      </p:sp>
+    </p:spTree>
+    <p:extLst>
+      <p:ext uri="{BB962C8B-B14F-4D97-AF65-F5344CB8AC3E}">
+        <p14:creationId xmlns:p14="http://schemas.microsoft.com/office/powerpoint/2010/main" val="129445112"/>
+      </p:ext>
+    </p:extLst>
+  </p:cSld>
+  <p:clrMapOvr>
+    <a:masterClrMapping/>
+  </p:clrMapOvr>
+  <p:transition>
+    <p:fade thruBlk="1"/>
+  </p:transition>
+</p:sld>
+</file>
+
+<file path=ppt/slides/slide8.xml><?xml version="1.0" encoding="utf-8"?>
+<p:sld xmlns:a="http://schemas.openxmlformats.org/drawingml/2006/main" xmlns:r="http://schemas.openxmlformats.org/officeDocument/2006/relationships" xmlns:p="http://schemas.openxmlformats.org/presentationml/2006/main">
+  <p:cSld>
+    <p:spTree>
+      <p:nvGrpSpPr>
+        <p:cNvPr id="1" name=""/>
+        <p:cNvGrpSpPr/>
+        <p:nvPr/>
+      </p:nvGrpSpPr>
+      <p:grpSpPr>
+        <a:xfrm>
+          <a:off x="0" y="0"/>
+          <a:ext cx="0" cy="0"/>
+          <a:chOff x="0" y="0"/>
+          <a:chExt cx="0" cy="0"/>
+        </a:xfrm>
+      </p:grpSpPr>
+      <p:sp>
+        <p:nvSpPr>
+          <p:cNvPr id="2" name="TextBox 1"/>
+          <p:cNvSpPr txBox="1"/>
+          <p:nvPr/>
+        </p:nvSpPr>
+        <p:spPr>
+          <a:xfrm>
+            <a:off x="321623" y="1388962"/>
+            <a:ext cx="8336240" cy="1323439"/>
+          </a:xfrm>
+          <a:prstGeom prst="rect">
+            <a:avLst/>
+          </a:prstGeom>
+          <a:solidFill>
+            <a:schemeClr val="tx2"/>
+          </a:solidFill>
+        </p:spPr>
+        <p:txBody>
+          <a:bodyPr wrap="square" rtlCol="0">
+            <a:spAutoFit/>
+          </a:bodyPr>
+          <a:lstStyle/>
+          <a:p>
+            <a:r>
+              <a:rPr lang="en-US" sz="1600" dirty="0">
+                <a:solidFill>
+                  <a:schemeClr val="bg1">
+                    <a:lumMod val="95000"/>
+                  </a:schemeClr>
+                </a:solidFill>
+              </a:rPr>
+              <a:t>SELECT </a:t>
+            </a:r>
+            <a:r>
+              <a:rPr lang="en-US" sz="1600" dirty="0" smtClean="0">
+                <a:solidFill>
+                  <a:schemeClr val="bg1">
+                    <a:lumMod val="95000"/>
+                  </a:schemeClr>
+                </a:solidFill>
+              </a:rPr>
+              <a:t>	persons</a:t>
+            </a:r>
+            <a:r>
+              <a:rPr lang="en-US" sz="1600" dirty="0">
+                <a:solidFill>
+                  <a:schemeClr val="bg1">
+                    <a:lumMod val="95000"/>
+                  </a:schemeClr>
+                </a:solidFill>
+              </a:rPr>
+              <a:t>.*, drugs.*, </a:t>
+            </a:r>
+            <a:r>
+              <a:rPr lang="en-US" sz="1600" dirty="0" err="1">
+                <a:solidFill>
+                  <a:schemeClr val="bg1">
+                    <a:lumMod val="95000"/>
+                  </a:schemeClr>
+                </a:solidFill>
+              </a:rPr>
+              <a:t>credit_cards</a:t>
+            </a:r>
+            <a:r>
+              <a:rPr lang="en-US" sz="1600" dirty="0">
+                <a:solidFill>
+                  <a:schemeClr val="bg1">
+                    <a:lumMod val="95000"/>
+                  </a:schemeClr>
+                </a:solidFill>
+              </a:rPr>
+              <a:t>.*</a:t>
+            </a:r>
+          </a:p>
+          <a:p>
+            <a:r>
+              <a:rPr lang="en-US" sz="1600" dirty="0">
+                <a:solidFill>
+                  <a:schemeClr val="bg1">
+                    <a:lumMod val="95000"/>
+                  </a:schemeClr>
+                </a:solidFill>
+              </a:rPr>
+              <a:t>FROM </a:t>
+            </a:r>
+            <a:r>
+              <a:rPr lang="en-US" sz="1600" dirty="0" smtClean="0">
+                <a:solidFill>
+                  <a:schemeClr val="bg1">
+                    <a:lumMod val="95000"/>
+                  </a:schemeClr>
+                </a:solidFill>
+              </a:rPr>
+              <a:t>	persons</a:t>
+            </a:r>
+            <a:r>
+              <a:rPr lang="en-US" sz="1600" dirty="0">
+                <a:solidFill>
+                  <a:schemeClr val="bg1">
+                    <a:lumMod val="95000"/>
+                  </a:schemeClr>
+                </a:solidFill>
+              </a:rPr>
+              <a:t>, drugs, </a:t>
+            </a:r>
+            <a:r>
+              <a:rPr lang="en-US" sz="1600" dirty="0" err="1">
+                <a:solidFill>
+                  <a:schemeClr val="bg1">
+                    <a:lumMod val="95000"/>
+                  </a:schemeClr>
+                </a:solidFill>
+              </a:rPr>
+              <a:t>credit_cards</a:t>
+            </a:r>
+            <a:endParaRPr lang="en-US" sz="1600" dirty="0">
+              <a:solidFill>
+                <a:schemeClr val="bg1">
+                  <a:lumMod val="95000"/>
+                </a:schemeClr>
+              </a:solidFill>
+            </a:endParaRPr>
+          </a:p>
+          <a:p>
+            <a:r>
+              <a:rPr lang="en-US" sz="1600" dirty="0">
+                <a:solidFill>
+                  <a:schemeClr val="bg1">
+                    <a:lumMod val="95000"/>
+                  </a:schemeClr>
+                </a:solidFill>
+              </a:rPr>
+              <a:t>WHERE </a:t>
+            </a:r>
+            <a:r>
+              <a:rPr lang="en-US" sz="1600" dirty="0" smtClean="0">
+                <a:solidFill>
+                  <a:schemeClr val="bg1">
+                    <a:lumMod val="95000"/>
+                  </a:schemeClr>
+                </a:solidFill>
+              </a:rPr>
+              <a:t>	</a:t>
+            </a:r>
+            <a:r>
+              <a:rPr lang="en-US" sz="1600" dirty="0" err="1" smtClean="0">
+                <a:solidFill>
+                  <a:schemeClr val="bg1">
+                    <a:lumMod val="95000"/>
+                  </a:schemeClr>
+                </a:solidFill>
+              </a:rPr>
+              <a:t>persons.id</a:t>
+            </a:r>
+            <a:r>
+              <a:rPr lang="en-US" sz="1600" dirty="0" smtClean="0">
+                <a:solidFill>
+                  <a:schemeClr val="bg1">
+                    <a:lumMod val="95000"/>
+                  </a:schemeClr>
+                </a:solidFill>
+              </a:rPr>
+              <a:t> </a:t>
+            </a:r>
+            <a:r>
+              <a:rPr lang="en-US" sz="1600" dirty="0">
+                <a:solidFill>
+                  <a:schemeClr val="bg1">
+                    <a:lumMod val="95000"/>
+                  </a:schemeClr>
+                </a:solidFill>
+              </a:rPr>
+              <a:t>= ? AND </a:t>
+            </a:r>
+            <a:endParaRPr lang="en-US" sz="1600" dirty="0" smtClean="0">
+              <a:solidFill>
+                <a:schemeClr val="bg1">
+                  <a:lumMod val="95000"/>
+                </a:schemeClr>
+              </a:solidFill>
+            </a:endParaRPr>
+          </a:p>
+          <a:p>
+            <a:r>
+              <a:rPr lang="en-US" sz="1600" dirty="0">
+                <a:solidFill>
+                  <a:schemeClr val="bg1">
+                    <a:lumMod val="95000"/>
+                  </a:schemeClr>
+                </a:solidFill>
+              </a:rPr>
+              <a:t>	</a:t>
+            </a:r>
+            <a:r>
+              <a:rPr lang="en-US" sz="1600" dirty="0" smtClean="0">
+                <a:solidFill>
+                  <a:schemeClr val="bg1">
+                    <a:lumMod val="95000"/>
+                  </a:schemeClr>
+                </a:solidFill>
+              </a:rPr>
+              <a:t>	</a:t>
+            </a:r>
+            <a:r>
+              <a:rPr lang="en-US" sz="1600" dirty="0" err="1" smtClean="0">
+                <a:solidFill>
+                  <a:schemeClr val="bg1">
+                    <a:lumMod val="95000"/>
+                  </a:schemeClr>
+                </a:solidFill>
+              </a:rPr>
+              <a:t>persons.id</a:t>
+            </a:r>
+            <a:r>
+              <a:rPr lang="en-US" sz="1600" dirty="0" smtClean="0">
+                <a:solidFill>
+                  <a:schemeClr val="bg1">
+                    <a:lumMod val="95000"/>
+                  </a:schemeClr>
+                </a:solidFill>
+              </a:rPr>
+              <a:t> </a:t>
+            </a:r>
+            <a:r>
+              <a:rPr lang="en-US" sz="1600" dirty="0">
+                <a:solidFill>
+                  <a:schemeClr val="bg1">
+                    <a:lumMod val="95000"/>
+                  </a:schemeClr>
+                </a:solidFill>
+              </a:rPr>
+              <a:t>= </a:t>
+            </a:r>
+            <a:r>
+              <a:rPr lang="en-US" sz="1600" dirty="0" err="1">
+                <a:solidFill>
+                  <a:schemeClr val="bg1">
+                    <a:lumMod val="95000"/>
+                  </a:schemeClr>
+                </a:solidFill>
+              </a:rPr>
+              <a:t>drugs.person_id</a:t>
+            </a:r>
+            <a:r>
+              <a:rPr lang="en-US" sz="1600" dirty="0">
+                <a:solidFill>
+                  <a:schemeClr val="bg1">
+                    <a:lumMod val="95000"/>
+                  </a:schemeClr>
+                </a:solidFill>
+              </a:rPr>
+              <a:t> AND </a:t>
+            </a:r>
+            <a:endParaRPr lang="en-US" sz="1600" dirty="0" smtClean="0">
+              <a:solidFill>
+                <a:schemeClr val="bg1">
+                  <a:lumMod val="95000"/>
+                </a:schemeClr>
+              </a:solidFill>
+            </a:endParaRPr>
+          </a:p>
+          <a:p>
+            <a:r>
+              <a:rPr lang="en-US" sz="1600" dirty="0">
+                <a:solidFill>
+                  <a:schemeClr val="bg1">
+                    <a:lumMod val="95000"/>
+                  </a:schemeClr>
+                </a:solidFill>
+              </a:rPr>
+              <a:t>	</a:t>
+            </a:r>
+            <a:r>
+              <a:rPr lang="en-US" sz="1600" dirty="0" smtClean="0">
+                <a:solidFill>
+                  <a:schemeClr val="bg1">
+                    <a:lumMod val="95000"/>
+                  </a:schemeClr>
+                </a:solidFill>
+              </a:rPr>
+              <a:t>	</a:t>
+            </a:r>
+            <a:r>
+              <a:rPr lang="en-US" sz="1600" dirty="0" err="1" smtClean="0">
+                <a:solidFill>
+                  <a:schemeClr val="bg1">
+                    <a:lumMod val="95000"/>
+                  </a:schemeClr>
+                </a:solidFill>
+              </a:rPr>
+              <a:t>persons.id</a:t>
+            </a:r>
+            <a:r>
+              <a:rPr lang="en-US" sz="1600" dirty="0" smtClean="0">
+                <a:solidFill>
+                  <a:schemeClr val="bg1">
+                    <a:lumMod val="95000"/>
+                  </a:schemeClr>
+                </a:solidFill>
+              </a:rPr>
+              <a:t> </a:t>
+            </a:r>
+            <a:r>
+              <a:rPr lang="en-US" sz="1600" dirty="0">
+                <a:solidFill>
+                  <a:schemeClr val="bg1">
+                    <a:lumMod val="95000"/>
+                  </a:schemeClr>
+                </a:solidFill>
+              </a:rPr>
+              <a:t>= </a:t>
+            </a:r>
+            <a:r>
+              <a:rPr lang="en-US" sz="1600" dirty="0" err="1">
+                <a:solidFill>
+                  <a:schemeClr val="bg1">
+                    <a:lumMod val="95000"/>
+                  </a:schemeClr>
+                </a:solidFill>
+              </a:rPr>
+              <a:t>credit_cards.person_id</a:t>
+            </a:r>
+            <a:endParaRPr lang="en-US" sz="1600" dirty="0">
+              <a:solidFill>
+                <a:schemeClr val="bg1">
+                  <a:lumMod val="95000"/>
+                </a:schemeClr>
+              </a:solidFill>
+            </a:endParaRPr>
+          </a:p>
+        </p:txBody>
+      </p:sp>
+      <p:sp>
+        <p:nvSpPr>
+          <p:cNvPr id="3" name="Title 2"/>
+          <p:cNvSpPr>
+            <a:spLocks noGrp="1"/>
+          </p:cNvSpPr>
+          <p:nvPr>
+            <p:ph type="title"/>
+          </p:nvPr>
+        </p:nvSpPr>
+        <p:spPr>
+          <a:xfrm>
+            <a:off x="321623" y="418905"/>
+            <a:ext cx="2776722" cy="307777"/>
+          </a:xfrm>
+        </p:spPr>
+        <p:txBody>
+          <a:bodyPr/>
+          <a:lstStyle/>
+          <a:p>
+            <a:r>
+              <a:rPr lang="en-US" i="0" dirty="0" err="1" smtClean="0"/>
+              <a:t>Denormalisation</a:t>
+            </a:r>
+            <a:endParaRPr lang="en-US" dirty="0"/>
+          </a:p>
+        </p:txBody>
+      </p:sp>
+      <p:sp>
+        <p:nvSpPr>
+          <p:cNvPr id="7" name="TextBox 6"/>
+          <p:cNvSpPr txBox="1"/>
+          <p:nvPr/>
+        </p:nvSpPr>
+        <p:spPr>
+          <a:xfrm>
+            <a:off x="321623" y="3485908"/>
+            <a:ext cx="8336240" cy="2800767"/>
+          </a:xfrm>
+          <a:prstGeom prst="rect">
+            <a:avLst/>
+          </a:prstGeom>
+          <a:solidFill>
+            <a:schemeClr val="tx2"/>
+          </a:solidFill>
+        </p:spPr>
+        <p:txBody>
+          <a:bodyPr wrap="square" rtlCol="0">
+            <a:spAutoFit/>
+          </a:bodyPr>
+          <a:lstStyle/>
+          <a:p>
+            <a:r>
+              <a:rPr lang="en-US" sz="1600" dirty="0">
+                <a:solidFill>
+                  <a:schemeClr val="bg1">
+                    <a:lumMod val="95000"/>
+                  </a:schemeClr>
+                </a:solidFill>
+              </a:rPr>
+              <a:t>SELECT *</a:t>
+            </a:r>
+          </a:p>
+          <a:p>
+            <a:r>
+              <a:rPr lang="en-US" sz="1600" dirty="0">
+                <a:solidFill>
+                  <a:schemeClr val="bg1">
+                    <a:lumMod val="95000"/>
+                  </a:schemeClr>
+                </a:solidFill>
+              </a:rPr>
+              <a:t>FROM persons</a:t>
+            </a:r>
+          </a:p>
+          <a:p>
+            <a:r>
+              <a:rPr lang="en-US" sz="1600" dirty="0">
+                <a:solidFill>
+                  <a:schemeClr val="bg1">
+                    <a:lumMod val="95000"/>
+                  </a:schemeClr>
+                </a:solidFill>
+              </a:rPr>
+              <a:t>WHERE id = </a:t>
+            </a:r>
+            <a:r>
+              <a:rPr lang="en-US" sz="1600" dirty="0" smtClean="0">
+                <a:solidFill>
+                  <a:schemeClr val="bg1">
+                    <a:lumMod val="95000"/>
+                  </a:schemeClr>
+                </a:solidFill>
+              </a:rPr>
+              <a:t>?</a:t>
+            </a:r>
+          </a:p>
+          <a:p>
+            <a:endParaRPr lang="en-US" sz="1600" dirty="0">
+              <a:solidFill>
+                <a:schemeClr val="bg1">
+                  <a:lumMod val="95000"/>
+                </a:schemeClr>
+              </a:solidFill>
+            </a:endParaRPr>
+          </a:p>
+          <a:p>
+            <a:r>
+              <a:rPr lang="en-US" sz="1600" dirty="0">
+                <a:solidFill>
+                  <a:schemeClr val="bg1">
+                    <a:lumMod val="95000"/>
+                  </a:schemeClr>
+                </a:solidFill>
+              </a:rPr>
+              <a:t>SELECT *</a:t>
+            </a:r>
+          </a:p>
+          <a:p>
+            <a:r>
+              <a:rPr lang="en-US" sz="1600" dirty="0">
+                <a:solidFill>
+                  <a:schemeClr val="bg1">
+                    <a:lumMod val="95000"/>
+                  </a:schemeClr>
+                </a:solidFill>
+              </a:rPr>
+              <a:t>FROM drugs</a:t>
+            </a:r>
+          </a:p>
+          <a:p>
+            <a:r>
+              <a:rPr lang="en-US" sz="1600" dirty="0">
+                <a:solidFill>
+                  <a:schemeClr val="bg1">
+                    <a:lumMod val="95000"/>
+                  </a:schemeClr>
+                </a:solidFill>
+              </a:rPr>
+              <a:t>WHERE </a:t>
+            </a:r>
+            <a:r>
+              <a:rPr lang="en-US" sz="1600" dirty="0" err="1">
+                <a:solidFill>
+                  <a:schemeClr val="bg1">
+                    <a:lumMod val="95000"/>
+                  </a:schemeClr>
+                </a:solidFill>
+              </a:rPr>
+              <a:t>person_id</a:t>
+            </a:r>
+            <a:r>
+              <a:rPr lang="en-US" sz="1600" dirty="0">
+                <a:solidFill>
+                  <a:schemeClr val="bg1">
+                    <a:lumMod val="95000"/>
+                  </a:schemeClr>
+                </a:solidFill>
+              </a:rPr>
+              <a:t> = </a:t>
+            </a:r>
+            <a:r>
+              <a:rPr lang="en-US" sz="1600" dirty="0" smtClean="0">
+                <a:solidFill>
+                  <a:schemeClr val="bg1">
+                    <a:lumMod val="95000"/>
+                  </a:schemeClr>
+                </a:solidFill>
+              </a:rPr>
+              <a:t>?</a:t>
+            </a:r>
+          </a:p>
+          <a:p>
+            <a:endParaRPr lang="en-US" sz="1600" dirty="0">
+              <a:solidFill>
+                <a:schemeClr val="bg1">
+                  <a:lumMod val="95000"/>
+                </a:schemeClr>
+              </a:solidFill>
+            </a:endParaRPr>
+          </a:p>
+          <a:p>
+            <a:r>
+              <a:rPr lang="en-US" sz="1600" dirty="0">
+                <a:solidFill>
+                  <a:schemeClr val="bg1">
+                    <a:lumMod val="95000"/>
+                  </a:schemeClr>
+                </a:solidFill>
+              </a:rPr>
+              <a:t>SELECT *</a:t>
+            </a:r>
+          </a:p>
+          <a:p>
+            <a:r>
+              <a:rPr lang="en-US" sz="1600" dirty="0">
+                <a:solidFill>
+                  <a:schemeClr val="bg1">
+                    <a:lumMod val="95000"/>
+                  </a:schemeClr>
+                </a:solidFill>
+              </a:rPr>
+              <a:t>FROM </a:t>
+            </a:r>
+            <a:r>
+              <a:rPr lang="en-US" sz="1600" dirty="0" err="1">
+                <a:solidFill>
+                  <a:schemeClr val="bg1">
+                    <a:lumMod val="95000"/>
+                  </a:schemeClr>
+                </a:solidFill>
+              </a:rPr>
+              <a:t>credit_cards</a:t>
+            </a:r>
+            <a:endParaRPr lang="en-US" sz="1600" dirty="0">
+              <a:solidFill>
+                <a:schemeClr val="bg1">
+                  <a:lumMod val="95000"/>
+                </a:schemeClr>
+              </a:solidFill>
+            </a:endParaRPr>
+          </a:p>
+          <a:p>
+            <a:r>
+              <a:rPr lang="en-US" sz="1600" dirty="0">
+                <a:solidFill>
+                  <a:schemeClr val="bg1">
+                    <a:lumMod val="95000"/>
+                  </a:schemeClr>
+                </a:solidFill>
+              </a:rPr>
+              <a:t>WHERE </a:t>
+            </a:r>
+            <a:r>
+              <a:rPr lang="en-US" sz="1600" dirty="0" err="1">
+                <a:solidFill>
+                  <a:schemeClr val="bg1">
+                    <a:lumMod val="95000"/>
+                  </a:schemeClr>
+                </a:solidFill>
+              </a:rPr>
+              <a:t>person_id</a:t>
+            </a:r>
+            <a:r>
+              <a:rPr lang="en-US" sz="1600" dirty="0">
+                <a:solidFill>
+                  <a:schemeClr val="bg1">
+                    <a:lumMod val="95000"/>
+                  </a:schemeClr>
+                </a:solidFill>
+              </a:rPr>
+              <a:t> = ?</a:t>
+            </a:r>
+          </a:p>
+        </p:txBody>
+      </p:sp>
+    </p:spTree>
+    <p:extLst>
+      <p:ext uri="{BB962C8B-B14F-4D97-AF65-F5344CB8AC3E}">
+        <p14:creationId xmlns:p14="http://schemas.microsoft.com/office/powerpoint/2010/main" val="81199989"/>
+      </p:ext>
+    </p:extLst>
+  </p:cSld>
+  <p:clrMapOvr>
+    <a:masterClrMapping/>
+  </p:clrMapOvr>
+  <p:transition>
+    <p:fade thruBlk="1"/>
+  </p:transition>
+</p:sld>
+</file>
+
+<file path=ppt/slides/slide9.xml><?xml version="1.0" encoding="utf-8"?>
+<p:sld xmlns:a="http://schemas.openxmlformats.org/drawingml/2006/main" xmlns:r="http://schemas.openxmlformats.org/officeDocument/2006/relationships" xmlns:p="http://schemas.openxmlformats.org/presentationml/2006/main">
+  <p:cSld>
+    <p:spTree>
+      <p:nvGrpSpPr>
+        <p:cNvPr id="1" name=""/>
+        <p:cNvGrpSpPr/>
+        <p:nvPr/>
+      </p:nvGrpSpPr>
+      <p:grpSpPr>
+        <a:xfrm>
+          <a:off x="0" y="0"/>
+          <a:ext cx="0" cy="0"/>
+          <a:chOff x="0" y="0"/>
+          <a:chExt cx="0" cy="0"/>
+        </a:xfrm>
+      </p:grpSpPr>
+      <p:sp>
+        <p:nvSpPr>
+          <p:cNvPr id="2" name="Title 1"/>
+          <p:cNvSpPr>
+            <a:spLocks noGrp="1"/>
+          </p:cNvSpPr>
+          <p:nvPr>
+            <p:ph type="title"/>
+          </p:nvPr>
+        </p:nvSpPr>
+        <p:spPr>
+          <a:xfrm>
+            <a:off x="321623" y="418905"/>
+            <a:ext cx="3345579" cy="307777"/>
+          </a:xfrm>
+        </p:spPr>
+        <p:txBody>
+          <a:bodyPr/>
+          <a:lstStyle/>
+          <a:p>
+            <a:r>
+              <a:rPr lang="en-US" dirty="0" smtClean="0"/>
+              <a:t>Origins - humongous</a:t>
+            </a:r>
+            <a:endParaRPr lang="en-US" dirty="0"/>
+          </a:p>
+        </p:txBody>
+      </p:sp>
+      <p:sp>
+        <p:nvSpPr>
+          <p:cNvPr id="3" name="Slide Number Placeholder 2"/>
+          <p:cNvSpPr>
+            <a:spLocks noGrp="1"/>
+          </p:cNvSpPr>
+          <p:nvPr>
+            <p:ph type="sldNum" sz="quarter" idx="10"/>
+          </p:nvPr>
+        </p:nvSpPr>
+        <p:spPr/>
+        <p:txBody>
+          <a:bodyPr/>
+          <a:lstStyle/>
+          <a:p>
+            <a:fld id="{FF67BF5B-7344-D747-A0C2-CBD7B2ACBC85}" type="slidenum">
+              <a:rPr lang="en-US" smtClean="0"/>
+              <a:pPr/>
+              <a:t>9</a:t>
             </a:fld>
             <a:endParaRPr lang="en-US" dirty="0"/>
           </a:p>
@@ -17573,620 +20409,6 @@
     <p:extLst>
       <p:ext uri="{BB962C8B-B14F-4D97-AF65-F5344CB8AC3E}">
         <p14:creationId xmlns:p14="http://schemas.microsoft.com/office/powerpoint/2010/main" val="3379566222"/>
-      </p:ext>
-    </p:extLst>
-  </p:cSld>
-  <p:clrMapOvr>
-    <a:masterClrMapping/>
-  </p:clrMapOvr>
-  <p:transition>
-    <p:fade thruBlk="1"/>
-  </p:transition>
-  <p:timing>
-    <p:tnLst>
-      <p:par>
-        <p:cTn id="1" dur="indefinite" restart="never" nodeType="tmRoot"/>
-      </p:par>
-    </p:tnLst>
-  </p:timing>
-</p:sld>
-</file>
-
-<file path=ppt/slides/slide7.xml><?xml version="1.0" encoding="utf-8"?>
-<p:sld xmlns:a="http://schemas.openxmlformats.org/drawingml/2006/main" xmlns:r="http://schemas.openxmlformats.org/officeDocument/2006/relationships" xmlns:p="http://schemas.openxmlformats.org/presentationml/2006/main">
-  <p:cSld>
-    <p:spTree>
-      <p:nvGrpSpPr>
-        <p:cNvPr id="1" name=""/>
-        <p:cNvGrpSpPr/>
-        <p:nvPr/>
-      </p:nvGrpSpPr>
-      <p:grpSpPr>
-        <a:xfrm>
-          <a:off x="0" y="0"/>
-          <a:ext cx="0" cy="0"/>
-          <a:chOff x="0" y="0"/>
-          <a:chExt cx="0" cy="0"/>
-        </a:xfrm>
-      </p:grpSpPr>
-      <p:sp>
-        <p:nvSpPr>
-          <p:cNvPr id="2" name="Title 1"/>
-          <p:cNvSpPr>
-            <a:spLocks noGrp="1"/>
-          </p:cNvSpPr>
-          <p:nvPr>
-            <p:ph type="title"/>
-          </p:nvPr>
-        </p:nvSpPr>
-        <p:spPr>
-          <a:xfrm>
-            <a:off x="321623" y="418905"/>
-            <a:ext cx="1877790" cy="307777"/>
-          </a:xfrm>
-        </p:spPr>
-        <p:txBody>
-          <a:bodyPr/>
-          <a:lstStyle/>
-          <a:p>
-            <a:r>
-              <a:rPr lang="en-US" dirty="0" smtClean="0"/>
-              <a:t>Trade-offs</a:t>
-            </a:r>
-            <a:endParaRPr lang="en-US" dirty="0"/>
-          </a:p>
-        </p:txBody>
-      </p:sp>
-      <p:sp>
-        <p:nvSpPr>
-          <p:cNvPr id="3" name="Text Placeholder 2"/>
-          <p:cNvSpPr>
-            <a:spLocks noGrp="1"/>
-          </p:cNvSpPr>
-          <p:nvPr>
-            <p:ph type="body" sz="quarter" idx="11"/>
-          </p:nvPr>
-        </p:nvSpPr>
-        <p:spPr/>
-        <p:txBody>
-          <a:bodyPr/>
-          <a:lstStyle/>
-          <a:p>
-            <a:r>
-              <a:rPr lang="en-US" dirty="0" smtClean="0"/>
-              <a:t>No support for joining data between documents in database.</a:t>
-            </a:r>
-          </a:p>
-          <a:p>
-            <a:endParaRPr lang="en-US" dirty="0" smtClean="0"/>
-          </a:p>
-          <a:p>
-            <a:r>
-              <a:rPr lang="en-US" dirty="0" smtClean="0"/>
-              <a:t>Joins can in many cases be avoided by embedding or </a:t>
-            </a:r>
-            <a:r>
-              <a:rPr lang="en-US" dirty="0" err="1" smtClean="0"/>
-              <a:t>denormalizing</a:t>
-            </a:r>
-            <a:r>
-              <a:rPr lang="en-US" dirty="0" smtClean="0"/>
-              <a:t> data.</a:t>
-            </a:r>
-          </a:p>
-          <a:p>
-            <a:endParaRPr lang="en-US" dirty="0"/>
-          </a:p>
-          <a:p>
-            <a:r>
-              <a:rPr lang="en-US" dirty="0" smtClean="0"/>
-              <a:t>Last resort is to join data in application code.</a:t>
-            </a:r>
-          </a:p>
-        </p:txBody>
-      </p:sp>
-      <p:sp>
-        <p:nvSpPr>
-          <p:cNvPr id="4" name="Text Placeholder 3"/>
-          <p:cNvSpPr>
-            <a:spLocks noGrp="1"/>
-          </p:cNvSpPr>
-          <p:nvPr>
-            <p:ph type="body" sz="quarter" idx="12"/>
-          </p:nvPr>
-        </p:nvSpPr>
-        <p:spPr/>
-        <p:txBody>
-          <a:bodyPr/>
-          <a:lstStyle/>
-          <a:p>
-            <a:r>
-              <a:rPr lang="en-US" dirty="0" smtClean="0"/>
-              <a:t>No support for transactions. </a:t>
-            </a:r>
-          </a:p>
-          <a:p>
-            <a:endParaRPr lang="en-US" dirty="0"/>
-          </a:p>
-          <a:p>
-            <a:r>
-              <a:rPr lang="en-US" dirty="0" err="1" smtClean="0"/>
-              <a:t>Atomical</a:t>
-            </a:r>
-            <a:r>
-              <a:rPr lang="en-US" dirty="0" smtClean="0"/>
-              <a:t> write operations on a per-document level.</a:t>
-            </a:r>
-          </a:p>
-          <a:p>
-            <a:endParaRPr lang="en-US" dirty="0" smtClean="0"/>
-          </a:p>
-          <a:p>
-            <a:r>
-              <a:rPr lang="en-US" dirty="0" smtClean="0"/>
-              <a:t>Work around by embedding or application code.</a:t>
-            </a:r>
-            <a:endParaRPr lang="en-US" dirty="0"/>
-          </a:p>
-          <a:p>
-            <a:endParaRPr lang="en-US" dirty="0" smtClean="0"/>
-          </a:p>
-          <a:p>
-            <a:endParaRPr lang="en-US" dirty="0"/>
-          </a:p>
-        </p:txBody>
-      </p:sp>
-      <p:sp>
-        <p:nvSpPr>
-          <p:cNvPr id="5" name="Slide Number Placeholder 4"/>
-          <p:cNvSpPr>
-            <a:spLocks noGrp="1"/>
-          </p:cNvSpPr>
-          <p:nvPr>
-            <p:ph type="sldNum" sz="quarter" idx="4"/>
-          </p:nvPr>
-        </p:nvSpPr>
-        <p:spPr/>
-        <p:txBody>
-          <a:bodyPr/>
-          <a:lstStyle/>
-          <a:p>
-            <a:fld id="{FF67BF5B-7344-D747-A0C2-CBD7B2ACBC85}" type="slidenum">
-              <a:rPr lang="en-US" smtClean="0"/>
-              <a:pPr/>
-              <a:t>7</a:t>
-            </a:fld>
-            <a:endParaRPr lang="en-US" dirty="0"/>
-          </a:p>
-        </p:txBody>
-      </p:sp>
-      <p:sp>
-        <p:nvSpPr>
-          <p:cNvPr id="6" name="Text Placeholder 5"/>
-          <p:cNvSpPr>
-            <a:spLocks noGrp="1"/>
-          </p:cNvSpPr>
-          <p:nvPr>
-            <p:ph type="body" sz="quarter" idx="13"/>
-          </p:nvPr>
-        </p:nvSpPr>
-        <p:spPr>
-          <a:xfrm>
-            <a:off x="331394" y="1272002"/>
-            <a:ext cx="953171" cy="276999"/>
-          </a:xfrm>
-        </p:spPr>
-        <p:txBody>
-          <a:bodyPr/>
-          <a:lstStyle/>
-          <a:p>
-            <a:r>
-              <a:rPr lang="en-US" dirty="0" smtClean="0"/>
-              <a:t>÷ Joins</a:t>
-            </a:r>
-            <a:endParaRPr lang="en-US" dirty="0"/>
-          </a:p>
-        </p:txBody>
-      </p:sp>
-      <p:sp>
-        <p:nvSpPr>
-          <p:cNvPr id="7" name="Text Placeholder 6"/>
-          <p:cNvSpPr>
-            <a:spLocks noGrp="1"/>
-          </p:cNvSpPr>
-          <p:nvPr>
-            <p:ph type="body" sz="quarter" idx="14"/>
-          </p:nvPr>
-        </p:nvSpPr>
-        <p:spPr>
-          <a:xfrm>
-            <a:off x="4632714" y="1272002"/>
-            <a:ext cx="1724341" cy="276999"/>
-          </a:xfrm>
-        </p:spPr>
-        <p:txBody>
-          <a:bodyPr/>
-          <a:lstStyle/>
-          <a:p>
-            <a:r>
-              <a:rPr lang="en-US" dirty="0" smtClean="0"/>
-              <a:t>÷ Transactions</a:t>
-            </a:r>
-            <a:endParaRPr lang="en-US" dirty="0"/>
-          </a:p>
-        </p:txBody>
-      </p:sp>
-    </p:spTree>
-    <p:extLst>
-      <p:ext uri="{BB962C8B-B14F-4D97-AF65-F5344CB8AC3E}">
-        <p14:creationId xmlns:p14="http://schemas.microsoft.com/office/powerpoint/2010/main" val="4253114601"/>
-      </p:ext>
-    </p:extLst>
-  </p:cSld>
-  <p:clrMapOvr>
-    <a:masterClrMapping/>
-  </p:clrMapOvr>
-  <p:transition>
-    <p:fade thruBlk="1"/>
-  </p:transition>
-  <p:timing>
-    <p:tnLst>
-      <p:par>
-        <p:cTn id="1" dur="indefinite" restart="never" nodeType="tmRoot"/>
-      </p:par>
-    </p:tnLst>
-  </p:timing>
-</p:sld>
-</file>
-
-<file path=ppt/slides/slide8.xml><?xml version="1.0" encoding="utf-8"?>
-<p:sld xmlns:a="http://schemas.openxmlformats.org/drawingml/2006/main" xmlns:r="http://schemas.openxmlformats.org/officeDocument/2006/relationships" xmlns:p="http://schemas.openxmlformats.org/presentationml/2006/main">
-  <p:cSld>
-    <p:spTree>
-      <p:nvGrpSpPr>
-        <p:cNvPr id="1" name=""/>
-        <p:cNvGrpSpPr/>
-        <p:nvPr/>
-      </p:nvGrpSpPr>
-      <p:grpSpPr>
-        <a:xfrm>
-          <a:off x="0" y="0"/>
-          <a:ext cx="0" cy="0"/>
-          <a:chOff x="0" y="0"/>
-          <a:chExt cx="0" cy="0"/>
-        </a:xfrm>
-      </p:grpSpPr>
-      <p:sp>
-        <p:nvSpPr>
-          <p:cNvPr id="2" name="Title 1"/>
-          <p:cNvSpPr>
-            <a:spLocks noGrp="1"/>
-          </p:cNvSpPr>
-          <p:nvPr>
-            <p:ph type="title"/>
-          </p:nvPr>
-        </p:nvSpPr>
-        <p:spPr>
-          <a:xfrm>
-            <a:off x="321623" y="418905"/>
-            <a:ext cx="2252797" cy="307777"/>
-          </a:xfrm>
-        </p:spPr>
-        <p:txBody>
-          <a:bodyPr/>
-          <a:lstStyle/>
-          <a:p>
-            <a:r>
-              <a:rPr lang="en-US" dirty="0" smtClean="0"/>
-              <a:t>Trade-Wins(?)</a:t>
-            </a:r>
-            <a:endParaRPr lang="en-US" dirty="0"/>
-          </a:p>
-        </p:txBody>
-      </p:sp>
-      <p:sp>
-        <p:nvSpPr>
-          <p:cNvPr id="3" name="Text Placeholder 2"/>
-          <p:cNvSpPr>
-            <a:spLocks noGrp="1"/>
-          </p:cNvSpPr>
-          <p:nvPr>
-            <p:ph type="body" sz="quarter" idx="11"/>
-          </p:nvPr>
-        </p:nvSpPr>
-        <p:spPr/>
-        <p:txBody>
-          <a:bodyPr/>
-          <a:lstStyle/>
-          <a:p>
-            <a:r>
-              <a:rPr lang="en-US" dirty="0" err="1" smtClean="0"/>
-              <a:t>MongoDB</a:t>
-            </a:r>
-            <a:r>
-              <a:rPr lang="en-US" dirty="0" smtClean="0"/>
-              <a:t> does not enforce any schema.</a:t>
-            </a:r>
-          </a:p>
-          <a:p>
-            <a:endParaRPr lang="en-US" dirty="0"/>
-          </a:p>
-          <a:p>
-            <a:r>
-              <a:rPr lang="en-US" dirty="0" smtClean="0"/>
-              <a:t>Easier to get started.</a:t>
-            </a:r>
-          </a:p>
-          <a:p>
-            <a:endParaRPr lang="en-US" dirty="0"/>
-          </a:p>
-          <a:p>
-            <a:r>
-              <a:rPr lang="en-US" dirty="0" smtClean="0"/>
-              <a:t>Gives a lot of freedom and responsibility to the developer.</a:t>
-            </a:r>
-            <a:endParaRPr lang="en-US" dirty="0"/>
-          </a:p>
-        </p:txBody>
-      </p:sp>
-      <p:sp>
-        <p:nvSpPr>
-          <p:cNvPr id="4" name="Text Placeholder 3"/>
-          <p:cNvSpPr>
-            <a:spLocks noGrp="1"/>
-          </p:cNvSpPr>
-          <p:nvPr>
-            <p:ph type="body" sz="quarter" idx="12"/>
-          </p:nvPr>
-        </p:nvSpPr>
-        <p:spPr/>
-        <p:txBody>
-          <a:bodyPr/>
-          <a:lstStyle/>
-          <a:p>
-            <a:r>
-              <a:rPr lang="en-US" dirty="0" smtClean="0"/>
-              <a:t>Design schema towards access pattern.</a:t>
-            </a:r>
-          </a:p>
-          <a:p>
-            <a:endParaRPr lang="en-US" dirty="0"/>
-          </a:p>
-          <a:p>
-            <a:r>
-              <a:rPr lang="en-US" dirty="0" smtClean="0"/>
-              <a:t>Embed data that belong together. Fetch all data you need in one simple query. No need for joins.</a:t>
-            </a:r>
-          </a:p>
-          <a:p>
-            <a:endParaRPr lang="en-US" dirty="0"/>
-          </a:p>
-          <a:p>
-            <a:r>
-              <a:rPr lang="en-US" dirty="0" smtClean="0"/>
-              <a:t>No difference between application model and database model means less code.</a:t>
-            </a:r>
-          </a:p>
-        </p:txBody>
-      </p:sp>
-      <p:sp>
-        <p:nvSpPr>
-          <p:cNvPr id="5" name="Slide Number Placeholder 4"/>
-          <p:cNvSpPr>
-            <a:spLocks noGrp="1"/>
-          </p:cNvSpPr>
-          <p:nvPr>
-            <p:ph type="sldNum" sz="quarter" idx="4"/>
-          </p:nvPr>
-        </p:nvSpPr>
-        <p:spPr/>
-        <p:txBody>
-          <a:bodyPr/>
-          <a:lstStyle/>
-          <a:p>
-            <a:fld id="{FF67BF5B-7344-D747-A0C2-CBD7B2ACBC85}" type="slidenum">
-              <a:rPr lang="en-US" smtClean="0"/>
-              <a:pPr/>
-              <a:t>8</a:t>
-            </a:fld>
-            <a:endParaRPr lang="en-US" dirty="0"/>
-          </a:p>
-        </p:txBody>
-      </p:sp>
-      <p:sp>
-        <p:nvSpPr>
-          <p:cNvPr id="6" name="Text Placeholder 5"/>
-          <p:cNvSpPr>
-            <a:spLocks noGrp="1"/>
-          </p:cNvSpPr>
-          <p:nvPr>
-            <p:ph type="body" sz="quarter" idx="13"/>
-          </p:nvPr>
-        </p:nvSpPr>
-        <p:spPr>
-          <a:xfrm>
-            <a:off x="331394" y="1272002"/>
-            <a:ext cx="1378430" cy="276999"/>
-          </a:xfrm>
-        </p:spPr>
-        <p:txBody>
-          <a:bodyPr/>
-          <a:lstStyle/>
-          <a:p>
-            <a:r>
-              <a:rPr lang="en-US" dirty="0" err="1" smtClean="0"/>
-              <a:t>Schemaless</a:t>
-            </a:r>
-            <a:endParaRPr lang="en-US" dirty="0"/>
-          </a:p>
-        </p:txBody>
-      </p:sp>
-      <p:sp>
-        <p:nvSpPr>
-          <p:cNvPr id="7" name="Text Placeholder 6"/>
-          <p:cNvSpPr>
-            <a:spLocks noGrp="1"/>
-          </p:cNvSpPr>
-          <p:nvPr>
-            <p:ph type="body" sz="quarter" idx="14"/>
-          </p:nvPr>
-        </p:nvSpPr>
-        <p:spPr>
-          <a:xfrm>
-            <a:off x="4632714" y="1272002"/>
-            <a:ext cx="2907920" cy="276999"/>
-          </a:xfrm>
-        </p:spPr>
-        <p:txBody>
-          <a:bodyPr/>
-          <a:lstStyle/>
-          <a:p>
-            <a:r>
-              <a:rPr lang="en-US" dirty="0" smtClean="0"/>
-              <a:t>Bias toward access pattern</a:t>
-            </a:r>
-            <a:endParaRPr lang="en-US" dirty="0"/>
-          </a:p>
-        </p:txBody>
-      </p:sp>
-    </p:spTree>
-    <p:extLst>
-      <p:ext uri="{BB962C8B-B14F-4D97-AF65-F5344CB8AC3E}">
-        <p14:creationId xmlns:p14="http://schemas.microsoft.com/office/powerpoint/2010/main" val="3697191711"/>
-      </p:ext>
-    </p:extLst>
-  </p:cSld>
-  <p:clrMapOvr>
-    <a:masterClrMapping/>
-  </p:clrMapOvr>
-  <p:transition>
-    <p:fade thruBlk="1"/>
-  </p:transition>
-  <p:timing>
-    <p:tnLst>
-      <p:par>
-        <p:cTn id="1" dur="indefinite" restart="never" nodeType="tmRoot"/>
-      </p:par>
-    </p:tnLst>
-  </p:timing>
-</p:sld>
-</file>
-
-<file path=ppt/slides/slide9.xml><?xml version="1.0" encoding="utf-8"?>
-<p:sld xmlns:a="http://schemas.openxmlformats.org/drawingml/2006/main" xmlns:r="http://schemas.openxmlformats.org/officeDocument/2006/relationships" xmlns:p="http://schemas.openxmlformats.org/presentationml/2006/main">
-  <p:cSld>
-    <p:spTree>
-      <p:nvGrpSpPr>
-        <p:cNvPr id="1" name=""/>
-        <p:cNvGrpSpPr/>
-        <p:nvPr/>
-      </p:nvGrpSpPr>
-      <p:grpSpPr>
-        <a:xfrm>
-          <a:off x="0" y="0"/>
-          <a:ext cx="0" cy="0"/>
-          <a:chOff x="0" y="0"/>
-          <a:chExt cx="0" cy="0"/>
-        </a:xfrm>
-      </p:grpSpPr>
-      <p:sp>
-        <p:nvSpPr>
-          <p:cNvPr id="2" name="Picture Placeholder 1"/>
-          <p:cNvSpPr>
-            <a:spLocks noGrp="1"/>
-          </p:cNvSpPr>
-          <p:nvPr>
-            <p:ph type="pic" sz="quarter" idx="10"/>
-          </p:nvPr>
-        </p:nvSpPr>
-        <p:spPr/>
-      </p:sp>
-      <p:sp>
-        <p:nvSpPr>
-          <p:cNvPr id="3" name="Title 2"/>
-          <p:cNvSpPr>
-            <a:spLocks noGrp="1"/>
-          </p:cNvSpPr>
-          <p:nvPr>
-            <p:ph type="title"/>
-          </p:nvPr>
-        </p:nvSpPr>
-        <p:spPr>
-          <a:xfrm>
-            <a:off x="321623" y="418905"/>
-            <a:ext cx="3553213" cy="307777"/>
-          </a:xfrm>
-        </p:spPr>
-        <p:txBody>
-          <a:bodyPr/>
-          <a:lstStyle/>
-          <a:p>
-            <a:r>
-              <a:rPr lang="en-US" dirty="0" smtClean="0"/>
-              <a:t>Queries and the shell</a:t>
-            </a:r>
-            <a:endParaRPr lang="en-US" dirty="0"/>
-          </a:p>
-        </p:txBody>
-      </p:sp>
-      <p:sp>
-        <p:nvSpPr>
-          <p:cNvPr id="4" name="Slide Number Placeholder 3"/>
-          <p:cNvSpPr>
-            <a:spLocks noGrp="1"/>
-          </p:cNvSpPr>
-          <p:nvPr>
-            <p:ph type="sldNum" sz="quarter" idx="4"/>
-          </p:nvPr>
-        </p:nvSpPr>
-        <p:spPr/>
-        <p:txBody>
-          <a:bodyPr/>
-          <a:lstStyle/>
-          <a:p>
-            <a:fld id="{FF67BF5B-7344-D747-A0C2-CBD7B2ACBC85}" type="slidenum">
-              <a:rPr lang="en-US" smtClean="0"/>
-              <a:pPr/>
-              <a:t>9</a:t>
-            </a:fld>
-            <a:endParaRPr lang="en-US" dirty="0"/>
-          </a:p>
-        </p:txBody>
-      </p:sp>
-      <p:pic>
-        <p:nvPicPr>
-          <p:cNvPr id="5" name="Picture 4" descr="shell_prompt.gif"/>
-          <p:cNvPicPr>
-            <a:picLocks noChangeAspect="1"/>
-          </p:cNvPicPr>
-          <p:nvPr/>
-        </p:nvPicPr>
-        <p:blipFill>
-          <a:blip r:embed="rId2">
-            <a:extLst>
-              <a:ext uri="{28A0092B-C50C-407E-A947-70E740481C1C}">
-                <a14:useLocalDpi xmlns:a14="http://schemas.microsoft.com/office/drawing/2010/main" val="0"/>
-              </a:ext>
-            </a:extLst>
-          </a:blip>
-          <a:stretch>
-            <a:fillRect/>
-          </a:stretch>
-        </p:blipFill>
-        <p:spPr>
-          <a:xfrm>
-            <a:off x="0" y="1280160"/>
-            <a:ext cx="9144000" cy="4572000"/>
-          </a:xfrm>
-          <a:prstGeom prst="rect">
-            <a:avLst/>
-          </a:prstGeom>
-        </p:spPr>
-      </p:pic>
-    </p:spTree>
-    <p:extLst>
-      <p:ext uri="{BB962C8B-B14F-4D97-AF65-F5344CB8AC3E}">
-        <p14:creationId xmlns:p14="http://schemas.microsoft.com/office/powerpoint/2010/main" val="3601541952"/>
       </p:ext>
     </p:extLst>
   </p:cSld>
